--- a/4-魏天柱-Holistic Influence Maximization_ Combining Scalability and Efficiency with Opinion-Aware Models..pptx
+++ b/4-魏天柱-Holistic Influence Maximization_ Combining Scalability and Efficiency with Opinion-Aware Models..pptx
@@ -1400,7 +1400,22 @@
                 </a:r>
                 <a:r>
                   <a:rPr lang="zh-CN" altLang="en-US" baseline="0" dirty="0" smtClean="0"/>
-                  <a:t>结点的入边邻居</a:t>
+                  <a:t>结点的入</a:t>
+                </a:r>
+                <a:r>
+                  <a:rPr lang="zh-CN" altLang="en-US" baseline="0" dirty="0" smtClean="0"/>
+                  <a:t>边</a:t>
+                </a:r>
+                <a:endParaRPr lang="en-US" altLang="zh-CN" baseline="0" dirty="0" smtClean="0"/>
+              </a:p>
+              <a:p>
+                <a:r>
+                  <a:rPr lang="zh-CN" altLang="en-US" baseline="0" dirty="0" smtClean="0"/>
+                  <a:t>邻</a:t>
+                </a:r>
+                <a:r>
+                  <a:rPr lang="zh-CN" altLang="en-US" baseline="0" dirty="0" smtClean="0"/>
+                  <a:t>居</a:t>
                 </a:r>
                 <a:r>
                   <a:rPr lang="en-US" altLang="zh-CN" baseline="0" dirty="0" smtClean="0"/>
@@ -1469,6 +1484,21 @@
                 <a:r>
                   <a:rPr lang="zh-CN" altLang="en-US" sz="1200" baseline="0" dirty="0" smtClean="0"/>
                   <a:t>小</a:t>
+                </a:r>
+                <a:endParaRPr lang="en-US" altLang="zh-CN" sz="1200" baseline="0" dirty="0" smtClean="0"/>
+              </a:p>
+              <a:p>
+                <a:r>
+                  <a:rPr lang="zh-CN" altLang="en-US" baseline="0" dirty="0" smtClean="0"/>
+                  <a:t>我们这里的 </a:t>
+                </a:r>
+                <a:r>
+                  <a:rPr lang="en-US" altLang="zh-CN" baseline="0" dirty="0" smtClean="0"/>
+                  <a:t>Spread </a:t>
+                </a:r>
+                <a:r>
+                  <a:rPr lang="zh-CN" altLang="en-US" baseline="0" dirty="0" smtClean="0"/>
+                  <a:t>代表到程序截止时被种子结点激活的结点个数</a:t>
                 </a:r>
                 <a:endParaRPr lang="en-US" altLang="zh-CN" sz="1200" baseline="0" dirty="0" smtClean="0"/>
               </a:p>
@@ -1884,24 +1914,144 @@
                   <a:defRPr/>
                 </a:pPr>
                 <a:r>
-                  <a:rPr lang="en-US" altLang="zh-CN" sz="1800" b="1" i="1" dirty="0" smtClean="0">
+                  <a:rPr lang="zh-CN" altLang="en-US" sz="1800" b="1" i="0" dirty="0" smtClean="0">
                     <a:latin typeface="Cambria Math" panose="02040503050406030204" pitchFamily="18" charset="0"/>
                   </a:rPr>
-                  <a:t>O&lt;0 O=0 O&gt;0  </a:t>
+                  <a:t>用</a:t>
                 </a:r>
                 <a:r>
-                  <a:rPr lang="zh-CN" altLang="en-US" sz="1800" b="1" i="1" dirty="0" smtClean="0">
+                  <a:rPr lang="en-US" altLang="zh-CN" sz="1800" b="1" i="0" dirty="0" smtClean="0">
+                    <a:latin typeface="Cambria Math" panose="02040503050406030204" pitchFamily="18" charset="0"/>
+                  </a:rPr>
+                  <a:t>0~1</a:t>
+                </a:r>
+                <a:r>
+                  <a:rPr lang="zh-CN" altLang="en-US" sz="1800" b="1" i="0" smtClean="0">
+                    <a:latin typeface="Cambria Math" panose="02040503050406030204" pitchFamily="18" charset="0"/>
+                  </a:rPr>
+                  <a:t>之间的一个数来表示个人意见的强烈程度</a:t>
+                </a:r>
+                <a:endParaRPr lang="en-US" altLang="zh-CN" sz="1800" b="1" i="0" smtClean="0">
+                  <a:latin typeface="Cambria Math" panose="02040503050406030204" pitchFamily="18" charset="0"/>
+                </a:endParaRPr>
+              </a:p>
+              <a:p>
+                <a:pPr marL="0" marR="0" indent="0" algn="l" defTabSz="914400" rtl="0" eaLnBrk="1" fontAlgn="auto" latinLnBrk="0" hangingPunct="1">
+                  <a:lnSpc>
+                    <a:spcPct val="100000"/>
+                  </a:lnSpc>
+                  <a:spcBef>
+                    <a:spcPts val="0"/>
+                  </a:spcBef>
+                  <a:spcAft>
+                    <a:spcPts val="0"/>
+                  </a:spcAft>
+                  <a:buClrTx/>
+                  <a:buSzTx/>
+                  <a:buFontTx/>
+                  <a:buNone/>
+                  <a:tabLst/>
+                  <a:defRPr/>
+                </a:pPr>
+                <a:r>
+                  <a:rPr lang="en-US" altLang="zh-CN" sz="1800" b="1" i="0" dirty="0" smtClean="0">
+                    <a:latin typeface="Cambria Math" panose="02040503050406030204" pitchFamily="18" charset="0"/>
+                  </a:rPr>
+                  <a:t>O&lt;0 </a:t>
+                </a:r>
+                <a:r>
+                  <a:rPr lang="en-US" altLang="zh-CN" sz="1800" b="1" i="0" dirty="0" smtClean="0">
+                    <a:latin typeface="Cambria Math" panose="02040503050406030204" pitchFamily="18" charset="0"/>
+                  </a:rPr>
+                  <a:t>O=0 O&gt;0  </a:t>
+                </a:r>
+                <a:r>
+                  <a:rPr lang="zh-CN" altLang="en-US" sz="1800" b="1" i="0" dirty="0" smtClean="0">
                     <a:latin typeface="Cambria Math" panose="02040503050406030204" pitchFamily="18" charset="0"/>
                   </a:rPr>
                   <a:t>分别代表反对</a:t>
                 </a:r>
                 <a:r>
-                  <a:rPr lang="zh-CN" altLang="en-US" sz="1800" b="1" i="1" baseline="0" dirty="0" smtClean="0">
+                  <a:rPr lang="zh-CN" altLang="en-US" sz="1800" b="1" i="0" baseline="0" dirty="0" smtClean="0">
                     <a:latin typeface="Cambria Math" panose="02040503050406030204" pitchFamily="18" charset="0"/>
                   </a:rPr>
                   <a:t> 、中立 、支持</a:t>
                 </a:r>
+                <a:endParaRPr lang="en-US" altLang="zh-CN" sz="1800" b="1" i="0" dirty="0" smtClean="0">
+                  <a:latin typeface="Cambria Math" panose="02040503050406030204" pitchFamily="18" charset="0"/>
+                </a:endParaRPr>
+              </a:p>
+              <a:p>
+                <a:pPr marL="0" marR="0" indent="0" algn="l" defTabSz="914400" rtl="0" eaLnBrk="1" fontAlgn="auto" latinLnBrk="0" hangingPunct="1">
+                  <a:lnSpc>
+                    <a:spcPct val="100000"/>
+                  </a:lnSpc>
+                  <a:spcBef>
+                    <a:spcPts val="0"/>
+                  </a:spcBef>
+                  <a:spcAft>
+                    <a:spcPts val="0"/>
+                  </a:spcAft>
+                  <a:buClrTx/>
+                  <a:buSzTx/>
+                  <a:buFontTx/>
+                  <a:buNone/>
+                  <a:tabLst/>
+                  <a:defRPr/>
+                </a:pPr>
                 <a:endParaRPr lang="en-US" altLang="zh-CN" sz="1800" b="1" i="1" dirty="0" smtClean="0">
+                  <a:latin typeface="Cambria Math" panose="02040503050406030204" pitchFamily="18" charset="0"/>
+                </a:endParaRPr>
+              </a:p>
+              <a:p>
+                <a:pPr marL="0" marR="0" indent="0" algn="l" defTabSz="914400" rtl="0" eaLnBrk="1" fontAlgn="auto" latinLnBrk="0" hangingPunct="1">
+                  <a:lnSpc>
+                    <a:spcPct val="100000"/>
+                  </a:lnSpc>
+                  <a:spcBef>
+                    <a:spcPts val="0"/>
+                  </a:spcBef>
+                  <a:spcAft>
+                    <a:spcPts val="0"/>
+                  </a:spcAft>
+                  <a:buClrTx/>
+                  <a:buSzTx/>
+                  <a:buFontTx/>
+                  <a:buNone/>
+                  <a:tabLst/>
+                  <a:defRPr/>
+                </a:pPr>
+                <a:r>
+                  <a:rPr lang="zh-CN" altLang="en-US" sz="1800" b="1" i="0" dirty="0" smtClean="0">
+                    <a:latin typeface="Cambria Math" panose="02040503050406030204" pitchFamily="18" charset="0"/>
+                  </a:rPr>
+                  <a:t>我们的 </a:t>
+                </a:r>
+                <a:r>
+                  <a:rPr lang="en-US" altLang="zh-CN" sz="1800" b="1" i="0" dirty="0" smtClean="0">
+                    <a:latin typeface="Cambria Math" panose="02040503050406030204" pitchFamily="18" charset="0"/>
+                  </a:rPr>
+                  <a:t>OI </a:t>
+                </a:r>
+                <a:r>
+                  <a:rPr lang="zh-CN" altLang="en-US" sz="1800" b="1" i="0" dirty="0" smtClean="0">
+                    <a:latin typeface="Cambria Math" panose="02040503050406030204" pitchFamily="18" charset="0"/>
+                  </a:rPr>
+                  <a:t>模型这里介绍的是基于</a:t>
+                </a:r>
+                <a:r>
+                  <a:rPr lang="en-US" altLang="zh-CN" sz="1800" b="1" i="0" dirty="0" smtClean="0">
+                    <a:latin typeface="Cambria Math" panose="02040503050406030204" pitchFamily="18" charset="0"/>
+                  </a:rPr>
+                  <a:t>IC</a:t>
+                </a:r>
+                <a:r>
+                  <a:rPr lang="zh-CN" altLang="en-US" sz="1800" b="1" i="0" dirty="0" smtClean="0">
+                    <a:latin typeface="Cambria Math" panose="02040503050406030204" pitchFamily="18" charset="0"/>
+                  </a:rPr>
+                  <a:t>模型的</a:t>
+                </a:r>
+                <a:endParaRPr lang="en-US" altLang="zh-CN" sz="1800" b="1" i="0" dirty="0" smtClean="0">
                   <a:latin typeface="Cambria Math" panose="02040503050406030204" pitchFamily="18" charset="0"/>
                 </a:endParaRPr>
               </a:p>
@@ -13391,9 +13541,9 @@
         <p:grpSpPr>
           <a:xfrm>
             <a:off x="971259" y="1255245"/>
-            <a:ext cx="1694695" cy="1320237"/>
+            <a:ext cx="1694695" cy="1362130"/>
             <a:chOff x="542963" y="1533101"/>
-            <a:chExt cx="1694695" cy="1320237"/>
+            <a:chExt cx="1694695" cy="1362130"/>
           </a:xfrm>
         </p:grpSpPr>
         <p:sp>
@@ -13446,7 +13596,7 @@
           </p:nvSpPr>
           <p:spPr>
             <a:xfrm>
-              <a:off x="542963" y="2453228"/>
+              <a:off x="542963" y="2013389"/>
               <a:ext cx="1694695" cy="400110"/>
             </a:xfrm>
             <a:prstGeom prst="rect">
@@ -13481,7 +13631,7 @@
           </p:nvSpPr>
           <p:spPr>
             <a:xfrm>
-              <a:off x="542963" y="1993164"/>
+              <a:off x="542963" y="2495121"/>
               <a:ext cx="1040221" cy="400110"/>
             </a:xfrm>
             <a:prstGeom prst="rect">
@@ -16397,7 +16547,7 @@
                                           </p:stCondLst>
                                         </p:cTn>
                                         <p:tgtEl>
-                                          <p:spTgt spid="10"/>
+                                          <p:spTgt spid="9"/>
                                         </p:tgtEl>
                                         <p:attrNameLst>
                                           <p:attrName>style.visibility</p:attrName>
@@ -16411,7 +16561,7 @@
                                       <p:cBhvr>
                                         <p:cTn id="12" dur="1000"/>
                                         <p:tgtEl>
-                                          <p:spTgt spid="10"/>
+                                          <p:spTgt spid="9"/>
                                         </p:tgtEl>
                                       </p:cBhvr>
                                     </p:animEffect>
@@ -16419,7 +16569,7 @@
                                       <p:cBhvr>
                                         <p:cTn id="13" dur="1000" fill="hold"/>
                                         <p:tgtEl>
-                                          <p:spTgt spid="10"/>
+                                          <p:spTgt spid="9"/>
                                         </p:tgtEl>
                                         <p:attrNameLst>
                                           <p:attrName>ppt_x</p:attrName>
@@ -16442,7 +16592,7 @@
                                       <p:cBhvr>
                                         <p:cTn id="14" dur="1000" fill="hold"/>
                                         <p:tgtEl>
-                                          <p:spTgt spid="10"/>
+                                          <p:spTgt spid="9"/>
                                         </p:tgtEl>
                                         <p:attrNameLst>
                                           <p:attrName>ppt_y</p:attrName>
@@ -16487,7 +16637,7 @@
                                           </p:stCondLst>
                                         </p:cTn>
                                         <p:tgtEl>
-                                          <p:spTgt spid="9"/>
+                                          <p:spTgt spid="10"/>
                                         </p:tgtEl>
                                         <p:attrNameLst>
                                           <p:attrName>style.visibility</p:attrName>
@@ -16501,7 +16651,7 @@
                                       <p:cBhvr>
                                         <p:cTn id="18" dur="1000"/>
                                         <p:tgtEl>
-                                          <p:spTgt spid="9"/>
+                                          <p:spTgt spid="10"/>
                                         </p:tgtEl>
                                       </p:cBhvr>
                                     </p:animEffect>
@@ -16509,7 +16659,7 @@
                                       <p:cBhvr>
                                         <p:cTn id="19" dur="1000" fill="hold"/>
                                         <p:tgtEl>
-                                          <p:spTgt spid="9"/>
+                                          <p:spTgt spid="10"/>
                                         </p:tgtEl>
                                         <p:attrNameLst>
                                           <p:attrName>ppt_x</p:attrName>
@@ -16532,7 +16682,7 @@
                                       <p:cBhvr>
                                         <p:cTn id="20" dur="1000" fill="hold"/>
                                         <p:tgtEl>
-                                          <p:spTgt spid="9"/>
+                                          <p:spTgt spid="10"/>
                                         </p:tgtEl>
                                         <p:attrNameLst>
                                           <p:attrName>ppt_y</p:attrName>
@@ -16606,1063 +16756,6 @@
           <a:chExt cx="0" cy="0"/>
         </a:xfrm>
       </p:grpSpPr>
-      <p:grpSp>
-        <p:nvGrpSpPr>
-          <p:cNvPr id="24" name="组合 23"/>
-          <p:cNvGrpSpPr/>
-          <p:nvPr/>
-        </p:nvGrpSpPr>
-        <p:grpSpPr>
-          <a:xfrm>
-            <a:off x="4510961" y="2114104"/>
-            <a:ext cx="4639922" cy="2125003"/>
-            <a:chOff x="5357100" y="1752167"/>
-            <a:chExt cx="6186563" cy="2833336"/>
-          </a:xfrm>
-        </p:grpSpPr>
-        <p:sp>
-          <p:nvSpPr>
-            <p:cNvPr id="4" name="椭圆 3"/>
-            <p:cNvSpPr/>
-            <p:nvPr/>
-          </p:nvSpPr>
-          <p:spPr>
-            <a:xfrm>
-              <a:off x="5978024" y="3059223"/>
-              <a:ext cx="407772" cy="407772"/>
-            </a:xfrm>
-            <a:prstGeom prst="ellipse">
-              <a:avLst/>
-            </a:prstGeom>
-          </p:spPr>
-          <p:style>
-            <a:lnRef idx="2">
-              <a:schemeClr val="accent1">
-                <a:shade val="50000"/>
-              </a:schemeClr>
-            </a:lnRef>
-            <a:fillRef idx="1">
-              <a:schemeClr val="accent1"/>
-            </a:fillRef>
-            <a:effectRef idx="0">
-              <a:schemeClr val="accent1"/>
-            </a:effectRef>
-            <a:fontRef idx="minor">
-              <a:schemeClr val="lt1"/>
-            </a:fontRef>
-          </p:style>
-          <p:txBody>
-            <a:bodyPr rot="0" spcFirstLastPara="0" vertOverflow="overflow" horzOverflow="overflow" vert="horz" wrap="square" lIns="68580" tIns="34290" rIns="68580" bIns="34290" numCol="1" spcCol="0" rtlCol="0" fromWordArt="0" anchor="ctr" anchorCtr="0" forceAA="0" compatLnSpc="1">
-              <a:prstTxWarp prst="textNoShape">
-                <a:avLst/>
-              </a:prstTxWarp>
-              <a:noAutofit/>
-            </a:bodyPr>
-            <a:lstStyle/>
-            <a:p>
-              <a:pPr algn="ctr"/>
-              <a:r>
-                <a:rPr lang="en-US" altLang="zh-CN" dirty="0"/>
-                <a:t>A</a:t>
-              </a:r>
-              <a:endParaRPr lang="zh-CN" altLang="en-US" dirty="0"/>
-            </a:p>
-          </p:txBody>
-        </p:sp>
-        <p:sp>
-          <p:nvSpPr>
-            <p:cNvPr id="5" name="椭圆 4"/>
-            <p:cNvSpPr/>
-            <p:nvPr/>
-          </p:nvSpPr>
-          <p:spPr>
-            <a:xfrm>
-              <a:off x="8161568" y="2205951"/>
-              <a:ext cx="407772" cy="407772"/>
-            </a:xfrm>
-            <a:prstGeom prst="ellipse">
-              <a:avLst/>
-            </a:prstGeom>
-          </p:spPr>
-          <p:style>
-            <a:lnRef idx="2">
-              <a:schemeClr val="accent1">
-                <a:shade val="50000"/>
-              </a:schemeClr>
-            </a:lnRef>
-            <a:fillRef idx="1">
-              <a:schemeClr val="accent1"/>
-            </a:fillRef>
-            <a:effectRef idx="0">
-              <a:schemeClr val="accent1"/>
-            </a:effectRef>
-            <a:fontRef idx="minor">
-              <a:schemeClr val="lt1"/>
-            </a:fontRef>
-          </p:style>
-          <p:txBody>
-            <a:bodyPr rot="0" spcFirstLastPara="0" vertOverflow="overflow" horzOverflow="overflow" vert="horz" wrap="square" lIns="68580" tIns="34290" rIns="68580" bIns="34290" numCol="1" spcCol="0" rtlCol="0" fromWordArt="0" anchor="ctr" anchorCtr="0" forceAA="0" compatLnSpc="1">
-              <a:prstTxWarp prst="textNoShape">
-                <a:avLst/>
-              </a:prstTxWarp>
-              <a:noAutofit/>
-            </a:bodyPr>
-            <a:lstStyle/>
-            <a:p>
-              <a:pPr algn="ctr"/>
-              <a:r>
-                <a:rPr lang="en-US" altLang="zh-CN" dirty="0"/>
-                <a:t>B</a:t>
-              </a:r>
-              <a:endParaRPr lang="zh-CN" altLang="en-US" dirty="0"/>
-            </a:p>
-          </p:txBody>
-        </p:sp>
-        <p:sp>
-          <p:nvSpPr>
-            <p:cNvPr id="6" name="椭圆 5"/>
-            <p:cNvSpPr/>
-            <p:nvPr/>
-          </p:nvSpPr>
-          <p:spPr>
-            <a:xfrm>
-              <a:off x="10550014" y="3053729"/>
-              <a:ext cx="407772" cy="407772"/>
-            </a:xfrm>
-            <a:prstGeom prst="ellipse">
-              <a:avLst/>
-            </a:prstGeom>
-          </p:spPr>
-          <p:style>
-            <a:lnRef idx="2">
-              <a:schemeClr val="accent1">
-                <a:shade val="50000"/>
-              </a:schemeClr>
-            </a:lnRef>
-            <a:fillRef idx="1">
-              <a:schemeClr val="accent1"/>
-            </a:fillRef>
-            <a:effectRef idx="0">
-              <a:schemeClr val="accent1"/>
-            </a:effectRef>
-            <a:fontRef idx="minor">
-              <a:schemeClr val="lt1"/>
-            </a:fontRef>
-          </p:style>
-          <p:txBody>
-            <a:bodyPr rot="0" spcFirstLastPara="0" vertOverflow="overflow" horzOverflow="overflow" vert="horz" wrap="square" lIns="68580" tIns="34290" rIns="68580" bIns="34290" numCol="1" spcCol="0" rtlCol="0" fromWordArt="0" anchor="ctr" anchorCtr="0" forceAA="0" compatLnSpc="1">
-              <a:prstTxWarp prst="textNoShape">
-                <a:avLst/>
-              </a:prstTxWarp>
-              <a:noAutofit/>
-            </a:bodyPr>
-            <a:lstStyle/>
-            <a:p>
-              <a:pPr algn="ctr"/>
-              <a:r>
-                <a:rPr lang="en-US" altLang="zh-CN" dirty="0"/>
-                <a:t>C</a:t>
-              </a:r>
-              <a:endParaRPr lang="zh-CN" altLang="en-US" dirty="0"/>
-            </a:p>
-          </p:txBody>
-        </p:sp>
-        <p:sp>
-          <p:nvSpPr>
-            <p:cNvPr id="7" name="椭圆 6"/>
-            <p:cNvSpPr/>
-            <p:nvPr/>
-          </p:nvSpPr>
-          <p:spPr>
-            <a:xfrm>
-              <a:off x="8173925" y="3680141"/>
-              <a:ext cx="407772" cy="407772"/>
-            </a:xfrm>
-            <a:prstGeom prst="ellipse">
-              <a:avLst/>
-            </a:prstGeom>
-          </p:spPr>
-          <p:style>
-            <a:lnRef idx="2">
-              <a:schemeClr val="accent1">
-                <a:shade val="50000"/>
-              </a:schemeClr>
-            </a:lnRef>
-            <a:fillRef idx="1">
-              <a:schemeClr val="accent1"/>
-            </a:fillRef>
-            <a:effectRef idx="0">
-              <a:schemeClr val="accent1"/>
-            </a:effectRef>
-            <a:fontRef idx="minor">
-              <a:schemeClr val="lt1"/>
-            </a:fontRef>
-          </p:style>
-          <p:txBody>
-            <a:bodyPr rot="0" spcFirstLastPara="0" vertOverflow="overflow" horzOverflow="overflow" vert="horz" wrap="square" lIns="68580" tIns="34290" rIns="68580" bIns="34290" numCol="1" spcCol="0" rtlCol="0" fromWordArt="0" anchor="ctr" anchorCtr="0" forceAA="0" compatLnSpc="1">
-              <a:prstTxWarp prst="textNoShape">
-                <a:avLst/>
-              </a:prstTxWarp>
-              <a:noAutofit/>
-            </a:bodyPr>
-            <a:lstStyle/>
-            <a:p>
-              <a:pPr algn="ctr"/>
-              <a:r>
-                <a:rPr lang="en-US" altLang="zh-CN" dirty="0"/>
-                <a:t>D</a:t>
-              </a:r>
-              <a:endParaRPr lang="zh-CN" altLang="en-US" dirty="0"/>
-            </a:p>
-          </p:txBody>
-        </p:sp>
-        <p:cxnSp>
-          <p:nvCxnSpPr>
-            <p:cNvPr id="9" name="直接箭头连接符 8"/>
-            <p:cNvCxnSpPr>
-              <a:stCxn id="5" idx="2"/>
-              <a:endCxn id="4" idx="7"/>
-            </p:cNvCxnSpPr>
-            <p:nvPr/>
-          </p:nvCxnSpPr>
-          <p:spPr>
-            <a:xfrm flipH="1">
-              <a:off x="6326080" y="2409838"/>
-              <a:ext cx="1835489" cy="709103"/>
-            </a:xfrm>
-            <a:prstGeom prst="straightConnector1">
-              <a:avLst/>
-            </a:prstGeom>
-            <a:ln w="34925">
-              <a:solidFill>
-                <a:schemeClr val="tx1"/>
-              </a:solidFill>
-              <a:tailEnd type="arrow"/>
-            </a:ln>
-          </p:spPr>
-          <p:style>
-            <a:lnRef idx="1">
-              <a:schemeClr val="accent1"/>
-            </a:lnRef>
-            <a:fillRef idx="0">
-              <a:schemeClr val="accent1"/>
-            </a:fillRef>
-            <a:effectRef idx="0">
-              <a:schemeClr val="accent1"/>
-            </a:effectRef>
-            <a:fontRef idx="minor">
-              <a:schemeClr val="tx1"/>
-            </a:fontRef>
-          </p:style>
-        </p:cxnSp>
-        <p:cxnSp>
-          <p:nvCxnSpPr>
-            <p:cNvPr id="19" name="直接箭头连接符 18"/>
-            <p:cNvCxnSpPr>
-              <a:stCxn id="5" idx="6"/>
-              <a:endCxn id="6" idx="1"/>
-            </p:cNvCxnSpPr>
-            <p:nvPr/>
-          </p:nvCxnSpPr>
-          <p:spPr>
-            <a:xfrm>
-              <a:off x="8569341" y="2409838"/>
-              <a:ext cx="2040391" cy="703609"/>
-            </a:xfrm>
-            <a:prstGeom prst="straightConnector1">
-              <a:avLst/>
-            </a:prstGeom>
-            <a:ln w="34925">
-              <a:solidFill>
-                <a:schemeClr val="tx1"/>
-              </a:solidFill>
-              <a:tailEnd type="arrow"/>
-            </a:ln>
-          </p:spPr>
-          <p:style>
-            <a:lnRef idx="1">
-              <a:schemeClr val="accent1"/>
-            </a:lnRef>
-            <a:fillRef idx="0">
-              <a:schemeClr val="accent1"/>
-            </a:fillRef>
-            <a:effectRef idx="0">
-              <a:schemeClr val="accent1"/>
-            </a:effectRef>
-            <a:fontRef idx="minor">
-              <a:schemeClr val="tx1"/>
-            </a:fontRef>
-          </p:style>
-        </p:cxnSp>
-        <p:cxnSp>
-          <p:nvCxnSpPr>
-            <p:cNvPr id="22" name="直接箭头连接符 21"/>
-            <p:cNvCxnSpPr>
-              <a:stCxn id="6" idx="3"/>
-              <a:endCxn id="7" idx="6"/>
-            </p:cNvCxnSpPr>
-            <p:nvPr/>
-          </p:nvCxnSpPr>
-          <p:spPr>
-            <a:xfrm flipH="1">
-              <a:off x="8581697" y="3401786"/>
-              <a:ext cx="2028034" cy="482243"/>
-            </a:xfrm>
-            <a:prstGeom prst="straightConnector1">
-              <a:avLst/>
-            </a:prstGeom>
-            <a:ln w="34925">
-              <a:solidFill>
-                <a:schemeClr val="tx1"/>
-              </a:solidFill>
-              <a:tailEnd type="arrow"/>
-            </a:ln>
-          </p:spPr>
-          <p:style>
-            <a:lnRef idx="1">
-              <a:schemeClr val="accent1"/>
-            </a:lnRef>
-            <a:fillRef idx="0">
-              <a:schemeClr val="accent1"/>
-            </a:fillRef>
-            <a:effectRef idx="0">
-              <a:schemeClr val="accent1"/>
-            </a:effectRef>
-            <a:fontRef idx="minor">
-              <a:schemeClr val="tx1"/>
-            </a:fontRef>
-          </p:style>
-        </p:cxnSp>
-        <p:cxnSp>
-          <p:nvCxnSpPr>
-            <p:cNvPr id="25" name="直接箭头连接符 24"/>
-            <p:cNvCxnSpPr>
-              <a:stCxn id="4" idx="5"/>
-              <a:endCxn id="7" idx="2"/>
-            </p:cNvCxnSpPr>
-            <p:nvPr/>
-          </p:nvCxnSpPr>
-          <p:spPr>
-            <a:xfrm>
-              <a:off x="6326079" y="3407280"/>
-              <a:ext cx="1847846" cy="476749"/>
-            </a:xfrm>
-            <a:prstGeom prst="straightConnector1">
-              <a:avLst/>
-            </a:prstGeom>
-            <a:ln w="34925">
-              <a:solidFill>
-                <a:schemeClr val="tx1"/>
-              </a:solidFill>
-              <a:tailEnd type="arrow"/>
-            </a:ln>
-          </p:spPr>
-          <p:style>
-            <a:lnRef idx="1">
-              <a:schemeClr val="accent1"/>
-            </a:lnRef>
-            <a:fillRef idx="0">
-              <a:schemeClr val="accent1"/>
-            </a:fillRef>
-            <a:effectRef idx="0">
-              <a:schemeClr val="accent1"/>
-            </a:effectRef>
-            <a:fontRef idx="minor">
-              <a:schemeClr val="tx1"/>
-            </a:fontRef>
-          </p:style>
-        </p:cxnSp>
-        <p:sp>
-          <p:nvSpPr>
-            <p:cNvPr id="36" name="文本框 35"/>
-            <p:cNvSpPr txBox="1"/>
-            <p:nvPr/>
-          </p:nvSpPr>
-          <p:spPr>
-            <a:xfrm>
-              <a:off x="5357100" y="3472491"/>
-              <a:ext cx="1163613" cy="430887"/>
-            </a:xfrm>
-            <a:prstGeom prst="rect">
-              <a:avLst/>
-            </a:prstGeom>
-            <a:noFill/>
-          </p:spPr>
-          <p:txBody>
-            <a:bodyPr wrap="square" rtlCol="0">
-              <a:spAutoFit/>
-            </a:bodyPr>
-            <a:lstStyle/>
-            <a:p>
-              <a:pPr algn="ctr"/>
-              <a:r>
-                <a:rPr lang="en-US" altLang="zh-CN" sz="1500" dirty="0"/>
-                <a:t>O</a:t>
-              </a:r>
-              <a:r>
-                <a:rPr lang="en-US" altLang="zh-CN" sz="1500" baseline="-25000" dirty="0"/>
-                <a:t>A </a:t>
-              </a:r>
-              <a:r>
-                <a:rPr lang="en-US" altLang="zh-CN" sz="1500" dirty="0"/>
-                <a:t>= 0.8</a:t>
-              </a:r>
-              <a:endParaRPr lang="zh-CN" altLang="en-US" sz="1500" baseline="-25000" dirty="0"/>
-            </a:p>
-          </p:txBody>
-        </p:sp>
-        <p:sp>
-          <p:nvSpPr>
-            <p:cNvPr id="37" name="文本框 36"/>
-            <p:cNvSpPr txBox="1"/>
-            <p:nvPr/>
-          </p:nvSpPr>
-          <p:spPr>
-            <a:xfrm>
-              <a:off x="7796004" y="1752167"/>
-              <a:ext cx="1163613" cy="430887"/>
-            </a:xfrm>
-            <a:prstGeom prst="rect">
-              <a:avLst/>
-            </a:prstGeom>
-            <a:noFill/>
-          </p:spPr>
-          <p:txBody>
-            <a:bodyPr wrap="square" rtlCol="0">
-              <a:spAutoFit/>
-            </a:bodyPr>
-            <a:lstStyle/>
-            <a:p>
-              <a:pPr algn="ctr"/>
-              <a:r>
-                <a:rPr lang="en-US" altLang="zh-CN" sz="1500" dirty="0"/>
-                <a:t>O</a:t>
-              </a:r>
-              <a:r>
-                <a:rPr lang="en-US" altLang="zh-CN" sz="1500" baseline="-25000" dirty="0"/>
-                <a:t>B </a:t>
-              </a:r>
-              <a:r>
-                <a:rPr lang="en-US" altLang="zh-CN" sz="1500" dirty="0"/>
-                <a:t>= 0</a:t>
-              </a:r>
-              <a:endParaRPr lang="zh-CN" altLang="en-US" sz="1500" baseline="-25000" dirty="0"/>
-            </a:p>
-          </p:txBody>
-        </p:sp>
-        <p:sp>
-          <p:nvSpPr>
-            <p:cNvPr id="38" name="文本框 37"/>
-            <p:cNvSpPr txBox="1"/>
-            <p:nvPr/>
-          </p:nvSpPr>
-          <p:spPr>
-            <a:xfrm>
-              <a:off x="10380050" y="3461501"/>
-              <a:ext cx="1163613" cy="430887"/>
-            </a:xfrm>
-            <a:prstGeom prst="rect">
-              <a:avLst/>
-            </a:prstGeom>
-            <a:noFill/>
-          </p:spPr>
-          <p:txBody>
-            <a:bodyPr wrap="square" rtlCol="0">
-              <a:spAutoFit/>
-            </a:bodyPr>
-            <a:lstStyle/>
-            <a:p>
-              <a:pPr algn="ctr"/>
-              <a:r>
-                <a:rPr lang="en-US" altLang="zh-CN" sz="1500" dirty="0"/>
-                <a:t>O</a:t>
-              </a:r>
-              <a:r>
-                <a:rPr lang="en-US" altLang="zh-CN" sz="1500" baseline="-25000" dirty="0"/>
-                <a:t>C </a:t>
-              </a:r>
-              <a:r>
-                <a:rPr lang="en-US" altLang="zh-CN" sz="1500" dirty="0"/>
-                <a:t>= 0.6</a:t>
-              </a:r>
-              <a:endParaRPr lang="zh-CN" altLang="en-US" sz="1500" baseline="-25000" dirty="0"/>
-            </a:p>
-          </p:txBody>
-        </p:sp>
-        <p:sp>
-          <p:nvSpPr>
-            <p:cNvPr id="39" name="文本框 38"/>
-            <p:cNvSpPr txBox="1"/>
-            <p:nvPr/>
-          </p:nvSpPr>
-          <p:spPr>
-            <a:xfrm>
-              <a:off x="7796004" y="4154616"/>
-              <a:ext cx="1163613" cy="430887"/>
-            </a:xfrm>
-            <a:prstGeom prst="rect">
-              <a:avLst/>
-            </a:prstGeom>
-            <a:noFill/>
-          </p:spPr>
-          <p:txBody>
-            <a:bodyPr wrap="square" rtlCol="0">
-              <a:spAutoFit/>
-            </a:bodyPr>
-            <a:lstStyle/>
-            <a:p>
-              <a:pPr algn="ctr"/>
-              <a:r>
-                <a:rPr lang="en-US" altLang="zh-CN" sz="1500" dirty="0"/>
-                <a:t>O</a:t>
-              </a:r>
-              <a:r>
-                <a:rPr lang="en-US" altLang="zh-CN" sz="1500" baseline="-25000" dirty="0"/>
-                <a:t>D </a:t>
-              </a:r>
-              <a:r>
-                <a:rPr lang="en-US" altLang="zh-CN" sz="1500" dirty="0"/>
-                <a:t>= -0.3</a:t>
-              </a:r>
-              <a:endParaRPr lang="zh-CN" altLang="en-US" sz="1500" baseline="-25000" dirty="0"/>
-            </a:p>
-          </p:txBody>
-        </p:sp>
-        <p:sp>
-          <p:nvSpPr>
-            <p:cNvPr id="40" name="文本框 39"/>
-            <p:cNvSpPr txBox="1"/>
-            <p:nvPr/>
-          </p:nvSpPr>
-          <p:spPr>
-            <a:xfrm>
-              <a:off x="6795920" y="2244681"/>
-              <a:ext cx="1117268" cy="430886"/>
-            </a:xfrm>
-            <a:prstGeom prst="rect">
-              <a:avLst/>
-            </a:prstGeom>
-            <a:noFill/>
-          </p:spPr>
-          <p:txBody>
-            <a:bodyPr wrap="square" rtlCol="0">
-              <a:spAutoFit/>
-            </a:bodyPr>
-            <a:lstStyle/>
-            <a:p>
-              <a:r>
-                <a:rPr lang="en-US" altLang="zh-CN" sz="1500" dirty="0"/>
-                <a:t>p</a:t>
-              </a:r>
-              <a:r>
-                <a:rPr lang="en-US" altLang="zh-CN" sz="1500" baseline="-25000" dirty="0"/>
-                <a:t>BA </a:t>
-              </a:r>
-              <a:r>
-                <a:rPr lang="en-US" altLang="zh-CN" sz="1500" dirty="0"/>
-                <a:t>= 0.1</a:t>
-              </a:r>
-              <a:endParaRPr lang="zh-CN" altLang="en-US" sz="1500" baseline="-25000" dirty="0"/>
-            </a:p>
-          </p:txBody>
-        </p:sp>
-        <p:sp>
-          <p:nvSpPr>
-            <p:cNvPr id="41" name="文本框 40"/>
-            <p:cNvSpPr txBox="1"/>
-            <p:nvPr/>
-          </p:nvSpPr>
-          <p:spPr>
-            <a:xfrm>
-              <a:off x="8842434" y="2143125"/>
-              <a:ext cx="1117268" cy="430886"/>
-            </a:xfrm>
-            <a:prstGeom prst="rect">
-              <a:avLst/>
-            </a:prstGeom>
-            <a:noFill/>
-          </p:spPr>
-          <p:txBody>
-            <a:bodyPr wrap="square" rtlCol="0">
-              <a:spAutoFit/>
-            </a:bodyPr>
-            <a:lstStyle/>
-            <a:p>
-              <a:r>
-                <a:rPr lang="en-US" altLang="zh-CN" sz="1500" dirty="0"/>
-                <a:t>p</a:t>
-              </a:r>
-              <a:r>
-                <a:rPr lang="en-US" altLang="zh-CN" sz="1500" baseline="-25000" dirty="0"/>
-                <a:t>BC </a:t>
-              </a:r>
-              <a:r>
-                <a:rPr lang="en-US" altLang="zh-CN" sz="1500" dirty="0"/>
-                <a:t>= 0.1</a:t>
-              </a:r>
-              <a:endParaRPr lang="zh-CN" altLang="en-US" sz="1500" baseline="-25000" dirty="0"/>
-            </a:p>
-          </p:txBody>
-        </p:sp>
-        <p:sp>
-          <p:nvSpPr>
-            <p:cNvPr id="42" name="文本框 41"/>
-            <p:cNvSpPr txBox="1"/>
-            <p:nvPr/>
-          </p:nvSpPr>
-          <p:spPr>
-            <a:xfrm>
-              <a:off x="7020451" y="3217118"/>
-              <a:ext cx="1117268" cy="738664"/>
-            </a:xfrm>
-            <a:prstGeom prst="rect">
-              <a:avLst/>
-            </a:prstGeom>
-            <a:noFill/>
-          </p:spPr>
-          <p:txBody>
-            <a:bodyPr wrap="square" rtlCol="0">
-              <a:spAutoFit/>
-            </a:bodyPr>
-            <a:lstStyle/>
-            <a:p>
-              <a:r>
-                <a:rPr lang="en-US" altLang="zh-CN" sz="1500" dirty="0"/>
-                <a:t>p</a:t>
-              </a:r>
-              <a:r>
-                <a:rPr lang="en-US" altLang="zh-CN" sz="1500" baseline="-25000" dirty="0"/>
-                <a:t>AD </a:t>
-              </a:r>
-              <a:r>
-                <a:rPr lang="en-US" altLang="zh-CN" sz="1500" dirty="0"/>
-                <a:t>= 0.8</a:t>
-              </a:r>
-              <a:endParaRPr lang="zh-CN" altLang="en-US" sz="1500" baseline="-25000" dirty="0"/>
-            </a:p>
-          </p:txBody>
-        </p:sp>
-        <p:sp>
-          <p:nvSpPr>
-            <p:cNvPr id="43" name="文本框 42"/>
-            <p:cNvSpPr txBox="1"/>
-            <p:nvPr/>
-          </p:nvSpPr>
-          <p:spPr>
-            <a:xfrm>
-              <a:off x="9107858" y="3217622"/>
-              <a:ext cx="1117268" cy="430886"/>
-            </a:xfrm>
-            <a:prstGeom prst="rect">
-              <a:avLst/>
-            </a:prstGeom>
-            <a:noFill/>
-          </p:spPr>
-          <p:txBody>
-            <a:bodyPr wrap="square" rtlCol="0">
-              <a:spAutoFit/>
-            </a:bodyPr>
-            <a:lstStyle/>
-            <a:p>
-              <a:r>
-                <a:rPr lang="en-US" altLang="zh-CN" sz="1500" dirty="0"/>
-                <a:t>p</a:t>
-              </a:r>
-              <a:r>
-                <a:rPr lang="en-US" altLang="zh-CN" sz="1500" baseline="-25000" dirty="0"/>
-                <a:t>CD </a:t>
-              </a:r>
-              <a:r>
-                <a:rPr lang="en-US" altLang="zh-CN" sz="1500" dirty="0"/>
-                <a:t>= 0.9</a:t>
-              </a:r>
-              <a:endParaRPr lang="zh-CN" altLang="en-US" sz="1500" baseline="-25000" dirty="0"/>
-            </a:p>
-          </p:txBody>
-        </p:sp>
-        <mc:AlternateContent xmlns:mc="http://schemas.openxmlformats.org/markup-compatibility/2006" xmlns:a14="http://schemas.microsoft.com/office/drawing/2010/main">
-          <mc:Choice Requires="a14">
-            <p:sp>
-              <p:nvSpPr>
-                <p:cNvPr id="44" name="文本框 43"/>
-                <p:cNvSpPr txBox="1"/>
-                <p:nvPr/>
-              </p:nvSpPr>
-              <p:spPr>
-                <a:xfrm>
-                  <a:off x="6787769" y="3780135"/>
-                  <a:ext cx="912644" cy="307776"/>
-                </a:xfrm>
-                <a:prstGeom prst="rect">
-                  <a:avLst/>
-                </a:prstGeom>
-                <a:noFill/>
-              </p:spPr>
-              <p:txBody>
-                <a:bodyPr wrap="none" lIns="0" tIns="0" rIns="0" bIns="0" rtlCol="0">
-                  <a:spAutoFit/>
-                </a:bodyPr>
-                <a:lstStyle/>
-                <a:p>
-                  <a14:m>
-                    <m:oMath xmlns:m="http://schemas.openxmlformats.org/officeDocument/2006/math">
-                      <m:r>
-                        <m:rPr>
-                          <m:sty m:val="p"/>
-                        </m:rPr>
-                        <a:rPr lang="el-GR" altLang="zh-CN" sz="1500" i="1">
-                          <a:latin typeface="Cambria Math" panose="02040503050406030204" pitchFamily="18" charset="0"/>
-                        </a:rPr>
-                        <m:t>φ</m:t>
-                      </m:r>
-                      <m:r>
-                        <m:rPr>
-                          <m:sty m:val="p"/>
-                        </m:rPr>
-                        <a:rPr lang="en-US" altLang="zh-CN" sz="1500" i="1" baseline="-25000">
-                          <a:latin typeface="Cambria Math" panose="02040503050406030204" pitchFamily="18" charset="0"/>
-                        </a:rPr>
-                        <m:t>AD</m:t>
-                      </m:r>
-                    </m:oMath>
-                  </a14:m>
-                  <a:r>
-                    <a:rPr lang="en-US" altLang="zh-CN" sz="1500" dirty="0"/>
-                    <a:t>= 0.9</a:t>
-                  </a:r>
-                  <a:endParaRPr lang="zh-CN" altLang="en-US" sz="1500" baseline="-25000" dirty="0"/>
-                </a:p>
-              </p:txBody>
-            </p:sp>
-          </mc:Choice>
-          <mc:Fallback xmlns="">
-            <p:sp>
-              <p:nvSpPr>
-                <p:cNvPr id="44" name="文本框 43"/>
-                <p:cNvSpPr txBox="1">
-                  <a:spLocks noRot="1" noChangeAspect="1" noMove="1" noResize="1" noEditPoints="1" noAdjustHandles="1" noChangeArrowheads="1" noChangeShapeType="1" noTextEdit="1"/>
-                </p:cNvSpPr>
-                <p:nvPr/>
-              </p:nvSpPr>
-              <p:spPr>
-                <a:xfrm>
-                  <a:off x="6787769" y="3780136"/>
-                  <a:ext cx="912109" cy="307777"/>
-                </a:xfrm>
-                <a:prstGeom prst="rect">
-                  <a:avLst/>
-                </a:prstGeom>
-                <a:blipFill rotWithShape="0">
-                  <a:blip r:embed="rId3"/>
-                  <a:stretch>
-                    <a:fillRect l="-10000" t="-26000" r="-16000" b="-50000"/>
-                  </a:stretch>
-                </a:blipFill>
-              </p:spPr>
-              <p:txBody>
-                <a:bodyPr/>
-                <a:lstStyle/>
-                <a:p>
-                  <a:r>
-                    <a:rPr lang="zh-CN" altLang="en-US">
-                      <a:noFill/>
-                    </a:rPr>
-                    <a:t> </a:t>
-                  </a:r>
-                </a:p>
-              </p:txBody>
-            </p:sp>
-          </mc:Fallback>
-        </mc:AlternateContent>
-        <mc:AlternateContent xmlns:mc="http://schemas.openxmlformats.org/markup-compatibility/2006" xmlns:a14="http://schemas.microsoft.com/office/drawing/2010/main">
-          <mc:Choice Requires="a14">
-            <p:sp>
-              <p:nvSpPr>
-                <p:cNvPr id="46" name="文本框 45"/>
-                <p:cNvSpPr txBox="1"/>
-                <p:nvPr/>
-              </p:nvSpPr>
-              <p:spPr>
-                <a:xfrm>
-                  <a:off x="9391656" y="3745529"/>
-                  <a:ext cx="959665" cy="307776"/>
-                </a:xfrm>
-                <a:prstGeom prst="rect">
-                  <a:avLst/>
-                </a:prstGeom>
-                <a:noFill/>
-              </p:spPr>
-              <p:txBody>
-                <a:bodyPr wrap="none" lIns="0" tIns="0" rIns="0" bIns="0" rtlCol="0">
-                  <a:spAutoFit/>
-                </a:bodyPr>
-                <a:lstStyle/>
-                <a:p>
-                  <a14:m>
-                    <m:oMath xmlns:m="http://schemas.openxmlformats.org/officeDocument/2006/math">
-                      <m:r>
-                        <m:rPr>
-                          <m:sty m:val="p"/>
-                        </m:rPr>
-                        <a:rPr lang="el-GR" altLang="zh-CN" sz="1500" i="1">
-                          <a:latin typeface="Cambria Math" panose="02040503050406030204" pitchFamily="18" charset="0"/>
-                        </a:rPr>
-                        <m:t>φ</m:t>
-                      </m:r>
-                      <m:r>
-                        <m:rPr>
-                          <m:sty m:val="p"/>
-                        </m:rPr>
-                        <a:rPr lang="en-US" altLang="zh-CN" sz="1500" i="1" baseline="-25000">
-                          <a:latin typeface="Cambria Math" panose="02040503050406030204" pitchFamily="18" charset="0"/>
-                        </a:rPr>
-                        <m:t>CD</m:t>
-                      </m:r>
-                    </m:oMath>
-                  </a14:m>
-                  <a:r>
-                    <a:rPr lang="en-US" altLang="zh-CN" sz="1500" dirty="0"/>
-                    <a:t> = 0.1</a:t>
-                  </a:r>
-                  <a:endParaRPr lang="zh-CN" altLang="en-US" sz="1500" baseline="-25000" dirty="0"/>
-                </a:p>
-              </p:txBody>
-            </p:sp>
-          </mc:Choice>
-          <mc:Fallback xmlns="">
-            <p:sp>
-              <p:nvSpPr>
-                <p:cNvPr id="46" name="文本框 45"/>
-                <p:cNvSpPr txBox="1">
-                  <a:spLocks noRot="1" noChangeAspect="1" noMove="1" noResize="1" noEditPoints="1" noAdjustHandles="1" noChangeArrowheads="1" noChangeShapeType="1" noTextEdit="1"/>
-                </p:cNvSpPr>
-                <p:nvPr/>
-              </p:nvSpPr>
-              <p:spPr>
-                <a:xfrm>
-                  <a:off x="9391656" y="3745529"/>
-                  <a:ext cx="960199" cy="307777"/>
-                </a:xfrm>
-                <a:prstGeom prst="rect">
-                  <a:avLst/>
-                </a:prstGeom>
-                <a:blipFill rotWithShape="0">
-                  <a:blip r:embed="rId4"/>
-                  <a:stretch>
-                    <a:fillRect l="-9494" t="-26000" r="-15823" b="-50000"/>
-                  </a:stretch>
-                </a:blipFill>
-              </p:spPr>
-              <p:txBody>
-                <a:bodyPr/>
-                <a:lstStyle/>
-                <a:p>
-                  <a:r>
-                    <a:rPr lang="zh-CN" altLang="en-US">
-                      <a:noFill/>
-                    </a:rPr>
-                    <a:t> </a:t>
-                  </a:r>
-                </a:p>
-              </p:txBody>
-            </p:sp>
-          </mc:Fallback>
-        </mc:AlternateContent>
-        <mc:AlternateContent xmlns:mc="http://schemas.openxmlformats.org/markup-compatibility/2006" xmlns:a14="http://schemas.microsoft.com/office/drawing/2010/main">
-          <mc:Choice Requires="a14">
-            <p:sp>
-              <p:nvSpPr>
-                <p:cNvPr id="47" name="文本框 46"/>
-                <p:cNvSpPr txBox="1"/>
-                <p:nvPr/>
-              </p:nvSpPr>
-              <p:spPr>
-                <a:xfrm>
-                  <a:off x="7107320" y="2776033"/>
-                  <a:ext cx="961801" cy="307776"/>
-                </a:xfrm>
-                <a:prstGeom prst="rect">
-                  <a:avLst/>
-                </a:prstGeom>
-                <a:noFill/>
-              </p:spPr>
-              <p:txBody>
-                <a:bodyPr wrap="none" lIns="0" tIns="0" rIns="0" bIns="0" rtlCol="0">
-                  <a:spAutoFit/>
-                </a:bodyPr>
-                <a:lstStyle/>
-                <a:p>
-                  <a14:m>
-                    <m:oMath xmlns:m="http://schemas.openxmlformats.org/officeDocument/2006/math">
-                      <m:r>
-                        <m:rPr>
-                          <m:sty m:val="p"/>
-                        </m:rPr>
-                        <a:rPr lang="el-GR" altLang="zh-CN" sz="1500" i="1">
-                          <a:latin typeface="Cambria Math" panose="02040503050406030204" pitchFamily="18" charset="0"/>
-                        </a:rPr>
-                        <m:t>φ</m:t>
-                      </m:r>
-                      <m:r>
-                        <m:rPr>
-                          <m:sty m:val="p"/>
-                        </m:rPr>
-                        <a:rPr lang="en-US" altLang="zh-CN" sz="1500" i="1" baseline="-25000">
-                          <a:latin typeface="Cambria Math" panose="02040503050406030204" pitchFamily="18" charset="0"/>
-                        </a:rPr>
-                        <m:t>BA</m:t>
-                      </m:r>
-                    </m:oMath>
-                  </a14:m>
-                  <a:r>
-                    <a:rPr lang="en-US" altLang="zh-CN" sz="1500" dirty="0"/>
-                    <a:t> = 0.7</a:t>
-                  </a:r>
-                  <a:endParaRPr lang="zh-CN" altLang="en-US" sz="1500" baseline="-25000" dirty="0"/>
-                </a:p>
-              </p:txBody>
-            </p:sp>
-          </mc:Choice>
-          <mc:Fallback xmlns="">
-            <p:sp>
-              <p:nvSpPr>
-                <p:cNvPr id="47" name="文本框 46"/>
-                <p:cNvSpPr txBox="1">
-                  <a:spLocks noRot="1" noChangeAspect="1" noMove="1" noResize="1" noEditPoints="1" noAdjustHandles="1" noChangeArrowheads="1" noChangeShapeType="1" noTextEdit="1"/>
-                </p:cNvSpPr>
-                <p:nvPr/>
-              </p:nvSpPr>
-              <p:spPr>
-                <a:xfrm>
-                  <a:off x="7107320" y="2776033"/>
-                  <a:ext cx="960199" cy="307777"/>
-                </a:xfrm>
-                <a:prstGeom prst="rect">
-                  <a:avLst/>
-                </a:prstGeom>
-                <a:blipFill rotWithShape="0">
-                  <a:blip r:embed="rId5"/>
-                  <a:stretch>
-                    <a:fillRect l="-9554" t="-26000" r="-15924" b="-50000"/>
-                  </a:stretch>
-                </a:blipFill>
-              </p:spPr>
-              <p:txBody>
-                <a:bodyPr/>
-                <a:lstStyle/>
-                <a:p>
-                  <a:r>
-                    <a:rPr lang="zh-CN" altLang="en-US">
-                      <a:noFill/>
-                    </a:rPr>
-                    <a:t> </a:t>
-                  </a:r>
-                </a:p>
-              </p:txBody>
-            </p:sp>
-          </mc:Fallback>
-        </mc:AlternateContent>
-        <mc:AlternateContent xmlns:mc="http://schemas.openxmlformats.org/markup-compatibility/2006" xmlns:a14="http://schemas.microsoft.com/office/drawing/2010/main">
-          <mc:Choice Requires="a14">
-            <p:sp>
-              <p:nvSpPr>
-                <p:cNvPr id="48" name="文本框 47"/>
-                <p:cNvSpPr txBox="1"/>
-                <p:nvPr/>
-              </p:nvSpPr>
-              <p:spPr>
-                <a:xfrm>
-                  <a:off x="8715386" y="2773349"/>
-                  <a:ext cx="968812" cy="307776"/>
-                </a:xfrm>
-                <a:prstGeom prst="rect">
-                  <a:avLst/>
-                </a:prstGeom>
-                <a:noFill/>
-              </p:spPr>
-              <p:txBody>
-                <a:bodyPr wrap="none" lIns="0" tIns="0" rIns="0" bIns="0" rtlCol="0">
-                  <a:spAutoFit/>
-                </a:bodyPr>
-                <a:lstStyle/>
-                <a:p>
-                  <a14:m>
-                    <m:oMath xmlns:m="http://schemas.openxmlformats.org/officeDocument/2006/math">
-                      <m:r>
-                        <m:rPr>
-                          <m:sty m:val="p"/>
-                        </m:rPr>
-                        <a:rPr lang="el-GR" altLang="zh-CN" sz="1500" i="1">
-                          <a:latin typeface="Cambria Math" panose="02040503050406030204" pitchFamily="18" charset="0"/>
-                        </a:rPr>
-                        <m:t>φ</m:t>
-                      </m:r>
-                      <m:r>
-                        <m:rPr>
-                          <m:sty m:val="p"/>
-                        </m:rPr>
-                        <a:rPr lang="en-US" altLang="zh-CN" sz="1500" i="1" baseline="-25000">
-                          <a:latin typeface="Cambria Math" panose="02040503050406030204" pitchFamily="18" charset="0"/>
-                        </a:rPr>
-                        <m:t>B</m:t>
-                      </m:r>
-                      <m:r>
-                        <a:rPr lang="en-US" altLang="zh-CN" sz="1500" i="1" baseline="-25000">
-                          <a:latin typeface="Cambria Math" panose="02040503050406030204" pitchFamily="18" charset="0"/>
-                        </a:rPr>
-                        <m:t>𝐶</m:t>
-                      </m:r>
-                    </m:oMath>
-                  </a14:m>
-                  <a:r>
-                    <a:rPr lang="en-US" altLang="zh-CN" sz="1500" dirty="0"/>
-                    <a:t> = 0.8</a:t>
-                  </a:r>
-                  <a:endParaRPr lang="zh-CN" altLang="en-US" sz="1500" baseline="-25000" dirty="0"/>
-                </a:p>
-              </p:txBody>
-            </p:sp>
-          </mc:Choice>
-          <mc:Fallback xmlns="">
-            <p:sp>
-              <p:nvSpPr>
-                <p:cNvPr id="48" name="文本框 47"/>
-                <p:cNvSpPr txBox="1">
-                  <a:spLocks noRot="1" noChangeAspect="1" noMove="1" noResize="1" noEditPoints="1" noAdjustHandles="1" noChangeArrowheads="1" noChangeShapeType="1" noTextEdit="1"/>
-                </p:cNvSpPr>
-                <p:nvPr/>
-              </p:nvSpPr>
-              <p:spPr>
-                <a:xfrm>
-                  <a:off x="8715386" y="2773349"/>
-                  <a:ext cx="968278" cy="307777"/>
-                </a:xfrm>
-                <a:prstGeom prst="rect">
-                  <a:avLst/>
-                </a:prstGeom>
-                <a:blipFill rotWithShape="0">
-                  <a:blip r:embed="rId6"/>
-                  <a:stretch>
-                    <a:fillRect l="-9494" t="-25490" r="-15823" b="-49020"/>
-                  </a:stretch>
-                </a:blipFill>
-              </p:spPr>
-              <p:txBody>
-                <a:bodyPr/>
-                <a:lstStyle/>
-                <a:p>
-                  <a:r>
-                    <a:rPr lang="zh-CN" altLang="en-US">
-                      <a:noFill/>
-                    </a:rPr>
-                    <a:t> </a:t>
-                  </a:r>
-                </a:p>
-              </p:txBody>
-            </p:sp>
-          </mc:Fallback>
-        </mc:AlternateContent>
-      </p:grpSp>
       <p:sp>
         <p:nvSpPr>
           <p:cNvPr id="2" name="矩形 1"/>
@@ -17671,8 +16764,8 @@
         </p:nvSpPr>
         <p:spPr>
           <a:xfrm>
-            <a:off x="679681" y="1964063"/>
-            <a:ext cx="926857" cy="323165"/>
+            <a:off x="297080" y="2207124"/>
+            <a:ext cx="1175322" cy="400110"/>
           </a:xfrm>
           <a:prstGeom prst="rect">
             <a:avLst/>
@@ -17685,59 +16778,28 @@
           <a:lstStyle/>
           <a:p>
             <a:r>
-              <a:rPr lang="en-US" altLang="zh-CN" sz="1500" dirty="0">
+              <a:rPr lang="en-US" altLang="zh-CN" sz="2000" dirty="0">
                 <a:latin typeface="微软雅黑" panose="020B0503020204020204" pitchFamily="34" charset="-122"/>
                 <a:ea typeface="微软雅黑" panose="020B0503020204020204" pitchFamily="34" charset="-122"/>
               </a:rPr>
               <a:t>Opinion</a:t>
             </a:r>
-            <a:endParaRPr lang="zh-CN" altLang="en-US" sz="1500" dirty="0"/>
-          </a:p>
-        </p:txBody>
-      </p:sp>
-      <p:sp>
-        <p:nvSpPr>
-          <p:cNvPr id="10" name="矩形 9"/>
-          <p:cNvSpPr/>
-          <p:nvPr/>
-        </p:nvSpPr>
-        <p:spPr>
-          <a:xfrm>
-            <a:off x="682391" y="3722810"/>
-            <a:ext cx="3255197" cy="553998"/>
-          </a:xfrm>
-          <a:prstGeom prst="rect">
-            <a:avLst/>
-          </a:prstGeom>
-        </p:spPr>
-        <p:txBody>
-          <a:bodyPr wrap="square">
-            <a:spAutoFit/>
-          </a:bodyPr>
-          <a:lstStyle/>
-          <a:p>
-            <a:r>
-              <a:rPr lang="zh-CN" altLang="en-US" sz="1500" dirty="0">
-                <a:latin typeface="微软雅黑" panose="020B0503020204020204" pitchFamily="34" charset="-122"/>
-                <a:ea typeface="微软雅黑" panose="020B0503020204020204" pitchFamily="34" charset="-122"/>
-              </a:rPr>
-              <a:t>strength ([0, 1]) that quantifies its preference towards that content. </a:t>
-            </a:r>
+            <a:endParaRPr lang="zh-CN" altLang="en-US" sz="2000" dirty="0"/>
           </a:p>
         </p:txBody>
       </p:sp>
       <p:grpSp>
         <p:nvGrpSpPr>
-          <p:cNvPr id="17" name="组合 16"/>
+          <p:cNvPr id="17" name="positive"/>
           <p:cNvGrpSpPr/>
           <p:nvPr/>
         </p:nvGrpSpPr>
         <p:grpSpPr>
           <a:xfrm>
-            <a:off x="4122206" y="5271424"/>
-            <a:ext cx="973728" cy="786792"/>
-            <a:chOff x="582913" y="4973779"/>
-            <a:chExt cx="1560300" cy="1260754"/>
+            <a:off x="2606806" y="3303765"/>
+            <a:ext cx="973728" cy="831786"/>
+            <a:chOff x="500130" y="4973779"/>
+            <a:chExt cx="1560300" cy="1332852"/>
           </a:xfrm>
         </p:grpSpPr>
         <p:pic>
@@ -17749,7 +16811,7 @@
             <p:nvPr/>
           </p:nvPicPr>
           <p:blipFill>
-            <a:blip r:embed="rId7" cstate="print">
+            <a:blip r:embed="rId3" cstate="print">
               <a:extLst>
                 <a:ext uri="{28A0092B-C50C-407E-A947-70E740481C1C}">
                   <a14:useLocalDpi xmlns:a14="http://schemas.microsoft.com/office/drawing/2010/main" val="0"/>
@@ -17778,7 +16840,7 @@
           </p:nvSpPr>
           <p:spPr>
             <a:xfrm>
-              <a:off x="582913" y="5716694"/>
+              <a:off x="500130" y="5788792"/>
               <a:ext cx="1560300" cy="517839"/>
             </a:xfrm>
             <a:prstGeom prst="rect">
@@ -17808,13 +16870,13 @@
       </p:grpSp>
       <p:grpSp>
         <p:nvGrpSpPr>
-          <p:cNvPr id="18" name="组合 17"/>
+          <p:cNvPr id="18" name="neutral"/>
           <p:cNvGrpSpPr/>
           <p:nvPr/>
         </p:nvGrpSpPr>
         <p:grpSpPr>
           <a:xfrm>
-            <a:off x="5276128" y="5476138"/>
+            <a:off x="3943779" y="3311125"/>
             <a:ext cx="833883" cy="824425"/>
             <a:chOff x="2458696" y="4925956"/>
             <a:chExt cx="1325074" cy="1310044"/>
@@ -17829,7 +16891,7 @@
             <p:nvPr/>
           </p:nvPicPr>
           <p:blipFill>
-            <a:blip r:embed="rId8" cstate="print">
+            <a:blip r:embed="rId4" cstate="print">
               <a:extLst>
                 <a:ext uri="{28A0092B-C50C-407E-A947-70E740481C1C}">
                   <a14:useLocalDpi xmlns:a14="http://schemas.microsoft.com/office/drawing/2010/main" val="0"/>
@@ -17888,13 +16950,13 @@
       </p:grpSp>
       <p:grpSp>
         <p:nvGrpSpPr>
-          <p:cNvPr id="20" name="组合 19"/>
+          <p:cNvPr id="20" name="negative"/>
           <p:cNvGrpSpPr/>
           <p:nvPr/>
         </p:nvGrpSpPr>
         <p:grpSpPr>
           <a:xfrm>
-            <a:off x="6184301" y="5394778"/>
+            <a:off x="5140907" y="3309550"/>
             <a:ext cx="903196" cy="828776"/>
             <a:chOff x="3872184" y="4966835"/>
             <a:chExt cx="1379687" cy="1234343"/>
@@ -17909,7 +16971,7 @@
             <p:nvPr/>
           </p:nvPicPr>
           <p:blipFill>
-            <a:blip r:embed="rId9" cstate="print">
+            <a:blip r:embed="rId5" cstate="print">
               <a:extLst>
                 <a:ext uri="{28A0092B-C50C-407E-A947-70E740481C1C}">
                   <a14:useLocalDpi xmlns:a14="http://schemas.microsoft.com/office/drawing/2010/main" val="0"/>
@@ -17922,8 +16984,8 @@
           </p:blipFill>
           <p:spPr>
             <a:xfrm>
-              <a:off x="4076262" y="4966835"/>
-              <a:ext cx="735106" cy="735106"/>
+              <a:off x="4192662" y="4966835"/>
+              <a:ext cx="735107" cy="735106"/>
             </a:xfrm>
             <a:prstGeom prst="rect">
               <a:avLst/>
@@ -17974,7 +17036,7 @@
         </p:nvSpPr>
         <p:spPr>
           <a:xfrm>
-            <a:off x="679681" y="2640066"/>
+            <a:off x="5521273" y="4956165"/>
             <a:ext cx="1178528" cy="323165"/>
           </a:xfrm>
           <a:prstGeom prst="rect">
@@ -17998,8 +17060,8 @@
           </a:p>
         </p:txBody>
       </p:sp>
-      <mc:AlternateContent xmlns:mc="http://schemas.openxmlformats.org/markup-compatibility/2006" xmlns:a14="http://schemas.microsoft.com/office/drawing/2010/main">
-        <mc:Choice Requires="a14">
+      <mc:AlternateContent xmlns:mc="http://schemas.openxmlformats.org/markup-compatibility/2006">
+        <mc:Choice xmlns:a14="http://schemas.microsoft.com/office/drawing/2010/main" Requires="a14">
           <p:sp>
             <p:nvSpPr>
               <p:cNvPr id="49" name="文本框 48"/>
@@ -18008,7 +17070,7 @@
             </p:nvSpPr>
             <p:spPr>
               <a:xfrm>
-                <a:off x="2303145" y="2574232"/>
+                <a:off x="6849734" y="4918691"/>
                 <a:ext cx="440698" cy="315727"/>
               </a:xfrm>
               <a:prstGeom prst="rect">
@@ -18052,7 +17114,7 @@
             </p:txBody>
           </p:sp>
         </mc:Choice>
-        <mc:Fallback xmlns="">
+        <mc:Fallback>
           <p:sp>
             <p:nvSpPr>
               <p:cNvPr id="49" name="文本框 48"/>
@@ -18063,16 +17125,16 @@
             </p:nvSpPr>
             <p:spPr>
               <a:xfrm>
-                <a:off x="3070860" y="2289308"/>
-                <a:ext cx="587597" cy="420949"/>
+                <a:off x="6849734" y="4918691"/>
+                <a:ext cx="440698" cy="315727"/>
               </a:xfrm>
               <a:prstGeom prst="rect">
                 <a:avLst/>
               </a:prstGeom>
               <a:blipFill rotWithShape="0">
-                <a:blip r:embed="rId10"/>
+                <a:blip r:embed="rId6"/>
                 <a:stretch>
-                  <a:fillRect/>
+                  <a:fillRect l="-16667" r="-4167" b="-26923"/>
                 </a:stretch>
               </a:blipFill>
             </p:spPr>
@@ -18091,8 +17153,8 @@
           </p:sp>
         </mc:Fallback>
       </mc:AlternateContent>
-      <mc:AlternateContent xmlns:mc="http://schemas.openxmlformats.org/markup-compatibility/2006" xmlns:a14="http://schemas.microsoft.com/office/drawing/2010/main">
-        <mc:Choice Requires="a14">
+      <mc:AlternateContent xmlns:mc="http://schemas.openxmlformats.org/markup-compatibility/2006">
+        <mc:Choice xmlns:a14="http://schemas.microsoft.com/office/drawing/2010/main" Requires="a14">
           <p:sp>
             <p:nvSpPr>
               <p:cNvPr id="21" name="文本框 20"/>
@@ -18101,8 +17163,8 @@
             </p:nvSpPr>
             <p:spPr>
               <a:xfrm>
-                <a:off x="2275370" y="2001441"/>
-                <a:ext cx="948721" cy="230832"/>
+                <a:off x="2141595" y="2250301"/>
+                <a:ext cx="1268168" cy="307777"/>
               </a:xfrm>
               <a:prstGeom prst="rect">
                 <a:avLst/>
@@ -18121,13 +17183,13 @@
                       <m:rPr>
                         <m:sty m:val="p"/>
                       </m:rPr>
-                      <a:rPr lang="en-US" altLang="zh-CN" sz="1500" i="1">
+                      <a:rPr lang="en-US" altLang="zh-CN" sz="2000" i="1">
                         <a:latin typeface="Cambria Math" panose="02040503050406030204" pitchFamily="18" charset="0"/>
                       </a:rPr>
                       <m:t>O</m:t>
                     </m:r>
                     <m:r>
-                      <a:rPr lang="en-US" altLang="zh-CN" sz="1500" i="1" baseline="-25000">
+                      <a:rPr lang="en-US" altLang="zh-CN" sz="2000" i="1" baseline="-25000">
                         <a:latin typeface="Cambria Math" panose="02040503050406030204" pitchFamily="18" charset="0"/>
                       </a:rPr>
                       <m:t>𝑣</m:t>
@@ -18135,31 +17197,31 @@
                   </m:oMath>
                 </a14:m>
                 <a:r>
-                  <a:rPr lang="zh-CN" altLang="en-US" sz="1500" dirty="0"/>
+                  <a:rPr lang="zh-CN" altLang="en-US" sz="2000" dirty="0"/>
                   <a:t> </a:t>
                 </a:r>
                 <a14:m>
                   <m:oMath xmlns:m="http://schemas.openxmlformats.org/officeDocument/2006/math">
                     <m:r>
-                      <a:rPr lang="zh-CN" altLang="en-US" sz="1500" i="1" dirty="0">
+                      <a:rPr lang="zh-CN" altLang="en-US" sz="2000" i="1" dirty="0">
                         <a:latin typeface="Cambria Math" panose="02040503050406030204" pitchFamily="18" charset="0"/>
                       </a:rPr>
                       <m:t>∈</m:t>
                     </m:r>
                     <m:r>
-                      <a:rPr lang="en-US" altLang="zh-CN" sz="1500" i="1" dirty="0">
+                      <a:rPr lang="en-US" altLang="zh-CN" sz="2000" i="1" dirty="0">
                         <a:latin typeface="Cambria Math" panose="02040503050406030204" pitchFamily="18" charset="0"/>
                       </a:rPr>
                       <m:t>[−1,1]</m:t>
                     </m:r>
                   </m:oMath>
                 </a14:m>
-                <a:endParaRPr lang="zh-CN" altLang="en-US" sz="1500" baseline="-25000" dirty="0"/>
+                <a:endParaRPr lang="zh-CN" altLang="en-US" sz="2000" baseline="-25000" dirty="0"/>
               </a:p>
             </p:txBody>
           </p:sp>
         </mc:Choice>
-        <mc:Fallback xmlns="">
+        <mc:Fallback>
           <p:sp>
             <p:nvSpPr>
               <p:cNvPr id="21" name="文本框 20"/>
@@ -18170,16 +17232,16 @@
             </p:nvSpPr>
             <p:spPr>
               <a:xfrm>
-                <a:off x="3033826" y="1525588"/>
+                <a:off x="2141595" y="2250301"/>
                 <a:ext cx="1268168" cy="307777"/>
               </a:xfrm>
               <a:prstGeom prst="rect">
                 <a:avLst/>
               </a:prstGeom>
               <a:blipFill rotWithShape="0">
-                <a:blip r:embed="rId11"/>
+                <a:blip r:embed="rId7"/>
                 <a:stretch>
-                  <a:fillRect l="-7212" t="-1961" r="-9135" b="-33333"/>
+                  <a:fillRect l="-6731" t="-1961" r="-9135" b="-33333"/>
                 </a:stretch>
               </a:blipFill>
             </p:spPr>
@@ -18198,8 +17260,8 @@
           </p:sp>
         </mc:Fallback>
       </mc:AlternateContent>
-      <mc:AlternateContent xmlns:mc="http://schemas.openxmlformats.org/markup-compatibility/2006" xmlns:a14="http://schemas.microsoft.com/office/drawing/2010/main">
-        <mc:Choice Requires="a14">
+      <mc:AlternateContent xmlns:mc="http://schemas.openxmlformats.org/markup-compatibility/2006">
+        <mc:Choice xmlns:a14="http://schemas.microsoft.com/office/drawing/2010/main" Requires="a14">
           <p:sp>
             <p:nvSpPr>
               <p:cNvPr id="50" name="文本框 49"/>
@@ -18208,7 +17270,7 @@
             </p:nvSpPr>
             <p:spPr>
               <a:xfrm>
-                <a:off x="735061" y="3192911"/>
+                <a:off x="4719795" y="5010664"/>
                 <a:ext cx="3263009" cy="830997"/>
               </a:xfrm>
               <a:prstGeom prst="rect">
@@ -18294,7 +17356,7 @@
             </p:txBody>
           </p:sp>
         </mc:Choice>
-        <mc:Fallback xmlns="">
+        <mc:Fallback>
           <p:sp>
             <p:nvSpPr>
               <p:cNvPr id="50" name="文本框 49"/>
@@ -18305,16 +17367,16 @@
             </p:nvSpPr>
             <p:spPr>
               <a:xfrm>
-                <a:off x="980081" y="3114214"/>
-                <a:ext cx="4341573" cy="1107996"/>
+                <a:off x="4719795" y="5010664"/>
+                <a:ext cx="3263009" cy="830997"/>
               </a:xfrm>
               <a:prstGeom prst="rect">
                 <a:avLst/>
               </a:prstGeom>
               <a:blipFill rotWithShape="0">
-                <a:blip r:embed="rId12"/>
+                <a:blip r:embed="rId8"/>
                 <a:stretch>
-                  <a:fillRect l="-3652" r="-2669" b="-7692"/>
+                  <a:fillRect l="-3545" r="-2425" b="-8088"/>
                 </a:stretch>
               </a:blipFill>
             </p:spPr>
@@ -18333,8 +17395,8 @@
           </p:sp>
         </mc:Fallback>
       </mc:AlternateContent>
-      <mc:AlternateContent xmlns:mc="http://schemas.openxmlformats.org/markup-compatibility/2006" xmlns:a14="http://schemas.microsoft.com/office/drawing/2010/main">
-        <mc:Choice Requires="a14">
+      <mc:AlternateContent xmlns:mc="http://schemas.openxmlformats.org/markup-compatibility/2006">
+        <mc:Choice xmlns:a14="http://schemas.microsoft.com/office/drawing/2010/main" Requires="a14">
           <p:sp>
             <p:nvSpPr>
               <p:cNvPr id="51" name="文本框 50"/>
@@ -18343,7 +17405,7 @@
             </p:nvSpPr>
             <p:spPr>
               <a:xfrm>
-                <a:off x="735061" y="4116495"/>
+                <a:off x="4719795" y="6021821"/>
                 <a:ext cx="4166140" cy="830997"/>
               </a:xfrm>
               <a:prstGeom prst="rect">
@@ -18425,7 +17487,7 @@
             </p:txBody>
           </p:sp>
         </mc:Choice>
-        <mc:Fallback xmlns="">
+        <mc:Fallback>
           <p:sp>
             <p:nvSpPr>
               <p:cNvPr id="51" name="文本框 50"/>
@@ -18436,16 +17498,16 @@
             </p:nvSpPr>
             <p:spPr>
               <a:xfrm>
-                <a:off x="980081" y="4345659"/>
-                <a:ext cx="5542030" cy="1107996"/>
+                <a:off x="4719795" y="6021821"/>
+                <a:ext cx="4166140" cy="830997"/>
               </a:xfrm>
               <a:prstGeom prst="rect">
                 <a:avLst/>
               </a:prstGeom>
               <a:blipFill rotWithShape="0">
-                <a:blip r:embed="rId13"/>
+                <a:blip r:embed="rId9"/>
                 <a:stretch>
-                  <a:fillRect l="-2860" r="-1870" b="-7692"/>
+                  <a:fillRect l="-2778" r="-1754" b="-8088"/>
                 </a:stretch>
               </a:blipFill>
             </p:spPr>
@@ -18506,6 +17568,1485 @@
           </a:p>
         </p:txBody>
       </p:sp>
+      <p:sp>
+        <p:nvSpPr>
+          <p:cNvPr id="53" name="椭圆 52"/>
+          <p:cNvSpPr/>
+          <p:nvPr/>
+        </p:nvSpPr>
+        <p:spPr>
+          <a:xfrm>
+            <a:off x="5277489" y="1872272"/>
+            <a:ext cx="305829" cy="294253"/>
+          </a:xfrm>
+          <a:prstGeom prst="ellipse">
+            <a:avLst/>
+          </a:prstGeom>
+        </p:spPr>
+        <p:style>
+          <a:lnRef idx="2">
+            <a:schemeClr val="accent1">
+              <a:shade val="50000"/>
+            </a:schemeClr>
+          </a:lnRef>
+          <a:fillRef idx="1">
+            <a:schemeClr val="accent1"/>
+          </a:fillRef>
+          <a:effectRef idx="0">
+            <a:schemeClr val="accent1"/>
+          </a:effectRef>
+          <a:fontRef idx="minor">
+            <a:schemeClr val="lt1"/>
+          </a:fontRef>
+        </p:style>
+        <p:txBody>
+          <a:bodyPr rot="0" spcFirstLastPara="0" vertOverflow="overflow" horzOverflow="overflow" vert="horz" wrap="square" lIns="68580" tIns="34290" rIns="68580" bIns="34290" numCol="1" spcCol="0" rtlCol="0" fromWordArt="0" anchor="ctr" anchorCtr="0" forceAA="0" compatLnSpc="1">
+            <a:prstTxWarp prst="textNoShape">
+              <a:avLst/>
+            </a:prstTxWarp>
+            <a:noAutofit/>
+          </a:bodyPr>
+          <a:lstStyle/>
+          <a:p>
+            <a:pPr algn="ctr"/>
+            <a:r>
+              <a:rPr lang="en-US" altLang="zh-CN" sz="2000" dirty="0"/>
+              <a:t>A</a:t>
+            </a:r>
+            <a:endParaRPr lang="zh-CN" altLang="en-US" sz="2000" dirty="0"/>
+          </a:p>
+        </p:txBody>
+      </p:sp>
+      <p:sp>
+        <p:nvSpPr>
+          <p:cNvPr id="54" name="椭圆 53"/>
+          <p:cNvSpPr/>
+          <p:nvPr/>
+        </p:nvSpPr>
+        <p:spPr>
+          <a:xfrm>
+            <a:off x="6730090" y="1232318"/>
+            <a:ext cx="305829" cy="294253"/>
+          </a:xfrm>
+          <a:prstGeom prst="ellipse">
+            <a:avLst/>
+          </a:prstGeom>
+        </p:spPr>
+        <p:style>
+          <a:lnRef idx="2">
+            <a:schemeClr val="accent1">
+              <a:shade val="50000"/>
+            </a:schemeClr>
+          </a:lnRef>
+          <a:fillRef idx="1">
+            <a:schemeClr val="accent1"/>
+          </a:fillRef>
+          <a:effectRef idx="0">
+            <a:schemeClr val="accent1"/>
+          </a:effectRef>
+          <a:fontRef idx="minor">
+            <a:schemeClr val="lt1"/>
+          </a:fontRef>
+        </p:style>
+        <p:txBody>
+          <a:bodyPr rot="0" spcFirstLastPara="0" vertOverflow="overflow" horzOverflow="overflow" vert="horz" wrap="square" lIns="68580" tIns="34290" rIns="68580" bIns="34290" numCol="1" spcCol="0" rtlCol="0" fromWordArt="0" anchor="ctr" anchorCtr="0" forceAA="0" compatLnSpc="1">
+            <a:prstTxWarp prst="textNoShape">
+              <a:avLst/>
+            </a:prstTxWarp>
+            <a:noAutofit/>
+          </a:bodyPr>
+          <a:lstStyle/>
+          <a:p>
+            <a:pPr algn="ctr"/>
+            <a:r>
+              <a:rPr lang="en-US" altLang="zh-CN" sz="2000" dirty="0"/>
+              <a:t>B</a:t>
+            </a:r>
+            <a:endParaRPr lang="zh-CN" altLang="en-US" sz="2000" dirty="0"/>
+          </a:p>
+        </p:txBody>
+      </p:sp>
+      <p:sp>
+        <p:nvSpPr>
+          <p:cNvPr id="55" name="椭圆 54"/>
+          <p:cNvSpPr/>
+          <p:nvPr/>
+        </p:nvSpPr>
+        <p:spPr>
+          <a:xfrm>
+            <a:off x="8194853" y="1829180"/>
+            <a:ext cx="305829" cy="294253"/>
+          </a:xfrm>
+          <a:prstGeom prst="ellipse">
+            <a:avLst/>
+          </a:prstGeom>
+        </p:spPr>
+        <p:style>
+          <a:lnRef idx="2">
+            <a:schemeClr val="accent1">
+              <a:shade val="50000"/>
+            </a:schemeClr>
+          </a:lnRef>
+          <a:fillRef idx="1">
+            <a:schemeClr val="accent1"/>
+          </a:fillRef>
+          <a:effectRef idx="0">
+            <a:schemeClr val="accent1"/>
+          </a:effectRef>
+          <a:fontRef idx="minor">
+            <a:schemeClr val="lt1"/>
+          </a:fontRef>
+        </p:style>
+        <p:txBody>
+          <a:bodyPr rot="0" spcFirstLastPara="0" vertOverflow="overflow" horzOverflow="overflow" vert="horz" wrap="square" lIns="68580" tIns="34290" rIns="68580" bIns="34290" numCol="1" spcCol="0" rtlCol="0" fromWordArt="0" anchor="ctr" anchorCtr="0" forceAA="0" compatLnSpc="1">
+            <a:prstTxWarp prst="textNoShape">
+              <a:avLst/>
+            </a:prstTxWarp>
+            <a:noAutofit/>
+          </a:bodyPr>
+          <a:lstStyle/>
+          <a:p>
+            <a:pPr algn="ctr"/>
+            <a:r>
+              <a:rPr lang="en-US" altLang="zh-CN" sz="2000" dirty="0"/>
+              <a:t>C</a:t>
+            </a:r>
+            <a:endParaRPr lang="zh-CN" altLang="en-US" sz="2000" dirty="0"/>
+          </a:p>
+        </p:txBody>
+      </p:sp>
+      <p:sp>
+        <p:nvSpPr>
+          <p:cNvPr id="56" name="椭圆 55"/>
+          <p:cNvSpPr/>
+          <p:nvPr/>
+        </p:nvSpPr>
+        <p:spPr>
+          <a:xfrm>
+            <a:off x="6730090" y="2337961"/>
+            <a:ext cx="305829" cy="294253"/>
+          </a:xfrm>
+          <a:prstGeom prst="ellipse">
+            <a:avLst/>
+          </a:prstGeom>
+        </p:spPr>
+        <p:style>
+          <a:lnRef idx="2">
+            <a:schemeClr val="accent1">
+              <a:shade val="50000"/>
+            </a:schemeClr>
+          </a:lnRef>
+          <a:fillRef idx="1">
+            <a:schemeClr val="accent1"/>
+          </a:fillRef>
+          <a:effectRef idx="0">
+            <a:schemeClr val="accent1"/>
+          </a:effectRef>
+          <a:fontRef idx="minor">
+            <a:schemeClr val="lt1"/>
+          </a:fontRef>
+        </p:style>
+        <p:txBody>
+          <a:bodyPr rot="0" spcFirstLastPara="0" vertOverflow="overflow" horzOverflow="overflow" vert="horz" wrap="square" lIns="68580" tIns="34290" rIns="68580" bIns="34290" numCol="1" spcCol="0" rtlCol="0" fromWordArt="0" anchor="ctr" anchorCtr="0" forceAA="0" compatLnSpc="1">
+            <a:prstTxWarp prst="textNoShape">
+              <a:avLst/>
+            </a:prstTxWarp>
+            <a:noAutofit/>
+          </a:bodyPr>
+          <a:lstStyle/>
+          <a:p>
+            <a:pPr algn="ctr"/>
+            <a:r>
+              <a:rPr lang="en-US" altLang="zh-CN" sz="2000" dirty="0"/>
+              <a:t>D</a:t>
+            </a:r>
+            <a:endParaRPr lang="zh-CN" altLang="en-US" sz="2000" dirty="0"/>
+          </a:p>
+        </p:txBody>
+      </p:sp>
+      <p:cxnSp>
+        <p:nvCxnSpPr>
+          <p:cNvPr id="57" name="直接箭头连接符 56"/>
+          <p:cNvCxnSpPr>
+            <a:stCxn id="53" idx="5"/>
+            <a:endCxn id="56" idx="2"/>
+          </p:cNvCxnSpPr>
+          <p:nvPr/>
+        </p:nvCxnSpPr>
+        <p:spPr>
+          <a:xfrm>
+            <a:off x="5538530" y="2123433"/>
+            <a:ext cx="1191560" cy="361655"/>
+          </a:xfrm>
+          <a:prstGeom prst="straightConnector1">
+            <a:avLst/>
+          </a:prstGeom>
+          <a:ln w="34925">
+            <a:solidFill>
+              <a:schemeClr val="tx1"/>
+            </a:solidFill>
+            <a:tailEnd type="arrow"/>
+          </a:ln>
+        </p:spPr>
+        <p:style>
+          <a:lnRef idx="1">
+            <a:schemeClr val="accent1"/>
+          </a:lnRef>
+          <a:fillRef idx="0">
+            <a:schemeClr val="accent1"/>
+          </a:fillRef>
+          <a:effectRef idx="0">
+            <a:schemeClr val="accent1"/>
+          </a:effectRef>
+          <a:fontRef idx="minor">
+            <a:schemeClr val="tx1"/>
+          </a:fontRef>
+        </p:style>
+      </p:cxnSp>
+      <p:cxnSp>
+        <p:nvCxnSpPr>
+          <p:cNvPr id="58" name="直接箭头连接符 57"/>
+          <p:cNvCxnSpPr>
+            <a:stCxn id="54" idx="6"/>
+            <a:endCxn id="55" idx="1"/>
+          </p:cNvCxnSpPr>
+          <p:nvPr/>
+        </p:nvCxnSpPr>
+        <p:spPr>
+          <a:xfrm>
+            <a:off x="7035919" y="1379445"/>
+            <a:ext cx="1203722" cy="492827"/>
+          </a:xfrm>
+          <a:prstGeom prst="straightConnector1">
+            <a:avLst/>
+          </a:prstGeom>
+          <a:ln w="34925">
+            <a:solidFill>
+              <a:schemeClr val="tx1"/>
+            </a:solidFill>
+            <a:tailEnd type="arrow"/>
+          </a:ln>
+        </p:spPr>
+        <p:style>
+          <a:lnRef idx="1">
+            <a:schemeClr val="accent1"/>
+          </a:lnRef>
+          <a:fillRef idx="0">
+            <a:schemeClr val="accent1"/>
+          </a:fillRef>
+          <a:effectRef idx="0">
+            <a:schemeClr val="accent1"/>
+          </a:effectRef>
+          <a:fontRef idx="minor">
+            <a:schemeClr val="tx1"/>
+          </a:fontRef>
+        </p:style>
+      </p:cxnSp>
+      <p:cxnSp>
+        <p:nvCxnSpPr>
+          <p:cNvPr id="59" name="直接箭头连接符 58"/>
+          <p:cNvCxnSpPr>
+            <a:stCxn id="55" idx="3"/>
+            <a:endCxn id="56" idx="6"/>
+          </p:cNvCxnSpPr>
+          <p:nvPr/>
+        </p:nvCxnSpPr>
+        <p:spPr>
+          <a:xfrm flipH="1">
+            <a:off x="7035919" y="2080341"/>
+            <a:ext cx="1203722" cy="404747"/>
+          </a:xfrm>
+          <a:prstGeom prst="straightConnector1">
+            <a:avLst/>
+          </a:prstGeom>
+          <a:ln w="34925">
+            <a:solidFill>
+              <a:schemeClr val="tx1"/>
+            </a:solidFill>
+            <a:tailEnd type="arrow"/>
+          </a:ln>
+        </p:spPr>
+        <p:style>
+          <a:lnRef idx="1">
+            <a:schemeClr val="accent1"/>
+          </a:lnRef>
+          <a:fillRef idx="0">
+            <a:schemeClr val="accent1"/>
+          </a:fillRef>
+          <a:effectRef idx="0">
+            <a:schemeClr val="accent1"/>
+          </a:effectRef>
+          <a:fontRef idx="minor">
+            <a:schemeClr val="tx1"/>
+          </a:fontRef>
+        </p:style>
+      </p:cxnSp>
+      <p:cxnSp>
+        <p:nvCxnSpPr>
+          <p:cNvPr id="60" name="直接箭头连接符 59"/>
+          <p:cNvCxnSpPr>
+            <a:stCxn id="54" idx="2"/>
+            <a:endCxn id="53" idx="7"/>
+          </p:cNvCxnSpPr>
+          <p:nvPr/>
+        </p:nvCxnSpPr>
+        <p:spPr>
+          <a:xfrm flipH="1">
+            <a:off x="5538530" y="1379445"/>
+            <a:ext cx="1191560" cy="535919"/>
+          </a:xfrm>
+          <a:prstGeom prst="straightConnector1">
+            <a:avLst/>
+          </a:prstGeom>
+          <a:ln w="34925">
+            <a:solidFill>
+              <a:schemeClr val="tx1"/>
+            </a:solidFill>
+            <a:tailEnd type="arrow"/>
+          </a:ln>
+        </p:spPr>
+        <p:style>
+          <a:lnRef idx="1">
+            <a:schemeClr val="accent1"/>
+          </a:lnRef>
+          <a:fillRef idx="0">
+            <a:schemeClr val="accent1"/>
+          </a:fillRef>
+          <a:effectRef idx="0">
+            <a:schemeClr val="accent1"/>
+          </a:effectRef>
+          <a:fontRef idx="minor">
+            <a:schemeClr val="tx1"/>
+          </a:fontRef>
+        </p:style>
+      </p:cxnSp>
+      <p:grpSp>
+        <p:nvGrpSpPr>
+          <p:cNvPr id="65" name="组合 64"/>
+          <p:cNvGrpSpPr/>
+          <p:nvPr/>
+        </p:nvGrpSpPr>
+        <p:grpSpPr>
+          <a:xfrm>
+            <a:off x="5944819" y="1296130"/>
+            <a:ext cx="1943528" cy="1280931"/>
+            <a:chOff x="7897291" y="2147020"/>
+            <a:chExt cx="2591370" cy="1707907"/>
+          </a:xfrm>
+        </p:grpSpPr>
+        <mc:AlternateContent xmlns:mc="http://schemas.openxmlformats.org/markup-compatibility/2006">
+          <mc:Choice xmlns:a14="http://schemas.microsoft.com/office/drawing/2010/main" Requires="a14">
+            <p:sp>
+              <p:nvSpPr>
+                <p:cNvPr id="66" name="文本框 65"/>
+                <p:cNvSpPr txBox="1"/>
+                <p:nvPr/>
+              </p:nvSpPr>
+              <p:spPr>
+                <a:xfrm>
+                  <a:off x="7908706" y="2167032"/>
+                  <a:ext cx="430119" cy="320772"/>
+                </a:xfrm>
+                <a:prstGeom prst="rect">
+                  <a:avLst/>
+                </a:prstGeom>
+                <a:noFill/>
+              </p:spPr>
+              <p:txBody>
+                <a:bodyPr wrap="none" lIns="0" tIns="0" rIns="0" bIns="0" rtlCol="0">
+                  <a:spAutoFit/>
+                </a:bodyPr>
+                <a:lstStyle/>
+                <a:p>
+                  <a:pPr/>
+                  <a14:m>
+                    <m:oMathPara xmlns:m="http://schemas.openxmlformats.org/officeDocument/2006/math">
+                      <m:oMathParaPr>
+                        <m:jc m:val="centerGroup"/>
+                      </m:oMathParaPr>
+                      <m:oMath xmlns:m="http://schemas.openxmlformats.org/officeDocument/2006/math">
+                        <m:r>
+                          <a:rPr lang="en-US" altLang="zh-CN" sz="1600" i="1" smtClean="0">
+                            <a:solidFill>
+                              <a:schemeClr val="bg2">
+                                <a:lumMod val="25000"/>
+                              </a:schemeClr>
+                            </a:solidFill>
+                            <a:latin typeface="Cambria Math" panose="02040503050406030204" pitchFamily="18" charset="0"/>
+                          </a:rPr>
+                          <m:t>𝑝</m:t>
+                        </m:r>
+                        <m:r>
+                          <a:rPr lang="en-US" altLang="zh-CN" sz="1600" i="1" baseline="-25000">
+                            <a:solidFill>
+                              <a:schemeClr val="bg2">
+                                <a:lumMod val="25000"/>
+                              </a:schemeClr>
+                            </a:solidFill>
+                            <a:latin typeface="Cambria Math" panose="02040503050406030204" pitchFamily="18" charset="0"/>
+                          </a:rPr>
+                          <m:t>𝐵𝐴</m:t>
+                        </m:r>
+                      </m:oMath>
+                    </m:oMathPara>
+                  </a14:m>
+                  <a:endParaRPr lang="zh-CN" altLang="en-US" sz="1600" baseline="-25000" dirty="0">
+                    <a:solidFill>
+                      <a:schemeClr val="bg2">
+                        <a:lumMod val="25000"/>
+                      </a:schemeClr>
+                    </a:solidFill>
+                  </a:endParaRPr>
+                </a:p>
+              </p:txBody>
+            </p:sp>
+          </mc:Choice>
+          <mc:Fallback>
+            <p:sp>
+              <p:nvSpPr>
+                <p:cNvPr id="66" name="文本框 65"/>
+                <p:cNvSpPr txBox="1">
+                  <a:spLocks noRot="1" noChangeAspect="1" noMove="1" noResize="1" noEditPoints="1" noAdjustHandles="1" noChangeArrowheads="1" noChangeShapeType="1" noTextEdit="1"/>
+                </p:cNvSpPr>
+                <p:nvPr/>
+              </p:nvSpPr>
+              <p:spPr>
+                <a:xfrm>
+                  <a:off x="7908706" y="2167032"/>
+                  <a:ext cx="430119" cy="320772"/>
+                </a:xfrm>
+                <a:prstGeom prst="rect">
+                  <a:avLst/>
+                </a:prstGeom>
+                <a:blipFill rotWithShape="0">
+                  <a:blip r:embed="rId10"/>
+                  <a:stretch>
+                    <a:fillRect l="-16981" r="-7547" b="-27500"/>
+                  </a:stretch>
+                </a:blipFill>
+              </p:spPr>
+              <p:txBody>
+                <a:bodyPr/>
+                <a:lstStyle/>
+                <a:p>
+                  <a:r>
+                    <a:rPr lang="zh-CN" altLang="en-US">
+                      <a:noFill/>
+                    </a:rPr>
+                    <a:t> </a:t>
+                  </a:r>
+                </a:p>
+              </p:txBody>
+            </p:sp>
+          </mc:Fallback>
+        </mc:AlternateContent>
+        <mc:AlternateContent xmlns:mc="http://schemas.openxmlformats.org/markup-compatibility/2006">
+          <mc:Choice xmlns:a14="http://schemas.microsoft.com/office/drawing/2010/main" Requires="a14">
+            <p:sp>
+              <p:nvSpPr>
+                <p:cNvPr id="67" name="文本框 66"/>
+                <p:cNvSpPr txBox="1"/>
+                <p:nvPr/>
+              </p:nvSpPr>
+              <p:spPr>
+                <a:xfrm>
+                  <a:off x="7897291" y="3512962"/>
+                  <a:ext cx="441916" cy="320772"/>
+                </a:xfrm>
+                <a:prstGeom prst="rect">
+                  <a:avLst/>
+                </a:prstGeom>
+                <a:noFill/>
+              </p:spPr>
+              <p:txBody>
+                <a:bodyPr wrap="none" lIns="0" tIns="0" rIns="0" bIns="0" rtlCol="0">
+                  <a:spAutoFit/>
+                </a:bodyPr>
+                <a:lstStyle/>
+                <a:p>
+                  <a:pPr/>
+                  <a14:m>
+                    <m:oMathPara xmlns:m="http://schemas.openxmlformats.org/officeDocument/2006/math">
+                      <m:oMathParaPr>
+                        <m:jc m:val="centerGroup"/>
+                      </m:oMathParaPr>
+                      <m:oMath xmlns:m="http://schemas.openxmlformats.org/officeDocument/2006/math">
+                        <m:r>
+                          <a:rPr lang="en-US" altLang="zh-CN" sz="1600" i="1" smtClean="0">
+                            <a:solidFill>
+                              <a:schemeClr val="bg2">
+                                <a:lumMod val="25000"/>
+                              </a:schemeClr>
+                            </a:solidFill>
+                            <a:latin typeface="Cambria Math" panose="02040503050406030204" pitchFamily="18" charset="0"/>
+                          </a:rPr>
+                          <m:t>𝑝</m:t>
+                        </m:r>
+                        <m:r>
+                          <a:rPr lang="en-US" altLang="zh-CN" sz="1600" i="1" baseline="-25000">
+                            <a:solidFill>
+                              <a:schemeClr val="bg2">
+                                <a:lumMod val="25000"/>
+                              </a:schemeClr>
+                            </a:solidFill>
+                            <a:latin typeface="Cambria Math" panose="02040503050406030204" pitchFamily="18" charset="0"/>
+                          </a:rPr>
+                          <m:t>𝐴𝐷</m:t>
+                        </m:r>
+                      </m:oMath>
+                    </m:oMathPara>
+                  </a14:m>
+                  <a:endParaRPr lang="zh-CN" altLang="en-US" sz="1600" baseline="-25000" dirty="0">
+                    <a:solidFill>
+                      <a:schemeClr val="bg2">
+                        <a:lumMod val="25000"/>
+                      </a:schemeClr>
+                    </a:solidFill>
+                  </a:endParaRPr>
+                </a:p>
+              </p:txBody>
+            </p:sp>
+          </mc:Choice>
+          <mc:Fallback>
+            <p:sp>
+              <p:nvSpPr>
+                <p:cNvPr id="67" name="文本框 66"/>
+                <p:cNvSpPr txBox="1">
+                  <a:spLocks noRot="1" noChangeAspect="1" noMove="1" noResize="1" noEditPoints="1" noAdjustHandles="1" noChangeArrowheads="1" noChangeShapeType="1" noTextEdit="1"/>
+                </p:cNvSpPr>
+                <p:nvPr/>
+              </p:nvSpPr>
+              <p:spPr>
+                <a:xfrm>
+                  <a:off x="7897291" y="3512962"/>
+                  <a:ext cx="441916" cy="320772"/>
+                </a:xfrm>
+                <a:prstGeom prst="rect">
+                  <a:avLst/>
+                </a:prstGeom>
+                <a:blipFill rotWithShape="0">
+                  <a:blip r:embed="rId11"/>
+                  <a:stretch>
+                    <a:fillRect l="-16364" r="-5455" b="-30769"/>
+                  </a:stretch>
+                </a:blipFill>
+              </p:spPr>
+              <p:txBody>
+                <a:bodyPr/>
+                <a:lstStyle/>
+                <a:p>
+                  <a:r>
+                    <a:rPr lang="zh-CN" altLang="en-US">
+                      <a:noFill/>
+                    </a:rPr>
+                    <a:t> </a:t>
+                  </a:r>
+                </a:p>
+              </p:txBody>
+            </p:sp>
+          </mc:Fallback>
+        </mc:AlternateContent>
+        <mc:AlternateContent xmlns:mc="http://schemas.openxmlformats.org/markup-compatibility/2006">
+          <mc:Choice xmlns:a14="http://schemas.microsoft.com/office/drawing/2010/main" Requires="a14">
+            <p:sp>
+              <p:nvSpPr>
+                <p:cNvPr id="68" name="文本框 67"/>
+                <p:cNvSpPr txBox="1"/>
+                <p:nvPr/>
+              </p:nvSpPr>
+              <p:spPr>
+                <a:xfrm>
+                  <a:off x="10008050" y="2147020"/>
+                  <a:ext cx="433111" cy="320772"/>
+                </a:xfrm>
+                <a:prstGeom prst="rect">
+                  <a:avLst/>
+                </a:prstGeom>
+                <a:noFill/>
+              </p:spPr>
+              <p:txBody>
+                <a:bodyPr wrap="none" lIns="0" tIns="0" rIns="0" bIns="0" rtlCol="0">
+                  <a:spAutoFit/>
+                </a:bodyPr>
+                <a:lstStyle/>
+                <a:p>
+                  <a:pPr/>
+                  <a14:m>
+                    <m:oMathPara xmlns:m="http://schemas.openxmlformats.org/officeDocument/2006/math">
+                      <m:oMathParaPr>
+                        <m:jc m:val="centerGroup"/>
+                      </m:oMathParaPr>
+                      <m:oMath xmlns:m="http://schemas.openxmlformats.org/officeDocument/2006/math">
+                        <m:r>
+                          <a:rPr lang="en-US" altLang="zh-CN" sz="1600" i="1" smtClean="0">
+                            <a:solidFill>
+                              <a:schemeClr val="bg2">
+                                <a:lumMod val="25000"/>
+                              </a:schemeClr>
+                            </a:solidFill>
+                            <a:latin typeface="Cambria Math" panose="02040503050406030204" pitchFamily="18" charset="0"/>
+                          </a:rPr>
+                          <m:t>𝑝</m:t>
+                        </m:r>
+                        <m:r>
+                          <a:rPr lang="en-US" altLang="zh-CN" sz="1600" i="1" baseline="-25000">
+                            <a:solidFill>
+                              <a:schemeClr val="bg2">
+                                <a:lumMod val="25000"/>
+                              </a:schemeClr>
+                            </a:solidFill>
+                            <a:latin typeface="Cambria Math" panose="02040503050406030204" pitchFamily="18" charset="0"/>
+                          </a:rPr>
+                          <m:t>𝐵𝐶</m:t>
+                        </m:r>
+                      </m:oMath>
+                    </m:oMathPara>
+                  </a14:m>
+                  <a:endParaRPr lang="zh-CN" altLang="en-US" sz="1600" baseline="-25000" dirty="0">
+                    <a:solidFill>
+                      <a:schemeClr val="bg2">
+                        <a:lumMod val="25000"/>
+                      </a:schemeClr>
+                    </a:solidFill>
+                  </a:endParaRPr>
+                </a:p>
+              </p:txBody>
+            </p:sp>
+          </mc:Choice>
+          <mc:Fallback>
+            <p:sp>
+              <p:nvSpPr>
+                <p:cNvPr id="68" name="文本框 67"/>
+                <p:cNvSpPr txBox="1">
+                  <a:spLocks noRot="1" noChangeAspect="1" noMove="1" noResize="1" noEditPoints="1" noAdjustHandles="1" noChangeArrowheads="1" noChangeShapeType="1" noTextEdit="1"/>
+                </p:cNvSpPr>
+                <p:nvPr/>
+              </p:nvSpPr>
+              <p:spPr>
+                <a:xfrm>
+                  <a:off x="10008050" y="2147020"/>
+                  <a:ext cx="433111" cy="320772"/>
+                </a:xfrm>
+                <a:prstGeom prst="rect">
+                  <a:avLst/>
+                </a:prstGeom>
+                <a:blipFill rotWithShape="0">
+                  <a:blip r:embed="rId12"/>
+                  <a:stretch>
+                    <a:fillRect l="-16981" r="-5660" b="-30769"/>
+                  </a:stretch>
+                </a:blipFill>
+              </p:spPr>
+              <p:txBody>
+                <a:bodyPr/>
+                <a:lstStyle/>
+                <a:p>
+                  <a:r>
+                    <a:rPr lang="zh-CN" altLang="en-US">
+                      <a:noFill/>
+                    </a:rPr>
+                    <a:t> </a:t>
+                  </a:r>
+                </a:p>
+              </p:txBody>
+            </p:sp>
+          </mc:Fallback>
+        </mc:AlternateContent>
+        <mc:AlternateContent xmlns:mc="http://schemas.openxmlformats.org/markup-compatibility/2006">
+          <mc:Choice xmlns:a14="http://schemas.microsoft.com/office/drawing/2010/main" Requires="a14">
+            <p:sp>
+              <p:nvSpPr>
+                <p:cNvPr id="69" name="文本框 68"/>
+                <p:cNvSpPr txBox="1"/>
+                <p:nvPr/>
+              </p:nvSpPr>
+              <p:spPr>
+                <a:xfrm>
+                  <a:off x="10053157" y="3534155"/>
+                  <a:ext cx="435504" cy="320772"/>
+                </a:xfrm>
+                <a:prstGeom prst="rect">
+                  <a:avLst/>
+                </a:prstGeom>
+                <a:noFill/>
+              </p:spPr>
+              <p:txBody>
+                <a:bodyPr wrap="none" lIns="0" tIns="0" rIns="0" bIns="0" rtlCol="0">
+                  <a:spAutoFit/>
+                </a:bodyPr>
+                <a:lstStyle/>
+                <a:p>
+                  <a:pPr/>
+                  <a14:m>
+                    <m:oMathPara xmlns:m="http://schemas.openxmlformats.org/officeDocument/2006/math">
+                      <m:oMathParaPr>
+                        <m:jc m:val="centerGroup"/>
+                      </m:oMathParaPr>
+                      <m:oMath xmlns:m="http://schemas.openxmlformats.org/officeDocument/2006/math">
+                        <m:r>
+                          <a:rPr lang="en-US" altLang="zh-CN" sz="1600" i="1" smtClean="0">
+                            <a:solidFill>
+                              <a:schemeClr val="bg2">
+                                <a:lumMod val="25000"/>
+                              </a:schemeClr>
+                            </a:solidFill>
+                            <a:latin typeface="Cambria Math" panose="02040503050406030204" pitchFamily="18" charset="0"/>
+                          </a:rPr>
+                          <m:t>𝑝</m:t>
+                        </m:r>
+                        <m:r>
+                          <a:rPr lang="en-US" altLang="zh-CN" sz="1600" i="1" baseline="-25000">
+                            <a:solidFill>
+                              <a:schemeClr val="bg2">
+                                <a:lumMod val="25000"/>
+                              </a:schemeClr>
+                            </a:solidFill>
+                            <a:latin typeface="Cambria Math" panose="02040503050406030204" pitchFamily="18" charset="0"/>
+                          </a:rPr>
+                          <m:t>𝐶𝐷</m:t>
+                        </m:r>
+                      </m:oMath>
+                    </m:oMathPara>
+                  </a14:m>
+                  <a:endParaRPr lang="zh-CN" altLang="en-US" sz="1600" baseline="-25000" dirty="0">
+                    <a:solidFill>
+                      <a:schemeClr val="bg2">
+                        <a:lumMod val="25000"/>
+                      </a:schemeClr>
+                    </a:solidFill>
+                  </a:endParaRPr>
+                </a:p>
+              </p:txBody>
+            </p:sp>
+          </mc:Choice>
+          <mc:Fallback>
+            <p:sp>
+              <p:nvSpPr>
+                <p:cNvPr id="69" name="文本框 68"/>
+                <p:cNvSpPr txBox="1">
+                  <a:spLocks noRot="1" noChangeAspect="1" noMove="1" noResize="1" noEditPoints="1" noAdjustHandles="1" noChangeArrowheads="1" noChangeShapeType="1" noTextEdit="1"/>
+                </p:cNvSpPr>
+                <p:nvPr/>
+              </p:nvSpPr>
+              <p:spPr>
+                <a:xfrm>
+                  <a:off x="10053157" y="3534155"/>
+                  <a:ext cx="435504" cy="320772"/>
+                </a:xfrm>
+                <a:prstGeom prst="rect">
+                  <a:avLst/>
+                </a:prstGeom>
+                <a:blipFill rotWithShape="0">
+                  <a:blip r:embed="rId13"/>
+                  <a:stretch>
+                    <a:fillRect l="-16667" r="-5556" b="-27500"/>
+                  </a:stretch>
+                </a:blipFill>
+              </p:spPr>
+              <p:txBody>
+                <a:bodyPr/>
+                <a:lstStyle/>
+                <a:p>
+                  <a:r>
+                    <a:rPr lang="zh-CN" altLang="en-US">
+                      <a:noFill/>
+                    </a:rPr>
+                    <a:t> </a:t>
+                  </a:r>
+                </a:p>
+              </p:txBody>
+            </p:sp>
+          </mc:Fallback>
+        </mc:AlternateContent>
+      </p:grpSp>
+      <p:grpSp>
+        <p:nvGrpSpPr>
+          <p:cNvPr id="8" name="opinion 结点"/>
+          <p:cNvGrpSpPr/>
+          <p:nvPr/>
+        </p:nvGrpSpPr>
+        <p:grpSpPr>
+          <a:xfrm>
+            <a:off x="4719795" y="850028"/>
+            <a:ext cx="4238704" cy="2134336"/>
+            <a:chOff x="4879339" y="4697069"/>
+            <a:chExt cx="4238704" cy="2134336"/>
+          </a:xfrm>
+        </p:grpSpPr>
+        <p:sp>
+          <p:nvSpPr>
+            <p:cNvPr id="70" name="文本框 69"/>
+            <p:cNvSpPr txBox="1"/>
+            <p:nvPr/>
+          </p:nvSpPr>
+          <p:spPr>
+            <a:xfrm>
+              <a:off x="4879339" y="5414414"/>
+              <a:ext cx="872710" cy="369332"/>
+            </a:xfrm>
+            <a:prstGeom prst="rect">
+              <a:avLst/>
+            </a:prstGeom>
+            <a:noFill/>
+          </p:spPr>
+          <p:txBody>
+            <a:bodyPr wrap="square" rtlCol="0">
+              <a:spAutoFit/>
+            </a:bodyPr>
+            <a:lstStyle/>
+            <a:p>
+              <a:pPr algn="ctr"/>
+              <a:r>
+                <a:rPr lang="en-US" altLang="zh-CN" dirty="0" smtClean="0">
+                  <a:solidFill>
+                    <a:srgbClr val="FF0000"/>
+                  </a:solidFill>
+                </a:rPr>
+                <a:t>O</a:t>
+              </a:r>
+              <a:r>
+                <a:rPr lang="en-US" altLang="zh-CN" baseline="-25000" dirty="0" smtClean="0">
+                  <a:solidFill>
+                    <a:srgbClr val="FF0000"/>
+                  </a:solidFill>
+                </a:rPr>
+                <a:t>A</a:t>
+              </a:r>
+              <a:endParaRPr lang="zh-CN" altLang="en-US" baseline="-25000" dirty="0">
+                <a:solidFill>
+                  <a:srgbClr val="FF0000"/>
+                </a:solidFill>
+              </a:endParaRPr>
+            </a:p>
+          </p:txBody>
+        </p:sp>
+        <p:sp>
+          <p:nvSpPr>
+            <p:cNvPr id="71" name="文本框 70"/>
+            <p:cNvSpPr txBox="1"/>
+            <p:nvPr/>
+          </p:nvSpPr>
+          <p:spPr>
+            <a:xfrm>
+              <a:off x="6597792" y="4697069"/>
+              <a:ext cx="872710" cy="369332"/>
+            </a:xfrm>
+            <a:prstGeom prst="rect">
+              <a:avLst/>
+            </a:prstGeom>
+            <a:noFill/>
+          </p:spPr>
+          <p:txBody>
+            <a:bodyPr wrap="square" rtlCol="0">
+              <a:spAutoFit/>
+            </a:bodyPr>
+            <a:lstStyle/>
+            <a:p>
+              <a:pPr algn="ctr"/>
+              <a:r>
+                <a:rPr lang="en-US" altLang="zh-CN" dirty="0" smtClean="0">
+                  <a:solidFill>
+                    <a:srgbClr val="FF0000"/>
+                  </a:solidFill>
+                </a:rPr>
+                <a:t>O</a:t>
+              </a:r>
+              <a:r>
+                <a:rPr lang="en-US" altLang="zh-CN" baseline="-25000" dirty="0" smtClean="0">
+                  <a:solidFill>
+                    <a:srgbClr val="FF0000"/>
+                  </a:solidFill>
+                </a:rPr>
+                <a:t>B</a:t>
+              </a:r>
+              <a:endParaRPr lang="zh-CN" altLang="en-US" baseline="-25000" dirty="0">
+                <a:solidFill>
+                  <a:srgbClr val="FF0000"/>
+                </a:solidFill>
+              </a:endParaRPr>
+            </a:p>
+          </p:txBody>
+        </p:sp>
+        <p:sp>
+          <p:nvSpPr>
+            <p:cNvPr id="72" name="文本框 71"/>
+            <p:cNvSpPr txBox="1"/>
+            <p:nvPr/>
+          </p:nvSpPr>
+          <p:spPr>
+            <a:xfrm>
+              <a:off x="8245333" y="5343050"/>
+              <a:ext cx="872710" cy="369332"/>
+            </a:xfrm>
+            <a:prstGeom prst="rect">
+              <a:avLst/>
+            </a:prstGeom>
+            <a:noFill/>
+          </p:spPr>
+          <p:txBody>
+            <a:bodyPr wrap="square" rtlCol="0">
+              <a:spAutoFit/>
+            </a:bodyPr>
+            <a:lstStyle/>
+            <a:p>
+              <a:pPr algn="ctr"/>
+              <a:r>
+                <a:rPr lang="en-US" altLang="zh-CN" dirty="0" smtClean="0">
+                  <a:solidFill>
+                    <a:srgbClr val="FF0000"/>
+                  </a:solidFill>
+                </a:rPr>
+                <a:t>O</a:t>
+              </a:r>
+              <a:r>
+                <a:rPr lang="en-US" altLang="zh-CN" baseline="-25000" dirty="0" smtClean="0">
+                  <a:solidFill>
+                    <a:srgbClr val="FF0000"/>
+                  </a:solidFill>
+                </a:rPr>
+                <a:t>C</a:t>
+              </a:r>
+              <a:endParaRPr lang="zh-CN" altLang="en-US" baseline="-25000" dirty="0">
+                <a:solidFill>
+                  <a:srgbClr val="FF0000"/>
+                </a:solidFill>
+              </a:endParaRPr>
+            </a:p>
+          </p:txBody>
+        </p:sp>
+        <p:sp>
+          <p:nvSpPr>
+            <p:cNvPr id="73" name="文本框 72"/>
+            <p:cNvSpPr txBox="1"/>
+            <p:nvPr/>
+          </p:nvSpPr>
+          <p:spPr>
+            <a:xfrm>
+              <a:off x="6646521" y="6462073"/>
+              <a:ext cx="872710" cy="369332"/>
+            </a:xfrm>
+            <a:prstGeom prst="rect">
+              <a:avLst/>
+            </a:prstGeom>
+            <a:noFill/>
+          </p:spPr>
+          <p:txBody>
+            <a:bodyPr wrap="square" rtlCol="0">
+              <a:spAutoFit/>
+            </a:bodyPr>
+            <a:lstStyle/>
+            <a:p>
+              <a:pPr algn="ctr"/>
+              <a:r>
+                <a:rPr lang="en-US" altLang="zh-CN" dirty="0" smtClean="0">
+                  <a:solidFill>
+                    <a:srgbClr val="FF0000"/>
+                  </a:solidFill>
+                </a:rPr>
+                <a:t>O</a:t>
+              </a:r>
+              <a:r>
+                <a:rPr lang="en-US" altLang="zh-CN" baseline="-25000" dirty="0" smtClean="0">
+                  <a:solidFill>
+                    <a:srgbClr val="FF0000"/>
+                  </a:solidFill>
+                </a:rPr>
+                <a:t>D</a:t>
+              </a:r>
+              <a:endParaRPr lang="zh-CN" altLang="en-US" baseline="-25000" dirty="0">
+                <a:solidFill>
+                  <a:srgbClr val="FF0000"/>
+                </a:solidFill>
+              </a:endParaRPr>
+            </a:p>
+          </p:txBody>
+        </p:sp>
+      </p:grpSp>
+      <p:grpSp>
+        <p:nvGrpSpPr>
+          <p:cNvPr id="26" name="组合 25"/>
+          <p:cNvGrpSpPr/>
+          <p:nvPr/>
+        </p:nvGrpSpPr>
+        <p:grpSpPr>
+          <a:xfrm>
+            <a:off x="5873883" y="1540486"/>
+            <a:ext cx="2037645" cy="644742"/>
+            <a:chOff x="5834472" y="5386780"/>
+            <a:chExt cx="2037645" cy="644742"/>
+          </a:xfrm>
+        </p:grpSpPr>
+        <mc:AlternateContent xmlns:mc="http://schemas.openxmlformats.org/markup-compatibility/2006">
+          <mc:Choice xmlns:a14="http://schemas.microsoft.com/office/drawing/2010/main" Requires="a14">
+            <p:sp>
+              <p:nvSpPr>
+                <p:cNvPr id="74" name="文本框 73"/>
+                <p:cNvSpPr txBox="1"/>
+                <p:nvPr/>
+              </p:nvSpPr>
+              <p:spPr>
+                <a:xfrm>
+                  <a:off x="5834472" y="5760870"/>
+                  <a:ext cx="399148" cy="270652"/>
+                </a:xfrm>
+                <a:prstGeom prst="rect">
+                  <a:avLst/>
+                </a:prstGeom>
+                <a:noFill/>
+              </p:spPr>
+              <p:txBody>
+                <a:bodyPr wrap="none" lIns="0" tIns="0" rIns="0" bIns="0" rtlCol="0">
+                  <a:spAutoFit/>
+                </a:bodyPr>
+                <a:lstStyle/>
+                <a:p>
+                  <a14:m>
+                    <m:oMathPara xmlns:m="http://schemas.openxmlformats.org/officeDocument/2006/math">
+                      <m:oMathParaPr>
+                        <m:jc m:val="centerGroup"/>
+                      </m:oMathParaPr>
+                      <m:oMath xmlns:m="http://schemas.openxmlformats.org/officeDocument/2006/math">
+                        <m:r>
+                          <m:rPr>
+                            <m:sty m:val="p"/>
+                          </m:rPr>
+                          <a:rPr lang="el-GR" altLang="zh-CN" i="1" smtClean="0">
+                            <a:solidFill>
+                              <a:srgbClr val="FF0000"/>
+                            </a:solidFill>
+                            <a:latin typeface="Cambria Math" panose="02040503050406030204" pitchFamily="18" charset="0"/>
+                          </a:rPr>
+                          <m:t>φ</m:t>
+                        </m:r>
+                        <m:r>
+                          <m:rPr>
+                            <m:sty m:val="p"/>
+                          </m:rPr>
+                          <a:rPr lang="en-US" altLang="zh-CN" i="1" baseline="-25000">
+                            <a:solidFill>
+                              <a:srgbClr val="FF0000"/>
+                            </a:solidFill>
+                            <a:latin typeface="Cambria Math" panose="02040503050406030204" pitchFamily="18" charset="0"/>
+                          </a:rPr>
+                          <m:t>AD</m:t>
+                        </m:r>
+                      </m:oMath>
+                    </m:oMathPara>
+                  </a14:m>
+                  <a:endParaRPr lang="zh-CN" altLang="en-US" baseline="-25000" dirty="0">
+                    <a:solidFill>
+                      <a:srgbClr val="FF0000"/>
+                    </a:solidFill>
+                  </a:endParaRPr>
+                </a:p>
+              </p:txBody>
+            </p:sp>
+          </mc:Choice>
+          <mc:Fallback>
+            <p:sp>
+              <p:nvSpPr>
+                <p:cNvPr id="74" name="文本框 73"/>
+                <p:cNvSpPr txBox="1">
+                  <a:spLocks noRot="1" noChangeAspect="1" noMove="1" noResize="1" noEditPoints="1" noAdjustHandles="1" noChangeArrowheads="1" noChangeShapeType="1" noTextEdit="1"/>
+                </p:cNvSpPr>
+                <p:nvPr/>
+              </p:nvSpPr>
+              <p:spPr>
+                <a:xfrm>
+                  <a:off x="5834472" y="5760870"/>
+                  <a:ext cx="399148" cy="270652"/>
+                </a:xfrm>
+                <a:prstGeom prst="rect">
+                  <a:avLst/>
+                </a:prstGeom>
+                <a:blipFill rotWithShape="0">
+                  <a:blip r:embed="rId14"/>
+                  <a:stretch>
+                    <a:fillRect l="-16923" r="-10769" b="-31818"/>
+                  </a:stretch>
+                </a:blipFill>
+              </p:spPr>
+              <p:txBody>
+                <a:bodyPr/>
+                <a:lstStyle/>
+                <a:p>
+                  <a:r>
+                    <a:rPr lang="zh-CN" altLang="en-US">
+                      <a:noFill/>
+                    </a:rPr>
+                    <a:t> </a:t>
+                  </a:r>
+                </a:p>
+              </p:txBody>
+            </p:sp>
+          </mc:Fallback>
+        </mc:AlternateContent>
+        <mc:AlternateContent xmlns:mc="http://schemas.openxmlformats.org/markup-compatibility/2006">
+          <mc:Choice xmlns:a14="http://schemas.microsoft.com/office/drawing/2010/main" Requires="a14">
+            <p:sp>
+              <p:nvSpPr>
+                <p:cNvPr id="75" name="文本框 74"/>
+                <p:cNvSpPr txBox="1"/>
+                <p:nvPr/>
+              </p:nvSpPr>
+              <p:spPr>
+                <a:xfrm>
+                  <a:off x="7482587" y="5747615"/>
+                  <a:ext cx="389530" cy="270652"/>
+                </a:xfrm>
+                <a:prstGeom prst="rect">
+                  <a:avLst/>
+                </a:prstGeom>
+                <a:noFill/>
+              </p:spPr>
+              <p:txBody>
+                <a:bodyPr wrap="none" lIns="0" tIns="0" rIns="0" bIns="0" rtlCol="0">
+                  <a:spAutoFit/>
+                </a:bodyPr>
+                <a:lstStyle/>
+                <a:p>
+                  <a14:m>
+                    <m:oMathPara xmlns:m="http://schemas.openxmlformats.org/officeDocument/2006/math">
+                      <m:oMathParaPr>
+                        <m:jc m:val="centerGroup"/>
+                      </m:oMathParaPr>
+                      <m:oMath xmlns:m="http://schemas.openxmlformats.org/officeDocument/2006/math">
+                        <m:r>
+                          <m:rPr>
+                            <m:sty m:val="p"/>
+                          </m:rPr>
+                          <a:rPr lang="el-GR" altLang="zh-CN" i="1" smtClean="0">
+                            <a:solidFill>
+                              <a:srgbClr val="FF0000"/>
+                            </a:solidFill>
+                            <a:latin typeface="Cambria Math" panose="02040503050406030204" pitchFamily="18" charset="0"/>
+                          </a:rPr>
+                          <m:t>φ</m:t>
+                        </m:r>
+                        <m:r>
+                          <m:rPr>
+                            <m:sty m:val="p"/>
+                          </m:rPr>
+                          <a:rPr lang="en-US" altLang="zh-CN" i="1" baseline="-25000">
+                            <a:solidFill>
+                              <a:srgbClr val="FF0000"/>
+                            </a:solidFill>
+                            <a:latin typeface="Cambria Math" panose="02040503050406030204" pitchFamily="18" charset="0"/>
+                          </a:rPr>
+                          <m:t>CD</m:t>
+                        </m:r>
+                      </m:oMath>
+                    </m:oMathPara>
+                  </a14:m>
+                  <a:endParaRPr lang="zh-CN" altLang="en-US" baseline="-25000" dirty="0">
+                    <a:solidFill>
+                      <a:srgbClr val="FF0000"/>
+                    </a:solidFill>
+                  </a:endParaRPr>
+                </a:p>
+              </p:txBody>
+            </p:sp>
+          </mc:Choice>
+          <mc:Fallback>
+            <p:sp>
+              <p:nvSpPr>
+                <p:cNvPr id="75" name="文本框 74"/>
+                <p:cNvSpPr txBox="1">
+                  <a:spLocks noRot="1" noChangeAspect="1" noMove="1" noResize="1" noEditPoints="1" noAdjustHandles="1" noChangeArrowheads="1" noChangeShapeType="1" noTextEdit="1"/>
+                </p:cNvSpPr>
+                <p:nvPr/>
+              </p:nvSpPr>
+              <p:spPr>
+                <a:xfrm>
+                  <a:off x="7482587" y="5747615"/>
+                  <a:ext cx="389530" cy="270652"/>
+                </a:xfrm>
+                <a:prstGeom prst="rect">
+                  <a:avLst/>
+                </a:prstGeom>
+                <a:blipFill rotWithShape="0">
+                  <a:blip r:embed="rId15"/>
+                  <a:stretch>
+                    <a:fillRect l="-17188" r="-9375" b="-31818"/>
+                  </a:stretch>
+                </a:blipFill>
+              </p:spPr>
+              <p:txBody>
+                <a:bodyPr/>
+                <a:lstStyle/>
+                <a:p>
+                  <a:r>
+                    <a:rPr lang="zh-CN" altLang="en-US">
+                      <a:noFill/>
+                    </a:rPr>
+                    <a:t> </a:t>
+                  </a:r>
+                </a:p>
+              </p:txBody>
+            </p:sp>
+          </mc:Fallback>
+        </mc:AlternateContent>
+        <mc:AlternateContent xmlns:mc="http://schemas.openxmlformats.org/markup-compatibility/2006">
+          <mc:Choice xmlns:a14="http://schemas.microsoft.com/office/drawing/2010/main" Requires="a14">
+            <p:sp>
+              <p:nvSpPr>
+                <p:cNvPr id="76" name="文本框 75"/>
+                <p:cNvSpPr txBox="1"/>
+                <p:nvPr/>
+              </p:nvSpPr>
+              <p:spPr>
+                <a:xfrm>
+                  <a:off x="6226535" y="5388793"/>
+                  <a:ext cx="391133" cy="270652"/>
+                </a:xfrm>
+                <a:prstGeom prst="rect">
+                  <a:avLst/>
+                </a:prstGeom>
+                <a:noFill/>
+              </p:spPr>
+              <p:txBody>
+                <a:bodyPr wrap="none" lIns="0" tIns="0" rIns="0" bIns="0" rtlCol="0">
+                  <a:spAutoFit/>
+                </a:bodyPr>
+                <a:lstStyle/>
+                <a:p>
+                  <a14:m>
+                    <m:oMathPara xmlns:m="http://schemas.openxmlformats.org/officeDocument/2006/math">
+                      <m:oMathParaPr>
+                        <m:jc m:val="centerGroup"/>
+                      </m:oMathParaPr>
+                      <m:oMath xmlns:m="http://schemas.openxmlformats.org/officeDocument/2006/math">
+                        <m:r>
+                          <m:rPr>
+                            <m:sty m:val="p"/>
+                          </m:rPr>
+                          <a:rPr lang="el-GR" altLang="zh-CN" i="1" smtClean="0">
+                            <a:solidFill>
+                              <a:srgbClr val="FF0000"/>
+                            </a:solidFill>
+                            <a:latin typeface="Cambria Math" panose="02040503050406030204" pitchFamily="18" charset="0"/>
+                          </a:rPr>
+                          <m:t>φ</m:t>
+                        </m:r>
+                        <m:r>
+                          <m:rPr>
+                            <m:sty m:val="p"/>
+                          </m:rPr>
+                          <a:rPr lang="en-US" altLang="zh-CN" i="1" baseline="-25000">
+                            <a:solidFill>
+                              <a:srgbClr val="FF0000"/>
+                            </a:solidFill>
+                            <a:latin typeface="Cambria Math" panose="02040503050406030204" pitchFamily="18" charset="0"/>
+                          </a:rPr>
+                          <m:t>BA</m:t>
+                        </m:r>
+                      </m:oMath>
+                    </m:oMathPara>
+                  </a14:m>
+                  <a:endParaRPr lang="zh-CN" altLang="en-US" baseline="-25000" dirty="0">
+                    <a:solidFill>
+                      <a:srgbClr val="FF0000"/>
+                    </a:solidFill>
+                  </a:endParaRPr>
+                </a:p>
+              </p:txBody>
+            </p:sp>
+          </mc:Choice>
+          <mc:Fallback>
+            <p:sp>
+              <p:nvSpPr>
+                <p:cNvPr id="76" name="文本框 75"/>
+                <p:cNvSpPr txBox="1">
+                  <a:spLocks noRot="1" noChangeAspect="1" noMove="1" noResize="1" noEditPoints="1" noAdjustHandles="1" noChangeArrowheads="1" noChangeShapeType="1" noTextEdit="1"/>
+                </p:cNvSpPr>
+                <p:nvPr/>
+              </p:nvSpPr>
+              <p:spPr>
+                <a:xfrm>
+                  <a:off x="6226535" y="5388793"/>
+                  <a:ext cx="391133" cy="270652"/>
+                </a:xfrm>
+                <a:prstGeom prst="rect">
+                  <a:avLst/>
+                </a:prstGeom>
+                <a:blipFill rotWithShape="0">
+                  <a:blip r:embed="rId16"/>
+                  <a:stretch>
+                    <a:fillRect l="-17188" r="-9375" b="-31818"/>
+                  </a:stretch>
+                </a:blipFill>
+              </p:spPr>
+              <p:txBody>
+                <a:bodyPr/>
+                <a:lstStyle/>
+                <a:p>
+                  <a:r>
+                    <a:rPr lang="zh-CN" altLang="en-US">
+                      <a:noFill/>
+                    </a:rPr>
+                    <a:t> </a:t>
+                  </a:r>
+                </a:p>
+              </p:txBody>
+            </p:sp>
+          </mc:Fallback>
+        </mc:AlternateContent>
+        <mc:AlternateContent xmlns:mc="http://schemas.openxmlformats.org/markup-compatibility/2006">
+          <mc:Choice xmlns:a14="http://schemas.microsoft.com/office/drawing/2010/main" Requires="a14">
+            <p:sp>
+              <p:nvSpPr>
+                <p:cNvPr id="77" name="文本框 76"/>
+                <p:cNvSpPr txBox="1"/>
+                <p:nvPr/>
+              </p:nvSpPr>
+              <p:spPr>
+                <a:xfrm>
+                  <a:off x="7203984" y="5386780"/>
+                  <a:ext cx="396455" cy="270652"/>
+                </a:xfrm>
+                <a:prstGeom prst="rect">
+                  <a:avLst/>
+                </a:prstGeom>
+                <a:noFill/>
+              </p:spPr>
+              <p:txBody>
+                <a:bodyPr wrap="none" lIns="0" tIns="0" rIns="0" bIns="0" rtlCol="0">
+                  <a:spAutoFit/>
+                </a:bodyPr>
+                <a:lstStyle/>
+                <a:p>
+                  <a14:m>
+                    <m:oMathPara xmlns:m="http://schemas.openxmlformats.org/officeDocument/2006/math">
+                      <m:oMathParaPr>
+                        <m:jc m:val="centerGroup"/>
+                      </m:oMathParaPr>
+                      <m:oMath xmlns:m="http://schemas.openxmlformats.org/officeDocument/2006/math">
+                        <m:r>
+                          <m:rPr>
+                            <m:sty m:val="p"/>
+                          </m:rPr>
+                          <a:rPr lang="el-GR" altLang="zh-CN" i="1" smtClean="0">
+                            <a:solidFill>
+                              <a:srgbClr val="FF0000"/>
+                            </a:solidFill>
+                            <a:latin typeface="Cambria Math" panose="02040503050406030204" pitchFamily="18" charset="0"/>
+                          </a:rPr>
+                          <m:t>φ</m:t>
+                        </m:r>
+                        <m:r>
+                          <m:rPr>
+                            <m:sty m:val="p"/>
+                          </m:rPr>
+                          <a:rPr lang="en-US" altLang="zh-CN" i="1" baseline="-25000">
+                            <a:solidFill>
+                              <a:srgbClr val="FF0000"/>
+                            </a:solidFill>
+                            <a:latin typeface="Cambria Math" panose="02040503050406030204" pitchFamily="18" charset="0"/>
+                          </a:rPr>
+                          <m:t>B</m:t>
+                        </m:r>
+                        <m:r>
+                          <a:rPr lang="en-US" altLang="zh-CN" i="1" baseline="-25000">
+                            <a:solidFill>
+                              <a:srgbClr val="FF0000"/>
+                            </a:solidFill>
+                            <a:latin typeface="Cambria Math" panose="02040503050406030204" pitchFamily="18" charset="0"/>
+                          </a:rPr>
+                          <m:t>𝐶</m:t>
+                        </m:r>
+                      </m:oMath>
+                    </m:oMathPara>
+                  </a14:m>
+                  <a:endParaRPr lang="zh-CN" altLang="en-US" baseline="-25000" dirty="0">
+                    <a:solidFill>
+                      <a:srgbClr val="FF0000"/>
+                    </a:solidFill>
+                  </a:endParaRPr>
+                </a:p>
+              </p:txBody>
+            </p:sp>
+          </mc:Choice>
+          <mc:Fallback>
+            <p:sp>
+              <p:nvSpPr>
+                <p:cNvPr id="77" name="文本框 76"/>
+                <p:cNvSpPr txBox="1">
+                  <a:spLocks noRot="1" noChangeAspect="1" noMove="1" noResize="1" noEditPoints="1" noAdjustHandles="1" noChangeArrowheads="1" noChangeShapeType="1" noTextEdit="1"/>
+                </p:cNvSpPr>
+                <p:nvPr/>
+              </p:nvSpPr>
+              <p:spPr>
+                <a:xfrm>
+                  <a:off x="7203984" y="5386780"/>
+                  <a:ext cx="396455" cy="270652"/>
+                </a:xfrm>
+                <a:prstGeom prst="rect">
+                  <a:avLst/>
+                </a:prstGeom>
+                <a:blipFill rotWithShape="0">
+                  <a:blip r:embed="rId17"/>
+                  <a:stretch>
+                    <a:fillRect l="-16923" r="-6154" b="-31818"/>
+                  </a:stretch>
+                </a:blipFill>
+              </p:spPr>
+              <p:txBody>
+                <a:bodyPr/>
+                <a:lstStyle/>
+                <a:p>
+                  <a:r>
+                    <a:rPr lang="zh-CN" altLang="en-US">
+                      <a:noFill/>
+                    </a:rPr>
+                    <a:t> </a:t>
+                  </a:r>
+                </a:p>
+              </p:txBody>
+            </p:sp>
+          </mc:Fallback>
+        </mc:AlternateContent>
+      </p:grpSp>
+      <p:sp>
+        <p:nvSpPr>
+          <p:cNvPr id="78" name="矩形 77"/>
+          <p:cNvSpPr/>
+          <p:nvPr/>
+        </p:nvSpPr>
+        <p:spPr>
+          <a:xfrm>
+            <a:off x="297080" y="1395898"/>
+            <a:ext cx="4400948" cy="400110"/>
+          </a:xfrm>
+          <a:prstGeom prst="rect">
+            <a:avLst/>
+          </a:prstGeom>
+        </p:spPr>
+        <p:txBody>
+          <a:bodyPr wrap="none">
+            <a:spAutoFit/>
+          </a:bodyPr>
+          <a:lstStyle/>
+          <a:p>
+            <a:r>
+              <a:rPr lang="en-US" altLang="zh-CN" sz="2000" dirty="0" smtClean="0"/>
+              <a:t>OI serves as extension over the </a:t>
+            </a:r>
+            <a:r>
+              <a:rPr lang="en-US" altLang="zh-CN" sz="2000" dirty="0" smtClean="0">
+                <a:solidFill>
+                  <a:srgbClr val="FF0000"/>
+                </a:solidFill>
+              </a:rPr>
+              <a:t>IC</a:t>
+            </a:r>
+            <a:r>
+              <a:rPr lang="en-US" altLang="zh-CN" sz="2000" dirty="0" smtClean="0"/>
+              <a:t> and LT</a:t>
+            </a:r>
+            <a:endParaRPr lang="zh-CN" altLang="en-US" sz="2000" dirty="0"/>
+          </a:p>
+        </p:txBody>
+      </p:sp>
     </p:spTree>
     <p:extLst>
       <p:ext uri="{BB962C8B-B14F-4D97-AF65-F5344CB8AC3E}">
@@ -18558,7 +19099,7 @@
                                           </p:stCondLst>
                                         </p:cTn>
                                         <p:tgtEl>
-                                          <p:spTgt spid="2"/>
+                                          <p:spTgt spid="78"/>
                                         </p:tgtEl>
                                         <p:attrNameLst>
                                           <p:attrName>style.visibility</p:attrName>
@@ -18572,7 +19113,7 @@
                                       <p:cBhvr>
                                         <p:cTn id="7" dur="500"/>
                                         <p:tgtEl>
-                                          <p:spTgt spid="2"/>
+                                          <p:spTgt spid="78"/>
                                         </p:tgtEl>
                                       </p:cBhvr>
                                     </p:animEffect>
@@ -18598,7 +19139,7 @@
                             </p:stCondLst>
                             <p:childTnLst>
                               <p:par>
-                                <p:cTn id="10" presetID="42" presetClass="entr" presetSubtype="0" fill="hold" nodeType="clickEffect">
+                                <p:cTn id="10" presetID="10" presetClass="entr" presetSubtype="0" fill="hold" nodeType="clickEffect">
                                   <p:stCondLst>
                                     <p:cond delay="0"/>
                                   </p:stCondLst>
@@ -18611,7 +19152,7 @@
                                           </p:stCondLst>
                                         </p:cTn>
                                         <p:tgtEl>
-                                          <p:spTgt spid="17"/>
+                                          <p:spTgt spid="65"/>
                                         </p:tgtEl>
                                         <p:attrNameLst>
                                           <p:attrName>style.visibility</p:attrName>
@@ -18625,15 +19166,68 @@
                                       <p:cBhvr>
                                         <p:cTn id="12" dur="500"/>
                                         <p:tgtEl>
-                                          <p:spTgt spid="17"/>
+                                          <p:spTgt spid="65"/>
+                                        </p:tgtEl>
+                                      </p:cBhvr>
+                                    </p:animEffect>
+                                  </p:childTnLst>
+                                </p:cTn>
+                              </p:par>
+                            </p:childTnLst>
+                          </p:cTn>
+                        </p:par>
+                      </p:childTnLst>
+                    </p:cTn>
+                  </p:par>
+                  <p:par>
+                    <p:cTn id="13" fill="hold">
+                      <p:stCondLst>
+                        <p:cond delay="indefinite"/>
+                      </p:stCondLst>
+                      <p:childTnLst>
+                        <p:par>
+                          <p:cTn id="14" fill="hold">
+                            <p:stCondLst>
+                              <p:cond delay="0"/>
+                            </p:stCondLst>
+                            <p:childTnLst>
+                              <p:par>
+                                <p:cTn id="15" presetID="42" presetClass="entr" presetSubtype="0" fill="hold" grpId="0" nodeType="clickEffect">
+                                  <p:stCondLst>
+                                    <p:cond delay="0"/>
+                                  </p:stCondLst>
+                                  <p:childTnLst>
+                                    <p:set>
+                                      <p:cBhvr>
+                                        <p:cTn id="16" dur="1" fill="hold">
+                                          <p:stCondLst>
+                                            <p:cond delay="0"/>
+                                          </p:stCondLst>
+                                        </p:cTn>
+                                        <p:tgtEl>
+                                          <p:spTgt spid="2"/>
+                                        </p:tgtEl>
+                                        <p:attrNameLst>
+                                          <p:attrName>style.visibility</p:attrName>
+                                        </p:attrNameLst>
+                                      </p:cBhvr>
+                                      <p:to>
+                                        <p:strVal val="visible"/>
+                                      </p:to>
+                                    </p:set>
+                                    <p:animEffect transition="in" filter="fade">
+                                      <p:cBhvr>
+                                        <p:cTn id="17" dur="500"/>
+                                        <p:tgtEl>
+                                          <p:spTgt spid="2"/>
                                         </p:tgtEl>
                                       </p:cBhvr>
                                     </p:animEffect>
                                     <p:anim calcmode="lin" valueType="num">
                                       <p:cBhvr>
-                                        <p:cTn id="13" dur="500" fill="hold"/>
+                                        <p:cTn id="18" dur="500" fill="hold"/>
                                         <p:tgtEl>
-                                          <p:spTgt spid="17"/>
+                                          <p:spTgt spid="2"/>
                                         </p:tgtEl>
                                         <p:attrNameLst>
                                           <p:attrName>ppt_x</p:attrName>
@@ -18654,189 +19248,9 @@
                                     </p:anim>
                                     <p:anim calcmode="lin" valueType="num">
                                       <p:cBhvr>
-                                        <p:cTn id="14" dur="500" fill="hold"/>
-                                        <p:tgtEl>
-                                          <p:spTgt spid="17"/>
-                                        </p:tgtEl>
-                                        <p:attrNameLst>
-                                          <p:attrName>ppt_y</p:attrName>
-                                        </p:attrNameLst>
-                                      </p:cBhvr>
-                                      <p:tavLst>
-                                        <p:tav tm="0">
-                                          <p:val>
-                                            <p:strVal val="#ppt_y+.1"/>
-                                          </p:val>
-                                        </p:tav>
-                                        <p:tav tm="100000">
-                                          <p:val>
-                                            <p:strVal val="#ppt_y"/>
-                                          </p:val>
-                                        </p:tav>
-                                      </p:tavLst>
-                                    </p:anim>
-                                  </p:childTnLst>
-                                </p:cTn>
-                              </p:par>
-                            </p:childTnLst>
-                          </p:cTn>
-                        </p:par>
-                        <p:par>
-                          <p:cTn id="15" fill="hold">
-                            <p:stCondLst>
-                              <p:cond delay="500"/>
-                            </p:stCondLst>
-                            <p:childTnLst>
-                              <p:par>
-                                <p:cTn id="16" presetID="42" presetClass="entr" presetSubtype="0" fill="hold" nodeType="afterEffect">
-                                  <p:stCondLst>
-                                    <p:cond delay="0"/>
-                                  </p:stCondLst>
-                                  <p:childTnLst>
-                                    <p:set>
-                                      <p:cBhvr>
-                                        <p:cTn id="17" dur="1" fill="hold">
-                                          <p:stCondLst>
-                                            <p:cond delay="0"/>
-                                          </p:stCondLst>
-                                        </p:cTn>
-                                        <p:tgtEl>
-                                          <p:spTgt spid="18"/>
-                                        </p:tgtEl>
-                                        <p:attrNameLst>
-                                          <p:attrName>style.visibility</p:attrName>
-                                        </p:attrNameLst>
-                                      </p:cBhvr>
-                                      <p:to>
-                                        <p:strVal val="visible"/>
-                                      </p:to>
-                                    </p:set>
-                                    <p:animEffect transition="in" filter="fade">
-                                      <p:cBhvr>
-                                        <p:cTn id="18" dur="500"/>
-                                        <p:tgtEl>
-                                          <p:spTgt spid="18"/>
-                                        </p:tgtEl>
-                                      </p:cBhvr>
-                                    </p:animEffect>
-                                    <p:anim calcmode="lin" valueType="num">
-                                      <p:cBhvr>
                                         <p:cTn id="19" dur="500" fill="hold"/>
                                         <p:tgtEl>
-                                          <p:spTgt spid="18"/>
-                                        </p:tgtEl>
-                                        <p:attrNameLst>
-                                          <p:attrName>ppt_x</p:attrName>
-                                        </p:attrNameLst>
-                                      </p:cBhvr>
-                                      <p:tavLst>
-                                        <p:tav tm="0">
-                                          <p:val>
-                                            <p:strVal val="#ppt_x"/>
-                                          </p:val>
-                                        </p:tav>
-                                        <p:tav tm="100000">
-                                          <p:val>
-                                            <p:strVal val="#ppt_x"/>
-                                          </p:val>
-                                        </p:tav>
-                                      </p:tavLst>
-                                    </p:anim>
-                                    <p:anim calcmode="lin" valueType="num">
-                                      <p:cBhvr>
-                                        <p:cTn id="20" dur="500" fill="hold"/>
-                                        <p:tgtEl>
-                                          <p:spTgt spid="18"/>
-                                        </p:tgtEl>
-                                        <p:attrNameLst>
-                                          <p:attrName>ppt_y</p:attrName>
-                                        </p:attrNameLst>
-                                      </p:cBhvr>
-                                      <p:tavLst>
-                                        <p:tav tm="0">
-                                          <p:val>
-                                            <p:strVal val="#ppt_y+.1"/>
-                                          </p:val>
-                                        </p:tav>
-                                        <p:tav tm="100000">
-                                          <p:val>
-                                            <p:strVal val="#ppt_y"/>
-                                          </p:val>
-                                        </p:tav>
-                                      </p:tavLst>
-                                    </p:anim>
-                                  </p:childTnLst>
-                                </p:cTn>
-                              </p:par>
-                            </p:childTnLst>
-                          </p:cTn>
-                        </p:par>
-                        <p:par>
-                          <p:cTn id="21" fill="hold">
-                            <p:stCondLst>
-                              <p:cond delay="1000"/>
-                            </p:stCondLst>
-                            <p:childTnLst>
-                              <p:par>
-                                <p:cTn id="22" presetID="42" presetClass="entr" presetSubtype="0" fill="hold" nodeType="afterEffect">
-                                  <p:stCondLst>
-                                    <p:cond delay="0"/>
-                                  </p:stCondLst>
-                                  <p:childTnLst>
-                                    <p:set>
-                                      <p:cBhvr>
-                                        <p:cTn id="23" dur="1" fill="hold">
-                                          <p:stCondLst>
-                                            <p:cond delay="0"/>
-                                          </p:stCondLst>
-                                        </p:cTn>
-                                        <p:tgtEl>
-                                          <p:spTgt spid="20"/>
-                                        </p:tgtEl>
-                                        <p:attrNameLst>
-                                          <p:attrName>style.visibility</p:attrName>
-                                        </p:attrNameLst>
-                                      </p:cBhvr>
-                                      <p:to>
-                                        <p:strVal val="visible"/>
-                                      </p:to>
-                                    </p:set>
-                                    <p:animEffect transition="in" filter="fade">
-                                      <p:cBhvr>
-                                        <p:cTn id="24" dur="500"/>
-                                        <p:tgtEl>
-                                          <p:spTgt spid="20"/>
-                                        </p:tgtEl>
-                                      </p:cBhvr>
-                                    </p:animEffect>
-                                    <p:anim calcmode="lin" valueType="num">
-                                      <p:cBhvr>
-                                        <p:cTn id="25" dur="500" fill="hold"/>
-                                        <p:tgtEl>
-                                          <p:spTgt spid="20"/>
-                                        </p:tgtEl>
-                                        <p:attrNameLst>
-                                          <p:attrName>ppt_x</p:attrName>
-                                        </p:attrNameLst>
-                                      </p:cBhvr>
-                                      <p:tavLst>
-                                        <p:tav tm="0">
-                                          <p:val>
-                                            <p:strVal val="#ppt_x"/>
-                                          </p:val>
-                                        </p:tav>
-                                        <p:tav tm="100000">
-                                          <p:val>
-                                            <p:strVal val="#ppt_x"/>
-                                          </p:val>
-                                        </p:tav>
-                                      </p:tavLst>
-                                    </p:anim>
-                                    <p:anim calcmode="lin" valueType="num">
-                                      <p:cBhvr>
-                                        <p:cTn id="26" dur="500" fill="hold"/>
-                                        <p:tgtEl>
-                                          <p:spTgt spid="20"/>
+                                          <p:spTgt spid="2"/>
                                         </p:tgtEl>
                                         <p:attrNameLst>
                                           <p:attrName>ppt_y</p:attrName>
@@ -18865,19 +19279,147 @@
                     </p:cTn>
                   </p:par>
                   <p:par>
-                    <p:cTn id="27" fill="hold">
+                    <p:cTn id="20" fill="hold">
                       <p:stCondLst>
                         <p:cond delay="indefinite"/>
                       </p:stCondLst>
                       <p:childTnLst>
                         <p:par>
-                          <p:cTn id="28" fill="hold">
+                          <p:cTn id="21" fill="hold">
                             <p:stCondLst>
                               <p:cond delay="0"/>
                             </p:stCondLst>
                             <p:childTnLst>
                               <p:par>
-                                <p:cTn id="29" presetID="10" presetClass="entr" presetSubtype="0" fill="hold" grpId="0" nodeType="clickEffect">
+                                <p:cTn id="22" presetID="15" presetClass="entr" presetSubtype="0" fill="hold" nodeType="clickEffect">
+                                  <p:stCondLst>
+                                    <p:cond delay="0"/>
+                                  </p:stCondLst>
+                                  <p:childTnLst>
+                                    <p:set>
+                                      <p:cBhvr>
+                                        <p:cTn id="23" dur="1" fill="hold">
+                                          <p:stCondLst>
+                                            <p:cond delay="0"/>
+                                          </p:stCondLst>
+                                        </p:cTn>
+                                        <p:tgtEl>
+                                          <p:spTgt spid="17"/>
+                                        </p:tgtEl>
+                                        <p:attrNameLst>
+                                          <p:attrName>style.visibility</p:attrName>
+                                        </p:attrNameLst>
+                                      </p:cBhvr>
+                                      <p:to>
+                                        <p:strVal val="visible"/>
+                                      </p:to>
+                                    </p:set>
+                                    <p:anim calcmode="lin" valueType="num">
+                                      <p:cBhvr>
+                                        <p:cTn id="24" dur="750" fill="hold"/>
+                                        <p:tgtEl>
+                                          <p:spTgt spid="17"/>
+                                        </p:tgtEl>
+                                        <p:attrNameLst>
+                                          <p:attrName>ppt_w</p:attrName>
+                                        </p:attrNameLst>
+                                      </p:cBhvr>
+                                      <p:tavLst>
+                                        <p:tav tm="0">
+                                          <p:val>
+                                            <p:fltVal val="0"/>
+                                          </p:val>
+                                        </p:tav>
+                                        <p:tav tm="100000">
+                                          <p:val>
+                                            <p:strVal val="#ppt_w"/>
+                                          </p:val>
+                                        </p:tav>
+                                      </p:tavLst>
+                                    </p:anim>
+                                    <p:anim calcmode="lin" valueType="num">
+                                      <p:cBhvr>
+                                        <p:cTn id="25" dur="750" fill="hold"/>
+                                        <p:tgtEl>
+                                          <p:spTgt spid="17"/>
+                                        </p:tgtEl>
+                                        <p:attrNameLst>
+                                          <p:attrName>ppt_h</p:attrName>
+                                        </p:attrNameLst>
+                                      </p:cBhvr>
+                                      <p:tavLst>
+                                        <p:tav tm="0">
+                                          <p:val>
+                                            <p:fltVal val="0"/>
+                                          </p:val>
+                                        </p:tav>
+                                        <p:tav tm="100000">
+                                          <p:val>
+                                            <p:strVal val="#ppt_h"/>
+                                          </p:val>
+                                        </p:tav>
+                                      </p:tavLst>
+                                    </p:anim>
+                                    <p:anim calcmode="lin" valueType="num">
+                                      <p:cBhvr>
+                                        <p:cTn id="26" dur="750" fill="hold"/>
+                                        <p:tgtEl>
+                                          <p:spTgt spid="17"/>
+                                        </p:tgtEl>
+                                        <p:attrNameLst>
+                                          <p:attrName>ppt_x</p:attrName>
+                                        </p:attrNameLst>
+                                      </p:cBhvr>
+                                      <p:tavLst>
+                                        <p:tav tm="0" fmla="#ppt_x+(cos(-2*pi*(1-$))*-#ppt_x-sin(-2*pi*(1-$))*(1-#ppt_y))*(1-$)">
+                                          <p:val>
+                                            <p:fltVal val="0"/>
+                                          </p:val>
+                                        </p:tav>
+                                        <p:tav tm="100000">
+                                          <p:val>
+                                            <p:fltVal val="1"/>
+                                          </p:val>
+                                        </p:tav>
+                                      </p:tavLst>
+                                    </p:anim>
+                                    <p:anim calcmode="lin" valueType="num">
+                                      <p:cBhvr>
+                                        <p:cTn id="27" dur="750" fill="hold"/>
+                                        <p:tgtEl>
+                                          <p:spTgt spid="17"/>
+                                        </p:tgtEl>
+                                        <p:attrNameLst>
+                                          <p:attrName>ppt_y</p:attrName>
+                                        </p:attrNameLst>
+                                      </p:cBhvr>
+                                      <p:tavLst>
+                                        <p:tav tm="0" fmla="#ppt_y+(sin(-2*pi*(1-$))*-#ppt_x+cos(-2*pi*(1-$))*(1-#ppt_y))*(1-$)">
+                                          <p:val>
+                                            <p:fltVal val="0"/>
+                                          </p:val>
+                                        </p:tav>
+                                        <p:tav tm="100000">
+                                          <p:val>
+                                            <p:fltVal val="1"/>
+                                          </p:val>
+                                        </p:tav>
+                                      </p:tavLst>
+                                    </p:anim>
+                                  </p:childTnLst>
+                                </p:cTn>
+                              </p:par>
+                            </p:childTnLst>
+                          </p:cTn>
+                        </p:par>
+                        <p:par>
+                          <p:cTn id="28" fill="hold">
+                            <p:stCondLst>
+                              <p:cond delay="750"/>
+                            </p:stCondLst>
+                            <p:childTnLst>
+                              <p:par>
+                                <p:cTn id="29" presetID="15" presetClass="entr" presetSubtype="0" fill="hold" nodeType="afterEffect">
                                   <p:stCondLst>
                                     <p:cond delay="0"/>
                                   </p:stCondLst>
@@ -18890,7 +19432,272 @@
                                           </p:stCondLst>
                                         </p:cTn>
                                         <p:tgtEl>
-                                          <p:spTgt spid="10"/>
+                                          <p:spTgt spid="18"/>
+                                        </p:tgtEl>
+                                        <p:attrNameLst>
+                                          <p:attrName>style.visibility</p:attrName>
+                                        </p:attrNameLst>
+                                      </p:cBhvr>
+                                      <p:to>
+                                        <p:strVal val="visible"/>
+                                      </p:to>
+                                    </p:set>
+                                    <p:anim calcmode="lin" valueType="num">
+                                      <p:cBhvr>
+                                        <p:cTn id="31" dur="750" fill="hold"/>
+                                        <p:tgtEl>
+                                          <p:spTgt spid="18"/>
+                                        </p:tgtEl>
+                                        <p:attrNameLst>
+                                          <p:attrName>ppt_w</p:attrName>
+                                        </p:attrNameLst>
+                                      </p:cBhvr>
+                                      <p:tavLst>
+                                        <p:tav tm="0">
+                                          <p:val>
+                                            <p:fltVal val="0"/>
+                                          </p:val>
+                                        </p:tav>
+                                        <p:tav tm="100000">
+                                          <p:val>
+                                            <p:strVal val="#ppt_w"/>
+                                          </p:val>
+                                        </p:tav>
+                                      </p:tavLst>
+                                    </p:anim>
+                                    <p:anim calcmode="lin" valueType="num">
+                                      <p:cBhvr>
+                                        <p:cTn id="32" dur="750" fill="hold"/>
+                                        <p:tgtEl>
+                                          <p:spTgt spid="18"/>
+                                        </p:tgtEl>
+                                        <p:attrNameLst>
+                                          <p:attrName>ppt_h</p:attrName>
+                                        </p:attrNameLst>
+                                      </p:cBhvr>
+                                      <p:tavLst>
+                                        <p:tav tm="0">
+                                          <p:val>
+                                            <p:fltVal val="0"/>
+                                          </p:val>
+                                        </p:tav>
+                                        <p:tav tm="100000">
+                                          <p:val>
+                                            <p:strVal val="#ppt_h"/>
+                                          </p:val>
+                                        </p:tav>
+                                      </p:tavLst>
+                                    </p:anim>
+                                    <p:anim calcmode="lin" valueType="num">
+                                      <p:cBhvr>
+                                        <p:cTn id="33" dur="750" fill="hold"/>
+                                        <p:tgtEl>
+                                          <p:spTgt spid="18"/>
+                                        </p:tgtEl>
+                                        <p:attrNameLst>
+                                          <p:attrName>ppt_x</p:attrName>
+                                        </p:attrNameLst>
+                                      </p:cBhvr>
+                                      <p:tavLst>
+                                        <p:tav tm="0" fmla="#ppt_x+(cos(-2*pi*(1-$))*-#ppt_x-sin(-2*pi*(1-$))*(1-#ppt_y))*(1-$)">
+                                          <p:val>
+                                            <p:fltVal val="0"/>
+                                          </p:val>
+                                        </p:tav>
+                                        <p:tav tm="100000">
+                                          <p:val>
+                                            <p:fltVal val="1"/>
+                                          </p:val>
+                                        </p:tav>
+                                      </p:tavLst>
+                                    </p:anim>
+                                    <p:anim calcmode="lin" valueType="num">
+                                      <p:cBhvr>
+                                        <p:cTn id="34" dur="750" fill="hold"/>
+                                        <p:tgtEl>
+                                          <p:spTgt spid="18"/>
+                                        </p:tgtEl>
+                                        <p:attrNameLst>
+                                          <p:attrName>ppt_y</p:attrName>
+                                        </p:attrNameLst>
+                                      </p:cBhvr>
+                                      <p:tavLst>
+                                        <p:tav tm="0" fmla="#ppt_y+(sin(-2*pi*(1-$))*-#ppt_x+cos(-2*pi*(1-$))*(1-#ppt_y))*(1-$)">
+                                          <p:val>
+                                            <p:fltVal val="0"/>
+                                          </p:val>
+                                        </p:tav>
+                                        <p:tav tm="100000">
+                                          <p:val>
+                                            <p:fltVal val="1"/>
+                                          </p:val>
+                                        </p:tav>
+                                      </p:tavLst>
+                                    </p:anim>
+                                  </p:childTnLst>
+                                </p:cTn>
+                              </p:par>
+                            </p:childTnLst>
+                          </p:cTn>
+                        </p:par>
+                        <p:par>
+                          <p:cTn id="35" fill="hold">
+                            <p:stCondLst>
+                              <p:cond delay="1500"/>
+                            </p:stCondLst>
+                            <p:childTnLst>
+                              <p:par>
+                                <p:cTn id="36" presetID="15" presetClass="entr" presetSubtype="0" fill="hold" nodeType="afterEffect">
+                                  <p:stCondLst>
+                                    <p:cond delay="0"/>
+                                  </p:stCondLst>
+                                  <p:childTnLst>
+                                    <p:set>
+                                      <p:cBhvr>
+                                        <p:cTn id="37" dur="1" fill="hold">
+                                          <p:stCondLst>
+                                            <p:cond delay="0"/>
+                                          </p:stCondLst>
+                                        </p:cTn>
+                                        <p:tgtEl>
+                                          <p:spTgt spid="20"/>
+                                        </p:tgtEl>
+                                        <p:attrNameLst>
+                                          <p:attrName>style.visibility</p:attrName>
+                                        </p:attrNameLst>
+                                      </p:cBhvr>
+                                      <p:to>
+                                        <p:strVal val="visible"/>
+                                      </p:to>
+                                    </p:set>
+                                    <p:anim calcmode="lin" valueType="num">
+                                      <p:cBhvr>
+                                        <p:cTn id="38" dur="750" fill="hold"/>
+                                        <p:tgtEl>
+                                          <p:spTgt spid="20"/>
+                                        </p:tgtEl>
+                                        <p:attrNameLst>
+                                          <p:attrName>ppt_w</p:attrName>
+                                        </p:attrNameLst>
+                                      </p:cBhvr>
+                                      <p:tavLst>
+                                        <p:tav tm="0">
+                                          <p:val>
+                                            <p:fltVal val="0"/>
+                                          </p:val>
+                                        </p:tav>
+                                        <p:tav tm="100000">
+                                          <p:val>
+                                            <p:strVal val="#ppt_w"/>
+                                          </p:val>
+                                        </p:tav>
+                                      </p:tavLst>
+                                    </p:anim>
+                                    <p:anim calcmode="lin" valueType="num">
+                                      <p:cBhvr>
+                                        <p:cTn id="39" dur="750" fill="hold"/>
+                                        <p:tgtEl>
+                                          <p:spTgt spid="20"/>
+                                        </p:tgtEl>
+                                        <p:attrNameLst>
+                                          <p:attrName>ppt_h</p:attrName>
+                                        </p:attrNameLst>
+                                      </p:cBhvr>
+                                      <p:tavLst>
+                                        <p:tav tm="0">
+                                          <p:val>
+                                            <p:fltVal val="0"/>
+                                          </p:val>
+                                        </p:tav>
+                                        <p:tav tm="100000">
+                                          <p:val>
+                                            <p:strVal val="#ppt_h"/>
+                                          </p:val>
+                                        </p:tav>
+                                      </p:tavLst>
+                                    </p:anim>
+                                    <p:anim calcmode="lin" valueType="num">
+                                      <p:cBhvr>
+                                        <p:cTn id="40" dur="750" fill="hold"/>
+                                        <p:tgtEl>
+                                          <p:spTgt spid="20"/>
+                                        </p:tgtEl>
+                                        <p:attrNameLst>
+                                          <p:attrName>ppt_x</p:attrName>
+                                        </p:attrNameLst>
+                                      </p:cBhvr>
+                                      <p:tavLst>
+                                        <p:tav tm="0" fmla="#ppt_x+(cos(-2*pi*(1-$))*-#ppt_x-sin(-2*pi*(1-$))*(1-#ppt_y))*(1-$)">
+                                          <p:val>
+                                            <p:fltVal val="0"/>
+                                          </p:val>
+                                        </p:tav>
+                                        <p:tav tm="100000">
+                                          <p:val>
+                                            <p:fltVal val="1"/>
+                                          </p:val>
+                                        </p:tav>
+                                      </p:tavLst>
+                                    </p:anim>
+                                    <p:anim calcmode="lin" valueType="num">
+                                      <p:cBhvr>
+                                        <p:cTn id="41" dur="750" fill="hold"/>
+                                        <p:tgtEl>
+                                          <p:spTgt spid="20"/>
+                                        </p:tgtEl>
+                                        <p:attrNameLst>
+                                          <p:attrName>ppt_y</p:attrName>
+                                        </p:attrNameLst>
+                                      </p:cBhvr>
+                                      <p:tavLst>
+                                        <p:tav tm="0" fmla="#ppt_y+(sin(-2*pi*(1-$))*-#ppt_x+cos(-2*pi*(1-$))*(1-#ppt_y))*(1-$)">
+                                          <p:val>
+                                            <p:fltVal val="0"/>
+                                          </p:val>
+                                        </p:tav>
+                                        <p:tav tm="100000">
+                                          <p:val>
+                                            <p:fltVal val="1"/>
+                                          </p:val>
+                                        </p:tav>
+                                      </p:tavLst>
+                                    </p:anim>
+                                  </p:childTnLst>
+                                </p:cTn>
+                              </p:par>
+                            </p:childTnLst>
+                          </p:cTn>
+                        </p:par>
+                      </p:childTnLst>
+                    </p:cTn>
+                  </p:par>
+                  <p:par>
+                    <p:cTn id="42" fill="hold">
+                      <p:stCondLst>
+                        <p:cond delay="indefinite"/>
+                      </p:stCondLst>
+                      <p:childTnLst>
+                        <p:par>
+                          <p:cTn id="43" fill="hold">
+                            <p:stCondLst>
+                              <p:cond delay="0"/>
+                            </p:stCondLst>
+                            <p:childTnLst>
+                              <p:par>
+                                <p:cTn id="44" presetID="10" presetClass="entr" presetSubtype="0" fill="hold" nodeType="clickEffect">
+                                  <p:stCondLst>
+                                    <p:cond delay="0"/>
+                                  </p:stCondLst>
+                                  <p:childTnLst>
+                                    <p:set>
+                                      <p:cBhvr>
+                                        <p:cTn id="45" dur="1" fill="hold">
+                                          <p:stCondLst>
+                                            <p:cond delay="0"/>
+                                          </p:stCondLst>
+                                        </p:cTn>
+                                        <p:tgtEl>
+                                          <p:spTgt spid="8"/>
                                         </p:tgtEl>
                                         <p:attrNameLst>
                                           <p:attrName>style.visibility</p:attrName>
@@ -18902,9 +19709,9 @@
                                     </p:set>
                                     <p:animEffect transition="in" filter="fade">
                                       <p:cBhvr>
-                                        <p:cTn id="31" dur="500"/>
+                                        <p:cTn id="46" dur="500"/>
                                         <p:tgtEl>
-                                          <p:spTgt spid="10"/>
+                                          <p:spTgt spid="8"/>
                                         </p:tgtEl>
                                       </p:cBhvr>
                                     </p:animEffect>
@@ -18918,26 +19725,26 @@
                     </p:cTn>
                   </p:par>
                   <p:par>
-                    <p:cTn id="32" fill="hold">
+                    <p:cTn id="47" fill="hold">
                       <p:stCondLst>
                         <p:cond delay="indefinite"/>
                       </p:stCondLst>
                       <p:childTnLst>
                         <p:par>
-                          <p:cTn id="33" fill="hold">
+                          <p:cTn id="48" fill="hold">
                             <p:stCondLst>
                               <p:cond delay="0"/>
                             </p:stCondLst>
                             <p:childTnLst>
                               <p:par>
-                                <p:cTn id="34" presetID="42" presetClass="entr" presetSubtype="0" fill="hold" grpId="0" nodeType="clickEffect">
+                                <p:cTn id="49" presetID="42" presetClass="entr" presetSubtype="0" fill="hold" grpId="0" nodeType="clickEffect">
                                   <p:stCondLst>
                                     <p:cond delay="0"/>
                                   </p:stCondLst>
                                   <p:childTnLst>
                                     <p:set>
                                       <p:cBhvr>
-                                        <p:cTn id="35" dur="1" fill="hold">
+                                        <p:cTn id="50" dur="1" fill="hold">
                                           <p:stCondLst>
                                             <p:cond delay="0"/>
                                           </p:stCondLst>
@@ -18955,7 +19762,7 @@
                                     </p:set>
                                     <p:animEffect transition="in" filter="fade">
                                       <p:cBhvr>
-                                        <p:cTn id="36" dur="500"/>
+                                        <p:cTn id="51" dur="500"/>
                                         <p:tgtEl>
                                           <p:spTgt spid="21"/>
                                         </p:tgtEl>
@@ -18963,7 +19770,7 @@
                                     </p:animEffect>
                                     <p:anim calcmode="lin" valueType="num">
                                       <p:cBhvr>
-                                        <p:cTn id="37" dur="500" fill="hold"/>
+                                        <p:cTn id="52" dur="500" fill="hold"/>
                                         <p:tgtEl>
                                           <p:spTgt spid="21"/>
                                         </p:tgtEl>
@@ -18986,7 +19793,7 @@
                                     </p:anim>
                                     <p:anim calcmode="lin" valueType="num">
                                       <p:cBhvr>
-                                        <p:cTn id="38" dur="500" fill="hold"/>
+                                        <p:cTn id="53" dur="500" fill="hold"/>
                                         <p:tgtEl>
                                           <p:spTgt spid="21"/>
                                         </p:tgtEl>
@@ -19007,404 +19814,6 @@
                                         </p:tav>
                                       </p:tavLst>
                                     </p:anim>
-                                  </p:childTnLst>
-                                </p:cTn>
-                              </p:par>
-                            </p:childTnLst>
-                          </p:cTn>
-                        </p:par>
-                      </p:childTnLst>
-                    </p:cTn>
-                  </p:par>
-                  <p:par>
-                    <p:cTn id="39" fill="hold">
-                      <p:stCondLst>
-                        <p:cond delay="indefinite"/>
-                      </p:stCondLst>
-                      <p:childTnLst>
-                        <p:par>
-                          <p:cTn id="40" fill="hold">
-                            <p:stCondLst>
-                              <p:cond delay="0"/>
-                            </p:stCondLst>
-                            <p:childTnLst>
-                              <p:par>
-                                <p:cTn id="41" presetID="10" presetClass="exit" presetSubtype="0" fill="hold" nodeType="clickEffect">
-                                  <p:stCondLst>
-                                    <p:cond delay="0"/>
-                                  </p:stCondLst>
-                                  <p:childTnLst>
-                                    <p:animEffect transition="out" filter="fade">
-                                      <p:cBhvr>
-                                        <p:cTn id="42" dur="500"/>
-                                        <p:tgtEl>
-                                          <p:spTgt spid="17"/>
-                                        </p:tgtEl>
-                                      </p:cBhvr>
-                                    </p:animEffect>
-                                    <p:set>
-                                      <p:cBhvr>
-                                        <p:cTn id="43" dur="1" fill="hold">
-                                          <p:stCondLst>
-                                            <p:cond delay="499"/>
-                                          </p:stCondLst>
-                                        </p:cTn>
-                                        <p:tgtEl>
-                                          <p:spTgt spid="17"/>
-                                        </p:tgtEl>
-                                        <p:attrNameLst>
-                                          <p:attrName>style.visibility</p:attrName>
-                                        </p:attrNameLst>
-                                      </p:cBhvr>
-                                      <p:to>
-                                        <p:strVal val="hidden"/>
-                                      </p:to>
-                                    </p:set>
-                                  </p:childTnLst>
-                                </p:cTn>
-                              </p:par>
-                              <p:par>
-                                <p:cTn id="44" presetID="10" presetClass="exit" presetSubtype="0" fill="hold" nodeType="withEffect">
-                                  <p:stCondLst>
-                                    <p:cond delay="0"/>
-                                  </p:stCondLst>
-                                  <p:childTnLst>
-                                    <p:animEffect transition="out" filter="fade">
-                                      <p:cBhvr>
-                                        <p:cTn id="45" dur="500"/>
-                                        <p:tgtEl>
-                                          <p:spTgt spid="18"/>
-                                        </p:tgtEl>
-                                      </p:cBhvr>
-                                    </p:animEffect>
-                                    <p:set>
-                                      <p:cBhvr>
-                                        <p:cTn id="46" dur="1" fill="hold">
-                                          <p:stCondLst>
-                                            <p:cond delay="499"/>
-                                          </p:stCondLst>
-                                        </p:cTn>
-                                        <p:tgtEl>
-                                          <p:spTgt spid="18"/>
-                                        </p:tgtEl>
-                                        <p:attrNameLst>
-                                          <p:attrName>style.visibility</p:attrName>
-                                        </p:attrNameLst>
-                                      </p:cBhvr>
-                                      <p:to>
-                                        <p:strVal val="hidden"/>
-                                      </p:to>
-                                    </p:set>
-                                  </p:childTnLst>
-                                </p:cTn>
-                              </p:par>
-                              <p:par>
-                                <p:cTn id="47" presetID="10" presetClass="exit" presetSubtype="0" fill="hold" nodeType="withEffect">
-                                  <p:stCondLst>
-                                    <p:cond delay="0"/>
-                                  </p:stCondLst>
-                                  <p:childTnLst>
-                                    <p:animEffect transition="out" filter="fade">
-                                      <p:cBhvr>
-                                        <p:cTn id="48" dur="500"/>
-                                        <p:tgtEl>
-                                          <p:spTgt spid="20"/>
-                                        </p:tgtEl>
-                                      </p:cBhvr>
-                                    </p:animEffect>
-                                    <p:set>
-                                      <p:cBhvr>
-                                        <p:cTn id="49" dur="1" fill="hold">
-                                          <p:stCondLst>
-                                            <p:cond delay="499"/>
-                                          </p:stCondLst>
-                                        </p:cTn>
-                                        <p:tgtEl>
-                                          <p:spTgt spid="20"/>
-                                        </p:tgtEl>
-                                        <p:attrNameLst>
-                                          <p:attrName>style.visibility</p:attrName>
-                                        </p:attrNameLst>
-                                      </p:cBhvr>
-                                      <p:to>
-                                        <p:strVal val="hidden"/>
-                                      </p:to>
-                                    </p:set>
-                                  </p:childTnLst>
-                                </p:cTn>
-                              </p:par>
-                              <p:par>
-                                <p:cTn id="50" presetID="10" presetClass="exit" presetSubtype="0" fill="hold" grpId="1" nodeType="withEffect">
-                                  <p:stCondLst>
-                                    <p:cond delay="0"/>
-                                  </p:stCondLst>
-                                  <p:childTnLst>
-                                    <p:animEffect transition="out" filter="fade">
-                                      <p:cBhvr>
-                                        <p:cTn id="51" dur="500"/>
-                                        <p:tgtEl>
-                                          <p:spTgt spid="10"/>
-                                        </p:tgtEl>
-                                      </p:cBhvr>
-                                    </p:animEffect>
-                                    <p:set>
-                                      <p:cBhvr>
-                                        <p:cTn id="52" dur="1" fill="hold">
-                                          <p:stCondLst>
-                                            <p:cond delay="499"/>
-                                          </p:stCondLst>
-                                        </p:cTn>
-                                        <p:tgtEl>
-                                          <p:spTgt spid="10"/>
-                                        </p:tgtEl>
-                                        <p:attrNameLst>
-                                          <p:attrName>style.visibility</p:attrName>
-                                        </p:attrNameLst>
-                                      </p:cBhvr>
-                                      <p:to>
-                                        <p:strVal val="hidden"/>
-                                      </p:to>
-                                    </p:set>
-                                  </p:childTnLst>
-                                </p:cTn>
-                              </p:par>
-                            </p:childTnLst>
-                          </p:cTn>
-                        </p:par>
-                      </p:childTnLst>
-                    </p:cTn>
-                  </p:par>
-                  <p:par>
-                    <p:cTn id="53" fill="hold">
-                      <p:stCondLst>
-                        <p:cond delay="indefinite"/>
-                      </p:stCondLst>
-                      <p:childTnLst>
-                        <p:par>
-                          <p:cTn id="54" fill="hold">
-                            <p:stCondLst>
-                              <p:cond delay="0"/>
-                            </p:stCondLst>
-                            <p:childTnLst>
-                              <p:par>
-                                <p:cTn id="55" presetID="42" presetClass="entr" presetSubtype="0" fill="hold" grpId="0" nodeType="clickEffect">
-                                  <p:stCondLst>
-                                    <p:cond delay="0"/>
-                                  </p:stCondLst>
-                                  <p:childTnLst>
-                                    <p:set>
-                                      <p:cBhvr>
-                                        <p:cTn id="56" dur="1" fill="hold">
-                                          <p:stCondLst>
-                                            <p:cond delay="0"/>
-                                          </p:stCondLst>
-                                        </p:cTn>
-                                        <p:tgtEl>
-                                          <p:spTgt spid="45"/>
-                                        </p:tgtEl>
-                                        <p:attrNameLst>
-                                          <p:attrName>style.visibility</p:attrName>
-                                        </p:attrNameLst>
-                                      </p:cBhvr>
-                                      <p:to>
-                                        <p:strVal val="visible"/>
-                                      </p:to>
-                                    </p:set>
-                                    <p:animEffect transition="in" filter="fade">
-                                      <p:cBhvr>
-                                        <p:cTn id="57" dur="500"/>
-                                        <p:tgtEl>
-                                          <p:spTgt spid="45"/>
-                                        </p:tgtEl>
-                                      </p:cBhvr>
-                                    </p:animEffect>
-                                    <p:anim calcmode="lin" valueType="num">
-                                      <p:cBhvr>
-                                        <p:cTn id="58" dur="500" fill="hold"/>
-                                        <p:tgtEl>
-                                          <p:spTgt spid="45"/>
-                                        </p:tgtEl>
-                                        <p:attrNameLst>
-                                          <p:attrName>ppt_x</p:attrName>
-                                        </p:attrNameLst>
-                                      </p:cBhvr>
-                                      <p:tavLst>
-                                        <p:tav tm="0">
-                                          <p:val>
-                                            <p:strVal val="#ppt_x"/>
-                                          </p:val>
-                                        </p:tav>
-                                        <p:tav tm="100000">
-                                          <p:val>
-                                            <p:strVal val="#ppt_x"/>
-                                          </p:val>
-                                        </p:tav>
-                                      </p:tavLst>
-                                    </p:anim>
-                                    <p:anim calcmode="lin" valueType="num">
-                                      <p:cBhvr>
-                                        <p:cTn id="59" dur="500" fill="hold"/>
-                                        <p:tgtEl>
-                                          <p:spTgt spid="45"/>
-                                        </p:tgtEl>
-                                        <p:attrNameLst>
-                                          <p:attrName>ppt_y</p:attrName>
-                                        </p:attrNameLst>
-                                      </p:cBhvr>
-                                      <p:tavLst>
-                                        <p:tav tm="0">
-                                          <p:val>
-                                            <p:strVal val="#ppt_y+.1"/>
-                                          </p:val>
-                                        </p:tav>
-                                        <p:tav tm="100000">
-                                          <p:val>
-                                            <p:strVal val="#ppt_y"/>
-                                          </p:val>
-                                        </p:tav>
-                                      </p:tavLst>
-                                    </p:anim>
-                                  </p:childTnLst>
-                                </p:cTn>
-                              </p:par>
-                            </p:childTnLst>
-                          </p:cTn>
-                        </p:par>
-                        <p:par>
-                          <p:cTn id="60" fill="hold">
-                            <p:stCondLst>
-                              <p:cond delay="500"/>
-                            </p:stCondLst>
-                            <p:childTnLst>
-                              <p:par>
-                                <p:cTn id="61" presetID="10" presetClass="entr" presetSubtype="0" fill="hold" grpId="0" nodeType="afterEffect">
-                                  <p:stCondLst>
-                                    <p:cond delay="0"/>
-                                  </p:stCondLst>
-                                  <p:childTnLst>
-                                    <p:set>
-                                      <p:cBhvr>
-                                        <p:cTn id="62" dur="1" fill="hold">
-                                          <p:stCondLst>
-                                            <p:cond delay="0"/>
-                                          </p:stCondLst>
-                                        </p:cTn>
-                                        <p:tgtEl>
-                                          <p:spTgt spid="49"/>
-                                        </p:tgtEl>
-                                        <p:attrNameLst>
-                                          <p:attrName>style.visibility</p:attrName>
-                                        </p:attrNameLst>
-                                      </p:cBhvr>
-                                      <p:to>
-                                        <p:strVal val="visible"/>
-                                      </p:to>
-                                    </p:set>
-                                    <p:animEffect transition="in" filter="fade">
-                                      <p:cBhvr>
-                                        <p:cTn id="63" dur="500"/>
-                                        <p:tgtEl>
-                                          <p:spTgt spid="49"/>
-                                        </p:tgtEl>
-                                      </p:cBhvr>
-                                    </p:animEffect>
-                                  </p:childTnLst>
-                                </p:cTn>
-                              </p:par>
-                            </p:childTnLst>
-                          </p:cTn>
-                        </p:par>
-                      </p:childTnLst>
-                    </p:cTn>
-                  </p:par>
-                  <p:par>
-                    <p:cTn id="64" fill="hold">
-                      <p:stCondLst>
-                        <p:cond delay="indefinite"/>
-                      </p:stCondLst>
-                      <p:childTnLst>
-                        <p:par>
-                          <p:cTn id="65" fill="hold">
-                            <p:stCondLst>
-                              <p:cond delay="0"/>
-                            </p:stCondLst>
-                            <p:childTnLst>
-                              <p:par>
-                                <p:cTn id="66" presetID="10" presetClass="entr" presetSubtype="0" fill="hold" grpId="0" nodeType="clickEffect">
-                                  <p:stCondLst>
-                                    <p:cond delay="0"/>
-                                  </p:stCondLst>
-                                  <p:childTnLst>
-                                    <p:set>
-                                      <p:cBhvr>
-                                        <p:cTn id="67" dur="1" fill="hold">
-                                          <p:stCondLst>
-                                            <p:cond delay="0"/>
-                                          </p:stCondLst>
-                                        </p:cTn>
-                                        <p:tgtEl>
-                                          <p:spTgt spid="50"/>
-                                        </p:tgtEl>
-                                        <p:attrNameLst>
-                                          <p:attrName>style.visibility</p:attrName>
-                                        </p:attrNameLst>
-                                      </p:cBhvr>
-                                      <p:to>
-                                        <p:strVal val="visible"/>
-                                      </p:to>
-                                    </p:set>
-                                    <p:animEffect transition="in" filter="fade">
-                                      <p:cBhvr>
-                                        <p:cTn id="68" dur="500"/>
-                                        <p:tgtEl>
-                                          <p:spTgt spid="50"/>
-                                        </p:tgtEl>
-                                      </p:cBhvr>
-                                    </p:animEffect>
-                                  </p:childTnLst>
-                                </p:cTn>
-                              </p:par>
-                            </p:childTnLst>
-                          </p:cTn>
-                        </p:par>
-                        <p:par>
-                          <p:cTn id="69" fill="hold">
-                            <p:stCondLst>
-                              <p:cond delay="500"/>
-                            </p:stCondLst>
-                            <p:childTnLst>
-                              <p:par>
-                                <p:cTn id="70" presetID="10" presetClass="entr" presetSubtype="0" fill="hold" grpId="0" nodeType="afterEffect">
-                                  <p:stCondLst>
-                                    <p:cond delay="0"/>
-                                  </p:stCondLst>
-                                  <p:childTnLst>
-                                    <p:set>
-                                      <p:cBhvr>
-                                        <p:cTn id="71" dur="1" fill="hold">
-                                          <p:stCondLst>
-                                            <p:cond delay="0"/>
-                                          </p:stCondLst>
-                                        </p:cTn>
-                                        <p:tgtEl>
-                                          <p:spTgt spid="51"/>
-                                        </p:tgtEl>
-                                        <p:attrNameLst>
-                                          <p:attrName>style.visibility</p:attrName>
-                                        </p:attrNameLst>
-                                      </p:cBhvr>
-                                      <p:to>
-                                        <p:strVal val="visible"/>
-                                      </p:to>
-                                    </p:set>
-                                    <p:animEffect transition="in" filter="fade">
-                                      <p:cBhvr>
-                                        <p:cTn id="72" dur="500"/>
-                                        <p:tgtEl>
-                                          <p:spTgt spid="51"/>
-                                        </p:tgtEl>
-                                      </p:cBhvr>
-                                    </p:animEffect>
                                   </p:childTnLst>
                                 </p:cTn>
                               </p:par>
@@ -19437,13 +19846,8 @@
     </p:tnLst>
     <p:bldLst>
       <p:bldP spid="2" grpId="0"/>
-      <p:bldP spid="10" grpId="0"/>
-      <p:bldP spid="10" grpId="1"/>
-      <p:bldP spid="45" grpId="0"/>
-      <p:bldP spid="49" grpId="0"/>
       <p:bldP spid="21" grpId="0"/>
-      <p:bldP spid="50" grpId="0"/>
-      <p:bldP spid="51" grpId="0"/>
+      <p:bldP spid="78" grpId="0"/>
     </p:bldLst>
   </p:timing>
 </p:sld>
@@ -20476,6 +20880,1078 @@
           </p:sp>
         </mc:Fallback>
       </mc:AlternateContent>
+      <p:grpSp>
+        <p:nvGrpSpPr>
+          <p:cNvPr id="21" name="组合 20"/>
+          <p:cNvGrpSpPr/>
+          <p:nvPr/>
+        </p:nvGrpSpPr>
+        <p:grpSpPr>
+          <a:xfrm>
+            <a:off x="4463556" y="4396547"/>
+            <a:ext cx="4639922" cy="2109616"/>
+            <a:chOff x="4504078" y="2993538"/>
+            <a:chExt cx="4639922" cy="2109616"/>
+          </a:xfrm>
+        </p:grpSpPr>
+        <p:grpSp>
+          <p:nvGrpSpPr>
+            <p:cNvPr id="22" name="组合 21"/>
+            <p:cNvGrpSpPr/>
+            <p:nvPr/>
+          </p:nvGrpSpPr>
+          <p:grpSpPr>
+            <a:xfrm>
+              <a:off x="4504078" y="2993538"/>
+              <a:ext cx="4639922" cy="2109616"/>
+              <a:chOff x="5357100" y="1752167"/>
+              <a:chExt cx="6186563" cy="2812819"/>
+            </a:xfrm>
+          </p:grpSpPr>
+          <p:sp>
+            <p:nvSpPr>
+              <p:cNvPr id="33" name="椭圆 32"/>
+              <p:cNvSpPr/>
+              <p:nvPr/>
+            </p:nvSpPr>
+            <p:spPr>
+              <a:xfrm>
+                <a:off x="5978024" y="3059223"/>
+                <a:ext cx="407772" cy="407772"/>
+              </a:xfrm>
+              <a:prstGeom prst="ellipse">
+                <a:avLst/>
+              </a:prstGeom>
+            </p:spPr>
+            <p:style>
+              <a:lnRef idx="2">
+                <a:schemeClr val="accent1">
+                  <a:shade val="50000"/>
+                </a:schemeClr>
+              </a:lnRef>
+              <a:fillRef idx="1">
+                <a:schemeClr val="accent1"/>
+              </a:fillRef>
+              <a:effectRef idx="0">
+                <a:schemeClr val="accent1"/>
+              </a:effectRef>
+              <a:fontRef idx="minor">
+                <a:schemeClr val="lt1"/>
+              </a:fontRef>
+            </p:style>
+            <p:txBody>
+              <a:bodyPr rot="0" spcFirstLastPara="0" vertOverflow="overflow" horzOverflow="overflow" vert="horz" wrap="square" lIns="68580" tIns="34290" rIns="68580" bIns="34290" numCol="1" spcCol="0" rtlCol="0" fromWordArt="0" anchor="ctr" anchorCtr="0" forceAA="0" compatLnSpc="1">
+                <a:prstTxWarp prst="textNoShape">
+                  <a:avLst/>
+                </a:prstTxWarp>
+                <a:noAutofit/>
+              </a:bodyPr>
+              <a:lstStyle/>
+              <a:p>
+                <a:pPr algn="ctr"/>
+                <a:r>
+                  <a:rPr lang="en-US" altLang="zh-CN" dirty="0"/>
+                  <a:t>A</a:t>
+                </a:r>
+                <a:endParaRPr lang="zh-CN" altLang="en-US" dirty="0"/>
+              </a:p>
+            </p:txBody>
+          </p:sp>
+          <p:sp>
+            <p:nvSpPr>
+              <p:cNvPr id="34" name="椭圆 33"/>
+              <p:cNvSpPr/>
+              <p:nvPr/>
+            </p:nvSpPr>
+            <p:spPr>
+              <a:xfrm>
+                <a:off x="8161568" y="2205951"/>
+                <a:ext cx="407772" cy="407772"/>
+              </a:xfrm>
+              <a:prstGeom prst="ellipse">
+                <a:avLst/>
+              </a:prstGeom>
+            </p:spPr>
+            <p:style>
+              <a:lnRef idx="2">
+                <a:schemeClr val="accent1">
+                  <a:shade val="50000"/>
+                </a:schemeClr>
+              </a:lnRef>
+              <a:fillRef idx="1">
+                <a:schemeClr val="accent1"/>
+              </a:fillRef>
+              <a:effectRef idx="0">
+                <a:schemeClr val="accent1"/>
+              </a:effectRef>
+              <a:fontRef idx="minor">
+                <a:schemeClr val="lt1"/>
+              </a:fontRef>
+            </p:style>
+            <p:txBody>
+              <a:bodyPr rot="0" spcFirstLastPara="0" vertOverflow="overflow" horzOverflow="overflow" vert="horz" wrap="square" lIns="68580" tIns="34290" rIns="68580" bIns="34290" numCol="1" spcCol="0" rtlCol="0" fromWordArt="0" anchor="ctr" anchorCtr="0" forceAA="0" compatLnSpc="1">
+                <a:prstTxWarp prst="textNoShape">
+                  <a:avLst/>
+                </a:prstTxWarp>
+                <a:noAutofit/>
+              </a:bodyPr>
+              <a:lstStyle/>
+              <a:p>
+                <a:pPr algn="ctr"/>
+                <a:r>
+                  <a:rPr lang="en-US" altLang="zh-CN" dirty="0"/>
+                  <a:t>B</a:t>
+                </a:r>
+                <a:endParaRPr lang="zh-CN" altLang="en-US" dirty="0"/>
+              </a:p>
+            </p:txBody>
+          </p:sp>
+          <p:sp>
+            <p:nvSpPr>
+              <p:cNvPr id="36" name="椭圆 35"/>
+              <p:cNvSpPr/>
+              <p:nvPr/>
+            </p:nvSpPr>
+            <p:spPr>
+              <a:xfrm>
+                <a:off x="10550014" y="3053729"/>
+                <a:ext cx="407772" cy="407772"/>
+              </a:xfrm>
+              <a:prstGeom prst="ellipse">
+                <a:avLst/>
+              </a:prstGeom>
+            </p:spPr>
+            <p:style>
+              <a:lnRef idx="2">
+                <a:schemeClr val="accent1">
+                  <a:shade val="50000"/>
+                </a:schemeClr>
+              </a:lnRef>
+              <a:fillRef idx="1">
+                <a:schemeClr val="accent1"/>
+              </a:fillRef>
+              <a:effectRef idx="0">
+                <a:schemeClr val="accent1"/>
+              </a:effectRef>
+              <a:fontRef idx="minor">
+                <a:schemeClr val="lt1"/>
+              </a:fontRef>
+            </p:style>
+            <p:txBody>
+              <a:bodyPr rot="0" spcFirstLastPara="0" vertOverflow="overflow" horzOverflow="overflow" vert="horz" wrap="square" lIns="68580" tIns="34290" rIns="68580" bIns="34290" numCol="1" spcCol="0" rtlCol="0" fromWordArt="0" anchor="ctr" anchorCtr="0" forceAA="0" compatLnSpc="1">
+                <a:prstTxWarp prst="textNoShape">
+                  <a:avLst/>
+                </a:prstTxWarp>
+                <a:noAutofit/>
+              </a:bodyPr>
+              <a:lstStyle/>
+              <a:p>
+                <a:pPr algn="ctr"/>
+                <a:r>
+                  <a:rPr lang="en-US" altLang="zh-CN" dirty="0"/>
+                  <a:t>C</a:t>
+                </a:r>
+                <a:endParaRPr lang="zh-CN" altLang="en-US" dirty="0"/>
+              </a:p>
+            </p:txBody>
+          </p:sp>
+          <p:sp>
+            <p:nvSpPr>
+              <p:cNvPr id="37" name="椭圆 36"/>
+              <p:cNvSpPr/>
+              <p:nvPr/>
+            </p:nvSpPr>
+            <p:spPr>
+              <a:xfrm>
+                <a:off x="8173925" y="3680141"/>
+                <a:ext cx="407772" cy="407772"/>
+              </a:xfrm>
+              <a:prstGeom prst="ellipse">
+                <a:avLst/>
+              </a:prstGeom>
+            </p:spPr>
+            <p:style>
+              <a:lnRef idx="2">
+                <a:schemeClr val="accent1">
+                  <a:shade val="50000"/>
+                </a:schemeClr>
+              </a:lnRef>
+              <a:fillRef idx="1">
+                <a:schemeClr val="accent1"/>
+              </a:fillRef>
+              <a:effectRef idx="0">
+                <a:schemeClr val="accent1"/>
+              </a:effectRef>
+              <a:fontRef idx="minor">
+                <a:schemeClr val="lt1"/>
+              </a:fontRef>
+            </p:style>
+            <p:txBody>
+              <a:bodyPr rot="0" spcFirstLastPara="0" vertOverflow="overflow" horzOverflow="overflow" vert="horz" wrap="square" lIns="68580" tIns="34290" rIns="68580" bIns="34290" numCol="1" spcCol="0" rtlCol="0" fromWordArt="0" anchor="ctr" anchorCtr="0" forceAA="0" compatLnSpc="1">
+                <a:prstTxWarp prst="textNoShape">
+                  <a:avLst/>
+                </a:prstTxWarp>
+                <a:noAutofit/>
+              </a:bodyPr>
+              <a:lstStyle/>
+              <a:p>
+                <a:pPr algn="ctr"/>
+                <a:r>
+                  <a:rPr lang="en-US" altLang="zh-CN" dirty="0"/>
+                  <a:t>D</a:t>
+                </a:r>
+                <a:endParaRPr lang="zh-CN" altLang="en-US" dirty="0"/>
+              </a:p>
+            </p:txBody>
+          </p:sp>
+          <p:cxnSp>
+            <p:nvCxnSpPr>
+              <p:cNvPr id="38" name="直接箭头连接符 37"/>
+              <p:cNvCxnSpPr>
+                <a:stCxn id="34" idx="2"/>
+                <a:endCxn id="33" idx="7"/>
+              </p:cNvCxnSpPr>
+              <p:nvPr/>
+            </p:nvCxnSpPr>
+            <p:spPr>
+              <a:xfrm flipH="1">
+                <a:off x="6326080" y="2409838"/>
+                <a:ext cx="1835489" cy="709103"/>
+              </a:xfrm>
+              <a:prstGeom prst="straightConnector1">
+                <a:avLst/>
+              </a:prstGeom>
+              <a:ln w="34925">
+                <a:solidFill>
+                  <a:schemeClr val="tx1"/>
+                </a:solidFill>
+                <a:tailEnd type="arrow"/>
+              </a:ln>
+            </p:spPr>
+            <p:style>
+              <a:lnRef idx="1">
+                <a:schemeClr val="accent1"/>
+              </a:lnRef>
+              <a:fillRef idx="0">
+                <a:schemeClr val="accent1"/>
+              </a:fillRef>
+              <a:effectRef idx="0">
+                <a:schemeClr val="accent1"/>
+              </a:effectRef>
+              <a:fontRef idx="minor">
+                <a:schemeClr val="tx1"/>
+              </a:fontRef>
+            </p:style>
+          </p:cxnSp>
+          <p:cxnSp>
+            <p:nvCxnSpPr>
+              <p:cNvPr id="39" name="直接箭头连接符 38"/>
+              <p:cNvCxnSpPr>
+                <a:stCxn id="34" idx="6"/>
+                <a:endCxn id="36" idx="1"/>
+              </p:cNvCxnSpPr>
+              <p:nvPr/>
+            </p:nvCxnSpPr>
+            <p:spPr>
+              <a:xfrm>
+                <a:off x="8569341" y="2409838"/>
+                <a:ext cx="2040391" cy="703609"/>
+              </a:xfrm>
+              <a:prstGeom prst="straightConnector1">
+                <a:avLst/>
+              </a:prstGeom>
+              <a:ln w="34925">
+                <a:solidFill>
+                  <a:schemeClr val="tx1"/>
+                </a:solidFill>
+                <a:tailEnd type="arrow"/>
+              </a:ln>
+            </p:spPr>
+            <p:style>
+              <a:lnRef idx="1">
+                <a:schemeClr val="accent1"/>
+              </a:lnRef>
+              <a:fillRef idx="0">
+                <a:schemeClr val="accent1"/>
+              </a:fillRef>
+              <a:effectRef idx="0">
+                <a:schemeClr val="accent1"/>
+              </a:effectRef>
+              <a:fontRef idx="minor">
+                <a:schemeClr val="tx1"/>
+              </a:fontRef>
+            </p:style>
+          </p:cxnSp>
+          <p:cxnSp>
+            <p:nvCxnSpPr>
+              <p:cNvPr id="40" name="直接箭头连接符 39"/>
+              <p:cNvCxnSpPr>
+                <a:stCxn id="36" idx="3"/>
+                <a:endCxn id="37" idx="6"/>
+              </p:cNvCxnSpPr>
+              <p:nvPr/>
+            </p:nvCxnSpPr>
+            <p:spPr>
+              <a:xfrm flipH="1">
+                <a:off x="8581697" y="3401786"/>
+                <a:ext cx="2028034" cy="482243"/>
+              </a:xfrm>
+              <a:prstGeom prst="straightConnector1">
+                <a:avLst/>
+              </a:prstGeom>
+              <a:ln w="34925">
+                <a:solidFill>
+                  <a:schemeClr val="tx1"/>
+                </a:solidFill>
+                <a:tailEnd type="arrow"/>
+              </a:ln>
+            </p:spPr>
+            <p:style>
+              <a:lnRef idx="1">
+                <a:schemeClr val="accent1"/>
+              </a:lnRef>
+              <a:fillRef idx="0">
+                <a:schemeClr val="accent1"/>
+              </a:fillRef>
+              <a:effectRef idx="0">
+                <a:schemeClr val="accent1"/>
+              </a:effectRef>
+              <a:fontRef idx="minor">
+                <a:schemeClr val="tx1"/>
+              </a:fontRef>
+            </p:style>
+          </p:cxnSp>
+          <p:cxnSp>
+            <p:nvCxnSpPr>
+              <p:cNvPr id="41" name="直接箭头连接符 40"/>
+              <p:cNvCxnSpPr>
+                <a:stCxn id="33" idx="5"/>
+                <a:endCxn id="37" idx="2"/>
+              </p:cNvCxnSpPr>
+              <p:nvPr/>
+            </p:nvCxnSpPr>
+            <p:spPr>
+              <a:xfrm>
+                <a:off x="6326079" y="3407280"/>
+                <a:ext cx="1847846" cy="476749"/>
+              </a:xfrm>
+              <a:prstGeom prst="straightConnector1">
+                <a:avLst/>
+              </a:prstGeom>
+              <a:ln w="34925">
+                <a:solidFill>
+                  <a:schemeClr val="tx1"/>
+                </a:solidFill>
+                <a:tailEnd type="arrow"/>
+              </a:ln>
+            </p:spPr>
+            <p:style>
+              <a:lnRef idx="1">
+                <a:schemeClr val="accent1"/>
+              </a:lnRef>
+              <a:fillRef idx="0">
+                <a:schemeClr val="accent1"/>
+              </a:fillRef>
+              <a:effectRef idx="0">
+                <a:schemeClr val="accent1"/>
+              </a:effectRef>
+              <a:fontRef idx="minor">
+                <a:schemeClr val="tx1"/>
+              </a:fontRef>
+            </p:style>
+          </p:cxnSp>
+          <p:sp>
+            <p:nvSpPr>
+              <p:cNvPr id="42" name="文本框 41"/>
+              <p:cNvSpPr txBox="1"/>
+              <p:nvPr/>
+            </p:nvSpPr>
+            <p:spPr>
+              <a:xfrm>
+                <a:off x="5357100" y="3472494"/>
+                <a:ext cx="1163613" cy="410369"/>
+              </a:xfrm>
+              <a:prstGeom prst="rect">
+                <a:avLst/>
+              </a:prstGeom>
+              <a:noFill/>
+            </p:spPr>
+            <p:txBody>
+              <a:bodyPr wrap="square" rtlCol="0">
+                <a:spAutoFit/>
+              </a:bodyPr>
+              <a:lstStyle/>
+              <a:p>
+                <a:pPr algn="ctr"/>
+                <a:r>
+                  <a:rPr lang="en-US" altLang="zh-CN" sz="1400" dirty="0"/>
+                  <a:t>O</a:t>
+                </a:r>
+                <a:r>
+                  <a:rPr lang="en-US" altLang="zh-CN" sz="1400" baseline="-25000" dirty="0"/>
+                  <a:t>A </a:t>
+                </a:r>
+                <a:r>
+                  <a:rPr lang="en-US" altLang="zh-CN" sz="1400" dirty="0"/>
+                  <a:t>= 0.8</a:t>
+                </a:r>
+                <a:endParaRPr lang="zh-CN" altLang="en-US" sz="1400" baseline="-25000" dirty="0"/>
+              </a:p>
+            </p:txBody>
+          </p:sp>
+          <p:sp>
+            <p:nvSpPr>
+              <p:cNvPr id="43" name="文本框 42"/>
+              <p:cNvSpPr txBox="1"/>
+              <p:nvPr/>
+            </p:nvSpPr>
+            <p:spPr>
+              <a:xfrm>
+                <a:off x="7796004" y="1752167"/>
+                <a:ext cx="1163613" cy="410369"/>
+              </a:xfrm>
+              <a:prstGeom prst="rect">
+                <a:avLst/>
+              </a:prstGeom>
+              <a:noFill/>
+            </p:spPr>
+            <p:txBody>
+              <a:bodyPr wrap="square" rtlCol="0">
+                <a:spAutoFit/>
+              </a:bodyPr>
+              <a:lstStyle/>
+              <a:p>
+                <a:pPr algn="ctr"/>
+                <a:r>
+                  <a:rPr lang="en-US" altLang="zh-CN" sz="1400" dirty="0"/>
+                  <a:t>O</a:t>
+                </a:r>
+                <a:r>
+                  <a:rPr lang="en-US" altLang="zh-CN" sz="1400" baseline="-25000" dirty="0"/>
+                  <a:t>B </a:t>
+                </a:r>
+                <a:r>
+                  <a:rPr lang="en-US" altLang="zh-CN" sz="1400" dirty="0"/>
+                  <a:t>= 0</a:t>
+                </a:r>
+                <a:endParaRPr lang="zh-CN" altLang="en-US" sz="1400" baseline="-25000" dirty="0"/>
+              </a:p>
+            </p:txBody>
+          </p:sp>
+          <p:sp>
+            <p:nvSpPr>
+              <p:cNvPr id="44" name="文本框 43"/>
+              <p:cNvSpPr txBox="1"/>
+              <p:nvPr/>
+            </p:nvSpPr>
+            <p:spPr>
+              <a:xfrm>
+                <a:off x="10380050" y="3461502"/>
+                <a:ext cx="1163613" cy="410369"/>
+              </a:xfrm>
+              <a:prstGeom prst="rect">
+                <a:avLst/>
+              </a:prstGeom>
+              <a:noFill/>
+            </p:spPr>
+            <p:txBody>
+              <a:bodyPr wrap="square" rtlCol="0">
+                <a:spAutoFit/>
+              </a:bodyPr>
+              <a:lstStyle/>
+              <a:p>
+                <a:pPr algn="ctr"/>
+                <a:r>
+                  <a:rPr lang="en-US" altLang="zh-CN" sz="1400" dirty="0"/>
+                  <a:t>O</a:t>
+                </a:r>
+                <a:r>
+                  <a:rPr lang="en-US" altLang="zh-CN" sz="1400" baseline="-25000" dirty="0"/>
+                  <a:t>C </a:t>
+                </a:r>
+                <a:r>
+                  <a:rPr lang="en-US" altLang="zh-CN" sz="1400" dirty="0"/>
+                  <a:t>= 0.6</a:t>
+                </a:r>
+                <a:endParaRPr lang="zh-CN" altLang="en-US" sz="1400" baseline="-25000" dirty="0"/>
+              </a:p>
+            </p:txBody>
+          </p:sp>
+          <p:sp>
+            <p:nvSpPr>
+              <p:cNvPr id="45" name="文本框 44"/>
+              <p:cNvSpPr txBox="1"/>
+              <p:nvPr/>
+            </p:nvSpPr>
+            <p:spPr>
+              <a:xfrm>
+                <a:off x="7796004" y="4154617"/>
+                <a:ext cx="1163613" cy="410369"/>
+              </a:xfrm>
+              <a:prstGeom prst="rect">
+                <a:avLst/>
+              </a:prstGeom>
+              <a:noFill/>
+            </p:spPr>
+            <p:txBody>
+              <a:bodyPr wrap="square" rtlCol="0">
+                <a:spAutoFit/>
+              </a:bodyPr>
+              <a:lstStyle/>
+              <a:p>
+                <a:pPr algn="ctr"/>
+                <a:r>
+                  <a:rPr lang="en-US" altLang="zh-CN" sz="1400" dirty="0"/>
+                  <a:t>O</a:t>
+                </a:r>
+                <a:r>
+                  <a:rPr lang="en-US" altLang="zh-CN" sz="1400" baseline="-25000" dirty="0"/>
+                  <a:t>D </a:t>
+                </a:r>
+                <a:r>
+                  <a:rPr lang="en-US" altLang="zh-CN" sz="1400" dirty="0"/>
+                  <a:t>= -0.3</a:t>
+                </a:r>
+                <a:endParaRPr lang="zh-CN" altLang="en-US" sz="1400" baseline="-25000" dirty="0"/>
+              </a:p>
+            </p:txBody>
+          </p:sp>
+          <mc:AlternateContent xmlns:mc="http://schemas.openxmlformats.org/markup-compatibility/2006" xmlns:a14="http://schemas.microsoft.com/office/drawing/2010/main">
+            <mc:Choice Requires="a14">
+              <p:sp>
+                <p:nvSpPr>
+                  <p:cNvPr id="46" name="文本框 45"/>
+                  <p:cNvSpPr txBox="1"/>
+                  <p:nvPr/>
+                </p:nvSpPr>
+                <p:spPr>
+                  <a:xfrm>
+                    <a:off x="6787769" y="3780135"/>
+                    <a:ext cx="852799" cy="287258"/>
+                  </a:xfrm>
+                  <a:prstGeom prst="rect">
+                    <a:avLst/>
+                  </a:prstGeom>
+                  <a:noFill/>
+                </p:spPr>
+                <p:txBody>
+                  <a:bodyPr wrap="none" lIns="0" tIns="0" rIns="0" bIns="0" rtlCol="0">
+                    <a:spAutoFit/>
+                  </a:bodyPr>
+                  <a:lstStyle/>
+                  <a:p>
+                    <a14:m>
+                      <m:oMath xmlns:m="http://schemas.openxmlformats.org/officeDocument/2006/math">
+                        <m:r>
+                          <m:rPr>
+                            <m:sty m:val="p"/>
+                          </m:rPr>
+                          <a:rPr lang="el-GR" altLang="zh-CN" sz="1400" i="1">
+                            <a:latin typeface="Cambria Math" panose="02040503050406030204" pitchFamily="18" charset="0"/>
+                          </a:rPr>
+                          <m:t>φ</m:t>
+                        </m:r>
+                        <m:r>
+                          <m:rPr>
+                            <m:sty m:val="p"/>
+                          </m:rPr>
+                          <a:rPr lang="en-US" altLang="zh-CN" sz="1400" i="1" baseline="-25000">
+                            <a:latin typeface="Cambria Math" panose="02040503050406030204" pitchFamily="18" charset="0"/>
+                          </a:rPr>
+                          <m:t>AD</m:t>
+                        </m:r>
+                      </m:oMath>
+                    </a14:m>
+                    <a:r>
+                      <a:rPr lang="en-US" altLang="zh-CN" sz="1400" dirty="0"/>
+                      <a:t>= 0.9</a:t>
+                    </a:r>
+                    <a:endParaRPr lang="zh-CN" altLang="en-US" sz="1400" baseline="-25000" dirty="0"/>
+                  </a:p>
+                </p:txBody>
+              </p:sp>
+            </mc:Choice>
+            <mc:Fallback xmlns="">
+              <p:sp>
+                <p:nvSpPr>
+                  <p:cNvPr id="44" name="文本框 43"/>
+                  <p:cNvSpPr txBox="1">
+                    <a:spLocks noRot="1" noChangeAspect="1" noMove="1" noResize="1" noEditPoints="1" noAdjustHandles="1" noChangeArrowheads="1" noChangeShapeType="1" noTextEdit="1"/>
+                  </p:cNvSpPr>
+                  <p:nvPr/>
+                </p:nvSpPr>
+                <p:spPr>
+                  <a:xfrm>
+                    <a:off x="6787769" y="3780136"/>
+                    <a:ext cx="912109" cy="307777"/>
+                  </a:xfrm>
+                  <a:prstGeom prst="rect">
+                    <a:avLst/>
+                  </a:prstGeom>
+                  <a:blipFill rotWithShape="0">
+                    <a:blip r:embed="rId7"/>
+                    <a:stretch>
+                      <a:fillRect l="-10000" t="-26000" r="-16000" b="-50000"/>
+                    </a:stretch>
+                  </a:blipFill>
+                </p:spPr>
+                <p:txBody>
+                  <a:bodyPr/>
+                  <a:lstStyle/>
+                  <a:p>
+                    <a:r>
+                      <a:rPr lang="zh-CN" altLang="en-US">
+                        <a:noFill/>
+                      </a:rPr>
+                      <a:t> </a:t>
+                    </a:r>
+                  </a:p>
+                </p:txBody>
+              </p:sp>
+            </mc:Fallback>
+          </mc:AlternateContent>
+          <mc:AlternateContent xmlns:mc="http://schemas.openxmlformats.org/markup-compatibility/2006" xmlns:a14="http://schemas.microsoft.com/office/drawing/2010/main">
+            <mc:Choice Requires="a14">
+              <p:sp>
+                <p:nvSpPr>
+                  <p:cNvPr id="47" name="文本框 46"/>
+                  <p:cNvSpPr txBox="1"/>
+                  <p:nvPr/>
+                </p:nvSpPr>
+                <p:spPr>
+                  <a:xfrm>
+                    <a:off x="9391656" y="3745528"/>
+                    <a:ext cx="895545" cy="287258"/>
+                  </a:xfrm>
+                  <a:prstGeom prst="rect">
+                    <a:avLst/>
+                  </a:prstGeom>
+                  <a:noFill/>
+                </p:spPr>
+                <p:txBody>
+                  <a:bodyPr wrap="none" lIns="0" tIns="0" rIns="0" bIns="0" rtlCol="0">
+                    <a:spAutoFit/>
+                  </a:bodyPr>
+                  <a:lstStyle/>
+                  <a:p>
+                    <a14:m>
+                      <m:oMath xmlns:m="http://schemas.openxmlformats.org/officeDocument/2006/math">
+                        <m:r>
+                          <m:rPr>
+                            <m:sty m:val="p"/>
+                          </m:rPr>
+                          <a:rPr lang="el-GR" altLang="zh-CN" sz="1400" i="1">
+                            <a:latin typeface="Cambria Math" panose="02040503050406030204" pitchFamily="18" charset="0"/>
+                          </a:rPr>
+                          <m:t>φ</m:t>
+                        </m:r>
+                        <m:r>
+                          <m:rPr>
+                            <m:sty m:val="p"/>
+                          </m:rPr>
+                          <a:rPr lang="en-US" altLang="zh-CN" sz="1400" i="1" baseline="-25000">
+                            <a:latin typeface="Cambria Math" panose="02040503050406030204" pitchFamily="18" charset="0"/>
+                          </a:rPr>
+                          <m:t>CD</m:t>
+                        </m:r>
+                      </m:oMath>
+                    </a14:m>
+                    <a:r>
+                      <a:rPr lang="en-US" altLang="zh-CN" sz="1400" dirty="0"/>
+                      <a:t> = 0.1</a:t>
+                    </a:r>
+                    <a:endParaRPr lang="zh-CN" altLang="en-US" sz="1400" baseline="-25000" dirty="0"/>
+                  </a:p>
+                </p:txBody>
+              </p:sp>
+            </mc:Choice>
+            <mc:Fallback xmlns="">
+              <p:sp>
+                <p:nvSpPr>
+                  <p:cNvPr id="46" name="文本框 45"/>
+                  <p:cNvSpPr txBox="1">
+                    <a:spLocks noRot="1" noChangeAspect="1" noMove="1" noResize="1" noEditPoints="1" noAdjustHandles="1" noChangeArrowheads="1" noChangeShapeType="1" noTextEdit="1"/>
+                  </p:cNvSpPr>
+                  <p:nvPr/>
+                </p:nvSpPr>
+                <p:spPr>
+                  <a:xfrm>
+                    <a:off x="9391656" y="3745529"/>
+                    <a:ext cx="960199" cy="307777"/>
+                  </a:xfrm>
+                  <a:prstGeom prst="rect">
+                    <a:avLst/>
+                  </a:prstGeom>
+                  <a:blipFill rotWithShape="0">
+                    <a:blip r:embed="rId8"/>
+                    <a:stretch>
+                      <a:fillRect l="-9494" t="-26000" r="-15823" b="-50000"/>
+                    </a:stretch>
+                  </a:blipFill>
+                </p:spPr>
+                <p:txBody>
+                  <a:bodyPr/>
+                  <a:lstStyle/>
+                  <a:p>
+                    <a:r>
+                      <a:rPr lang="zh-CN" altLang="en-US">
+                        <a:noFill/>
+                      </a:rPr>
+                      <a:t> </a:t>
+                    </a:r>
+                  </a:p>
+                </p:txBody>
+              </p:sp>
+            </mc:Fallback>
+          </mc:AlternateContent>
+          <mc:AlternateContent xmlns:mc="http://schemas.openxmlformats.org/markup-compatibility/2006" xmlns:a14="http://schemas.microsoft.com/office/drawing/2010/main">
+            <mc:Choice Requires="a14">
+              <p:sp>
+                <p:nvSpPr>
+                  <p:cNvPr id="48" name="文本框 47"/>
+                  <p:cNvSpPr txBox="1"/>
+                  <p:nvPr/>
+                </p:nvSpPr>
+                <p:spPr>
+                  <a:xfrm>
+                    <a:off x="7107320" y="2776033"/>
+                    <a:ext cx="899820" cy="287258"/>
+                  </a:xfrm>
+                  <a:prstGeom prst="rect">
+                    <a:avLst/>
+                  </a:prstGeom>
+                  <a:noFill/>
+                </p:spPr>
+                <p:txBody>
+                  <a:bodyPr wrap="none" lIns="0" tIns="0" rIns="0" bIns="0" rtlCol="0">
+                    <a:spAutoFit/>
+                  </a:bodyPr>
+                  <a:lstStyle/>
+                  <a:p>
+                    <a14:m>
+                      <m:oMath xmlns:m="http://schemas.openxmlformats.org/officeDocument/2006/math">
+                        <m:r>
+                          <m:rPr>
+                            <m:sty m:val="p"/>
+                          </m:rPr>
+                          <a:rPr lang="el-GR" altLang="zh-CN" sz="1400" i="1">
+                            <a:latin typeface="Cambria Math" panose="02040503050406030204" pitchFamily="18" charset="0"/>
+                          </a:rPr>
+                          <m:t>φ</m:t>
+                        </m:r>
+                        <m:r>
+                          <m:rPr>
+                            <m:sty m:val="p"/>
+                          </m:rPr>
+                          <a:rPr lang="en-US" altLang="zh-CN" sz="1400" i="1" baseline="-25000">
+                            <a:latin typeface="Cambria Math" panose="02040503050406030204" pitchFamily="18" charset="0"/>
+                          </a:rPr>
+                          <m:t>BA</m:t>
+                        </m:r>
+                      </m:oMath>
+                    </a14:m>
+                    <a:r>
+                      <a:rPr lang="en-US" altLang="zh-CN" sz="1400" dirty="0"/>
+                      <a:t> = 0.7</a:t>
+                    </a:r>
+                    <a:endParaRPr lang="zh-CN" altLang="en-US" sz="1400" baseline="-25000" dirty="0"/>
+                  </a:p>
+                </p:txBody>
+              </p:sp>
+            </mc:Choice>
+            <mc:Fallback xmlns="">
+              <p:sp>
+                <p:nvSpPr>
+                  <p:cNvPr id="47" name="文本框 46"/>
+                  <p:cNvSpPr txBox="1">
+                    <a:spLocks noRot="1" noChangeAspect="1" noMove="1" noResize="1" noEditPoints="1" noAdjustHandles="1" noChangeArrowheads="1" noChangeShapeType="1" noTextEdit="1"/>
+                  </p:cNvSpPr>
+                  <p:nvPr/>
+                </p:nvSpPr>
+                <p:spPr>
+                  <a:xfrm>
+                    <a:off x="7107320" y="2776033"/>
+                    <a:ext cx="960199" cy="307777"/>
+                  </a:xfrm>
+                  <a:prstGeom prst="rect">
+                    <a:avLst/>
+                  </a:prstGeom>
+                  <a:blipFill rotWithShape="0">
+                    <a:blip r:embed="rId9"/>
+                    <a:stretch>
+                      <a:fillRect l="-9554" t="-26000" r="-15924" b="-50000"/>
+                    </a:stretch>
+                  </a:blipFill>
+                </p:spPr>
+                <p:txBody>
+                  <a:bodyPr/>
+                  <a:lstStyle/>
+                  <a:p>
+                    <a:r>
+                      <a:rPr lang="zh-CN" altLang="en-US">
+                        <a:noFill/>
+                      </a:rPr>
+                      <a:t> </a:t>
+                    </a:r>
+                  </a:p>
+                </p:txBody>
+              </p:sp>
+            </mc:Fallback>
+          </mc:AlternateContent>
+          <mc:AlternateContent xmlns:mc="http://schemas.openxmlformats.org/markup-compatibility/2006" xmlns:a14="http://schemas.microsoft.com/office/drawing/2010/main">
+            <mc:Choice Requires="a14">
+              <p:sp>
+                <p:nvSpPr>
+                  <p:cNvPr id="49" name="文本框 48"/>
+                  <p:cNvSpPr txBox="1"/>
+                  <p:nvPr/>
+                </p:nvSpPr>
+                <p:spPr>
+                  <a:xfrm>
+                    <a:off x="8715386" y="2773349"/>
+                    <a:ext cx="906060" cy="287258"/>
+                  </a:xfrm>
+                  <a:prstGeom prst="rect">
+                    <a:avLst/>
+                  </a:prstGeom>
+                  <a:noFill/>
+                </p:spPr>
+                <p:txBody>
+                  <a:bodyPr wrap="none" lIns="0" tIns="0" rIns="0" bIns="0" rtlCol="0">
+                    <a:spAutoFit/>
+                  </a:bodyPr>
+                  <a:lstStyle/>
+                  <a:p>
+                    <a14:m>
+                      <m:oMath xmlns:m="http://schemas.openxmlformats.org/officeDocument/2006/math">
+                        <m:r>
+                          <m:rPr>
+                            <m:sty m:val="p"/>
+                          </m:rPr>
+                          <a:rPr lang="el-GR" altLang="zh-CN" sz="1400" i="1">
+                            <a:latin typeface="Cambria Math" panose="02040503050406030204" pitchFamily="18" charset="0"/>
+                          </a:rPr>
+                          <m:t>φ</m:t>
+                        </m:r>
+                        <m:r>
+                          <m:rPr>
+                            <m:sty m:val="p"/>
+                          </m:rPr>
+                          <a:rPr lang="en-US" altLang="zh-CN" sz="1400" i="1" baseline="-25000">
+                            <a:latin typeface="Cambria Math" panose="02040503050406030204" pitchFamily="18" charset="0"/>
+                          </a:rPr>
+                          <m:t>B</m:t>
+                        </m:r>
+                        <m:r>
+                          <a:rPr lang="en-US" altLang="zh-CN" sz="1400" i="1" baseline="-25000">
+                            <a:latin typeface="Cambria Math" panose="02040503050406030204" pitchFamily="18" charset="0"/>
+                          </a:rPr>
+                          <m:t>𝐶</m:t>
+                        </m:r>
+                      </m:oMath>
+                    </a14:m>
+                    <a:r>
+                      <a:rPr lang="en-US" altLang="zh-CN" sz="1400" dirty="0"/>
+                      <a:t> = 0.8</a:t>
+                    </a:r>
+                    <a:endParaRPr lang="zh-CN" altLang="en-US" sz="1400" baseline="-25000" dirty="0"/>
+                  </a:p>
+                </p:txBody>
+              </p:sp>
+            </mc:Choice>
+            <mc:Fallback xmlns="">
+              <p:sp>
+                <p:nvSpPr>
+                  <p:cNvPr id="48" name="文本框 47"/>
+                  <p:cNvSpPr txBox="1">
+                    <a:spLocks noRot="1" noChangeAspect="1" noMove="1" noResize="1" noEditPoints="1" noAdjustHandles="1" noChangeArrowheads="1" noChangeShapeType="1" noTextEdit="1"/>
+                  </p:cNvSpPr>
+                  <p:nvPr/>
+                </p:nvSpPr>
+                <p:spPr>
+                  <a:xfrm>
+                    <a:off x="8715386" y="2773349"/>
+                    <a:ext cx="968278" cy="307777"/>
+                  </a:xfrm>
+                  <a:prstGeom prst="rect">
+                    <a:avLst/>
+                  </a:prstGeom>
+                  <a:blipFill rotWithShape="0">
+                    <a:blip r:embed="rId10"/>
+                    <a:stretch>
+                      <a:fillRect l="-9494" t="-25490" r="-15823" b="-49020"/>
+                    </a:stretch>
+                  </a:blipFill>
+                </p:spPr>
+                <p:txBody>
+                  <a:bodyPr/>
+                  <a:lstStyle/>
+                  <a:p>
+                    <a:r>
+                      <a:rPr lang="zh-CN" altLang="en-US">
+                        <a:noFill/>
+                      </a:rPr>
+                      <a:t> </a:t>
+                    </a:r>
+                  </a:p>
+                </p:txBody>
+              </p:sp>
+            </mc:Fallback>
+          </mc:AlternateContent>
+        </p:grpSp>
+        <p:sp>
+          <p:nvSpPr>
+            <p:cNvPr id="24" name="文本框 23"/>
+            <p:cNvSpPr txBox="1"/>
+            <p:nvPr/>
+          </p:nvSpPr>
+          <p:spPr>
+            <a:xfrm>
+              <a:off x="5457713" y="3290285"/>
+              <a:ext cx="1065324" cy="369332"/>
+            </a:xfrm>
+            <a:prstGeom prst="rect">
+              <a:avLst/>
+            </a:prstGeom>
+            <a:noFill/>
+          </p:spPr>
+          <p:txBody>
+            <a:bodyPr wrap="square" rtlCol="0">
+              <a:spAutoFit/>
+            </a:bodyPr>
+            <a:lstStyle/>
+            <a:p>
+              <a:r>
+                <a:rPr lang="en-US" altLang="zh-CN" dirty="0"/>
+                <a:t>p</a:t>
+              </a:r>
+              <a:r>
+                <a:rPr lang="en-US" altLang="zh-CN" baseline="-25000" dirty="0"/>
+                <a:t>BA </a:t>
+              </a:r>
+              <a:r>
+                <a:rPr lang="en-US" altLang="zh-CN" dirty="0"/>
+                <a:t>= 0.1</a:t>
+              </a:r>
+              <a:endParaRPr lang="zh-CN" altLang="en-US" baseline="-25000" dirty="0"/>
+            </a:p>
+          </p:txBody>
+        </p:sp>
+        <p:sp>
+          <p:nvSpPr>
+            <p:cNvPr id="26" name="文本框 25"/>
+            <p:cNvSpPr txBox="1"/>
+            <p:nvPr/>
+          </p:nvSpPr>
+          <p:spPr>
+            <a:xfrm>
+              <a:off x="7420391" y="3357153"/>
+              <a:ext cx="1065324" cy="369332"/>
+            </a:xfrm>
+            <a:prstGeom prst="rect">
+              <a:avLst/>
+            </a:prstGeom>
+            <a:noFill/>
+          </p:spPr>
+          <p:txBody>
+            <a:bodyPr wrap="square" rtlCol="0">
+              <a:spAutoFit/>
+            </a:bodyPr>
+            <a:lstStyle/>
+            <a:p>
+              <a:r>
+                <a:rPr lang="en-US" altLang="zh-CN" dirty="0"/>
+                <a:t>p</a:t>
+              </a:r>
+              <a:r>
+                <a:rPr lang="en-US" altLang="zh-CN" baseline="-25000" dirty="0"/>
+                <a:t>BC </a:t>
+              </a:r>
+              <a:r>
+                <a:rPr lang="en-US" altLang="zh-CN" dirty="0"/>
+                <a:t>= 0.1</a:t>
+              </a:r>
+              <a:endParaRPr lang="zh-CN" altLang="en-US" baseline="-25000" dirty="0"/>
+            </a:p>
+          </p:txBody>
+        </p:sp>
+        <p:sp>
+          <p:nvSpPr>
+            <p:cNvPr id="31" name="文本框 30"/>
+            <p:cNvSpPr txBox="1"/>
+            <p:nvPr/>
+          </p:nvSpPr>
+          <p:spPr>
+            <a:xfrm>
+              <a:off x="7267395" y="4023691"/>
+              <a:ext cx="1065324" cy="369332"/>
+            </a:xfrm>
+            <a:prstGeom prst="rect">
+              <a:avLst/>
+            </a:prstGeom>
+            <a:noFill/>
+          </p:spPr>
+          <p:txBody>
+            <a:bodyPr wrap="square" rtlCol="0">
+              <a:spAutoFit/>
+            </a:bodyPr>
+            <a:lstStyle/>
+            <a:p>
+              <a:r>
+                <a:rPr lang="en-US" altLang="zh-CN" dirty="0"/>
+                <a:t>p</a:t>
+              </a:r>
+              <a:r>
+                <a:rPr lang="en-US" altLang="zh-CN" baseline="-25000" dirty="0"/>
+                <a:t>CD </a:t>
+              </a:r>
+              <a:r>
+                <a:rPr lang="en-US" altLang="zh-CN" dirty="0"/>
+                <a:t>= 0.9</a:t>
+              </a:r>
+              <a:endParaRPr lang="zh-CN" altLang="en-US" baseline="-25000" dirty="0"/>
+            </a:p>
+          </p:txBody>
+        </p:sp>
+        <p:sp>
+          <p:nvSpPr>
+            <p:cNvPr id="32" name="文本框 31"/>
+            <p:cNvSpPr txBox="1"/>
+            <p:nvPr/>
+          </p:nvSpPr>
+          <p:spPr>
+            <a:xfrm>
+              <a:off x="5625349" y="3967799"/>
+              <a:ext cx="1065324" cy="369332"/>
+            </a:xfrm>
+            <a:prstGeom prst="rect">
+              <a:avLst/>
+            </a:prstGeom>
+            <a:noFill/>
+          </p:spPr>
+          <p:txBody>
+            <a:bodyPr wrap="square" rtlCol="0">
+              <a:spAutoFit/>
+            </a:bodyPr>
+            <a:lstStyle/>
+            <a:p>
+              <a:r>
+                <a:rPr lang="en-US" altLang="zh-CN" dirty="0"/>
+                <a:t>p</a:t>
+              </a:r>
+              <a:r>
+                <a:rPr lang="en-US" altLang="zh-CN" baseline="-25000" dirty="0"/>
+                <a:t>AD </a:t>
+              </a:r>
+              <a:r>
+                <a:rPr lang="en-US" altLang="zh-CN" dirty="0"/>
+                <a:t>= 0.8</a:t>
+              </a:r>
+              <a:endParaRPr lang="zh-CN" altLang="en-US" baseline="-25000" dirty="0"/>
+            </a:p>
+          </p:txBody>
+        </p:sp>
+      </p:grpSp>
     </p:spTree>
     <p:extLst>
       <p:ext uri="{BB962C8B-B14F-4D97-AF65-F5344CB8AC3E}">
@@ -20497,461 +21973,9 @@
   <p:timing>
     <p:tnLst>
       <p:par>
-        <p:cTn id="1" dur="indefinite" restart="never" nodeType="tmRoot">
-          <p:childTnLst>
-            <p:seq concurrent="1" nextAc="seek">
-              <p:cTn id="2" dur="indefinite" nodeType="mainSeq">
-                <p:childTnLst>
-                  <p:par>
-                    <p:cTn id="3" fill="hold">
-                      <p:stCondLst>
-                        <p:cond delay="indefinite"/>
-                      </p:stCondLst>
-                      <p:childTnLst>
-                        <p:par>
-                          <p:cTn id="4" fill="hold">
-                            <p:stCondLst>
-                              <p:cond delay="0"/>
-                            </p:stCondLst>
-                            <p:childTnLst>
-                              <p:par>
-                                <p:cTn id="5" presetID="10" presetClass="entr" presetSubtype="0" fill="hold" grpId="0" nodeType="clickEffect">
-                                  <p:stCondLst>
-                                    <p:cond delay="0"/>
-                                  </p:stCondLst>
-                                  <p:childTnLst>
-                                    <p:set>
-                                      <p:cBhvr>
-                                        <p:cTn id="6" dur="1" fill="hold">
-                                          <p:stCondLst>
-                                            <p:cond delay="0"/>
-                                          </p:stCondLst>
-                                        </p:cTn>
-                                        <p:tgtEl>
-                                          <p:spTgt spid="25"/>
-                                        </p:tgtEl>
-                                        <p:attrNameLst>
-                                          <p:attrName>style.visibility</p:attrName>
-                                        </p:attrNameLst>
-                                      </p:cBhvr>
-                                      <p:to>
-                                        <p:strVal val="visible"/>
-                                      </p:to>
-                                    </p:set>
-                                    <p:animEffect transition="in" filter="fade">
-                                      <p:cBhvr>
-                                        <p:cTn id="7" dur="500"/>
-                                        <p:tgtEl>
-                                          <p:spTgt spid="25"/>
-                                        </p:tgtEl>
-                                      </p:cBhvr>
-                                    </p:animEffect>
-                                  </p:childTnLst>
-                                </p:cTn>
-                              </p:par>
-                            </p:childTnLst>
-                          </p:cTn>
-                        </p:par>
-                      </p:childTnLst>
-                    </p:cTn>
-                  </p:par>
-                  <p:par>
-                    <p:cTn id="8" fill="hold">
-                      <p:stCondLst>
-                        <p:cond delay="indefinite"/>
-                      </p:stCondLst>
-                      <p:childTnLst>
-                        <p:par>
-                          <p:cTn id="9" fill="hold">
-                            <p:stCondLst>
-                              <p:cond delay="0"/>
-                            </p:stCondLst>
-                            <p:childTnLst>
-                              <p:par>
-                                <p:cTn id="10" presetID="42" presetClass="entr" presetSubtype="0" fill="hold" grpId="0" nodeType="clickEffect">
-                                  <p:stCondLst>
-                                    <p:cond delay="0"/>
-                                  </p:stCondLst>
-                                  <p:childTnLst>
-                                    <p:set>
-                                      <p:cBhvr>
-                                        <p:cTn id="11" dur="1" fill="hold">
-                                          <p:stCondLst>
-                                            <p:cond delay="0"/>
-                                          </p:stCondLst>
-                                        </p:cTn>
-                                        <p:tgtEl>
-                                          <p:spTgt spid="27"/>
-                                        </p:tgtEl>
-                                        <p:attrNameLst>
-                                          <p:attrName>style.visibility</p:attrName>
-                                        </p:attrNameLst>
-                                      </p:cBhvr>
-                                      <p:to>
-                                        <p:strVal val="visible"/>
-                                      </p:to>
-                                    </p:set>
-                                    <p:animEffect transition="in" filter="fade">
-                                      <p:cBhvr>
-                                        <p:cTn id="12" dur="500"/>
-                                        <p:tgtEl>
-                                          <p:spTgt spid="27"/>
-                                        </p:tgtEl>
-                                      </p:cBhvr>
-                                    </p:animEffect>
-                                    <p:anim calcmode="lin" valueType="num">
-                                      <p:cBhvr>
-                                        <p:cTn id="13" dur="500" fill="hold"/>
-                                        <p:tgtEl>
-                                          <p:spTgt spid="27"/>
-                                        </p:tgtEl>
-                                        <p:attrNameLst>
-                                          <p:attrName>ppt_x</p:attrName>
-                                        </p:attrNameLst>
-                                      </p:cBhvr>
-                                      <p:tavLst>
-                                        <p:tav tm="0">
-                                          <p:val>
-                                            <p:strVal val="#ppt_x"/>
-                                          </p:val>
-                                        </p:tav>
-                                        <p:tav tm="100000">
-                                          <p:val>
-                                            <p:strVal val="#ppt_x"/>
-                                          </p:val>
-                                        </p:tav>
-                                      </p:tavLst>
-                                    </p:anim>
-                                    <p:anim calcmode="lin" valueType="num">
-                                      <p:cBhvr>
-                                        <p:cTn id="14" dur="500" fill="hold"/>
-                                        <p:tgtEl>
-                                          <p:spTgt spid="27"/>
-                                        </p:tgtEl>
-                                        <p:attrNameLst>
-                                          <p:attrName>ppt_y</p:attrName>
-                                        </p:attrNameLst>
-                                      </p:cBhvr>
-                                      <p:tavLst>
-                                        <p:tav tm="0">
-                                          <p:val>
-                                            <p:strVal val="#ppt_y+.1"/>
-                                          </p:val>
-                                        </p:tav>
-                                        <p:tav tm="100000">
-                                          <p:val>
-                                            <p:strVal val="#ppt_y"/>
-                                          </p:val>
-                                        </p:tav>
-                                      </p:tavLst>
-                                    </p:anim>
-                                  </p:childTnLst>
-                                </p:cTn>
-                              </p:par>
-                            </p:childTnLst>
-                          </p:cTn>
-                        </p:par>
-                        <p:par>
-                          <p:cTn id="15" fill="hold">
-                            <p:stCondLst>
-                              <p:cond delay="500"/>
-                            </p:stCondLst>
-                            <p:childTnLst>
-                              <p:par>
-                                <p:cTn id="16" presetID="42" presetClass="entr" presetSubtype="0" fill="hold" grpId="0" nodeType="afterEffect">
-                                  <p:stCondLst>
-                                    <p:cond delay="0"/>
-                                  </p:stCondLst>
-                                  <p:childTnLst>
-                                    <p:set>
-                                      <p:cBhvr>
-                                        <p:cTn id="17" dur="1" fill="hold">
-                                          <p:stCondLst>
-                                            <p:cond delay="0"/>
-                                          </p:stCondLst>
-                                        </p:cTn>
-                                        <p:tgtEl>
-                                          <p:spTgt spid="28"/>
-                                        </p:tgtEl>
-                                        <p:attrNameLst>
-                                          <p:attrName>style.visibility</p:attrName>
-                                        </p:attrNameLst>
-                                      </p:cBhvr>
-                                      <p:to>
-                                        <p:strVal val="visible"/>
-                                      </p:to>
-                                    </p:set>
-                                    <p:animEffect transition="in" filter="fade">
-                                      <p:cBhvr>
-                                        <p:cTn id="18" dur="500"/>
-                                        <p:tgtEl>
-                                          <p:spTgt spid="28"/>
-                                        </p:tgtEl>
-                                      </p:cBhvr>
-                                    </p:animEffect>
-                                    <p:anim calcmode="lin" valueType="num">
-                                      <p:cBhvr>
-                                        <p:cTn id="19" dur="500" fill="hold"/>
-                                        <p:tgtEl>
-                                          <p:spTgt spid="28"/>
-                                        </p:tgtEl>
-                                        <p:attrNameLst>
-                                          <p:attrName>ppt_x</p:attrName>
-                                        </p:attrNameLst>
-                                      </p:cBhvr>
-                                      <p:tavLst>
-                                        <p:tav tm="0">
-                                          <p:val>
-                                            <p:strVal val="#ppt_x"/>
-                                          </p:val>
-                                        </p:tav>
-                                        <p:tav tm="100000">
-                                          <p:val>
-                                            <p:strVal val="#ppt_x"/>
-                                          </p:val>
-                                        </p:tav>
-                                      </p:tavLst>
-                                    </p:anim>
-                                    <p:anim calcmode="lin" valueType="num">
-                                      <p:cBhvr>
-                                        <p:cTn id="20" dur="500" fill="hold"/>
-                                        <p:tgtEl>
-                                          <p:spTgt spid="28"/>
-                                        </p:tgtEl>
-                                        <p:attrNameLst>
-                                          <p:attrName>ppt_y</p:attrName>
-                                        </p:attrNameLst>
-                                      </p:cBhvr>
-                                      <p:tavLst>
-                                        <p:tav tm="0">
-                                          <p:val>
-                                            <p:strVal val="#ppt_y+.1"/>
-                                          </p:val>
-                                        </p:tav>
-                                        <p:tav tm="100000">
-                                          <p:val>
-                                            <p:strVal val="#ppt_y"/>
-                                          </p:val>
-                                        </p:tav>
-                                      </p:tavLst>
-                                    </p:anim>
-                                  </p:childTnLst>
-                                </p:cTn>
-                              </p:par>
-                            </p:childTnLst>
-                          </p:cTn>
-                        </p:par>
-                        <p:par>
-                          <p:cTn id="21" fill="hold">
-                            <p:stCondLst>
-                              <p:cond delay="1000"/>
-                            </p:stCondLst>
-                            <p:childTnLst>
-                              <p:par>
-                                <p:cTn id="22" presetID="42" presetClass="entr" presetSubtype="0" fill="hold" grpId="0" nodeType="afterEffect">
-                                  <p:stCondLst>
-                                    <p:cond delay="0"/>
-                                  </p:stCondLst>
-                                  <p:childTnLst>
-                                    <p:set>
-                                      <p:cBhvr>
-                                        <p:cTn id="23" dur="1" fill="hold">
-                                          <p:stCondLst>
-                                            <p:cond delay="0"/>
-                                          </p:stCondLst>
-                                        </p:cTn>
-                                        <p:tgtEl>
-                                          <p:spTgt spid="29"/>
-                                        </p:tgtEl>
-                                        <p:attrNameLst>
-                                          <p:attrName>style.visibility</p:attrName>
-                                        </p:attrNameLst>
-                                      </p:cBhvr>
-                                      <p:to>
-                                        <p:strVal val="visible"/>
-                                      </p:to>
-                                    </p:set>
-                                    <p:animEffect transition="in" filter="fade">
-                                      <p:cBhvr>
-                                        <p:cTn id="24" dur="500"/>
-                                        <p:tgtEl>
-                                          <p:spTgt spid="29"/>
-                                        </p:tgtEl>
-                                      </p:cBhvr>
-                                    </p:animEffect>
-                                    <p:anim calcmode="lin" valueType="num">
-                                      <p:cBhvr>
-                                        <p:cTn id="25" dur="500" fill="hold"/>
-                                        <p:tgtEl>
-                                          <p:spTgt spid="29"/>
-                                        </p:tgtEl>
-                                        <p:attrNameLst>
-                                          <p:attrName>ppt_x</p:attrName>
-                                        </p:attrNameLst>
-                                      </p:cBhvr>
-                                      <p:tavLst>
-                                        <p:tav tm="0">
-                                          <p:val>
-                                            <p:strVal val="#ppt_x"/>
-                                          </p:val>
-                                        </p:tav>
-                                        <p:tav tm="100000">
-                                          <p:val>
-                                            <p:strVal val="#ppt_x"/>
-                                          </p:val>
-                                        </p:tav>
-                                      </p:tavLst>
-                                    </p:anim>
-                                    <p:anim calcmode="lin" valueType="num">
-                                      <p:cBhvr>
-                                        <p:cTn id="26" dur="500" fill="hold"/>
-                                        <p:tgtEl>
-                                          <p:spTgt spid="29"/>
-                                        </p:tgtEl>
-                                        <p:attrNameLst>
-                                          <p:attrName>ppt_y</p:attrName>
-                                        </p:attrNameLst>
-                                      </p:cBhvr>
-                                      <p:tavLst>
-                                        <p:tav tm="0">
-                                          <p:val>
-                                            <p:strVal val="#ppt_y+.1"/>
-                                          </p:val>
-                                        </p:tav>
-                                        <p:tav tm="100000">
-                                          <p:val>
-                                            <p:strVal val="#ppt_y"/>
-                                          </p:val>
-                                        </p:tav>
-                                      </p:tavLst>
-                                    </p:anim>
-                                  </p:childTnLst>
-                                </p:cTn>
-                              </p:par>
-                            </p:childTnLst>
-                          </p:cTn>
-                        </p:par>
-                        <p:par>
-                          <p:cTn id="27" fill="hold">
-                            <p:stCondLst>
-                              <p:cond delay="1500"/>
-                            </p:stCondLst>
-                            <p:childTnLst>
-                              <p:par>
-                                <p:cTn id="28" presetID="42" presetClass="entr" presetSubtype="0" fill="hold" grpId="0" nodeType="afterEffect">
-                                  <p:stCondLst>
-                                    <p:cond delay="0"/>
-                                  </p:stCondLst>
-                                  <p:childTnLst>
-                                    <p:set>
-                                      <p:cBhvr>
-                                        <p:cTn id="29" dur="1" fill="hold">
-                                          <p:stCondLst>
-                                            <p:cond delay="0"/>
-                                          </p:stCondLst>
-                                        </p:cTn>
-                                        <p:tgtEl>
-                                          <p:spTgt spid="30"/>
-                                        </p:tgtEl>
-                                        <p:attrNameLst>
-                                          <p:attrName>style.visibility</p:attrName>
-                                        </p:attrNameLst>
-                                      </p:cBhvr>
-                                      <p:to>
-                                        <p:strVal val="visible"/>
-                                      </p:to>
-                                    </p:set>
-                                    <p:animEffect transition="in" filter="fade">
-                                      <p:cBhvr>
-                                        <p:cTn id="30" dur="500"/>
-                                        <p:tgtEl>
-                                          <p:spTgt spid="30"/>
-                                        </p:tgtEl>
-                                      </p:cBhvr>
-                                    </p:animEffect>
-                                    <p:anim calcmode="lin" valueType="num">
-                                      <p:cBhvr>
-                                        <p:cTn id="31" dur="500" fill="hold"/>
-                                        <p:tgtEl>
-                                          <p:spTgt spid="30"/>
-                                        </p:tgtEl>
-                                        <p:attrNameLst>
-                                          <p:attrName>ppt_x</p:attrName>
-                                        </p:attrNameLst>
-                                      </p:cBhvr>
-                                      <p:tavLst>
-                                        <p:tav tm="0">
-                                          <p:val>
-                                            <p:strVal val="#ppt_x"/>
-                                          </p:val>
-                                        </p:tav>
-                                        <p:tav tm="100000">
-                                          <p:val>
-                                            <p:strVal val="#ppt_x"/>
-                                          </p:val>
-                                        </p:tav>
-                                      </p:tavLst>
-                                    </p:anim>
-                                    <p:anim calcmode="lin" valueType="num">
-                                      <p:cBhvr>
-                                        <p:cTn id="32" dur="500" fill="hold"/>
-                                        <p:tgtEl>
-                                          <p:spTgt spid="30"/>
-                                        </p:tgtEl>
-                                        <p:attrNameLst>
-                                          <p:attrName>ppt_y</p:attrName>
-                                        </p:attrNameLst>
-                                      </p:cBhvr>
-                                      <p:tavLst>
-                                        <p:tav tm="0">
-                                          <p:val>
-                                            <p:strVal val="#ppt_y+.1"/>
-                                          </p:val>
-                                        </p:tav>
-                                        <p:tav tm="100000">
-                                          <p:val>
-                                            <p:strVal val="#ppt_y"/>
-                                          </p:val>
-                                        </p:tav>
-                                      </p:tavLst>
-                                    </p:anim>
-                                  </p:childTnLst>
-                                </p:cTn>
-                              </p:par>
-                            </p:childTnLst>
-                          </p:cTn>
-                        </p:par>
-                      </p:childTnLst>
-                    </p:cTn>
-                  </p:par>
-                </p:childTnLst>
-              </p:cTn>
-              <p:prevCondLst>
-                <p:cond evt="onPrev" delay="0">
-                  <p:tgtEl>
-                    <p:sldTgt/>
-                  </p:tgtEl>
-                </p:cond>
-              </p:prevCondLst>
-              <p:nextCondLst>
-                <p:cond evt="onNext" delay="0">
-                  <p:tgtEl>
-                    <p:sldTgt/>
-                  </p:tgtEl>
-                </p:cond>
-              </p:nextCondLst>
-            </p:seq>
-          </p:childTnLst>
-        </p:cTn>
+        <p:cTn id="1" dur="indefinite" restart="never" nodeType="tmRoot"/>
       </p:par>
     </p:tnLst>
-    <p:bldLst>
-      <p:bldP spid="25" grpId="0"/>
-      <p:bldP spid="27" grpId="0"/>
-      <p:bldP spid="28" grpId="0"/>
-      <p:bldP spid="29" grpId="0"/>
-      <p:bldP spid="30" grpId="0"/>
-    </p:bldLst>
   </p:timing>
 </p:sld>
 </file>

--- a/4-魏天柱-Holistic Influence Maximization_ Combining Scalability and Efficiency with Opinion-Aware Models..pptx
+++ b/4-魏天柱-Holistic Influence Maximization_ Combining Scalability and Efficiency with Opinion-Aware Models..pptx
@@ -5,10 +5,10 @@
     <p:sldMasterId id="2147483692" r:id="rId1"/>
   </p:sldMasterIdLst>
   <p:notesMasterIdLst>
-    <p:notesMasterId r:id="rId17"/>
+    <p:notesMasterId r:id="rId19"/>
   </p:notesMasterIdLst>
   <p:handoutMasterIdLst>
-    <p:handoutMasterId r:id="rId18"/>
+    <p:handoutMasterId r:id="rId20"/>
   </p:handoutMasterIdLst>
   <p:sldIdLst>
     <p:sldId id="256" r:id="rId2"/>
@@ -25,7 +25,9 @@
     <p:sldId id="286" r:id="rId13"/>
     <p:sldId id="280" r:id="rId14"/>
     <p:sldId id="289" r:id="rId15"/>
-    <p:sldId id="274" r:id="rId16"/>
+    <p:sldId id="291" r:id="rId16"/>
+    <p:sldId id="274" r:id="rId17"/>
+    <p:sldId id="290" r:id="rId18"/>
   </p:sldIdLst>
   <p:sldSz cx="9144000" cy="6858000" type="screen4x3"/>
   <p:notesSz cx="6858000" cy="9144000"/>
@@ -1064,19 +1066,11 @@
           <a:p>
             <a:r>
               <a:rPr lang="en-US" altLang="zh-CN" dirty="0" smtClean="0"/>
-              <a:t>ground </a:t>
-            </a:r>
-            <a:r>
-              <a:rPr lang="en-US" altLang="zh-CN" dirty="0" smtClean="0"/>
-              <a:t>truth </a:t>
+              <a:t>ground truth </a:t>
             </a:r>
             <a:r>
               <a:rPr lang="zh-CN" altLang="en-US" dirty="0" smtClean="0"/>
-              <a:t>标定过的真实数</a:t>
-            </a:r>
-            <a:r>
-              <a:rPr lang="zh-CN" altLang="en-US" dirty="0" smtClean="0"/>
-              <a:t>据（通过分析有多少人转发了这条消息）</a:t>
+              <a:t>标定过的真实数据（通过分析有多少人转发了这条消息）</a:t>
             </a:r>
             <a:endParaRPr lang="en-US" altLang="zh-CN" dirty="0" smtClean="0"/>
           </a:p>
@@ -1318,7 +1312,7 @@
           <a:p>
             <a:fld id="{883FF4EF-A403-442C-A4E6-B25DFCE337EC}" type="slidenum">
               <a:rPr lang="zh-CN" altLang="en-US" smtClean="0"/>
-              <a:t>15</a:t>
+              <a:t>16</a:t>
             </a:fld>
             <a:endParaRPr lang="zh-CN" altLang="en-US"/>
           </a:p>
@@ -2008,6 +2002,46 @@
                   <a:rPr lang="zh-CN" altLang="en-US" sz="1800" b="1" i="0" dirty="0" smtClean="0">
                     <a:latin typeface="Cambria Math" panose="02040503050406030204" pitchFamily="18" charset="0"/>
                   </a:rPr>
+                  <a:t>作者提出</a:t>
+                </a:r>
+                <a:r>
+                  <a:rPr lang="en-US" altLang="zh-CN" sz="1800" b="1" i="0" dirty="0" smtClean="0">
+                    <a:latin typeface="Cambria Math" panose="02040503050406030204" pitchFamily="18" charset="0"/>
+                  </a:rPr>
+                  <a:t>OI</a:t>
+                </a:r>
+                <a:r>
+                  <a:rPr lang="zh-CN" altLang="en-US" sz="1800" b="1" i="0" dirty="0" smtClean="0">
+                    <a:latin typeface="Cambria Math" panose="02040503050406030204" pitchFamily="18" charset="0"/>
+                  </a:rPr>
+                  <a:t>模型的目的就是尽量模拟现实生活中传播的过程</a:t>
+                </a:r>
+                <a:endParaRPr lang="en-US" altLang="zh-CN" sz="1800" b="1" i="0" dirty="0" smtClean="0">
+                  <a:latin typeface="Cambria Math" panose="02040503050406030204" pitchFamily="18" charset="0"/>
+                </a:endParaRPr>
+              </a:p>
+              <a:p>
+                <a:pPr marL="0" marR="0" indent="0" algn="l" defTabSz="914400" rtl="0" eaLnBrk="1" fontAlgn="auto" latinLnBrk="0" hangingPunct="1">
+                  <a:lnSpc>
+                    <a:spcPct val="100000"/>
+                  </a:lnSpc>
+                  <a:spcBef>
+                    <a:spcPts val="0"/>
+                  </a:spcBef>
+                  <a:spcAft>
+                    <a:spcPts val="0"/>
+                  </a:spcAft>
+                  <a:buClrTx/>
+                  <a:buSzTx/>
+                  <a:buFontTx/>
+                  <a:buNone/>
+                  <a:tabLst/>
+                  <a:defRPr/>
+                </a:pPr>
+                <a:r>
+                  <a:rPr lang="zh-CN" altLang="en-US" sz="1800" b="1" i="0" dirty="0" smtClean="0">
+                    <a:latin typeface="Cambria Math" panose="02040503050406030204" pitchFamily="18" charset="0"/>
+                  </a:rPr>
                   <a:t>用</a:t>
                 </a:r>
                 <a:r>
@@ -2578,6 +2612,36 @@
               <a:ea typeface="+mn-ea"/>
             </a:endParaRPr>
           </a:p>
+          <a:p>
+            <a:pPr marL="0" marR="0" indent="0" algn="l" defTabSz="914400" rtl="0" eaLnBrk="1" fontAlgn="auto" latinLnBrk="0" hangingPunct="1">
+              <a:lnSpc>
+                <a:spcPct val="100000"/>
+              </a:lnSpc>
+              <a:spcBef>
+                <a:spcPts val="0"/>
+              </a:spcBef>
+              <a:spcAft>
+                <a:spcPts val="0"/>
+              </a:spcAft>
+              <a:buClrTx/>
+              <a:buSzTx/>
+              <a:buFontTx/>
+              <a:buNone/>
+              <a:tabLst/>
+              <a:defRPr/>
+            </a:pPr>
+            <a:r>
+              <a:rPr lang="zh-CN" altLang="en-US" sz="1200" baseline="0" dirty="0" smtClean="0">
+                <a:latin typeface="+mn-lt"/>
+                <a:ea typeface="+mn-ea"/>
+              </a:rPr>
+              <a:t>找到一个种子结点后就将该结点删除</a:t>
+            </a:r>
+            <a:endParaRPr lang="en-US" altLang="zh-CN" sz="1200" baseline="0" dirty="0" smtClean="0">
+              <a:latin typeface="+mn-lt"/>
+              <a:ea typeface="+mn-ea"/>
+            </a:endParaRPr>
+          </a:p>
         </p:txBody>
       </p:sp>
       <p:sp>
@@ -2780,14 +2844,7 @@
                 <a:latin typeface="微软雅黑" panose="020B0503020204020204" pitchFamily="34" charset="-122"/>
                 <a:ea typeface="微软雅黑" panose="020B0503020204020204" pitchFamily="34" charset="-122"/>
               </a:rPr>
-              <a:t>的最后评</a:t>
-            </a:r>
-            <a:r>
-              <a:rPr lang="zh-CN" altLang="en-US" sz="1200" baseline="0" dirty="0" smtClean="0">
-                <a:latin typeface="微软雅黑" panose="020B0503020204020204" pitchFamily="34" charset="-122"/>
-                <a:ea typeface="微软雅黑" panose="020B0503020204020204" pitchFamily="34" charset="-122"/>
-              </a:rPr>
-              <a:t>分</a:t>
+              <a:t>的最后评分</a:t>
             </a:r>
             <a:endParaRPr lang="en-US" altLang="zh-CN" sz="1200" baseline="0" dirty="0" smtClean="0">
               <a:latin typeface="微软雅黑" panose="020B0503020204020204" pitchFamily="34" charset="-122"/>
@@ -2939,7 +2996,45 @@
           <a:bodyPr/>
           <a:lstStyle/>
           <a:p>
-            <a:endParaRPr lang="zh-CN" altLang="en-US" dirty="0"/>
+            <a:r>
+              <a:rPr lang="en-US" altLang="zh-CN" sz="2400" b="1" baseline="0" dirty="0" smtClean="0"/>
+              <a:t>or </a:t>
+            </a:r>
+            <a:r>
+              <a:rPr lang="zh-CN" altLang="en-US" sz="2400" b="1" baseline="0" dirty="0" smtClean="0"/>
+              <a:t>代表初始时每个相邻点的 </a:t>
+            </a:r>
+            <a:r>
+              <a:rPr lang="en-US" altLang="zh-CN" sz="2400" b="1" baseline="0" dirty="0" smtClean="0"/>
+              <a:t>opinion </a:t>
+            </a:r>
+            <a:r>
+              <a:rPr lang="zh-CN" altLang="en-US" sz="2400" b="1" baseline="0" dirty="0" smtClean="0"/>
+              <a:t>权重值之和，用每条边的概率做为权重</a:t>
+            </a:r>
+            <a:endParaRPr lang="en-US" altLang="zh-CN" sz="2400" b="1" baseline="0" dirty="0" smtClean="0"/>
+          </a:p>
+          <a:p>
+            <a:r>
+              <a:rPr lang="en-US" altLang="zh-CN" sz="2400" b="1" baseline="0" dirty="0" smtClean="0"/>
+              <a:t>ai </a:t>
+            </a:r>
+            <a:r>
+              <a:rPr lang="zh-CN" altLang="en-US" sz="2400" b="1" baseline="0" dirty="0" smtClean="0"/>
+              <a:t>代表相互影响的权重概率之和</a:t>
+            </a:r>
+            <a:endParaRPr lang="en-US" altLang="zh-CN" sz="2400" b="1" baseline="0" dirty="0" smtClean="0"/>
+          </a:p>
+          <a:p>
+            <a:r>
+              <a:rPr lang="en-US" altLang="zh-CN" sz="2400" b="1" baseline="0" dirty="0" smtClean="0"/>
+              <a:t>sci </a:t>
+            </a:r>
+            <a:r>
+              <a:rPr lang="zh-CN" altLang="en-US" sz="2400" b="1" baseline="0" dirty="0" smtClean="0"/>
+              <a:t>代表</a:t>
+            </a:r>
+            <a:endParaRPr lang="zh-CN" altLang="en-US" sz="2400" b="1" baseline="0" dirty="0"/>
           </a:p>
         </p:txBody>
       </p:sp>
@@ -6989,14 +7084,14 @@
   <p:clrMapOvr>
     <a:masterClrMapping/>
   </p:clrMapOvr>
-  <mc:AlternateContent xmlns:mc="http://schemas.openxmlformats.org/markup-compatibility/2006" xmlns:p15="http://schemas.microsoft.com/office/powerpoint/2012/main">
-    <mc:Choice Requires="p15">
-      <p:transition xmlns:p14="http://schemas.microsoft.com/office/powerpoint/2010/main" spd="slow" p14:dur="2000">
-        <p15:prstTrans prst="drape"/>
+  <mc:AlternateContent xmlns:mc="http://schemas.openxmlformats.org/markup-compatibility/2006">
+    <mc:Choice xmlns:p14="http://schemas.microsoft.com/office/powerpoint/2010/main" Requires="p14">
+      <p:transition spd="med" p14:dur="700">
+        <p:fade/>
       </p:transition>
     </mc:Choice>
-    <mc:Fallback xmlns="">
-      <p:transition spd="slow">
+    <mc:Fallback>
+      <p:transition spd="med">
         <p:fade/>
       </p:transition>
     </mc:Fallback>
@@ -8550,7 +8645,7 @@
             </p:nvSpPr>
             <p:spPr>
               <a:xfrm>
-                <a:off x="683415" y="1692889"/>
+                <a:off x="683415" y="1476989"/>
                 <a:ext cx="661270" cy="307777"/>
               </a:xfrm>
               <a:prstGeom prst="rect">
@@ -8632,7 +8727,7 @@
             </p:nvSpPr>
             <p:spPr>
               <a:xfrm>
-                <a:off x="683415" y="1692889"/>
+                <a:off x="683415" y="1476989"/>
                 <a:ext cx="661270" cy="307777"/>
               </a:xfrm>
               <a:prstGeom prst="rect">
@@ -8641,7 +8736,7 @@
               <a:blipFill rotWithShape="0">
                 <a:blip r:embed="rId18"/>
                 <a:stretch>
-                  <a:fillRect l="-4587" b="-18000"/>
+                  <a:fillRect l="-4587" b="-15686"/>
                 </a:stretch>
               </a:blipFill>
             </p:spPr>
@@ -8670,7 +8765,7 @@
             </p:nvSpPr>
             <p:spPr>
               <a:xfrm>
-                <a:off x="1645853" y="1697296"/>
+                <a:off x="1645853" y="1481396"/>
                 <a:ext cx="736034" cy="307777"/>
               </a:xfrm>
               <a:prstGeom prst="rect">
@@ -8753,7 +8848,7 @@
             </p:nvSpPr>
             <p:spPr>
               <a:xfrm>
-                <a:off x="1645853" y="1697296"/>
+                <a:off x="1645853" y="1481396"/>
                 <a:ext cx="736034" cy="307777"/>
               </a:xfrm>
               <a:prstGeom prst="rect">
@@ -8762,7 +8857,7 @@
               <a:blipFill rotWithShape="0">
                 <a:blip r:embed="rId19"/>
                 <a:stretch>
-                  <a:fillRect l="-4959" t="-1961" r="-11570" b="-33333"/>
+                  <a:fillRect l="-4959" t="-2000" r="-11570" b="-36000"/>
                 </a:stretch>
               </a:blipFill>
             </p:spPr>
@@ -8791,7 +8886,7 @@
             </p:nvSpPr>
             <p:spPr>
               <a:xfrm>
-                <a:off x="683415" y="2545751"/>
+                <a:off x="683415" y="2202851"/>
                 <a:ext cx="3946850" cy="786626"/>
               </a:xfrm>
               <a:prstGeom prst="rect">
@@ -9059,7 +9154,7 @@
             </p:nvSpPr>
             <p:spPr>
               <a:xfrm>
-                <a:off x="683415" y="2545751"/>
+                <a:off x="683415" y="2202851"/>
                 <a:ext cx="3946850" cy="786626"/>
               </a:xfrm>
               <a:prstGeom prst="rect">
@@ -9097,7 +9192,7 @@
             </p:nvSpPr>
             <p:spPr>
               <a:xfrm>
-                <a:off x="677752" y="3396734"/>
+                <a:off x="677752" y="3134626"/>
                 <a:ext cx="5456558" cy="786626"/>
               </a:xfrm>
               <a:prstGeom prst="rect">
@@ -9419,7 +9514,7 @@
             </p:nvSpPr>
             <p:spPr>
               <a:xfrm>
-                <a:off x="677752" y="3396734"/>
+                <a:off x="677752" y="3134626"/>
                 <a:ext cx="5456558" cy="786626"/>
               </a:xfrm>
               <a:prstGeom prst="rect">
@@ -9457,7 +9552,7 @@
             </p:nvSpPr>
             <p:spPr>
               <a:xfrm>
-                <a:off x="2683055" y="1692889"/>
+                <a:off x="2683055" y="1476989"/>
                 <a:ext cx="741742" cy="307777"/>
               </a:xfrm>
               <a:prstGeom prst="rect">
@@ -9543,7 +9638,7 @@
             </p:nvSpPr>
             <p:spPr>
               <a:xfrm>
-                <a:off x="2683055" y="1692889"/>
+                <a:off x="2683055" y="1476989"/>
                 <a:ext cx="741742" cy="307777"/>
               </a:xfrm>
               <a:prstGeom prst="rect">
@@ -9552,7 +9647,7 @@
               <a:blipFill rotWithShape="0">
                 <a:blip r:embed="rId22"/>
                 <a:stretch>
-                  <a:fillRect l="-3279" t="-4000" r="-10656" b="-36000"/>
+                  <a:fillRect l="-3279" t="-1961" r="-10656" b="-33333"/>
                 </a:stretch>
               </a:blipFill>
             </p:spPr>
@@ -9581,7 +9676,7 @@
             </p:nvSpPr>
             <p:spPr>
               <a:xfrm>
-                <a:off x="677752" y="4444393"/>
+                <a:off x="677752" y="3972898"/>
                 <a:ext cx="3948902" cy="786626"/>
               </a:xfrm>
               <a:prstGeom prst="rect">
@@ -9849,7 +9944,7 @@
             </p:nvSpPr>
             <p:spPr>
               <a:xfrm>
-                <a:off x="677752" y="4444393"/>
+                <a:off x="677752" y="3972898"/>
                 <a:ext cx="3948902" cy="786626"/>
               </a:xfrm>
               <a:prstGeom prst="rect">
@@ -9887,7 +9982,7 @@
             </p:nvSpPr>
             <p:spPr>
               <a:xfrm>
-                <a:off x="527819" y="5643389"/>
+                <a:off x="677752" y="5271112"/>
                 <a:ext cx="5542718" cy="687624"/>
               </a:xfrm>
               <a:prstGeom prst="rect">
@@ -10230,7 +10325,7 @@
             </p:nvSpPr>
             <p:spPr>
               <a:xfrm>
-                <a:off x="527819" y="5643389"/>
+                <a:off x="677752" y="5271112"/>
                 <a:ext cx="5542718" cy="687624"/>
               </a:xfrm>
               <a:prstGeom prst="rect">
@@ -10268,12 +10363,16 @@
   <p:clrMapOvr>
     <a:masterClrMapping/>
   </p:clrMapOvr>
-  <mc:AlternateContent xmlns:mc="http://schemas.openxmlformats.org/markup-compatibility/2006" xmlns:p14="http://schemas.microsoft.com/office/powerpoint/2010/main">
-    <mc:Choice Requires="p14">
-      <p:transition p14:dur="0"/>
+  <mc:AlternateContent xmlns:mc="http://schemas.openxmlformats.org/markup-compatibility/2006">
+    <mc:Choice xmlns:p14="http://schemas.microsoft.com/office/powerpoint/2010/main" Requires="p14">
+      <p:transition spd="med" p14:dur="700">
+        <p:fade/>
+      </p:transition>
     </mc:Choice>
-    <mc:Fallback xmlns="">
-      <p:transition/>
+    <mc:Fallback>
+      <p:transition spd="med">
+        <p:fade/>
+      </p:transition>
     </mc:Fallback>
   </mc:AlternateContent>
   <p:timing>
@@ -10390,6 +10489,341 @@
                       </p:childTnLst>
                     </p:cTn>
                   </p:par>
+                  <p:par>
+                    <p:cTn id="13" fill="hold">
+                      <p:stCondLst>
+                        <p:cond delay="indefinite"/>
+                      </p:stCondLst>
+                      <p:childTnLst>
+                        <p:par>
+                          <p:cTn id="14" fill="hold">
+                            <p:stCondLst>
+                              <p:cond delay="0"/>
+                            </p:stCondLst>
+                            <p:childTnLst>
+                              <p:par>
+                                <p:cTn id="15" presetID="10" presetClass="entr" presetSubtype="0" fill="hold" grpId="0" nodeType="clickEffect">
+                                  <p:stCondLst>
+                                    <p:cond delay="0"/>
+                                  </p:stCondLst>
+                                  <p:childTnLst>
+                                    <p:set>
+                                      <p:cBhvr>
+                                        <p:cTn id="16" dur="1" fill="hold">
+                                          <p:stCondLst>
+                                            <p:cond delay="0"/>
+                                          </p:stCondLst>
+                                        </p:cTn>
+                                        <p:tgtEl>
+                                          <p:spTgt spid="66"/>
+                                        </p:tgtEl>
+                                        <p:attrNameLst>
+                                          <p:attrName>style.visibility</p:attrName>
+                                        </p:attrNameLst>
+                                      </p:cBhvr>
+                                      <p:to>
+                                        <p:strVal val="visible"/>
+                                      </p:to>
+                                    </p:set>
+                                    <p:animEffect transition="in" filter="fade">
+                                      <p:cBhvr>
+                                        <p:cTn id="17" dur="500"/>
+                                        <p:tgtEl>
+                                          <p:spTgt spid="66"/>
+                                        </p:tgtEl>
+                                      </p:cBhvr>
+                                    </p:animEffect>
+                                  </p:childTnLst>
+                                </p:cTn>
+                              </p:par>
+                              <p:par>
+                                <p:cTn id="18" presetID="10" presetClass="entr" presetSubtype="0" fill="hold" grpId="0" nodeType="withEffect">
+                                  <p:stCondLst>
+                                    <p:cond delay="0"/>
+                                  </p:stCondLst>
+                                  <p:childTnLst>
+                                    <p:set>
+                                      <p:cBhvr>
+                                        <p:cTn id="19" dur="1" fill="hold">
+                                          <p:stCondLst>
+                                            <p:cond delay="0"/>
+                                          </p:stCondLst>
+                                        </p:cTn>
+                                        <p:tgtEl>
+                                          <p:spTgt spid="67"/>
+                                        </p:tgtEl>
+                                        <p:attrNameLst>
+                                          <p:attrName>style.visibility</p:attrName>
+                                        </p:attrNameLst>
+                                      </p:cBhvr>
+                                      <p:to>
+                                        <p:strVal val="visible"/>
+                                      </p:to>
+                                    </p:set>
+                                    <p:animEffect transition="in" filter="fade">
+                                      <p:cBhvr>
+                                        <p:cTn id="20" dur="500"/>
+                                        <p:tgtEl>
+                                          <p:spTgt spid="67"/>
+                                        </p:tgtEl>
+                                      </p:cBhvr>
+                                    </p:animEffect>
+                                  </p:childTnLst>
+                                </p:cTn>
+                              </p:par>
+                              <p:par>
+                                <p:cTn id="21" presetID="10" presetClass="entr" presetSubtype="0" fill="hold" grpId="0" nodeType="withEffect">
+                                  <p:stCondLst>
+                                    <p:cond delay="0"/>
+                                  </p:stCondLst>
+                                  <p:childTnLst>
+                                    <p:set>
+                                      <p:cBhvr>
+                                        <p:cTn id="22" dur="1" fill="hold">
+                                          <p:stCondLst>
+                                            <p:cond delay="0"/>
+                                          </p:stCondLst>
+                                        </p:cTn>
+                                        <p:tgtEl>
+                                          <p:spTgt spid="74"/>
+                                        </p:tgtEl>
+                                        <p:attrNameLst>
+                                          <p:attrName>style.visibility</p:attrName>
+                                        </p:attrNameLst>
+                                      </p:cBhvr>
+                                      <p:to>
+                                        <p:strVal val="visible"/>
+                                      </p:to>
+                                    </p:set>
+                                    <p:animEffect transition="in" filter="fade">
+                                      <p:cBhvr>
+                                        <p:cTn id="23" dur="500"/>
+                                        <p:tgtEl>
+                                          <p:spTgt spid="74"/>
+                                        </p:tgtEl>
+                                      </p:cBhvr>
+                                    </p:animEffect>
+                                  </p:childTnLst>
+                                </p:cTn>
+                              </p:par>
+                            </p:childTnLst>
+                          </p:cTn>
+                        </p:par>
+                      </p:childTnLst>
+                    </p:cTn>
+                  </p:par>
+                  <p:par>
+                    <p:cTn id="24" fill="hold">
+                      <p:stCondLst>
+                        <p:cond delay="indefinite"/>
+                      </p:stCondLst>
+                      <p:childTnLst>
+                        <p:par>
+                          <p:cTn id="25" fill="hold">
+                            <p:stCondLst>
+                              <p:cond delay="0"/>
+                            </p:stCondLst>
+                            <p:childTnLst>
+                              <p:par>
+                                <p:cTn id="26" presetID="10" presetClass="entr" presetSubtype="0" fill="hold" grpId="0" nodeType="clickEffect">
+                                  <p:stCondLst>
+                                    <p:cond delay="0"/>
+                                  </p:stCondLst>
+                                  <p:childTnLst>
+                                    <p:set>
+                                      <p:cBhvr>
+                                        <p:cTn id="27" dur="1" fill="hold">
+                                          <p:stCondLst>
+                                            <p:cond delay="0"/>
+                                          </p:stCondLst>
+                                        </p:cTn>
+                                        <p:tgtEl>
+                                          <p:spTgt spid="69"/>
+                                        </p:tgtEl>
+                                        <p:attrNameLst>
+                                          <p:attrName>style.visibility</p:attrName>
+                                        </p:attrNameLst>
+                                      </p:cBhvr>
+                                      <p:to>
+                                        <p:strVal val="visible"/>
+                                      </p:to>
+                                    </p:set>
+                                    <p:animEffect transition="in" filter="fade">
+                                      <p:cBhvr>
+                                        <p:cTn id="28" dur="500"/>
+                                        <p:tgtEl>
+                                          <p:spTgt spid="69"/>
+                                        </p:tgtEl>
+                                      </p:cBhvr>
+                                    </p:animEffect>
+                                  </p:childTnLst>
+                                </p:cTn>
+                              </p:par>
+                            </p:childTnLst>
+                          </p:cTn>
+                        </p:par>
+                      </p:childTnLst>
+                    </p:cTn>
+                  </p:par>
+                  <p:par>
+                    <p:cTn id="29" fill="hold">
+                      <p:stCondLst>
+                        <p:cond delay="indefinite"/>
+                      </p:stCondLst>
+                      <p:childTnLst>
+                        <p:par>
+                          <p:cTn id="30" fill="hold">
+                            <p:stCondLst>
+                              <p:cond delay="0"/>
+                            </p:stCondLst>
+                            <p:childTnLst>
+                              <p:par>
+                                <p:cTn id="31" presetID="10" presetClass="entr" presetSubtype="0" fill="hold" grpId="0" nodeType="clickEffect">
+                                  <p:stCondLst>
+                                    <p:cond delay="0"/>
+                                  </p:stCondLst>
+                                  <p:childTnLst>
+                                    <p:set>
+                                      <p:cBhvr>
+                                        <p:cTn id="32" dur="1" fill="hold">
+                                          <p:stCondLst>
+                                            <p:cond delay="0"/>
+                                          </p:stCondLst>
+                                        </p:cTn>
+                                        <p:tgtEl>
+                                          <p:spTgt spid="73"/>
+                                        </p:tgtEl>
+                                        <p:attrNameLst>
+                                          <p:attrName>style.visibility</p:attrName>
+                                        </p:attrNameLst>
+                                      </p:cBhvr>
+                                      <p:to>
+                                        <p:strVal val="visible"/>
+                                      </p:to>
+                                    </p:set>
+                                    <p:animEffect transition="in" filter="fade">
+                                      <p:cBhvr>
+                                        <p:cTn id="33" dur="500"/>
+                                        <p:tgtEl>
+                                          <p:spTgt spid="73"/>
+                                        </p:tgtEl>
+                                      </p:cBhvr>
+                                    </p:animEffect>
+                                  </p:childTnLst>
+                                </p:cTn>
+                              </p:par>
+                            </p:childTnLst>
+                          </p:cTn>
+                        </p:par>
+                      </p:childTnLst>
+                    </p:cTn>
+                  </p:par>
+                  <p:par>
+                    <p:cTn id="34" fill="hold">
+                      <p:stCondLst>
+                        <p:cond delay="indefinite"/>
+                      </p:stCondLst>
+                      <p:childTnLst>
+                        <p:par>
+                          <p:cTn id="35" fill="hold">
+                            <p:stCondLst>
+                              <p:cond delay="0"/>
+                            </p:stCondLst>
+                            <p:childTnLst>
+                              <p:par>
+                                <p:cTn id="36" presetID="10" presetClass="entr" presetSubtype="0" fill="hold" grpId="0" nodeType="clickEffect">
+                                  <p:stCondLst>
+                                    <p:cond delay="0"/>
+                                  </p:stCondLst>
+                                  <p:childTnLst>
+                                    <p:set>
+                                      <p:cBhvr>
+                                        <p:cTn id="37" dur="1" fill="hold">
+                                          <p:stCondLst>
+                                            <p:cond delay="0"/>
+                                          </p:stCondLst>
+                                        </p:cTn>
+                                        <p:tgtEl>
+                                          <p:spTgt spid="75"/>
+                                        </p:tgtEl>
+                                        <p:attrNameLst>
+                                          <p:attrName>style.visibility</p:attrName>
+                                        </p:attrNameLst>
+                                      </p:cBhvr>
+                                      <p:to>
+                                        <p:strVal val="visible"/>
+                                      </p:to>
+                                    </p:set>
+                                    <p:animEffect transition="in" filter="fade">
+                                      <p:cBhvr>
+                                        <p:cTn id="38" dur="500"/>
+                                        <p:tgtEl>
+                                          <p:spTgt spid="75"/>
+                                        </p:tgtEl>
+                                      </p:cBhvr>
+                                    </p:animEffect>
+                                  </p:childTnLst>
+                                </p:cTn>
+                              </p:par>
+                            </p:childTnLst>
+                          </p:cTn>
+                        </p:par>
+                      </p:childTnLst>
+                    </p:cTn>
+                  </p:par>
+                  <p:par>
+                    <p:cTn id="39" fill="hold">
+                      <p:stCondLst>
+                        <p:cond delay="indefinite"/>
+                      </p:stCondLst>
+                      <p:childTnLst>
+                        <p:par>
+                          <p:cTn id="40" fill="hold">
+                            <p:stCondLst>
+                              <p:cond delay="0"/>
+                            </p:stCondLst>
+                            <p:childTnLst>
+                              <p:par>
+                                <p:cTn id="41" presetID="10" presetClass="entr" presetSubtype="0" fill="hold" grpId="0" nodeType="clickEffect">
+                                  <p:stCondLst>
+                                    <p:cond delay="0"/>
+                                  </p:stCondLst>
+                                  <p:childTnLst>
+                                    <p:set>
+                                      <p:cBhvr>
+                                        <p:cTn id="42" dur="1" fill="hold">
+                                          <p:stCondLst>
+                                            <p:cond delay="0"/>
+                                          </p:stCondLst>
+                                        </p:cTn>
+                                        <p:tgtEl>
+                                          <p:spTgt spid="76"/>
+                                        </p:tgtEl>
+                                        <p:attrNameLst>
+                                          <p:attrName>style.visibility</p:attrName>
+                                        </p:attrNameLst>
+                                      </p:cBhvr>
+                                      <p:to>
+                                        <p:strVal val="visible"/>
+                                      </p:to>
+                                    </p:set>
+                                    <p:animEffect transition="in" filter="fade">
+                                      <p:cBhvr>
+                                        <p:cTn id="43" dur="500"/>
+                                        <p:tgtEl>
+                                          <p:spTgt spid="76"/>
+                                        </p:tgtEl>
+                                      </p:cBhvr>
+                                    </p:animEffect>
+                                  </p:childTnLst>
+                                </p:cTn>
+                              </p:par>
+                            </p:childTnLst>
+                          </p:cTn>
+                        </p:par>
+                      </p:childTnLst>
+                    </p:cTn>
+                  </p:par>
                 </p:childTnLst>
               </p:cTn>
               <p:prevCondLst>
@@ -10411,6 +10845,15 @@
         </p:cTn>
       </p:par>
     </p:tnLst>
+    <p:bldLst>
+      <p:bldP spid="66" grpId="0"/>
+      <p:bldP spid="67" grpId="0"/>
+      <p:bldP spid="69" grpId="0"/>
+      <p:bldP spid="73" grpId="0"/>
+      <p:bldP spid="74" grpId="0"/>
+      <p:bldP spid="75" grpId="0"/>
+      <p:bldP spid="76" grpId="0"/>
+    </p:bldLst>
   </p:timing>
 </p:sld>
 </file>
@@ -10512,12 +10955,16 @@
   <p:clrMapOvr>
     <a:masterClrMapping/>
   </p:clrMapOvr>
-  <mc:AlternateContent xmlns:mc="http://schemas.openxmlformats.org/markup-compatibility/2006" xmlns:p14="http://schemas.microsoft.com/office/powerpoint/2010/main">
-    <mc:Choice Requires="p14">
-      <p:transition p14:dur="0"/>
+  <mc:AlternateContent xmlns:mc="http://schemas.openxmlformats.org/markup-compatibility/2006">
+    <mc:Choice xmlns:p14="http://schemas.microsoft.com/office/powerpoint/2010/main" Requires="p14">
+      <p:transition spd="med" p14:dur="700">
+        <p:fade/>
+      </p:transition>
     </mc:Choice>
-    <mc:Fallback xmlns="">
-      <p:transition/>
+    <mc:Fallback>
+      <p:transition spd="med">
+        <p:fade/>
+      </p:transition>
     </mc:Fallback>
   </mc:AlternateContent>
   <p:timing>
@@ -10626,12 +11073,16 @@
   <p:clrMapOvr>
     <a:masterClrMapping/>
   </p:clrMapOvr>
-  <mc:AlternateContent xmlns:mc="http://schemas.openxmlformats.org/markup-compatibility/2006" xmlns:p14="http://schemas.microsoft.com/office/powerpoint/2010/main">
-    <mc:Choice Requires="p14">
-      <p:transition p14:dur="0"/>
+  <mc:AlternateContent xmlns:mc="http://schemas.openxmlformats.org/markup-compatibility/2006">
+    <mc:Choice xmlns:p14="http://schemas.microsoft.com/office/powerpoint/2010/main" Requires="p14">
+      <p:transition spd="med" p14:dur="700">
+        <p:fade/>
+      </p:transition>
     </mc:Choice>
-    <mc:Fallback xmlns="">
-      <p:transition/>
+    <mc:Fallback>
+      <p:transition spd="med">
+        <p:fade/>
+      </p:transition>
     </mc:Fallback>
   </mc:AlternateContent>
   <p:timing>
@@ -10740,12 +11191,16 @@
   <p:clrMapOvr>
     <a:masterClrMapping/>
   </p:clrMapOvr>
-  <mc:AlternateContent xmlns:mc="http://schemas.openxmlformats.org/markup-compatibility/2006" xmlns:p14="http://schemas.microsoft.com/office/powerpoint/2010/main">
-    <mc:Choice Requires="p14">
-      <p:transition p14:dur="0"/>
+  <mc:AlternateContent xmlns:mc="http://schemas.openxmlformats.org/markup-compatibility/2006">
+    <mc:Choice xmlns:p14="http://schemas.microsoft.com/office/powerpoint/2010/main" Requires="p14">
+      <p:transition spd="med" p14:dur="700">
+        <p:fade/>
+      </p:transition>
     </mc:Choice>
-    <mc:Fallback xmlns="">
-      <p:transition/>
+    <mc:Fallback>
+      <p:transition spd="med">
+        <p:fade/>
+      </p:transition>
     </mc:Fallback>
   </mc:AlternateContent>
   <p:timing>
@@ -10857,10 +11312,14 @@
   </p:clrMapOvr>
   <mc:AlternateContent xmlns:mc="http://schemas.openxmlformats.org/markup-compatibility/2006">
     <mc:Choice xmlns:p14="http://schemas.microsoft.com/office/powerpoint/2010/main" Requires="p14">
-      <p:transition p14:dur="0"/>
+      <p:transition spd="med" p14:dur="700">
+        <p:fade/>
+      </p:transition>
     </mc:Choice>
     <mc:Fallback>
-      <p:transition/>
+      <p:transition spd="med">
+        <p:fade/>
+      </p:transition>
     </mc:Fallback>
   </mc:AlternateContent>
   <p:timing>
@@ -10874,6 +11333,404 @@
 </file>
 
 <file path=ppt/slides/slide15.xml><?xml version="1.0" encoding="utf-8"?>
+<p:sld xmlns:a="http://schemas.openxmlformats.org/drawingml/2006/main" xmlns:r="http://schemas.openxmlformats.org/officeDocument/2006/relationships" xmlns:p="http://schemas.openxmlformats.org/presentationml/2006/main">
+  <p:cSld>
+    <p:spTree>
+      <p:nvGrpSpPr>
+        <p:cNvPr id="1" name=""/>
+        <p:cNvGrpSpPr/>
+        <p:nvPr/>
+      </p:nvGrpSpPr>
+      <p:grpSpPr>
+        <a:xfrm>
+          <a:off x="0" y="0"/>
+          <a:ext cx="0" cy="0"/>
+          <a:chOff x="0" y="0"/>
+          <a:chExt cx="0" cy="0"/>
+        </a:xfrm>
+      </p:grpSpPr>
+      <p:sp>
+        <p:nvSpPr>
+          <p:cNvPr id="3" name="矩形 2"/>
+          <p:cNvSpPr/>
+          <p:nvPr/>
+        </p:nvSpPr>
+        <p:spPr>
+          <a:xfrm>
+            <a:off x="261444" y="491342"/>
+            <a:ext cx="1808508" cy="461665"/>
+          </a:xfrm>
+          <a:prstGeom prst="rect">
+            <a:avLst/>
+          </a:prstGeom>
+        </p:spPr>
+        <p:txBody>
+          <a:bodyPr wrap="none">
+            <a:spAutoFit/>
+          </a:bodyPr>
+          <a:lstStyle/>
+          <a:p>
+            <a:r>
+              <a:rPr lang="en-US" altLang="zh-CN" sz="2400" dirty="0" smtClean="0">
+                <a:latin typeface="微软雅黑" panose="020B0503020204020204" pitchFamily="34" charset="-122"/>
+                <a:ea typeface="微软雅黑" panose="020B0503020204020204" pitchFamily="34" charset="-122"/>
+              </a:rPr>
+              <a:t>Conclusion</a:t>
+            </a:r>
+            <a:endParaRPr lang="zh-CN" altLang="en-US" sz="2400" dirty="0">
+              <a:latin typeface="微软雅黑" panose="020B0503020204020204" pitchFamily="34" charset="-122"/>
+              <a:ea typeface="微软雅黑" panose="020B0503020204020204" pitchFamily="34" charset="-122"/>
+            </a:endParaRPr>
+          </a:p>
+        </p:txBody>
+      </p:sp>
+      <p:sp>
+        <p:nvSpPr>
+          <p:cNvPr id="6" name="左大括号 5"/>
+          <p:cNvSpPr/>
+          <p:nvPr/>
+        </p:nvSpPr>
+        <p:spPr>
+          <a:xfrm>
+            <a:off x="2235200" y="1905000"/>
+            <a:ext cx="431800" cy="1917700"/>
+          </a:xfrm>
+          <a:prstGeom prst="leftBrace">
+            <a:avLst>
+              <a:gd name="adj1" fmla="val 59036"/>
+              <a:gd name="adj2" fmla="val 50000"/>
+            </a:avLst>
+          </a:prstGeom>
+          <a:ln w="38100"/>
+        </p:spPr>
+        <p:style>
+          <a:lnRef idx="1">
+            <a:schemeClr val="accent1"/>
+          </a:lnRef>
+          <a:fillRef idx="0">
+            <a:schemeClr val="accent1"/>
+          </a:fillRef>
+          <a:effectRef idx="0">
+            <a:schemeClr val="accent1"/>
+          </a:effectRef>
+          <a:fontRef idx="minor">
+            <a:schemeClr val="tx1"/>
+          </a:fontRef>
+        </p:style>
+        <p:txBody>
+          <a:bodyPr rtlCol="0" anchor="ctr"/>
+          <a:lstStyle/>
+          <a:p>
+            <a:pPr algn="ctr"/>
+            <a:endParaRPr lang="zh-CN" altLang="en-US"/>
+          </a:p>
+        </p:txBody>
+      </p:sp>
+      <p:sp>
+        <p:nvSpPr>
+          <p:cNvPr id="7" name="矩形 6"/>
+          <p:cNvSpPr/>
+          <p:nvPr/>
+        </p:nvSpPr>
+        <p:spPr>
+          <a:xfrm>
+            <a:off x="2879351" y="1651084"/>
+            <a:ext cx="2191497" cy="507831"/>
+          </a:xfrm>
+          <a:prstGeom prst="rect">
+            <a:avLst/>
+          </a:prstGeom>
+        </p:spPr>
+        <p:txBody>
+          <a:bodyPr wrap="none">
+            <a:spAutoFit/>
+          </a:bodyPr>
+          <a:lstStyle/>
+          <a:p>
+            <a:pPr algn="ctr">
+              <a:lnSpc>
+                <a:spcPct val="150000"/>
+              </a:lnSpc>
+            </a:pPr>
+            <a:r>
+              <a:rPr lang="en-US" altLang="zh-CN" dirty="0">
+                <a:latin typeface="微软雅黑" panose="020B0503020204020204" pitchFamily="34" charset="-122"/>
+                <a:ea typeface="微软雅黑" panose="020B0503020204020204" pitchFamily="34" charset="-122"/>
+                <a:cs typeface="Arial" panose="020B0604020202020204" pitchFamily="34" charset="0"/>
+              </a:rPr>
+              <a:t>Opinion Aware IM</a:t>
+            </a:r>
+            <a:endParaRPr lang="en-US" altLang="zh-CN" dirty="0">
+              <a:latin typeface="微软雅黑" panose="020B0503020204020204" pitchFamily="34" charset="-122"/>
+              <a:ea typeface="微软雅黑" panose="020B0503020204020204" pitchFamily="34" charset="-122"/>
+              <a:cs typeface="Arial" panose="020B0604020202020204" pitchFamily="34" charset="0"/>
+            </a:endParaRPr>
+          </a:p>
+        </p:txBody>
+      </p:sp>
+      <p:sp>
+        <p:nvSpPr>
+          <p:cNvPr id="8" name="矩形 7"/>
+          <p:cNvSpPr/>
+          <p:nvPr/>
+        </p:nvSpPr>
+        <p:spPr>
+          <a:xfrm>
+            <a:off x="2879351" y="3638034"/>
+            <a:ext cx="724878" cy="369332"/>
+          </a:xfrm>
+          <a:prstGeom prst="rect">
+            <a:avLst/>
+          </a:prstGeom>
+        </p:spPr>
+        <p:txBody>
+          <a:bodyPr wrap="none">
+            <a:spAutoFit/>
+          </a:bodyPr>
+          <a:lstStyle/>
+          <a:p>
+            <a:r>
+              <a:rPr lang="en-US" altLang="zh-CN" dirty="0">
+                <a:latin typeface="微软雅黑" panose="020B0503020204020204" pitchFamily="34" charset="-122"/>
+                <a:ea typeface="微软雅黑" panose="020B0503020204020204" pitchFamily="34" charset="-122"/>
+                <a:cs typeface="Arial" panose="020B0604020202020204" pitchFamily="34" charset="0"/>
+              </a:rPr>
+              <a:t>MEO</a:t>
+            </a:r>
+            <a:endParaRPr lang="zh-CN" altLang="en-US" dirty="0"/>
+          </a:p>
+        </p:txBody>
+      </p:sp>
+      <p:sp>
+        <p:nvSpPr>
+          <p:cNvPr id="9" name="左大括号 8"/>
+          <p:cNvSpPr/>
+          <p:nvPr/>
+        </p:nvSpPr>
+        <p:spPr>
+          <a:xfrm>
+            <a:off x="3975099" y="3038475"/>
+            <a:ext cx="215901" cy="1568450"/>
+          </a:xfrm>
+          <a:prstGeom prst="leftBrace">
+            <a:avLst>
+              <a:gd name="adj1" fmla="val 59036"/>
+              <a:gd name="adj2" fmla="val 50000"/>
+            </a:avLst>
+          </a:prstGeom>
+          <a:ln w="38100"/>
+        </p:spPr>
+        <p:style>
+          <a:lnRef idx="1">
+            <a:schemeClr val="accent1"/>
+          </a:lnRef>
+          <a:fillRef idx="0">
+            <a:schemeClr val="accent1"/>
+          </a:fillRef>
+          <a:effectRef idx="0">
+            <a:schemeClr val="accent1"/>
+          </a:effectRef>
+          <a:fontRef idx="minor">
+            <a:schemeClr val="tx1"/>
+          </a:fontRef>
+        </p:style>
+        <p:txBody>
+          <a:bodyPr rtlCol="0" anchor="ctr"/>
+          <a:lstStyle/>
+          <a:p>
+            <a:pPr algn="ctr"/>
+            <a:endParaRPr lang="zh-CN" altLang="en-US"/>
+          </a:p>
+        </p:txBody>
+      </p:sp>
+      <p:grpSp>
+        <p:nvGrpSpPr>
+          <p:cNvPr id="10" name="组合 9"/>
+          <p:cNvGrpSpPr/>
+          <p:nvPr/>
+        </p:nvGrpSpPr>
+        <p:grpSpPr>
+          <a:xfrm>
+            <a:off x="4434846" y="2639922"/>
+            <a:ext cx="2395207" cy="2365556"/>
+            <a:chOff x="6382267" y="2011255"/>
+            <a:chExt cx="2395207" cy="2365556"/>
+          </a:xfrm>
+        </p:grpSpPr>
+        <p:sp>
+          <p:nvSpPr>
+            <p:cNvPr id="11" name="矩形 10"/>
+            <p:cNvSpPr/>
+            <p:nvPr/>
+          </p:nvSpPr>
+          <p:spPr>
+            <a:xfrm>
+              <a:off x="6382267" y="2011255"/>
+              <a:ext cx="1069524" cy="400110"/>
+            </a:xfrm>
+            <a:prstGeom prst="rect">
+              <a:avLst/>
+            </a:prstGeom>
+          </p:spPr>
+          <p:txBody>
+            <a:bodyPr wrap="none">
+              <a:spAutoFit/>
+            </a:bodyPr>
+            <a:lstStyle/>
+            <a:p>
+              <a:r>
+                <a:rPr lang="en-US" altLang="zh-CN" sz="2000" dirty="0">
+                  <a:latin typeface="微软雅黑" panose="020B0503020204020204" pitchFamily="34" charset="-122"/>
+                  <a:ea typeface="微软雅黑" panose="020B0503020204020204" pitchFamily="34" charset="-122"/>
+                </a:rPr>
+                <a:t>EaSyIM</a:t>
+              </a:r>
+              <a:endParaRPr lang="zh-CN" altLang="en-US" sz="2000" dirty="0">
+                <a:latin typeface="微软雅黑" panose="020B0503020204020204" pitchFamily="34" charset="-122"/>
+                <a:ea typeface="微软雅黑" panose="020B0503020204020204" pitchFamily="34" charset="-122"/>
+              </a:endParaRPr>
+            </a:p>
+          </p:txBody>
+        </p:sp>
+        <p:sp>
+          <p:nvSpPr>
+            <p:cNvPr id="12" name="矩形 11"/>
+            <p:cNvSpPr/>
+            <p:nvPr/>
+          </p:nvSpPr>
+          <p:spPr>
+            <a:xfrm>
+              <a:off x="6388843" y="3554629"/>
+              <a:ext cx="865943" cy="400110"/>
+            </a:xfrm>
+            <a:prstGeom prst="rect">
+              <a:avLst/>
+            </a:prstGeom>
+          </p:spPr>
+          <p:txBody>
+            <a:bodyPr wrap="none">
+              <a:spAutoFit/>
+            </a:bodyPr>
+            <a:lstStyle/>
+            <a:p>
+              <a:r>
+                <a:rPr lang="en-US" altLang="zh-CN" sz="2000" dirty="0">
+                  <a:latin typeface="微软雅黑" panose="020B0503020204020204" pitchFamily="34" charset="-122"/>
+                  <a:ea typeface="微软雅黑" panose="020B0503020204020204" pitchFamily="34" charset="-122"/>
+                </a:rPr>
+                <a:t>OSIM</a:t>
+              </a:r>
+              <a:endParaRPr lang="zh-CN" altLang="en-US" sz="2000" dirty="0">
+                <a:latin typeface="微软雅黑" panose="020B0503020204020204" pitchFamily="34" charset="-122"/>
+                <a:ea typeface="微软雅黑" panose="020B0503020204020204" pitchFamily="34" charset="-122"/>
+              </a:endParaRPr>
+            </a:p>
+          </p:txBody>
+        </p:sp>
+        <p:sp>
+          <p:nvSpPr>
+            <p:cNvPr id="13" name="矩形 12"/>
+            <p:cNvSpPr/>
+            <p:nvPr/>
+          </p:nvSpPr>
+          <p:spPr>
+            <a:xfrm>
+              <a:off x="6382267" y="2444906"/>
+              <a:ext cx="2395207" cy="400110"/>
+            </a:xfrm>
+            <a:prstGeom prst="rect">
+              <a:avLst/>
+            </a:prstGeom>
+          </p:spPr>
+          <p:txBody>
+            <a:bodyPr wrap="none">
+              <a:spAutoFit/>
+            </a:bodyPr>
+            <a:lstStyle/>
+            <a:p>
+              <a:r>
+                <a:rPr lang="en-US" altLang="zh-CN" sz="2000" dirty="0">
+                  <a:latin typeface="微软雅黑" panose="020B0503020204020204" pitchFamily="34" charset="-122"/>
+                  <a:ea typeface="微软雅黑" panose="020B0503020204020204" pitchFamily="34" charset="-122"/>
+                </a:rPr>
+                <a:t>Opinion-oblivious</a:t>
+              </a:r>
+              <a:endParaRPr lang="zh-CN" altLang="en-US" sz="2000" dirty="0">
+                <a:latin typeface="微软雅黑" panose="020B0503020204020204" pitchFamily="34" charset="-122"/>
+                <a:ea typeface="微软雅黑" panose="020B0503020204020204" pitchFamily="34" charset="-122"/>
+              </a:endParaRPr>
+            </a:p>
+          </p:txBody>
+        </p:sp>
+        <p:sp>
+          <p:nvSpPr>
+            <p:cNvPr id="14" name="矩形 13"/>
+            <p:cNvSpPr/>
+            <p:nvPr/>
+          </p:nvSpPr>
+          <p:spPr>
+            <a:xfrm>
+              <a:off x="6388843" y="3976701"/>
+              <a:ext cx="2010037" cy="400110"/>
+            </a:xfrm>
+            <a:prstGeom prst="rect">
+              <a:avLst/>
+            </a:prstGeom>
+          </p:spPr>
+          <p:txBody>
+            <a:bodyPr wrap="none">
+              <a:spAutoFit/>
+            </a:bodyPr>
+            <a:lstStyle/>
+            <a:p>
+              <a:r>
+                <a:rPr lang="en-US" altLang="zh-CN" sz="2000" dirty="0">
+                  <a:latin typeface="微软雅黑" panose="020B0503020204020204" pitchFamily="34" charset="-122"/>
+                  <a:ea typeface="微软雅黑" panose="020B0503020204020204" pitchFamily="34" charset="-122"/>
+                </a:rPr>
+                <a:t>Opinion-aware</a:t>
+              </a:r>
+              <a:endParaRPr lang="zh-CN" altLang="en-US" sz="2000" dirty="0">
+                <a:latin typeface="微软雅黑" panose="020B0503020204020204" pitchFamily="34" charset="-122"/>
+                <a:ea typeface="微软雅黑" panose="020B0503020204020204" pitchFamily="34" charset="-122"/>
+              </a:endParaRPr>
+            </a:p>
+          </p:txBody>
+        </p:sp>
+      </p:grpSp>
+    </p:spTree>
+    <p:extLst>
+      <p:ext uri="{BB962C8B-B14F-4D97-AF65-F5344CB8AC3E}">
+        <p14:creationId xmlns:p14="http://schemas.microsoft.com/office/powerpoint/2010/main" val="2217593844"/>
+      </p:ext>
+    </p:extLst>
+  </p:cSld>
+  <p:clrMapOvr>
+    <a:masterClrMapping/>
+  </p:clrMapOvr>
+  <mc:AlternateContent xmlns:mc="http://schemas.openxmlformats.org/markup-compatibility/2006">
+    <mc:Choice xmlns:p14="http://schemas.microsoft.com/office/powerpoint/2010/main" Requires="p14">
+      <p:transition spd="med" p14:dur="700">
+        <p:fade/>
+      </p:transition>
+    </mc:Choice>
+    <mc:Fallback>
+      <p:transition spd="med">
+        <p:fade/>
+      </p:transition>
+    </mc:Fallback>
+  </mc:AlternateContent>
+  <p:timing>
+    <p:tnLst>
+      <p:par>
+        <p:cTn id="1" dur="indefinite" restart="never" nodeType="tmRoot"/>
+      </p:par>
+    </p:tnLst>
+  </p:timing>
+</p:sld>
+</file>
+
+<file path=ppt/slides/slide16.xml><?xml version="1.0" encoding="utf-8"?>
 <p:sld xmlns:a="http://schemas.openxmlformats.org/drawingml/2006/main" xmlns:r="http://schemas.openxmlformats.org/officeDocument/2006/relationships" xmlns:p="http://schemas.openxmlformats.org/presentationml/2006/main">
   <p:cSld>
     <p:spTree>
@@ -10958,16 +11815,425 @@
   <p:clrMapOvr>
     <a:masterClrMapping/>
   </p:clrMapOvr>
-  <mc:AlternateContent xmlns:mc="http://schemas.openxmlformats.org/markup-compatibility/2006" xmlns:p14="http://schemas.microsoft.com/office/powerpoint/2010/main">
-    <mc:Choice Requires="p14">
-      <p:transition spd="slow" p14:dur="1400">
-        <p14:ripple/>
+  <mc:AlternateContent xmlns:mc="http://schemas.openxmlformats.org/markup-compatibility/2006">
+    <mc:Choice xmlns:p14="http://schemas.microsoft.com/office/powerpoint/2010/main" Requires="p14">
+      <p:transition spd="med" p14:dur="700">
+        <p:fade/>
       </p:transition>
     </mc:Choice>
-    <mc:Fallback xmlns="">
-      <p:transition spd="slow">
+    <mc:Fallback>
+      <p:transition spd="med">
         <p:fade/>
       </p:transition>
+    </mc:Fallback>
+  </mc:AlternateContent>
+  <p:timing>
+    <p:tnLst>
+      <p:par>
+        <p:cTn id="1" dur="indefinite" restart="never" nodeType="tmRoot"/>
+      </p:par>
+    </p:tnLst>
+  </p:timing>
+</p:sld>
+</file>
+
+<file path=ppt/slides/slide17.xml><?xml version="1.0" encoding="utf-8"?>
+<p:sld xmlns:a="http://schemas.openxmlformats.org/drawingml/2006/main" xmlns:r="http://schemas.openxmlformats.org/officeDocument/2006/relationships" xmlns:p="http://schemas.openxmlformats.org/presentationml/2006/main">
+  <p:cSld>
+    <p:spTree>
+      <p:nvGrpSpPr>
+        <p:cNvPr id="1" name=""/>
+        <p:cNvGrpSpPr/>
+        <p:nvPr/>
+      </p:nvGrpSpPr>
+      <p:grpSpPr>
+        <a:xfrm>
+          <a:off x="0" y="0"/>
+          <a:ext cx="0" cy="0"/>
+          <a:chOff x="0" y="0"/>
+          <a:chExt cx="0" cy="0"/>
+        </a:xfrm>
+      </p:grpSpPr>
+      <mc:AlternateContent xmlns:mc="http://schemas.openxmlformats.org/markup-compatibility/2006">
+        <mc:Choice xmlns:a14="http://schemas.microsoft.com/office/drawing/2010/main" Requires="a14">
+          <p:sp>
+            <p:nvSpPr>
+              <p:cNvPr id="3" name="文本框 2"/>
+              <p:cNvSpPr txBox="1"/>
+              <p:nvPr/>
+            </p:nvSpPr>
+            <p:spPr>
+              <a:xfrm>
+                <a:off x="2566685" y="3751335"/>
+                <a:ext cx="4273349" cy="795474"/>
+              </a:xfrm>
+              <a:prstGeom prst="rect">
+                <a:avLst/>
+              </a:prstGeom>
+              <a:noFill/>
+            </p:spPr>
+            <p:txBody>
+              <a:bodyPr wrap="none" lIns="0" tIns="0" rIns="0" bIns="0" rtlCol="0">
+                <a:spAutoFit/>
+              </a:bodyPr>
+              <a:lstStyle/>
+              <a:p>
+                <a:pPr/>
+                <a14:m>
+                  <m:oMathPara xmlns:m="http://schemas.openxmlformats.org/officeDocument/2006/math">
+                    <m:oMathParaPr>
+                      <m:jc m:val="centerGroup"/>
+                    </m:oMathParaPr>
+                    <m:oMath xmlns:m="http://schemas.openxmlformats.org/officeDocument/2006/math">
+                      <m:sSubSup>
+                        <m:sSubSupPr>
+                          <m:ctrlPr>
+                            <a:rPr lang="en-US" altLang="zh-CN" sz="2000" i="1">
+                              <a:latin typeface="Cambria Math" panose="02040503050406030204" pitchFamily="18" charset="0"/>
+                            </a:rPr>
+                          </m:ctrlPr>
+                        </m:sSubSupPr>
+                        <m:e>
+                          <m:r>
+                            <a:rPr lang="zh-CN" altLang="en-US" sz="2000" i="1">
+                              <a:latin typeface="Cambria Math" panose="02040503050406030204" pitchFamily="18" charset="0"/>
+                            </a:rPr>
+                            <m:t>𝜎</m:t>
+                          </m:r>
+                        </m:e>
+                        <m:sub/>
+                        <m:sup>
+                          <m:r>
+                            <a:rPr lang="en-US" altLang="zh-CN" sz="2000" i="1">
+                              <a:latin typeface="Cambria Math" panose="02040503050406030204" pitchFamily="18" charset="0"/>
+                            </a:rPr>
+                            <m:t>𝑜</m:t>
+                          </m:r>
+                        </m:sup>
+                      </m:sSubSup>
+                      <m:d>
+                        <m:dPr>
+                          <m:ctrlPr>
+                            <a:rPr lang="en-US" altLang="zh-CN" sz="2000" i="1">
+                              <a:latin typeface="Cambria Math" panose="02040503050406030204" pitchFamily="18" charset="0"/>
+                            </a:rPr>
+                          </m:ctrlPr>
+                        </m:dPr>
+                        <m:e>
+                          <m:r>
+                            <a:rPr lang="en-US" altLang="zh-CN" sz="2000" i="1">
+                              <a:latin typeface="Cambria Math" panose="02040503050406030204" pitchFamily="18" charset="0"/>
+                            </a:rPr>
+                            <m:t>𝑆</m:t>
+                          </m:r>
+                        </m:e>
+                      </m:d>
+                      <m:r>
+                        <a:rPr lang="en-US" altLang="zh-CN" sz="2000" i="1">
+                          <a:latin typeface="Cambria Math" panose="02040503050406030204" pitchFamily="18" charset="0"/>
+                        </a:rPr>
+                        <m:t>=</m:t>
+                      </m:r>
+                      <m:r>
+                        <a:rPr lang="zh-CN" altLang="el-GR" sz="2000" i="1">
+                          <a:latin typeface="Cambria Math" panose="02040503050406030204" pitchFamily="18" charset="0"/>
+                          <a:ea typeface="Cambria Math" panose="02040503050406030204" pitchFamily="18" charset="0"/>
+                        </a:rPr>
+                        <m:t>𝔼</m:t>
+                      </m:r>
+                      <m:d>
+                        <m:dPr>
+                          <m:begChr m:val="["/>
+                          <m:endChr m:val="]"/>
+                          <m:ctrlPr>
+                            <a:rPr lang="en-US" altLang="zh-CN" sz="2000" i="1">
+                              <a:latin typeface="Cambria Math" panose="02040503050406030204" pitchFamily="18" charset="0"/>
+                              <a:ea typeface="Cambria Math" panose="02040503050406030204" pitchFamily="18" charset="0"/>
+                            </a:rPr>
+                          </m:ctrlPr>
+                        </m:dPr>
+                        <m:e>
+                          <m:sSubSup>
+                            <m:sSubSupPr>
+                              <m:ctrlPr>
+                                <a:rPr lang="en-US" altLang="zh-CN" sz="2000" i="1">
+                                  <a:latin typeface="Cambria Math" panose="02040503050406030204" pitchFamily="18" charset="0"/>
+                                  <a:ea typeface="Cambria Math" panose="02040503050406030204" pitchFamily="18" charset="0"/>
+                                </a:rPr>
+                              </m:ctrlPr>
+                            </m:sSubSupPr>
+                            <m:e>
+                              <m:r>
+                                <m:rPr>
+                                  <m:sty m:val="p"/>
+                                </m:rPr>
+                                <a:rPr lang="el-GR" altLang="zh-CN" sz="2000" i="1">
+                                  <a:latin typeface="Cambria Math" panose="02040503050406030204" pitchFamily="18" charset="0"/>
+                                  <a:ea typeface="Cambria Math" panose="02040503050406030204" pitchFamily="18" charset="0"/>
+                                </a:rPr>
+                                <m:t>Γ</m:t>
+                              </m:r>
+                            </m:e>
+                            <m:sub/>
+                            <m:sup>
+                              <m:r>
+                                <a:rPr lang="en-US" altLang="zh-CN" sz="2000" i="1">
+                                  <a:latin typeface="Cambria Math" panose="02040503050406030204" pitchFamily="18" charset="0"/>
+                                  <a:ea typeface="Cambria Math" panose="02040503050406030204" pitchFamily="18" charset="0"/>
+                                </a:rPr>
+                                <m:t>𝑜</m:t>
+                              </m:r>
+                            </m:sup>
+                          </m:sSubSup>
+                          <m:d>
+                            <m:dPr>
+                              <m:ctrlPr>
+                                <a:rPr lang="en-US" altLang="zh-CN" sz="2000" i="1">
+                                  <a:latin typeface="Cambria Math" panose="02040503050406030204" pitchFamily="18" charset="0"/>
+                                  <a:ea typeface="Cambria Math" panose="02040503050406030204" pitchFamily="18" charset="0"/>
+                                </a:rPr>
+                              </m:ctrlPr>
+                            </m:dPr>
+                            <m:e>
+                              <m:r>
+                                <a:rPr lang="en-US" altLang="zh-CN" sz="2000" i="1">
+                                  <a:latin typeface="Cambria Math" panose="02040503050406030204" pitchFamily="18" charset="0"/>
+                                  <a:ea typeface="Cambria Math" panose="02040503050406030204" pitchFamily="18" charset="0"/>
+                                </a:rPr>
+                                <m:t>𝑆</m:t>
+                              </m:r>
+                            </m:e>
+                          </m:d>
+                        </m:e>
+                      </m:d>
+                      <m:r>
+                        <a:rPr lang="en-US" altLang="zh-CN" sz="2000" i="1">
+                          <a:latin typeface="Cambria Math" panose="02040503050406030204" pitchFamily="18" charset="0"/>
+                          <a:ea typeface="Cambria Math" panose="02040503050406030204" pitchFamily="18" charset="0"/>
+                        </a:rPr>
+                        <m:t>=</m:t>
+                      </m:r>
+                      <m:r>
+                        <a:rPr lang="zh-CN" altLang="el-GR" sz="2000" i="1">
+                          <a:latin typeface="Cambria Math" panose="02040503050406030204" pitchFamily="18" charset="0"/>
+                          <a:ea typeface="Cambria Math" panose="02040503050406030204" pitchFamily="18" charset="0"/>
+                        </a:rPr>
+                        <m:t>𝔼</m:t>
+                      </m:r>
+                      <m:r>
+                        <a:rPr lang="en-US" altLang="zh-CN" sz="2000" i="1">
+                          <a:latin typeface="Cambria Math" panose="02040503050406030204" pitchFamily="18" charset="0"/>
+                          <a:ea typeface="Cambria Math" panose="02040503050406030204" pitchFamily="18" charset="0"/>
+                        </a:rPr>
+                        <m:t>[</m:t>
+                      </m:r>
+                      <m:d>
+                        <m:dPr>
+                          <m:ctrlPr>
+                            <a:rPr lang="en-US" altLang="zh-CN" sz="2000" i="1">
+                              <a:latin typeface="Cambria Math" panose="02040503050406030204" pitchFamily="18" charset="0"/>
+                              <a:ea typeface="Cambria Math" panose="02040503050406030204" pitchFamily="18" charset="0"/>
+                            </a:rPr>
+                          </m:ctrlPr>
+                        </m:dPr>
+                        <m:e>
+                          <m:nary>
+                            <m:naryPr>
+                              <m:chr m:val="∑"/>
+                              <m:supHide m:val="on"/>
+                              <m:ctrlPr>
+                                <a:rPr lang="en-US" altLang="zh-CN" sz="2000" i="1">
+                                  <a:latin typeface="Cambria Math" panose="02040503050406030204" pitchFamily="18" charset="0"/>
+                                  <a:ea typeface="Cambria Math" panose="02040503050406030204" pitchFamily="18" charset="0"/>
+                                </a:rPr>
+                              </m:ctrlPr>
+                            </m:naryPr>
+                            <m:sub>
+                              <m:r>
+                                <a:rPr lang="en-US" altLang="zh-CN" sz="2000" i="1">
+                                  <a:latin typeface="Cambria Math" panose="02040503050406030204" pitchFamily="18" charset="0"/>
+                                  <a:ea typeface="Cambria Math" panose="02040503050406030204" pitchFamily="18" charset="0"/>
+                                </a:rPr>
+                                <m:t>𝑣</m:t>
+                              </m:r>
+                              <m:r>
+                                <a:rPr lang="en-US" altLang="zh-CN" sz="2000" i="1">
+                                  <a:latin typeface="Cambria Math" panose="02040503050406030204" pitchFamily="18" charset="0"/>
+                                  <a:ea typeface="Cambria Math" panose="02040503050406030204" pitchFamily="18" charset="0"/>
+                                </a:rPr>
+                                <m:t>∈</m:t>
+                              </m:r>
+                              <m:r>
+                                <a:rPr lang="en-US" altLang="zh-CN" sz="2000" i="1">
+                                  <a:latin typeface="Cambria Math" panose="02040503050406030204" pitchFamily="18" charset="0"/>
+                                  <a:ea typeface="Cambria Math" panose="02040503050406030204" pitchFamily="18" charset="0"/>
+                                </a:rPr>
+                                <m:t>𝑉</m:t>
+                              </m:r>
+                              <m:d>
+                                <m:dPr>
+                                  <m:ctrlPr>
+                                    <a:rPr lang="en-US" altLang="zh-CN" sz="2000" i="1">
+                                      <a:latin typeface="Cambria Math" panose="02040503050406030204" pitchFamily="18" charset="0"/>
+                                      <a:ea typeface="Cambria Math" panose="02040503050406030204" pitchFamily="18" charset="0"/>
+                                    </a:rPr>
+                                  </m:ctrlPr>
+                                </m:dPr>
+                                <m:e>
+                                  <m:r>
+                                    <a:rPr lang="en-US" altLang="zh-CN" sz="2000" i="1">
+                                      <a:latin typeface="Cambria Math" panose="02040503050406030204" pitchFamily="18" charset="0"/>
+                                      <a:ea typeface="Cambria Math" panose="02040503050406030204" pitchFamily="18" charset="0"/>
+                                    </a:rPr>
+                                    <m:t>𝑎</m:t>
+                                  </m:r>
+                                </m:e>
+                              </m:d>
+                              <m:r>
+                                <a:rPr lang="en-US" altLang="zh-CN" sz="2000" i="1">
+                                  <a:latin typeface="Cambria Math" panose="02040503050406030204" pitchFamily="18" charset="0"/>
+                                  <a:ea typeface="Cambria Math" panose="02040503050406030204" pitchFamily="18" charset="0"/>
+                                </a:rPr>
+                                <m:t>\</m:t>
+                              </m:r>
+                              <m:r>
+                                <m:rPr>
+                                  <m:sty m:val="p"/>
+                                </m:rPr>
+                                <a:rPr lang="en-US" altLang="zh-CN" sz="2000" i="1">
+                                  <a:latin typeface="Cambria Math" panose="02040503050406030204" pitchFamily="18" charset="0"/>
+                                  <a:ea typeface="Cambria Math" panose="02040503050406030204" pitchFamily="18" charset="0"/>
+                                </a:rPr>
+                                <m:t>S</m:t>
+                              </m:r>
+                              <m:r>
+                                <m:rPr>
+                                  <m:nor/>
+                                </m:rPr>
+                                <a:rPr lang="zh-CN" altLang="en-US" sz="2000" dirty="0"/>
+                                <m:t> </m:t>
+                              </m:r>
+                            </m:sub>
+                            <m:sup/>
+                            <m:e>
+                              <m:sSubSup>
+                                <m:sSubSupPr>
+                                  <m:ctrlPr>
+                                    <a:rPr lang="en-US" altLang="zh-CN" sz="2000" i="1">
+                                      <a:latin typeface="Cambria Math" panose="02040503050406030204" pitchFamily="18" charset="0"/>
+                                      <a:ea typeface="Cambria Math" panose="02040503050406030204" pitchFamily="18" charset="0"/>
+                                    </a:rPr>
+                                  </m:ctrlPr>
+                                </m:sSubSupPr>
+                                <m:e>
+                                  <m:r>
+                                    <a:rPr lang="en-US" altLang="zh-CN" sz="2000" i="1">
+                                      <a:latin typeface="Cambria Math" panose="02040503050406030204" pitchFamily="18" charset="0"/>
+                                      <a:ea typeface="Cambria Math" panose="02040503050406030204" pitchFamily="18" charset="0"/>
+                                    </a:rPr>
+                                    <m:t>𝑜</m:t>
+                                  </m:r>
+                                </m:e>
+                                <m:sub>
+                                  <m:r>
+                                    <a:rPr lang="en-US" altLang="zh-CN" sz="2000" i="1">
+                                      <a:latin typeface="Cambria Math" panose="02040503050406030204" pitchFamily="18" charset="0"/>
+                                      <a:ea typeface="Cambria Math" panose="02040503050406030204" pitchFamily="18" charset="0"/>
+                                    </a:rPr>
+                                    <m:t>𝑣</m:t>
+                                  </m:r>
+                                </m:sub>
+                                <m:sup>
+                                  <m:r>
+                                    <a:rPr lang="en-US" altLang="zh-CN" sz="2000" i="1">
+                                      <a:latin typeface="Cambria Math" panose="02040503050406030204" pitchFamily="18" charset="0"/>
+                                      <a:ea typeface="Cambria Math" panose="02040503050406030204" pitchFamily="18" charset="0"/>
+                                    </a:rPr>
+                                    <m:t>′</m:t>
+                                  </m:r>
+                                </m:sup>
+                              </m:sSubSup>
+                            </m:e>
+                          </m:nary>
+                          <m:r>
+                            <a:rPr lang="en-US" altLang="zh-CN" sz="2000" i="1">
+                              <a:latin typeface="Cambria Math" panose="02040503050406030204" pitchFamily="18" charset="0"/>
+                              <a:ea typeface="Cambria Math" panose="02040503050406030204" pitchFamily="18" charset="0"/>
+                            </a:rPr>
+                            <m:t> </m:t>
+                          </m:r>
+                        </m:e>
+                      </m:d>
+                      <m:r>
+                        <a:rPr lang="en-US" altLang="zh-CN" sz="2000" i="1">
+                          <a:latin typeface="Cambria Math" panose="02040503050406030204" pitchFamily="18" charset="0"/>
+                          <a:ea typeface="Cambria Math" panose="02040503050406030204" pitchFamily="18" charset="0"/>
+                        </a:rPr>
+                        <m:t>]</m:t>
+                      </m:r>
+                    </m:oMath>
+                  </m:oMathPara>
+                </a14:m>
+                <a:endParaRPr lang="zh-CN" altLang="en-US" sz="2000" dirty="0"/>
+              </a:p>
+            </p:txBody>
+          </p:sp>
+        </mc:Choice>
+        <mc:Fallback>
+          <p:sp>
+            <p:nvSpPr>
+              <p:cNvPr id="3" name="文本框 2"/>
+              <p:cNvSpPr txBox="1">
+                <a:spLocks noRot="1" noChangeAspect="1" noMove="1" noResize="1" noEditPoints="1" noAdjustHandles="1" noChangeArrowheads="1" noChangeShapeType="1" noTextEdit="1"/>
+              </p:cNvSpPr>
+              <p:nvPr/>
+            </p:nvSpPr>
+            <p:spPr>
+              <a:xfrm>
+                <a:off x="2566685" y="3751335"/>
+                <a:ext cx="4273349" cy="795474"/>
+              </a:xfrm>
+              <a:prstGeom prst="rect">
+                <a:avLst/>
+              </a:prstGeom>
+              <a:blipFill rotWithShape="0">
+                <a:blip r:embed="rId2"/>
+                <a:stretch>
+                  <a:fillRect/>
+                </a:stretch>
+              </a:blipFill>
+            </p:spPr>
+            <p:txBody>
+              <a:bodyPr/>
+              <a:lstStyle/>
+              <a:p>
+                <a:r>
+                  <a:rPr lang="zh-CN" altLang="en-US">
+                    <a:noFill/>
+                  </a:rPr>
+                  <a:t> </a:t>
+                </a:r>
+              </a:p>
+            </p:txBody>
+          </p:sp>
+        </mc:Fallback>
+      </mc:AlternateContent>
+    </p:spTree>
+    <p:extLst>
+      <p:ext uri="{BB962C8B-B14F-4D97-AF65-F5344CB8AC3E}">
+        <p14:creationId xmlns:p14="http://schemas.microsoft.com/office/powerpoint/2010/main" val="314157135"/>
+      </p:ext>
+    </p:extLst>
+  </p:cSld>
+  <p:clrMapOvr>
+    <a:masterClrMapping/>
+  </p:clrMapOvr>
+  <mc:AlternateContent xmlns:mc="http://schemas.openxmlformats.org/markup-compatibility/2006">
+    <mc:Choice xmlns:p14="http://schemas.microsoft.com/office/powerpoint/2010/main" Requires="p14">
+      <p:transition p14:dur="0"/>
+    </mc:Choice>
+    <mc:Fallback>
+      <p:transition/>
     </mc:Fallback>
   </mc:AlternateContent>
   <p:timing>
@@ -11144,14 +12410,6 @@
               </a:rPr>
               <a:t>Opinion Aware IM</a:t>
             </a:r>
-            <a:endParaRPr lang="en-US" altLang="zh-CN" sz="2000" dirty="0">
-              <a:solidFill>
-                <a:schemeClr val="tx1"/>
-              </a:solidFill>
-              <a:latin typeface="微软雅黑" panose="020B0503020204020204" pitchFamily="34" charset="-122"/>
-              <a:ea typeface="微软雅黑" panose="020B0503020204020204" pitchFamily="34" charset="-122"/>
-              <a:cs typeface="Arial" panose="020B0604020202020204" pitchFamily="34" charset="0"/>
-            </a:endParaRPr>
           </a:p>
         </p:txBody>
       </p:sp>
@@ -11206,14 +12464,6 @@
               </a:rPr>
               <a:t>MEO</a:t>
             </a:r>
-            <a:endParaRPr lang="en-US" altLang="zh-CN" sz="2000" dirty="0">
-              <a:solidFill>
-                <a:schemeClr val="tx1"/>
-              </a:solidFill>
-              <a:latin typeface="微软雅黑" panose="020B0503020204020204" pitchFamily="34" charset="-122"/>
-              <a:ea typeface="微软雅黑" panose="020B0503020204020204" pitchFamily="34" charset="-122"/>
-              <a:cs typeface="Arial" panose="020B0604020202020204" pitchFamily="34" charset="0"/>
-            </a:endParaRPr>
           </a:p>
         </p:txBody>
       </p:sp>
@@ -11415,15 +12665,15 @@
   <p:clrMapOvr>
     <a:masterClrMapping/>
   </p:clrMapOvr>
-  <mc:AlternateContent xmlns:mc="http://schemas.openxmlformats.org/markup-compatibility/2006" xmlns:p14="http://schemas.microsoft.com/office/powerpoint/2010/main">
-    <mc:Choice Requires="p14">
-      <p:transition spd="slow" p14:dur="800">
-        <p:circle/>
+  <mc:AlternateContent xmlns:mc="http://schemas.openxmlformats.org/markup-compatibility/2006">
+    <mc:Choice xmlns:p14="http://schemas.microsoft.com/office/powerpoint/2010/main" Requires="p14">
+      <p:transition spd="med" p14:dur="700">
+        <p:fade/>
       </p:transition>
     </mc:Choice>
-    <mc:Fallback xmlns="">
-      <p:transition spd="slow">
-        <p:circle/>
+    <mc:Fallback>
+      <p:transition spd="med">
+        <p:fade/>
       </p:transition>
     </mc:Fallback>
   </mc:AlternateContent>
@@ -13561,12 +14811,16 @@
   <p:clrMapOvr>
     <a:masterClrMapping/>
   </p:clrMapOvr>
-  <mc:AlternateContent xmlns:mc="http://schemas.openxmlformats.org/markup-compatibility/2006" xmlns:p14="http://schemas.microsoft.com/office/powerpoint/2010/main">
-    <mc:Choice Requires="p14">
-      <p:transition p14:dur="10"/>
+  <mc:AlternateContent xmlns:mc="http://schemas.openxmlformats.org/markup-compatibility/2006">
+    <mc:Choice xmlns:p14="http://schemas.microsoft.com/office/powerpoint/2010/main" Requires="p14">
+      <p:transition spd="med" p14:dur="700">
+        <p:fade/>
+      </p:transition>
     </mc:Choice>
-    <mc:Fallback xmlns="">
-      <p:transition/>
+    <mc:Fallback>
+      <p:transition spd="med">
+        <p:fade/>
+      </p:transition>
     </mc:Fallback>
   </mc:AlternateContent>
   <p:timing>
@@ -15547,13 +16801,13 @@
   <p:clrMapOvr>
     <a:masterClrMapping/>
   </p:clrMapOvr>
-  <mc:AlternateContent xmlns:mc="http://schemas.openxmlformats.org/markup-compatibility/2006" xmlns:p14="http://schemas.microsoft.com/office/powerpoint/2010/main">
-    <mc:Choice Requires="p14">
+  <mc:AlternateContent xmlns:mc="http://schemas.openxmlformats.org/markup-compatibility/2006">
+    <mc:Choice xmlns:p14="http://schemas.microsoft.com/office/powerpoint/2010/main" Requires="p14">
       <p:transition spd="med" p14:dur="700">
         <p:fade/>
       </p:transition>
     </mc:Choice>
-    <mc:Fallback xmlns="">
+    <mc:Fallback>
       <p:transition spd="med">
         <p:fade/>
       </p:transition>
@@ -18739,12 +19993,16 @@
   <p:clrMapOvr>
     <a:masterClrMapping/>
   </p:clrMapOvr>
-  <mc:AlternateContent xmlns:mc="http://schemas.openxmlformats.org/markup-compatibility/2006" xmlns:p14="http://schemas.microsoft.com/office/powerpoint/2010/main">
-    <mc:Choice Requires="p14">
-      <p:transition p14:dur="0"/>
+  <mc:AlternateContent xmlns:mc="http://schemas.openxmlformats.org/markup-compatibility/2006">
+    <mc:Choice xmlns:p14="http://schemas.microsoft.com/office/powerpoint/2010/main" Requires="p14">
+      <p:transition spd="med" p14:dur="700">
+        <p:fade/>
+      </p:transition>
     </mc:Choice>
-    <mc:Fallback xmlns="">
-      <p:transition/>
+    <mc:Fallback>
+      <p:transition spd="med">
+        <p:fade/>
+      </p:transition>
     </mc:Fallback>
   </mc:AlternateContent>
   <p:timing>
@@ -18973,7 +20231,7 @@
                             </p:stCondLst>
                             <p:childTnLst>
                               <p:par>
-                                <p:cTn id="22" presetID="15" presetClass="entr" presetSubtype="0" fill="hold" nodeType="clickEffect">
+                                <p:cTn id="22" presetID="10" presetClass="entr" presetSubtype="0" fill="hold" nodeType="clickEffect">
                                   <p:stCondLst>
                                     <p:cond delay="0"/>
                                   </p:stCondLst>
@@ -18996,98 +20254,14 @@
                                         <p:strVal val="visible"/>
                                       </p:to>
                                     </p:set>
-                                    <p:anim calcmode="lin" valueType="num">
+                                    <p:animEffect transition="in" filter="fade">
                                       <p:cBhvr>
-                                        <p:cTn id="24" dur="750" fill="hold"/>
+                                        <p:cTn id="24" dur="250"/>
                                         <p:tgtEl>
                                           <p:spTgt spid="17"/>
                                         </p:tgtEl>
-                                        <p:attrNameLst>
-                                          <p:attrName>ppt_w</p:attrName>
-                                        </p:attrNameLst>
                                       </p:cBhvr>
-                                      <p:tavLst>
-                                        <p:tav tm="0">
-                                          <p:val>
-                                            <p:fltVal val="0"/>
-                                          </p:val>
-                                        </p:tav>
-                                        <p:tav tm="100000">
-                                          <p:val>
-                                            <p:strVal val="#ppt_w"/>
-                                          </p:val>
-                                        </p:tav>
-                                      </p:tavLst>
-                                    </p:anim>
-                                    <p:anim calcmode="lin" valueType="num">
-                                      <p:cBhvr>
-                                        <p:cTn id="25" dur="750" fill="hold"/>
-                                        <p:tgtEl>
-                                          <p:spTgt spid="17"/>
-                                        </p:tgtEl>
-                                        <p:attrNameLst>
-                                          <p:attrName>ppt_h</p:attrName>
-                                        </p:attrNameLst>
-                                      </p:cBhvr>
-                                      <p:tavLst>
-                                        <p:tav tm="0">
-                                          <p:val>
-                                            <p:fltVal val="0"/>
-                                          </p:val>
-                                        </p:tav>
-                                        <p:tav tm="100000">
-                                          <p:val>
-                                            <p:strVal val="#ppt_h"/>
-                                          </p:val>
-                                        </p:tav>
-                                      </p:tavLst>
-                                    </p:anim>
-                                    <p:anim calcmode="lin" valueType="num">
-                                      <p:cBhvr>
-                                        <p:cTn id="26" dur="750" fill="hold"/>
-                                        <p:tgtEl>
-                                          <p:spTgt spid="17"/>
-                                        </p:tgtEl>
-                                        <p:attrNameLst>
-                                          <p:attrName>ppt_x</p:attrName>
-                                        </p:attrNameLst>
-                                      </p:cBhvr>
-                                      <p:tavLst>
-                                        <p:tav tm="0" fmla="#ppt_x+(cos(-2*pi*(1-$))*-#ppt_x-sin(-2*pi*(1-$))*(1-#ppt_y))*(1-$)">
-                                          <p:val>
-                                            <p:fltVal val="0"/>
-                                          </p:val>
-                                        </p:tav>
-                                        <p:tav tm="100000">
-                                          <p:val>
-                                            <p:fltVal val="1"/>
-                                          </p:val>
-                                        </p:tav>
-                                      </p:tavLst>
-                                    </p:anim>
-                                    <p:anim calcmode="lin" valueType="num">
-                                      <p:cBhvr>
-                                        <p:cTn id="27" dur="750" fill="hold"/>
-                                        <p:tgtEl>
-                                          <p:spTgt spid="17"/>
-                                        </p:tgtEl>
-                                        <p:attrNameLst>
-                                          <p:attrName>ppt_y</p:attrName>
-                                        </p:attrNameLst>
-                                      </p:cBhvr>
-                                      <p:tavLst>
-                                        <p:tav tm="0" fmla="#ppt_y+(sin(-2*pi*(1-$))*-#ppt_x+cos(-2*pi*(1-$))*(1-#ppt_y))*(1-$)">
-                                          <p:val>
-                                            <p:fltVal val="0"/>
-                                          </p:val>
-                                        </p:tav>
-                                        <p:tav tm="100000">
-                                          <p:val>
-                                            <p:fltVal val="1"/>
-                                          </p:val>
-                                        </p:tav>
-                                      </p:tavLst>
-                                    </p:anim>
+                                    </p:animEffect>
                                   </p:childTnLst>
                                 </p:cTn>
                               </p:par>
@@ -19095,20 +20269,20 @@
                           </p:cTn>
                         </p:par>
                         <p:par>
-                          <p:cTn id="28" fill="hold">
+                          <p:cTn id="25" fill="hold">
                             <p:stCondLst>
-                              <p:cond delay="750"/>
+                              <p:cond delay="250"/>
                             </p:stCondLst>
                             <p:childTnLst>
                               <p:par>
-                                <p:cTn id="29" presetID="15" presetClass="entr" presetSubtype="0" fill="hold" nodeType="afterEffect">
+                                <p:cTn id="26" presetID="10" presetClass="entr" presetSubtype="0" fill="hold" nodeType="afterEffect">
                                   <p:stCondLst>
                                     <p:cond delay="0"/>
                                   </p:stCondLst>
                                   <p:childTnLst>
                                     <p:set>
                                       <p:cBhvr>
-                                        <p:cTn id="30" dur="1" fill="hold">
+                                        <p:cTn id="27" dur="1" fill="hold">
                                           <p:stCondLst>
                                             <p:cond delay="0"/>
                                           </p:stCondLst>
@@ -19124,98 +20298,14 @@
                                         <p:strVal val="visible"/>
                                       </p:to>
                                     </p:set>
-                                    <p:anim calcmode="lin" valueType="num">
+                                    <p:animEffect transition="in" filter="fade">
                                       <p:cBhvr>
-                                        <p:cTn id="31" dur="750" fill="hold"/>
+                                        <p:cTn id="28" dur="250"/>
                                         <p:tgtEl>
                                           <p:spTgt spid="18"/>
                                         </p:tgtEl>
-                                        <p:attrNameLst>
-                                          <p:attrName>ppt_w</p:attrName>
-                                        </p:attrNameLst>
                                       </p:cBhvr>
-                                      <p:tavLst>
-                                        <p:tav tm="0">
-                                          <p:val>
-                                            <p:fltVal val="0"/>
-                                          </p:val>
-                                        </p:tav>
-                                        <p:tav tm="100000">
-                                          <p:val>
-                                            <p:strVal val="#ppt_w"/>
-                                          </p:val>
-                                        </p:tav>
-                                      </p:tavLst>
-                                    </p:anim>
-                                    <p:anim calcmode="lin" valueType="num">
-                                      <p:cBhvr>
-                                        <p:cTn id="32" dur="750" fill="hold"/>
-                                        <p:tgtEl>
-                                          <p:spTgt spid="18"/>
-                                        </p:tgtEl>
-                                        <p:attrNameLst>
-                                          <p:attrName>ppt_h</p:attrName>
-                                        </p:attrNameLst>
-                                      </p:cBhvr>
-                                      <p:tavLst>
-                                        <p:tav tm="0">
-                                          <p:val>
-                                            <p:fltVal val="0"/>
-                                          </p:val>
-                                        </p:tav>
-                                        <p:tav tm="100000">
-                                          <p:val>
-                                            <p:strVal val="#ppt_h"/>
-                                          </p:val>
-                                        </p:tav>
-                                      </p:tavLst>
-                                    </p:anim>
-                                    <p:anim calcmode="lin" valueType="num">
-                                      <p:cBhvr>
-                                        <p:cTn id="33" dur="750" fill="hold"/>
-                                        <p:tgtEl>
-                                          <p:spTgt spid="18"/>
-                                        </p:tgtEl>
-                                        <p:attrNameLst>
-                                          <p:attrName>ppt_x</p:attrName>
-                                        </p:attrNameLst>
-                                      </p:cBhvr>
-                                      <p:tavLst>
-                                        <p:tav tm="0" fmla="#ppt_x+(cos(-2*pi*(1-$))*-#ppt_x-sin(-2*pi*(1-$))*(1-#ppt_y))*(1-$)">
-                                          <p:val>
-                                            <p:fltVal val="0"/>
-                                          </p:val>
-                                        </p:tav>
-                                        <p:tav tm="100000">
-                                          <p:val>
-                                            <p:fltVal val="1"/>
-                                          </p:val>
-                                        </p:tav>
-                                      </p:tavLst>
-                                    </p:anim>
-                                    <p:anim calcmode="lin" valueType="num">
-                                      <p:cBhvr>
-                                        <p:cTn id="34" dur="750" fill="hold"/>
-                                        <p:tgtEl>
-                                          <p:spTgt spid="18"/>
-                                        </p:tgtEl>
-                                        <p:attrNameLst>
-                                          <p:attrName>ppt_y</p:attrName>
-                                        </p:attrNameLst>
-                                      </p:cBhvr>
-                                      <p:tavLst>
-                                        <p:tav tm="0" fmla="#ppt_y+(sin(-2*pi*(1-$))*-#ppt_x+cos(-2*pi*(1-$))*(1-#ppt_y))*(1-$)">
-                                          <p:val>
-                                            <p:fltVal val="0"/>
-                                          </p:val>
-                                        </p:tav>
-                                        <p:tav tm="100000">
-                                          <p:val>
-                                            <p:fltVal val="1"/>
-                                          </p:val>
-                                        </p:tav>
-                                      </p:tavLst>
-                                    </p:anim>
+                                    </p:animEffect>
                                   </p:childTnLst>
                                 </p:cTn>
                               </p:par>
@@ -19223,20 +20313,20 @@
                           </p:cTn>
                         </p:par>
                         <p:par>
-                          <p:cTn id="35" fill="hold">
+                          <p:cTn id="29" fill="hold">
                             <p:stCondLst>
-                              <p:cond delay="1500"/>
+                              <p:cond delay="500"/>
                             </p:stCondLst>
                             <p:childTnLst>
                               <p:par>
-                                <p:cTn id="36" presetID="15" presetClass="entr" presetSubtype="0" fill="hold" nodeType="afterEffect">
+                                <p:cTn id="30" presetID="10" presetClass="entr" presetSubtype="0" fill="hold" nodeType="afterEffect">
                                   <p:stCondLst>
                                     <p:cond delay="0"/>
                                   </p:stCondLst>
                                   <p:childTnLst>
                                     <p:set>
                                       <p:cBhvr>
-                                        <p:cTn id="37" dur="1" fill="hold">
+                                        <p:cTn id="31" dur="1" fill="hold">
                                           <p:stCondLst>
                                             <p:cond delay="0"/>
                                           </p:stCondLst>
@@ -19252,98 +20342,14 @@
                                         <p:strVal val="visible"/>
                                       </p:to>
                                     </p:set>
-                                    <p:anim calcmode="lin" valueType="num">
+                                    <p:animEffect transition="in" filter="fade">
                                       <p:cBhvr>
-                                        <p:cTn id="38" dur="750" fill="hold"/>
+                                        <p:cTn id="32" dur="250"/>
                                         <p:tgtEl>
                                           <p:spTgt spid="20"/>
                                         </p:tgtEl>
-                                        <p:attrNameLst>
-                                          <p:attrName>ppt_w</p:attrName>
-                                        </p:attrNameLst>
                                       </p:cBhvr>
-                                      <p:tavLst>
-                                        <p:tav tm="0">
-                                          <p:val>
-                                            <p:fltVal val="0"/>
-                                          </p:val>
-                                        </p:tav>
-                                        <p:tav tm="100000">
-                                          <p:val>
-                                            <p:strVal val="#ppt_w"/>
-                                          </p:val>
-                                        </p:tav>
-                                      </p:tavLst>
-                                    </p:anim>
-                                    <p:anim calcmode="lin" valueType="num">
-                                      <p:cBhvr>
-                                        <p:cTn id="39" dur="750" fill="hold"/>
-                                        <p:tgtEl>
-                                          <p:spTgt spid="20"/>
-                                        </p:tgtEl>
-                                        <p:attrNameLst>
-                                          <p:attrName>ppt_h</p:attrName>
-                                        </p:attrNameLst>
-                                      </p:cBhvr>
-                                      <p:tavLst>
-                                        <p:tav tm="0">
-                                          <p:val>
-                                            <p:fltVal val="0"/>
-                                          </p:val>
-                                        </p:tav>
-                                        <p:tav tm="100000">
-                                          <p:val>
-                                            <p:strVal val="#ppt_h"/>
-                                          </p:val>
-                                        </p:tav>
-                                      </p:tavLst>
-                                    </p:anim>
-                                    <p:anim calcmode="lin" valueType="num">
-                                      <p:cBhvr>
-                                        <p:cTn id="40" dur="750" fill="hold"/>
-                                        <p:tgtEl>
-                                          <p:spTgt spid="20"/>
-                                        </p:tgtEl>
-                                        <p:attrNameLst>
-                                          <p:attrName>ppt_x</p:attrName>
-                                        </p:attrNameLst>
-                                      </p:cBhvr>
-                                      <p:tavLst>
-                                        <p:tav tm="0" fmla="#ppt_x+(cos(-2*pi*(1-$))*-#ppt_x-sin(-2*pi*(1-$))*(1-#ppt_y))*(1-$)">
-                                          <p:val>
-                                            <p:fltVal val="0"/>
-                                          </p:val>
-                                        </p:tav>
-                                        <p:tav tm="100000">
-                                          <p:val>
-                                            <p:fltVal val="1"/>
-                                          </p:val>
-                                        </p:tav>
-                                      </p:tavLst>
-                                    </p:anim>
-                                    <p:anim calcmode="lin" valueType="num">
-                                      <p:cBhvr>
-                                        <p:cTn id="41" dur="750" fill="hold"/>
-                                        <p:tgtEl>
-                                          <p:spTgt spid="20"/>
-                                        </p:tgtEl>
-                                        <p:attrNameLst>
-                                          <p:attrName>ppt_y</p:attrName>
-                                        </p:attrNameLst>
-                                      </p:cBhvr>
-                                      <p:tavLst>
-                                        <p:tav tm="0" fmla="#ppt_y+(sin(-2*pi*(1-$))*-#ppt_x+cos(-2*pi*(1-$))*(1-#ppt_y))*(1-$)">
-                                          <p:val>
-                                            <p:fltVal val="0"/>
-                                          </p:val>
-                                        </p:tav>
-                                        <p:tav tm="100000">
-                                          <p:val>
-                                            <p:fltVal val="1"/>
-                                          </p:val>
-                                        </p:tav>
-                                      </p:tavLst>
-                                    </p:anim>
+                                    </p:animEffect>
                                   </p:childTnLst>
                                 </p:cTn>
                               </p:par>
@@ -19354,26 +20360,26 @@
                     </p:cTn>
                   </p:par>
                   <p:par>
-                    <p:cTn id="42" fill="hold">
+                    <p:cTn id="33" fill="hold">
                       <p:stCondLst>
                         <p:cond delay="indefinite"/>
                       </p:stCondLst>
                       <p:childTnLst>
                         <p:par>
-                          <p:cTn id="43" fill="hold">
+                          <p:cTn id="34" fill="hold">
                             <p:stCondLst>
                               <p:cond delay="0"/>
                             </p:stCondLst>
                             <p:childTnLst>
                               <p:par>
-                                <p:cTn id="44" presetID="10" presetClass="entr" presetSubtype="0" fill="hold" nodeType="clickEffect">
+                                <p:cTn id="35" presetID="10" presetClass="entr" presetSubtype="0" fill="hold" nodeType="clickEffect">
                                   <p:stCondLst>
                                     <p:cond delay="0"/>
                                   </p:stCondLst>
                                   <p:childTnLst>
                                     <p:set>
                                       <p:cBhvr>
-                                        <p:cTn id="45" dur="1" fill="hold">
+                                        <p:cTn id="36" dur="1" fill="hold">
                                           <p:stCondLst>
                                             <p:cond delay="0"/>
                                           </p:stCondLst>
@@ -19391,7 +20397,7 @@
                                     </p:set>
                                     <p:animEffect transition="in" filter="fade">
                                       <p:cBhvr>
-                                        <p:cTn id="46" dur="500"/>
+                                        <p:cTn id="37" dur="500"/>
                                         <p:tgtEl>
                                           <p:spTgt spid="8"/>
                                         </p:tgtEl>
@@ -19407,26 +20413,26 @@
                     </p:cTn>
                   </p:par>
                   <p:par>
-                    <p:cTn id="47" fill="hold">
+                    <p:cTn id="38" fill="hold">
                       <p:stCondLst>
                         <p:cond delay="indefinite"/>
                       </p:stCondLst>
                       <p:childTnLst>
                         <p:par>
-                          <p:cTn id="48" fill="hold">
+                          <p:cTn id="39" fill="hold">
                             <p:stCondLst>
                               <p:cond delay="0"/>
                             </p:stCondLst>
                             <p:childTnLst>
                               <p:par>
-                                <p:cTn id="49" presetID="42" presetClass="entr" presetSubtype="0" fill="hold" grpId="0" nodeType="clickEffect">
+                                <p:cTn id="40" presetID="42" presetClass="entr" presetSubtype="0" fill="hold" grpId="0" nodeType="clickEffect">
                                   <p:stCondLst>
                                     <p:cond delay="0"/>
                                   </p:stCondLst>
                                   <p:childTnLst>
                                     <p:set>
                                       <p:cBhvr>
-                                        <p:cTn id="50" dur="1" fill="hold">
+                                        <p:cTn id="41" dur="1" fill="hold">
                                           <p:stCondLst>
                                             <p:cond delay="0"/>
                                           </p:stCondLst>
@@ -19444,7 +20450,7 @@
                                     </p:set>
                                     <p:animEffect transition="in" filter="fade">
                                       <p:cBhvr>
-                                        <p:cTn id="51" dur="500"/>
+                                        <p:cTn id="42" dur="500"/>
                                         <p:tgtEl>
                                           <p:spTgt spid="21"/>
                                         </p:tgtEl>
@@ -19452,7 +20458,7 @@
                                     </p:animEffect>
                                     <p:anim calcmode="lin" valueType="num">
                                       <p:cBhvr>
-                                        <p:cTn id="52" dur="500" fill="hold"/>
+                                        <p:cTn id="43" dur="500" fill="hold"/>
                                         <p:tgtEl>
                                           <p:spTgt spid="21"/>
                                         </p:tgtEl>
@@ -19475,7 +20481,7 @@
                                     </p:anim>
                                     <p:anim calcmode="lin" valueType="num">
                                       <p:cBhvr>
-                                        <p:cTn id="53" dur="500" fill="hold"/>
+                                        <p:cTn id="44" dur="500" fill="hold"/>
                                         <p:tgtEl>
                                           <p:spTgt spid="21"/>
                                         </p:tgtEl>
@@ -19506,26 +20512,26 @@
                     </p:cTn>
                   </p:par>
                   <p:par>
-                    <p:cTn id="54" fill="hold">
+                    <p:cTn id="45" fill="hold">
                       <p:stCondLst>
                         <p:cond delay="indefinite"/>
                       </p:stCondLst>
                       <p:childTnLst>
                         <p:par>
-                          <p:cTn id="55" fill="hold">
+                          <p:cTn id="46" fill="hold">
                             <p:stCondLst>
                               <p:cond delay="0"/>
                             </p:stCondLst>
                             <p:childTnLst>
                               <p:par>
-                                <p:cTn id="56" presetID="37" presetClass="exit" presetSubtype="0" fill="hold" nodeType="clickEffect">
+                                <p:cTn id="47" presetID="37" presetClass="exit" presetSubtype="0" fill="hold" nodeType="clickEffect">
                                   <p:stCondLst>
                                     <p:cond delay="0"/>
                                   </p:stCondLst>
                                   <p:childTnLst>
                                     <p:animEffect transition="out" filter="fade">
                                       <p:cBhvr>
-                                        <p:cTn id="57" dur="500"/>
+                                        <p:cTn id="48" dur="500"/>
                                         <p:tgtEl>
                                           <p:spTgt spid="17"/>
                                         </p:tgtEl>
@@ -19533,7 +20539,7 @@
                                     </p:animEffect>
                                     <p:anim calcmode="lin" valueType="num">
                                       <p:cBhvr>
-                                        <p:cTn id="58" dur="500"/>
+                                        <p:cTn id="49" dur="500"/>
                                         <p:tgtEl>
                                           <p:spTgt spid="17"/>
                                         </p:tgtEl>
@@ -19556,7 +20562,7 @@
                                     </p:anim>
                                     <p:anim calcmode="lin" valueType="num">
                                       <p:cBhvr>
-                                        <p:cTn id="59" dur="50" decel="100000"/>
+                                        <p:cTn id="50" dur="50" decel="100000"/>
                                         <p:tgtEl>
                                           <p:spTgt spid="17"/>
                                         </p:tgtEl>
@@ -19579,7 +20585,7 @@
                                     </p:anim>
                                     <p:anim calcmode="lin" valueType="num">
                                       <p:cBhvr>
-                                        <p:cTn id="60" dur="450" accel="100000">
+                                        <p:cTn id="51" dur="450" accel="100000">
                                           <p:stCondLst>
                                             <p:cond delay="50"/>
                                           </p:stCondLst>
@@ -19606,7 +20612,7 @@
                                     </p:anim>
                                     <p:set>
                                       <p:cBhvr>
-                                        <p:cTn id="61" dur="1" fill="hold">
+                                        <p:cTn id="52" dur="1" fill="hold">
                                           <p:stCondLst>
                                             <p:cond delay="499"/>
                                           </p:stCondLst>
@@ -19626,14 +20632,14 @@
                                 </p:cTn>
                               </p:par>
                               <p:par>
-                                <p:cTn id="62" presetID="37" presetClass="exit" presetSubtype="0" fill="hold" nodeType="withEffect">
+                                <p:cTn id="53" presetID="37" presetClass="exit" presetSubtype="0" fill="hold" nodeType="withEffect">
                                   <p:stCondLst>
                                     <p:cond delay="0"/>
                                   </p:stCondLst>
                                   <p:childTnLst>
                                     <p:animEffect transition="out" filter="fade">
                                       <p:cBhvr>
-                                        <p:cTn id="63" dur="750"/>
+                                        <p:cTn id="54" dur="750"/>
                                         <p:tgtEl>
                                           <p:spTgt spid="18"/>
                                         </p:tgtEl>
@@ -19641,7 +20647,7 @@
                                     </p:animEffect>
                                     <p:anim calcmode="lin" valueType="num">
                                       <p:cBhvr>
-                                        <p:cTn id="64" dur="750"/>
+                                        <p:cTn id="55" dur="750"/>
                                         <p:tgtEl>
                                           <p:spTgt spid="18"/>
                                         </p:tgtEl>
@@ -19664,7 +20670,7 @@
                                     </p:anim>
                                     <p:anim calcmode="lin" valueType="num">
                                       <p:cBhvr>
-                                        <p:cTn id="65" dur="75" decel="100000"/>
+                                        <p:cTn id="56" dur="75" decel="100000"/>
                                         <p:tgtEl>
                                           <p:spTgt spid="18"/>
                                         </p:tgtEl>
@@ -19687,7 +20693,7 @@
                                     </p:anim>
                                     <p:anim calcmode="lin" valueType="num">
                                       <p:cBhvr>
-                                        <p:cTn id="66" dur="675" accel="100000">
+                                        <p:cTn id="57" dur="675" accel="100000">
                                           <p:stCondLst>
                                             <p:cond delay="75"/>
                                           </p:stCondLst>
@@ -19714,7 +20720,7 @@
                                     </p:anim>
                                     <p:set>
                                       <p:cBhvr>
-                                        <p:cTn id="67" dur="1" fill="hold">
+                                        <p:cTn id="58" dur="1" fill="hold">
                                           <p:stCondLst>
                                             <p:cond delay="749"/>
                                           </p:stCondLst>
@@ -19734,14 +20740,14 @@
                                 </p:cTn>
                               </p:par>
                               <p:par>
-                                <p:cTn id="68" presetID="37" presetClass="exit" presetSubtype="0" fill="hold" nodeType="withEffect">
+                                <p:cTn id="59" presetID="37" presetClass="exit" presetSubtype="0" fill="hold" nodeType="withEffect">
                                   <p:stCondLst>
                                     <p:cond delay="0"/>
                                   </p:stCondLst>
                                   <p:childTnLst>
                                     <p:animEffect transition="out" filter="fade">
                                       <p:cBhvr>
-                                        <p:cTn id="69" dur="1000"/>
+                                        <p:cTn id="60" dur="1000"/>
                                         <p:tgtEl>
                                           <p:spTgt spid="20"/>
                                         </p:tgtEl>
@@ -19749,7 +20755,7 @@
                                     </p:animEffect>
                                     <p:anim calcmode="lin" valueType="num">
                                       <p:cBhvr>
-                                        <p:cTn id="70" dur="1000"/>
+                                        <p:cTn id="61" dur="1000"/>
                                         <p:tgtEl>
                                           <p:spTgt spid="20"/>
                                         </p:tgtEl>
@@ -19772,7 +20778,7 @@
                                     </p:anim>
                                     <p:anim calcmode="lin" valueType="num">
                                       <p:cBhvr>
-                                        <p:cTn id="71" dur="100" decel="100000"/>
+                                        <p:cTn id="62" dur="100" decel="100000"/>
                                         <p:tgtEl>
                                           <p:spTgt spid="20"/>
                                         </p:tgtEl>
@@ -19795,7 +20801,7 @@
                                     </p:anim>
                                     <p:anim calcmode="lin" valueType="num">
                                       <p:cBhvr>
-                                        <p:cTn id="72" dur="900" accel="100000">
+                                        <p:cTn id="63" dur="900" accel="100000">
                                           <p:stCondLst>
                                             <p:cond delay="100"/>
                                           </p:stCondLst>
@@ -19822,7 +20828,7 @@
                                     </p:anim>
                                     <p:set>
                                       <p:cBhvr>
-                                        <p:cTn id="73" dur="1" fill="hold">
+                                        <p:cTn id="64" dur="1" fill="hold">
                                           <p:stCondLst>
                                             <p:cond delay="999"/>
                                           </p:stCondLst>
@@ -19848,26 +20854,26 @@
                     </p:cTn>
                   </p:par>
                   <p:par>
-                    <p:cTn id="74" fill="hold">
+                    <p:cTn id="65" fill="hold">
                       <p:stCondLst>
                         <p:cond delay="indefinite"/>
                       </p:stCondLst>
                       <p:childTnLst>
                         <p:par>
-                          <p:cTn id="75" fill="hold">
+                          <p:cTn id="66" fill="hold">
                             <p:stCondLst>
                               <p:cond delay="0"/>
                             </p:stCondLst>
                             <p:childTnLst>
                               <p:par>
-                                <p:cTn id="76" presetID="42" presetClass="entr" presetSubtype="0" fill="hold" grpId="0" nodeType="clickEffect">
+                                <p:cTn id="67" presetID="42" presetClass="entr" presetSubtype="0" fill="hold" grpId="0" nodeType="clickEffect">
                                   <p:stCondLst>
                                     <p:cond delay="0"/>
                                   </p:stCondLst>
                                   <p:childTnLst>
                                     <p:set>
                                       <p:cBhvr>
-                                        <p:cTn id="77" dur="1" fill="hold">
+                                        <p:cTn id="68" dur="1" fill="hold">
                                           <p:stCondLst>
                                             <p:cond delay="0"/>
                                           </p:stCondLst>
@@ -19885,7 +20891,7 @@
                                     </p:set>
                                     <p:animEffect transition="in" filter="fade">
                                       <p:cBhvr>
-                                        <p:cTn id="78" dur="500"/>
+                                        <p:cTn id="69" dur="500"/>
                                         <p:tgtEl>
                                           <p:spTgt spid="45"/>
                                         </p:tgtEl>
@@ -19893,7 +20899,7 @@
                                     </p:animEffect>
                                     <p:anim calcmode="lin" valueType="num">
                                       <p:cBhvr>
-                                        <p:cTn id="79" dur="500" fill="hold"/>
+                                        <p:cTn id="70" dur="500" fill="hold"/>
                                         <p:tgtEl>
                                           <p:spTgt spid="45"/>
                                         </p:tgtEl>
@@ -19916,7 +20922,7 @@
                                     </p:anim>
                                     <p:anim calcmode="lin" valueType="num">
                                       <p:cBhvr>
-                                        <p:cTn id="80" dur="500" fill="hold"/>
+                                        <p:cTn id="71" dur="500" fill="hold"/>
                                         <p:tgtEl>
                                           <p:spTgt spid="45"/>
                                         </p:tgtEl>
@@ -19947,26 +20953,26 @@
                     </p:cTn>
                   </p:par>
                   <p:par>
-                    <p:cTn id="81" fill="hold">
+                    <p:cTn id="72" fill="hold">
                       <p:stCondLst>
                         <p:cond delay="indefinite"/>
                       </p:stCondLst>
                       <p:childTnLst>
                         <p:par>
-                          <p:cTn id="82" fill="hold">
+                          <p:cTn id="73" fill="hold">
                             <p:stCondLst>
                               <p:cond delay="0"/>
                             </p:stCondLst>
                             <p:childTnLst>
                               <p:par>
-                                <p:cTn id="83" presetID="42" presetClass="entr" presetSubtype="0" fill="hold" grpId="0" nodeType="clickEffect">
+                                <p:cTn id="74" presetID="42" presetClass="entr" presetSubtype="0" fill="hold" grpId="0" nodeType="clickEffect">
                                   <p:stCondLst>
                                     <p:cond delay="0"/>
                                   </p:stCondLst>
                                   <p:childTnLst>
                                     <p:set>
                                       <p:cBhvr>
-                                        <p:cTn id="84" dur="1" fill="hold">
+                                        <p:cTn id="75" dur="1" fill="hold">
                                           <p:stCondLst>
                                             <p:cond delay="0"/>
                                           </p:stCondLst>
@@ -19984,7 +20990,7 @@
                                     </p:set>
                                     <p:animEffect transition="in" filter="fade">
                                       <p:cBhvr>
-                                        <p:cTn id="85" dur="500"/>
+                                        <p:cTn id="76" dur="500"/>
                                         <p:tgtEl>
                                           <p:spTgt spid="49"/>
                                         </p:tgtEl>
@@ -19992,7 +20998,7 @@
                                     </p:animEffect>
                                     <p:anim calcmode="lin" valueType="num">
                                       <p:cBhvr>
-                                        <p:cTn id="86" dur="500" fill="hold"/>
+                                        <p:cTn id="77" dur="500" fill="hold"/>
                                         <p:tgtEl>
                                           <p:spTgt spid="49"/>
                                         </p:tgtEl>
@@ -20015,7 +21021,7 @@
                                     </p:anim>
                                     <p:anim calcmode="lin" valueType="num">
                                       <p:cBhvr>
-                                        <p:cTn id="87" dur="500" fill="hold"/>
+                                        <p:cTn id="78" dur="500" fill="hold"/>
                                         <p:tgtEl>
                                           <p:spTgt spid="49"/>
                                         </p:tgtEl>
@@ -20046,26 +21052,26 @@
                     </p:cTn>
                   </p:par>
                   <p:par>
-                    <p:cTn id="88" fill="hold">
+                    <p:cTn id="79" fill="hold">
                       <p:stCondLst>
                         <p:cond delay="indefinite"/>
                       </p:stCondLst>
                       <p:childTnLst>
                         <p:par>
-                          <p:cTn id="89" fill="hold">
+                          <p:cTn id="80" fill="hold">
                             <p:stCondLst>
                               <p:cond delay="0"/>
                             </p:stCondLst>
                             <p:childTnLst>
                               <p:par>
-                                <p:cTn id="90" presetID="53" presetClass="entr" presetSubtype="16" fill="hold" nodeType="clickEffect">
+                                <p:cTn id="81" presetID="53" presetClass="entr" presetSubtype="16" fill="hold" nodeType="clickEffect">
                                   <p:stCondLst>
                                     <p:cond delay="0"/>
                                   </p:stCondLst>
                                   <p:childTnLst>
                                     <p:set>
                                       <p:cBhvr>
-                                        <p:cTn id="91" dur="1" fill="hold">
+                                        <p:cTn id="82" dur="1" fill="hold">
                                           <p:stCondLst>
                                             <p:cond delay="0"/>
                                           </p:stCondLst>
@@ -20083,7 +21089,7 @@
                                     </p:set>
                                     <p:anim calcmode="lin" valueType="num">
                                       <p:cBhvr>
-                                        <p:cTn id="92" dur="500" fill="hold"/>
+                                        <p:cTn id="83" dur="500" fill="hold"/>
                                         <p:tgtEl>
                                           <p:spTgt spid="26"/>
                                         </p:tgtEl>
@@ -20106,7 +21112,7 @@
                                     </p:anim>
                                     <p:anim calcmode="lin" valueType="num">
                                       <p:cBhvr>
-                                        <p:cTn id="93" dur="500" fill="hold"/>
+                                        <p:cTn id="84" dur="500" fill="hold"/>
                                         <p:tgtEl>
                                           <p:spTgt spid="26"/>
                                         </p:tgtEl>
@@ -20129,7 +21135,7 @@
                                     </p:anim>
                                     <p:animEffect transition="in" filter="fade">
                                       <p:cBhvr>
-                                        <p:cTn id="94" dur="500"/>
+                                        <p:cTn id="85" dur="500"/>
                                         <p:tgtEl>
                                           <p:spTgt spid="26"/>
                                         </p:tgtEl>
@@ -20145,26 +21151,26 @@
                     </p:cTn>
                   </p:par>
                   <p:par>
-                    <p:cTn id="95" fill="hold">
+                    <p:cTn id="86" fill="hold">
                       <p:stCondLst>
                         <p:cond delay="indefinite"/>
                       </p:stCondLst>
                       <p:childTnLst>
                         <p:par>
-                          <p:cTn id="96" fill="hold">
+                          <p:cTn id="87" fill="hold">
                             <p:stCondLst>
                               <p:cond delay="0"/>
                             </p:stCondLst>
                             <p:childTnLst>
                               <p:par>
-                                <p:cTn id="97" presetID="10" presetClass="entr" presetSubtype="0" fill="hold" grpId="0" nodeType="clickEffect">
+                                <p:cTn id="88" presetID="10" presetClass="entr" presetSubtype="0" fill="hold" grpId="0" nodeType="clickEffect">
                                   <p:stCondLst>
                                     <p:cond delay="0"/>
                                   </p:stCondLst>
                                   <p:childTnLst>
                                     <p:set>
                                       <p:cBhvr>
-                                        <p:cTn id="98" dur="1" fill="hold">
+                                        <p:cTn id="89" dur="1" fill="hold">
                                           <p:stCondLst>
                                             <p:cond delay="0"/>
                                           </p:stCondLst>
@@ -20182,7 +21188,7 @@
                                     </p:set>
                                     <p:animEffect transition="in" filter="fade">
                                       <p:cBhvr>
-                                        <p:cTn id="99" dur="500"/>
+                                        <p:cTn id="90" dur="500"/>
                                         <p:tgtEl>
                                           <p:spTgt spid="50"/>
                                         </p:tgtEl>
@@ -20192,14 +21198,14 @@
                                 </p:cTn>
                               </p:par>
                               <p:par>
-                                <p:cTn id="100" presetID="10" presetClass="entr" presetSubtype="0" fill="hold" grpId="0" nodeType="withEffect">
+                                <p:cTn id="91" presetID="10" presetClass="entr" presetSubtype="0" fill="hold" grpId="0" nodeType="withEffect">
                                   <p:stCondLst>
                                     <p:cond delay="0"/>
                                   </p:stCondLst>
                                   <p:childTnLst>
                                     <p:set>
                                       <p:cBhvr>
-                                        <p:cTn id="101" dur="1" fill="hold">
+                                        <p:cTn id="92" dur="1" fill="hold">
                                           <p:stCondLst>
                                             <p:cond delay="0"/>
                                           </p:stCondLst>
@@ -20217,7 +21223,7 @@
                                     </p:set>
                                     <p:animEffect transition="in" filter="fade">
                                       <p:cBhvr>
-                                        <p:cTn id="102" dur="500"/>
+                                        <p:cTn id="93" dur="500"/>
                                         <p:tgtEl>
                                           <p:spTgt spid="51"/>
                                         </p:tgtEl>
@@ -20233,26 +21239,26 @@
                     </p:cTn>
                   </p:par>
                   <p:par>
-                    <p:cTn id="103" fill="hold">
+                    <p:cTn id="94" fill="hold">
                       <p:stCondLst>
                         <p:cond delay="indefinite"/>
                       </p:stCondLst>
                       <p:childTnLst>
                         <p:par>
-                          <p:cTn id="104" fill="hold">
+                          <p:cTn id="95" fill="hold">
                             <p:stCondLst>
                               <p:cond delay="0"/>
                             </p:stCondLst>
                             <p:childTnLst>
                               <p:par>
-                                <p:cTn id="105" presetID="10" presetClass="exit" presetSubtype="0" fill="hold" grpId="1" nodeType="clickEffect">
+                                <p:cTn id="96" presetID="10" presetClass="exit" presetSubtype="0" fill="hold" grpId="1" nodeType="clickEffect">
                                   <p:stCondLst>
                                     <p:cond delay="0"/>
                                   </p:stCondLst>
                                   <p:childTnLst>
                                     <p:animEffect transition="out" filter="fade">
                                       <p:cBhvr>
-                                        <p:cTn id="106" dur="500"/>
+                                        <p:cTn id="97" dur="500"/>
                                         <p:tgtEl>
                                           <p:spTgt spid="50"/>
                                         </p:tgtEl>
@@ -20260,7 +21266,7 @@
                                     </p:animEffect>
                                     <p:set>
                                       <p:cBhvr>
-                                        <p:cTn id="107" dur="1" fill="hold">
+                                        <p:cTn id="98" dur="1" fill="hold">
                                           <p:stCondLst>
                                             <p:cond delay="499"/>
                                           </p:stCondLst>
@@ -20280,14 +21286,14 @@
                                 </p:cTn>
                               </p:par>
                               <p:par>
-                                <p:cTn id="108" presetID="10" presetClass="exit" presetSubtype="0" fill="hold" grpId="1" nodeType="withEffect">
+                                <p:cTn id="99" presetID="10" presetClass="exit" presetSubtype="0" fill="hold" grpId="1" nodeType="withEffect">
                                   <p:stCondLst>
                                     <p:cond delay="0"/>
                                   </p:stCondLst>
                                   <p:childTnLst>
                                     <p:animEffect transition="out" filter="fade">
                                       <p:cBhvr>
-                                        <p:cTn id="109" dur="500"/>
+                                        <p:cTn id="100" dur="500"/>
                                         <p:tgtEl>
                                           <p:spTgt spid="51"/>
                                         </p:tgtEl>
@@ -20295,7 +21301,7 @@
                                     </p:animEffect>
                                     <p:set>
                                       <p:cBhvr>
-                                        <p:cTn id="110" dur="1" fill="hold">
+                                        <p:cTn id="101" dur="1" fill="hold">
                                           <p:stCondLst>
                                             <p:cond delay="499"/>
                                           </p:stCondLst>
@@ -20321,26 +21327,26 @@
                     </p:cTn>
                   </p:par>
                   <p:par>
-                    <p:cTn id="111" fill="hold">
+                    <p:cTn id="102" fill="hold">
                       <p:stCondLst>
                         <p:cond delay="indefinite"/>
                       </p:stCondLst>
                       <p:childTnLst>
                         <p:par>
-                          <p:cTn id="112" fill="hold">
+                          <p:cTn id="103" fill="hold">
                             <p:stCondLst>
                               <p:cond delay="0"/>
                             </p:stCondLst>
                             <p:childTnLst>
                               <p:par>
-                                <p:cTn id="113" presetID="42" presetClass="entr" presetSubtype="0" fill="hold" grpId="0" nodeType="clickEffect">
+                                <p:cTn id="104" presetID="42" presetClass="entr" presetSubtype="0" fill="hold" grpId="0" nodeType="clickEffect">
                                   <p:stCondLst>
                                     <p:cond delay="0"/>
                                   </p:stCondLst>
                                   <p:childTnLst>
                                     <p:set>
                                       <p:cBhvr>
-                                        <p:cTn id="114" dur="1" fill="hold">
+                                        <p:cTn id="105" dur="1" fill="hold">
                                           <p:stCondLst>
                                             <p:cond delay="0"/>
                                           </p:stCondLst>
@@ -20358,7 +21364,7 @@
                                     </p:set>
                                     <p:animEffect transition="in" filter="fade">
                                       <p:cBhvr>
-                                        <p:cTn id="115" dur="500"/>
+                                        <p:cTn id="106" dur="500"/>
                                         <p:tgtEl>
                                           <p:spTgt spid="79"/>
                                         </p:tgtEl>
@@ -20366,7 +21372,7 @@
                                     </p:animEffect>
                                     <p:anim calcmode="lin" valueType="num">
                                       <p:cBhvr>
-                                        <p:cTn id="116" dur="500" fill="hold"/>
+                                        <p:cTn id="107" dur="500" fill="hold"/>
                                         <p:tgtEl>
                                           <p:spTgt spid="79"/>
                                         </p:tgtEl>
@@ -20389,7 +21395,7 @@
                                     </p:anim>
                                     <p:anim calcmode="lin" valueType="num">
                                       <p:cBhvr>
-                                        <p:cTn id="117" dur="500" fill="hold"/>
+                                        <p:cTn id="108" dur="500" fill="hold"/>
                                         <p:tgtEl>
                                           <p:spTgt spid="79"/>
                                         </p:tgtEl>
@@ -20420,26 +21426,26 @@
                     </p:cTn>
                   </p:par>
                   <p:par>
-                    <p:cTn id="118" fill="hold">
+                    <p:cTn id="109" fill="hold">
                       <p:stCondLst>
                         <p:cond delay="indefinite"/>
                       </p:stCondLst>
                       <p:childTnLst>
                         <p:par>
-                          <p:cTn id="119" fill="hold">
+                          <p:cTn id="110" fill="hold">
                             <p:stCondLst>
                               <p:cond delay="0"/>
                             </p:stCondLst>
                             <p:childTnLst>
                               <p:par>
-                                <p:cTn id="120" presetID="1" presetClass="emph" presetSubtype="2" fill="hold" nodeType="clickEffect">
+                                <p:cTn id="111" presetID="1" presetClass="emph" presetSubtype="2" fill="hold" nodeType="clickEffect">
                                   <p:stCondLst>
                                     <p:cond delay="0"/>
                                   </p:stCondLst>
                                   <p:childTnLst>
                                     <p:animClr clrSpc="rgb" dir="cw">
                                       <p:cBhvr>
-                                        <p:cTn id="121" dur="250" fill="hold"/>
+                                        <p:cTn id="112" dur="250" fill="hold"/>
                                         <p:tgtEl>
                                           <p:spTgt spid="54"/>
                                         </p:tgtEl>
@@ -20453,7 +21459,7 @@
                                     </p:animClr>
                                     <p:set>
                                       <p:cBhvr>
-                                        <p:cTn id="122" dur="250" fill="hold"/>
+                                        <p:cTn id="113" dur="250" fill="hold"/>
                                         <p:tgtEl>
                                           <p:spTgt spid="54"/>
                                         </p:tgtEl>
@@ -20467,7 +21473,7 @@
                                     </p:set>
                                     <p:set>
                                       <p:cBhvr>
-                                        <p:cTn id="123" dur="250" fill="hold"/>
+                                        <p:cTn id="114" dur="250" fill="hold"/>
                                         <p:tgtEl>
                                           <p:spTgt spid="54"/>
                                         </p:tgtEl>
@@ -20486,20 +21492,20 @@
                           </p:cTn>
                         </p:par>
                         <p:par>
-                          <p:cTn id="124" fill="hold">
+                          <p:cTn id="115" fill="hold">
                             <p:stCondLst>
                               <p:cond delay="250"/>
                             </p:stCondLst>
                             <p:childTnLst>
                               <p:par>
-                                <p:cTn id="125" presetID="7" presetClass="emph" presetSubtype="2" accel="13000" fill="hold" nodeType="afterEffect">
+                                <p:cTn id="116" presetID="7" presetClass="emph" presetSubtype="2" accel="13000" fill="hold" nodeType="afterEffect">
                                   <p:stCondLst>
                                     <p:cond delay="0"/>
                                   </p:stCondLst>
                                   <p:childTnLst>
                                     <p:animClr clrSpc="rgb" dir="cw">
                                       <p:cBhvr>
-                                        <p:cTn id="126" dur="500" fill="hold"/>
+                                        <p:cTn id="117" dur="500" fill="hold"/>
                                         <p:tgtEl>
                                           <p:spTgt spid="60"/>
                                         </p:tgtEl>
@@ -20513,7 +21519,7 @@
                                     </p:animClr>
                                     <p:set>
                                       <p:cBhvr>
-                                        <p:cTn id="127" dur="500" fill="hold"/>
+                                        <p:cTn id="118" dur="500" fill="hold"/>
                                         <p:tgtEl>
                                           <p:spTgt spid="60"/>
                                         </p:tgtEl>
@@ -20535,26 +21541,26 @@
                     </p:cTn>
                   </p:par>
                   <p:par>
-                    <p:cTn id="128" fill="hold">
+                    <p:cTn id="119" fill="hold">
                       <p:stCondLst>
                         <p:cond delay="indefinite"/>
                       </p:stCondLst>
                       <p:childTnLst>
                         <p:par>
-                          <p:cTn id="129" fill="hold">
+                          <p:cTn id="120" fill="hold">
                             <p:stCondLst>
                               <p:cond delay="0"/>
                             </p:stCondLst>
                             <p:childTnLst>
                               <p:par>
-                                <p:cTn id="130" presetID="10" presetClass="entr" presetSubtype="0" fill="hold" grpId="0" nodeType="clickEffect">
+                                <p:cTn id="121" presetID="10" presetClass="entr" presetSubtype="0" fill="hold" grpId="0" nodeType="clickEffect">
                                   <p:stCondLst>
                                     <p:cond delay="0"/>
                                   </p:stCondLst>
                                   <p:childTnLst>
                                     <p:set>
                                       <p:cBhvr>
-                                        <p:cTn id="131" dur="1" fill="hold">
+                                        <p:cTn id="122" dur="1" fill="hold">
                                           <p:stCondLst>
                                             <p:cond delay="0"/>
                                           </p:stCondLst>
@@ -20572,7 +21578,7 @@
                                     </p:set>
                                     <p:animEffect transition="in" filter="fade">
                                       <p:cBhvr>
-                                        <p:cTn id="132" dur="500"/>
+                                        <p:cTn id="123" dur="500"/>
                                         <p:tgtEl>
                                           <p:spTgt spid="27"/>
                                         </p:tgtEl>
@@ -20588,26 +21594,26 @@
                     </p:cTn>
                   </p:par>
                   <p:par>
-                    <p:cTn id="133" fill="hold">
+                    <p:cTn id="124" fill="hold">
                       <p:stCondLst>
                         <p:cond delay="indefinite"/>
                       </p:stCondLst>
                       <p:childTnLst>
                         <p:par>
-                          <p:cTn id="134" fill="hold">
+                          <p:cTn id="125" fill="hold">
                             <p:stCondLst>
                               <p:cond delay="0"/>
                             </p:stCondLst>
                             <p:childTnLst>
                               <p:par>
-                                <p:cTn id="135" presetID="22" presetClass="entr" presetSubtype="8" fill="hold" grpId="0" nodeType="clickEffect">
+                                <p:cTn id="126" presetID="22" presetClass="entr" presetSubtype="8" fill="hold" grpId="0" nodeType="clickEffect">
                                   <p:stCondLst>
                                     <p:cond delay="0"/>
                                   </p:stCondLst>
                                   <p:childTnLst>
                                     <p:set>
                                       <p:cBhvr>
-                                        <p:cTn id="136" dur="1" fill="hold">
+                                        <p:cTn id="127" dur="1" fill="hold">
                                           <p:stCondLst>
                                             <p:cond delay="0"/>
                                           </p:stCondLst>
@@ -20625,7 +21631,7 @@
                                     </p:set>
                                     <p:animEffect transition="in" filter="wipe(left)">
                                       <p:cBhvr>
-                                        <p:cTn id="137" dur="500"/>
+                                        <p:cTn id="128" dur="500"/>
                                         <p:tgtEl>
                                           <p:spTgt spid="28"/>
                                         </p:tgtEl>
@@ -21248,370 +22254,6 @@
           </p:sp>
         </mc:Fallback>
       </mc:AlternateContent>
-      <mc:AlternateContent xmlns:mc="http://schemas.openxmlformats.org/markup-compatibility/2006" xmlns:a14="http://schemas.microsoft.com/office/drawing/2010/main">
-        <mc:Choice Requires="a14">
-          <p:sp>
-            <p:nvSpPr>
-              <p:cNvPr id="5" name="文本框 4"/>
-              <p:cNvSpPr txBox="1"/>
-              <p:nvPr/>
-            </p:nvSpPr>
-            <p:spPr>
-              <a:xfrm>
-                <a:off x="941085" y="4246635"/>
-                <a:ext cx="4273349" cy="795474"/>
-              </a:xfrm>
-              <a:prstGeom prst="rect">
-                <a:avLst/>
-              </a:prstGeom>
-              <a:noFill/>
-            </p:spPr>
-            <p:txBody>
-              <a:bodyPr wrap="none" lIns="0" tIns="0" rIns="0" bIns="0" rtlCol="0">
-                <a:spAutoFit/>
-              </a:bodyPr>
-              <a:lstStyle/>
-              <a:p>
-                <a:pPr/>
-                <a14:m>
-                  <m:oMathPara xmlns:m="http://schemas.openxmlformats.org/officeDocument/2006/math">
-                    <m:oMathParaPr>
-                      <m:jc m:val="centerGroup"/>
-                    </m:oMathParaPr>
-                    <m:oMath xmlns:m="http://schemas.openxmlformats.org/officeDocument/2006/math">
-                      <m:sSubSup>
-                        <m:sSubSupPr>
-                          <m:ctrlPr>
-                            <a:rPr lang="en-US" altLang="zh-CN" sz="2000" i="1">
-                              <a:latin typeface="Cambria Math" panose="02040503050406030204" pitchFamily="18" charset="0"/>
-                            </a:rPr>
-                          </m:ctrlPr>
-                        </m:sSubSupPr>
-                        <m:e>
-                          <m:r>
-                            <a:rPr lang="zh-CN" altLang="en-US" sz="2000" i="1">
-                              <a:latin typeface="Cambria Math" panose="02040503050406030204" pitchFamily="18" charset="0"/>
-                            </a:rPr>
-                            <m:t>𝜎</m:t>
-                          </m:r>
-                        </m:e>
-                        <m:sub/>
-                        <m:sup>
-                          <m:r>
-                            <a:rPr lang="en-US" altLang="zh-CN" sz="2000" i="1">
-                              <a:latin typeface="Cambria Math" panose="02040503050406030204" pitchFamily="18" charset="0"/>
-                            </a:rPr>
-                            <m:t>𝑜</m:t>
-                          </m:r>
-                        </m:sup>
-                      </m:sSubSup>
-                      <m:d>
-                        <m:dPr>
-                          <m:ctrlPr>
-                            <a:rPr lang="en-US" altLang="zh-CN" sz="2000" i="1">
-                              <a:latin typeface="Cambria Math" panose="02040503050406030204" pitchFamily="18" charset="0"/>
-                            </a:rPr>
-                          </m:ctrlPr>
-                        </m:dPr>
-                        <m:e>
-                          <m:r>
-                            <a:rPr lang="en-US" altLang="zh-CN" sz="2000" i="1">
-                              <a:latin typeface="Cambria Math" panose="02040503050406030204" pitchFamily="18" charset="0"/>
-                            </a:rPr>
-                            <m:t>𝑆</m:t>
-                          </m:r>
-                        </m:e>
-                      </m:d>
-                      <m:r>
-                        <a:rPr lang="en-US" altLang="zh-CN" sz="2000" i="1">
-                          <a:latin typeface="Cambria Math" panose="02040503050406030204" pitchFamily="18" charset="0"/>
-                        </a:rPr>
-                        <m:t>=</m:t>
-                      </m:r>
-                      <m:r>
-                        <a:rPr lang="zh-CN" altLang="el-GR" sz="2000" i="1">
-                          <a:latin typeface="Cambria Math" panose="02040503050406030204" pitchFamily="18" charset="0"/>
-                          <a:ea typeface="Cambria Math" panose="02040503050406030204" pitchFamily="18" charset="0"/>
-                        </a:rPr>
-                        <m:t>𝔼</m:t>
-                      </m:r>
-                      <m:d>
-                        <m:dPr>
-                          <m:begChr m:val="["/>
-                          <m:endChr m:val="]"/>
-                          <m:ctrlPr>
-                            <a:rPr lang="en-US" altLang="zh-CN" sz="2000" i="1">
-                              <a:latin typeface="Cambria Math" panose="02040503050406030204" pitchFamily="18" charset="0"/>
-                              <a:ea typeface="Cambria Math" panose="02040503050406030204" pitchFamily="18" charset="0"/>
-                            </a:rPr>
-                          </m:ctrlPr>
-                        </m:dPr>
-                        <m:e>
-                          <m:sSubSup>
-                            <m:sSubSupPr>
-                              <m:ctrlPr>
-                                <a:rPr lang="en-US" altLang="zh-CN" sz="2000" i="1">
-                                  <a:latin typeface="Cambria Math" panose="02040503050406030204" pitchFamily="18" charset="0"/>
-                                  <a:ea typeface="Cambria Math" panose="02040503050406030204" pitchFamily="18" charset="0"/>
-                                </a:rPr>
-                              </m:ctrlPr>
-                            </m:sSubSupPr>
-                            <m:e>
-                              <m:r>
-                                <m:rPr>
-                                  <m:sty m:val="p"/>
-                                </m:rPr>
-                                <a:rPr lang="el-GR" altLang="zh-CN" sz="2000" i="1">
-                                  <a:latin typeface="Cambria Math" panose="02040503050406030204" pitchFamily="18" charset="0"/>
-                                  <a:ea typeface="Cambria Math" panose="02040503050406030204" pitchFamily="18" charset="0"/>
-                                </a:rPr>
-                                <m:t>Γ</m:t>
-                              </m:r>
-                            </m:e>
-                            <m:sub/>
-                            <m:sup>
-                              <m:r>
-                                <a:rPr lang="en-US" altLang="zh-CN" sz="2000" i="1">
-                                  <a:latin typeface="Cambria Math" panose="02040503050406030204" pitchFamily="18" charset="0"/>
-                                  <a:ea typeface="Cambria Math" panose="02040503050406030204" pitchFamily="18" charset="0"/>
-                                </a:rPr>
-                                <m:t>𝑜</m:t>
-                              </m:r>
-                            </m:sup>
-                          </m:sSubSup>
-                          <m:d>
-                            <m:dPr>
-                              <m:ctrlPr>
-                                <a:rPr lang="en-US" altLang="zh-CN" sz="2000" i="1">
-                                  <a:latin typeface="Cambria Math" panose="02040503050406030204" pitchFamily="18" charset="0"/>
-                                  <a:ea typeface="Cambria Math" panose="02040503050406030204" pitchFamily="18" charset="0"/>
-                                </a:rPr>
-                              </m:ctrlPr>
-                            </m:dPr>
-                            <m:e>
-                              <m:r>
-                                <a:rPr lang="en-US" altLang="zh-CN" sz="2000" i="1">
-                                  <a:latin typeface="Cambria Math" panose="02040503050406030204" pitchFamily="18" charset="0"/>
-                                  <a:ea typeface="Cambria Math" panose="02040503050406030204" pitchFamily="18" charset="0"/>
-                                </a:rPr>
-                                <m:t>𝑆</m:t>
-                              </m:r>
-                            </m:e>
-                          </m:d>
-                        </m:e>
-                      </m:d>
-                      <m:r>
-                        <a:rPr lang="en-US" altLang="zh-CN" sz="2000" i="1">
-                          <a:latin typeface="Cambria Math" panose="02040503050406030204" pitchFamily="18" charset="0"/>
-                          <a:ea typeface="Cambria Math" panose="02040503050406030204" pitchFamily="18" charset="0"/>
-                        </a:rPr>
-                        <m:t>=</m:t>
-                      </m:r>
-                      <m:r>
-                        <a:rPr lang="zh-CN" altLang="el-GR" sz="2000" i="1">
-                          <a:latin typeface="Cambria Math" panose="02040503050406030204" pitchFamily="18" charset="0"/>
-                          <a:ea typeface="Cambria Math" panose="02040503050406030204" pitchFamily="18" charset="0"/>
-                        </a:rPr>
-                        <m:t>𝔼</m:t>
-                      </m:r>
-                      <m:r>
-                        <a:rPr lang="en-US" altLang="zh-CN" sz="2000" i="1">
-                          <a:latin typeface="Cambria Math" panose="02040503050406030204" pitchFamily="18" charset="0"/>
-                          <a:ea typeface="Cambria Math" panose="02040503050406030204" pitchFamily="18" charset="0"/>
-                        </a:rPr>
-                        <m:t>[</m:t>
-                      </m:r>
-                      <m:d>
-                        <m:dPr>
-                          <m:ctrlPr>
-                            <a:rPr lang="en-US" altLang="zh-CN" sz="2000" i="1">
-                              <a:latin typeface="Cambria Math" panose="02040503050406030204" pitchFamily="18" charset="0"/>
-                              <a:ea typeface="Cambria Math" panose="02040503050406030204" pitchFamily="18" charset="0"/>
-                            </a:rPr>
-                          </m:ctrlPr>
-                        </m:dPr>
-                        <m:e>
-                          <m:nary>
-                            <m:naryPr>
-                              <m:chr m:val="∑"/>
-                              <m:supHide m:val="on"/>
-                              <m:ctrlPr>
-                                <a:rPr lang="en-US" altLang="zh-CN" sz="2000" i="1">
-                                  <a:latin typeface="Cambria Math" panose="02040503050406030204" pitchFamily="18" charset="0"/>
-                                  <a:ea typeface="Cambria Math" panose="02040503050406030204" pitchFamily="18" charset="0"/>
-                                </a:rPr>
-                              </m:ctrlPr>
-                            </m:naryPr>
-                            <m:sub>
-                              <m:r>
-                                <a:rPr lang="en-US" altLang="zh-CN" sz="2000" i="1">
-                                  <a:latin typeface="Cambria Math" panose="02040503050406030204" pitchFamily="18" charset="0"/>
-                                  <a:ea typeface="Cambria Math" panose="02040503050406030204" pitchFamily="18" charset="0"/>
-                                </a:rPr>
-                                <m:t>𝑣</m:t>
-                              </m:r>
-                              <m:r>
-                                <a:rPr lang="en-US" altLang="zh-CN" sz="2000" i="1">
-                                  <a:latin typeface="Cambria Math" panose="02040503050406030204" pitchFamily="18" charset="0"/>
-                                  <a:ea typeface="Cambria Math" panose="02040503050406030204" pitchFamily="18" charset="0"/>
-                                </a:rPr>
-                                <m:t>∈</m:t>
-                              </m:r>
-                              <m:r>
-                                <a:rPr lang="en-US" altLang="zh-CN" sz="2000" i="1">
-                                  <a:latin typeface="Cambria Math" panose="02040503050406030204" pitchFamily="18" charset="0"/>
-                                  <a:ea typeface="Cambria Math" panose="02040503050406030204" pitchFamily="18" charset="0"/>
-                                </a:rPr>
-                                <m:t>𝑉</m:t>
-                              </m:r>
-                              <m:d>
-                                <m:dPr>
-                                  <m:ctrlPr>
-                                    <a:rPr lang="en-US" altLang="zh-CN" sz="2000" i="1">
-                                      <a:latin typeface="Cambria Math" panose="02040503050406030204" pitchFamily="18" charset="0"/>
-                                      <a:ea typeface="Cambria Math" panose="02040503050406030204" pitchFamily="18" charset="0"/>
-                                    </a:rPr>
-                                  </m:ctrlPr>
-                                </m:dPr>
-                                <m:e>
-                                  <m:r>
-                                    <a:rPr lang="en-US" altLang="zh-CN" sz="2000" i="1">
-                                      <a:latin typeface="Cambria Math" panose="02040503050406030204" pitchFamily="18" charset="0"/>
-                                      <a:ea typeface="Cambria Math" panose="02040503050406030204" pitchFamily="18" charset="0"/>
-                                    </a:rPr>
-                                    <m:t>𝑎</m:t>
-                                  </m:r>
-                                </m:e>
-                              </m:d>
-                              <m:r>
-                                <a:rPr lang="en-US" altLang="zh-CN" sz="2000" i="1">
-                                  <a:latin typeface="Cambria Math" panose="02040503050406030204" pitchFamily="18" charset="0"/>
-                                  <a:ea typeface="Cambria Math" panose="02040503050406030204" pitchFamily="18" charset="0"/>
-                                </a:rPr>
-                                <m:t>\</m:t>
-                              </m:r>
-                              <m:r>
-                                <m:rPr>
-                                  <m:sty m:val="p"/>
-                                </m:rPr>
-                                <a:rPr lang="en-US" altLang="zh-CN" sz="2000" i="1">
-                                  <a:latin typeface="Cambria Math" panose="02040503050406030204" pitchFamily="18" charset="0"/>
-                                  <a:ea typeface="Cambria Math" panose="02040503050406030204" pitchFamily="18" charset="0"/>
-                                </a:rPr>
-                                <m:t>S</m:t>
-                              </m:r>
-                              <m:r>
-                                <m:rPr>
-                                  <m:nor/>
-                                </m:rPr>
-                                <a:rPr lang="zh-CN" altLang="en-US" sz="2000" dirty="0"/>
-                                <m:t> </m:t>
-                              </m:r>
-                            </m:sub>
-                            <m:sup/>
-                            <m:e>
-                              <m:sSubSup>
-                                <m:sSubSupPr>
-                                  <m:ctrlPr>
-                                    <a:rPr lang="en-US" altLang="zh-CN" sz="2000" i="1">
-                                      <a:latin typeface="Cambria Math" panose="02040503050406030204" pitchFamily="18" charset="0"/>
-                                      <a:ea typeface="Cambria Math" panose="02040503050406030204" pitchFamily="18" charset="0"/>
-                                    </a:rPr>
-                                  </m:ctrlPr>
-                                </m:sSubSupPr>
-                                <m:e>
-                                  <m:r>
-                                    <a:rPr lang="en-US" altLang="zh-CN" sz="2000" i="1">
-                                      <a:latin typeface="Cambria Math" panose="02040503050406030204" pitchFamily="18" charset="0"/>
-                                      <a:ea typeface="Cambria Math" panose="02040503050406030204" pitchFamily="18" charset="0"/>
-                                    </a:rPr>
-                                    <m:t>𝑜</m:t>
-                                  </m:r>
-                                </m:e>
-                                <m:sub>
-                                  <m:r>
-                                    <a:rPr lang="en-US" altLang="zh-CN" sz="2000" i="1">
-                                      <a:latin typeface="Cambria Math" panose="02040503050406030204" pitchFamily="18" charset="0"/>
-                                      <a:ea typeface="Cambria Math" panose="02040503050406030204" pitchFamily="18" charset="0"/>
-                                    </a:rPr>
-                                    <m:t>𝑣</m:t>
-                                  </m:r>
-                                </m:sub>
-                                <m:sup>
-                                  <m:r>
-                                    <a:rPr lang="en-US" altLang="zh-CN" sz="2000" i="1">
-                                      <a:latin typeface="Cambria Math" panose="02040503050406030204" pitchFamily="18" charset="0"/>
-                                      <a:ea typeface="Cambria Math" panose="02040503050406030204" pitchFamily="18" charset="0"/>
-                                    </a:rPr>
-                                    <m:t>′</m:t>
-                                  </m:r>
-                                </m:sup>
-                              </m:sSubSup>
-                            </m:e>
-                          </m:nary>
-                          <m:r>
-                            <a:rPr lang="en-US" altLang="zh-CN" sz="2000" i="1">
-                              <a:latin typeface="Cambria Math" panose="02040503050406030204" pitchFamily="18" charset="0"/>
-                              <a:ea typeface="Cambria Math" panose="02040503050406030204" pitchFamily="18" charset="0"/>
-                            </a:rPr>
-                            <m:t> </m:t>
-                          </m:r>
-                        </m:e>
-                      </m:d>
-                      <m:r>
-                        <a:rPr lang="en-US" altLang="zh-CN" sz="2000" i="1">
-                          <a:latin typeface="Cambria Math" panose="02040503050406030204" pitchFamily="18" charset="0"/>
-                          <a:ea typeface="Cambria Math" panose="02040503050406030204" pitchFamily="18" charset="0"/>
-                        </a:rPr>
-                        <m:t>]</m:t>
-                      </m:r>
-                    </m:oMath>
-                  </m:oMathPara>
-                </a14:m>
-                <a:endParaRPr lang="zh-CN" altLang="en-US" sz="2000" dirty="0"/>
-              </a:p>
-            </p:txBody>
-          </p:sp>
-        </mc:Choice>
-        <mc:Fallback xmlns="">
-          <p:sp>
-            <p:nvSpPr>
-              <p:cNvPr id="5" name="文本框 4"/>
-              <p:cNvSpPr txBox="1">
-                <a:spLocks noRot="1" noChangeAspect="1" noMove="1" noResize="1" noEditPoints="1" noAdjustHandles="1" noChangeArrowheads="1" noChangeShapeType="1" noTextEdit="1"/>
-              </p:cNvSpPr>
-              <p:nvPr/>
-            </p:nvSpPr>
-            <p:spPr>
-              <a:xfrm>
-                <a:off x="941085" y="4246635"/>
-                <a:ext cx="4273349" cy="795474"/>
-              </a:xfrm>
-              <a:prstGeom prst="rect">
-                <a:avLst/>
-              </a:prstGeom>
-              <a:blipFill rotWithShape="0">
-                <a:blip r:embed="rId4"/>
-                <a:stretch>
-                  <a:fillRect/>
-                </a:stretch>
-              </a:blipFill>
-            </p:spPr>
-            <p:txBody>
-              <a:bodyPr/>
-              <a:lstStyle/>
-              <a:p>
-                <a:r>
-                  <a:rPr lang="zh-CN" altLang="en-US">
-                    <a:noFill/>
-                  </a:rPr>
-                  <a:t> </a:t>
-                </a:r>
-              </a:p>
-            </p:txBody>
-          </p:sp>
-        </mc:Fallback>
-      </mc:AlternateContent>
       <p:sp>
         <p:nvSpPr>
           <p:cNvPr id="6" name="矩形 5"/>
@@ -21912,20 +22554,157 @@
   <p:clrMapOvr>
     <a:masterClrMapping/>
   </p:clrMapOvr>
-  <mc:AlternateContent xmlns:mc="http://schemas.openxmlformats.org/markup-compatibility/2006" xmlns:p14="http://schemas.microsoft.com/office/powerpoint/2010/main">
-    <mc:Choice Requires="p14">
-      <p:transition p14:dur="0"/>
+  <mc:AlternateContent xmlns:mc="http://schemas.openxmlformats.org/markup-compatibility/2006">
+    <mc:Choice xmlns:p14="http://schemas.microsoft.com/office/powerpoint/2010/main" Requires="p14">
+      <p:transition spd="med" p14:dur="700">
+        <p:fade/>
+      </p:transition>
     </mc:Choice>
-    <mc:Fallback xmlns="">
-      <p:transition/>
+    <mc:Fallback>
+      <p:transition spd="med">
+        <p:fade/>
+      </p:transition>
     </mc:Fallback>
   </mc:AlternateContent>
   <p:timing>
     <p:tnLst>
       <p:par>
-        <p:cTn id="1" dur="indefinite" restart="never" nodeType="tmRoot"/>
+        <p:cTn id="1" dur="indefinite" restart="never" nodeType="tmRoot">
+          <p:childTnLst>
+            <p:seq concurrent="1" nextAc="seek">
+              <p:cTn id="2" dur="indefinite" nodeType="mainSeq">
+                <p:childTnLst>
+                  <p:par>
+                    <p:cTn id="3" fill="hold">
+                      <p:stCondLst>
+                        <p:cond delay="indefinite"/>
+                      </p:stCondLst>
+                      <p:childTnLst>
+                        <p:par>
+                          <p:cTn id="4" fill="hold">
+                            <p:stCondLst>
+                              <p:cond delay="0"/>
+                            </p:stCondLst>
+                            <p:childTnLst>
+                              <p:par>
+                                <p:cTn id="5" presetID="10" presetClass="entr" presetSubtype="0" fill="hold" grpId="0" nodeType="clickEffect">
+                                  <p:stCondLst>
+                                    <p:cond delay="0"/>
+                                  </p:stCondLst>
+                                  <p:childTnLst>
+                                    <p:set>
+                                      <p:cBhvr>
+                                        <p:cTn id="6" dur="1" fill="hold">
+                                          <p:stCondLst>
+                                            <p:cond delay="0"/>
+                                          </p:stCondLst>
+                                        </p:cTn>
+                                        <p:tgtEl>
+                                          <p:spTgt spid="7"/>
+                                        </p:tgtEl>
+                                        <p:attrNameLst>
+                                          <p:attrName>style.visibility</p:attrName>
+                                        </p:attrNameLst>
+                                      </p:cBhvr>
+                                      <p:to>
+                                        <p:strVal val="visible"/>
+                                      </p:to>
+                                    </p:set>
+                                    <p:animEffect transition="in" filter="fade">
+                                      <p:cBhvr>
+                                        <p:cTn id="7" dur="500"/>
+                                        <p:tgtEl>
+                                          <p:spTgt spid="7"/>
+                                        </p:tgtEl>
+                                      </p:cBhvr>
+                                    </p:animEffect>
+                                  </p:childTnLst>
+                                </p:cTn>
+                              </p:par>
+                            </p:childTnLst>
+                          </p:cTn>
+                        </p:par>
+                      </p:childTnLst>
+                    </p:cTn>
+                  </p:par>
+                  <p:par>
+                    <p:cTn id="8" fill="hold">
+                      <p:stCondLst>
+                        <p:cond delay="indefinite"/>
+                      </p:stCondLst>
+                      <p:childTnLst>
+                        <p:par>
+                          <p:cTn id="9" fill="hold">
+                            <p:stCondLst>
+                              <p:cond delay="0"/>
+                            </p:stCondLst>
+                            <p:childTnLst>
+                              <p:par>
+                                <p:cTn id="10" presetID="10" presetClass="entr" presetSubtype="0" fill="hold" grpId="0" nodeType="clickEffect">
+                                  <p:stCondLst>
+                                    <p:cond delay="0"/>
+                                  </p:stCondLst>
+                                  <p:childTnLst>
+                                    <p:set>
+                                      <p:cBhvr>
+                                        <p:cTn id="11" dur="1" fill="hold">
+                                          <p:stCondLst>
+                                            <p:cond delay="0"/>
+                                          </p:stCondLst>
+                                        </p:cTn>
+                                        <p:tgtEl>
+                                          <p:spTgt spid="3"/>
+                                        </p:tgtEl>
+                                        <p:attrNameLst>
+                                          <p:attrName>style.visibility</p:attrName>
+                                        </p:attrNameLst>
+                                      </p:cBhvr>
+                                      <p:to>
+                                        <p:strVal val="visible"/>
+                                      </p:to>
+                                    </p:set>
+                                    <p:animEffect transition="in" filter="fade">
+                                      <p:cBhvr>
+                                        <p:cTn id="12" dur="500"/>
+                                        <p:tgtEl>
+                                          <p:spTgt spid="3"/>
+                                        </p:tgtEl>
+                                      </p:cBhvr>
+                                    </p:animEffect>
+                                  </p:childTnLst>
+                                </p:cTn>
+                              </p:par>
+                            </p:childTnLst>
+                          </p:cTn>
+                        </p:par>
+                      </p:childTnLst>
+                    </p:cTn>
+                  </p:par>
+                </p:childTnLst>
+              </p:cTn>
+              <p:prevCondLst>
+                <p:cond evt="onPrev" delay="0">
+                  <p:tgtEl>
+                    <p:sldTgt/>
+                  </p:tgtEl>
+                </p:cond>
+              </p:prevCondLst>
+              <p:nextCondLst>
+                <p:cond evt="onNext" delay="0">
+                  <p:tgtEl>
+                    <p:sldTgt/>
+                  </p:tgtEl>
+                </p:cond>
+              </p:nextCondLst>
+            </p:seq>
+          </p:childTnLst>
+        </p:cTn>
       </p:par>
     </p:tnLst>
+    <p:bldLst>
+      <p:bldP spid="3" grpId="0"/>
+      <p:bldP spid="7" grpId="0"/>
+    </p:bldLst>
   </p:timing>
 </p:sld>
 </file>
@@ -22535,146 +23314,161 @@
           </a:p>
         </p:txBody>
       </p:sp>
-      <p:sp>
-        <p:nvSpPr>
-          <p:cNvPr id="34" name="矩形 33"/>
-          <p:cNvSpPr/>
+      <p:grpSp>
+        <p:nvGrpSpPr>
+          <p:cNvPr id="3" name="组合 2"/>
+          <p:cNvGrpSpPr/>
           <p:nvPr/>
-        </p:nvSpPr>
-        <p:spPr>
+        </p:nvGrpSpPr>
+        <p:grpSpPr>
           <a:xfrm>
             <a:off x="6382267" y="2011255"/>
-            <a:ext cx="1069524" cy="400110"/>
+            <a:ext cx="2395207" cy="2365556"/>
+            <a:chOff x="6382267" y="2011255"/>
+            <a:chExt cx="2395207" cy="2365556"/>
           </a:xfrm>
-          <a:prstGeom prst="rect">
-            <a:avLst/>
-          </a:prstGeom>
-        </p:spPr>
-        <p:txBody>
-          <a:bodyPr wrap="none">
-            <a:spAutoFit/>
-          </a:bodyPr>
-          <a:lstStyle/>
-          <a:p>
-            <a:r>
-              <a:rPr lang="en-US" altLang="zh-CN" sz="2000" dirty="0">
+        </p:grpSpPr>
+        <p:sp>
+          <p:nvSpPr>
+            <p:cNvPr id="34" name="矩形 33"/>
+            <p:cNvSpPr/>
+            <p:nvPr/>
+          </p:nvSpPr>
+          <p:spPr>
+            <a:xfrm>
+              <a:off x="6382267" y="2011255"/>
+              <a:ext cx="1069524" cy="400110"/>
+            </a:xfrm>
+            <a:prstGeom prst="rect">
+              <a:avLst/>
+            </a:prstGeom>
+          </p:spPr>
+          <p:txBody>
+            <a:bodyPr wrap="none">
+              <a:spAutoFit/>
+            </a:bodyPr>
+            <a:lstStyle/>
+            <a:p>
+              <a:r>
+                <a:rPr lang="en-US" altLang="zh-CN" sz="2000" dirty="0">
+                  <a:latin typeface="微软雅黑" panose="020B0503020204020204" pitchFamily="34" charset="-122"/>
+                  <a:ea typeface="微软雅黑" panose="020B0503020204020204" pitchFamily="34" charset="-122"/>
+                </a:rPr>
+                <a:t>EaSyIM</a:t>
+              </a:r>
+              <a:endParaRPr lang="zh-CN" altLang="en-US" sz="2000" dirty="0">
                 <a:latin typeface="微软雅黑" panose="020B0503020204020204" pitchFamily="34" charset="-122"/>
                 <a:ea typeface="微软雅黑" panose="020B0503020204020204" pitchFamily="34" charset="-122"/>
-              </a:rPr>
-              <a:t>EaSyIM</a:t>
-            </a:r>
-            <a:endParaRPr lang="zh-CN" altLang="en-US" sz="2000" dirty="0">
-              <a:latin typeface="微软雅黑" panose="020B0503020204020204" pitchFamily="34" charset="-122"/>
-              <a:ea typeface="微软雅黑" panose="020B0503020204020204" pitchFamily="34" charset="-122"/>
-            </a:endParaRPr>
-          </a:p>
-        </p:txBody>
-      </p:sp>
-      <p:sp>
-        <p:nvSpPr>
-          <p:cNvPr id="35" name="矩形 34"/>
-          <p:cNvSpPr/>
-          <p:nvPr/>
-        </p:nvSpPr>
-        <p:spPr>
-          <a:xfrm>
-            <a:off x="6388843" y="3554629"/>
-            <a:ext cx="865943" cy="400110"/>
-          </a:xfrm>
-          <a:prstGeom prst="rect">
-            <a:avLst/>
-          </a:prstGeom>
-        </p:spPr>
-        <p:txBody>
-          <a:bodyPr wrap="none">
-            <a:spAutoFit/>
-          </a:bodyPr>
-          <a:lstStyle/>
-          <a:p>
-            <a:r>
-              <a:rPr lang="en-US" altLang="zh-CN" sz="2000" dirty="0">
+              </a:endParaRPr>
+            </a:p>
+          </p:txBody>
+        </p:sp>
+        <p:sp>
+          <p:nvSpPr>
+            <p:cNvPr id="35" name="矩形 34"/>
+            <p:cNvSpPr/>
+            <p:nvPr/>
+          </p:nvSpPr>
+          <p:spPr>
+            <a:xfrm>
+              <a:off x="6388843" y="3554629"/>
+              <a:ext cx="865943" cy="400110"/>
+            </a:xfrm>
+            <a:prstGeom prst="rect">
+              <a:avLst/>
+            </a:prstGeom>
+          </p:spPr>
+          <p:txBody>
+            <a:bodyPr wrap="none">
+              <a:spAutoFit/>
+            </a:bodyPr>
+            <a:lstStyle/>
+            <a:p>
+              <a:r>
+                <a:rPr lang="en-US" altLang="zh-CN" sz="2000" dirty="0">
+                  <a:latin typeface="微软雅黑" panose="020B0503020204020204" pitchFamily="34" charset="-122"/>
+                  <a:ea typeface="微软雅黑" panose="020B0503020204020204" pitchFamily="34" charset="-122"/>
+                </a:rPr>
+                <a:t>OSIM</a:t>
+              </a:r>
+              <a:endParaRPr lang="zh-CN" altLang="en-US" sz="2000" dirty="0">
                 <a:latin typeface="微软雅黑" panose="020B0503020204020204" pitchFamily="34" charset="-122"/>
                 <a:ea typeface="微软雅黑" panose="020B0503020204020204" pitchFamily="34" charset="-122"/>
-              </a:rPr>
-              <a:t>OSIM</a:t>
-            </a:r>
-            <a:endParaRPr lang="zh-CN" altLang="en-US" sz="2000" dirty="0">
-              <a:latin typeface="微软雅黑" panose="020B0503020204020204" pitchFamily="34" charset="-122"/>
-              <a:ea typeface="微软雅黑" panose="020B0503020204020204" pitchFamily="34" charset="-122"/>
-            </a:endParaRPr>
-          </a:p>
-        </p:txBody>
-      </p:sp>
-      <p:sp>
-        <p:nvSpPr>
-          <p:cNvPr id="36" name="矩形 35"/>
-          <p:cNvSpPr/>
-          <p:nvPr/>
-        </p:nvSpPr>
-        <p:spPr>
-          <a:xfrm>
-            <a:off x="6382267" y="2444906"/>
-            <a:ext cx="2395207" cy="400110"/>
-          </a:xfrm>
-          <a:prstGeom prst="rect">
-            <a:avLst/>
-          </a:prstGeom>
-        </p:spPr>
-        <p:txBody>
-          <a:bodyPr wrap="none">
-            <a:spAutoFit/>
-          </a:bodyPr>
-          <a:lstStyle/>
-          <a:p>
-            <a:r>
-              <a:rPr lang="en-US" altLang="zh-CN" sz="2000" dirty="0">
+              </a:endParaRPr>
+            </a:p>
+          </p:txBody>
+        </p:sp>
+        <p:sp>
+          <p:nvSpPr>
+            <p:cNvPr id="36" name="矩形 35"/>
+            <p:cNvSpPr/>
+            <p:nvPr/>
+          </p:nvSpPr>
+          <p:spPr>
+            <a:xfrm>
+              <a:off x="6382267" y="2444906"/>
+              <a:ext cx="2395207" cy="400110"/>
+            </a:xfrm>
+            <a:prstGeom prst="rect">
+              <a:avLst/>
+            </a:prstGeom>
+          </p:spPr>
+          <p:txBody>
+            <a:bodyPr wrap="none">
+              <a:spAutoFit/>
+            </a:bodyPr>
+            <a:lstStyle/>
+            <a:p>
+              <a:r>
+                <a:rPr lang="en-US" altLang="zh-CN" sz="2000" dirty="0">
+                  <a:latin typeface="微软雅黑" panose="020B0503020204020204" pitchFamily="34" charset="-122"/>
+                  <a:ea typeface="微软雅黑" panose="020B0503020204020204" pitchFamily="34" charset="-122"/>
+                </a:rPr>
+                <a:t>Opinion-oblivious</a:t>
+              </a:r>
+              <a:endParaRPr lang="zh-CN" altLang="en-US" sz="2000" dirty="0">
                 <a:latin typeface="微软雅黑" panose="020B0503020204020204" pitchFamily="34" charset="-122"/>
                 <a:ea typeface="微软雅黑" panose="020B0503020204020204" pitchFamily="34" charset="-122"/>
-              </a:rPr>
-              <a:t>Opinion-oblivious</a:t>
-            </a:r>
-            <a:endParaRPr lang="zh-CN" altLang="en-US" sz="2000" dirty="0">
-              <a:latin typeface="微软雅黑" panose="020B0503020204020204" pitchFamily="34" charset="-122"/>
-              <a:ea typeface="微软雅黑" panose="020B0503020204020204" pitchFamily="34" charset="-122"/>
-            </a:endParaRPr>
-          </a:p>
-        </p:txBody>
-      </p:sp>
-      <p:sp>
-        <p:nvSpPr>
-          <p:cNvPr id="37" name="矩形 36"/>
-          <p:cNvSpPr/>
-          <p:nvPr/>
-        </p:nvSpPr>
-        <p:spPr>
-          <a:xfrm>
-            <a:off x="6388843" y="3976701"/>
-            <a:ext cx="2010037" cy="400110"/>
-          </a:xfrm>
-          <a:prstGeom prst="rect">
-            <a:avLst/>
-          </a:prstGeom>
-        </p:spPr>
-        <p:txBody>
-          <a:bodyPr wrap="none">
-            <a:spAutoFit/>
-          </a:bodyPr>
-          <a:lstStyle/>
-          <a:p>
-            <a:r>
-              <a:rPr lang="en-US" altLang="zh-CN" sz="2000" dirty="0">
+              </a:endParaRPr>
+            </a:p>
+          </p:txBody>
+        </p:sp>
+        <p:sp>
+          <p:nvSpPr>
+            <p:cNvPr id="37" name="矩形 36"/>
+            <p:cNvSpPr/>
+            <p:nvPr/>
+          </p:nvSpPr>
+          <p:spPr>
+            <a:xfrm>
+              <a:off x="6388843" y="3976701"/>
+              <a:ext cx="2010037" cy="400110"/>
+            </a:xfrm>
+            <a:prstGeom prst="rect">
+              <a:avLst/>
+            </a:prstGeom>
+          </p:spPr>
+          <p:txBody>
+            <a:bodyPr wrap="none">
+              <a:spAutoFit/>
+            </a:bodyPr>
+            <a:lstStyle/>
+            <a:p>
+              <a:r>
+                <a:rPr lang="en-US" altLang="zh-CN" sz="2000" dirty="0">
+                  <a:latin typeface="微软雅黑" panose="020B0503020204020204" pitchFamily="34" charset="-122"/>
+                  <a:ea typeface="微软雅黑" panose="020B0503020204020204" pitchFamily="34" charset="-122"/>
+                </a:rPr>
+                <a:t>Opinion-aware</a:t>
+              </a:r>
+              <a:endParaRPr lang="zh-CN" altLang="en-US" sz="2000" dirty="0">
                 <a:latin typeface="微软雅黑" panose="020B0503020204020204" pitchFamily="34" charset="-122"/>
                 <a:ea typeface="微软雅黑" panose="020B0503020204020204" pitchFamily="34" charset="-122"/>
-              </a:rPr>
-              <a:t>Opinion-aware</a:t>
-            </a:r>
-            <a:endParaRPr lang="zh-CN" altLang="en-US" sz="2000" dirty="0">
-              <a:latin typeface="微软雅黑" panose="020B0503020204020204" pitchFamily="34" charset="-122"/>
-              <a:ea typeface="微软雅黑" panose="020B0503020204020204" pitchFamily="34" charset="-122"/>
-            </a:endParaRPr>
-          </a:p>
-        </p:txBody>
-      </p:sp>
+              </a:endParaRPr>
+            </a:p>
+          </p:txBody>
+        </p:sp>
+      </p:grpSp>
       <p:sp>
         <p:nvSpPr>
           <p:cNvPr id="17" name="矩形 16"/>
@@ -22720,20 +23514,605 @@
   <p:clrMapOvr>
     <a:masterClrMapping/>
   </p:clrMapOvr>
-  <mc:AlternateContent xmlns:mc="http://schemas.openxmlformats.org/markup-compatibility/2006" xmlns:p14="http://schemas.microsoft.com/office/powerpoint/2010/main">
-    <mc:Choice Requires="p14">
-      <p:transition p14:dur="0"/>
+  <mc:AlternateContent xmlns:mc="http://schemas.openxmlformats.org/markup-compatibility/2006">
+    <mc:Choice xmlns:p14="http://schemas.microsoft.com/office/powerpoint/2010/main" Requires="p14">
+      <p:transition spd="med" p14:dur="700">
+        <p:fade/>
+      </p:transition>
     </mc:Choice>
-    <mc:Fallback xmlns="">
-      <p:transition/>
+    <mc:Fallback>
+      <p:transition spd="med">
+        <p:fade/>
+      </p:transition>
     </mc:Fallback>
   </mc:AlternateContent>
   <p:timing>
     <p:tnLst>
       <p:par>
-        <p:cTn id="1" dur="indefinite" restart="never" nodeType="tmRoot"/>
+        <p:cTn id="1" dur="indefinite" restart="never" nodeType="tmRoot">
+          <p:childTnLst>
+            <p:seq concurrent="1" nextAc="seek">
+              <p:cTn id="2" dur="indefinite" nodeType="mainSeq">
+                <p:childTnLst>
+                  <p:par>
+                    <p:cTn id="3" fill="hold">
+                      <p:stCondLst>
+                        <p:cond delay="indefinite"/>
+                      </p:stCondLst>
+                      <p:childTnLst>
+                        <p:par>
+                          <p:cTn id="4" fill="hold">
+                            <p:stCondLst>
+                              <p:cond delay="0"/>
+                            </p:stCondLst>
+                            <p:childTnLst>
+                              <p:par>
+                                <p:cTn id="5" presetID="10" presetClass="entr" presetSubtype="0" fill="hold" grpId="0" nodeType="clickEffect">
+                                  <p:stCondLst>
+                                    <p:cond delay="0"/>
+                                  </p:stCondLst>
+                                  <p:childTnLst>
+                                    <p:set>
+                                      <p:cBhvr>
+                                        <p:cTn id="6" dur="1" fill="hold">
+                                          <p:stCondLst>
+                                            <p:cond delay="0"/>
+                                          </p:stCondLst>
+                                        </p:cTn>
+                                        <p:tgtEl>
+                                          <p:spTgt spid="6"/>
+                                        </p:tgtEl>
+                                        <p:attrNameLst>
+                                          <p:attrName>style.visibility</p:attrName>
+                                        </p:attrNameLst>
+                                      </p:cBhvr>
+                                      <p:to>
+                                        <p:strVal val="visible"/>
+                                      </p:to>
+                                    </p:set>
+                                    <p:animEffect transition="in" filter="fade">
+                                      <p:cBhvr>
+                                        <p:cTn id="7" dur="500"/>
+                                        <p:tgtEl>
+                                          <p:spTgt spid="6"/>
+                                        </p:tgtEl>
+                                      </p:cBhvr>
+                                    </p:animEffect>
+                                  </p:childTnLst>
+                                </p:cTn>
+                              </p:par>
+                            </p:childTnLst>
+                          </p:cTn>
+                        </p:par>
+                      </p:childTnLst>
+                    </p:cTn>
+                  </p:par>
+                  <p:par>
+                    <p:cTn id="8" fill="hold">
+                      <p:stCondLst>
+                        <p:cond delay="indefinite"/>
+                      </p:stCondLst>
+                      <p:childTnLst>
+                        <p:par>
+                          <p:cTn id="9" fill="hold">
+                            <p:stCondLst>
+                              <p:cond delay="0"/>
+                            </p:stCondLst>
+                            <p:childTnLst>
+                              <p:par>
+                                <p:cTn id="10" presetID="10" presetClass="entr" presetSubtype="0" fill="hold" grpId="0" nodeType="clickEffect">
+                                  <p:stCondLst>
+                                    <p:cond delay="0"/>
+                                  </p:stCondLst>
+                                  <p:childTnLst>
+                                    <p:set>
+                                      <p:cBhvr>
+                                        <p:cTn id="11" dur="1" fill="hold">
+                                          <p:stCondLst>
+                                            <p:cond delay="0"/>
+                                          </p:stCondLst>
+                                        </p:cTn>
+                                        <p:tgtEl>
+                                          <p:spTgt spid="2"/>
+                                        </p:tgtEl>
+                                        <p:attrNameLst>
+                                          <p:attrName>style.visibility</p:attrName>
+                                        </p:attrNameLst>
+                                      </p:cBhvr>
+                                      <p:to>
+                                        <p:strVal val="visible"/>
+                                      </p:to>
+                                    </p:set>
+                                    <p:animEffect transition="in" filter="fade">
+                                      <p:cBhvr>
+                                        <p:cTn id="12" dur="500"/>
+                                        <p:tgtEl>
+                                          <p:spTgt spid="2"/>
+                                        </p:tgtEl>
+                                      </p:cBhvr>
+                                    </p:animEffect>
+                                  </p:childTnLst>
+                                </p:cTn>
+                              </p:par>
+                            </p:childTnLst>
+                          </p:cTn>
+                        </p:par>
+                      </p:childTnLst>
+                    </p:cTn>
+                  </p:par>
+                  <p:par>
+                    <p:cTn id="13" fill="hold">
+                      <p:stCondLst>
+                        <p:cond delay="indefinite"/>
+                      </p:stCondLst>
+                      <p:childTnLst>
+                        <p:par>
+                          <p:cTn id="14" fill="hold">
+                            <p:stCondLst>
+                              <p:cond delay="0"/>
+                            </p:stCondLst>
+                            <p:childTnLst>
+                              <p:par>
+                                <p:cTn id="15" presetID="22" presetClass="entr" presetSubtype="1" fill="hold" grpId="0" nodeType="clickEffect">
+                                  <p:stCondLst>
+                                    <p:cond delay="0"/>
+                                  </p:stCondLst>
+                                  <p:childTnLst>
+                                    <p:set>
+                                      <p:cBhvr>
+                                        <p:cTn id="16" dur="1" fill="hold">
+                                          <p:stCondLst>
+                                            <p:cond delay="0"/>
+                                          </p:stCondLst>
+                                        </p:cTn>
+                                        <p:tgtEl>
+                                          <p:spTgt spid="19"/>
+                                        </p:tgtEl>
+                                        <p:attrNameLst>
+                                          <p:attrName>style.visibility</p:attrName>
+                                        </p:attrNameLst>
+                                      </p:cBhvr>
+                                      <p:to>
+                                        <p:strVal val="visible"/>
+                                      </p:to>
+                                    </p:set>
+                                    <p:animEffect transition="in" filter="wipe(up)">
+                                      <p:cBhvr>
+                                        <p:cTn id="17" dur="500"/>
+                                        <p:tgtEl>
+                                          <p:spTgt spid="19"/>
+                                        </p:tgtEl>
+                                      </p:cBhvr>
+                                    </p:animEffect>
+                                  </p:childTnLst>
+                                </p:cTn>
+                              </p:par>
+                            </p:childTnLst>
+                          </p:cTn>
+                        </p:par>
+                        <p:par>
+                          <p:cTn id="18" fill="hold">
+                            <p:stCondLst>
+                              <p:cond delay="500"/>
+                            </p:stCondLst>
+                            <p:childTnLst>
+                              <p:par>
+                                <p:cTn id="19" presetID="22" presetClass="entr" presetSubtype="1" fill="hold" grpId="0" nodeType="afterEffect">
+                                  <p:stCondLst>
+                                    <p:cond delay="0"/>
+                                  </p:stCondLst>
+                                  <p:childTnLst>
+                                    <p:set>
+                                      <p:cBhvr>
+                                        <p:cTn id="20" dur="1" fill="hold">
+                                          <p:stCondLst>
+                                            <p:cond delay="0"/>
+                                          </p:stCondLst>
+                                        </p:cTn>
+                                        <p:tgtEl>
+                                          <p:spTgt spid="20"/>
+                                        </p:tgtEl>
+                                        <p:attrNameLst>
+                                          <p:attrName>style.visibility</p:attrName>
+                                        </p:attrNameLst>
+                                      </p:cBhvr>
+                                      <p:to>
+                                        <p:strVal val="visible"/>
+                                      </p:to>
+                                    </p:set>
+                                    <p:animEffect transition="in" filter="wipe(up)">
+                                      <p:cBhvr>
+                                        <p:cTn id="21" dur="500"/>
+                                        <p:tgtEl>
+                                          <p:spTgt spid="20"/>
+                                        </p:tgtEl>
+                                      </p:cBhvr>
+                                    </p:animEffect>
+                                  </p:childTnLst>
+                                </p:cTn>
+                              </p:par>
+                            </p:childTnLst>
+                          </p:cTn>
+                        </p:par>
+                      </p:childTnLst>
+                    </p:cTn>
+                  </p:par>
+                  <p:par>
+                    <p:cTn id="22" fill="hold">
+                      <p:stCondLst>
+                        <p:cond delay="indefinite"/>
+                      </p:stCondLst>
+                      <p:childTnLst>
+                        <p:par>
+                          <p:cTn id="23" fill="hold">
+                            <p:stCondLst>
+                              <p:cond delay="0"/>
+                            </p:stCondLst>
+                            <p:childTnLst>
+                              <p:par>
+                                <p:cTn id="24" presetID="10" presetClass="entr" presetSubtype="0" fill="hold" grpId="0" nodeType="clickEffect">
+                                  <p:stCondLst>
+                                    <p:cond delay="0"/>
+                                  </p:stCondLst>
+                                  <p:childTnLst>
+                                    <p:set>
+                                      <p:cBhvr>
+                                        <p:cTn id="25" dur="1" fill="hold">
+                                          <p:stCondLst>
+                                            <p:cond delay="0"/>
+                                          </p:stCondLst>
+                                        </p:cTn>
+                                        <p:tgtEl>
+                                          <p:spTgt spid="31"/>
+                                        </p:tgtEl>
+                                        <p:attrNameLst>
+                                          <p:attrName>style.visibility</p:attrName>
+                                        </p:attrNameLst>
+                                      </p:cBhvr>
+                                      <p:to>
+                                        <p:strVal val="visible"/>
+                                      </p:to>
+                                    </p:set>
+                                    <p:animEffect transition="in" filter="fade">
+                                      <p:cBhvr>
+                                        <p:cTn id="26" dur="250"/>
+                                        <p:tgtEl>
+                                          <p:spTgt spid="31"/>
+                                        </p:tgtEl>
+                                      </p:cBhvr>
+                                    </p:animEffect>
+                                  </p:childTnLst>
+                                </p:cTn>
+                              </p:par>
+                            </p:childTnLst>
+                          </p:cTn>
+                        </p:par>
+                        <p:par>
+                          <p:cTn id="27" fill="hold">
+                            <p:stCondLst>
+                              <p:cond delay="250"/>
+                            </p:stCondLst>
+                            <p:childTnLst>
+                              <p:par>
+                                <p:cTn id="28" presetID="10" presetClass="entr" presetSubtype="0" fill="hold" nodeType="afterEffect">
+                                  <p:stCondLst>
+                                    <p:cond delay="0"/>
+                                  </p:stCondLst>
+                                  <p:childTnLst>
+                                    <p:set>
+                                      <p:cBhvr>
+                                        <p:cTn id="29" dur="1" fill="hold">
+                                          <p:stCondLst>
+                                            <p:cond delay="0"/>
+                                          </p:stCondLst>
+                                        </p:cTn>
+                                        <p:tgtEl>
+                                          <p:spTgt spid="3"/>
+                                        </p:tgtEl>
+                                        <p:attrNameLst>
+                                          <p:attrName>style.visibility</p:attrName>
+                                        </p:attrNameLst>
+                                      </p:cBhvr>
+                                      <p:to>
+                                        <p:strVal val="visible"/>
+                                      </p:to>
+                                    </p:set>
+                                    <p:animEffect transition="in" filter="fade">
+                                      <p:cBhvr>
+                                        <p:cTn id="30" dur="500"/>
+                                        <p:tgtEl>
+                                          <p:spTgt spid="3"/>
+                                        </p:tgtEl>
+                                      </p:cBhvr>
+                                    </p:animEffect>
+                                  </p:childTnLst>
+                                </p:cTn>
+                              </p:par>
+                            </p:childTnLst>
+                          </p:cTn>
+                        </p:par>
+                      </p:childTnLst>
+                    </p:cTn>
+                  </p:par>
+                  <p:par>
+                    <p:cTn id="31" fill="hold">
+                      <p:stCondLst>
+                        <p:cond delay="indefinite"/>
+                      </p:stCondLst>
+                      <p:childTnLst>
+                        <p:par>
+                          <p:cTn id="32" fill="hold">
+                            <p:stCondLst>
+                              <p:cond delay="0"/>
+                            </p:stCondLst>
+                            <p:childTnLst>
+                              <p:par>
+                                <p:cTn id="33" presetID="22" presetClass="entr" presetSubtype="1" fill="hold" grpId="0" nodeType="clickEffect">
+                                  <p:stCondLst>
+                                    <p:cond delay="0"/>
+                                  </p:stCondLst>
+                                  <p:childTnLst>
+                                    <p:set>
+                                      <p:cBhvr>
+                                        <p:cTn id="34" dur="1" fill="hold">
+                                          <p:stCondLst>
+                                            <p:cond delay="0"/>
+                                          </p:stCondLst>
+                                        </p:cTn>
+                                        <p:tgtEl>
+                                          <p:spTgt spid="26"/>
+                                        </p:tgtEl>
+                                        <p:attrNameLst>
+                                          <p:attrName>style.visibility</p:attrName>
+                                        </p:attrNameLst>
+                                      </p:cBhvr>
+                                      <p:to>
+                                        <p:strVal val="visible"/>
+                                      </p:to>
+                                    </p:set>
+                                    <p:animEffect transition="in" filter="wipe(up)">
+                                      <p:cBhvr>
+                                        <p:cTn id="35" dur="500"/>
+                                        <p:tgtEl>
+                                          <p:spTgt spid="26"/>
+                                        </p:tgtEl>
+                                      </p:cBhvr>
+                                    </p:animEffect>
+                                  </p:childTnLst>
+                                </p:cTn>
+                              </p:par>
+                            </p:childTnLst>
+                          </p:cTn>
+                        </p:par>
+                        <p:par>
+                          <p:cTn id="36" fill="hold">
+                            <p:stCondLst>
+                              <p:cond delay="500"/>
+                            </p:stCondLst>
+                            <p:childTnLst>
+                              <p:par>
+                                <p:cTn id="37" presetID="22" presetClass="entr" presetSubtype="1" fill="hold" grpId="0" nodeType="afterEffect">
+                                  <p:stCondLst>
+                                    <p:cond delay="0"/>
+                                  </p:stCondLst>
+                                  <p:childTnLst>
+                                    <p:set>
+                                      <p:cBhvr>
+                                        <p:cTn id="38" dur="1" fill="hold">
+                                          <p:stCondLst>
+                                            <p:cond delay="0"/>
+                                          </p:stCondLst>
+                                        </p:cTn>
+                                        <p:tgtEl>
+                                          <p:spTgt spid="21"/>
+                                        </p:tgtEl>
+                                        <p:attrNameLst>
+                                          <p:attrName>style.visibility</p:attrName>
+                                        </p:attrNameLst>
+                                      </p:cBhvr>
+                                      <p:to>
+                                        <p:strVal val="visible"/>
+                                      </p:to>
+                                    </p:set>
+                                    <p:animEffect transition="in" filter="wipe(up)">
+                                      <p:cBhvr>
+                                        <p:cTn id="39" dur="500"/>
+                                        <p:tgtEl>
+                                          <p:spTgt spid="21"/>
+                                        </p:tgtEl>
+                                      </p:cBhvr>
+                                    </p:animEffect>
+                                  </p:childTnLst>
+                                </p:cTn>
+                              </p:par>
+                            </p:childTnLst>
+                          </p:cTn>
+                        </p:par>
+                      </p:childTnLst>
+                    </p:cTn>
+                  </p:par>
+                  <p:par>
+                    <p:cTn id="40" fill="hold">
+                      <p:stCondLst>
+                        <p:cond delay="indefinite"/>
+                      </p:stCondLst>
+                      <p:childTnLst>
+                        <p:par>
+                          <p:cTn id="41" fill="hold">
+                            <p:stCondLst>
+                              <p:cond delay="0"/>
+                            </p:stCondLst>
+                            <p:childTnLst>
+                              <p:par>
+                                <p:cTn id="42" presetID="22" presetClass="entr" presetSubtype="1" fill="hold" grpId="0" nodeType="clickEffect">
+                                  <p:stCondLst>
+                                    <p:cond delay="0"/>
+                                  </p:stCondLst>
+                                  <p:childTnLst>
+                                    <p:set>
+                                      <p:cBhvr>
+                                        <p:cTn id="43" dur="1" fill="hold">
+                                          <p:stCondLst>
+                                            <p:cond delay="0"/>
+                                          </p:stCondLst>
+                                        </p:cTn>
+                                        <p:tgtEl>
+                                          <p:spTgt spid="27"/>
+                                        </p:tgtEl>
+                                        <p:attrNameLst>
+                                          <p:attrName>style.visibility</p:attrName>
+                                        </p:attrNameLst>
+                                      </p:cBhvr>
+                                      <p:to>
+                                        <p:strVal val="visible"/>
+                                      </p:to>
+                                    </p:set>
+                                    <p:animEffect transition="in" filter="wipe(up)">
+                                      <p:cBhvr>
+                                        <p:cTn id="44" dur="500"/>
+                                        <p:tgtEl>
+                                          <p:spTgt spid="27"/>
+                                        </p:tgtEl>
+                                      </p:cBhvr>
+                                    </p:animEffect>
+                                  </p:childTnLst>
+                                </p:cTn>
+                              </p:par>
+                            </p:childTnLst>
+                          </p:cTn>
+                        </p:par>
+                        <p:par>
+                          <p:cTn id="45" fill="hold">
+                            <p:stCondLst>
+                              <p:cond delay="500"/>
+                            </p:stCondLst>
+                            <p:childTnLst>
+                              <p:par>
+                                <p:cTn id="46" presetID="22" presetClass="entr" presetSubtype="1" fill="hold" grpId="0" nodeType="afterEffect">
+                                  <p:stCondLst>
+                                    <p:cond delay="0"/>
+                                  </p:stCondLst>
+                                  <p:childTnLst>
+                                    <p:set>
+                                      <p:cBhvr>
+                                        <p:cTn id="47" dur="1" fill="hold">
+                                          <p:stCondLst>
+                                            <p:cond delay="0"/>
+                                          </p:stCondLst>
+                                        </p:cTn>
+                                        <p:tgtEl>
+                                          <p:spTgt spid="22"/>
+                                        </p:tgtEl>
+                                        <p:attrNameLst>
+                                          <p:attrName>style.visibility</p:attrName>
+                                        </p:attrNameLst>
+                                      </p:cBhvr>
+                                      <p:to>
+                                        <p:strVal val="visible"/>
+                                      </p:to>
+                                    </p:set>
+                                    <p:animEffect transition="in" filter="wipe(up)">
+                                      <p:cBhvr>
+                                        <p:cTn id="48" dur="500"/>
+                                        <p:tgtEl>
+                                          <p:spTgt spid="22"/>
+                                        </p:tgtEl>
+                                      </p:cBhvr>
+                                    </p:animEffect>
+                                  </p:childTnLst>
+                                </p:cTn>
+                              </p:par>
+                            </p:childTnLst>
+                          </p:cTn>
+                        </p:par>
+                      </p:childTnLst>
+                    </p:cTn>
+                  </p:par>
+                  <p:par>
+                    <p:cTn id="49" fill="hold">
+                      <p:stCondLst>
+                        <p:cond delay="indefinite"/>
+                      </p:stCondLst>
+                      <p:childTnLst>
+                        <p:par>
+                          <p:cTn id="50" fill="hold">
+                            <p:stCondLst>
+                              <p:cond delay="0"/>
+                            </p:stCondLst>
+                            <p:childTnLst>
+                              <p:par>
+                                <p:cTn id="51" presetID="22" presetClass="entr" presetSubtype="4" fill="hold" nodeType="clickEffect">
+                                  <p:stCondLst>
+                                    <p:cond delay="0"/>
+                                  </p:stCondLst>
+                                  <p:childTnLst>
+                                    <p:set>
+                                      <p:cBhvr>
+                                        <p:cTn id="52" dur="1" fill="hold">
+                                          <p:stCondLst>
+                                            <p:cond delay="0"/>
+                                          </p:stCondLst>
+                                        </p:cTn>
+                                        <p:tgtEl>
+                                          <p:spTgt spid="25"/>
+                                        </p:tgtEl>
+                                        <p:attrNameLst>
+                                          <p:attrName>style.visibility</p:attrName>
+                                        </p:attrNameLst>
+                                      </p:cBhvr>
+                                      <p:to>
+                                        <p:strVal val="visible"/>
+                                      </p:to>
+                                    </p:set>
+                                    <p:animEffect transition="in" filter="wipe(down)">
+                                      <p:cBhvr>
+                                        <p:cTn id="53" dur="500"/>
+                                        <p:tgtEl>
+                                          <p:spTgt spid="25"/>
+                                        </p:tgtEl>
+                                      </p:cBhvr>
+                                    </p:animEffect>
+                                  </p:childTnLst>
+                                </p:cTn>
+                              </p:par>
+                            </p:childTnLst>
+                          </p:cTn>
+                        </p:par>
+                      </p:childTnLst>
+                    </p:cTn>
+                  </p:par>
+                </p:childTnLst>
+              </p:cTn>
+              <p:prevCondLst>
+                <p:cond evt="onPrev" delay="0">
+                  <p:tgtEl>
+                    <p:sldTgt/>
+                  </p:tgtEl>
+                </p:cond>
+              </p:prevCondLst>
+              <p:nextCondLst>
+                <p:cond evt="onNext" delay="0">
+                  <p:tgtEl>
+                    <p:sldTgt/>
+                  </p:tgtEl>
+                </p:cond>
+              </p:nextCondLst>
+            </p:seq>
+          </p:childTnLst>
+        </p:cTn>
       </p:par>
     </p:tnLst>
+    <p:bldLst>
+      <p:bldP spid="2" grpId="0" animBg="1"/>
+      <p:bldP spid="20" grpId="0" animBg="1"/>
+      <p:bldP spid="21" grpId="0" animBg="1"/>
+      <p:bldP spid="22" grpId="0" animBg="1"/>
+      <p:bldP spid="6" grpId="0"/>
+      <p:bldP spid="19" grpId="0" animBg="1"/>
+      <p:bldP spid="26" grpId="0" animBg="1"/>
+      <p:bldP spid="27" grpId="0" animBg="1"/>
+      <p:bldP spid="31" grpId="0" animBg="1"/>
+    </p:bldLst>
   </p:timing>
 </p:sld>
 </file>
@@ -23309,8 +24688,8 @@
           </a:p>
         </p:txBody>
       </p:sp>
-      <mc:AlternateContent xmlns:mc="http://schemas.openxmlformats.org/markup-compatibility/2006">
-        <mc:Choice xmlns:a14="http://schemas.microsoft.com/office/drawing/2010/main" Requires="a14">
+      <mc:AlternateContent xmlns:mc="http://schemas.openxmlformats.org/markup-compatibility/2006" xmlns:a14="http://schemas.microsoft.com/office/drawing/2010/main">
+        <mc:Choice Requires="a14">
           <p:sp>
             <p:nvSpPr>
               <p:cNvPr id="2" name="文本框 1"/>
@@ -23333,6 +24712,7 @@
               </a:bodyPr>
               <a:lstStyle/>
               <a:p>
+                <a:pPr/>
                 <a14:m>
                   <m:oMathPara xmlns:m="http://schemas.openxmlformats.org/officeDocument/2006/math">
                     <m:oMathParaPr>
@@ -23490,7 +24870,7 @@
             </p:txBody>
           </p:sp>
         </mc:Choice>
-        <mc:Fallback>
+        <mc:Fallback xmlns="">
           <p:sp>
             <p:nvSpPr>
               <p:cNvPr id="2" name="文本框 1"/>
@@ -23529,8 +24909,8 @@
           </p:sp>
         </mc:Fallback>
       </mc:AlternateContent>
-      <mc:AlternateContent xmlns:mc="http://schemas.openxmlformats.org/markup-compatibility/2006">
-        <mc:Choice xmlns:a14="http://schemas.microsoft.com/office/drawing/2010/main" Requires="a14">
+      <mc:AlternateContent xmlns:mc="http://schemas.openxmlformats.org/markup-compatibility/2006" xmlns:a14="http://schemas.microsoft.com/office/drawing/2010/main">
+        <mc:Choice Requires="a14">
           <p:sp>
             <p:nvSpPr>
               <p:cNvPr id="15" name="文本框 14"/>
@@ -23553,6 +24933,7 @@
               </a:bodyPr>
               <a:lstStyle/>
               <a:p>
+                <a:pPr/>
                 <a14:m>
                   <m:oMathPara xmlns:m="http://schemas.openxmlformats.org/officeDocument/2006/math">
                     <m:oMathParaPr>
@@ -23802,7 +25183,7 @@
             </p:txBody>
           </p:sp>
         </mc:Choice>
-        <mc:Fallback>
+        <mc:Fallback xmlns="">
           <p:sp>
             <p:nvSpPr>
               <p:cNvPr id="15" name="文本框 14"/>
@@ -23851,12 +25232,16 @@
   <p:clrMapOvr>
     <a:masterClrMapping/>
   </p:clrMapOvr>
-  <mc:AlternateContent xmlns:mc="http://schemas.openxmlformats.org/markup-compatibility/2006" xmlns:p14="http://schemas.microsoft.com/office/powerpoint/2010/main">
-    <mc:Choice Requires="p14">
-      <p:transition p14:dur="0"/>
+  <mc:AlternateContent xmlns:mc="http://schemas.openxmlformats.org/markup-compatibility/2006">
+    <mc:Choice xmlns:p14="http://schemas.microsoft.com/office/powerpoint/2010/main" Requires="p14">
+      <p:transition spd="med" p14:dur="700">
+        <p:fade/>
+      </p:transition>
     </mc:Choice>
-    <mc:Fallback xmlns="">
-      <p:transition/>
+    <mc:Fallback>
+      <p:transition spd="med">
+        <p:fade/>
+      </p:transition>
     </mc:Fallback>
   </mc:AlternateContent>
   <p:timing>
@@ -24334,8 +25719,8 @@
           <a:chExt cx="0" cy="0"/>
         </a:xfrm>
       </p:grpSpPr>
-      <mc:AlternateContent xmlns:mc="http://schemas.openxmlformats.org/markup-compatibility/2006">
-        <mc:Choice xmlns:a14="http://schemas.microsoft.com/office/drawing/2010/main" Requires="a14">
+      <mc:AlternateContent xmlns:mc="http://schemas.openxmlformats.org/markup-compatibility/2006" xmlns:a14="http://schemas.microsoft.com/office/drawing/2010/main">
+        <mc:Choice Requires="a14">
           <p:sp>
             <p:nvSpPr>
               <p:cNvPr id="4" name="圆角矩形 3"/>
@@ -24442,7 +25827,7 @@
             </p:txBody>
           </p:sp>
         </mc:Choice>
-        <mc:Fallback>
+        <mc:Fallback xmlns="">
           <p:sp>
             <p:nvSpPr>
               <p:cNvPr id="4" name="圆角矩形 3"/>
@@ -24525,8 +25910,8 @@
           </a:p>
         </p:txBody>
       </p:sp>
-      <mc:AlternateContent xmlns:mc="http://schemas.openxmlformats.org/markup-compatibility/2006">
-        <mc:Choice xmlns:a14="http://schemas.microsoft.com/office/drawing/2010/main" Requires="a14">
+      <mc:AlternateContent xmlns:mc="http://schemas.openxmlformats.org/markup-compatibility/2006" xmlns:a14="http://schemas.microsoft.com/office/drawing/2010/main">
+        <mc:Choice Requires="a14">
           <p:sp>
             <p:nvSpPr>
               <p:cNvPr id="6" name="圆角矩形 5"/>
@@ -24614,7 +25999,7 @@
             </p:txBody>
           </p:sp>
         </mc:Choice>
-        <mc:Fallback>
+        <mc:Fallback xmlns="">
           <p:sp>
             <p:nvSpPr>
               <p:cNvPr id="6" name="圆角矩形 5"/>
@@ -24653,8 +26038,8 @@
           </p:sp>
         </mc:Fallback>
       </mc:AlternateContent>
-      <mc:AlternateContent xmlns:mc="http://schemas.openxmlformats.org/markup-compatibility/2006">
-        <mc:Choice xmlns:a14="http://schemas.microsoft.com/office/drawing/2010/main" Requires="a14">
+      <mc:AlternateContent xmlns:mc="http://schemas.openxmlformats.org/markup-compatibility/2006" xmlns:a14="http://schemas.microsoft.com/office/drawing/2010/main">
+        <mc:Choice Requires="a14">
           <p:sp>
             <p:nvSpPr>
               <p:cNvPr id="7" name="圆角矩形 6"/>
@@ -24783,7 +26168,7 @@
             </p:txBody>
           </p:sp>
         </mc:Choice>
-        <mc:Fallback>
+        <mc:Fallback xmlns="">
           <p:sp>
             <p:nvSpPr>
               <p:cNvPr id="7" name="圆角矩形 6"/>
@@ -24866,8 +26251,8 @@
           </a:p>
         </p:txBody>
       </p:sp>
-      <mc:AlternateContent xmlns:mc="http://schemas.openxmlformats.org/markup-compatibility/2006">
-        <mc:Choice xmlns:a14="http://schemas.microsoft.com/office/drawing/2010/main" Requires="a14">
+      <mc:AlternateContent xmlns:mc="http://schemas.openxmlformats.org/markup-compatibility/2006" xmlns:a14="http://schemas.microsoft.com/office/drawing/2010/main">
+        <mc:Choice Requires="a14">
           <p:sp>
             <p:nvSpPr>
               <p:cNvPr id="9" name="圆角矩形 8"/>
@@ -25228,7 +26613,7 @@
             </p:txBody>
           </p:sp>
         </mc:Choice>
-        <mc:Fallback>
+        <mc:Fallback xmlns="">
           <p:sp>
             <p:nvSpPr>
               <p:cNvPr id="9" name="圆角矩形 8"/>
@@ -25391,12 +26776,16 @@
   <p:clrMapOvr>
     <a:masterClrMapping/>
   </p:clrMapOvr>
-  <mc:AlternateContent xmlns:mc="http://schemas.openxmlformats.org/markup-compatibility/2006" xmlns:p14="http://schemas.microsoft.com/office/powerpoint/2010/main">
-    <mc:Choice Requires="p14">
-      <p:transition p14:dur="0"/>
+  <mc:AlternateContent xmlns:mc="http://schemas.openxmlformats.org/markup-compatibility/2006">
+    <mc:Choice xmlns:p14="http://schemas.microsoft.com/office/powerpoint/2010/main" Requires="p14">
+      <p:transition spd="med" p14:dur="700">
+        <p:fade/>
+      </p:transition>
     </mc:Choice>
-    <mc:Fallback xmlns="">
-      <p:transition/>
+    <mc:Fallback>
+      <p:transition spd="med">
+        <p:fade/>
+      </p:transition>
     </mc:Fallback>
   </mc:AlternateContent>
   <p:timing>

--- a/4-魏天柱-Holistic Influence Maximization_ Combining Scalability and Efficiency with Opinion-Aware Models..pptx
+++ b/4-魏天柱-Holistic Influence Maximization_ Combining Scalability and Efficiency with Opinion-Aware Models..pptx
@@ -228,7 +228,7 @@
           <a:p>
             <a:fld id="{75B6E363-E6B3-49EC-99B9-D71939BAE8EA}" type="datetimeFigureOut">
               <a:rPr lang="zh-CN" altLang="en-US" smtClean="0"/>
-              <a:t>2016/11/8</a:t>
+              <a:t>2016/11/9</a:t>
             </a:fld>
             <a:endParaRPr lang="zh-CN" altLang="en-US"/>
           </a:p>
@@ -394,7 +394,7 @@
           <a:p>
             <a:fld id="{390D7B70-739F-46B8-8786-37DA01C23847}" type="datetimeFigureOut">
               <a:rPr lang="zh-CN" altLang="en-US" smtClean="0"/>
-              <a:t>2016/11/8</a:t>
+              <a:t>2016/11/9</a:t>
             </a:fld>
             <a:endParaRPr lang="zh-CN" altLang="en-US"/>
           </a:p>
@@ -2598,14 +2598,7 @@
                 <a:latin typeface="+mn-lt"/>
                 <a:ea typeface="+mn-ea"/>
               </a:rPr>
-              <a:t>重点是采用什么策略为每一个结点分配分</a:t>
-            </a:r>
-            <a:r>
-              <a:rPr lang="zh-CN" altLang="en-US" sz="1200" baseline="0" dirty="0" smtClean="0">
-                <a:latin typeface="+mn-lt"/>
-                <a:ea typeface="+mn-ea"/>
-              </a:rPr>
-              <a:t>数</a:t>
+              <a:t>重点是采用什么策略为每一个结点分配分数</a:t>
             </a:r>
             <a:endParaRPr lang="en-US" altLang="zh-CN" sz="1200" baseline="0" dirty="0" smtClean="0">
               <a:latin typeface="+mn-lt"/>
@@ -3203,9 +3196,9 @@
           <a:bodyPr/>
           <a:lstStyle/>
           <a:p>
-            <a:fld id="{375A2922-F6C1-46DE-8BD8-5FAFD5A5913B}" type="datetime1">
+            <a:fld id="{D468E895-2BED-4B89-8737-C13053ED3775}" type="datetime1">
               <a:rPr lang="zh-CN" altLang="en-US" smtClean="0"/>
-              <a:t>2016/11/8</a:t>
+              <a:t>2016/11/9</a:t>
             </a:fld>
             <a:endParaRPr lang="zh-CN" altLang="en-US"/>
           </a:p>
@@ -3381,9 +3374,9 @@
           <a:bodyPr/>
           <a:lstStyle/>
           <a:p>
-            <a:fld id="{1BAFC1D8-3E73-4758-A33D-7128C4ADAA81}" type="datetime1">
+            <a:fld id="{104D3C72-1350-4498-B7F7-C0D06391B969}" type="datetime1">
               <a:rPr lang="zh-CN" altLang="en-US" smtClean="0"/>
-              <a:t>2016/11/8</a:t>
+              <a:t>2016/11/9</a:t>
             </a:fld>
             <a:endParaRPr lang="zh-CN" altLang="en-US"/>
           </a:p>
@@ -3568,9 +3561,9 @@
           <a:bodyPr/>
           <a:lstStyle/>
           <a:p>
-            <a:fld id="{0115F011-91FD-4ADD-8D0D-CA61B2905CEF}" type="datetime1">
+            <a:fld id="{7EE734A3-1FC5-4C4F-951E-90CBADCF8226}" type="datetime1">
               <a:rPr lang="zh-CN" altLang="en-US" smtClean="0"/>
-              <a:t>2016/11/8</a:t>
+              <a:t>2016/11/9</a:t>
             </a:fld>
             <a:endParaRPr lang="zh-CN" altLang="en-US"/>
           </a:p>
@@ -3752,9 +3745,9 @@
           <a:bodyPr/>
           <a:lstStyle/>
           <a:p>
-            <a:fld id="{9D0EE3DD-F0FC-4ED0-BE28-A1C0DD38512D}" type="datetime1">
+            <a:fld id="{434D24B4-69D0-4189-8037-D7083A6CF5B3}" type="datetime1">
               <a:rPr lang="zh-CN" altLang="en-US" smtClean="0"/>
-              <a:t>2016/11/8</a:t>
+              <a:t>2016/11/9</a:t>
             </a:fld>
             <a:endParaRPr lang="zh-CN" altLang="en-US"/>
           </a:p>
@@ -3944,9 +3937,9 @@
           <a:bodyPr/>
           <a:lstStyle/>
           <a:p>
-            <a:fld id="{2E368ED3-B0EF-43DB-A9BA-503F935D0E4E}" type="datetime1">
+            <a:fld id="{E076972C-4993-4C9C-80E8-5D6204C04177}" type="datetime1">
               <a:rPr lang="zh-CN" altLang="en-US" smtClean="0"/>
-              <a:t>2016/11/8</a:t>
+              <a:t>2016/11/9</a:t>
             </a:fld>
             <a:endParaRPr lang="zh-CN" altLang="en-US"/>
           </a:p>
@@ -4136,9 +4129,9 @@
           <a:bodyPr/>
           <a:lstStyle/>
           <a:p>
-            <a:fld id="{C6886912-8462-45A7-AC98-7211523CB934}" type="datetime1">
+            <a:fld id="{82F6CDB0-C4D4-4F59-A493-F56C87211419}" type="datetime1">
               <a:rPr lang="zh-CN" altLang="en-US" smtClean="0"/>
-              <a:t>2016/11/8</a:t>
+              <a:t>2016/11/9</a:t>
             </a:fld>
             <a:endParaRPr lang="zh-CN" altLang="en-US"/>
           </a:p>
@@ -4328,9 +4321,9 @@
           <a:bodyPr/>
           <a:lstStyle/>
           <a:p>
-            <a:fld id="{10CC9823-E0B4-4BFF-BCC2-BF96C614DEA0}" type="datetime1">
+            <a:fld id="{B0C60F26-20FD-4E1B-AB65-52B807B75D6D}" type="datetime1">
               <a:rPr lang="zh-CN" altLang="en-US" smtClean="0"/>
-              <a:t>2016/11/8</a:t>
+              <a:t>2016/11/9</a:t>
             </a:fld>
             <a:endParaRPr lang="zh-CN" altLang="en-US"/>
           </a:p>
@@ -4513,9 +4506,9 @@
           <a:bodyPr/>
           <a:lstStyle/>
           <a:p>
-            <a:fld id="{ABD1663A-9695-4896-B7D7-A93B561D06A2}" type="datetime1">
+            <a:fld id="{B2494A39-0159-4B2E-AD47-D0BB181F4B03}" type="datetime1">
               <a:rPr lang="zh-CN" altLang="en-US" smtClean="0"/>
-              <a:t>2016/11/8</a:t>
+              <a:t>2016/11/9</a:t>
             </a:fld>
             <a:endParaRPr lang="zh-CN" altLang="en-US"/>
           </a:p>
@@ -4764,9 +4757,9 @@
           <a:bodyPr/>
           <a:lstStyle/>
           <a:p>
-            <a:fld id="{2CA9013E-4B3B-46F8-ABA9-0E08AAAC36F8}" type="datetime1">
+            <a:fld id="{3260B8DA-CAB1-4F56-BC79-34B04FD3BCA3}" type="datetime1">
               <a:rPr lang="zh-CN" altLang="en-US" smtClean="0"/>
-              <a:t>2016/11/8</a:t>
+              <a:t>2016/11/9</a:t>
             </a:fld>
             <a:endParaRPr lang="zh-CN" altLang="en-US"/>
           </a:p>
@@ -5008,9 +5001,9 @@
           <a:bodyPr/>
           <a:lstStyle/>
           <a:p>
-            <a:fld id="{73A1B679-51D1-48FB-8180-B5CCDE819C39}" type="datetime1">
+            <a:fld id="{A472A3E3-8796-4C5C-B6C1-801B24CB5A20}" type="datetime1">
               <a:rPr lang="zh-CN" altLang="en-US" smtClean="0"/>
-              <a:t>2016/11/8</a:t>
+              <a:t>2016/11/9</a:t>
             </a:fld>
             <a:endParaRPr lang="zh-CN" altLang="en-US"/>
           </a:p>
@@ -5382,9 +5375,9 @@
           <a:bodyPr/>
           <a:lstStyle/>
           <a:p>
-            <a:fld id="{5F15E7BB-DC23-4588-A666-E61AABBBF416}" type="datetime1">
+            <a:fld id="{8EBDF594-6A12-459D-9D99-D5E5F495E2EC}" type="datetime1">
               <a:rPr lang="zh-CN" altLang="en-US" smtClean="0"/>
-              <a:t>2016/11/8</a:t>
+              <a:t>2016/11/9</a:t>
             </a:fld>
             <a:endParaRPr lang="zh-CN" altLang="en-US"/>
           </a:p>
@@ -5507,9 +5500,9 @@
           <a:bodyPr/>
           <a:lstStyle/>
           <a:p>
-            <a:fld id="{2CDB3DE4-B643-4E20-98B8-42C8A00744F8}" type="datetime1">
+            <a:fld id="{09644570-F52D-43DC-B2E6-EC798EE8C159}" type="datetime1">
               <a:rPr lang="zh-CN" altLang="en-US" smtClean="0"/>
-              <a:t>2016/11/8</a:t>
+              <a:t>2016/11/9</a:t>
             </a:fld>
             <a:endParaRPr lang="zh-CN" altLang="en-US"/>
           </a:p>
@@ -5609,9 +5602,9 @@
           <a:bodyPr/>
           <a:lstStyle/>
           <a:p>
-            <a:fld id="{6790DFB6-1B78-4C0C-8FD0-236442C86700}" type="datetime1">
+            <a:fld id="{59732DD0-5A2B-44DF-AC88-A7E8B48D56E8}" type="datetime1">
               <a:rPr lang="zh-CN" altLang="en-US" smtClean="0"/>
-              <a:t>2016/11/8</a:t>
+              <a:t>2016/11/9</a:t>
             </a:fld>
             <a:endParaRPr lang="zh-CN" altLang="en-US"/>
           </a:p>
@@ -5893,9 +5886,9 @@
           <a:bodyPr/>
           <a:lstStyle/>
           <a:p>
-            <a:fld id="{34F63AF2-5AB2-45E4-B317-E53B9CCC20DC}" type="datetime1">
+            <a:fld id="{6CD513BD-3DF7-47AD-9746-A85138DD326A}" type="datetime1">
               <a:rPr lang="zh-CN" altLang="en-US" smtClean="0"/>
-              <a:t>2016/11/8</a:t>
+              <a:t>2016/11/9</a:t>
             </a:fld>
             <a:endParaRPr lang="zh-CN" altLang="en-US"/>
           </a:p>
@@ -6158,9 +6151,9 @@
           <a:bodyPr/>
           <a:lstStyle/>
           <a:p>
-            <a:fld id="{628B57B0-83FF-413F-B239-42BBCEF68E08}" type="datetime1">
+            <a:fld id="{B7F52A3E-3393-4BA4-BA57-78D5CF5B1F15}" type="datetime1">
               <a:rPr lang="zh-CN" altLang="en-US" smtClean="0"/>
-              <a:t>2016/11/8</a:t>
+              <a:t>2016/11/9</a:t>
             </a:fld>
             <a:endParaRPr lang="zh-CN" altLang="en-US"/>
           </a:p>
@@ -6383,9 +6376,9 @@
             </a:lvl1pPr>
           </a:lstStyle>
           <a:p>
-            <a:fld id="{CBC1C6DE-8377-4C60-8578-9C8258F49E86}" type="datetime1">
+            <a:fld id="{5D6C920D-D6CE-4AE5-BA50-0577D0EAB39A}" type="datetime1">
               <a:rPr lang="zh-CN" altLang="en-US" smtClean="0"/>
-              <a:t>2016/11/8</a:t>
+              <a:t>2016/11/9</a:t>
             </a:fld>
             <a:endParaRPr lang="zh-CN" altLang="en-US"/>
           </a:p>
@@ -6501,7 +6494,7 @@
       </p:par>
     </p:tnLst>
   </p:timing>
-  <p:hf sldNum="0" hdr="0" ftr="0" dt="0"/>
+  <p:hf hdr="0" ftr="0" dt="0"/>
   <p:txStyles>
     <p:titleStyle>
       <a:lvl1pPr algn="l" defTabSz="914400" rtl="0" eaLnBrk="1" latinLnBrk="0" hangingPunct="1">
@@ -7084,13 +7077,13 @@
   <p:clrMapOvr>
     <a:masterClrMapping/>
   </p:clrMapOvr>
-  <mc:AlternateContent xmlns:mc="http://schemas.openxmlformats.org/markup-compatibility/2006">
-    <mc:Choice xmlns:p14="http://schemas.microsoft.com/office/powerpoint/2010/main" Requires="p14">
+  <mc:AlternateContent xmlns:mc="http://schemas.openxmlformats.org/markup-compatibility/2006" xmlns:p14="http://schemas.microsoft.com/office/powerpoint/2010/main">
+    <mc:Choice Requires="p14">
       <p:transition spd="med" p14:dur="700">
         <p:fade/>
       </p:transition>
     </mc:Choice>
-    <mc:Fallback>
+    <mc:Fallback xmlns="">
       <p:transition spd="med">
         <p:fade/>
       </p:transition>
@@ -8635,8 +8628,8 @@
           </mc:Fallback>
         </mc:AlternateContent>
       </p:grpSp>
-      <mc:AlternateContent xmlns:mc="http://schemas.openxmlformats.org/markup-compatibility/2006">
-        <mc:Choice xmlns:a14="http://schemas.microsoft.com/office/drawing/2010/main" Requires="a14">
+      <mc:AlternateContent xmlns:mc="http://schemas.openxmlformats.org/markup-compatibility/2006" xmlns:a14="http://schemas.microsoft.com/office/drawing/2010/main">
+        <mc:Choice Requires="a14">
           <p:sp>
             <p:nvSpPr>
               <p:cNvPr id="66" name="文本框 65"/>
@@ -8716,7 +8709,7 @@
             </p:txBody>
           </p:sp>
         </mc:Choice>
-        <mc:Fallback>
+        <mc:Fallback xmlns="">
           <p:sp>
             <p:nvSpPr>
               <p:cNvPr id="66" name="文本框 65"/>
@@ -8755,8 +8748,8 @@
           </p:sp>
         </mc:Fallback>
       </mc:AlternateContent>
-      <mc:AlternateContent xmlns:mc="http://schemas.openxmlformats.org/markup-compatibility/2006">
-        <mc:Choice xmlns:a14="http://schemas.microsoft.com/office/drawing/2010/main" Requires="a14">
+      <mc:AlternateContent xmlns:mc="http://schemas.openxmlformats.org/markup-compatibility/2006" xmlns:a14="http://schemas.microsoft.com/office/drawing/2010/main">
+        <mc:Choice Requires="a14">
           <p:sp>
             <p:nvSpPr>
               <p:cNvPr id="67" name="文本框 66"/>
@@ -8837,7 +8830,7 @@
             </p:txBody>
           </p:sp>
         </mc:Choice>
-        <mc:Fallback>
+        <mc:Fallback xmlns="">
           <p:sp>
             <p:nvSpPr>
               <p:cNvPr id="67" name="文本框 66"/>
@@ -8876,8 +8869,8 @@
           </p:sp>
         </mc:Fallback>
       </mc:AlternateContent>
-      <mc:AlternateContent xmlns:mc="http://schemas.openxmlformats.org/markup-compatibility/2006">
-        <mc:Choice xmlns:a14="http://schemas.microsoft.com/office/drawing/2010/main" Requires="a14">
+      <mc:AlternateContent xmlns:mc="http://schemas.openxmlformats.org/markup-compatibility/2006" xmlns:a14="http://schemas.microsoft.com/office/drawing/2010/main">
+        <mc:Choice Requires="a14">
           <p:sp>
             <p:nvSpPr>
               <p:cNvPr id="69" name="文本框 68"/>
@@ -9143,7 +9136,7 @@
             </p:txBody>
           </p:sp>
         </mc:Choice>
-        <mc:Fallback>
+        <mc:Fallback xmlns="">
           <p:sp>
             <p:nvSpPr>
               <p:cNvPr id="69" name="文本框 68"/>
@@ -9182,8 +9175,8 @@
           </p:sp>
         </mc:Fallback>
       </mc:AlternateContent>
-      <mc:AlternateContent xmlns:mc="http://schemas.openxmlformats.org/markup-compatibility/2006">
-        <mc:Choice xmlns:a14="http://schemas.microsoft.com/office/drawing/2010/main" Requires="a14">
+      <mc:AlternateContent xmlns:mc="http://schemas.openxmlformats.org/markup-compatibility/2006" xmlns:a14="http://schemas.microsoft.com/office/drawing/2010/main">
+        <mc:Choice Requires="a14">
           <p:sp>
             <p:nvSpPr>
               <p:cNvPr id="73" name="文本框 72"/>
@@ -9503,7 +9496,7 @@
             </p:txBody>
           </p:sp>
         </mc:Choice>
-        <mc:Fallback>
+        <mc:Fallback xmlns="">
           <p:sp>
             <p:nvSpPr>
               <p:cNvPr id="73" name="文本框 72"/>
@@ -9542,8 +9535,8 @@
           </p:sp>
         </mc:Fallback>
       </mc:AlternateContent>
-      <mc:AlternateContent xmlns:mc="http://schemas.openxmlformats.org/markup-compatibility/2006">
-        <mc:Choice xmlns:a14="http://schemas.microsoft.com/office/drawing/2010/main" Requires="a14">
+      <mc:AlternateContent xmlns:mc="http://schemas.openxmlformats.org/markup-compatibility/2006" xmlns:a14="http://schemas.microsoft.com/office/drawing/2010/main">
+        <mc:Choice Requires="a14">
           <p:sp>
             <p:nvSpPr>
               <p:cNvPr id="74" name="文本框 73"/>
@@ -9627,7 +9620,7 @@
             </p:txBody>
           </p:sp>
         </mc:Choice>
-        <mc:Fallback>
+        <mc:Fallback xmlns="">
           <p:sp>
             <p:nvSpPr>
               <p:cNvPr id="74" name="文本框 73"/>
@@ -9666,8 +9659,8 @@
           </p:sp>
         </mc:Fallback>
       </mc:AlternateContent>
-      <mc:AlternateContent xmlns:mc="http://schemas.openxmlformats.org/markup-compatibility/2006">
-        <mc:Choice xmlns:a14="http://schemas.microsoft.com/office/drawing/2010/main" Requires="a14">
+      <mc:AlternateContent xmlns:mc="http://schemas.openxmlformats.org/markup-compatibility/2006" xmlns:a14="http://schemas.microsoft.com/office/drawing/2010/main">
+        <mc:Choice Requires="a14">
           <p:sp>
             <p:nvSpPr>
               <p:cNvPr id="75" name="文本框 74"/>
@@ -9933,7 +9926,7 @@
             </p:txBody>
           </p:sp>
         </mc:Choice>
-        <mc:Fallback>
+        <mc:Fallback xmlns="">
           <p:sp>
             <p:nvSpPr>
               <p:cNvPr id="75" name="文本框 74"/>
@@ -9972,8 +9965,8 @@
           </p:sp>
         </mc:Fallback>
       </mc:AlternateContent>
-      <mc:AlternateContent xmlns:mc="http://schemas.openxmlformats.org/markup-compatibility/2006">
-        <mc:Choice xmlns:a14="http://schemas.microsoft.com/office/drawing/2010/main" Requires="a14">
+      <mc:AlternateContent xmlns:mc="http://schemas.openxmlformats.org/markup-compatibility/2006" xmlns:a14="http://schemas.microsoft.com/office/drawing/2010/main">
+        <mc:Choice Requires="a14">
           <p:sp>
             <p:nvSpPr>
               <p:cNvPr id="76" name="矩形 75"/>
@@ -10314,7 +10307,7 @@
             </p:txBody>
           </p:sp>
         </mc:Choice>
-        <mc:Fallback>
+        <mc:Fallback xmlns="">
           <p:sp>
             <p:nvSpPr>
               <p:cNvPr id="76" name="矩形 75"/>
@@ -10353,6 +10346,29 @@
           </p:sp>
         </mc:Fallback>
       </mc:AlternateContent>
+      <p:sp>
+        <p:nvSpPr>
+          <p:cNvPr id="2" name="灯片编号占位符 1"/>
+          <p:cNvSpPr>
+            <a:spLocks noGrp="1"/>
+          </p:cNvSpPr>
+          <p:nvPr>
+            <p:ph type="sldNum" sz="quarter" idx="12"/>
+          </p:nvPr>
+        </p:nvSpPr>
+        <p:spPr/>
+        <p:txBody>
+          <a:bodyPr/>
+          <a:lstStyle/>
+          <a:p>
+            <a:fld id="{3421685F-CAB6-4DB2-B1E5-AC83AB7F8612}" type="slidenum">
+              <a:rPr lang="zh-CN" altLang="en-US" smtClean="0"/>
+              <a:t>10</a:t>
+            </a:fld>
+            <a:endParaRPr lang="zh-CN" altLang="en-US"/>
+          </a:p>
+        </p:txBody>
+      </p:sp>
     </p:spTree>
     <p:extLst>
       <p:ext uri="{BB962C8B-B14F-4D97-AF65-F5344CB8AC3E}">
@@ -10363,13 +10379,13 @@
   <p:clrMapOvr>
     <a:masterClrMapping/>
   </p:clrMapOvr>
-  <mc:AlternateContent xmlns:mc="http://schemas.openxmlformats.org/markup-compatibility/2006">
-    <mc:Choice xmlns:p14="http://schemas.microsoft.com/office/powerpoint/2010/main" Requires="p14">
+  <mc:AlternateContent xmlns:mc="http://schemas.openxmlformats.org/markup-compatibility/2006" xmlns:p14="http://schemas.microsoft.com/office/powerpoint/2010/main">
+    <mc:Choice Requires="p14">
       <p:transition spd="med" p14:dur="700">
         <p:fade/>
       </p:transition>
     </mc:Choice>
-    <mc:Fallback>
+    <mc:Fallback xmlns="">
       <p:transition spd="med">
         <p:fade/>
       </p:transition>
@@ -10945,6 +10961,29 @@
           </a:p>
         </p:txBody>
       </p:sp>
+      <p:sp>
+        <p:nvSpPr>
+          <p:cNvPr id="2" name="灯片编号占位符 1"/>
+          <p:cNvSpPr>
+            <a:spLocks noGrp="1"/>
+          </p:cNvSpPr>
+          <p:nvPr>
+            <p:ph type="sldNum" sz="quarter" idx="12"/>
+          </p:nvPr>
+        </p:nvSpPr>
+        <p:spPr/>
+        <p:txBody>
+          <a:bodyPr/>
+          <a:lstStyle/>
+          <a:p>
+            <a:fld id="{3421685F-CAB6-4DB2-B1E5-AC83AB7F8612}" type="slidenum">
+              <a:rPr lang="zh-CN" altLang="en-US" smtClean="0"/>
+              <a:t>11</a:t>
+            </a:fld>
+            <a:endParaRPr lang="zh-CN" altLang="en-US"/>
+          </a:p>
+        </p:txBody>
+      </p:sp>
     </p:spTree>
     <p:extLst>
       <p:ext uri="{BB962C8B-B14F-4D97-AF65-F5344CB8AC3E}">
@@ -10955,13 +10994,13 @@
   <p:clrMapOvr>
     <a:masterClrMapping/>
   </p:clrMapOvr>
-  <mc:AlternateContent xmlns:mc="http://schemas.openxmlformats.org/markup-compatibility/2006">
-    <mc:Choice xmlns:p14="http://schemas.microsoft.com/office/powerpoint/2010/main" Requires="p14">
+  <mc:AlternateContent xmlns:mc="http://schemas.openxmlformats.org/markup-compatibility/2006" xmlns:p14="http://schemas.microsoft.com/office/powerpoint/2010/main">
+    <mc:Choice Requires="p14">
       <p:transition spd="med" p14:dur="700">
         <p:fade/>
       </p:transition>
     </mc:Choice>
-    <mc:Fallback>
+    <mc:Fallback xmlns="">
       <p:transition spd="med">
         <p:fade/>
       </p:transition>
@@ -11063,6 +11102,29 @@
           </a:p>
         </p:txBody>
       </p:sp>
+      <p:sp>
+        <p:nvSpPr>
+          <p:cNvPr id="2" name="灯片编号占位符 1"/>
+          <p:cNvSpPr>
+            <a:spLocks noGrp="1"/>
+          </p:cNvSpPr>
+          <p:nvPr>
+            <p:ph type="sldNum" sz="quarter" idx="12"/>
+          </p:nvPr>
+        </p:nvSpPr>
+        <p:spPr/>
+        <p:txBody>
+          <a:bodyPr/>
+          <a:lstStyle/>
+          <a:p>
+            <a:fld id="{3421685F-CAB6-4DB2-B1E5-AC83AB7F8612}" type="slidenum">
+              <a:rPr lang="zh-CN" altLang="en-US" smtClean="0"/>
+              <a:t>12</a:t>
+            </a:fld>
+            <a:endParaRPr lang="zh-CN" altLang="en-US"/>
+          </a:p>
+        </p:txBody>
+      </p:sp>
     </p:spTree>
     <p:extLst>
       <p:ext uri="{BB962C8B-B14F-4D97-AF65-F5344CB8AC3E}">
@@ -11073,13 +11135,13 @@
   <p:clrMapOvr>
     <a:masterClrMapping/>
   </p:clrMapOvr>
-  <mc:AlternateContent xmlns:mc="http://schemas.openxmlformats.org/markup-compatibility/2006">
-    <mc:Choice xmlns:p14="http://schemas.microsoft.com/office/powerpoint/2010/main" Requires="p14">
+  <mc:AlternateContent xmlns:mc="http://schemas.openxmlformats.org/markup-compatibility/2006" xmlns:p14="http://schemas.microsoft.com/office/powerpoint/2010/main">
+    <mc:Choice Requires="p14">
       <p:transition spd="med" p14:dur="700">
         <p:fade/>
       </p:transition>
     </mc:Choice>
-    <mc:Fallback>
+    <mc:Fallback xmlns="">
       <p:transition spd="med">
         <p:fade/>
       </p:transition>
@@ -11133,13 +11195,13 @@
               </a:clrTo>
             </a:clrChange>
           </a:blip>
-          <a:srcRect l="51255" t="2502" b="9865"/>
+          <a:srcRect l="51255" t="2501" b="-574"/>
           <a:stretch/>
         </p:blipFill>
         <p:spPr>
           <a:xfrm>
-            <a:off x="806426" y="1781604"/>
-            <a:ext cx="7617502" cy="3158696"/>
+            <a:off x="806426" y="1781603"/>
+            <a:ext cx="7617502" cy="3534979"/>
           </a:xfrm>
           <a:prstGeom prst="rect">
             <a:avLst/>
@@ -11181,6 +11243,29 @@
           </a:p>
         </p:txBody>
       </p:sp>
+      <p:sp>
+        <p:nvSpPr>
+          <p:cNvPr id="2" name="灯片编号占位符 1"/>
+          <p:cNvSpPr>
+            <a:spLocks noGrp="1"/>
+          </p:cNvSpPr>
+          <p:nvPr>
+            <p:ph type="sldNum" sz="quarter" idx="12"/>
+          </p:nvPr>
+        </p:nvSpPr>
+        <p:spPr/>
+        <p:txBody>
+          <a:bodyPr/>
+          <a:lstStyle/>
+          <a:p>
+            <a:fld id="{3421685F-CAB6-4DB2-B1E5-AC83AB7F8612}" type="slidenum">
+              <a:rPr lang="zh-CN" altLang="en-US" smtClean="0"/>
+              <a:t>13</a:t>
+            </a:fld>
+            <a:endParaRPr lang="zh-CN" altLang="en-US"/>
+          </a:p>
+        </p:txBody>
+      </p:sp>
     </p:spTree>
     <p:extLst>
       <p:ext uri="{BB962C8B-B14F-4D97-AF65-F5344CB8AC3E}">
@@ -11191,13 +11276,13 @@
   <p:clrMapOvr>
     <a:masterClrMapping/>
   </p:clrMapOvr>
-  <mc:AlternateContent xmlns:mc="http://schemas.openxmlformats.org/markup-compatibility/2006">
-    <mc:Choice xmlns:p14="http://schemas.microsoft.com/office/powerpoint/2010/main" Requires="p14">
+  <mc:AlternateContent xmlns:mc="http://schemas.openxmlformats.org/markup-compatibility/2006" xmlns:p14="http://schemas.microsoft.com/office/powerpoint/2010/main">
+    <mc:Choice Requires="p14">
       <p:transition spd="med" p14:dur="700">
         <p:fade/>
       </p:transition>
     </mc:Choice>
-    <mc:Fallback>
+    <mc:Fallback xmlns="">
       <p:transition spd="med">
         <p:fade/>
       </p:transition>
@@ -11300,6 +11385,29 @@
           </a:prstGeom>
         </p:spPr>
       </p:pic>
+      <p:sp>
+        <p:nvSpPr>
+          <p:cNvPr id="2" name="灯片编号占位符 1"/>
+          <p:cNvSpPr>
+            <a:spLocks noGrp="1"/>
+          </p:cNvSpPr>
+          <p:nvPr>
+            <p:ph type="sldNum" sz="quarter" idx="12"/>
+          </p:nvPr>
+        </p:nvSpPr>
+        <p:spPr/>
+        <p:txBody>
+          <a:bodyPr/>
+          <a:lstStyle/>
+          <a:p>
+            <a:fld id="{3421685F-CAB6-4DB2-B1E5-AC83AB7F8612}" type="slidenum">
+              <a:rPr lang="zh-CN" altLang="en-US" smtClean="0"/>
+              <a:t>14</a:t>
+            </a:fld>
+            <a:endParaRPr lang="zh-CN" altLang="en-US"/>
+          </a:p>
+        </p:txBody>
+      </p:sp>
     </p:spTree>
     <p:extLst>
       <p:ext uri="{BB962C8B-B14F-4D97-AF65-F5344CB8AC3E}">
@@ -11310,13 +11418,13 @@
   <p:clrMapOvr>
     <a:masterClrMapping/>
   </p:clrMapOvr>
-  <mc:AlternateContent xmlns:mc="http://schemas.openxmlformats.org/markup-compatibility/2006">
-    <mc:Choice xmlns:p14="http://schemas.microsoft.com/office/powerpoint/2010/main" Requires="p14">
+  <mc:AlternateContent xmlns:mc="http://schemas.openxmlformats.org/markup-compatibility/2006" xmlns:p14="http://schemas.microsoft.com/office/powerpoint/2010/main">
+    <mc:Choice Requires="p14">
       <p:transition spd="med" p14:dur="700">
         <p:fade/>
       </p:transition>
     </mc:Choice>
-    <mc:Fallback>
+    <mc:Fallback xmlns="">
       <p:transition spd="med">
         <p:fade/>
       </p:transition>
@@ -11460,11 +11568,6 @@
               </a:rPr>
               <a:t>Opinion Aware IM</a:t>
             </a:r>
-            <a:endParaRPr lang="en-US" altLang="zh-CN" dirty="0">
-              <a:latin typeface="微软雅黑" panose="020B0503020204020204" pitchFamily="34" charset="-122"/>
-              <a:ea typeface="微软雅黑" panose="020B0503020204020204" pitchFamily="34" charset="-122"/>
-              <a:cs typeface="Arial" panose="020B0604020202020204" pitchFamily="34" charset="0"/>
-            </a:endParaRPr>
           </a:p>
         </p:txBody>
       </p:sp>
@@ -11698,6 +11801,29 @@
           </p:txBody>
         </p:sp>
       </p:grpSp>
+      <p:sp>
+        <p:nvSpPr>
+          <p:cNvPr id="2" name="灯片编号占位符 1"/>
+          <p:cNvSpPr>
+            <a:spLocks noGrp="1"/>
+          </p:cNvSpPr>
+          <p:nvPr>
+            <p:ph type="sldNum" sz="quarter" idx="12"/>
+          </p:nvPr>
+        </p:nvSpPr>
+        <p:spPr/>
+        <p:txBody>
+          <a:bodyPr/>
+          <a:lstStyle/>
+          <a:p>
+            <a:fld id="{3421685F-CAB6-4DB2-B1E5-AC83AB7F8612}" type="slidenum">
+              <a:rPr lang="zh-CN" altLang="en-US" smtClean="0"/>
+              <a:t>15</a:t>
+            </a:fld>
+            <a:endParaRPr lang="zh-CN" altLang="en-US"/>
+          </a:p>
+        </p:txBody>
+      </p:sp>
     </p:spTree>
     <p:extLst>
       <p:ext uri="{BB962C8B-B14F-4D97-AF65-F5344CB8AC3E}">
@@ -11708,13 +11834,13 @@
   <p:clrMapOvr>
     <a:masterClrMapping/>
   </p:clrMapOvr>
-  <mc:AlternateContent xmlns:mc="http://schemas.openxmlformats.org/markup-compatibility/2006">
-    <mc:Choice xmlns:p14="http://schemas.microsoft.com/office/powerpoint/2010/main" Requires="p14">
+  <mc:AlternateContent xmlns:mc="http://schemas.openxmlformats.org/markup-compatibility/2006" xmlns:p14="http://schemas.microsoft.com/office/powerpoint/2010/main">
+    <mc:Choice Requires="p14">
       <p:transition spd="med" p14:dur="700">
         <p:fade/>
       </p:transition>
     </mc:Choice>
-    <mc:Fallback>
+    <mc:Fallback xmlns="">
       <p:transition spd="med">
         <p:fade/>
       </p:transition>
@@ -11805,6 +11931,29 @@
           </a:p>
         </p:txBody>
       </p:sp>
+      <p:sp>
+        <p:nvSpPr>
+          <p:cNvPr id="3" name="灯片编号占位符 2"/>
+          <p:cNvSpPr>
+            <a:spLocks noGrp="1"/>
+          </p:cNvSpPr>
+          <p:nvPr>
+            <p:ph type="sldNum" sz="quarter" idx="12"/>
+          </p:nvPr>
+        </p:nvSpPr>
+        <p:spPr/>
+        <p:txBody>
+          <a:bodyPr/>
+          <a:lstStyle/>
+          <a:p>
+            <a:fld id="{3421685F-CAB6-4DB2-B1E5-AC83AB7F8612}" type="slidenum">
+              <a:rPr lang="zh-CN" altLang="en-US" smtClean="0"/>
+              <a:t>16</a:t>
+            </a:fld>
+            <a:endParaRPr lang="zh-CN" altLang="en-US"/>
+          </a:p>
+        </p:txBody>
+      </p:sp>
     </p:spTree>
     <p:extLst>
       <p:ext uri="{BB962C8B-B14F-4D97-AF65-F5344CB8AC3E}">
@@ -11815,13 +11964,13 @@
   <p:clrMapOvr>
     <a:masterClrMapping/>
   </p:clrMapOvr>
-  <mc:AlternateContent xmlns:mc="http://schemas.openxmlformats.org/markup-compatibility/2006">
-    <mc:Choice xmlns:p14="http://schemas.microsoft.com/office/powerpoint/2010/main" Requires="p14">
+  <mc:AlternateContent xmlns:mc="http://schemas.openxmlformats.org/markup-compatibility/2006" xmlns:p14="http://schemas.microsoft.com/office/powerpoint/2010/main">
+    <mc:Choice Requires="p14">
       <p:transition spd="med" p14:dur="700">
         <p:fade/>
       </p:transition>
     </mc:Choice>
-    <mc:Fallback>
+    <mc:Fallback xmlns="">
       <p:transition spd="med">
         <p:fade/>
       </p:transition>
@@ -11854,8 +12003,8 @@
           <a:chExt cx="0" cy="0"/>
         </a:xfrm>
       </p:grpSpPr>
-      <mc:AlternateContent xmlns:mc="http://schemas.openxmlformats.org/markup-compatibility/2006">
-        <mc:Choice xmlns:a14="http://schemas.microsoft.com/office/drawing/2010/main" Requires="a14">
+      <mc:AlternateContent xmlns:mc="http://schemas.openxmlformats.org/markup-compatibility/2006" xmlns:a14="http://schemas.microsoft.com/office/drawing/2010/main">
+        <mc:Choice Requires="a14">
           <p:sp>
             <p:nvSpPr>
               <p:cNvPr id="3" name="文本框 2"/>
@@ -12179,7 +12328,7 @@
             </p:txBody>
           </p:sp>
         </mc:Choice>
-        <mc:Fallback>
+        <mc:Fallback xmlns="">
           <p:sp>
             <p:nvSpPr>
               <p:cNvPr id="3" name="文本框 2"/>
@@ -12218,6 +12367,29 @@
           </p:sp>
         </mc:Fallback>
       </mc:AlternateContent>
+      <p:sp>
+        <p:nvSpPr>
+          <p:cNvPr id="2" name="灯片编号占位符 1"/>
+          <p:cNvSpPr>
+            <a:spLocks noGrp="1"/>
+          </p:cNvSpPr>
+          <p:nvPr>
+            <p:ph type="sldNum" sz="quarter" idx="12"/>
+          </p:nvPr>
+        </p:nvSpPr>
+        <p:spPr/>
+        <p:txBody>
+          <a:bodyPr/>
+          <a:lstStyle/>
+          <a:p>
+            <a:fld id="{3421685F-CAB6-4DB2-B1E5-AC83AB7F8612}" type="slidenum">
+              <a:rPr lang="zh-CN" altLang="en-US" smtClean="0"/>
+              <a:t>17</a:t>
+            </a:fld>
+            <a:endParaRPr lang="zh-CN" altLang="en-US"/>
+          </a:p>
+        </p:txBody>
+      </p:sp>
     </p:spTree>
     <p:extLst>
       <p:ext uri="{BB962C8B-B14F-4D97-AF65-F5344CB8AC3E}">
@@ -12228,11 +12400,11 @@
   <p:clrMapOvr>
     <a:masterClrMapping/>
   </p:clrMapOvr>
-  <mc:AlternateContent xmlns:mc="http://schemas.openxmlformats.org/markup-compatibility/2006">
-    <mc:Choice xmlns:p14="http://schemas.microsoft.com/office/powerpoint/2010/main" Requires="p14">
+  <mc:AlternateContent xmlns:mc="http://schemas.openxmlformats.org/markup-compatibility/2006" xmlns:p14="http://schemas.microsoft.com/office/powerpoint/2010/main">
+    <mc:Choice Requires="p14">
       <p:transition p14:dur="0"/>
     </mc:Choice>
-    <mc:Fallback>
+    <mc:Fallback xmlns="">
       <p:transition/>
     </mc:Fallback>
   </mc:AlternateContent>
@@ -12655,6 +12827,29 @@
           </a:p>
         </p:txBody>
       </p:sp>
+      <p:sp>
+        <p:nvSpPr>
+          <p:cNvPr id="2" name="灯片编号占位符 1"/>
+          <p:cNvSpPr>
+            <a:spLocks noGrp="1"/>
+          </p:cNvSpPr>
+          <p:nvPr>
+            <p:ph type="sldNum" sz="quarter" idx="12"/>
+          </p:nvPr>
+        </p:nvSpPr>
+        <p:spPr/>
+        <p:txBody>
+          <a:bodyPr/>
+          <a:lstStyle/>
+          <a:p>
+            <a:fld id="{3421685F-CAB6-4DB2-B1E5-AC83AB7F8612}" type="slidenum">
+              <a:rPr lang="zh-CN" altLang="en-US" smtClean="0"/>
+              <a:t>2</a:t>
+            </a:fld>
+            <a:endParaRPr lang="zh-CN" altLang="en-US"/>
+          </a:p>
+        </p:txBody>
+      </p:sp>
     </p:spTree>
     <p:extLst>
       <p:ext uri="{BB962C8B-B14F-4D97-AF65-F5344CB8AC3E}">
@@ -12665,13 +12860,13 @@
   <p:clrMapOvr>
     <a:masterClrMapping/>
   </p:clrMapOvr>
-  <mc:AlternateContent xmlns:mc="http://schemas.openxmlformats.org/markup-compatibility/2006">
-    <mc:Choice xmlns:p14="http://schemas.microsoft.com/office/powerpoint/2010/main" Requires="p14">
+  <mc:AlternateContent xmlns:mc="http://schemas.openxmlformats.org/markup-compatibility/2006" xmlns:p14="http://schemas.microsoft.com/office/powerpoint/2010/main">
+    <mc:Choice Requires="p14">
       <p:transition spd="med" p14:dur="700">
         <p:fade/>
       </p:transition>
     </mc:Choice>
-    <mc:Fallback>
+    <mc:Fallback xmlns="">
       <p:transition spd="med">
         <p:fade/>
       </p:transition>
@@ -14801,6 +14996,29 @@
           </mc:Fallback>
         </mc:AlternateContent>
       </p:grpSp>
+      <p:sp>
+        <p:nvSpPr>
+          <p:cNvPr id="3" name="灯片编号占位符 2"/>
+          <p:cNvSpPr>
+            <a:spLocks noGrp="1"/>
+          </p:cNvSpPr>
+          <p:nvPr>
+            <p:ph type="sldNum" sz="quarter" idx="12"/>
+          </p:nvPr>
+        </p:nvSpPr>
+        <p:spPr/>
+        <p:txBody>
+          <a:bodyPr/>
+          <a:lstStyle/>
+          <a:p>
+            <a:fld id="{3421685F-CAB6-4DB2-B1E5-AC83AB7F8612}" type="slidenum">
+              <a:rPr lang="zh-CN" altLang="en-US" smtClean="0"/>
+              <a:t>3</a:t>
+            </a:fld>
+            <a:endParaRPr lang="zh-CN" altLang="en-US"/>
+          </a:p>
+        </p:txBody>
+      </p:sp>
     </p:spTree>
     <p:extLst>
       <p:ext uri="{BB962C8B-B14F-4D97-AF65-F5344CB8AC3E}">
@@ -14811,13 +15029,13 @@
   <p:clrMapOvr>
     <a:masterClrMapping/>
   </p:clrMapOvr>
-  <mc:AlternateContent xmlns:mc="http://schemas.openxmlformats.org/markup-compatibility/2006">
-    <mc:Choice xmlns:p14="http://schemas.microsoft.com/office/powerpoint/2010/main" Requires="p14">
+  <mc:AlternateContent xmlns:mc="http://schemas.openxmlformats.org/markup-compatibility/2006" xmlns:p14="http://schemas.microsoft.com/office/powerpoint/2010/main">
+    <mc:Choice Requires="p14">
       <p:transition spd="med" p14:dur="700">
         <p:fade/>
       </p:transition>
     </mc:Choice>
-    <mc:Fallback>
+    <mc:Fallback xmlns="">
       <p:transition spd="med">
         <p:fade/>
       </p:transition>
@@ -16791,6 +17009,29 @@
           </a:fontRef>
         </p:style>
       </p:cxnSp>
+      <p:sp>
+        <p:nvSpPr>
+          <p:cNvPr id="2" name="灯片编号占位符 1"/>
+          <p:cNvSpPr>
+            <a:spLocks noGrp="1"/>
+          </p:cNvSpPr>
+          <p:nvPr>
+            <p:ph type="sldNum" sz="quarter" idx="12"/>
+          </p:nvPr>
+        </p:nvSpPr>
+        <p:spPr/>
+        <p:txBody>
+          <a:bodyPr/>
+          <a:lstStyle/>
+          <a:p>
+            <a:fld id="{3421685F-CAB6-4DB2-B1E5-AC83AB7F8612}" type="slidenum">
+              <a:rPr lang="zh-CN" altLang="en-US" smtClean="0"/>
+              <a:t>4</a:t>
+            </a:fld>
+            <a:endParaRPr lang="zh-CN" altLang="en-US"/>
+          </a:p>
+        </p:txBody>
+      </p:sp>
     </p:spTree>
     <p:extLst>
       <p:ext uri="{BB962C8B-B14F-4D97-AF65-F5344CB8AC3E}">
@@ -16801,13 +17042,13 @@
   <p:clrMapOvr>
     <a:masterClrMapping/>
   </p:clrMapOvr>
-  <mc:AlternateContent xmlns:mc="http://schemas.openxmlformats.org/markup-compatibility/2006">
-    <mc:Choice xmlns:p14="http://schemas.microsoft.com/office/powerpoint/2010/main" Requires="p14">
+  <mc:AlternateContent xmlns:mc="http://schemas.openxmlformats.org/markup-compatibility/2006" xmlns:p14="http://schemas.microsoft.com/office/powerpoint/2010/main">
+    <mc:Choice Requires="p14">
       <p:transition spd="med" p14:dur="700">
         <p:fade/>
       </p:transition>
     </mc:Choice>
-    <mc:Fallback>
+    <mc:Fallback xmlns="">
       <p:transition spd="med">
         <p:fade/>
       </p:transition>
@@ -17109,6 +17350,164 @@
           <a:chExt cx="0" cy="0"/>
         </a:xfrm>
       </p:grpSpPr>
+      <mc:AlternateContent xmlns:mc="http://schemas.openxmlformats.org/markup-compatibility/2006" xmlns:a14="http://schemas.microsoft.com/office/drawing/2010/main">
+        <mc:Choice Requires="a14">
+          <p:sp>
+            <p:nvSpPr>
+              <p:cNvPr id="51" name="文本框 50"/>
+              <p:cNvSpPr txBox="1"/>
+              <p:nvPr/>
+            </p:nvSpPr>
+            <p:spPr>
+              <a:xfrm>
+                <a:off x="4455055" y="3580751"/>
+                <a:ext cx="3717621" cy="969496"/>
+              </a:xfrm>
+              <a:prstGeom prst="rect">
+                <a:avLst/>
+              </a:prstGeom>
+              <a:noFill/>
+              <a:ln w="28575">
+                <a:solidFill>
+                  <a:srgbClr val="00B0F0"/>
+                </a:solidFill>
+                <a:prstDash val="dashDot"/>
+              </a:ln>
+            </p:spPr>
+            <p:txBody>
+              <a:bodyPr wrap="none" lIns="0" tIns="0" rIns="0" bIns="0" rtlCol="0">
+                <a:spAutoFit/>
+              </a:bodyPr>
+              <a:lstStyle/>
+              <a:p>
+                <a:pPr algn="dist">
+                  <a:lnSpc>
+                    <a:spcPct val="150000"/>
+                  </a:lnSpc>
+                </a:pPr>
+                <a14:m>
+                  <m:oMath xmlns:m="http://schemas.openxmlformats.org/officeDocument/2006/math">
+                    <m:r>
+                      <a:rPr lang="en-US" altLang="zh-CN" sz="2400" b="0" i="1" smtClean="0">
+                        <a:solidFill>
+                          <a:srgbClr val="7030A0"/>
+                        </a:solidFill>
+                        <a:latin typeface="Cambria Math" panose="02040503050406030204" pitchFamily="18" charset="0"/>
+                      </a:rPr>
+                      <m:t>  </m:t>
+                    </m:r>
+                    <m:r>
+                      <m:rPr>
+                        <m:sty m:val="p"/>
+                      </m:rPr>
+                      <a:rPr lang="el-GR" altLang="zh-CN" sz="2400" i="1">
+                        <a:solidFill>
+                          <a:srgbClr val="7030A0"/>
+                        </a:solidFill>
+                        <a:latin typeface="Cambria Math" panose="02040503050406030204" pitchFamily="18" charset="0"/>
+                      </a:rPr>
+                      <m:t>φ</m:t>
+                    </m:r>
+                    <m:r>
+                      <a:rPr lang="en-US" altLang="zh-CN" sz="2400" i="1" baseline="-25000">
+                        <a:solidFill>
+                          <a:srgbClr val="7030A0"/>
+                        </a:solidFill>
+                        <a:latin typeface="Cambria Math" panose="02040503050406030204" pitchFamily="18" charset="0"/>
+                      </a:rPr>
+                      <m:t>𝑢𝑣</m:t>
+                    </m:r>
+                  </m:oMath>
+                </a14:m>
+                <a:r>
+                  <a:rPr lang="en-US" altLang="zh-CN" sz="2400" dirty="0">
+                    <a:solidFill>
+                      <a:srgbClr val="7030A0"/>
+                    </a:solidFill>
+                  </a:rPr>
+                  <a:t>=0.5 </a:t>
+                </a:r>
+              </a:p>
+              <a:p>
+                <a:pPr algn="dist">
+                  <a:lnSpc>
+                    <a:spcPct val="150000"/>
+                  </a:lnSpc>
+                </a:pPr>
+                <a:r>
+                  <a:rPr lang="en-US" altLang="zh-CN" dirty="0" smtClean="0">
+                    <a:latin typeface="微软雅黑" panose="020B0503020204020204" pitchFamily="34" charset="-122"/>
+                    <a:ea typeface="微软雅黑" panose="020B0503020204020204" pitchFamily="34" charset="-122"/>
+                  </a:rPr>
+                  <a:t>  u </a:t>
+                </a:r>
+                <a:r>
+                  <a:rPr lang="en-US" altLang="zh-CN" dirty="0">
+                    <a:latin typeface="微软雅黑" panose="020B0503020204020204" pitchFamily="34" charset="-122"/>
+                    <a:ea typeface="微软雅黑" panose="020B0503020204020204" pitchFamily="34" charset="-122"/>
+                  </a:rPr>
+                  <a:t>agrees with v half of the </a:t>
+                </a:r>
+                <a:r>
+                  <a:rPr lang="en-US" altLang="zh-CN" dirty="0" smtClean="0">
+                    <a:latin typeface="微软雅黑" panose="020B0503020204020204" pitchFamily="34" charset="-122"/>
+                    <a:ea typeface="微软雅黑" panose="020B0503020204020204" pitchFamily="34" charset="-122"/>
+                  </a:rPr>
+                  <a:t>time  </a:t>
+                </a:r>
+                <a:endParaRPr lang="zh-CN" altLang="en-US" dirty="0">
+                  <a:latin typeface="微软雅黑" panose="020B0503020204020204" pitchFamily="34" charset="-122"/>
+                  <a:ea typeface="微软雅黑" panose="020B0503020204020204" pitchFamily="34" charset="-122"/>
+                </a:endParaRPr>
+              </a:p>
+            </p:txBody>
+          </p:sp>
+        </mc:Choice>
+        <mc:Fallback xmlns="">
+          <p:sp>
+            <p:nvSpPr>
+              <p:cNvPr id="51" name="文本框 50"/>
+              <p:cNvSpPr txBox="1">
+                <a:spLocks noRot="1" noChangeAspect="1" noMove="1" noResize="1" noEditPoints="1" noAdjustHandles="1" noChangeArrowheads="1" noChangeShapeType="1" noTextEdit="1"/>
+              </p:cNvSpPr>
+              <p:nvPr/>
+            </p:nvSpPr>
+            <p:spPr>
+              <a:xfrm>
+                <a:off x="4455055" y="3580751"/>
+                <a:ext cx="3717621" cy="969496"/>
+              </a:xfrm>
+              <a:prstGeom prst="rect">
+                <a:avLst/>
+              </a:prstGeom>
+              <a:blipFill rotWithShape="0">
+                <a:blip r:embed="rId3"/>
+                <a:stretch>
+                  <a:fillRect b="-7317"/>
+                </a:stretch>
+              </a:blipFill>
+              <a:ln w="28575">
+                <a:solidFill>
+                  <a:srgbClr val="00B0F0"/>
+                </a:solidFill>
+                <a:prstDash val="dashDot"/>
+              </a:ln>
+            </p:spPr>
+            <p:txBody>
+              <a:bodyPr/>
+              <a:lstStyle/>
+              <a:p>
+                <a:r>
+                  <a:rPr lang="zh-CN" altLang="en-US">
+                    <a:noFill/>
+                  </a:rPr>
+                  <a:t> </a:t>
+                </a:r>
+              </a:p>
+            </p:txBody>
+          </p:sp>
+        </mc:Fallback>
+      </mc:AlternateContent>
       <p:sp>
         <p:nvSpPr>
           <p:cNvPr id="2" name="矩形 1"/>
@@ -17149,7 +17548,7 @@
         </p:nvGrpSpPr>
         <p:grpSpPr>
           <a:xfrm>
-            <a:off x="3148759" y="3580751"/>
+            <a:off x="2475659" y="3580751"/>
             <a:ext cx="973728" cy="831786"/>
             <a:chOff x="500130" y="4973779"/>
             <a:chExt cx="1560300" cy="1332852"/>
@@ -17164,7 +17563,7 @@
             <p:nvPr/>
           </p:nvPicPr>
           <p:blipFill>
-            <a:blip r:embed="rId3" cstate="print">
+            <a:blip r:embed="rId4" cstate="print">
               <a:extLst>
                 <a:ext uri="{28A0092B-C50C-407E-A947-70E740481C1C}">
                   <a14:useLocalDpi xmlns:a14="http://schemas.microsoft.com/office/drawing/2010/main" val="0"/>
@@ -17229,7 +17628,7 @@
         </p:nvGrpSpPr>
         <p:grpSpPr>
           <a:xfrm>
-            <a:off x="4485732" y="3588111"/>
+            <a:off x="3812632" y="3588111"/>
             <a:ext cx="833883" cy="824425"/>
             <a:chOff x="2458696" y="4925956"/>
             <a:chExt cx="1325074" cy="1310044"/>
@@ -17244,7 +17643,7 @@
             <p:nvPr/>
           </p:nvPicPr>
           <p:blipFill>
-            <a:blip r:embed="rId4" cstate="print">
+            <a:blip r:embed="rId5" cstate="print">
               <a:extLst>
                 <a:ext uri="{28A0092B-C50C-407E-A947-70E740481C1C}">
                   <a14:useLocalDpi xmlns:a14="http://schemas.microsoft.com/office/drawing/2010/main" val="0"/>
@@ -17309,7 +17708,7 @@
         </p:nvGrpSpPr>
         <p:grpSpPr>
           <a:xfrm>
-            <a:off x="5682860" y="3586536"/>
+            <a:off x="5009760" y="3586536"/>
             <a:ext cx="903196" cy="828776"/>
             <a:chOff x="3872184" y="4966835"/>
             <a:chExt cx="1379687" cy="1234343"/>
@@ -17324,7 +17723,7 @@
             <p:nvPr/>
           </p:nvPicPr>
           <p:blipFill>
-            <a:blip r:embed="rId5" cstate="print">
+            <a:blip r:embed="rId6" cstate="print">
               <a:extLst>
                 <a:ext uri="{28A0092B-C50C-407E-A947-70E740481C1C}">
                   <a14:useLocalDpi xmlns:a14="http://schemas.microsoft.com/office/drawing/2010/main" val="0"/>
@@ -17488,7 +17887,7 @@
                 <a:avLst/>
               </a:prstGeom>
               <a:blipFill rotWithShape="0">
-                <a:blip r:embed="rId6"/>
+                <a:blip r:embed="rId7"/>
                 <a:stretch>
                   <a:fillRect l="-16867" r="-3614" b="-30508"/>
                 </a:stretch>
@@ -17595,7 +17994,7 @@
                 <a:avLst/>
               </a:prstGeom>
               <a:blipFill rotWithShape="0">
-                <a:blip r:embed="rId7"/>
+                <a:blip r:embed="rId8"/>
                 <a:stretch>
                   <a:fillRect l="-6731" t="-1961" r="-9135" b="-33333"/>
                 </a:stretch>
@@ -17743,167 +18142,9 @@
                 <a:avLst/>
               </a:prstGeom>
               <a:blipFill rotWithShape="0">
-                <a:blip r:embed="rId8"/>
+                <a:blip r:embed="rId9"/>
                 <a:stretch>
                   <a:fillRect r="-1174" b="-7317"/>
-                </a:stretch>
-              </a:blipFill>
-              <a:ln w="28575">
-                <a:solidFill>
-                  <a:srgbClr val="00B0F0"/>
-                </a:solidFill>
-                <a:prstDash val="dashDot"/>
-              </a:ln>
-            </p:spPr>
-            <p:txBody>
-              <a:bodyPr/>
-              <a:lstStyle/>
-              <a:p>
-                <a:r>
-                  <a:rPr lang="zh-CN" altLang="en-US">
-                    <a:noFill/>
-                  </a:rPr>
-                  <a:t> </a:t>
-                </a:r>
-              </a:p>
-            </p:txBody>
-          </p:sp>
-        </mc:Fallback>
-      </mc:AlternateContent>
-      <mc:AlternateContent xmlns:mc="http://schemas.openxmlformats.org/markup-compatibility/2006" xmlns:a14="http://schemas.microsoft.com/office/drawing/2010/main">
-        <mc:Choice Requires="a14">
-          <p:sp>
-            <p:nvSpPr>
-              <p:cNvPr id="51" name="文本框 50"/>
-              <p:cNvSpPr txBox="1"/>
-              <p:nvPr/>
-            </p:nvSpPr>
-            <p:spPr>
-              <a:xfrm>
-                <a:off x="4455055" y="3580751"/>
-                <a:ext cx="3717621" cy="969496"/>
-              </a:xfrm>
-              <a:prstGeom prst="rect">
-                <a:avLst/>
-              </a:prstGeom>
-              <a:noFill/>
-              <a:ln w="28575">
-                <a:solidFill>
-                  <a:srgbClr val="00B0F0"/>
-                </a:solidFill>
-                <a:prstDash val="dashDot"/>
-              </a:ln>
-            </p:spPr>
-            <p:txBody>
-              <a:bodyPr wrap="none" lIns="0" tIns="0" rIns="0" bIns="0" rtlCol="0">
-                <a:spAutoFit/>
-              </a:bodyPr>
-              <a:lstStyle/>
-              <a:p>
-                <a:pPr algn="dist">
-                  <a:lnSpc>
-                    <a:spcPct val="150000"/>
-                  </a:lnSpc>
-                </a:pPr>
-                <a14:m>
-                  <m:oMath xmlns:m="http://schemas.openxmlformats.org/officeDocument/2006/math">
-                    <m:r>
-                      <a:rPr lang="en-US" altLang="zh-CN" sz="2400" b="0" i="1" smtClean="0">
-                        <a:solidFill>
-                          <a:srgbClr val="7030A0"/>
-                        </a:solidFill>
-                        <a:latin typeface="Cambria Math" panose="02040503050406030204" pitchFamily="18" charset="0"/>
-                      </a:rPr>
-                      <m:t>  </m:t>
-                    </m:r>
-                    <m:r>
-                      <m:rPr>
-                        <m:sty m:val="p"/>
-                      </m:rPr>
-                      <a:rPr lang="el-GR" altLang="zh-CN" sz="2400" i="1">
-                        <a:solidFill>
-                          <a:srgbClr val="7030A0"/>
-                        </a:solidFill>
-                        <a:latin typeface="Cambria Math" panose="02040503050406030204" pitchFamily="18" charset="0"/>
-                      </a:rPr>
-                      <m:t>φ</m:t>
-                    </m:r>
-                    <m:r>
-                      <a:rPr lang="en-US" altLang="zh-CN" sz="2400" i="1" baseline="-25000">
-                        <a:solidFill>
-                          <a:srgbClr val="7030A0"/>
-                        </a:solidFill>
-                        <a:latin typeface="Cambria Math" panose="02040503050406030204" pitchFamily="18" charset="0"/>
-                      </a:rPr>
-                      <m:t>𝑢𝑣</m:t>
-                    </m:r>
-                  </m:oMath>
-                </a14:m>
-                <a:r>
-                  <a:rPr lang="en-US" altLang="zh-CN" sz="2400" dirty="0">
-                    <a:solidFill>
-                      <a:srgbClr val="7030A0"/>
-                    </a:solidFill>
-                  </a:rPr>
-                  <a:t>=0.5 </a:t>
-                </a:r>
-              </a:p>
-              <a:p>
-                <a:pPr algn="dist">
-                  <a:lnSpc>
-                    <a:spcPct val="150000"/>
-                  </a:lnSpc>
-                </a:pPr>
-                <a:r>
-                  <a:rPr lang="en-US" altLang="zh-CN" dirty="0" smtClean="0">
-                    <a:latin typeface="微软雅黑" panose="020B0503020204020204" pitchFamily="34" charset="-122"/>
-                    <a:ea typeface="微软雅黑" panose="020B0503020204020204" pitchFamily="34" charset="-122"/>
-                  </a:rPr>
-                  <a:t>  u </a:t>
-                </a:r>
-                <a:r>
-                  <a:rPr lang="en-US" altLang="zh-CN" dirty="0">
-                    <a:latin typeface="微软雅黑" panose="020B0503020204020204" pitchFamily="34" charset="-122"/>
-                    <a:ea typeface="微软雅黑" panose="020B0503020204020204" pitchFamily="34" charset="-122"/>
-                  </a:rPr>
-                  <a:t>agrees with v half of the </a:t>
-                </a:r>
-                <a:r>
-                  <a:rPr lang="en-US" altLang="zh-CN" dirty="0" smtClean="0">
-                    <a:latin typeface="微软雅黑" panose="020B0503020204020204" pitchFamily="34" charset="-122"/>
-                    <a:ea typeface="微软雅黑" panose="020B0503020204020204" pitchFamily="34" charset="-122"/>
-                  </a:rPr>
-                  <a:t>time  </a:t>
-                </a:r>
-                <a:endParaRPr lang="zh-CN" altLang="en-US" dirty="0">
-                  <a:latin typeface="微软雅黑" panose="020B0503020204020204" pitchFamily="34" charset="-122"/>
-                  <a:ea typeface="微软雅黑" panose="020B0503020204020204" pitchFamily="34" charset="-122"/>
-                </a:endParaRPr>
-              </a:p>
-            </p:txBody>
-          </p:sp>
-        </mc:Choice>
-        <mc:Fallback xmlns="">
-          <p:sp>
-            <p:nvSpPr>
-              <p:cNvPr id="51" name="文本框 50"/>
-              <p:cNvSpPr txBox="1">
-                <a:spLocks noRot="1" noChangeAspect="1" noMove="1" noResize="1" noEditPoints="1" noAdjustHandles="1" noChangeArrowheads="1" noChangeShapeType="1" noTextEdit="1"/>
-              </p:cNvSpPr>
-              <p:nvPr/>
-            </p:nvSpPr>
-            <p:spPr>
-              <a:xfrm>
-                <a:off x="4455055" y="3580751"/>
-                <a:ext cx="3717621" cy="969496"/>
-              </a:xfrm>
-              <a:prstGeom prst="rect">
-                <a:avLst/>
-              </a:prstGeom>
-              <a:blipFill rotWithShape="0">
-                <a:blip r:embed="rId9"/>
-                <a:stretch>
-                  <a:fillRect b="-7317"/>
                 </a:stretch>
               </a:blipFill>
               <a:ln w="28575">
@@ -19983,6 +20224,29 @@
           </p:sp>
         </mc:Fallback>
       </mc:AlternateContent>
+      <p:sp>
+        <p:nvSpPr>
+          <p:cNvPr id="3" name="灯片编号占位符 2"/>
+          <p:cNvSpPr>
+            <a:spLocks noGrp="1"/>
+          </p:cNvSpPr>
+          <p:nvPr>
+            <p:ph type="sldNum" sz="quarter" idx="12"/>
+          </p:nvPr>
+        </p:nvSpPr>
+        <p:spPr/>
+        <p:txBody>
+          <a:bodyPr/>
+          <a:lstStyle/>
+          <a:p>
+            <a:fld id="{3421685F-CAB6-4DB2-B1E5-AC83AB7F8612}" type="slidenum">
+              <a:rPr lang="zh-CN" altLang="en-US" smtClean="0"/>
+              <a:t>5</a:t>
+            </a:fld>
+            <a:endParaRPr lang="zh-CN" altLang="en-US"/>
+          </a:p>
+        </p:txBody>
+      </p:sp>
     </p:spTree>
     <p:extLst>
       <p:ext uri="{BB962C8B-B14F-4D97-AF65-F5344CB8AC3E}">
@@ -19993,13 +20257,13 @@
   <p:clrMapOvr>
     <a:masterClrMapping/>
   </p:clrMapOvr>
-  <mc:AlternateContent xmlns:mc="http://schemas.openxmlformats.org/markup-compatibility/2006">
-    <mc:Choice xmlns:p14="http://schemas.microsoft.com/office/powerpoint/2010/main" Requires="p14">
+  <mc:AlternateContent xmlns:mc="http://schemas.openxmlformats.org/markup-compatibility/2006" xmlns:p14="http://schemas.microsoft.com/office/powerpoint/2010/main">
+    <mc:Choice Requires="p14">
       <p:transition spd="med" p14:dur="700">
         <p:fade/>
       </p:transition>
     </mc:Choice>
-    <mc:Fallback>
+    <mc:Fallback xmlns="">
       <p:transition spd="med">
         <p:fade/>
       </p:transition>
@@ -21668,14 +21932,14 @@
       </p:par>
     </p:tnLst>
     <p:bldLst>
+      <p:bldP spid="51" grpId="0" animBg="1"/>
+      <p:bldP spid="51" grpId="1" animBg="1"/>
       <p:bldP spid="2" grpId="0"/>
       <p:bldP spid="45" grpId="0"/>
       <p:bldP spid="49" grpId="0"/>
       <p:bldP spid="21" grpId="0"/>
       <p:bldP spid="50" grpId="0" animBg="1"/>
       <p:bldP spid="50" grpId="1" animBg="1"/>
-      <p:bldP spid="51" grpId="0" animBg="1"/>
-      <p:bldP spid="51" grpId="1" animBg="1"/>
       <p:bldP spid="78" grpId="0"/>
       <p:bldP spid="79" grpId="0"/>
       <p:bldP spid="27" grpId="0"/>
@@ -22544,6 +22808,29 @@
           </p:sp>
         </mc:Fallback>
       </mc:AlternateContent>
+      <p:sp>
+        <p:nvSpPr>
+          <p:cNvPr id="2" name="灯片编号占位符 1"/>
+          <p:cNvSpPr>
+            <a:spLocks noGrp="1"/>
+          </p:cNvSpPr>
+          <p:nvPr>
+            <p:ph type="sldNum" sz="quarter" idx="12"/>
+          </p:nvPr>
+        </p:nvSpPr>
+        <p:spPr/>
+        <p:txBody>
+          <a:bodyPr/>
+          <a:lstStyle/>
+          <a:p>
+            <a:fld id="{3421685F-CAB6-4DB2-B1E5-AC83AB7F8612}" type="slidenum">
+              <a:rPr lang="zh-CN" altLang="en-US" smtClean="0"/>
+              <a:t>6</a:t>
+            </a:fld>
+            <a:endParaRPr lang="zh-CN" altLang="en-US"/>
+          </a:p>
+        </p:txBody>
+      </p:sp>
     </p:spTree>
     <p:extLst>
       <p:ext uri="{BB962C8B-B14F-4D97-AF65-F5344CB8AC3E}">
@@ -22554,13 +22841,13 @@
   <p:clrMapOvr>
     <a:masterClrMapping/>
   </p:clrMapOvr>
-  <mc:AlternateContent xmlns:mc="http://schemas.openxmlformats.org/markup-compatibility/2006">
-    <mc:Choice xmlns:p14="http://schemas.microsoft.com/office/powerpoint/2010/main" Requires="p14">
+  <mc:AlternateContent xmlns:mc="http://schemas.openxmlformats.org/markup-compatibility/2006" xmlns:p14="http://schemas.microsoft.com/office/powerpoint/2010/main">
+    <mc:Choice Requires="p14">
       <p:transition spd="med" p14:dur="700">
         <p:fade/>
       </p:transition>
     </mc:Choice>
-    <mc:Fallback>
+    <mc:Fallback xmlns="">
       <p:transition spd="med">
         <p:fade/>
       </p:transition>
@@ -23504,6 +23791,29 @@
           </a:p>
         </p:txBody>
       </p:sp>
+      <p:sp>
+        <p:nvSpPr>
+          <p:cNvPr id="4" name="灯片编号占位符 3"/>
+          <p:cNvSpPr>
+            <a:spLocks noGrp="1"/>
+          </p:cNvSpPr>
+          <p:nvPr>
+            <p:ph type="sldNum" sz="quarter" idx="12"/>
+          </p:nvPr>
+        </p:nvSpPr>
+        <p:spPr/>
+        <p:txBody>
+          <a:bodyPr/>
+          <a:lstStyle/>
+          <a:p>
+            <a:fld id="{3421685F-CAB6-4DB2-B1E5-AC83AB7F8612}" type="slidenum">
+              <a:rPr lang="zh-CN" altLang="en-US" smtClean="0"/>
+              <a:t>7</a:t>
+            </a:fld>
+            <a:endParaRPr lang="zh-CN" altLang="en-US"/>
+          </a:p>
+        </p:txBody>
+      </p:sp>
     </p:spTree>
     <p:extLst>
       <p:ext uri="{BB962C8B-B14F-4D97-AF65-F5344CB8AC3E}">
@@ -23514,13 +23824,13 @@
   <p:clrMapOvr>
     <a:masterClrMapping/>
   </p:clrMapOvr>
-  <mc:AlternateContent xmlns:mc="http://schemas.openxmlformats.org/markup-compatibility/2006">
-    <mc:Choice xmlns:p14="http://schemas.microsoft.com/office/powerpoint/2010/main" Requires="p14">
+  <mc:AlternateContent xmlns:mc="http://schemas.openxmlformats.org/markup-compatibility/2006" xmlns:p14="http://schemas.microsoft.com/office/powerpoint/2010/main">
+    <mc:Choice Requires="p14">
       <p:transition spd="med" p14:dur="700">
         <p:fade/>
       </p:transition>
     </mc:Choice>
-    <mc:Fallback>
+    <mc:Fallback xmlns="">
       <p:transition spd="med">
         <p:fade/>
       </p:transition>
@@ -25222,6 +25532,29 @@
           </p:sp>
         </mc:Fallback>
       </mc:AlternateContent>
+      <p:sp>
+        <p:nvSpPr>
+          <p:cNvPr id="5" name="灯片编号占位符 4"/>
+          <p:cNvSpPr>
+            <a:spLocks noGrp="1"/>
+          </p:cNvSpPr>
+          <p:nvPr>
+            <p:ph type="sldNum" sz="quarter" idx="12"/>
+          </p:nvPr>
+        </p:nvSpPr>
+        <p:spPr/>
+        <p:txBody>
+          <a:bodyPr/>
+          <a:lstStyle/>
+          <a:p>
+            <a:fld id="{3421685F-CAB6-4DB2-B1E5-AC83AB7F8612}" type="slidenum">
+              <a:rPr lang="zh-CN" altLang="en-US" smtClean="0"/>
+              <a:t>8</a:t>
+            </a:fld>
+            <a:endParaRPr lang="zh-CN" altLang="en-US"/>
+          </a:p>
+        </p:txBody>
+      </p:sp>
     </p:spTree>
     <p:extLst>
       <p:ext uri="{BB962C8B-B14F-4D97-AF65-F5344CB8AC3E}">
@@ -25232,13 +25565,13 @@
   <p:clrMapOvr>
     <a:masterClrMapping/>
   </p:clrMapOvr>
-  <mc:AlternateContent xmlns:mc="http://schemas.openxmlformats.org/markup-compatibility/2006">
-    <mc:Choice xmlns:p14="http://schemas.microsoft.com/office/powerpoint/2010/main" Requires="p14">
+  <mc:AlternateContent xmlns:mc="http://schemas.openxmlformats.org/markup-compatibility/2006" xmlns:p14="http://schemas.microsoft.com/office/powerpoint/2010/main">
+    <mc:Choice Requires="p14">
       <p:transition spd="med" p14:dur="700">
         <p:fade/>
       </p:transition>
     </mc:Choice>
-    <mc:Fallback>
+    <mc:Fallback xmlns="">
       <p:transition spd="med">
         <p:fade/>
       </p:transition>
@@ -26766,6 +27099,29 @@
           </a:p>
         </p:txBody>
       </p:sp>
+      <p:sp>
+        <p:nvSpPr>
+          <p:cNvPr id="2" name="灯片编号占位符 1"/>
+          <p:cNvSpPr>
+            <a:spLocks noGrp="1"/>
+          </p:cNvSpPr>
+          <p:nvPr>
+            <p:ph type="sldNum" sz="quarter" idx="12"/>
+          </p:nvPr>
+        </p:nvSpPr>
+        <p:spPr/>
+        <p:txBody>
+          <a:bodyPr/>
+          <a:lstStyle/>
+          <a:p>
+            <a:fld id="{3421685F-CAB6-4DB2-B1E5-AC83AB7F8612}" type="slidenum">
+              <a:rPr lang="zh-CN" altLang="en-US" smtClean="0"/>
+              <a:t>9</a:t>
+            </a:fld>
+            <a:endParaRPr lang="zh-CN" altLang="en-US"/>
+          </a:p>
+        </p:txBody>
+      </p:sp>
     </p:spTree>
     <p:extLst>
       <p:ext uri="{BB962C8B-B14F-4D97-AF65-F5344CB8AC3E}">
@@ -26776,13 +27132,13 @@
   <p:clrMapOvr>
     <a:masterClrMapping/>
   </p:clrMapOvr>
-  <mc:AlternateContent xmlns:mc="http://schemas.openxmlformats.org/markup-compatibility/2006">
-    <mc:Choice xmlns:p14="http://schemas.microsoft.com/office/powerpoint/2010/main" Requires="p14">
+  <mc:AlternateContent xmlns:mc="http://schemas.openxmlformats.org/markup-compatibility/2006" xmlns:p14="http://schemas.microsoft.com/office/powerpoint/2010/main">
+    <mc:Choice Requires="p14">
       <p:transition spd="med" p14:dur="700">
         <p:fade/>
       </p:transition>
     </mc:Choice>
-    <mc:Fallback>
+    <mc:Fallback xmlns="">
       <p:transition spd="med">
         <p:fade/>
       </p:transition>

--- a/4-魏天柱-Holistic Influence Maximization_ Combining Scalability and Efficiency with Opinion-Aware Models..pptx
+++ b/4-魏天柱-Holistic Influence Maximization_ Combining Scalability and Efficiency with Opinion-Aware Models..pptx
@@ -5,10 +5,10 @@
     <p:sldMasterId id="2147483692" r:id="rId1"/>
   </p:sldMasterIdLst>
   <p:notesMasterIdLst>
-    <p:notesMasterId r:id="rId19"/>
+    <p:notesMasterId r:id="rId18"/>
   </p:notesMasterIdLst>
   <p:handoutMasterIdLst>
-    <p:handoutMasterId r:id="rId20"/>
+    <p:handoutMasterId r:id="rId19"/>
   </p:handoutMasterIdLst>
   <p:sldIdLst>
     <p:sldId id="256" r:id="rId2"/>
@@ -27,7 +27,6 @@
     <p:sldId id="289" r:id="rId15"/>
     <p:sldId id="291" r:id="rId16"/>
     <p:sldId id="274" r:id="rId17"/>
-    <p:sldId id="290" r:id="rId18"/>
   </p:sldIdLst>
   <p:sldSz cx="9144000" cy="6858000" type="screen4x3"/>
   <p:notesSz cx="6858000" cy="9144000"/>
@@ -228,7 +227,7 @@
           <a:p>
             <a:fld id="{75B6E363-E6B3-49EC-99B9-D71939BAE8EA}" type="datetimeFigureOut">
               <a:rPr lang="zh-CN" altLang="en-US" smtClean="0"/>
-              <a:t>2016/11/9</a:t>
+              <a:t>2016/11/10</a:t>
             </a:fld>
             <a:endParaRPr lang="zh-CN" altLang="en-US"/>
           </a:p>
@@ -394,7 +393,7 @@
           <a:p>
             <a:fld id="{390D7B70-739F-46B8-8786-37DA01C23847}" type="datetimeFigureOut">
               <a:rPr lang="zh-CN" altLang="en-US" smtClean="0"/>
-              <a:t>2016/11/9</a:t>
+              <a:t>2016/11/10</a:t>
             </a:fld>
             <a:endParaRPr lang="zh-CN" altLang="en-US"/>
           </a:p>
@@ -1269,6 +1268,90 @@
             <p:ph type="sldImg"/>
           </p:nvPr>
         </p:nvSpPr>
+        <p:spPr/>
+      </p:sp>
+      <p:sp>
+        <p:nvSpPr>
+          <p:cNvPr id="3" name="备注占位符 2"/>
+          <p:cNvSpPr>
+            <a:spLocks noGrp="1"/>
+          </p:cNvSpPr>
+          <p:nvPr>
+            <p:ph type="body" idx="1"/>
+          </p:nvPr>
+        </p:nvSpPr>
+        <p:spPr/>
+        <p:txBody>
+          <a:bodyPr/>
+          <a:lstStyle/>
+          <a:p>
+            <a:endParaRPr lang="zh-CN" altLang="en-US" dirty="0"/>
+          </a:p>
+        </p:txBody>
+      </p:sp>
+      <p:sp>
+        <p:nvSpPr>
+          <p:cNvPr id="4" name="灯片编号占位符 3"/>
+          <p:cNvSpPr>
+            <a:spLocks noGrp="1"/>
+          </p:cNvSpPr>
+          <p:nvPr>
+            <p:ph type="sldNum" sz="quarter" idx="10"/>
+          </p:nvPr>
+        </p:nvSpPr>
+        <p:spPr/>
+        <p:txBody>
+          <a:bodyPr/>
+          <a:lstStyle/>
+          <a:p>
+            <a:fld id="{883FF4EF-A403-442C-A4E6-B25DFCE337EC}" type="slidenum">
+              <a:rPr lang="zh-CN" altLang="en-US" smtClean="0"/>
+              <a:t>15</a:t>
+            </a:fld>
+            <a:endParaRPr lang="zh-CN" altLang="en-US"/>
+          </a:p>
+        </p:txBody>
+      </p:sp>
+    </p:spTree>
+    <p:extLst>
+      <p:ext uri="{BB962C8B-B14F-4D97-AF65-F5344CB8AC3E}">
+        <p14:creationId xmlns:p14="http://schemas.microsoft.com/office/powerpoint/2010/main" val="3470726888"/>
+      </p:ext>
+    </p:extLst>
+  </p:cSld>
+  <p:clrMapOvr>
+    <a:masterClrMapping/>
+  </p:clrMapOvr>
+</p:notes>
+</file>
+
+<file path=ppt/notesSlides/notesSlide14.xml><?xml version="1.0" encoding="utf-8"?>
+<p:notes xmlns:a="http://schemas.openxmlformats.org/drawingml/2006/main" xmlns:r="http://schemas.openxmlformats.org/officeDocument/2006/relationships" xmlns:p="http://schemas.openxmlformats.org/presentationml/2006/main">
+  <p:cSld>
+    <p:spTree>
+      <p:nvGrpSpPr>
+        <p:cNvPr id="1" name=""/>
+        <p:cNvGrpSpPr/>
+        <p:nvPr/>
+      </p:nvGrpSpPr>
+      <p:grpSpPr>
+        <a:xfrm>
+          <a:off x="0" y="0"/>
+          <a:ext cx="0" cy="0"/>
+          <a:chOff x="0" y="0"/>
+          <a:chExt cx="0" cy="0"/>
+        </a:xfrm>
+      </p:grpSpPr>
+      <p:sp>
+        <p:nvSpPr>
+          <p:cNvPr id="2" name="幻灯片图像占位符 1"/>
+          <p:cNvSpPr>
+            <a:spLocks noGrp="1" noRot="1" noChangeAspect="1"/>
+          </p:cNvSpPr>
+          <p:nvPr>
+            <p:ph type="sldImg"/>
+          </p:nvPr>
+        </p:nvSpPr>
         <p:spPr>
           <a:xfrm>
             <a:off x="1371600" y="1143000"/>
@@ -1380,6 +1463,18 @@
           <a:bodyPr/>
           <a:lstStyle/>
           <a:p>
+            <a:r>
+              <a:rPr lang="en-US" altLang="zh-CN" dirty="0" smtClean="0"/>
+              <a:t>MEO</a:t>
+            </a:r>
+            <a:r>
+              <a:rPr lang="en-US" altLang="zh-CN" baseline="0" dirty="0" smtClean="0"/>
+              <a:t> </a:t>
+            </a:r>
+            <a:r>
+              <a:rPr lang="zh-CN" altLang="en-US" baseline="0" dirty="0" smtClean="0"/>
+              <a:t>代表影响力延展度</a:t>
+            </a:r>
             <a:endParaRPr lang="zh-CN" altLang="en-US" dirty="0"/>
           </a:p>
         </p:txBody>
@@ -2450,7 +2545,17 @@
           <a:bodyPr/>
           <a:lstStyle/>
           <a:p>
-            <a:endParaRPr lang="zh-CN" altLang="en-US" dirty="0"/>
+            <a:endParaRPr lang="en-US" altLang="zh-CN" dirty="0" smtClean="0"/>
+          </a:p>
+          <a:p>
+            <a:r>
+              <a:rPr lang="zh-CN" altLang="en-US" b="1" dirty="0" smtClean="0"/>
+              <a:t>评判影响力延展度大小的依据</a:t>
+            </a:r>
+            <a:endParaRPr lang="en-US" altLang="zh-CN" b="1" dirty="0" smtClean="0"/>
+          </a:p>
+          <a:p>
+            <a:endParaRPr lang="zh-CN" altLang="en-US" b="0" dirty="0"/>
           </a:p>
         </p:txBody>
       </p:sp>
@@ -3198,7 +3303,7 @@
           <a:p>
             <a:fld id="{D468E895-2BED-4B89-8737-C13053ED3775}" type="datetime1">
               <a:rPr lang="zh-CN" altLang="en-US" smtClean="0"/>
-              <a:t>2016/11/9</a:t>
+              <a:t>2016/11/10</a:t>
             </a:fld>
             <a:endParaRPr lang="zh-CN" altLang="en-US"/>
           </a:p>
@@ -3376,7 +3481,7 @@
           <a:p>
             <a:fld id="{104D3C72-1350-4498-B7F7-C0D06391B969}" type="datetime1">
               <a:rPr lang="zh-CN" altLang="en-US" smtClean="0"/>
-              <a:t>2016/11/9</a:t>
+              <a:t>2016/11/10</a:t>
             </a:fld>
             <a:endParaRPr lang="zh-CN" altLang="en-US"/>
           </a:p>
@@ -3563,7 +3668,7 @@
           <a:p>
             <a:fld id="{7EE734A3-1FC5-4C4F-951E-90CBADCF8226}" type="datetime1">
               <a:rPr lang="zh-CN" altLang="en-US" smtClean="0"/>
-              <a:t>2016/11/9</a:t>
+              <a:t>2016/11/10</a:t>
             </a:fld>
             <a:endParaRPr lang="zh-CN" altLang="en-US"/>
           </a:p>
@@ -3747,7 +3852,7 @@
           <a:p>
             <a:fld id="{434D24B4-69D0-4189-8037-D7083A6CF5B3}" type="datetime1">
               <a:rPr lang="zh-CN" altLang="en-US" smtClean="0"/>
-              <a:t>2016/11/9</a:t>
+              <a:t>2016/11/10</a:t>
             </a:fld>
             <a:endParaRPr lang="zh-CN" altLang="en-US"/>
           </a:p>
@@ -3939,7 +4044,7 @@
           <a:p>
             <a:fld id="{E076972C-4993-4C9C-80E8-5D6204C04177}" type="datetime1">
               <a:rPr lang="zh-CN" altLang="en-US" smtClean="0"/>
-              <a:t>2016/11/9</a:t>
+              <a:t>2016/11/10</a:t>
             </a:fld>
             <a:endParaRPr lang="zh-CN" altLang="en-US"/>
           </a:p>
@@ -4131,7 +4236,7 @@
           <a:p>
             <a:fld id="{82F6CDB0-C4D4-4F59-A493-F56C87211419}" type="datetime1">
               <a:rPr lang="zh-CN" altLang="en-US" smtClean="0"/>
-              <a:t>2016/11/9</a:t>
+              <a:t>2016/11/10</a:t>
             </a:fld>
             <a:endParaRPr lang="zh-CN" altLang="en-US"/>
           </a:p>
@@ -4323,7 +4428,7 @@
           <a:p>
             <a:fld id="{B0C60F26-20FD-4E1B-AB65-52B807B75D6D}" type="datetime1">
               <a:rPr lang="zh-CN" altLang="en-US" smtClean="0"/>
-              <a:t>2016/11/9</a:t>
+              <a:t>2016/11/10</a:t>
             </a:fld>
             <a:endParaRPr lang="zh-CN" altLang="en-US"/>
           </a:p>
@@ -4508,7 +4613,7 @@
           <a:p>
             <a:fld id="{B2494A39-0159-4B2E-AD47-D0BB181F4B03}" type="datetime1">
               <a:rPr lang="zh-CN" altLang="en-US" smtClean="0"/>
-              <a:t>2016/11/9</a:t>
+              <a:t>2016/11/10</a:t>
             </a:fld>
             <a:endParaRPr lang="zh-CN" altLang="en-US"/>
           </a:p>
@@ -4759,7 +4864,7 @@
           <a:p>
             <a:fld id="{3260B8DA-CAB1-4F56-BC79-34B04FD3BCA3}" type="datetime1">
               <a:rPr lang="zh-CN" altLang="en-US" smtClean="0"/>
-              <a:t>2016/11/9</a:t>
+              <a:t>2016/11/10</a:t>
             </a:fld>
             <a:endParaRPr lang="zh-CN" altLang="en-US"/>
           </a:p>
@@ -5003,7 +5108,7 @@
           <a:p>
             <a:fld id="{A472A3E3-8796-4C5C-B6C1-801B24CB5A20}" type="datetime1">
               <a:rPr lang="zh-CN" altLang="en-US" smtClean="0"/>
-              <a:t>2016/11/9</a:t>
+              <a:t>2016/11/10</a:t>
             </a:fld>
             <a:endParaRPr lang="zh-CN" altLang="en-US"/>
           </a:p>
@@ -5377,7 +5482,7 @@
           <a:p>
             <a:fld id="{8EBDF594-6A12-459D-9D99-D5E5F495E2EC}" type="datetime1">
               <a:rPr lang="zh-CN" altLang="en-US" smtClean="0"/>
-              <a:t>2016/11/9</a:t>
+              <a:t>2016/11/10</a:t>
             </a:fld>
             <a:endParaRPr lang="zh-CN" altLang="en-US"/>
           </a:p>
@@ -5502,7 +5607,7 @@
           <a:p>
             <a:fld id="{09644570-F52D-43DC-B2E6-EC798EE8C159}" type="datetime1">
               <a:rPr lang="zh-CN" altLang="en-US" smtClean="0"/>
-              <a:t>2016/11/9</a:t>
+              <a:t>2016/11/10</a:t>
             </a:fld>
             <a:endParaRPr lang="zh-CN" altLang="en-US"/>
           </a:p>
@@ -5604,7 +5709,7 @@
           <a:p>
             <a:fld id="{59732DD0-5A2B-44DF-AC88-A7E8B48D56E8}" type="datetime1">
               <a:rPr lang="zh-CN" altLang="en-US" smtClean="0"/>
-              <a:t>2016/11/9</a:t>
+              <a:t>2016/11/10</a:t>
             </a:fld>
             <a:endParaRPr lang="zh-CN" altLang="en-US"/>
           </a:p>
@@ -5888,7 +5993,7 @@
           <a:p>
             <a:fld id="{6CD513BD-3DF7-47AD-9746-A85138DD326A}" type="datetime1">
               <a:rPr lang="zh-CN" altLang="en-US" smtClean="0"/>
-              <a:t>2016/11/9</a:t>
+              <a:t>2016/11/10</a:t>
             </a:fld>
             <a:endParaRPr lang="zh-CN" altLang="en-US"/>
           </a:p>
@@ -6153,7 +6258,7 @@
           <a:p>
             <a:fld id="{B7F52A3E-3393-4BA4-BA57-78D5CF5B1F15}" type="datetime1">
               <a:rPr lang="zh-CN" altLang="en-US" smtClean="0"/>
-              <a:t>2016/11/9</a:t>
+              <a:t>2016/11/10</a:t>
             </a:fld>
             <a:endParaRPr lang="zh-CN" altLang="en-US"/>
           </a:p>
@@ -6378,7 +6483,7 @@
           <a:p>
             <a:fld id="{5D6C920D-D6CE-4AE5-BA50-0577D0EAB39A}" type="datetime1">
               <a:rPr lang="zh-CN" altLang="en-US" smtClean="0"/>
-              <a:t>2016/11/9</a:t>
+              <a:t>2016/11/10</a:t>
             </a:fld>
             <a:endParaRPr lang="zh-CN" altLang="en-US"/>
           </a:p>
@@ -11500,8 +11605,8 @@
         </p:nvSpPr>
         <p:spPr>
           <a:xfrm>
-            <a:off x="2235200" y="1905000"/>
-            <a:ext cx="431800" cy="1917700"/>
+            <a:off x="1783644" y="2199655"/>
+            <a:ext cx="431800" cy="2936226"/>
           </a:xfrm>
           <a:prstGeom prst="leftBrace">
             <a:avLst>
@@ -11536,273 +11641,6 @@
       </p:sp>
       <p:sp>
         <p:nvSpPr>
-          <p:cNvPr id="7" name="矩形 6"/>
-          <p:cNvSpPr/>
-          <p:nvPr/>
-        </p:nvSpPr>
-        <p:spPr>
-          <a:xfrm>
-            <a:off x="2879351" y="1651084"/>
-            <a:ext cx="2191497" cy="507831"/>
-          </a:xfrm>
-          <a:prstGeom prst="rect">
-            <a:avLst/>
-          </a:prstGeom>
-        </p:spPr>
-        <p:txBody>
-          <a:bodyPr wrap="none">
-            <a:spAutoFit/>
-          </a:bodyPr>
-          <a:lstStyle/>
-          <a:p>
-            <a:pPr algn="ctr">
-              <a:lnSpc>
-                <a:spcPct val="150000"/>
-              </a:lnSpc>
-            </a:pPr>
-            <a:r>
-              <a:rPr lang="en-US" altLang="zh-CN" dirty="0">
-                <a:latin typeface="微软雅黑" panose="020B0503020204020204" pitchFamily="34" charset="-122"/>
-                <a:ea typeface="微软雅黑" panose="020B0503020204020204" pitchFamily="34" charset="-122"/>
-                <a:cs typeface="Arial" panose="020B0604020202020204" pitchFamily="34" charset="0"/>
-              </a:rPr>
-              <a:t>Opinion Aware IM</a:t>
-            </a:r>
-          </a:p>
-        </p:txBody>
-      </p:sp>
-      <p:sp>
-        <p:nvSpPr>
-          <p:cNvPr id="8" name="矩形 7"/>
-          <p:cNvSpPr/>
-          <p:nvPr/>
-        </p:nvSpPr>
-        <p:spPr>
-          <a:xfrm>
-            <a:off x="2879351" y="3638034"/>
-            <a:ext cx="724878" cy="369332"/>
-          </a:xfrm>
-          <a:prstGeom prst="rect">
-            <a:avLst/>
-          </a:prstGeom>
-        </p:spPr>
-        <p:txBody>
-          <a:bodyPr wrap="none">
-            <a:spAutoFit/>
-          </a:bodyPr>
-          <a:lstStyle/>
-          <a:p>
-            <a:r>
-              <a:rPr lang="en-US" altLang="zh-CN" dirty="0">
-                <a:latin typeface="微软雅黑" panose="020B0503020204020204" pitchFamily="34" charset="-122"/>
-                <a:ea typeface="微软雅黑" panose="020B0503020204020204" pitchFamily="34" charset="-122"/>
-                <a:cs typeface="Arial" panose="020B0604020202020204" pitchFamily="34" charset="0"/>
-              </a:rPr>
-              <a:t>MEO</a:t>
-            </a:r>
-            <a:endParaRPr lang="zh-CN" altLang="en-US" dirty="0"/>
-          </a:p>
-        </p:txBody>
-      </p:sp>
-      <p:sp>
-        <p:nvSpPr>
-          <p:cNvPr id="9" name="左大括号 8"/>
-          <p:cNvSpPr/>
-          <p:nvPr/>
-        </p:nvSpPr>
-        <p:spPr>
-          <a:xfrm>
-            <a:off x="3975099" y="3038475"/>
-            <a:ext cx="215901" cy="1568450"/>
-          </a:xfrm>
-          <a:prstGeom prst="leftBrace">
-            <a:avLst>
-              <a:gd name="adj1" fmla="val 59036"/>
-              <a:gd name="adj2" fmla="val 50000"/>
-            </a:avLst>
-          </a:prstGeom>
-          <a:ln w="38100"/>
-        </p:spPr>
-        <p:style>
-          <a:lnRef idx="1">
-            <a:schemeClr val="accent1"/>
-          </a:lnRef>
-          <a:fillRef idx="0">
-            <a:schemeClr val="accent1"/>
-          </a:fillRef>
-          <a:effectRef idx="0">
-            <a:schemeClr val="accent1"/>
-          </a:effectRef>
-          <a:fontRef idx="minor">
-            <a:schemeClr val="tx1"/>
-          </a:fontRef>
-        </p:style>
-        <p:txBody>
-          <a:bodyPr rtlCol="0" anchor="ctr"/>
-          <a:lstStyle/>
-          <a:p>
-            <a:pPr algn="ctr"/>
-            <a:endParaRPr lang="zh-CN" altLang="en-US"/>
-          </a:p>
-        </p:txBody>
-      </p:sp>
-      <p:grpSp>
-        <p:nvGrpSpPr>
-          <p:cNvPr id="10" name="组合 9"/>
-          <p:cNvGrpSpPr/>
-          <p:nvPr/>
-        </p:nvGrpSpPr>
-        <p:grpSpPr>
-          <a:xfrm>
-            <a:off x="4434846" y="2639922"/>
-            <a:ext cx="2395207" cy="2365556"/>
-            <a:chOff x="6382267" y="2011255"/>
-            <a:chExt cx="2395207" cy="2365556"/>
-          </a:xfrm>
-        </p:grpSpPr>
-        <p:sp>
-          <p:nvSpPr>
-            <p:cNvPr id="11" name="矩形 10"/>
-            <p:cNvSpPr/>
-            <p:nvPr/>
-          </p:nvSpPr>
-          <p:spPr>
-            <a:xfrm>
-              <a:off x="6382267" y="2011255"/>
-              <a:ext cx="1069524" cy="400110"/>
-            </a:xfrm>
-            <a:prstGeom prst="rect">
-              <a:avLst/>
-            </a:prstGeom>
-          </p:spPr>
-          <p:txBody>
-            <a:bodyPr wrap="none">
-              <a:spAutoFit/>
-            </a:bodyPr>
-            <a:lstStyle/>
-            <a:p>
-              <a:r>
-                <a:rPr lang="en-US" altLang="zh-CN" sz="2000" dirty="0">
-                  <a:latin typeface="微软雅黑" panose="020B0503020204020204" pitchFamily="34" charset="-122"/>
-                  <a:ea typeface="微软雅黑" panose="020B0503020204020204" pitchFamily="34" charset="-122"/>
-                </a:rPr>
-                <a:t>EaSyIM</a:t>
-              </a:r>
-              <a:endParaRPr lang="zh-CN" altLang="en-US" sz="2000" dirty="0">
-                <a:latin typeface="微软雅黑" panose="020B0503020204020204" pitchFamily="34" charset="-122"/>
-                <a:ea typeface="微软雅黑" panose="020B0503020204020204" pitchFamily="34" charset="-122"/>
-              </a:endParaRPr>
-            </a:p>
-          </p:txBody>
-        </p:sp>
-        <p:sp>
-          <p:nvSpPr>
-            <p:cNvPr id="12" name="矩形 11"/>
-            <p:cNvSpPr/>
-            <p:nvPr/>
-          </p:nvSpPr>
-          <p:spPr>
-            <a:xfrm>
-              <a:off x="6388843" y="3554629"/>
-              <a:ext cx="865943" cy="400110"/>
-            </a:xfrm>
-            <a:prstGeom prst="rect">
-              <a:avLst/>
-            </a:prstGeom>
-          </p:spPr>
-          <p:txBody>
-            <a:bodyPr wrap="none">
-              <a:spAutoFit/>
-            </a:bodyPr>
-            <a:lstStyle/>
-            <a:p>
-              <a:r>
-                <a:rPr lang="en-US" altLang="zh-CN" sz="2000" dirty="0">
-                  <a:latin typeface="微软雅黑" panose="020B0503020204020204" pitchFamily="34" charset="-122"/>
-                  <a:ea typeface="微软雅黑" panose="020B0503020204020204" pitchFamily="34" charset="-122"/>
-                </a:rPr>
-                <a:t>OSIM</a:t>
-              </a:r>
-              <a:endParaRPr lang="zh-CN" altLang="en-US" sz="2000" dirty="0">
-                <a:latin typeface="微软雅黑" panose="020B0503020204020204" pitchFamily="34" charset="-122"/>
-                <a:ea typeface="微软雅黑" panose="020B0503020204020204" pitchFamily="34" charset="-122"/>
-              </a:endParaRPr>
-            </a:p>
-          </p:txBody>
-        </p:sp>
-        <p:sp>
-          <p:nvSpPr>
-            <p:cNvPr id="13" name="矩形 12"/>
-            <p:cNvSpPr/>
-            <p:nvPr/>
-          </p:nvSpPr>
-          <p:spPr>
-            <a:xfrm>
-              <a:off x="6382267" y="2444906"/>
-              <a:ext cx="2395207" cy="400110"/>
-            </a:xfrm>
-            <a:prstGeom prst="rect">
-              <a:avLst/>
-            </a:prstGeom>
-          </p:spPr>
-          <p:txBody>
-            <a:bodyPr wrap="none">
-              <a:spAutoFit/>
-            </a:bodyPr>
-            <a:lstStyle/>
-            <a:p>
-              <a:r>
-                <a:rPr lang="en-US" altLang="zh-CN" sz="2000" dirty="0">
-                  <a:latin typeface="微软雅黑" panose="020B0503020204020204" pitchFamily="34" charset="-122"/>
-                  <a:ea typeface="微软雅黑" panose="020B0503020204020204" pitchFamily="34" charset="-122"/>
-                </a:rPr>
-                <a:t>Opinion-oblivious</a:t>
-              </a:r>
-              <a:endParaRPr lang="zh-CN" altLang="en-US" sz="2000" dirty="0">
-                <a:latin typeface="微软雅黑" panose="020B0503020204020204" pitchFamily="34" charset="-122"/>
-                <a:ea typeface="微软雅黑" panose="020B0503020204020204" pitchFamily="34" charset="-122"/>
-              </a:endParaRPr>
-            </a:p>
-          </p:txBody>
-        </p:sp>
-        <p:sp>
-          <p:nvSpPr>
-            <p:cNvPr id="14" name="矩形 13"/>
-            <p:cNvSpPr/>
-            <p:nvPr/>
-          </p:nvSpPr>
-          <p:spPr>
-            <a:xfrm>
-              <a:off x="6388843" y="3976701"/>
-              <a:ext cx="2010037" cy="400110"/>
-            </a:xfrm>
-            <a:prstGeom prst="rect">
-              <a:avLst/>
-            </a:prstGeom>
-          </p:spPr>
-          <p:txBody>
-            <a:bodyPr wrap="none">
-              <a:spAutoFit/>
-            </a:bodyPr>
-            <a:lstStyle/>
-            <a:p>
-              <a:r>
-                <a:rPr lang="en-US" altLang="zh-CN" sz="2000" dirty="0">
-                  <a:latin typeface="微软雅黑" panose="020B0503020204020204" pitchFamily="34" charset="-122"/>
-                  <a:ea typeface="微软雅黑" panose="020B0503020204020204" pitchFamily="34" charset="-122"/>
-                </a:rPr>
-                <a:t>Opinion-aware</a:t>
-              </a:r>
-              <a:endParaRPr lang="zh-CN" altLang="en-US" sz="2000" dirty="0">
-                <a:latin typeface="微软雅黑" panose="020B0503020204020204" pitchFamily="34" charset="-122"/>
-                <a:ea typeface="微软雅黑" panose="020B0503020204020204" pitchFamily="34" charset="-122"/>
-              </a:endParaRPr>
-            </a:p>
-          </p:txBody>
-        </p:sp>
-      </p:grpSp>
-      <p:sp>
-        <p:nvSpPr>
           <p:cNvPr id="2" name="灯片编号占位符 1"/>
           <p:cNvSpPr>
             <a:spLocks noGrp="1"/>
@@ -11824,6 +11662,527 @@
           </a:p>
         </p:txBody>
       </p:sp>
+      <p:grpSp>
+        <p:nvGrpSpPr>
+          <p:cNvPr id="22" name="组合 21"/>
+          <p:cNvGrpSpPr/>
+          <p:nvPr/>
+        </p:nvGrpSpPr>
+        <p:grpSpPr>
+          <a:xfrm>
+            <a:off x="2687632" y="1734178"/>
+            <a:ext cx="4145394" cy="507831"/>
+            <a:chOff x="2741549" y="1438021"/>
+            <a:chExt cx="4145394" cy="507831"/>
+          </a:xfrm>
+        </p:grpSpPr>
+        <p:sp>
+          <p:nvSpPr>
+            <p:cNvPr id="7" name="矩形 6"/>
+            <p:cNvSpPr/>
+            <p:nvPr/>
+          </p:nvSpPr>
+          <p:spPr>
+            <a:xfrm>
+              <a:off x="2741549" y="1438021"/>
+              <a:ext cx="1495025" cy="458908"/>
+            </a:xfrm>
+            <a:prstGeom prst="rect">
+              <a:avLst/>
+            </a:prstGeom>
+          </p:spPr>
+          <p:txBody>
+            <a:bodyPr wrap="none">
+              <a:spAutoFit/>
+            </a:bodyPr>
+            <a:lstStyle/>
+            <a:p>
+              <a:pPr algn="ctr">
+                <a:lnSpc>
+                  <a:spcPct val="150000"/>
+                </a:lnSpc>
+              </a:pPr>
+              <a:r>
+                <a:rPr lang="en-US" altLang="zh-CN" dirty="0">
+                  <a:latin typeface="微软雅黑" panose="020B0503020204020204" pitchFamily="34" charset="-122"/>
+                  <a:ea typeface="微软雅黑" panose="020B0503020204020204" pitchFamily="34" charset="-122"/>
+                  <a:cs typeface="Arial" panose="020B0604020202020204" pitchFamily="34" charset="0"/>
+                </a:rPr>
+                <a:t>IC LT Model</a:t>
+              </a:r>
+              <a:endParaRPr lang="en-US" altLang="zh-CN" dirty="0">
+                <a:latin typeface="微软雅黑" panose="020B0503020204020204" pitchFamily="34" charset="-122"/>
+                <a:ea typeface="微软雅黑" panose="020B0503020204020204" pitchFamily="34" charset="-122"/>
+                <a:cs typeface="Arial" panose="020B0604020202020204" pitchFamily="34" charset="0"/>
+              </a:endParaRPr>
+            </a:p>
+          </p:txBody>
+        </p:sp>
+        <p:sp>
+          <p:nvSpPr>
+            <p:cNvPr id="5" name="矩形 4"/>
+            <p:cNvSpPr/>
+            <p:nvPr/>
+          </p:nvSpPr>
+          <p:spPr>
+            <a:xfrm>
+              <a:off x="5665134" y="1438021"/>
+              <a:ext cx="1221809" cy="507831"/>
+            </a:xfrm>
+            <a:prstGeom prst="rect">
+              <a:avLst/>
+            </a:prstGeom>
+          </p:spPr>
+          <p:txBody>
+            <a:bodyPr wrap="none">
+              <a:spAutoFit/>
+            </a:bodyPr>
+            <a:lstStyle/>
+            <a:p>
+              <a:pPr algn="ctr">
+                <a:lnSpc>
+                  <a:spcPct val="150000"/>
+                </a:lnSpc>
+              </a:pPr>
+              <a:r>
+                <a:rPr lang="en-US" altLang="zh-CN" dirty="0">
+                  <a:latin typeface="微软雅黑" panose="020B0503020204020204" pitchFamily="34" charset="-122"/>
+                  <a:ea typeface="微软雅黑" panose="020B0503020204020204" pitchFamily="34" charset="-122"/>
+                  <a:cs typeface="Arial" panose="020B0604020202020204" pitchFamily="34" charset="0"/>
+                </a:rPr>
+                <a:t>OI Model</a:t>
+              </a:r>
+              <a:endParaRPr lang="en-US" altLang="zh-CN" dirty="0">
+                <a:latin typeface="微软雅黑" panose="020B0503020204020204" pitchFamily="34" charset="-122"/>
+                <a:ea typeface="微软雅黑" panose="020B0503020204020204" pitchFamily="34" charset="-122"/>
+                <a:cs typeface="Arial" panose="020B0604020202020204" pitchFamily="34" charset="0"/>
+              </a:endParaRPr>
+            </a:p>
+          </p:txBody>
+        </p:sp>
+        <p:sp>
+          <p:nvSpPr>
+            <p:cNvPr id="17" name="右箭头 16"/>
+            <p:cNvSpPr/>
+            <p:nvPr/>
+          </p:nvSpPr>
+          <p:spPr>
+            <a:xfrm>
+              <a:off x="4789370" y="1617886"/>
+              <a:ext cx="476832" cy="148099"/>
+            </a:xfrm>
+            <a:prstGeom prst="rightArrow">
+              <a:avLst/>
+            </a:prstGeom>
+          </p:spPr>
+          <p:style>
+            <a:lnRef idx="2">
+              <a:schemeClr val="accent1">
+                <a:shade val="50000"/>
+              </a:schemeClr>
+            </a:lnRef>
+            <a:fillRef idx="1">
+              <a:schemeClr val="accent1"/>
+            </a:fillRef>
+            <a:effectRef idx="0">
+              <a:schemeClr val="accent1"/>
+            </a:effectRef>
+            <a:fontRef idx="minor">
+              <a:schemeClr val="lt1"/>
+            </a:fontRef>
+          </p:style>
+          <p:txBody>
+            <a:bodyPr rtlCol="0" anchor="ctr"/>
+            <a:lstStyle/>
+            <a:p>
+              <a:pPr algn="ctr"/>
+              <a:endParaRPr lang="zh-CN" altLang="en-US"/>
+            </a:p>
+          </p:txBody>
+        </p:sp>
+      </p:grpSp>
+      <p:grpSp>
+        <p:nvGrpSpPr>
+          <p:cNvPr id="23" name="组合 22"/>
+          <p:cNvGrpSpPr/>
+          <p:nvPr/>
+        </p:nvGrpSpPr>
+        <p:grpSpPr>
+          <a:xfrm>
+            <a:off x="2703150" y="2755246"/>
+            <a:ext cx="3818889" cy="369333"/>
+            <a:chOff x="2687632" y="2824888"/>
+            <a:chExt cx="3818889" cy="369333"/>
+          </a:xfrm>
+        </p:grpSpPr>
+        <p:sp>
+          <p:nvSpPr>
+            <p:cNvPr id="8" name="矩形 7"/>
+            <p:cNvSpPr/>
+            <p:nvPr/>
+          </p:nvSpPr>
+          <p:spPr>
+            <a:xfrm>
+              <a:off x="5781643" y="2824888"/>
+              <a:ext cx="724878" cy="369332"/>
+            </a:xfrm>
+            <a:prstGeom prst="rect">
+              <a:avLst/>
+            </a:prstGeom>
+          </p:spPr>
+          <p:txBody>
+            <a:bodyPr wrap="none">
+              <a:spAutoFit/>
+            </a:bodyPr>
+            <a:lstStyle/>
+            <a:p>
+              <a:r>
+                <a:rPr lang="en-US" altLang="zh-CN" dirty="0">
+                  <a:latin typeface="微软雅黑" panose="020B0503020204020204" pitchFamily="34" charset="-122"/>
+                  <a:ea typeface="微软雅黑" panose="020B0503020204020204" pitchFamily="34" charset="-122"/>
+                  <a:cs typeface="Arial" panose="020B0604020202020204" pitchFamily="34" charset="0"/>
+                </a:rPr>
+                <a:t>MEO</a:t>
+              </a:r>
+              <a:endParaRPr lang="zh-CN" altLang="en-US" dirty="0"/>
+            </a:p>
+          </p:txBody>
+        </p:sp>
+        <p:sp>
+          <p:nvSpPr>
+            <p:cNvPr id="18" name="矩形 17"/>
+            <p:cNvSpPr/>
+            <p:nvPr/>
+          </p:nvSpPr>
+          <p:spPr>
+            <a:xfrm>
+              <a:off x="2687632" y="2824889"/>
+              <a:ext cx="2015232" cy="369332"/>
+            </a:xfrm>
+            <a:prstGeom prst="rect">
+              <a:avLst/>
+            </a:prstGeom>
+          </p:spPr>
+          <p:txBody>
+            <a:bodyPr wrap="none">
+              <a:spAutoFit/>
+            </a:bodyPr>
+            <a:lstStyle/>
+            <a:p>
+              <a:r>
+                <a:rPr lang="en-US" altLang="zh-CN" dirty="0">
+                  <a:latin typeface="微软雅黑" panose="020B0503020204020204" pitchFamily="34" charset="-122"/>
+                  <a:ea typeface="微软雅黑" panose="020B0503020204020204" pitchFamily="34" charset="-122"/>
+                  <a:cs typeface="Arial" panose="020B0604020202020204" pitchFamily="34" charset="0"/>
+                </a:rPr>
+                <a:t>Influence</a:t>
+              </a:r>
+              <a:r>
+                <a:rPr lang="en-US" altLang="zh-CN" dirty="0">
+                  <a:latin typeface="微软雅黑" panose="020B0503020204020204" pitchFamily="34" charset="-122"/>
+                  <a:ea typeface="微软雅黑" panose="020B0503020204020204" pitchFamily="34" charset="-122"/>
+                  <a:cs typeface="Arial" panose="020B0604020202020204" pitchFamily="34" charset="0"/>
+                </a:rPr>
+                <a:t> spread</a:t>
+              </a:r>
+              <a:endParaRPr lang="zh-CN" altLang="en-US" dirty="0">
+                <a:latin typeface="微软雅黑" panose="020B0503020204020204" pitchFamily="34" charset="-122"/>
+                <a:ea typeface="微软雅黑" panose="020B0503020204020204" pitchFamily="34" charset="-122"/>
+                <a:cs typeface="Arial" panose="020B0604020202020204" pitchFamily="34" charset="0"/>
+              </a:endParaRPr>
+            </a:p>
+          </p:txBody>
+        </p:sp>
+        <p:sp>
+          <p:nvSpPr>
+            <p:cNvPr id="19" name="右箭头 18"/>
+            <p:cNvSpPr/>
+            <p:nvPr/>
+          </p:nvSpPr>
+          <p:spPr>
+            <a:xfrm>
+              <a:off x="4962522" y="2935505"/>
+              <a:ext cx="476832" cy="148099"/>
+            </a:xfrm>
+            <a:prstGeom prst="rightArrow">
+              <a:avLst/>
+            </a:prstGeom>
+          </p:spPr>
+          <p:style>
+            <a:lnRef idx="2">
+              <a:schemeClr val="accent1">
+                <a:shade val="50000"/>
+              </a:schemeClr>
+            </a:lnRef>
+            <a:fillRef idx="1">
+              <a:schemeClr val="accent1"/>
+            </a:fillRef>
+            <a:effectRef idx="0">
+              <a:schemeClr val="accent1"/>
+            </a:effectRef>
+            <a:fontRef idx="minor">
+              <a:schemeClr val="lt1"/>
+            </a:fontRef>
+          </p:style>
+          <p:txBody>
+            <a:bodyPr rtlCol="0" anchor="ctr"/>
+            <a:lstStyle/>
+            <a:p>
+              <a:pPr algn="ctr"/>
+              <a:endParaRPr lang="zh-CN" altLang="en-US"/>
+            </a:p>
+          </p:txBody>
+        </p:sp>
+      </p:grpSp>
+      <p:grpSp>
+        <p:nvGrpSpPr>
+          <p:cNvPr id="21" name="组合 20"/>
+          <p:cNvGrpSpPr/>
+          <p:nvPr/>
+        </p:nvGrpSpPr>
+        <p:grpSpPr>
+          <a:xfrm>
+            <a:off x="2687632" y="3592507"/>
+            <a:ext cx="5435301" cy="2365556"/>
+            <a:chOff x="2741549" y="3683878"/>
+            <a:chExt cx="5435301" cy="2365556"/>
+          </a:xfrm>
+        </p:grpSpPr>
+        <p:sp>
+          <p:nvSpPr>
+            <p:cNvPr id="9" name="左大括号 8"/>
+            <p:cNvSpPr/>
+            <p:nvPr/>
+          </p:nvSpPr>
+          <p:spPr>
+            <a:xfrm>
+              <a:off x="5236923" y="4073257"/>
+              <a:ext cx="215901" cy="1568450"/>
+            </a:xfrm>
+            <a:prstGeom prst="leftBrace">
+              <a:avLst>
+                <a:gd name="adj1" fmla="val 59036"/>
+                <a:gd name="adj2" fmla="val 50000"/>
+              </a:avLst>
+            </a:prstGeom>
+            <a:ln w="38100"/>
+          </p:spPr>
+          <p:style>
+            <a:lnRef idx="1">
+              <a:schemeClr val="accent1"/>
+            </a:lnRef>
+            <a:fillRef idx="0">
+              <a:schemeClr val="accent1"/>
+            </a:fillRef>
+            <a:effectRef idx="0">
+              <a:schemeClr val="accent1"/>
+            </a:effectRef>
+            <a:fontRef idx="minor">
+              <a:schemeClr val="tx1"/>
+            </a:fontRef>
+          </p:style>
+          <p:txBody>
+            <a:bodyPr rtlCol="0" anchor="ctr"/>
+            <a:lstStyle/>
+            <a:p>
+              <a:pPr algn="ctr"/>
+              <a:endParaRPr lang="zh-CN" altLang="en-US"/>
+            </a:p>
+          </p:txBody>
+        </p:sp>
+        <p:grpSp>
+          <p:nvGrpSpPr>
+            <p:cNvPr id="10" name="组合 9"/>
+            <p:cNvGrpSpPr/>
+            <p:nvPr/>
+          </p:nvGrpSpPr>
+          <p:grpSpPr>
+            <a:xfrm>
+              <a:off x="5781643" y="3683878"/>
+              <a:ext cx="2395207" cy="2365556"/>
+              <a:chOff x="6382267" y="2011255"/>
+              <a:chExt cx="2395207" cy="2365556"/>
+            </a:xfrm>
+          </p:grpSpPr>
+          <p:sp>
+            <p:nvSpPr>
+              <p:cNvPr id="11" name="矩形 10"/>
+              <p:cNvSpPr/>
+              <p:nvPr/>
+            </p:nvSpPr>
+            <p:spPr>
+              <a:xfrm>
+                <a:off x="6382267" y="2011255"/>
+                <a:ext cx="1069524" cy="400110"/>
+              </a:xfrm>
+              <a:prstGeom prst="rect">
+                <a:avLst/>
+              </a:prstGeom>
+            </p:spPr>
+            <p:txBody>
+              <a:bodyPr wrap="none">
+                <a:spAutoFit/>
+              </a:bodyPr>
+              <a:lstStyle/>
+              <a:p>
+                <a:r>
+                  <a:rPr lang="en-US" altLang="zh-CN" sz="2000" dirty="0">
+                    <a:latin typeface="微软雅黑" panose="020B0503020204020204" pitchFamily="34" charset="-122"/>
+                    <a:ea typeface="微软雅黑" panose="020B0503020204020204" pitchFamily="34" charset="-122"/>
+                  </a:rPr>
+                  <a:t>EaSyIM</a:t>
+                </a:r>
+                <a:endParaRPr lang="zh-CN" altLang="en-US" sz="2000" dirty="0">
+                  <a:latin typeface="微软雅黑" panose="020B0503020204020204" pitchFamily="34" charset="-122"/>
+                  <a:ea typeface="微软雅黑" panose="020B0503020204020204" pitchFamily="34" charset="-122"/>
+                </a:endParaRPr>
+              </a:p>
+            </p:txBody>
+          </p:sp>
+          <p:sp>
+            <p:nvSpPr>
+              <p:cNvPr id="12" name="矩形 11"/>
+              <p:cNvSpPr/>
+              <p:nvPr/>
+            </p:nvSpPr>
+            <p:spPr>
+              <a:xfrm>
+                <a:off x="6388843" y="3554629"/>
+                <a:ext cx="865943" cy="400110"/>
+              </a:xfrm>
+              <a:prstGeom prst="rect">
+                <a:avLst/>
+              </a:prstGeom>
+            </p:spPr>
+            <p:txBody>
+              <a:bodyPr wrap="none">
+                <a:spAutoFit/>
+              </a:bodyPr>
+              <a:lstStyle/>
+              <a:p>
+                <a:r>
+                  <a:rPr lang="en-US" altLang="zh-CN" sz="2000" dirty="0">
+                    <a:latin typeface="微软雅黑" panose="020B0503020204020204" pitchFamily="34" charset="-122"/>
+                    <a:ea typeface="微软雅黑" panose="020B0503020204020204" pitchFamily="34" charset="-122"/>
+                  </a:rPr>
+                  <a:t>OSIM</a:t>
+                </a:r>
+                <a:endParaRPr lang="zh-CN" altLang="en-US" sz="2000" dirty="0">
+                  <a:latin typeface="微软雅黑" panose="020B0503020204020204" pitchFamily="34" charset="-122"/>
+                  <a:ea typeface="微软雅黑" panose="020B0503020204020204" pitchFamily="34" charset="-122"/>
+                </a:endParaRPr>
+              </a:p>
+            </p:txBody>
+          </p:sp>
+          <p:sp>
+            <p:nvSpPr>
+              <p:cNvPr id="13" name="矩形 12"/>
+              <p:cNvSpPr/>
+              <p:nvPr/>
+            </p:nvSpPr>
+            <p:spPr>
+              <a:xfrm>
+                <a:off x="6382267" y="2444906"/>
+                <a:ext cx="2395207" cy="400110"/>
+              </a:xfrm>
+              <a:prstGeom prst="rect">
+                <a:avLst/>
+              </a:prstGeom>
+            </p:spPr>
+            <p:txBody>
+              <a:bodyPr wrap="none">
+                <a:spAutoFit/>
+              </a:bodyPr>
+              <a:lstStyle/>
+              <a:p>
+                <a:r>
+                  <a:rPr lang="en-US" altLang="zh-CN" sz="2000" dirty="0">
+                    <a:latin typeface="微软雅黑" panose="020B0503020204020204" pitchFamily="34" charset="-122"/>
+                    <a:ea typeface="微软雅黑" panose="020B0503020204020204" pitchFamily="34" charset="-122"/>
+                  </a:rPr>
+                  <a:t>Opinion-oblivious</a:t>
+                </a:r>
+                <a:endParaRPr lang="zh-CN" altLang="en-US" sz="2000" dirty="0">
+                  <a:latin typeface="微软雅黑" panose="020B0503020204020204" pitchFamily="34" charset="-122"/>
+                  <a:ea typeface="微软雅黑" panose="020B0503020204020204" pitchFamily="34" charset="-122"/>
+                </a:endParaRPr>
+              </a:p>
+            </p:txBody>
+          </p:sp>
+          <p:sp>
+            <p:nvSpPr>
+              <p:cNvPr id="14" name="矩形 13"/>
+              <p:cNvSpPr/>
+              <p:nvPr/>
+            </p:nvSpPr>
+            <p:spPr>
+              <a:xfrm>
+                <a:off x="6388843" y="3976701"/>
+                <a:ext cx="2010037" cy="400110"/>
+              </a:xfrm>
+              <a:prstGeom prst="rect">
+                <a:avLst/>
+              </a:prstGeom>
+            </p:spPr>
+            <p:txBody>
+              <a:bodyPr wrap="none">
+                <a:spAutoFit/>
+              </a:bodyPr>
+              <a:lstStyle/>
+              <a:p>
+                <a:r>
+                  <a:rPr lang="en-US" altLang="zh-CN" sz="2000" dirty="0">
+                    <a:latin typeface="微软雅黑" panose="020B0503020204020204" pitchFamily="34" charset="-122"/>
+                    <a:ea typeface="微软雅黑" panose="020B0503020204020204" pitchFamily="34" charset="-122"/>
+                  </a:rPr>
+                  <a:t>Opinion-aware</a:t>
+                </a:r>
+                <a:endParaRPr lang="zh-CN" altLang="en-US" sz="2000" dirty="0">
+                  <a:latin typeface="微软雅黑" panose="020B0503020204020204" pitchFamily="34" charset="-122"/>
+                  <a:ea typeface="微软雅黑" panose="020B0503020204020204" pitchFamily="34" charset="-122"/>
+                </a:endParaRPr>
+              </a:p>
+            </p:txBody>
+          </p:sp>
+        </p:grpSp>
+        <p:sp>
+          <p:nvSpPr>
+            <p:cNvPr id="20" name="矩形 19"/>
+            <p:cNvSpPr/>
+            <p:nvPr/>
+          </p:nvSpPr>
+          <p:spPr>
+            <a:xfrm>
+              <a:off x="2741549" y="4681990"/>
+              <a:ext cx="2170722" cy="369332"/>
+            </a:xfrm>
+            <a:prstGeom prst="rect">
+              <a:avLst/>
+            </a:prstGeom>
+          </p:spPr>
+          <p:txBody>
+            <a:bodyPr wrap="none">
+              <a:spAutoFit/>
+            </a:bodyPr>
+            <a:lstStyle/>
+            <a:p>
+              <a:r>
+                <a:rPr lang="en-US" altLang="zh-CN" dirty="0" smtClean="0">
+                  <a:latin typeface="微软雅黑" panose="020B0503020204020204" pitchFamily="34" charset="-122"/>
+                  <a:ea typeface="微软雅黑" panose="020B0503020204020204" pitchFamily="34" charset="-122"/>
+                  <a:cs typeface="Arial" panose="020B0604020202020204" pitchFamily="34" charset="0"/>
+                </a:rPr>
+                <a:t>Score Assignment</a:t>
+              </a:r>
+              <a:endParaRPr lang="zh-CN" altLang="en-US" dirty="0">
+                <a:latin typeface="微软雅黑" panose="020B0503020204020204" pitchFamily="34" charset="-122"/>
+                <a:ea typeface="微软雅黑" panose="020B0503020204020204" pitchFamily="34" charset="-122"/>
+                <a:cs typeface="Arial" panose="020B0604020202020204" pitchFamily="34" charset="0"/>
+              </a:endParaRPr>
+            </a:p>
+          </p:txBody>
+        </p:sp>
+      </p:grpSp>
     </p:spTree>
     <p:extLst>
       <p:ext uri="{BB962C8B-B14F-4D97-AF65-F5344CB8AC3E}">
@@ -11849,9 +12208,247 @@
   <p:timing>
     <p:tnLst>
       <p:par>
-        <p:cTn id="1" dur="indefinite" restart="never" nodeType="tmRoot"/>
+        <p:cTn id="1" dur="indefinite" restart="never" nodeType="tmRoot">
+          <p:childTnLst>
+            <p:seq concurrent="1" nextAc="seek">
+              <p:cTn id="2" dur="indefinite" nodeType="mainSeq">
+                <p:childTnLst>
+                  <p:par>
+                    <p:cTn id="3" fill="hold">
+                      <p:stCondLst>
+                        <p:cond delay="indefinite"/>
+                      </p:stCondLst>
+                      <p:childTnLst>
+                        <p:par>
+                          <p:cTn id="4" fill="hold">
+                            <p:stCondLst>
+                              <p:cond delay="0"/>
+                            </p:stCondLst>
+                            <p:childTnLst>
+                              <p:par>
+                                <p:cTn id="5" presetID="10" presetClass="entr" presetSubtype="0" fill="hold" nodeType="clickEffect">
+                                  <p:stCondLst>
+                                    <p:cond delay="0"/>
+                                  </p:stCondLst>
+                                  <p:childTnLst>
+                                    <p:set>
+                                      <p:cBhvr>
+                                        <p:cTn id="6" dur="1" fill="hold">
+                                          <p:stCondLst>
+                                            <p:cond delay="0"/>
+                                          </p:stCondLst>
+                                        </p:cTn>
+                                        <p:tgtEl>
+                                          <p:spTgt spid="22"/>
+                                        </p:tgtEl>
+                                        <p:attrNameLst>
+                                          <p:attrName>style.visibility</p:attrName>
+                                        </p:attrNameLst>
+                                      </p:cBhvr>
+                                      <p:to>
+                                        <p:strVal val="visible"/>
+                                      </p:to>
+                                    </p:set>
+                                    <p:animEffect transition="in" filter="fade">
+                                      <p:cBhvr>
+                                        <p:cTn id="7" dur="500"/>
+                                        <p:tgtEl>
+                                          <p:spTgt spid="22"/>
+                                        </p:tgtEl>
+                                      </p:cBhvr>
+                                    </p:animEffect>
+                                  </p:childTnLst>
+                                </p:cTn>
+                              </p:par>
+                            </p:childTnLst>
+                          </p:cTn>
+                        </p:par>
+                      </p:childTnLst>
+                    </p:cTn>
+                  </p:par>
+                  <p:par>
+                    <p:cTn id="8" fill="hold">
+                      <p:stCondLst>
+                        <p:cond delay="indefinite"/>
+                      </p:stCondLst>
+                      <p:childTnLst>
+                        <p:par>
+                          <p:cTn id="9" fill="hold">
+                            <p:stCondLst>
+                              <p:cond delay="0"/>
+                            </p:stCondLst>
+                            <p:childTnLst>
+                              <p:par>
+                                <p:cTn id="10" presetID="10" presetClass="entr" presetSubtype="0" fill="hold" nodeType="clickEffect">
+                                  <p:stCondLst>
+                                    <p:cond delay="0"/>
+                                  </p:stCondLst>
+                                  <p:childTnLst>
+                                    <p:set>
+                                      <p:cBhvr>
+                                        <p:cTn id="11" dur="1" fill="hold">
+                                          <p:stCondLst>
+                                            <p:cond delay="0"/>
+                                          </p:stCondLst>
+                                        </p:cTn>
+                                        <p:tgtEl>
+                                          <p:spTgt spid="23"/>
+                                        </p:tgtEl>
+                                        <p:attrNameLst>
+                                          <p:attrName>style.visibility</p:attrName>
+                                        </p:attrNameLst>
+                                      </p:cBhvr>
+                                      <p:to>
+                                        <p:strVal val="visible"/>
+                                      </p:to>
+                                    </p:set>
+                                    <p:animEffect transition="in" filter="fade">
+                                      <p:cBhvr>
+                                        <p:cTn id="12" dur="500"/>
+                                        <p:tgtEl>
+                                          <p:spTgt spid="23"/>
+                                        </p:tgtEl>
+                                      </p:cBhvr>
+                                    </p:animEffect>
+                                  </p:childTnLst>
+                                </p:cTn>
+                              </p:par>
+                            </p:childTnLst>
+                          </p:cTn>
+                        </p:par>
+                      </p:childTnLst>
+                    </p:cTn>
+                  </p:par>
+                  <p:par>
+                    <p:cTn id="13" fill="hold">
+                      <p:stCondLst>
+                        <p:cond delay="indefinite"/>
+                      </p:stCondLst>
+                      <p:childTnLst>
+                        <p:par>
+                          <p:cTn id="14" fill="hold">
+                            <p:stCondLst>
+                              <p:cond delay="0"/>
+                            </p:stCondLst>
+                            <p:childTnLst>
+                              <p:par>
+                                <p:cTn id="15" presetID="10" presetClass="entr" presetSubtype="0" fill="hold" nodeType="clickEffect">
+                                  <p:stCondLst>
+                                    <p:cond delay="0"/>
+                                  </p:stCondLst>
+                                  <p:childTnLst>
+                                    <p:set>
+                                      <p:cBhvr>
+                                        <p:cTn id="16" dur="1" fill="hold">
+                                          <p:stCondLst>
+                                            <p:cond delay="0"/>
+                                          </p:stCondLst>
+                                        </p:cTn>
+                                        <p:tgtEl>
+                                          <p:spTgt spid="21"/>
+                                        </p:tgtEl>
+                                        <p:attrNameLst>
+                                          <p:attrName>style.visibility</p:attrName>
+                                        </p:attrNameLst>
+                                      </p:cBhvr>
+                                      <p:to>
+                                        <p:strVal val="visible"/>
+                                      </p:to>
+                                    </p:set>
+                                    <p:animEffect transition="in" filter="fade">
+                                      <p:cBhvr>
+                                        <p:cTn id="17" dur="500"/>
+                                        <p:tgtEl>
+                                          <p:spTgt spid="21"/>
+                                        </p:tgtEl>
+                                      </p:cBhvr>
+                                    </p:animEffect>
+                                  </p:childTnLst>
+                                </p:cTn>
+                              </p:par>
+                            </p:childTnLst>
+                          </p:cTn>
+                        </p:par>
+                      </p:childTnLst>
+                    </p:cTn>
+                  </p:par>
+                  <p:par>
+                    <p:cTn id="18" fill="hold">
+                      <p:stCondLst>
+                        <p:cond delay="indefinite"/>
+                      </p:stCondLst>
+                      <p:childTnLst>
+                        <p:par>
+                          <p:cTn id="19" fill="hold">
+                            <p:stCondLst>
+                              <p:cond delay="0"/>
+                            </p:stCondLst>
+                            <p:childTnLst>
+                              <p:par>
+                                <p:cTn id="20" presetID="16" presetClass="entr" presetSubtype="26" fill="hold" grpId="0" nodeType="clickEffect">
+                                  <p:stCondLst>
+                                    <p:cond delay="0"/>
+                                  </p:stCondLst>
+                                  <p:childTnLst>
+                                    <p:set>
+                                      <p:cBhvr>
+                                        <p:cTn id="21" dur="1" fill="hold">
+                                          <p:stCondLst>
+                                            <p:cond delay="0"/>
+                                          </p:stCondLst>
+                                        </p:cTn>
+                                        <p:tgtEl>
+                                          <p:spTgt spid="6"/>
+                                        </p:tgtEl>
+                                        <p:attrNameLst>
+                                          <p:attrName>style.visibility</p:attrName>
+                                        </p:attrNameLst>
+                                      </p:cBhvr>
+                                      <p:to>
+                                        <p:strVal val="visible"/>
+                                      </p:to>
+                                    </p:set>
+                                    <p:animEffect transition="in" filter="barn(inHorizontal)">
+                                      <p:cBhvr>
+                                        <p:cTn id="22" dur="500"/>
+                                        <p:tgtEl>
+                                          <p:spTgt spid="6"/>
+                                        </p:tgtEl>
+                                      </p:cBhvr>
+                                    </p:animEffect>
+                                  </p:childTnLst>
+                                </p:cTn>
+                              </p:par>
+                            </p:childTnLst>
+                          </p:cTn>
+                        </p:par>
+                      </p:childTnLst>
+                    </p:cTn>
+                  </p:par>
+                </p:childTnLst>
+              </p:cTn>
+              <p:prevCondLst>
+                <p:cond evt="onPrev" delay="0">
+                  <p:tgtEl>
+                    <p:sldTgt/>
+                  </p:tgtEl>
+                </p:cond>
+              </p:prevCondLst>
+              <p:nextCondLst>
+                <p:cond evt="onNext" delay="0">
+                  <p:tgtEl>
+                    <p:sldTgt/>
+                  </p:tgtEl>
+                </p:cond>
+              </p:nextCondLst>
+            </p:seq>
+          </p:childTnLst>
+        </p:cTn>
       </p:par>
     </p:tnLst>
+    <p:bldLst>
+      <p:bldP spid="6" grpId="0" animBg="1"/>
+    </p:bldLst>
   </p:timing>
 </p:sld>
 </file>
@@ -11974,438 +12571,6 @@
       <p:transition spd="med">
         <p:fade/>
       </p:transition>
-    </mc:Fallback>
-  </mc:AlternateContent>
-  <p:timing>
-    <p:tnLst>
-      <p:par>
-        <p:cTn id="1" dur="indefinite" restart="never" nodeType="tmRoot"/>
-      </p:par>
-    </p:tnLst>
-  </p:timing>
-</p:sld>
-</file>
-
-<file path=ppt/slides/slide17.xml><?xml version="1.0" encoding="utf-8"?>
-<p:sld xmlns:a="http://schemas.openxmlformats.org/drawingml/2006/main" xmlns:r="http://schemas.openxmlformats.org/officeDocument/2006/relationships" xmlns:p="http://schemas.openxmlformats.org/presentationml/2006/main">
-  <p:cSld>
-    <p:spTree>
-      <p:nvGrpSpPr>
-        <p:cNvPr id="1" name=""/>
-        <p:cNvGrpSpPr/>
-        <p:nvPr/>
-      </p:nvGrpSpPr>
-      <p:grpSpPr>
-        <a:xfrm>
-          <a:off x="0" y="0"/>
-          <a:ext cx="0" cy="0"/>
-          <a:chOff x="0" y="0"/>
-          <a:chExt cx="0" cy="0"/>
-        </a:xfrm>
-      </p:grpSpPr>
-      <mc:AlternateContent xmlns:mc="http://schemas.openxmlformats.org/markup-compatibility/2006" xmlns:a14="http://schemas.microsoft.com/office/drawing/2010/main">
-        <mc:Choice Requires="a14">
-          <p:sp>
-            <p:nvSpPr>
-              <p:cNvPr id="3" name="文本框 2"/>
-              <p:cNvSpPr txBox="1"/>
-              <p:nvPr/>
-            </p:nvSpPr>
-            <p:spPr>
-              <a:xfrm>
-                <a:off x="2566685" y="3751335"/>
-                <a:ext cx="4273349" cy="795474"/>
-              </a:xfrm>
-              <a:prstGeom prst="rect">
-                <a:avLst/>
-              </a:prstGeom>
-              <a:noFill/>
-            </p:spPr>
-            <p:txBody>
-              <a:bodyPr wrap="none" lIns="0" tIns="0" rIns="0" bIns="0" rtlCol="0">
-                <a:spAutoFit/>
-              </a:bodyPr>
-              <a:lstStyle/>
-              <a:p>
-                <a:pPr/>
-                <a14:m>
-                  <m:oMathPara xmlns:m="http://schemas.openxmlformats.org/officeDocument/2006/math">
-                    <m:oMathParaPr>
-                      <m:jc m:val="centerGroup"/>
-                    </m:oMathParaPr>
-                    <m:oMath xmlns:m="http://schemas.openxmlformats.org/officeDocument/2006/math">
-                      <m:sSubSup>
-                        <m:sSubSupPr>
-                          <m:ctrlPr>
-                            <a:rPr lang="en-US" altLang="zh-CN" sz="2000" i="1">
-                              <a:latin typeface="Cambria Math" panose="02040503050406030204" pitchFamily="18" charset="0"/>
-                            </a:rPr>
-                          </m:ctrlPr>
-                        </m:sSubSupPr>
-                        <m:e>
-                          <m:r>
-                            <a:rPr lang="zh-CN" altLang="en-US" sz="2000" i="1">
-                              <a:latin typeface="Cambria Math" panose="02040503050406030204" pitchFamily="18" charset="0"/>
-                            </a:rPr>
-                            <m:t>𝜎</m:t>
-                          </m:r>
-                        </m:e>
-                        <m:sub/>
-                        <m:sup>
-                          <m:r>
-                            <a:rPr lang="en-US" altLang="zh-CN" sz="2000" i="1">
-                              <a:latin typeface="Cambria Math" panose="02040503050406030204" pitchFamily="18" charset="0"/>
-                            </a:rPr>
-                            <m:t>𝑜</m:t>
-                          </m:r>
-                        </m:sup>
-                      </m:sSubSup>
-                      <m:d>
-                        <m:dPr>
-                          <m:ctrlPr>
-                            <a:rPr lang="en-US" altLang="zh-CN" sz="2000" i="1">
-                              <a:latin typeface="Cambria Math" panose="02040503050406030204" pitchFamily="18" charset="0"/>
-                            </a:rPr>
-                          </m:ctrlPr>
-                        </m:dPr>
-                        <m:e>
-                          <m:r>
-                            <a:rPr lang="en-US" altLang="zh-CN" sz="2000" i="1">
-                              <a:latin typeface="Cambria Math" panose="02040503050406030204" pitchFamily="18" charset="0"/>
-                            </a:rPr>
-                            <m:t>𝑆</m:t>
-                          </m:r>
-                        </m:e>
-                      </m:d>
-                      <m:r>
-                        <a:rPr lang="en-US" altLang="zh-CN" sz="2000" i="1">
-                          <a:latin typeface="Cambria Math" panose="02040503050406030204" pitchFamily="18" charset="0"/>
-                        </a:rPr>
-                        <m:t>=</m:t>
-                      </m:r>
-                      <m:r>
-                        <a:rPr lang="zh-CN" altLang="el-GR" sz="2000" i="1">
-                          <a:latin typeface="Cambria Math" panose="02040503050406030204" pitchFamily="18" charset="0"/>
-                          <a:ea typeface="Cambria Math" panose="02040503050406030204" pitchFamily="18" charset="0"/>
-                        </a:rPr>
-                        <m:t>𝔼</m:t>
-                      </m:r>
-                      <m:d>
-                        <m:dPr>
-                          <m:begChr m:val="["/>
-                          <m:endChr m:val="]"/>
-                          <m:ctrlPr>
-                            <a:rPr lang="en-US" altLang="zh-CN" sz="2000" i="1">
-                              <a:latin typeface="Cambria Math" panose="02040503050406030204" pitchFamily="18" charset="0"/>
-                              <a:ea typeface="Cambria Math" panose="02040503050406030204" pitchFamily="18" charset="0"/>
-                            </a:rPr>
-                          </m:ctrlPr>
-                        </m:dPr>
-                        <m:e>
-                          <m:sSubSup>
-                            <m:sSubSupPr>
-                              <m:ctrlPr>
-                                <a:rPr lang="en-US" altLang="zh-CN" sz="2000" i="1">
-                                  <a:latin typeface="Cambria Math" panose="02040503050406030204" pitchFamily="18" charset="0"/>
-                                  <a:ea typeface="Cambria Math" panose="02040503050406030204" pitchFamily="18" charset="0"/>
-                                </a:rPr>
-                              </m:ctrlPr>
-                            </m:sSubSupPr>
-                            <m:e>
-                              <m:r>
-                                <m:rPr>
-                                  <m:sty m:val="p"/>
-                                </m:rPr>
-                                <a:rPr lang="el-GR" altLang="zh-CN" sz="2000" i="1">
-                                  <a:latin typeface="Cambria Math" panose="02040503050406030204" pitchFamily="18" charset="0"/>
-                                  <a:ea typeface="Cambria Math" panose="02040503050406030204" pitchFamily="18" charset="0"/>
-                                </a:rPr>
-                                <m:t>Γ</m:t>
-                              </m:r>
-                            </m:e>
-                            <m:sub/>
-                            <m:sup>
-                              <m:r>
-                                <a:rPr lang="en-US" altLang="zh-CN" sz="2000" i="1">
-                                  <a:latin typeface="Cambria Math" panose="02040503050406030204" pitchFamily="18" charset="0"/>
-                                  <a:ea typeface="Cambria Math" panose="02040503050406030204" pitchFamily="18" charset="0"/>
-                                </a:rPr>
-                                <m:t>𝑜</m:t>
-                              </m:r>
-                            </m:sup>
-                          </m:sSubSup>
-                          <m:d>
-                            <m:dPr>
-                              <m:ctrlPr>
-                                <a:rPr lang="en-US" altLang="zh-CN" sz="2000" i="1">
-                                  <a:latin typeface="Cambria Math" panose="02040503050406030204" pitchFamily="18" charset="0"/>
-                                  <a:ea typeface="Cambria Math" panose="02040503050406030204" pitchFamily="18" charset="0"/>
-                                </a:rPr>
-                              </m:ctrlPr>
-                            </m:dPr>
-                            <m:e>
-                              <m:r>
-                                <a:rPr lang="en-US" altLang="zh-CN" sz="2000" i="1">
-                                  <a:latin typeface="Cambria Math" panose="02040503050406030204" pitchFamily="18" charset="0"/>
-                                  <a:ea typeface="Cambria Math" panose="02040503050406030204" pitchFamily="18" charset="0"/>
-                                </a:rPr>
-                                <m:t>𝑆</m:t>
-                              </m:r>
-                            </m:e>
-                          </m:d>
-                        </m:e>
-                      </m:d>
-                      <m:r>
-                        <a:rPr lang="en-US" altLang="zh-CN" sz="2000" i="1">
-                          <a:latin typeface="Cambria Math" panose="02040503050406030204" pitchFamily="18" charset="0"/>
-                          <a:ea typeface="Cambria Math" panose="02040503050406030204" pitchFamily="18" charset="0"/>
-                        </a:rPr>
-                        <m:t>=</m:t>
-                      </m:r>
-                      <m:r>
-                        <a:rPr lang="zh-CN" altLang="el-GR" sz="2000" i="1">
-                          <a:latin typeface="Cambria Math" panose="02040503050406030204" pitchFamily="18" charset="0"/>
-                          <a:ea typeface="Cambria Math" panose="02040503050406030204" pitchFamily="18" charset="0"/>
-                        </a:rPr>
-                        <m:t>𝔼</m:t>
-                      </m:r>
-                      <m:r>
-                        <a:rPr lang="en-US" altLang="zh-CN" sz="2000" i="1">
-                          <a:latin typeface="Cambria Math" panose="02040503050406030204" pitchFamily="18" charset="0"/>
-                          <a:ea typeface="Cambria Math" panose="02040503050406030204" pitchFamily="18" charset="0"/>
-                        </a:rPr>
-                        <m:t>[</m:t>
-                      </m:r>
-                      <m:d>
-                        <m:dPr>
-                          <m:ctrlPr>
-                            <a:rPr lang="en-US" altLang="zh-CN" sz="2000" i="1">
-                              <a:latin typeface="Cambria Math" panose="02040503050406030204" pitchFamily="18" charset="0"/>
-                              <a:ea typeface="Cambria Math" panose="02040503050406030204" pitchFamily="18" charset="0"/>
-                            </a:rPr>
-                          </m:ctrlPr>
-                        </m:dPr>
-                        <m:e>
-                          <m:nary>
-                            <m:naryPr>
-                              <m:chr m:val="∑"/>
-                              <m:supHide m:val="on"/>
-                              <m:ctrlPr>
-                                <a:rPr lang="en-US" altLang="zh-CN" sz="2000" i="1">
-                                  <a:latin typeface="Cambria Math" panose="02040503050406030204" pitchFamily="18" charset="0"/>
-                                  <a:ea typeface="Cambria Math" panose="02040503050406030204" pitchFamily="18" charset="0"/>
-                                </a:rPr>
-                              </m:ctrlPr>
-                            </m:naryPr>
-                            <m:sub>
-                              <m:r>
-                                <a:rPr lang="en-US" altLang="zh-CN" sz="2000" i="1">
-                                  <a:latin typeface="Cambria Math" panose="02040503050406030204" pitchFamily="18" charset="0"/>
-                                  <a:ea typeface="Cambria Math" panose="02040503050406030204" pitchFamily="18" charset="0"/>
-                                </a:rPr>
-                                <m:t>𝑣</m:t>
-                              </m:r>
-                              <m:r>
-                                <a:rPr lang="en-US" altLang="zh-CN" sz="2000" i="1">
-                                  <a:latin typeface="Cambria Math" panose="02040503050406030204" pitchFamily="18" charset="0"/>
-                                  <a:ea typeface="Cambria Math" panose="02040503050406030204" pitchFamily="18" charset="0"/>
-                                </a:rPr>
-                                <m:t>∈</m:t>
-                              </m:r>
-                              <m:r>
-                                <a:rPr lang="en-US" altLang="zh-CN" sz="2000" i="1">
-                                  <a:latin typeface="Cambria Math" panose="02040503050406030204" pitchFamily="18" charset="0"/>
-                                  <a:ea typeface="Cambria Math" panose="02040503050406030204" pitchFamily="18" charset="0"/>
-                                </a:rPr>
-                                <m:t>𝑉</m:t>
-                              </m:r>
-                              <m:d>
-                                <m:dPr>
-                                  <m:ctrlPr>
-                                    <a:rPr lang="en-US" altLang="zh-CN" sz="2000" i="1">
-                                      <a:latin typeface="Cambria Math" panose="02040503050406030204" pitchFamily="18" charset="0"/>
-                                      <a:ea typeface="Cambria Math" panose="02040503050406030204" pitchFamily="18" charset="0"/>
-                                    </a:rPr>
-                                  </m:ctrlPr>
-                                </m:dPr>
-                                <m:e>
-                                  <m:r>
-                                    <a:rPr lang="en-US" altLang="zh-CN" sz="2000" i="1">
-                                      <a:latin typeface="Cambria Math" panose="02040503050406030204" pitchFamily="18" charset="0"/>
-                                      <a:ea typeface="Cambria Math" panose="02040503050406030204" pitchFamily="18" charset="0"/>
-                                    </a:rPr>
-                                    <m:t>𝑎</m:t>
-                                  </m:r>
-                                </m:e>
-                              </m:d>
-                              <m:r>
-                                <a:rPr lang="en-US" altLang="zh-CN" sz="2000" i="1">
-                                  <a:latin typeface="Cambria Math" panose="02040503050406030204" pitchFamily="18" charset="0"/>
-                                  <a:ea typeface="Cambria Math" panose="02040503050406030204" pitchFamily="18" charset="0"/>
-                                </a:rPr>
-                                <m:t>\</m:t>
-                              </m:r>
-                              <m:r>
-                                <m:rPr>
-                                  <m:sty m:val="p"/>
-                                </m:rPr>
-                                <a:rPr lang="en-US" altLang="zh-CN" sz="2000" i="1">
-                                  <a:latin typeface="Cambria Math" panose="02040503050406030204" pitchFamily="18" charset="0"/>
-                                  <a:ea typeface="Cambria Math" panose="02040503050406030204" pitchFamily="18" charset="0"/>
-                                </a:rPr>
-                                <m:t>S</m:t>
-                              </m:r>
-                              <m:r>
-                                <m:rPr>
-                                  <m:nor/>
-                                </m:rPr>
-                                <a:rPr lang="zh-CN" altLang="en-US" sz="2000" dirty="0"/>
-                                <m:t> </m:t>
-                              </m:r>
-                            </m:sub>
-                            <m:sup/>
-                            <m:e>
-                              <m:sSubSup>
-                                <m:sSubSupPr>
-                                  <m:ctrlPr>
-                                    <a:rPr lang="en-US" altLang="zh-CN" sz="2000" i="1">
-                                      <a:latin typeface="Cambria Math" panose="02040503050406030204" pitchFamily="18" charset="0"/>
-                                      <a:ea typeface="Cambria Math" panose="02040503050406030204" pitchFamily="18" charset="0"/>
-                                    </a:rPr>
-                                  </m:ctrlPr>
-                                </m:sSubSupPr>
-                                <m:e>
-                                  <m:r>
-                                    <a:rPr lang="en-US" altLang="zh-CN" sz="2000" i="1">
-                                      <a:latin typeface="Cambria Math" panose="02040503050406030204" pitchFamily="18" charset="0"/>
-                                      <a:ea typeface="Cambria Math" panose="02040503050406030204" pitchFamily="18" charset="0"/>
-                                    </a:rPr>
-                                    <m:t>𝑜</m:t>
-                                  </m:r>
-                                </m:e>
-                                <m:sub>
-                                  <m:r>
-                                    <a:rPr lang="en-US" altLang="zh-CN" sz="2000" i="1">
-                                      <a:latin typeface="Cambria Math" panose="02040503050406030204" pitchFamily="18" charset="0"/>
-                                      <a:ea typeface="Cambria Math" panose="02040503050406030204" pitchFamily="18" charset="0"/>
-                                    </a:rPr>
-                                    <m:t>𝑣</m:t>
-                                  </m:r>
-                                </m:sub>
-                                <m:sup>
-                                  <m:r>
-                                    <a:rPr lang="en-US" altLang="zh-CN" sz="2000" i="1">
-                                      <a:latin typeface="Cambria Math" panose="02040503050406030204" pitchFamily="18" charset="0"/>
-                                      <a:ea typeface="Cambria Math" panose="02040503050406030204" pitchFamily="18" charset="0"/>
-                                    </a:rPr>
-                                    <m:t>′</m:t>
-                                  </m:r>
-                                </m:sup>
-                              </m:sSubSup>
-                            </m:e>
-                          </m:nary>
-                          <m:r>
-                            <a:rPr lang="en-US" altLang="zh-CN" sz="2000" i="1">
-                              <a:latin typeface="Cambria Math" panose="02040503050406030204" pitchFamily="18" charset="0"/>
-                              <a:ea typeface="Cambria Math" panose="02040503050406030204" pitchFamily="18" charset="0"/>
-                            </a:rPr>
-                            <m:t> </m:t>
-                          </m:r>
-                        </m:e>
-                      </m:d>
-                      <m:r>
-                        <a:rPr lang="en-US" altLang="zh-CN" sz="2000" i="1">
-                          <a:latin typeface="Cambria Math" panose="02040503050406030204" pitchFamily="18" charset="0"/>
-                          <a:ea typeface="Cambria Math" panose="02040503050406030204" pitchFamily="18" charset="0"/>
-                        </a:rPr>
-                        <m:t>]</m:t>
-                      </m:r>
-                    </m:oMath>
-                  </m:oMathPara>
-                </a14:m>
-                <a:endParaRPr lang="zh-CN" altLang="en-US" sz="2000" dirty="0"/>
-              </a:p>
-            </p:txBody>
-          </p:sp>
-        </mc:Choice>
-        <mc:Fallback xmlns="">
-          <p:sp>
-            <p:nvSpPr>
-              <p:cNvPr id="3" name="文本框 2"/>
-              <p:cNvSpPr txBox="1">
-                <a:spLocks noRot="1" noChangeAspect="1" noMove="1" noResize="1" noEditPoints="1" noAdjustHandles="1" noChangeArrowheads="1" noChangeShapeType="1" noTextEdit="1"/>
-              </p:cNvSpPr>
-              <p:nvPr/>
-            </p:nvSpPr>
-            <p:spPr>
-              <a:xfrm>
-                <a:off x="2566685" y="3751335"/>
-                <a:ext cx="4273349" cy="795474"/>
-              </a:xfrm>
-              <a:prstGeom prst="rect">
-                <a:avLst/>
-              </a:prstGeom>
-              <a:blipFill rotWithShape="0">
-                <a:blip r:embed="rId2"/>
-                <a:stretch>
-                  <a:fillRect/>
-                </a:stretch>
-              </a:blipFill>
-            </p:spPr>
-            <p:txBody>
-              <a:bodyPr/>
-              <a:lstStyle/>
-              <a:p>
-                <a:r>
-                  <a:rPr lang="zh-CN" altLang="en-US">
-                    <a:noFill/>
-                  </a:rPr>
-                  <a:t> </a:t>
-                </a:r>
-              </a:p>
-            </p:txBody>
-          </p:sp>
-        </mc:Fallback>
-      </mc:AlternateContent>
-      <p:sp>
-        <p:nvSpPr>
-          <p:cNvPr id="2" name="灯片编号占位符 1"/>
-          <p:cNvSpPr>
-            <a:spLocks noGrp="1"/>
-          </p:cNvSpPr>
-          <p:nvPr>
-            <p:ph type="sldNum" sz="quarter" idx="12"/>
-          </p:nvPr>
-        </p:nvSpPr>
-        <p:spPr/>
-        <p:txBody>
-          <a:bodyPr/>
-          <a:lstStyle/>
-          <a:p>
-            <a:fld id="{3421685F-CAB6-4DB2-B1E5-AC83AB7F8612}" type="slidenum">
-              <a:rPr lang="zh-CN" altLang="en-US" smtClean="0"/>
-              <a:t>17</a:t>
-            </a:fld>
-            <a:endParaRPr lang="zh-CN" altLang="en-US"/>
-          </a:p>
-        </p:txBody>
-      </p:sp>
-    </p:spTree>
-    <p:extLst>
-      <p:ext uri="{BB962C8B-B14F-4D97-AF65-F5344CB8AC3E}">
-        <p14:creationId xmlns:p14="http://schemas.microsoft.com/office/powerpoint/2010/main" val="314157135"/>
-      </p:ext>
-    </p:extLst>
-  </p:cSld>
-  <p:clrMapOvr>
-    <a:masterClrMapping/>
-  </p:clrMapOvr>
-  <mc:AlternateContent xmlns:mc="http://schemas.openxmlformats.org/markup-compatibility/2006" xmlns:p14="http://schemas.microsoft.com/office/powerpoint/2010/main">
-    <mc:Choice Requires="p14">
-      <p:transition p14:dur="0"/>
-    </mc:Choice>
-    <mc:Fallback xmlns="">
-      <p:transition/>
     </mc:Fallback>
   </mc:AlternateContent>
   <p:timing>
@@ -12572,7 +12737,7 @@
               </a:lnSpc>
             </a:pPr>
             <a:r>
-              <a:rPr lang="en-US" altLang="zh-CN" sz="2000" dirty="0">
+              <a:rPr lang="en-US" altLang="zh-CN" sz="2000" dirty="0" smtClean="0">
                 <a:solidFill>
                   <a:schemeClr val="tx1"/>
                 </a:solidFill>
@@ -12580,8 +12745,16 @@
                 <a:ea typeface="微软雅黑" panose="020B0503020204020204" pitchFamily="34" charset="-122"/>
                 <a:cs typeface="Arial" panose="020B0604020202020204" pitchFamily="34" charset="0"/>
               </a:rPr>
-              <a:t>Opinion Aware IM</a:t>
+              <a:t>OI Model</a:t>
             </a:r>
+            <a:endParaRPr lang="en-US" altLang="zh-CN" sz="2000" dirty="0">
+              <a:solidFill>
+                <a:schemeClr val="tx1"/>
+              </a:solidFill>
+              <a:latin typeface="微软雅黑" panose="020B0503020204020204" pitchFamily="34" charset="-122"/>
+              <a:ea typeface="微软雅黑" panose="020B0503020204020204" pitchFamily="34" charset="-122"/>
+              <a:cs typeface="Arial" panose="020B0604020202020204" pitchFamily="34" charset="0"/>
+            </a:endParaRPr>
           </a:p>
         </p:txBody>
       </p:sp>
@@ -12593,7 +12766,7 @@
         </p:nvSpPr>
         <p:spPr>
           <a:xfrm>
-            <a:off x="3625850" y="3661612"/>
+            <a:off x="3613150" y="3661612"/>
             <a:ext cx="2514582" cy="610480"/>
           </a:xfrm>
           <a:prstGeom prst="roundRect">

--- a/4-魏天柱-Holistic Influence Maximization_ Combining Scalability and Efficiency with Opinion-Aware Models..pptx
+++ b/4-魏天柱-Holistic Influence Maximization_ Combining Scalability and Efficiency with Opinion-Aware Models..pptx
@@ -5,10 +5,10 @@
     <p:sldMasterId id="2147483692" r:id="rId1"/>
   </p:sldMasterIdLst>
   <p:notesMasterIdLst>
-    <p:notesMasterId r:id="rId18"/>
+    <p:notesMasterId r:id="rId19"/>
   </p:notesMasterIdLst>
   <p:handoutMasterIdLst>
-    <p:handoutMasterId r:id="rId19"/>
+    <p:handoutMasterId r:id="rId20"/>
   </p:handoutMasterIdLst>
   <p:sldIdLst>
     <p:sldId id="256" r:id="rId2"/>
@@ -21,12 +21,13 @@
     <p:sldId id="284" r:id="rId9"/>
     <p:sldId id="287" r:id="rId10"/>
     <p:sldId id="283" r:id="rId11"/>
-    <p:sldId id="279" r:id="rId12"/>
-    <p:sldId id="286" r:id="rId13"/>
-    <p:sldId id="280" r:id="rId14"/>
-    <p:sldId id="289" r:id="rId15"/>
-    <p:sldId id="291" r:id="rId16"/>
-    <p:sldId id="274" r:id="rId17"/>
+    <p:sldId id="286" r:id="rId12"/>
+    <p:sldId id="280" r:id="rId13"/>
+    <p:sldId id="289" r:id="rId14"/>
+    <p:sldId id="291" r:id="rId15"/>
+    <p:sldId id="274" r:id="rId16"/>
+    <p:sldId id="279" r:id="rId17"/>
+    <p:sldId id="292" r:id="rId18"/>
   </p:sldIdLst>
   <p:sldSz cx="9144000" cy="6858000" type="screen4x3"/>
   <p:notesSz cx="6858000" cy="9144000"/>
@@ -227,7 +228,7 @@
           <a:p>
             <a:fld id="{75B6E363-E6B3-49EC-99B9-D71939BAE8EA}" type="datetimeFigureOut">
               <a:rPr lang="zh-CN" altLang="en-US" smtClean="0"/>
-              <a:t>2016/11/10</a:t>
+              <a:t>2016/11/11</a:t>
             </a:fld>
             <a:endParaRPr lang="zh-CN" altLang="en-US"/>
           </a:p>
@@ -393,7 +394,7 @@
           <a:p>
             <a:fld id="{390D7B70-739F-46B8-8786-37DA01C23847}" type="datetimeFigureOut">
               <a:rPr lang="zh-CN" altLang="en-US" smtClean="0"/>
-              <a:t>2016/11/10</a:t>
+              <a:t>2016/11/11</a:t>
             </a:fld>
             <a:endParaRPr lang="zh-CN" altLang="en-US"/>
           </a:p>
@@ -914,7 +915,30 @@
           <a:p>
             <a:r>
               <a:rPr lang="zh-CN" altLang="en-US" dirty="0" smtClean="0"/>
-              <a:t>通过</a:t>
+              <a:t>使用现在中的真实数据来做实验         这是传播实验  </a:t>
+            </a:r>
+            <a:endParaRPr lang="en-US" altLang="zh-CN" dirty="0" smtClean="0"/>
+          </a:p>
+          <a:p>
+            <a:r>
+              <a:rPr lang="zh-CN" altLang="en-US" dirty="0" smtClean="0"/>
+              <a:t>使</a:t>
+            </a:r>
+            <a:r>
+              <a:rPr lang="zh-CN" altLang="en-US" dirty="0" smtClean="0"/>
+              <a:t>用相同的种子集</a:t>
+            </a:r>
+            <a:r>
+              <a:rPr lang="zh-CN" altLang="en-US" dirty="0" smtClean="0"/>
+              <a:t>合进行 </a:t>
+            </a:r>
+            <a:r>
+              <a:rPr lang="en-US" altLang="zh-CN" dirty="0" smtClean="0"/>
+              <a:t>opinion </a:t>
+            </a:r>
+            <a:r>
+              <a:rPr lang="zh-CN" altLang="en-US" dirty="0" smtClean="0"/>
+              <a:t>传播 ，真实的</a:t>
             </a:r>
             <a:r>
               <a:rPr lang="zh-CN" altLang="en-US" baseline="0" dirty="0" smtClean="0"/>
@@ -922,26 +946,48 @@
             </a:r>
             <a:r>
               <a:rPr lang="en-US" altLang="zh-CN" baseline="0" dirty="0" smtClean="0"/>
-              <a:t>OI </a:t>
+              <a:t>opinion </a:t>
             </a:r>
             <a:r>
               <a:rPr lang="zh-CN" altLang="en-US" baseline="0" dirty="0" smtClean="0"/>
-              <a:t>模型找到的种子结点的传播结果要好于通过</a:t>
+              <a:t>值与使用不同模型时产生的结果</a:t>
+            </a:r>
+            <a:endParaRPr lang="en-US" altLang="zh-CN" dirty="0" smtClean="0"/>
+          </a:p>
+          <a:p>
+            <a:r>
+              <a:rPr lang="en-US" altLang="zh-CN" dirty="0" smtClean="0"/>
+              <a:t>ground truth </a:t>
+            </a:r>
+            <a:r>
+              <a:rPr lang="zh-CN" altLang="en-US" dirty="0" smtClean="0"/>
+              <a:t>标定过的真实数据（通过分析有多少人转发了这条消息）</a:t>
+            </a:r>
+            <a:endParaRPr lang="en-US" altLang="zh-CN" dirty="0" smtClean="0"/>
+          </a:p>
+          <a:p>
+            <a:r>
+              <a:rPr lang="zh-CN" altLang="en-US" dirty="0" smtClean="0"/>
+              <a:t>通过主题划分的方式</a:t>
+            </a:r>
+            <a:endParaRPr lang="en-US" altLang="zh-CN" dirty="0" smtClean="0"/>
+          </a:p>
+          <a:p>
+            <a:r>
+              <a:rPr lang="zh-CN" altLang="en-US" dirty="0" smtClean="0"/>
+              <a:t>第二图表示随着种子结点个数的增多，各个模型产生的</a:t>
+            </a:r>
+            <a:r>
+              <a:rPr lang="zh-CN" altLang="en-US" baseline="0" dirty="0" smtClean="0"/>
+              <a:t> </a:t>
             </a:r>
             <a:r>
               <a:rPr lang="en-US" altLang="zh-CN" baseline="0" dirty="0" smtClean="0"/>
-              <a:t>IC</a:t>
+              <a:t>opinion </a:t>
             </a:r>
             <a:r>
               <a:rPr lang="zh-CN" altLang="en-US" baseline="0" dirty="0" smtClean="0"/>
-              <a:t>模型找到的种子结点的传播效果要好</a:t>
-            </a:r>
-            <a:endParaRPr lang="en-US" altLang="zh-CN" baseline="0" dirty="0" smtClean="0"/>
-          </a:p>
-          <a:p>
-            <a:r>
-              <a:rPr lang="zh-CN" altLang="en-US" baseline="0" dirty="0" smtClean="0"/>
-              <a:t>同时也说使用</a:t>
+              <a:t>和 </a:t>
             </a:r>
             <a:r>
               <a:rPr lang="en-US" altLang="zh-CN" baseline="0" dirty="0" smtClean="0"/>
@@ -949,23 +995,7 @@
             </a:r>
             <a:r>
               <a:rPr lang="zh-CN" altLang="en-US" baseline="0" dirty="0" smtClean="0"/>
-              <a:t>的效果要好于 </a:t>
-            </a:r>
-            <a:r>
-              <a:rPr lang="en-US" altLang="zh-CN" baseline="0" dirty="0" smtClean="0"/>
-              <a:t>OC </a:t>
-            </a:r>
-            <a:r>
-              <a:rPr lang="zh-CN" altLang="en-US" baseline="0" dirty="0" smtClean="0"/>
-              <a:t>，</a:t>
-            </a:r>
-            <a:r>
-              <a:rPr lang="en-US" altLang="zh-CN" baseline="0" dirty="0" smtClean="0"/>
-              <a:t>OC </a:t>
-            </a:r>
-            <a:r>
-              <a:rPr lang="zh-CN" altLang="en-US" baseline="0" dirty="0" smtClean="0"/>
-              <a:t>也是是一种考虑了个人意见的传播，但是这个意见是一直不变的，并不符合现在中的生活场景</a:t>
+              <a:t>模型产生的误差最小的</a:t>
             </a:r>
             <a:endParaRPr lang="zh-CN" altLang="en-US" dirty="0"/>
           </a:p>
@@ -997,7 +1027,7 @@
     </p:spTree>
     <p:extLst>
       <p:ext uri="{BB962C8B-B14F-4D97-AF65-F5344CB8AC3E}">
-        <p14:creationId xmlns:p14="http://schemas.microsoft.com/office/powerpoint/2010/main" val="915705357"/>
+        <p14:creationId xmlns:p14="http://schemas.microsoft.com/office/powerpoint/2010/main" val="4199967712"/>
       </p:ext>
     </p:extLst>
   </p:cSld>
@@ -1008,128 +1038,6 @@
 </file>
 
 <file path=ppt/notesSlides/notesSlide11.xml><?xml version="1.0" encoding="utf-8"?>
-<p:notes xmlns:a="http://schemas.openxmlformats.org/drawingml/2006/main" xmlns:r="http://schemas.openxmlformats.org/officeDocument/2006/relationships" xmlns:p="http://schemas.openxmlformats.org/presentationml/2006/main">
-  <p:cSld>
-    <p:spTree>
-      <p:nvGrpSpPr>
-        <p:cNvPr id="1" name=""/>
-        <p:cNvGrpSpPr/>
-        <p:nvPr/>
-      </p:nvGrpSpPr>
-      <p:grpSpPr>
-        <a:xfrm>
-          <a:off x="0" y="0"/>
-          <a:ext cx="0" cy="0"/>
-          <a:chOff x="0" y="0"/>
-          <a:chExt cx="0" cy="0"/>
-        </a:xfrm>
-      </p:grpSpPr>
-      <p:sp>
-        <p:nvSpPr>
-          <p:cNvPr id="2" name="幻灯片图像占位符 1"/>
-          <p:cNvSpPr>
-            <a:spLocks noGrp="1" noRot="1" noChangeAspect="1"/>
-          </p:cNvSpPr>
-          <p:nvPr>
-            <p:ph type="sldImg"/>
-          </p:nvPr>
-        </p:nvSpPr>
-        <p:spPr>
-          <a:xfrm>
-            <a:off x="1371600" y="1143000"/>
-            <a:ext cx="4114800" cy="3086100"/>
-          </a:xfrm>
-        </p:spPr>
-      </p:sp>
-      <p:sp>
-        <p:nvSpPr>
-          <p:cNvPr id="3" name="备注占位符 2"/>
-          <p:cNvSpPr>
-            <a:spLocks noGrp="1"/>
-          </p:cNvSpPr>
-          <p:nvPr>
-            <p:ph type="body" idx="1"/>
-          </p:nvPr>
-        </p:nvSpPr>
-        <p:spPr/>
-        <p:txBody>
-          <a:bodyPr/>
-          <a:lstStyle/>
-          <a:p>
-            <a:r>
-              <a:rPr lang="zh-CN" altLang="en-US" dirty="0" smtClean="0"/>
-              <a:t>使用现在中的真实数据来做实验         这是传播实验  使用相同的种子集合</a:t>
-            </a:r>
-            <a:endParaRPr lang="en-US" altLang="zh-CN" dirty="0" smtClean="0"/>
-          </a:p>
-          <a:p>
-            <a:r>
-              <a:rPr lang="en-US" altLang="zh-CN" dirty="0" smtClean="0"/>
-              <a:t>ground truth </a:t>
-            </a:r>
-            <a:r>
-              <a:rPr lang="zh-CN" altLang="en-US" dirty="0" smtClean="0"/>
-              <a:t>标定过的真实数据（通过分析有多少人转发了这条消息）</a:t>
-            </a:r>
-            <a:endParaRPr lang="en-US" altLang="zh-CN" dirty="0" smtClean="0"/>
-          </a:p>
-          <a:p>
-            <a:r>
-              <a:rPr lang="zh-CN" altLang="en-US" dirty="0" smtClean="0"/>
-              <a:t>通过主题划分的方式</a:t>
-            </a:r>
-            <a:endParaRPr lang="en-US" altLang="zh-CN" dirty="0" smtClean="0"/>
-          </a:p>
-          <a:p>
-            <a:r>
-              <a:rPr lang="en-US" altLang="zh-CN" dirty="0" smtClean="0"/>
-              <a:t>OI </a:t>
-            </a:r>
-            <a:r>
-              <a:rPr lang="zh-CN" altLang="en-US" dirty="0" smtClean="0"/>
-              <a:t>的推广模型最接近真实的结果，并且产生的错误最少</a:t>
-            </a:r>
-            <a:endParaRPr lang="zh-CN" altLang="en-US" dirty="0"/>
-          </a:p>
-        </p:txBody>
-      </p:sp>
-      <p:sp>
-        <p:nvSpPr>
-          <p:cNvPr id="4" name="灯片编号占位符 3"/>
-          <p:cNvSpPr>
-            <a:spLocks noGrp="1"/>
-          </p:cNvSpPr>
-          <p:nvPr>
-            <p:ph type="sldNum" sz="quarter" idx="10"/>
-          </p:nvPr>
-        </p:nvSpPr>
-        <p:spPr/>
-        <p:txBody>
-          <a:bodyPr/>
-          <a:lstStyle/>
-          <a:p>
-            <a:fld id="{883FF4EF-A403-442C-A4E6-B25DFCE337EC}" type="slidenum">
-              <a:rPr lang="zh-CN" altLang="en-US" smtClean="0"/>
-              <a:t>12</a:t>
-            </a:fld>
-            <a:endParaRPr lang="zh-CN" altLang="en-US"/>
-          </a:p>
-        </p:txBody>
-      </p:sp>
-    </p:spTree>
-    <p:extLst>
-      <p:ext uri="{BB962C8B-B14F-4D97-AF65-F5344CB8AC3E}">
-        <p14:creationId xmlns:p14="http://schemas.microsoft.com/office/powerpoint/2010/main" val="4199967712"/>
-      </p:ext>
-    </p:extLst>
-  </p:cSld>
-  <p:clrMapOvr>
-    <a:masterClrMapping/>
-  </p:clrMapOvr>
-</p:notes>
-</file>
-
-<file path=ppt/notesSlides/notesSlide12.xml><?xml version="1.0" encoding="utf-8"?>
 <p:notes xmlns:a="http://schemas.openxmlformats.org/drawingml/2006/main" xmlns:r="http://schemas.openxmlformats.org/officeDocument/2006/relationships" xmlns:p="http://schemas.openxmlformats.org/presentationml/2006/main">
   <p:cSld>
     <p:spTree>
@@ -1222,7 +1130,7 @@
           <a:p>
             <a:fld id="{883FF4EF-A403-442C-A4E6-B25DFCE337EC}" type="slidenum">
               <a:rPr lang="zh-CN" altLang="en-US" smtClean="0"/>
-              <a:t>13</a:t>
+              <a:t>12</a:t>
             </a:fld>
             <a:endParaRPr lang="zh-CN" altLang="en-US"/>
           </a:p>
@@ -1241,7 +1149,7 @@
 </p:notes>
 </file>
 
-<file path=ppt/notesSlides/notesSlide13.xml><?xml version="1.0" encoding="utf-8"?>
+<file path=ppt/notesSlides/notesSlide12.xml><?xml version="1.0" encoding="utf-8"?>
 <p:notes xmlns:a="http://schemas.openxmlformats.org/drawingml/2006/main" xmlns:r="http://schemas.openxmlformats.org/officeDocument/2006/relationships" xmlns:p="http://schemas.openxmlformats.org/presentationml/2006/main">
   <p:cSld>
     <p:spTree>
@@ -1306,7 +1214,7 @@
           <a:p>
             <a:fld id="{883FF4EF-A403-442C-A4E6-B25DFCE337EC}" type="slidenum">
               <a:rPr lang="zh-CN" altLang="en-US" smtClean="0"/>
-              <a:t>15</a:t>
+              <a:t>14</a:t>
             </a:fld>
             <a:endParaRPr lang="zh-CN" altLang="en-US"/>
           </a:p>
@@ -1325,7 +1233,7 @@
 </p:notes>
 </file>
 
-<file path=ppt/notesSlides/notesSlide14.xml><?xml version="1.0" encoding="utf-8"?>
+<file path=ppt/notesSlides/notesSlide13.xml><?xml version="1.0" encoding="utf-8"?>
 <p:notes xmlns:a="http://schemas.openxmlformats.org/drawingml/2006/main" xmlns:r="http://schemas.openxmlformats.org/officeDocument/2006/relationships" xmlns:p="http://schemas.openxmlformats.org/presentationml/2006/main">
   <p:cSld>
     <p:spTree>
@@ -1395,6 +1303,153 @@
           <a:p>
             <a:fld id="{883FF4EF-A403-442C-A4E6-B25DFCE337EC}" type="slidenum">
               <a:rPr lang="zh-CN" altLang="en-US" smtClean="0"/>
+              <a:t>15</a:t>
+            </a:fld>
+            <a:endParaRPr lang="zh-CN" altLang="en-US"/>
+          </a:p>
+        </p:txBody>
+      </p:sp>
+    </p:spTree>
+    <p:extLst>
+      <p:ext uri="{BB962C8B-B14F-4D97-AF65-F5344CB8AC3E}">
+        <p14:creationId xmlns:p14="http://schemas.microsoft.com/office/powerpoint/2010/main" val="285863611"/>
+      </p:ext>
+    </p:extLst>
+  </p:cSld>
+  <p:clrMapOvr>
+    <a:masterClrMapping/>
+  </p:clrMapOvr>
+</p:notes>
+</file>
+
+<file path=ppt/notesSlides/notesSlide14.xml><?xml version="1.0" encoding="utf-8"?>
+<p:notes xmlns:a="http://schemas.openxmlformats.org/drawingml/2006/main" xmlns:r="http://schemas.openxmlformats.org/officeDocument/2006/relationships" xmlns:p="http://schemas.openxmlformats.org/presentationml/2006/main">
+  <p:cSld>
+    <p:spTree>
+      <p:nvGrpSpPr>
+        <p:cNvPr id="1" name=""/>
+        <p:cNvGrpSpPr/>
+        <p:nvPr/>
+      </p:nvGrpSpPr>
+      <p:grpSpPr>
+        <a:xfrm>
+          <a:off x="0" y="0"/>
+          <a:ext cx="0" cy="0"/>
+          <a:chOff x="0" y="0"/>
+          <a:chExt cx="0" cy="0"/>
+        </a:xfrm>
+      </p:grpSpPr>
+      <p:sp>
+        <p:nvSpPr>
+          <p:cNvPr id="2" name="幻灯片图像占位符 1"/>
+          <p:cNvSpPr>
+            <a:spLocks noGrp="1" noRot="1" noChangeAspect="1"/>
+          </p:cNvSpPr>
+          <p:nvPr>
+            <p:ph type="sldImg"/>
+          </p:nvPr>
+        </p:nvSpPr>
+        <p:spPr>
+          <a:xfrm>
+            <a:off x="1371600" y="1143000"/>
+            <a:ext cx="4114800" cy="3086100"/>
+          </a:xfrm>
+        </p:spPr>
+      </p:sp>
+      <p:sp>
+        <p:nvSpPr>
+          <p:cNvPr id="3" name="备注占位符 2"/>
+          <p:cNvSpPr>
+            <a:spLocks noGrp="1"/>
+          </p:cNvSpPr>
+          <p:nvPr>
+            <p:ph type="body" idx="1"/>
+          </p:nvPr>
+        </p:nvSpPr>
+        <p:spPr/>
+        <p:txBody>
+          <a:bodyPr/>
+          <a:lstStyle/>
+          <a:p>
+            <a:r>
+              <a:rPr lang="zh-CN" altLang="en-US" dirty="0" smtClean="0"/>
+              <a:t>通过</a:t>
+            </a:r>
+            <a:r>
+              <a:rPr lang="zh-CN" altLang="en-US" baseline="0" dirty="0" smtClean="0"/>
+              <a:t> </a:t>
+            </a:r>
+            <a:r>
+              <a:rPr lang="en-US" altLang="zh-CN" baseline="0" dirty="0" smtClean="0"/>
+              <a:t>OI </a:t>
+            </a:r>
+            <a:r>
+              <a:rPr lang="zh-CN" altLang="en-US" baseline="0" dirty="0" smtClean="0"/>
+              <a:t>模型找到的种子结点的传播结果要好于通过</a:t>
+            </a:r>
+            <a:r>
+              <a:rPr lang="en-US" altLang="zh-CN" baseline="0" dirty="0" smtClean="0"/>
+              <a:t>IC</a:t>
+            </a:r>
+            <a:r>
+              <a:rPr lang="zh-CN" altLang="en-US" baseline="0" dirty="0" smtClean="0"/>
+              <a:t>模型找到的种子结点的传播效果要好</a:t>
+            </a:r>
+            <a:endParaRPr lang="en-US" altLang="zh-CN" baseline="0" dirty="0" smtClean="0"/>
+          </a:p>
+          <a:p>
+            <a:r>
+              <a:rPr lang="zh-CN" altLang="en-US" baseline="0" dirty="0" smtClean="0"/>
+              <a:t>同时也说使用</a:t>
+            </a:r>
+            <a:r>
+              <a:rPr lang="en-US" altLang="zh-CN" baseline="0" dirty="0" smtClean="0"/>
+              <a:t>OI</a:t>
+            </a:r>
+            <a:r>
+              <a:rPr lang="zh-CN" altLang="en-US" baseline="0" dirty="0" smtClean="0"/>
+              <a:t>的效果要好于 </a:t>
+            </a:r>
+            <a:r>
+              <a:rPr lang="en-US" altLang="zh-CN" baseline="0" dirty="0" smtClean="0"/>
+              <a:t>OC </a:t>
+            </a:r>
+            <a:r>
+              <a:rPr lang="zh-CN" altLang="en-US" baseline="0" dirty="0" smtClean="0"/>
+              <a:t>，</a:t>
+            </a:r>
+            <a:r>
+              <a:rPr lang="en-US" altLang="zh-CN" baseline="0" dirty="0" smtClean="0"/>
+              <a:t>OC </a:t>
+            </a:r>
+            <a:r>
+              <a:rPr lang="zh-CN" altLang="en-US" baseline="0" dirty="0" smtClean="0"/>
+              <a:t>也是是一种考虑了个人意见的传播，但是这个意见是一直不变的，并不符合现在中的生活场景</a:t>
+            </a:r>
+            <a:endParaRPr lang="en-US" altLang="zh-CN" baseline="0" dirty="0" smtClean="0"/>
+          </a:p>
+          <a:p>
+            <a:endParaRPr lang="zh-CN" altLang="en-US" dirty="0"/>
+          </a:p>
+        </p:txBody>
+      </p:sp>
+      <p:sp>
+        <p:nvSpPr>
+          <p:cNvPr id="4" name="灯片编号占位符 3"/>
+          <p:cNvSpPr>
+            <a:spLocks noGrp="1"/>
+          </p:cNvSpPr>
+          <p:nvPr>
+            <p:ph type="sldNum" sz="quarter" idx="10"/>
+          </p:nvPr>
+        </p:nvSpPr>
+        <p:spPr/>
+        <p:txBody>
+          <a:bodyPr/>
+          <a:lstStyle/>
+          <a:p>
+            <a:fld id="{883FF4EF-A403-442C-A4E6-B25DFCE337EC}" type="slidenum">
+              <a:rPr lang="zh-CN" altLang="en-US" smtClean="0"/>
               <a:t>16</a:t>
             </a:fld>
             <a:endParaRPr lang="zh-CN" altLang="en-US"/>
@@ -1404,7 +1459,103 @@
     </p:spTree>
     <p:extLst>
       <p:ext uri="{BB962C8B-B14F-4D97-AF65-F5344CB8AC3E}">
-        <p14:creationId xmlns:p14="http://schemas.microsoft.com/office/powerpoint/2010/main" val="285863611"/>
+        <p14:creationId xmlns:p14="http://schemas.microsoft.com/office/powerpoint/2010/main" val="915705357"/>
+      </p:ext>
+    </p:extLst>
+  </p:cSld>
+  <p:clrMapOvr>
+    <a:masterClrMapping/>
+  </p:clrMapOvr>
+</p:notes>
+</file>
+
+<file path=ppt/notesSlides/notesSlide15.xml><?xml version="1.0" encoding="utf-8"?>
+<p:notes xmlns:a="http://schemas.openxmlformats.org/drawingml/2006/main" xmlns:r="http://schemas.openxmlformats.org/officeDocument/2006/relationships" xmlns:p="http://schemas.openxmlformats.org/presentationml/2006/main">
+  <p:cSld>
+    <p:spTree>
+      <p:nvGrpSpPr>
+        <p:cNvPr id="1" name=""/>
+        <p:cNvGrpSpPr/>
+        <p:nvPr/>
+      </p:nvGrpSpPr>
+      <p:grpSpPr>
+        <a:xfrm>
+          <a:off x="0" y="0"/>
+          <a:ext cx="0" cy="0"/>
+          <a:chOff x="0" y="0"/>
+          <a:chExt cx="0" cy="0"/>
+        </a:xfrm>
+      </p:grpSpPr>
+      <p:sp>
+        <p:nvSpPr>
+          <p:cNvPr id="2" name="幻灯片图像占位符 1"/>
+          <p:cNvSpPr>
+            <a:spLocks noGrp="1" noRot="1" noChangeAspect="1"/>
+          </p:cNvSpPr>
+          <p:nvPr>
+            <p:ph type="sldImg"/>
+          </p:nvPr>
+        </p:nvSpPr>
+        <p:spPr/>
+      </p:sp>
+      <p:sp>
+        <p:nvSpPr>
+          <p:cNvPr id="3" name="备注占位符 2"/>
+          <p:cNvSpPr>
+            <a:spLocks noGrp="1"/>
+          </p:cNvSpPr>
+          <p:nvPr>
+            <p:ph type="body" idx="1"/>
+          </p:nvPr>
+        </p:nvSpPr>
+        <p:spPr/>
+        <p:txBody>
+          <a:bodyPr/>
+          <a:lstStyle/>
+          <a:p>
+            <a:r>
+              <a:rPr lang="zh-CN" altLang="en-US" dirty="0" smtClean="0"/>
+              <a:t>强调在 </a:t>
+            </a:r>
+            <a:r>
+              <a:rPr lang="en-US" altLang="zh-CN" dirty="0" smtClean="0"/>
+              <a:t>OI</a:t>
+            </a:r>
+            <a:r>
+              <a:rPr lang="zh-CN" altLang="en-US" dirty="0" smtClean="0"/>
+              <a:t>模型下的   意见延展度 的重要性</a:t>
+            </a:r>
+            <a:endParaRPr lang="zh-CN" altLang="en-US" dirty="0"/>
+          </a:p>
+        </p:txBody>
+      </p:sp>
+      <p:sp>
+        <p:nvSpPr>
+          <p:cNvPr id="4" name="灯片编号占位符 3"/>
+          <p:cNvSpPr>
+            <a:spLocks noGrp="1"/>
+          </p:cNvSpPr>
+          <p:nvPr>
+            <p:ph type="sldNum" sz="quarter" idx="10"/>
+          </p:nvPr>
+        </p:nvSpPr>
+        <p:spPr/>
+        <p:txBody>
+          <a:bodyPr/>
+          <a:lstStyle/>
+          <a:p>
+            <a:fld id="{883FF4EF-A403-442C-A4E6-B25DFCE337EC}" type="slidenum">
+              <a:rPr lang="zh-CN" altLang="en-US" smtClean="0"/>
+              <a:t>17</a:t>
+            </a:fld>
+            <a:endParaRPr lang="zh-CN" altLang="en-US"/>
+          </a:p>
+        </p:txBody>
+      </p:sp>
+    </p:spTree>
+    <p:extLst>
+      <p:ext uri="{BB962C8B-B14F-4D97-AF65-F5344CB8AC3E}">
+        <p14:creationId xmlns:p14="http://schemas.microsoft.com/office/powerpoint/2010/main" val="3120452898"/>
       </p:ext>
     </p:extLst>
   </p:cSld>
@@ -3303,7 +3454,7 @@
           <a:p>
             <a:fld id="{D468E895-2BED-4B89-8737-C13053ED3775}" type="datetime1">
               <a:rPr lang="zh-CN" altLang="en-US" smtClean="0"/>
-              <a:t>2016/11/10</a:t>
+              <a:t>2016/11/11</a:t>
             </a:fld>
             <a:endParaRPr lang="zh-CN" altLang="en-US"/>
           </a:p>
@@ -3481,7 +3632,7 @@
           <a:p>
             <a:fld id="{104D3C72-1350-4498-B7F7-C0D06391B969}" type="datetime1">
               <a:rPr lang="zh-CN" altLang="en-US" smtClean="0"/>
-              <a:t>2016/11/10</a:t>
+              <a:t>2016/11/11</a:t>
             </a:fld>
             <a:endParaRPr lang="zh-CN" altLang="en-US"/>
           </a:p>
@@ -3668,7 +3819,7 @@
           <a:p>
             <a:fld id="{7EE734A3-1FC5-4C4F-951E-90CBADCF8226}" type="datetime1">
               <a:rPr lang="zh-CN" altLang="en-US" smtClean="0"/>
-              <a:t>2016/11/10</a:t>
+              <a:t>2016/11/11</a:t>
             </a:fld>
             <a:endParaRPr lang="zh-CN" altLang="en-US"/>
           </a:p>
@@ -3852,7 +4003,7 @@
           <a:p>
             <a:fld id="{434D24B4-69D0-4189-8037-D7083A6CF5B3}" type="datetime1">
               <a:rPr lang="zh-CN" altLang="en-US" smtClean="0"/>
-              <a:t>2016/11/10</a:t>
+              <a:t>2016/11/11</a:t>
             </a:fld>
             <a:endParaRPr lang="zh-CN" altLang="en-US"/>
           </a:p>
@@ -4044,7 +4195,7 @@
           <a:p>
             <a:fld id="{E076972C-4993-4C9C-80E8-5D6204C04177}" type="datetime1">
               <a:rPr lang="zh-CN" altLang="en-US" smtClean="0"/>
-              <a:t>2016/11/10</a:t>
+              <a:t>2016/11/11</a:t>
             </a:fld>
             <a:endParaRPr lang="zh-CN" altLang="en-US"/>
           </a:p>
@@ -4236,7 +4387,7 @@
           <a:p>
             <a:fld id="{82F6CDB0-C4D4-4F59-A493-F56C87211419}" type="datetime1">
               <a:rPr lang="zh-CN" altLang="en-US" smtClean="0"/>
-              <a:t>2016/11/10</a:t>
+              <a:t>2016/11/11</a:t>
             </a:fld>
             <a:endParaRPr lang="zh-CN" altLang="en-US"/>
           </a:p>
@@ -4428,7 +4579,7 @@
           <a:p>
             <a:fld id="{B0C60F26-20FD-4E1B-AB65-52B807B75D6D}" type="datetime1">
               <a:rPr lang="zh-CN" altLang="en-US" smtClean="0"/>
-              <a:t>2016/11/10</a:t>
+              <a:t>2016/11/11</a:t>
             </a:fld>
             <a:endParaRPr lang="zh-CN" altLang="en-US"/>
           </a:p>
@@ -4613,7 +4764,7 @@
           <a:p>
             <a:fld id="{B2494A39-0159-4B2E-AD47-D0BB181F4B03}" type="datetime1">
               <a:rPr lang="zh-CN" altLang="en-US" smtClean="0"/>
-              <a:t>2016/11/10</a:t>
+              <a:t>2016/11/11</a:t>
             </a:fld>
             <a:endParaRPr lang="zh-CN" altLang="en-US"/>
           </a:p>
@@ -4864,7 +5015,7 @@
           <a:p>
             <a:fld id="{3260B8DA-CAB1-4F56-BC79-34B04FD3BCA3}" type="datetime1">
               <a:rPr lang="zh-CN" altLang="en-US" smtClean="0"/>
-              <a:t>2016/11/10</a:t>
+              <a:t>2016/11/11</a:t>
             </a:fld>
             <a:endParaRPr lang="zh-CN" altLang="en-US"/>
           </a:p>
@@ -5108,7 +5259,7 @@
           <a:p>
             <a:fld id="{A472A3E3-8796-4C5C-B6C1-801B24CB5A20}" type="datetime1">
               <a:rPr lang="zh-CN" altLang="en-US" smtClean="0"/>
-              <a:t>2016/11/10</a:t>
+              <a:t>2016/11/11</a:t>
             </a:fld>
             <a:endParaRPr lang="zh-CN" altLang="en-US"/>
           </a:p>
@@ -5482,7 +5633,7 @@
           <a:p>
             <a:fld id="{8EBDF594-6A12-459D-9D99-D5E5F495E2EC}" type="datetime1">
               <a:rPr lang="zh-CN" altLang="en-US" smtClean="0"/>
-              <a:t>2016/11/10</a:t>
+              <a:t>2016/11/11</a:t>
             </a:fld>
             <a:endParaRPr lang="zh-CN" altLang="en-US"/>
           </a:p>
@@ -5607,7 +5758,7 @@
           <a:p>
             <a:fld id="{09644570-F52D-43DC-B2E6-EC798EE8C159}" type="datetime1">
               <a:rPr lang="zh-CN" altLang="en-US" smtClean="0"/>
-              <a:t>2016/11/10</a:t>
+              <a:t>2016/11/11</a:t>
             </a:fld>
             <a:endParaRPr lang="zh-CN" altLang="en-US"/>
           </a:p>
@@ -5709,7 +5860,7 @@
           <a:p>
             <a:fld id="{59732DD0-5A2B-44DF-AC88-A7E8B48D56E8}" type="datetime1">
               <a:rPr lang="zh-CN" altLang="en-US" smtClean="0"/>
-              <a:t>2016/11/10</a:t>
+              <a:t>2016/11/11</a:t>
             </a:fld>
             <a:endParaRPr lang="zh-CN" altLang="en-US"/>
           </a:p>
@@ -5993,7 +6144,7 @@
           <a:p>
             <a:fld id="{6CD513BD-3DF7-47AD-9746-A85138DD326A}" type="datetime1">
               <a:rPr lang="zh-CN" altLang="en-US" smtClean="0"/>
-              <a:t>2016/11/10</a:t>
+              <a:t>2016/11/11</a:t>
             </a:fld>
             <a:endParaRPr lang="zh-CN" altLang="en-US"/>
           </a:p>
@@ -6258,7 +6409,7 @@
           <a:p>
             <a:fld id="{B7F52A3E-3393-4BA4-BA57-78D5CF5B1F15}" type="datetime1">
               <a:rPr lang="zh-CN" altLang="en-US" smtClean="0"/>
-              <a:t>2016/11/10</a:t>
+              <a:t>2016/11/11</a:t>
             </a:fld>
             <a:endParaRPr lang="zh-CN" altLang="en-US"/>
           </a:p>
@@ -6483,7 +6634,7 @@
           <a:p>
             <a:fld id="{5D6C920D-D6CE-4AE5-BA50-0577D0EAB39A}" type="datetime1">
               <a:rPr lang="zh-CN" altLang="en-US" smtClean="0"/>
-              <a:t>2016/11/10</a:t>
+              <a:t>2016/11/11</a:t>
             </a:fld>
             <a:endParaRPr lang="zh-CN" altLang="en-US"/>
           </a:p>
@@ -6994,21 +7145,9 @@
             </a:pPr>
             <a:r>
               <a:rPr lang="en-US" altLang="zh-CN" sz="2000" dirty="0"/>
-              <a:t>2016/11</a:t>
+              <a:t>2016/11/12</a:t>
             </a:r>
-            <a:r>
-              <a:rPr lang="en-US" altLang="zh-CN" sz="2000" b="1" dirty="0">
-                <a:solidFill>
-                  <a:srgbClr val="FF0000"/>
-                </a:solidFill>
-              </a:rPr>
-              <a:t>/?????</a:t>
-            </a:r>
-            <a:endParaRPr lang="zh-CN" altLang="en-US" sz="2000" b="1" dirty="0">
-              <a:solidFill>
-                <a:srgbClr val="FF0000"/>
-              </a:solidFill>
-            </a:endParaRPr>
+            <a:endParaRPr lang="zh-CN" altLang="en-US" sz="2000" dirty="0"/>
           </a:p>
         </p:txBody>
       </p:sp>
@@ -10070,8 +10209,8 @@
           </p:sp>
         </mc:Fallback>
       </mc:AlternateContent>
-      <mc:AlternateContent xmlns:mc="http://schemas.openxmlformats.org/markup-compatibility/2006" xmlns:a14="http://schemas.microsoft.com/office/drawing/2010/main">
-        <mc:Choice Requires="a14">
+      <mc:AlternateContent xmlns:mc="http://schemas.openxmlformats.org/markup-compatibility/2006">
+        <mc:Choice xmlns:a14="http://schemas.microsoft.com/office/drawing/2010/main" Requires="a14">
           <p:sp>
             <p:nvSpPr>
               <p:cNvPr id="76" name="矩形 75"/>
@@ -10080,7 +10219,7 @@
             </p:nvSpPr>
             <p:spPr>
               <a:xfrm>
-                <a:off x="677752" y="5271112"/>
+                <a:off x="525695" y="5691245"/>
                 <a:ext cx="5542718" cy="687624"/>
               </a:xfrm>
               <a:prstGeom prst="rect">
@@ -10412,7 +10551,7 @@
             </p:txBody>
           </p:sp>
         </mc:Choice>
-        <mc:Fallback xmlns="">
+        <mc:Fallback>
           <p:sp>
             <p:nvSpPr>
               <p:cNvPr id="76" name="矩形 75"/>
@@ -10423,7 +10562,7 @@
             </p:nvSpPr>
             <p:spPr>
               <a:xfrm>
-                <a:off x="677752" y="5271112"/>
+                <a:off x="525695" y="5691245"/>
                 <a:ext cx="5542718" cy="687624"/>
               </a:xfrm>
               <a:prstGeom prst="rect">
@@ -10474,6 +10613,248 @@
           </a:p>
         </p:txBody>
       </p:sp>
+      <mc:AlternateContent xmlns:mc="http://schemas.openxmlformats.org/markup-compatibility/2006">
+        <mc:Choice xmlns:a14="http://schemas.microsoft.com/office/drawing/2010/main" Requires="a14">
+          <p:sp>
+            <p:nvSpPr>
+              <p:cNvPr id="39" name="文本框 38"/>
+              <p:cNvSpPr txBox="1"/>
+              <p:nvPr/>
+            </p:nvSpPr>
+            <p:spPr>
+              <a:xfrm>
+                <a:off x="665395" y="5171096"/>
+                <a:ext cx="2924390" cy="307777"/>
+              </a:xfrm>
+              <a:prstGeom prst="rect">
+                <a:avLst/>
+              </a:prstGeom>
+              <a:noFill/>
+            </p:spPr>
+            <p:txBody>
+              <a:bodyPr wrap="none" lIns="0" tIns="0" rIns="0" bIns="0" rtlCol="0">
+                <a:spAutoFit/>
+              </a:bodyPr>
+              <a:lstStyle/>
+              <a:p>
+                <a:pPr/>
+                <a14:m>
+                  <m:oMathPara xmlns:m="http://schemas.openxmlformats.org/officeDocument/2006/math">
+                    <m:oMathParaPr>
+                      <m:jc m:val="centerGroup"/>
+                    </m:oMathParaPr>
+                    <m:oMath xmlns:m="http://schemas.openxmlformats.org/officeDocument/2006/math">
+                      <m:sSub>
+                        <m:sSubPr>
+                          <m:ctrlPr>
+                            <a:rPr lang="en-US" altLang="zh-CN" sz="2000" i="1" smtClean="0">
+                              <a:latin typeface="Cambria Math" panose="02040503050406030204" pitchFamily="18" charset="0"/>
+                            </a:rPr>
+                          </m:ctrlPr>
+                        </m:sSubPr>
+                        <m:e>
+                          <m:r>
+                            <a:rPr lang="en-US" altLang="zh-CN" sz="2000" b="0" i="1" smtClean="0">
+                              <a:latin typeface="Cambria Math" panose="02040503050406030204" pitchFamily="18" charset="0"/>
+                            </a:rPr>
+                            <m:t>𝑠𝑐</m:t>
+                          </m:r>
+                        </m:e>
+                        <m:sub>
+                          <m:r>
+                            <a:rPr lang="en-US" altLang="zh-CN" sz="2000" b="0" i="1" smtClean="0">
+                              <a:latin typeface="Cambria Math" panose="02040503050406030204" pitchFamily="18" charset="0"/>
+                            </a:rPr>
+                            <m:t>𝑖</m:t>
+                          </m:r>
+                        </m:sub>
+                      </m:sSub>
+                      <m:d>
+                        <m:dPr>
+                          <m:ctrlPr>
+                            <a:rPr lang="en-US" altLang="zh-CN" sz="2000" i="1">
+                              <a:latin typeface="Cambria Math" panose="02040503050406030204" pitchFamily="18" charset="0"/>
+                            </a:rPr>
+                          </m:ctrlPr>
+                        </m:dPr>
+                        <m:e>
+                          <m:r>
+                            <a:rPr lang="en-US" altLang="zh-CN" sz="2000" i="1">
+                              <a:latin typeface="Cambria Math" panose="02040503050406030204" pitchFamily="18" charset="0"/>
+                            </a:rPr>
+                            <m:t>𝑢</m:t>
+                          </m:r>
+                        </m:e>
+                      </m:d>
+                      <m:r>
+                        <a:rPr lang="en-US" altLang="zh-CN" sz="2000" b="0" i="1" smtClean="0">
+                          <a:latin typeface="Cambria Math" panose="02040503050406030204" pitchFamily="18" charset="0"/>
+                        </a:rPr>
+                        <m:t>=</m:t>
+                      </m:r>
+                      <m:sSub>
+                        <m:sSubPr>
+                          <m:ctrlPr>
+                            <a:rPr lang="en-US" altLang="zh-CN" sz="2000" i="1">
+                              <a:latin typeface="Cambria Math" panose="02040503050406030204" pitchFamily="18" charset="0"/>
+                            </a:rPr>
+                          </m:ctrlPr>
+                        </m:sSubPr>
+                        <m:e>
+                          <m:r>
+                            <a:rPr lang="en-US" altLang="zh-CN" sz="2000" i="1">
+                              <a:latin typeface="Cambria Math" panose="02040503050406030204" pitchFamily="18" charset="0"/>
+                            </a:rPr>
+                            <m:t>𝑠𝑐</m:t>
+                          </m:r>
+                        </m:e>
+                        <m:sub>
+                          <m:r>
+                            <a:rPr lang="en-US" altLang="zh-CN" sz="2000" i="1">
+                              <a:latin typeface="Cambria Math" panose="02040503050406030204" pitchFamily="18" charset="0"/>
+                            </a:rPr>
+                            <m:t>𝑖</m:t>
+                          </m:r>
+                        </m:sub>
+                      </m:sSub>
+                      <m:d>
+                        <m:dPr>
+                          <m:ctrlPr>
+                            <a:rPr lang="en-US" altLang="zh-CN" sz="2000" i="1">
+                              <a:latin typeface="Cambria Math" panose="02040503050406030204" pitchFamily="18" charset="0"/>
+                            </a:rPr>
+                          </m:ctrlPr>
+                        </m:dPr>
+                        <m:e>
+                          <m:r>
+                            <a:rPr lang="en-US" altLang="zh-CN" sz="2000" i="1">
+                              <a:latin typeface="Cambria Math" panose="02040503050406030204" pitchFamily="18" charset="0"/>
+                            </a:rPr>
+                            <m:t>𝑢</m:t>
+                          </m:r>
+                        </m:e>
+                      </m:d>
+                      <m:r>
+                        <a:rPr lang="en-US" altLang="zh-CN" sz="2000" b="0" i="1" smtClean="0">
+                          <a:latin typeface="Cambria Math" panose="02040503050406030204" pitchFamily="18" charset="0"/>
+                        </a:rPr>
+                        <m:t>+</m:t>
+                      </m:r>
+                      <m:sSub>
+                        <m:sSubPr>
+                          <m:ctrlPr>
+                            <a:rPr lang="en-US" altLang="zh-CN" sz="2000" i="1">
+                              <a:latin typeface="Cambria Math" panose="02040503050406030204" pitchFamily="18" charset="0"/>
+                            </a:rPr>
+                          </m:ctrlPr>
+                        </m:sSubPr>
+                        <m:e>
+                          <m:r>
+                            <a:rPr lang="en-US" altLang="zh-CN" sz="2000" b="0" i="1" smtClean="0">
+                              <a:latin typeface="Cambria Math" panose="02040503050406030204" pitchFamily="18" charset="0"/>
+                            </a:rPr>
+                            <m:t>𝑜</m:t>
+                          </m:r>
+                        </m:e>
+                        <m:sub>
+                          <m:r>
+                            <a:rPr lang="en-US" altLang="zh-CN" sz="2000" b="0" i="1" smtClean="0">
+                              <a:latin typeface="Cambria Math" panose="02040503050406030204" pitchFamily="18" charset="0"/>
+                            </a:rPr>
+                            <m:t>𝑢</m:t>
+                          </m:r>
+                        </m:sub>
+                      </m:sSub>
+                      <m:sSub>
+                        <m:sSubPr>
+                          <m:ctrlPr>
+                            <a:rPr lang="en-US" altLang="zh-CN" sz="2000" i="1">
+                              <a:latin typeface="Cambria Math" panose="02040503050406030204" pitchFamily="18" charset="0"/>
+                            </a:rPr>
+                          </m:ctrlPr>
+                        </m:sSubPr>
+                        <m:e>
+                          <m:r>
+                            <a:rPr lang="zh-CN" altLang="en-US" sz="2000" i="1" smtClean="0">
+                              <a:latin typeface="Cambria Math" panose="02040503050406030204" pitchFamily="18" charset="0"/>
+                            </a:rPr>
+                            <m:t>𝛼</m:t>
+                          </m:r>
+                        </m:e>
+                        <m:sub>
+                          <m:r>
+                            <a:rPr lang="en-US" altLang="zh-CN" sz="2000" b="0" i="1" smtClean="0">
+                              <a:latin typeface="Cambria Math" panose="02040503050406030204" pitchFamily="18" charset="0"/>
+                            </a:rPr>
+                            <m:t>𝑖</m:t>
+                          </m:r>
+                        </m:sub>
+                      </m:sSub>
+                      <m:r>
+                        <a:rPr lang="en-US" altLang="zh-CN" sz="2000" i="1">
+                          <a:latin typeface="Cambria Math" panose="02040503050406030204" pitchFamily="18" charset="0"/>
+                        </a:rPr>
+                        <m:t>(</m:t>
+                      </m:r>
+                      <m:r>
+                        <a:rPr lang="en-US" altLang="zh-CN" sz="2000" i="1">
+                          <a:latin typeface="Cambria Math" panose="02040503050406030204" pitchFamily="18" charset="0"/>
+                        </a:rPr>
+                        <m:t>𝑢</m:t>
+                      </m:r>
+                      <m:r>
+                        <a:rPr lang="en-US" altLang="zh-CN" sz="2000" i="1">
+                          <a:latin typeface="Cambria Math" panose="02040503050406030204" pitchFamily="18" charset="0"/>
+                        </a:rPr>
+                        <m:t>)</m:t>
+                      </m:r>
+                    </m:oMath>
+                  </m:oMathPara>
+                </a14:m>
+                <a:endParaRPr lang="zh-CN" altLang="en-US" sz="2000" dirty="0"/>
+              </a:p>
+            </p:txBody>
+          </p:sp>
+        </mc:Choice>
+        <mc:Fallback>
+          <p:sp>
+            <p:nvSpPr>
+              <p:cNvPr id="39" name="文本框 38"/>
+              <p:cNvSpPr txBox="1">
+                <a:spLocks noRot="1" noChangeAspect="1" noMove="1" noResize="1" noEditPoints="1" noAdjustHandles="1" noChangeArrowheads="1" noChangeShapeType="1" noTextEdit="1"/>
+              </p:cNvSpPr>
+              <p:nvPr/>
+            </p:nvSpPr>
+            <p:spPr>
+              <a:xfrm>
+                <a:off x="665395" y="5171096"/>
+                <a:ext cx="2924390" cy="307777"/>
+              </a:xfrm>
+              <a:prstGeom prst="rect">
+                <a:avLst/>
+              </a:prstGeom>
+              <a:blipFill rotWithShape="0">
+                <a:blip r:embed="rId25"/>
+                <a:stretch>
+                  <a:fillRect l="-625" t="-1961" r="-2708" b="-33333"/>
+                </a:stretch>
+              </a:blipFill>
+            </p:spPr>
+            <p:txBody>
+              <a:bodyPr/>
+              <a:lstStyle/>
+              <a:p>
+                <a:r>
+                  <a:rPr lang="zh-CN" altLang="en-US">
+                    <a:noFill/>
+                  </a:rPr>
+                  <a:t> </a:t>
+                </a:r>
+              </a:p>
+            </p:txBody>
+          </p:sp>
+        </mc:Fallback>
+      </mc:AlternateContent>
     </p:spTree>
     <p:extLst>
       <p:ext uri="{BB962C8B-B14F-4D97-AF65-F5344CB8AC3E}">
@@ -10918,6 +11299,41 @@
                                           </p:stCondLst>
                                         </p:cTn>
                                         <p:tgtEl>
+                                          <p:spTgt spid="39"/>
+                                        </p:tgtEl>
+                                        <p:attrNameLst>
+                                          <p:attrName>style.visibility</p:attrName>
+                                        </p:attrNameLst>
+                                      </p:cBhvr>
+                                      <p:to>
+                                        <p:strVal val="visible"/>
+                                      </p:to>
+                                    </p:set>
+                                    <p:animEffect transition="in" filter="fade">
+                                      <p:cBhvr>
+                                        <p:cTn id="43" dur="500"/>
+                                        <p:tgtEl>
+                                          <p:spTgt spid="39"/>
+                                        </p:tgtEl>
+                                      </p:cBhvr>
+                                    </p:animEffect>
+                                  </p:childTnLst>
+                                </p:cTn>
+                              </p:par>
+                              <p:par>
+                                <p:cTn id="44" presetID="10" presetClass="entr" presetSubtype="0" fill="hold" grpId="0" nodeType="withEffect">
+                                  <p:stCondLst>
+                                    <p:cond delay="0"/>
+                                  </p:stCondLst>
+                                  <p:childTnLst>
+                                    <p:set>
+                                      <p:cBhvr>
+                                        <p:cTn id="45" dur="1" fill="hold">
+                                          <p:stCondLst>
+                                            <p:cond delay="0"/>
+                                          </p:stCondLst>
+                                        </p:cTn>
+                                        <p:tgtEl>
                                           <p:spTgt spid="76"/>
                                         </p:tgtEl>
                                         <p:attrNameLst>
@@ -10930,7 +11346,7 @@
                                     </p:set>
                                     <p:animEffect transition="in" filter="fade">
                                       <p:cBhvr>
-                                        <p:cTn id="43" dur="500"/>
+                                        <p:cTn id="46" dur="500"/>
                                         <p:tgtEl>
                                           <p:spTgt spid="76"/>
                                         </p:tgtEl>
@@ -10974,6 +11390,7 @@
       <p:bldP spid="74" grpId="0"/>
       <p:bldP spid="75" grpId="0"/>
       <p:bldP spid="76" grpId="0"/>
+      <p:bldP spid="39" grpId="0"/>
     </p:bldLst>
   </p:timing>
 </p:sld>
@@ -10998,33 +11415,32 @@
       </p:grpSpPr>
       <p:pic>
         <p:nvPicPr>
-          <p:cNvPr id="4" name="图片 3"/>
+          <p:cNvPr id="3" name="图片 2"/>
           <p:cNvPicPr>
             <a:picLocks noChangeAspect="1"/>
           </p:cNvPicPr>
           <p:nvPr/>
         </p:nvPicPr>
-        <p:blipFill>
+        <p:blipFill rotWithShape="1">
           <a:blip r:embed="rId3">
             <a:clrChange>
               <a:clrFrom>
-                <a:srgbClr val="C7EDCC"/>
+                <a:srgbClr val="FFFFFF"/>
               </a:clrFrom>
               <a:clrTo>
-                <a:srgbClr val="C7EDCC">
+                <a:srgbClr val="FFFFFF">
                   <a:alpha val="0"/>
                 </a:srgbClr>
               </a:clrTo>
             </a:clrChange>
           </a:blip>
-          <a:stretch>
-            <a:fillRect/>
-          </a:stretch>
+          <a:srcRect t="1246" r="49260" b="-693"/>
+          <a:stretch/>
         </p:blipFill>
         <p:spPr>
           <a:xfrm>
-            <a:off x="1432250" y="1723598"/>
-            <a:ext cx="6408406" cy="3597702"/>
+            <a:off x="388013" y="1764100"/>
+            <a:ext cx="8065463" cy="3646100"/>
           </a:xfrm>
           <a:prstGeom prst="rect">
             <a:avLst/>
@@ -11033,7 +11449,7 @@
       </p:pic>
       <p:sp>
         <p:nvSpPr>
-          <p:cNvPr id="5" name="矩形 4"/>
+          <p:cNvPr id="4" name="矩形 3"/>
           <p:cNvSpPr/>
           <p:nvPr/>
         </p:nvSpPr>
@@ -11092,7 +11508,7 @@
     </p:spTree>
     <p:extLst>
       <p:ext uri="{BB962C8B-B14F-4D97-AF65-F5344CB8AC3E}">
-        <p14:creationId xmlns:p14="http://schemas.microsoft.com/office/powerpoint/2010/main" val="3987628922"/>
+        <p14:creationId xmlns:p14="http://schemas.microsoft.com/office/powerpoint/2010/main" val="4217633463"/>
       </p:ext>
     </p:extLst>
   </p:cSld>
@@ -11122,147 +11538,6 @@
 </file>
 
 <file path=ppt/slides/slide12.xml><?xml version="1.0" encoding="utf-8"?>
-<p:sld xmlns:a="http://schemas.openxmlformats.org/drawingml/2006/main" xmlns:r="http://schemas.openxmlformats.org/officeDocument/2006/relationships" xmlns:p="http://schemas.openxmlformats.org/presentationml/2006/main">
-  <p:cSld>
-    <p:spTree>
-      <p:nvGrpSpPr>
-        <p:cNvPr id="1" name=""/>
-        <p:cNvGrpSpPr/>
-        <p:nvPr/>
-      </p:nvGrpSpPr>
-      <p:grpSpPr>
-        <a:xfrm>
-          <a:off x="0" y="0"/>
-          <a:ext cx="0" cy="0"/>
-          <a:chOff x="0" y="0"/>
-          <a:chExt cx="0" cy="0"/>
-        </a:xfrm>
-      </p:grpSpPr>
-      <p:pic>
-        <p:nvPicPr>
-          <p:cNvPr id="3" name="图片 2"/>
-          <p:cNvPicPr>
-            <a:picLocks noChangeAspect="1"/>
-          </p:cNvPicPr>
-          <p:nvPr/>
-        </p:nvPicPr>
-        <p:blipFill rotWithShape="1">
-          <a:blip r:embed="rId3">
-            <a:clrChange>
-              <a:clrFrom>
-                <a:srgbClr val="FFFFFF"/>
-              </a:clrFrom>
-              <a:clrTo>
-                <a:srgbClr val="FFFFFF">
-                  <a:alpha val="0"/>
-                </a:srgbClr>
-              </a:clrTo>
-            </a:clrChange>
-          </a:blip>
-          <a:srcRect t="1246" r="49260" b="9699"/>
-          <a:stretch/>
-        </p:blipFill>
-        <p:spPr>
-          <a:xfrm>
-            <a:off x="388013" y="1764100"/>
-            <a:ext cx="8065463" cy="3265100"/>
-          </a:xfrm>
-          <a:prstGeom prst="rect">
-            <a:avLst/>
-          </a:prstGeom>
-        </p:spPr>
-      </p:pic>
-      <p:sp>
-        <p:nvSpPr>
-          <p:cNvPr id="4" name="矩形 3"/>
-          <p:cNvSpPr/>
-          <p:nvPr/>
-        </p:nvSpPr>
-        <p:spPr>
-          <a:xfrm>
-            <a:off x="261444" y="491342"/>
-            <a:ext cx="1848583" cy="461665"/>
-          </a:xfrm>
-          <a:prstGeom prst="rect">
-            <a:avLst/>
-          </a:prstGeom>
-        </p:spPr>
-        <p:txBody>
-          <a:bodyPr wrap="none">
-            <a:spAutoFit/>
-          </a:bodyPr>
-          <a:lstStyle/>
-          <a:p>
-            <a:r>
-              <a:rPr lang="en-US" altLang="zh-CN" sz="2400" dirty="0">
-                <a:latin typeface="微软雅黑" panose="020B0503020204020204" pitchFamily="34" charset="-122"/>
-                <a:ea typeface="微软雅黑" panose="020B0503020204020204" pitchFamily="34" charset="-122"/>
-              </a:rPr>
-              <a:t>Experiment</a:t>
-            </a:r>
-            <a:endParaRPr lang="zh-CN" altLang="en-US" sz="2400" dirty="0">
-              <a:latin typeface="微软雅黑" panose="020B0503020204020204" pitchFamily="34" charset="-122"/>
-              <a:ea typeface="微软雅黑" panose="020B0503020204020204" pitchFamily="34" charset="-122"/>
-            </a:endParaRPr>
-          </a:p>
-        </p:txBody>
-      </p:sp>
-      <p:sp>
-        <p:nvSpPr>
-          <p:cNvPr id="2" name="灯片编号占位符 1"/>
-          <p:cNvSpPr>
-            <a:spLocks noGrp="1"/>
-          </p:cNvSpPr>
-          <p:nvPr>
-            <p:ph type="sldNum" sz="quarter" idx="12"/>
-          </p:nvPr>
-        </p:nvSpPr>
-        <p:spPr/>
-        <p:txBody>
-          <a:bodyPr/>
-          <a:lstStyle/>
-          <a:p>
-            <a:fld id="{3421685F-CAB6-4DB2-B1E5-AC83AB7F8612}" type="slidenum">
-              <a:rPr lang="zh-CN" altLang="en-US" smtClean="0"/>
-              <a:t>12</a:t>
-            </a:fld>
-            <a:endParaRPr lang="zh-CN" altLang="en-US"/>
-          </a:p>
-        </p:txBody>
-      </p:sp>
-    </p:spTree>
-    <p:extLst>
-      <p:ext uri="{BB962C8B-B14F-4D97-AF65-F5344CB8AC3E}">
-        <p14:creationId xmlns:p14="http://schemas.microsoft.com/office/powerpoint/2010/main" val="4217633463"/>
-      </p:ext>
-    </p:extLst>
-  </p:cSld>
-  <p:clrMapOvr>
-    <a:masterClrMapping/>
-  </p:clrMapOvr>
-  <mc:AlternateContent xmlns:mc="http://schemas.openxmlformats.org/markup-compatibility/2006" xmlns:p14="http://schemas.microsoft.com/office/powerpoint/2010/main">
-    <mc:Choice Requires="p14">
-      <p:transition spd="med" p14:dur="700">
-        <p:fade/>
-      </p:transition>
-    </mc:Choice>
-    <mc:Fallback xmlns="">
-      <p:transition spd="med">
-        <p:fade/>
-      </p:transition>
-    </mc:Fallback>
-  </mc:AlternateContent>
-  <p:timing>
-    <p:tnLst>
-      <p:par>
-        <p:cTn id="1" dur="indefinite" restart="never" nodeType="tmRoot"/>
-      </p:par>
-    </p:tnLst>
-  </p:timing>
-</p:sld>
-</file>
-
-<file path=ppt/slides/slide13.xml><?xml version="1.0" encoding="utf-8"?>
 <p:sld xmlns:a="http://schemas.openxmlformats.org/drawingml/2006/main" xmlns:r="http://schemas.openxmlformats.org/officeDocument/2006/relationships" xmlns:p="http://schemas.openxmlformats.org/presentationml/2006/main">
   <p:cSld>
     <p:spTree>
@@ -11365,7 +11640,7 @@
           <a:p>
             <a:fld id="{3421685F-CAB6-4DB2-B1E5-AC83AB7F8612}" type="slidenum">
               <a:rPr lang="zh-CN" altLang="en-US" smtClean="0"/>
-              <a:t>13</a:t>
+              <a:t>12</a:t>
             </a:fld>
             <a:endParaRPr lang="zh-CN" altLang="en-US"/>
           </a:p>
@@ -11403,7 +11678,7 @@
 </p:sld>
 </file>
 
-<file path=ppt/slides/slide14.xml><?xml version="1.0" encoding="utf-8"?>
+<file path=ppt/slides/slide13.xml><?xml version="1.0" encoding="utf-8"?>
 <p:sld xmlns:a="http://schemas.openxmlformats.org/drawingml/2006/main" xmlns:r="http://schemas.openxmlformats.org/officeDocument/2006/relationships" xmlns:p="http://schemas.openxmlformats.org/presentationml/2006/main">
   <p:cSld>
     <p:spTree>
@@ -11507,7 +11782,7 @@
           <a:p>
             <a:fld id="{3421685F-CAB6-4DB2-B1E5-AC83AB7F8612}" type="slidenum">
               <a:rPr lang="zh-CN" altLang="en-US" smtClean="0"/>
-              <a:t>14</a:t>
+              <a:t>13</a:t>
             </a:fld>
             <a:endParaRPr lang="zh-CN" altLang="en-US"/>
           </a:p>
@@ -11545,7 +11820,7 @@
 </p:sld>
 </file>
 
-<file path=ppt/slides/slide15.xml><?xml version="1.0" encoding="utf-8"?>
+<file path=ppt/slides/slide14.xml><?xml version="1.0" encoding="utf-8"?>
 <p:sld xmlns:a="http://schemas.openxmlformats.org/drawingml/2006/main" xmlns:r="http://schemas.openxmlformats.org/officeDocument/2006/relationships" xmlns:p="http://schemas.openxmlformats.org/presentationml/2006/main">
   <p:cSld>
     <p:spTree>
@@ -11599,48 +11874,6 @@
       </p:sp>
       <p:sp>
         <p:nvSpPr>
-          <p:cNvPr id="6" name="左大括号 5"/>
-          <p:cNvSpPr/>
-          <p:nvPr/>
-        </p:nvSpPr>
-        <p:spPr>
-          <a:xfrm>
-            <a:off x="1783644" y="2199655"/>
-            <a:ext cx="431800" cy="2936226"/>
-          </a:xfrm>
-          <a:prstGeom prst="leftBrace">
-            <a:avLst>
-              <a:gd name="adj1" fmla="val 59036"/>
-              <a:gd name="adj2" fmla="val 50000"/>
-            </a:avLst>
-          </a:prstGeom>
-          <a:ln w="38100"/>
-        </p:spPr>
-        <p:style>
-          <a:lnRef idx="1">
-            <a:schemeClr val="accent1"/>
-          </a:lnRef>
-          <a:fillRef idx="0">
-            <a:schemeClr val="accent1"/>
-          </a:fillRef>
-          <a:effectRef idx="0">
-            <a:schemeClr val="accent1"/>
-          </a:effectRef>
-          <a:fontRef idx="minor">
-            <a:schemeClr val="tx1"/>
-          </a:fontRef>
-        </p:style>
-        <p:txBody>
-          <a:bodyPr rtlCol="0" anchor="ctr"/>
-          <a:lstStyle/>
-          <a:p>
-            <a:pPr algn="ctr"/>
-            <a:endParaRPr lang="zh-CN" altLang="en-US"/>
-          </a:p>
-        </p:txBody>
-      </p:sp>
-      <p:sp>
-        <p:nvSpPr>
           <p:cNvPr id="2" name="灯片编号占位符 1"/>
           <p:cNvSpPr>
             <a:spLocks noGrp="1"/>
@@ -11656,284 +11889,12 @@
           <a:p>
             <a:fld id="{3421685F-CAB6-4DB2-B1E5-AC83AB7F8612}" type="slidenum">
               <a:rPr lang="zh-CN" altLang="en-US" smtClean="0"/>
-              <a:t>15</a:t>
+              <a:t>14</a:t>
             </a:fld>
             <a:endParaRPr lang="zh-CN" altLang="en-US"/>
           </a:p>
         </p:txBody>
       </p:sp>
-      <p:grpSp>
-        <p:nvGrpSpPr>
-          <p:cNvPr id="22" name="组合 21"/>
-          <p:cNvGrpSpPr/>
-          <p:nvPr/>
-        </p:nvGrpSpPr>
-        <p:grpSpPr>
-          <a:xfrm>
-            <a:off x="2687632" y="1734178"/>
-            <a:ext cx="4145394" cy="507831"/>
-            <a:chOff x="2741549" y="1438021"/>
-            <a:chExt cx="4145394" cy="507831"/>
-          </a:xfrm>
-        </p:grpSpPr>
-        <p:sp>
-          <p:nvSpPr>
-            <p:cNvPr id="7" name="矩形 6"/>
-            <p:cNvSpPr/>
-            <p:nvPr/>
-          </p:nvSpPr>
-          <p:spPr>
-            <a:xfrm>
-              <a:off x="2741549" y="1438021"/>
-              <a:ext cx="1495025" cy="458908"/>
-            </a:xfrm>
-            <a:prstGeom prst="rect">
-              <a:avLst/>
-            </a:prstGeom>
-          </p:spPr>
-          <p:txBody>
-            <a:bodyPr wrap="none">
-              <a:spAutoFit/>
-            </a:bodyPr>
-            <a:lstStyle/>
-            <a:p>
-              <a:pPr algn="ctr">
-                <a:lnSpc>
-                  <a:spcPct val="150000"/>
-                </a:lnSpc>
-              </a:pPr>
-              <a:r>
-                <a:rPr lang="en-US" altLang="zh-CN" dirty="0">
-                  <a:latin typeface="微软雅黑" panose="020B0503020204020204" pitchFamily="34" charset="-122"/>
-                  <a:ea typeface="微软雅黑" panose="020B0503020204020204" pitchFamily="34" charset="-122"/>
-                  <a:cs typeface="Arial" panose="020B0604020202020204" pitchFamily="34" charset="0"/>
-                </a:rPr>
-                <a:t>IC LT Model</a:t>
-              </a:r>
-              <a:endParaRPr lang="en-US" altLang="zh-CN" dirty="0">
-                <a:latin typeface="微软雅黑" panose="020B0503020204020204" pitchFamily="34" charset="-122"/>
-                <a:ea typeface="微软雅黑" panose="020B0503020204020204" pitchFamily="34" charset="-122"/>
-                <a:cs typeface="Arial" panose="020B0604020202020204" pitchFamily="34" charset="0"/>
-              </a:endParaRPr>
-            </a:p>
-          </p:txBody>
-        </p:sp>
-        <p:sp>
-          <p:nvSpPr>
-            <p:cNvPr id="5" name="矩形 4"/>
-            <p:cNvSpPr/>
-            <p:nvPr/>
-          </p:nvSpPr>
-          <p:spPr>
-            <a:xfrm>
-              <a:off x="5665134" y="1438021"/>
-              <a:ext cx="1221809" cy="507831"/>
-            </a:xfrm>
-            <a:prstGeom prst="rect">
-              <a:avLst/>
-            </a:prstGeom>
-          </p:spPr>
-          <p:txBody>
-            <a:bodyPr wrap="none">
-              <a:spAutoFit/>
-            </a:bodyPr>
-            <a:lstStyle/>
-            <a:p>
-              <a:pPr algn="ctr">
-                <a:lnSpc>
-                  <a:spcPct val="150000"/>
-                </a:lnSpc>
-              </a:pPr>
-              <a:r>
-                <a:rPr lang="en-US" altLang="zh-CN" dirty="0">
-                  <a:latin typeface="微软雅黑" panose="020B0503020204020204" pitchFamily="34" charset="-122"/>
-                  <a:ea typeface="微软雅黑" panose="020B0503020204020204" pitchFamily="34" charset="-122"/>
-                  <a:cs typeface="Arial" panose="020B0604020202020204" pitchFamily="34" charset="0"/>
-                </a:rPr>
-                <a:t>OI Model</a:t>
-              </a:r>
-              <a:endParaRPr lang="en-US" altLang="zh-CN" dirty="0">
-                <a:latin typeface="微软雅黑" panose="020B0503020204020204" pitchFamily="34" charset="-122"/>
-                <a:ea typeface="微软雅黑" panose="020B0503020204020204" pitchFamily="34" charset="-122"/>
-                <a:cs typeface="Arial" panose="020B0604020202020204" pitchFamily="34" charset="0"/>
-              </a:endParaRPr>
-            </a:p>
-          </p:txBody>
-        </p:sp>
-        <p:sp>
-          <p:nvSpPr>
-            <p:cNvPr id="17" name="右箭头 16"/>
-            <p:cNvSpPr/>
-            <p:nvPr/>
-          </p:nvSpPr>
-          <p:spPr>
-            <a:xfrm>
-              <a:off x="4789370" y="1617886"/>
-              <a:ext cx="476832" cy="148099"/>
-            </a:xfrm>
-            <a:prstGeom prst="rightArrow">
-              <a:avLst/>
-            </a:prstGeom>
-          </p:spPr>
-          <p:style>
-            <a:lnRef idx="2">
-              <a:schemeClr val="accent1">
-                <a:shade val="50000"/>
-              </a:schemeClr>
-            </a:lnRef>
-            <a:fillRef idx="1">
-              <a:schemeClr val="accent1"/>
-            </a:fillRef>
-            <a:effectRef idx="0">
-              <a:schemeClr val="accent1"/>
-            </a:effectRef>
-            <a:fontRef idx="minor">
-              <a:schemeClr val="lt1"/>
-            </a:fontRef>
-          </p:style>
-          <p:txBody>
-            <a:bodyPr rtlCol="0" anchor="ctr"/>
-            <a:lstStyle/>
-            <a:p>
-              <a:pPr algn="ctr"/>
-              <a:endParaRPr lang="zh-CN" altLang="en-US"/>
-            </a:p>
-          </p:txBody>
-        </p:sp>
-      </p:grpSp>
-      <p:grpSp>
-        <p:nvGrpSpPr>
-          <p:cNvPr id="23" name="组合 22"/>
-          <p:cNvGrpSpPr/>
-          <p:nvPr/>
-        </p:nvGrpSpPr>
-        <p:grpSpPr>
-          <a:xfrm>
-            <a:off x="2703150" y="2755246"/>
-            <a:ext cx="3818889" cy="369333"/>
-            <a:chOff x="2687632" y="2824888"/>
-            <a:chExt cx="3818889" cy="369333"/>
-          </a:xfrm>
-        </p:grpSpPr>
-        <p:sp>
-          <p:nvSpPr>
-            <p:cNvPr id="8" name="矩形 7"/>
-            <p:cNvSpPr/>
-            <p:nvPr/>
-          </p:nvSpPr>
-          <p:spPr>
-            <a:xfrm>
-              <a:off x="5781643" y="2824888"/>
-              <a:ext cx="724878" cy="369332"/>
-            </a:xfrm>
-            <a:prstGeom prst="rect">
-              <a:avLst/>
-            </a:prstGeom>
-          </p:spPr>
-          <p:txBody>
-            <a:bodyPr wrap="none">
-              <a:spAutoFit/>
-            </a:bodyPr>
-            <a:lstStyle/>
-            <a:p>
-              <a:r>
-                <a:rPr lang="en-US" altLang="zh-CN" dirty="0">
-                  <a:latin typeface="微软雅黑" panose="020B0503020204020204" pitchFamily="34" charset="-122"/>
-                  <a:ea typeface="微软雅黑" panose="020B0503020204020204" pitchFamily="34" charset="-122"/>
-                  <a:cs typeface="Arial" panose="020B0604020202020204" pitchFamily="34" charset="0"/>
-                </a:rPr>
-                <a:t>MEO</a:t>
-              </a:r>
-              <a:endParaRPr lang="zh-CN" altLang="en-US" dirty="0"/>
-            </a:p>
-          </p:txBody>
-        </p:sp>
-        <p:sp>
-          <p:nvSpPr>
-            <p:cNvPr id="18" name="矩形 17"/>
-            <p:cNvSpPr/>
-            <p:nvPr/>
-          </p:nvSpPr>
-          <p:spPr>
-            <a:xfrm>
-              <a:off x="2687632" y="2824889"/>
-              <a:ext cx="2015232" cy="369332"/>
-            </a:xfrm>
-            <a:prstGeom prst="rect">
-              <a:avLst/>
-            </a:prstGeom>
-          </p:spPr>
-          <p:txBody>
-            <a:bodyPr wrap="none">
-              <a:spAutoFit/>
-            </a:bodyPr>
-            <a:lstStyle/>
-            <a:p>
-              <a:r>
-                <a:rPr lang="en-US" altLang="zh-CN" dirty="0">
-                  <a:latin typeface="微软雅黑" panose="020B0503020204020204" pitchFamily="34" charset="-122"/>
-                  <a:ea typeface="微软雅黑" panose="020B0503020204020204" pitchFamily="34" charset="-122"/>
-                  <a:cs typeface="Arial" panose="020B0604020202020204" pitchFamily="34" charset="0"/>
-                </a:rPr>
-                <a:t>Influence</a:t>
-              </a:r>
-              <a:r>
-                <a:rPr lang="en-US" altLang="zh-CN" dirty="0">
-                  <a:latin typeface="微软雅黑" panose="020B0503020204020204" pitchFamily="34" charset="-122"/>
-                  <a:ea typeface="微软雅黑" panose="020B0503020204020204" pitchFamily="34" charset="-122"/>
-                  <a:cs typeface="Arial" panose="020B0604020202020204" pitchFamily="34" charset="0"/>
-                </a:rPr>
-                <a:t> spread</a:t>
-              </a:r>
-              <a:endParaRPr lang="zh-CN" altLang="en-US" dirty="0">
-                <a:latin typeface="微软雅黑" panose="020B0503020204020204" pitchFamily="34" charset="-122"/>
-                <a:ea typeface="微软雅黑" panose="020B0503020204020204" pitchFamily="34" charset="-122"/>
-                <a:cs typeface="Arial" panose="020B0604020202020204" pitchFamily="34" charset="0"/>
-              </a:endParaRPr>
-            </a:p>
-          </p:txBody>
-        </p:sp>
-        <p:sp>
-          <p:nvSpPr>
-            <p:cNvPr id="19" name="右箭头 18"/>
-            <p:cNvSpPr/>
-            <p:nvPr/>
-          </p:nvSpPr>
-          <p:spPr>
-            <a:xfrm>
-              <a:off x="4962522" y="2935505"/>
-              <a:ext cx="476832" cy="148099"/>
-            </a:xfrm>
-            <a:prstGeom prst="rightArrow">
-              <a:avLst/>
-            </a:prstGeom>
-          </p:spPr>
-          <p:style>
-            <a:lnRef idx="2">
-              <a:schemeClr val="accent1">
-                <a:shade val="50000"/>
-              </a:schemeClr>
-            </a:lnRef>
-            <a:fillRef idx="1">
-              <a:schemeClr val="accent1"/>
-            </a:fillRef>
-            <a:effectRef idx="0">
-              <a:schemeClr val="accent1"/>
-            </a:effectRef>
-            <a:fontRef idx="minor">
-              <a:schemeClr val="lt1"/>
-            </a:fontRef>
-          </p:style>
-          <p:txBody>
-            <a:bodyPr rtlCol="0" anchor="ctr"/>
-            <a:lstStyle/>
-            <a:p>
-              <a:pPr algn="ctr"/>
-              <a:endParaRPr lang="zh-CN" altLang="en-US"/>
-            </a:p>
-          </p:txBody>
-        </p:sp>
-      </p:grpSp>
       <p:grpSp>
         <p:nvGrpSpPr>
           <p:cNvPr id="21" name="组合 20"/>
@@ -11942,7 +11903,7 @@
         </p:nvGrpSpPr>
         <p:grpSpPr>
           <a:xfrm>
-            <a:off x="2687632" y="3592507"/>
+            <a:off x="1580234" y="2924821"/>
             <a:ext cx="5435301" cy="2365556"/>
             <a:chOff x="2741549" y="3683878"/>
             <a:chExt cx="5435301" cy="2365556"/>
@@ -12183,6 +12144,223 @@
           </p:txBody>
         </p:sp>
       </p:grpSp>
+      <p:grpSp>
+        <p:nvGrpSpPr>
+          <p:cNvPr id="4" name="组合 3"/>
+          <p:cNvGrpSpPr/>
+          <p:nvPr/>
+        </p:nvGrpSpPr>
+        <p:grpSpPr>
+          <a:xfrm>
+            <a:off x="1580234" y="1662620"/>
+            <a:ext cx="5435301" cy="507831"/>
+            <a:chOff x="1402434" y="1726072"/>
+            <a:chExt cx="5435301" cy="507831"/>
+          </a:xfrm>
+        </p:grpSpPr>
+        <p:grpSp>
+          <p:nvGrpSpPr>
+            <p:cNvPr id="22" name="组合 21"/>
+            <p:cNvGrpSpPr/>
+            <p:nvPr/>
+          </p:nvGrpSpPr>
+          <p:grpSpPr>
+            <a:xfrm>
+              <a:off x="1402434" y="1726072"/>
+              <a:ext cx="3688194" cy="507831"/>
+              <a:chOff x="2741549" y="1438021"/>
+              <a:chExt cx="3688194" cy="507831"/>
+            </a:xfrm>
+          </p:grpSpPr>
+          <p:sp>
+            <p:nvSpPr>
+              <p:cNvPr id="7" name="矩形 6"/>
+              <p:cNvSpPr/>
+              <p:nvPr/>
+            </p:nvSpPr>
+            <p:spPr>
+              <a:xfrm>
+                <a:off x="2741549" y="1438021"/>
+                <a:ext cx="1495025" cy="458908"/>
+              </a:xfrm>
+              <a:prstGeom prst="rect">
+                <a:avLst/>
+              </a:prstGeom>
+            </p:spPr>
+            <p:txBody>
+              <a:bodyPr wrap="none">
+                <a:spAutoFit/>
+              </a:bodyPr>
+              <a:lstStyle/>
+              <a:p>
+                <a:pPr algn="ctr">
+                  <a:lnSpc>
+                    <a:spcPct val="150000"/>
+                  </a:lnSpc>
+                </a:pPr>
+                <a:r>
+                  <a:rPr lang="en-US" altLang="zh-CN" dirty="0">
+                    <a:latin typeface="微软雅黑" panose="020B0503020204020204" pitchFamily="34" charset="-122"/>
+                    <a:ea typeface="微软雅黑" panose="020B0503020204020204" pitchFamily="34" charset="-122"/>
+                    <a:cs typeface="Arial" panose="020B0604020202020204" pitchFamily="34" charset="0"/>
+                  </a:rPr>
+                  <a:t>IC LT Model</a:t>
+                </a:r>
+              </a:p>
+            </p:txBody>
+          </p:sp>
+          <p:sp>
+            <p:nvSpPr>
+              <p:cNvPr id="5" name="矩形 4"/>
+              <p:cNvSpPr/>
+              <p:nvPr/>
+            </p:nvSpPr>
+            <p:spPr>
+              <a:xfrm>
+                <a:off x="5207934" y="1438021"/>
+                <a:ext cx="1221809" cy="507831"/>
+              </a:xfrm>
+              <a:prstGeom prst="rect">
+                <a:avLst/>
+              </a:prstGeom>
+            </p:spPr>
+            <p:txBody>
+              <a:bodyPr wrap="none">
+                <a:spAutoFit/>
+              </a:bodyPr>
+              <a:lstStyle/>
+              <a:p>
+                <a:pPr algn="ctr">
+                  <a:lnSpc>
+                    <a:spcPct val="150000"/>
+                  </a:lnSpc>
+                </a:pPr>
+                <a:r>
+                  <a:rPr lang="en-US" altLang="zh-CN" dirty="0">
+                    <a:latin typeface="微软雅黑" panose="020B0503020204020204" pitchFamily="34" charset="-122"/>
+                    <a:ea typeface="微软雅黑" panose="020B0503020204020204" pitchFamily="34" charset="-122"/>
+                    <a:cs typeface="Arial" panose="020B0604020202020204" pitchFamily="34" charset="0"/>
+                  </a:rPr>
+                  <a:t>OI Model</a:t>
+                </a:r>
+              </a:p>
+            </p:txBody>
+          </p:sp>
+          <p:sp>
+            <p:nvSpPr>
+              <p:cNvPr id="17" name="右箭头 16"/>
+              <p:cNvSpPr/>
+              <p:nvPr/>
+            </p:nvSpPr>
+            <p:spPr>
+              <a:xfrm>
+                <a:off x="4497270" y="1617886"/>
+                <a:ext cx="476832" cy="148099"/>
+              </a:xfrm>
+              <a:prstGeom prst="rightArrow">
+                <a:avLst/>
+              </a:prstGeom>
+            </p:spPr>
+            <p:style>
+              <a:lnRef idx="2">
+                <a:schemeClr val="accent1">
+                  <a:shade val="50000"/>
+                </a:schemeClr>
+              </a:lnRef>
+              <a:fillRef idx="1">
+                <a:schemeClr val="accent1"/>
+              </a:fillRef>
+              <a:effectRef idx="0">
+                <a:schemeClr val="accent1"/>
+              </a:effectRef>
+              <a:fontRef idx="minor">
+                <a:schemeClr val="lt1"/>
+              </a:fontRef>
+            </p:style>
+            <p:txBody>
+              <a:bodyPr rtlCol="0" anchor="ctr"/>
+              <a:lstStyle/>
+              <a:p>
+                <a:pPr algn="ctr"/>
+                <a:endParaRPr lang="zh-CN" altLang="en-US"/>
+              </a:p>
+            </p:txBody>
+          </p:sp>
+        </p:grpSp>
+        <p:sp>
+          <p:nvSpPr>
+            <p:cNvPr id="8" name="矩形 7"/>
+            <p:cNvSpPr/>
+            <p:nvPr/>
+          </p:nvSpPr>
+          <p:spPr>
+            <a:xfrm>
+              <a:off x="6112857" y="1815648"/>
+              <a:ext cx="724878" cy="369332"/>
+            </a:xfrm>
+            <a:prstGeom prst="rect">
+              <a:avLst/>
+            </a:prstGeom>
+          </p:spPr>
+          <p:txBody>
+            <a:bodyPr wrap="none">
+              <a:spAutoFit/>
+            </a:bodyPr>
+            <a:lstStyle/>
+            <a:p>
+              <a:r>
+                <a:rPr lang="en-US" altLang="zh-CN" dirty="0">
+                  <a:latin typeface="微软雅黑" panose="020B0503020204020204" pitchFamily="34" charset="-122"/>
+                  <a:ea typeface="微软雅黑" panose="020B0503020204020204" pitchFamily="34" charset="-122"/>
+                  <a:cs typeface="Arial" panose="020B0604020202020204" pitchFamily="34" charset="0"/>
+                </a:rPr>
+                <a:t>MEO</a:t>
+              </a:r>
+              <a:endParaRPr lang="zh-CN" altLang="en-US" dirty="0"/>
+            </a:p>
+          </p:txBody>
+        </p:sp>
+        <p:sp>
+          <p:nvSpPr>
+            <p:cNvPr id="24" name="右箭头 23"/>
+            <p:cNvSpPr/>
+            <p:nvPr/>
+          </p:nvSpPr>
+          <p:spPr>
+            <a:xfrm>
+              <a:off x="5273636" y="1935854"/>
+              <a:ext cx="476832" cy="148099"/>
+            </a:xfrm>
+            <a:prstGeom prst="rightArrow">
+              <a:avLst/>
+            </a:prstGeom>
+          </p:spPr>
+          <p:style>
+            <a:lnRef idx="2">
+              <a:schemeClr val="accent1">
+                <a:shade val="50000"/>
+              </a:schemeClr>
+            </a:lnRef>
+            <a:fillRef idx="1">
+              <a:schemeClr val="accent1"/>
+            </a:fillRef>
+            <a:effectRef idx="0">
+              <a:schemeClr val="accent1"/>
+            </a:effectRef>
+            <a:fontRef idx="minor">
+              <a:schemeClr val="lt1"/>
+            </a:fontRef>
+          </p:style>
+          <p:txBody>
+            <a:bodyPr rtlCol="0" anchor="ctr"/>
+            <a:lstStyle/>
+            <a:p>
+              <a:pPr algn="ctr"/>
+              <a:endParaRPr lang="zh-CN" altLang="en-US"/>
+            </a:p>
+          </p:txBody>
+        </p:sp>
+      </p:grpSp>
     </p:spTree>
     <p:extLst>
       <p:ext uri="{BB962C8B-B14F-4D97-AF65-F5344CB8AC3E}">
@@ -12239,7 +12417,7 @@
                                           </p:stCondLst>
                                         </p:cTn>
                                         <p:tgtEl>
-                                          <p:spTgt spid="22"/>
+                                          <p:spTgt spid="4"/>
                                         </p:tgtEl>
                                         <p:attrNameLst>
                                           <p:attrName>style.visibility</p:attrName>
@@ -12253,7 +12431,7 @@
                                       <p:cBhvr>
                                         <p:cTn id="7" dur="500"/>
                                         <p:tgtEl>
-                                          <p:spTgt spid="22"/>
+                                          <p:spTgt spid="4"/>
                                         </p:tgtEl>
                                       </p:cBhvr>
                                     </p:animEffect>
@@ -12292,7 +12470,7 @@
                                           </p:stCondLst>
                                         </p:cTn>
                                         <p:tgtEl>
-                                          <p:spTgt spid="23"/>
+                                          <p:spTgt spid="21"/>
                                         </p:tgtEl>
                                         <p:attrNameLst>
                                           <p:attrName>style.visibility</p:attrName>
@@ -12306,113 +12484,7 @@
                                       <p:cBhvr>
                                         <p:cTn id="12" dur="500"/>
                                         <p:tgtEl>
-                                          <p:spTgt spid="23"/>
-                                        </p:tgtEl>
-                                      </p:cBhvr>
-                                    </p:animEffect>
-                                  </p:childTnLst>
-                                </p:cTn>
-                              </p:par>
-                            </p:childTnLst>
-                          </p:cTn>
-                        </p:par>
-                      </p:childTnLst>
-                    </p:cTn>
-                  </p:par>
-                  <p:par>
-                    <p:cTn id="13" fill="hold">
-                      <p:stCondLst>
-                        <p:cond delay="indefinite"/>
-                      </p:stCondLst>
-                      <p:childTnLst>
-                        <p:par>
-                          <p:cTn id="14" fill="hold">
-                            <p:stCondLst>
-                              <p:cond delay="0"/>
-                            </p:stCondLst>
-                            <p:childTnLst>
-                              <p:par>
-                                <p:cTn id="15" presetID="10" presetClass="entr" presetSubtype="0" fill="hold" nodeType="clickEffect">
-                                  <p:stCondLst>
-                                    <p:cond delay="0"/>
-                                  </p:stCondLst>
-                                  <p:childTnLst>
-                                    <p:set>
-                                      <p:cBhvr>
-                                        <p:cTn id="16" dur="1" fill="hold">
-                                          <p:stCondLst>
-                                            <p:cond delay="0"/>
-                                          </p:stCondLst>
-                                        </p:cTn>
-                                        <p:tgtEl>
                                           <p:spTgt spid="21"/>
-                                        </p:tgtEl>
-                                        <p:attrNameLst>
-                                          <p:attrName>style.visibility</p:attrName>
-                                        </p:attrNameLst>
-                                      </p:cBhvr>
-                                      <p:to>
-                                        <p:strVal val="visible"/>
-                                      </p:to>
-                                    </p:set>
-                                    <p:animEffect transition="in" filter="fade">
-                                      <p:cBhvr>
-                                        <p:cTn id="17" dur="500"/>
-                                        <p:tgtEl>
-                                          <p:spTgt spid="21"/>
-                                        </p:tgtEl>
-                                      </p:cBhvr>
-                                    </p:animEffect>
-                                  </p:childTnLst>
-                                </p:cTn>
-                              </p:par>
-                            </p:childTnLst>
-                          </p:cTn>
-                        </p:par>
-                      </p:childTnLst>
-                    </p:cTn>
-                  </p:par>
-                  <p:par>
-                    <p:cTn id="18" fill="hold">
-                      <p:stCondLst>
-                        <p:cond delay="indefinite"/>
-                      </p:stCondLst>
-                      <p:childTnLst>
-                        <p:par>
-                          <p:cTn id="19" fill="hold">
-                            <p:stCondLst>
-                              <p:cond delay="0"/>
-                            </p:stCondLst>
-                            <p:childTnLst>
-                              <p:par>
-                                <p:cTn id="20" presetID="16" presetClass="entr" presetSubtype="26" fill="hold" grpId="0" nodeType="clickEffect">
-                                  <p:stCondLst>
-                                    <p:cond delay="0"/>
-                                  </p:stCondLst>
-                                  <p:childTnLst>
-                                    <p:set>
-                                      <p:cBhvr>
-                                        <p:cTn id="21" dur="1" fill="hold">
-                                          <p:stCondLst>
-                                            <p:cond delay="0"/>
-                                          </p:stCondLst>
-                                        </p:cTn>
-                                        <p:tgtEl>
-                                          <p:spTgt spid="6"/>
-                                        </p:tgtEl>
-                                        <p:attrNameLst>
-                                          <p:attrName>style.visibility</p:attrName>
-                                        </p:attrNameLst>
-                                      </p:cBhvr>
-                                      <p:to>
-                                        <p:strVal val="visible"/>
-                                      </p:to>
-                                    </p:set>
-                                    <p:animEffect transition="in" filter="barn(inHorizontal)">
-                                      <p:cBhvr>
-                                        <p:cTn id="22" dur="500"/>
-                                        <p:tgtEl>
-                                          <p:spTgt spid="6"/>
                                         </p:tgtEl>
                                       </p:cBhvr>
                                     </p:animEffect>
@@ -12446,14 +12518,11 @@
         </p:cTn>
       </p:par>
     </p:tnLst>
-    <p:bldLst>
-      <p:bldP spid="6" grpId="0" animBg="1"/>
-    </p:bldLst>
   </p:timing>
 </p:sld>
 </file>
 
-<file path=ppt/slides/slide16.xml><?xml version="1.0" encoding="utf-8"?>
+<file path=ppt/slides/slide15.xml><?xml version="1.0" encoding="utf-8"?>
 <p:sld xmlns:a="http://schemas.openxmlformats.org/drawingml/2006/main" xmlns:r="http://schemas.openxmlformats.org/officeDocument/2006/relationships" xmlns:p="http://schemas.openxmlformats.org/presentationml/2006/main">
   <p:cSld>
     <p:spTree>
@@ -12545,7 +12614,7 @@
           <a:p>
             <a:fld id="{3421685F-CAB6-4DB2-B1E5-AC83AB7F8612}" type="slidenum">
               <a:rPr lang="zh-CN" altLang="en-US" smtClean="0"/>
-              <a:t>16</a:t>
+              <a:t>15</a:t>
             </a:fld>
             <a:endParaRPr lang="zh-CN" altLang="en-US"/>
           </a:p>
@@ -12577,6 +12646,2746 @@
     <p:tnLst>
       <p:par>
         <p:cTn id="1" dur="indefinite" restart="never" nodeType="tmRoot"/>
+      </p:par>
+    </p:tnLst>
+  </p:timing>
+</p:sld>
+</file>
+
+<file path=ppt/slides/slide16.xml><?xml version="1.0" encoding="utf-8"?>
+<p:sld xmlns:a="http://schemas.openxmlformats.org/drawingml/2006/main" xmlns:r="http://schemas.openxmlformats.org/officeDocument/2006/relationships" xmlns:p="http://schemas.openxmlformats.org/presentationml/2006/main">
+  <p:cSld>
+    <p:spTree>
+      <p:nvGrpSpPr>
+        <p:cNvPr id="1" name=""/>
+        <p:cNvGrpSpPr/>
+        <p:nvPr/>
+      </p:nvGrpSpPr>
+      <p:grpSpPr>
+        <a:xfrm>
+          <a:off x="0" y="0"/>
+          <a:ext cx="0" cy="0"/>
+          <a:chOff x="0" y="0"/>
+          <a:chExt cx="0" cy="0"/>
+        </a:xfrm>
+      </p:grpSpPr>
+      <p:pic>
+        <p:nvPicPr>
+          <p:cNvPr id="4" name="图片 3"/>
+          <p:cNvPicPr>
+            <a:picLocks noChangeAspect="1"/>
+          </p:cNvPicPr>
+          <p:nvPr/>
+        </p:nvPicPr>
+        <p:blipFill>
+          <a:blip r:embed="rId3">
+            <a:clrChange>
+              <a:clrFrom>
+                <a:srgbClr val="C7EDCC"/>
+              </a:clrFrom>
+              <a:clrTo>
+                <a:srgbClr val="C7EDCC">
+                  <a:alpha val="0"/>
+                </a:srgbClr>
+              </a:clrTo>
+            </a:clrChange>
+          </a:blip>
+          <a:stretch>
+            <a:fillRect/>
+          </a:stretch>
+        </p:blipFill>
+        <p:spPr>
+          <a:xfrm>
+            <a:off x="1432250" y="1723598"/>
+            <a:ext cx="6408406" cy="3597702"/>
+          </a:xfrm>
+          <a:prstGeom prst="rect">
+            <a:avLst/>
+          </a:prstGeom>
+        </p:spPr>
+      </p:pic>
+      <p:sp>
+        <p:nvSpPr>
+          <p:cNvPr id="5" name="矩形 4"/>
+          <p:cNvSpPr/>
+          <p:nvPr/>
+        </p:nvSpPr>
+        <p:spPr>
+          <a:xfrm>
+            <a:off x="261444" y="491342"/>
+            <a:ext cx="1848583" cy="461665"/>
+          </a:xfrm>
+          <a:prstGeom prst="rect">
+            <a:avLst/>
+          </a:prstGeom>
+        </p:spPr>
+        <p:txBody>
+          <a:bodyPr wrap="none">
+            <a:spAutoFit/>
+          </a:bodyPr>
+          <a:lstStyle/>
+          <a:p>
+            <a:r>
+              <a:rPr lang="en-US" altLang="zh-CN" sz="2400" dirty="0">
+                <a:latin typeface="微软雅黑" panose="020B0503020204020204" pitchFamily="34" charset="-122"/>
+                <a:ea typeface="微软雅黑" panose="020B0503020204020204" pitchFamily="34" charset="-122"/>
+              </a:rPr>
+              <a:t>Experiment</a:t>
+            </a:r>
+            <a:endParaRPr lang="zh-CN" altLang="en-US" sz="2400" dirty="0">
+              <a:latin typeface="微软雅黑" panose="020B0503020204020204" pitchFamily="34" charset="-122"/>
+              <a:ea typeface="微软雅黑" panose="020B0503020204020204" pitchFamily="34" charset="-122"/>
+            </a:endParaRPr>
+          </a:p>
+        </p:txBody>
+      </p:sp>
+      <p:sp>
+        <p:nvSpPr>
+          <p:cNvPr id="2" name="灯片编号占位符 1"/>
+          <p:cNvSpPr>
+            <a:spLocks noGrp="1"/>
+          </p:cNvSpPr>
+          <p:nvPr>
+            <p:ph type="sldNum" sz="quarter" idx="12"/>
+          </p:nvPr>
+        </p:nvSpPr>
+        <p:spPr/>
+        <p:txBody>
+          <a:bodyPr/>
+          <a:lstStyle/>
+          <a:p>
+            <a:fld id="{3421685F-CAB6-4DB2-B1E5-AC83AB7F8612}" type="slidenum">
+              <a:rPr lang="zh-CN" altLang="en-US" smtClean="0"/>
+              <a:t>16</a:t>
+            </a:fld>
+            <a:endParaRPr lang="zh-CN" altLang="en-US"/>
+          </a:p>
+        </p:txBody>
+      </p:sp>
+    </p:spTree>
+    <p:extLst>
+      <p:ext uri="{BB962C8B-B14F-4D97-AF65-F5344CB8AC3E}">
+        <p14:creationId xmlns:p14="http://schemas.microsoft.com/office/powerpoint/2010/main" val="3987628922"/>
+      </p:ext>
+    </p:extLst>
+  </p:cSld>
+  <p:clrMapOvr>
+    <a:masterClrMapping/>
+  </p:clrMapOvr>
+  <mc:AlternateContent xmlns:mc="http://schemas.openxmlformats.org/markup-compatibility/2006" xmlns:p14="http://schemas.microsoft.com/office/powerpoint/2010/main">
+    <mc:Choice Requires="p14">
+      <p:transition spd="med" p14:dur="700">
+        <p:fade/>
+      </p:transition>
+    </mc:Choice>
+    <mc:Fallback xmlns="">
+      <p:transition spd="med">
+        <p:fade/>
+      </p:transition>
+    </mc:Fallback>
+  </mc:AlternateContent>
+  <p:timing>
+    <p:tnLst>
+      <p:par>
+        <p:cTn id="1" dur="indefinite" restart="never" nodeType="tmRoot"/>
+      </p:par>
+    </p:tnLst>
+  </p:timing>
+</p:sld>
+</file>
+
+<file path=ppt/slides/slide17.xml><?xml version="1.0" encoding="utf-8"?>
+<p:sld xmlns:a="http://schemas.openxmlformats.org/drawingml/2006/main" xmlns:r="http://schemas.openxmlformats.org/officeDocument/2006/relationships" xmlns:p="http://schemas.openxmlformats.org/presentationml/2006/main">
+  <p:cSld>
+    <p:spTree>
+      <p:nvGrpSpPr>
+        <p:cNvPr id="1" name=""/>
+        <p:cNvGrpSpPr/>
+        <p:nvPr/>
+      </p:nvGrpSpPr>
+      <p:grpSpPr>
+        <a:xfrm>
+          <a:off x="0" y="0"/>
+          <a:ext cx="0" cy="0"/>
+          <a:chOff x="0" y="0"/>
+          <a:chExt cx="0" cy="0"/>
+        </a:xfrm>
+      </p:grpSpPr>
+      <p:sp>
+        <p:nvSpPr>
+          <p:cNvPr id="3" name="灯片编号占位符 2"/>
+          <p:cNvSpPr>
+            <a:spLocks noGrp="1"/>
+          </p:cNvSpPr>
+          <p:nvPr>
+            <p:ph type="sldNum" sz="quarter" idx="12"/>
+          </p:nvPr>
+        </p:nvSpPr>
+        <p:spPr>
+          <a:xfrm>
+            <a:off x="7639850" y="6356351"/>
+            <a:ext cx="875500" cy="365125"/>
+          </a:xfrm>
+        </p:spPr>
+        <p:txBody>
+          <a:bodyPr/>
+          <a:lstStyle/>
+          <a:p>
+            <a:fld id="{3421685F-CAB6-4DB2-B1E5-AC83AB7F8612}" type="slidenum">
+              <a:rPr lang="zh-CN" altLang="en-US" smtClean="0"/>
+              <a:t>17</a:t>
+            </a:fld>
+            <a:endParaRPr lang="zh-CN" altLang="en-US"/>
+          </a:p>
+        </p:txBody>
+      </p:sp>
+      <p:sp>
+        <p:nvSpPr>
+          <p:cNvPr id="4" name="矩形 3"/>
+          <p:cNvSpPr/>
+          <p:nvPr/>
+        </p:nvSpPr>
+        <p:spPr>
+          <a:xfrm>
+            <a:off x="261444" y="491342"/>
+            <a:ext cx="1422184" cy="461665"/>
+          </a:xfrm>
+          <a:prstGeom prst="rect">
+            <a:avLst/>
+          </a:prstGeom>
+        </p:spPr>
+        <p:txBody>
+          <a:bodyPr wrap="none">
+            <a:spAutoFit/>
+          </a:bodyPr>
+          <a:lstStyle/>
+          <a:p>
+            <a:r>
+              <a:rPr lang="en-US" altLang="zh-CN" sz="2400" dirty="0" smtClean="0">
+                <a:latin typeface="微软雅黑" panose="020B0503020204020204" pitchFamily="34" charset="-122"/>
+                <a:ea typeface="微软雅黑" panose="020B0503020204020204" pitchFamily="34" charset="-122"/>
+              </a:rPr>
+              <a:t>Example</a:t>
+            </a:r>
+            <a:endParaRPr lang="zh-CN" altLang="en-US" sz="2400" dirty="0">
+              <a:latin typeface="微软雅黑" panose="020B0503020204020204" pitchFamily="34" charset="-122"/>
+              <a:ea typeface="微软雅黑" panose="020B0503020204020204" pitchFamily="34" charset="-122"/>
+            </a:endParaRPr>
+          </a:p>
+        </p:txBody>
+      </p:sp>
+      <p:sp>
+        <p:nvSpPr>
+          <p:cNvPr id="28" name="矩形 27"/>
+          <p:cNvSpPr/>
+          <p:nvPr/>
+        </p:nvSpPr>
+        <p:spPr>
+          <a:xfrm>
+            <a:off x="379372" y="1350321"/>
+            <a:ext cx="1765227" cy="400110"/>
+          </a:xfrm>
+          <a:prstGeom prst="rect">
+            <a:avLst/>
+          </a:prstGeom>
+        </p:spPr>
+        <p:txBody>
+          <a:bodyPr wrap="none">
+            <a:spAutoFit/>
+          </a:bodyPr>
+          <a:lstStyle/>
+          <a:p>
+            <a:r>
+              <a:rPr lang="zh-CN" altLang="en-US" sz="2000" dirty="0">
+                <a:latin typeface="微软雅黑" panose="020B0503020204020204" pitchFamily="34" charset="-122"/>
+                <a:ea typeface="微软雅黑" panose="020B0503020204020204" pitchFamily="34" charset="-122"/>
+              </a:rPr>
+              <a:t>the IC model</a:t>
+            </a:r>
+          </a:p>
+        </p:txBody>
+      </p:sp>
+      <p:grpSp>
+        <p:nvGrpSpPr>
+          <p:cNvPr id="2" name="组合 1"/>
+          <p:cNvGrpSpPr/>
+          <p:nvPr/>
+        </p:nvGrpSpPr>
+        <p:grpSpPr>
+          <a:xfrm>
+            <a:off x="800977" y="2147745"/>
+            <a:ext cx="4105932" cy="1613979"/>
+            <a:chOff x="800977" y="2147745"/>
+            <a:chExt cx="4105932" cy="1613979"/>
+          </a:xfrm>
+        </p:grpSpPr>
+        <mc:AlternateContent xmlns:mc="http://schemas.openxmlformats.org/markup-compatibility/2006">
+          <mc:Choice xmlns:a14="http://schemas.microsoft.com/office/drawing/2010/main" Requires="a14">
+            <p:sp>
+              <p:nvSpPr>
+                <p:cNvPr id="29" name="文本框 28"/>
+                <p:cNvSpPr txBox="1"/>
+                <p:nvPr/>
+              </p:nvSpPr>
+              <p:spPr>
+                <a:xfrm>
+                  <a:off x="800977" y="2147745"/>
+                  <a:ext cx="1265026" cy="307777"/>
+                </a:xfrm>
+                <a:prstGeom prst="rect">
+                  <a:avLst/>
+                </a:prstGeom>
+                <a:noFill/>
+              </p:spPr>
+              <p:txBody>
+                <a:bodyPr wrap="none" lIns="0" tIns="0" rIns="0" bIns="0" rtlCol="0">
+                  <a:spAutoFit/>
+                </a:bodyPr>
+                <a:lstStyle/>
+                <a:p>
+                  <a:pPr/>
+                  <a14:m>
+                    <m:oMathPara xmlns:m="http://schemas.openxmlformats.org/officeDocument/2006/math">
+                      <m:oMathParaPr>
+                        <m:jc m:val="centerGroup"/>
+                      </m:oMathParaPr>
+                      <m:oMath xmlns:m="http://schemas.openxmlformats.org/officeDocument/2006/math">
+                        <m:r>
+                          <a:rPr lang="zh-CN" altLang="en-US" sz="2000" i="1">
+                            <a:latin typeface="Cambria Math" panose="02040503050406030204" pitchFamily="18" charset="0"/>
+                          </a:rPr>
+                          <m:t>𝜎</m:t>
+                        </m:r>
+                        <m:d>
+                          <m:dPr>
+                            <m:ctrlPr>
+                              <a:rPr lang="en-US" altLang="zh-CN" sz="2000" i="1">
+                                <a:latin typeface="Cambria Math" panose="02040503050406030204" pitchFamily="18" charset="0"/>
+                              </a:rPr>
+                            </m:ctrlPr>
+                          </m:dPr>
+                          <m:e>
+                            <m:r>
+                              <a:rPr lang="en-US" altLang="zh-CN" sz="2000" i="1">
+                                <a:latin typeface="Cambria Math" panose="02040503050406030204" pitchFamily="18" charset="0"/>
+                              </a:rPr>
+                              <m:t>𝐴</m:t>
+                            </m:r>
+                          </m:e>
+                        </m:d>
+                        <m:r>
+                          <a:rPr lang="en-US" altLang="zh-CN" sz="2000" i="1">
+                            <a:latin typeface="Cambria Math" panose="02040503050406030204" pitchFamily="18" charset="0"/>
+                          </a:rPr>
+                          <m:t>=0.8</m:t>
+                        </m:r>
+                      </m:oMath>
+                    </m:oMathPara>
+                  </a14:m>
+                  <a:endParaRPr lang="en-US" altLang="zh-CN" sz="2000" dirty="0"/>
+                </a:p>
+              </p:txBody>
+            </p:sp>
+          </mc:Choice>
+          <mc:Fallback>
+            <p:sp>
+              <p:nvSpPr>
+                <p:cNvPr id="29" name="文本框 28"/>
+                <p:cNvSpPr txBox="1">
+                  <a:spLocks noRot="1" noChangeAspect="1" noMove="1" noResize="1" noEditPoints="1" noAdjustHandles="1" noChangeArrowheads="1" noChangeShapeType="1" noTextEdit="1"/>
+                </p:cNvSpPr>
+                <p:nvPr/>
+              </p:nvSpPr>
+              <p:spPr>
+                <a:xfrm>
+                  <a:off x="800977" y="2147745"/>
+                  <a:ext cx="1265026" cy="307777"/>
+                </a:xfrm>
+                <a:prstGeom prst="rect">
+                  <a:avLst/>
+                </a:prstGeom>
+                <a:blipFill rotWithShape="0">
+                  <a:blip r:embed="rId3"/>
+                  <a:stretch>
+                    <a:fillRect l="-1923" r="-4327" b="-5882"/>
+                  </a:stretch>
+                </a:blipFill>
+              </p:spPr>
+              <p:txBody>
+                <a:bodyPr/>
+                <a:lstStyle/>
+                <a:p>
+                  <a:r>
+                    <a:rPr lang="zh-CN" altLang="en-US">
+                      <a:noFill/>
+                    </a:rPr>
+                    <a:t> </a:t>
+                  </a:r>
+                </a:p>
+              </p:txBody>
+            </p:sp>
+          </mc:Fallback>
+        </mc:AlternateContent>
+        <mc:AlternateContent xmlns:mc="http://schemas.openxmlformats.org/markup-compatibility/2006">
+          <mc:Choice xmlns:a14="http://schemas.microsoft.com/office/drawing/2010/main" Requires="a14">
+            <p:sp>
+              <p:nvSpPr>
+                <p:cNvPr id="30" name="文本框 29"/>
+                <p:cNvSpPr txBox="1"/>
+                <p:nvPr/>
+              </p:nvSpPr>
+              <p:spPr>
+                <a:xfrm>
+                  <a:off x="801811" y="2758211"/>
+                  <a:ext cx="4105098" cy="307777"/>
+                </a:xfrm>
+                <a:prstGeom prst="rect">
+                  <a:avLst/>
+                </a:prstGeom>
+                <a:noFill/>
+              </p:spPr>
+              <p:txBody>
+                <a:bodyPr wrap="none" lIns="0" tIns="0" rIns="0" bIns="0" rtlCol="0">
+                  <a:spAutoFit/>
+                </a:bodyPr>
+                <a:lstStyle/>
+                <a:p>
+                  <a14:m>
+                    <m:oMath xmlns:m="http://schemas.openxmlformats.org/officeDocument/2006/math">
+                      <m:r>
+                        <a:rPr lang="zh-CN" altLang="en-US" sz="2000" i="1">
+                          <a:latin typeface="Cambria Math" panose="02040503050406030204" pitchFamily="18" charset="0"/>
+                        </a:rPr>
+                        <m:t>𝜎</m:t>
+                      </m:r>
+                      <m:d>
+                        <m:dPr>
+                          <m:ctrlPr>
+                            <a:rPr lang="en-US" altLang="zh-CN" sz="2000" i="1">
+                              <a:latin typeface="Cambria Math" panose="02040503050406030204" pitchFamily="18" charset="0"/>
+                            </a:rPr>
+                          </m:ctrlPr>
+                        </m:dPr>
+                        <m:e>
+                          <m:r>
+                            <a:rPr lang="en-US" altLang="zh-CN" sz="2000" i="1">
+                              <a:latin typeface="Cambria Math" panose="02040503050406030204" pitchFamily="18" charset="0"/>
+                            </a:rPr>
+                            <m:t>𝐵</m:t>
+                          </m:r>
+                        </m:e>
+                      </m:d>
+                      <m:r>
+                        <a:rPr lang="en-US" altLang="zh-CN" sz="2000" i="1">
+                          <a:latin typeface="Cambria Math" panose="02040503050406030204" pitchFamily="18" charset="0"/>
+                        </a:rPr>
+                        <m:t>=0.</m:t>
+                      </m:r>
+                    </m:oMath>
+                  </a14:m>
+                  <a:r>
+                    <a:rPr lang="en-US" altLang="zh-CN" sz="2000" dirty="0"/>
+                    <a:t>1+0.1+0.1*0.8+0.1*0.9 =0.37</a:t>
+                  </a:r>
+                </a:p>
+              </p:txBody>
+            </p:sp>
+          </mc:Choice>
+          <mc:Fallback>
+            <p:sp>
+              <p:nvSpPr>
+                <p:cNvPr id="30" name="文本框 29"/>
+                <p:cNvSpPr txBox="1">
+                  <a:spLocks noRot="1" noChangeAspect="1" noMove="1" noResize="1" noEditPoints="1" noAdjustHandles="1" noChangeArrowheads="1" noChangeShapeType="1" noTextEdit="1"/>
+                </p:cNvSpPr>
+                <p:nvPr/>
+              </p:nvSpPr>
+              <p:spPr>
+                <a:xfrm>
+                  <a:off x="801811" y="2758211"/>
+                  <a:ext cx="4105098" cy="307777"/>
+                </a:xfrm>
+                <a:prstGeom prst="rect">
+                  <a:avLst/>
+                </a:prstGeom>
+                <a:blipFill rotWithShape="0">
+                  <a:blip r:embed="rId4"/>
+                  <a:stretch>
+                    <a:fillRect l="-1634" t="-25490" r="-2972" b="-49020"/>
+                  </a:stretch>
+                </a:blipFill>
+              </p:spPr>
+              <p:txBody>
+                <a:bodyPr/>
+                <a:lstStyle/>
+                <a:p>
+                  <a:r>
+                    <a:rPr lang="zh-CN" altLang="en-US">
+                      <a:noFill/>
+                    </a:rPr>
+                    <a:t> </a:t>
+                  </a:r>
+                </a:p>
+              </p:txBody>
+            </p:sp>
+          </mc:Fallback>
+        </mc:AlternateContent>
+        <mc:AlternateContent xmlns:mc="http://schemas.openxmlformats.org/markup-compatibility/2006">
+          <mc:Choice xmlns:a14="http://schemas.microsoft.com/office/drawing/2010/main" Requires="a14">
+            <p:sp>
+              <p:nvSpPr>
+                <p:cNvPr id="31" name="文本框 30"/>
+                <p:cNvSpPr txBox="1"/>
+                <p:nvPr/>
+              </p:nvSpPr>
+              <p:spPr>
+                <a:xfrm>
+                  <a:off x="801811" y="3453947"/>
+                  <a:ext cx="1264192" cy="307777"/>
+                </a:xfrm>
+                <a:prstGeom prst="rect">
+                  <a:avLst/>
+                </a:prstGeom>
+                <a:noFill/>
+              </p:spPr>
+              <p:txBody>
+                <a:bodyPr wrap="none" lIns="0" tIns="0" rIns="0" bIns="0" rtlCol="0">
+                  <a:spAutoFit/>
+                </a:bodyPr>
+                <a:lstStyle/>
+                <a:p>
+                  <a:pPr/>
+                  <a14:m>
+                    <m:oMathPara xmlns:m="http://schemas.openxmlformats.org/officeDocument/2006/math">
+                      <m:oMathParaPr>
+                        <m:jc m:val="centerGroup"/>
+                      </m:oMathParaPr>
+                      <m:oMath xmlns:m="http://schemas.openxmlformats.org/officeDocument/2006/math">
+                        <m:r>
+                          <a:rPr lang="zh-CN" altLang="en-US" sz="2000" i="1" smtClean="0">
+                            <a:solidFill>
+                              <a:srgbClr val="FF0000"/>
+                            </a:solidFill>
+                            <a:latin typeface="Cambria Math" panose="02040503050406030204" pitchFamily="18" charset="0"/>
+                          </a:rPr>
+                          <m:t>𝜎</m:t>
+                        </m:r>
+                        <m:d>
+                          <m:dPr>
+                            <m:ctrlPr>
+                              <a:rPr lang="en-US" altLang="zh-CN" sz="2000" i="1">
+                                <a:solidFill>
+                                  <a:srgbClr val="FF0000"/>
+                                </a:solidFill>
+                                <a:latin typeface="Cambria Math" panose="02040503050406030204" pitchFamily="18" charset="0"/>
+                              </a:rPr>
+                            </m:ctrlPr>
+                          </m:dPr>
+                          <m:e>
+                            <m:r>
+                              <a:rPr lang="en-US" altLang="zh-CN" sz="2000" i="1">
+                                <a:solidFill>
+                                  <a:srgbClr val="FF0000"/>
+                                </a:solidFill>
+                                <a:latin typeface="Cambria Math" panose="02040503050406030204" pitchFamily="18" charset="0"/>
+                              </a:rPr>
+                              <m:t>𝐶</m:t>
+                            </m:r>
+                          </m:e>
+                        </m:d>
+                        <m:r>
+                          <a:rPr lang="en-US" altLang="zh-CN" sz="2000" i="1">
+                            <a:solidFill>
+                              <a:srgbClr val="FF0000"/>
+                            </a:solidFill>
+                            <a:latin typeface="Cambria Math" panose="02040503050406030204" pitchFamily="18" charset="0"/>
+                          </a:rPr>
+                          <m:t>=0.9</m:t>
+                        </m:r>
+                      </m:oMath>
+                    </m:oMathPara>
+                  </a14:m>
+                  <a:endParaRPr lang="en-US" altLang="zh-CN" sz="2000" dirty="0">
+                    <a:solidFill>
+                      <a:srgbClr val="FF0000"/>
+                    </a:solidFill>
+                  </a:endParaRPr>
+                </a:p>
+              </p:txBody>
+            </p:sp>
+          </mc:Choice>
+          <mc:Fallback>
+            <p:sp>
+              <p:nvSpPr>
+                <p:cNvPr id="31" name="文本框 30"/>
+                <p:cNvSpPr txBox="1">
+                  <a:spLocks noRot="1" noChangeAspect="1" noMove="1" noResize="1" noEditPoints="1" noAdjustHandles="1" noChangeArrowheads="1" noChangeShapeType="1" noTextEdit="1"/>
+                </p:cNvSpPr>
+                <p:nvPr/>
+              </p:nvSpPr>
+              <p:spPr>
+                <a:xfrm>
+                  <a:off x="801811" y="3453947"/>
+                  <a:ext cx="1264192" cy="307777"/>
+                </a:xfrm>
+                <a:prstGeom prst="rect">
+                  <a:avLst/>
+                </a:prstGeom>
+                <a:blipFill rotWithShape="0">
+                  <a:blip r:embed="rId5"/>
+                  <a:stretch>
+                    <a:fillRect l="-2415" r="-4348" b="-6000"/>
+                  </a:stretch>
+                </a:blipFill>
+              </p:spPr>
+              <p:txBody>
+                <a:bodyPr/>
+                <a:lstStyle/>
+                <a:p>
+                  <a:r>
+                    <a:rPr lang="zh-CN" altLang="en-US">
+                      <a:noFill/>
+                    </a:rPr>
+                    <a:t> </a:t>
+                  </a:r>
+                </a:p>
+              </p:txBody>
+            </p:sp>
+          </mc:Fallback>
+        </mc:AlternateContent>
+        <mc:AlternateContent xmlns:mc="http://schemas.openxmlformats.org/markup-compatibility/2006">
+          <mc:Choice xmlns:a14="http://schemas.microsoft.com/office/drawing/2010/main" Requires="a14">
+            <p:sp>
+              <p:nvSpPr>
+                <p:cNvPr id="32" name="文本框 31"/>
+                <p:cNvSpPr txBox="1"/>
+                <p:nvPr/>
+              </p:nvSpPr>
+              <p:spPr>
+                <a:xfrm>
+                  <a:off x="3012541" y="3426698"/>
+                  <a:ext cx="1090491" cy="307777"/>
+                </a:xfrm>
+                <a:prstGeom prst="rect">
+                  <a:avLst/>
+                </a:prstGeom>
+                <a:noFill/>
+              </p:spPr>
+              <p:txBody>
+                <a:bodyPr wrap="none" lIns="0" tIns="0" rIns="0" bIns="0" rtlCol="0">
+                  <a:spAutoFit/>
+                </a:bodyPr>
+                <a:lstStyle/>
+                <a:p>
+                  <a:pPr/>
+                  <a14:m>
+                    <m:oMathPara xmlns:m="http://schemas.openxmlformats.org/officeDocument/2006/math">
+                      <m:oMathParaPr>
+                        <m:jc m:val="centerGroup"/>
+                      </m:oMathParaPr>
+                      <m:oMath xmlns:m="http://schemas.openxmlformats.org/officeDocument/2006/math">
+                        <m:r>
+                          <a:rPr lang="zh-CN" altLang="en-US" sz="2000" i="1">
+                            <a:latin typeface="Cambria Math" panose="02040503050406030204" pitchFamily="18" charset="0"/>
+                          </a:rPr>
+                          <m:t>𝜎</m:t>
+                        </m:r>
+                        <m:d>
+                          <m:dPr>
+                            <m:ctrlPr>
+                              <a:rPr lang="en-US" altLang="zh-CN" sz="2000" i="1">
+                                <a:latin typeface="Cambria Math" panose="02040503050406030204" pitchFamily="18" charset="0"/>
+                              </a:rPr>
+                            </m:ctrlPr>
+                          </m:dPr>
+                          <m:e>
+                            <m:r>
+                              <a:rPr lang="en-US" altLang="zh-CN" sz="2000" i="1">
+                                <a:latin typeface="Cambria Math" panose="02040503050406030204" pitchFamily="18" charset="0"/>
+                              </a:rPr>
+                              <m:t>𝐷</m:t>
+                            </m:r>
+                          </m:e>
+                        </m:d>
+                        <m:r>
+                          <a:rPr lang="en-US" altLang="zh-CN" sz="2000" i="1">
+                            <a:latin typeface="Cambria Math" panose="02040503050406030204" pitchFamily="18" charset="0"/>
+                          </a:rPr>
+                          <m:t>=0</m:t>
+                        </m:r>
+                      </m:oMath>
+                    </m:oMathPara>
+                  </a14:m>
+                  <a:endParaRPr lang="en-US" altLang="zh-CN" sz="2000" dirty="0"/>
+                </a:p>
+              </p:txBody>
+            </p:sp>
+          </mc:Choice>
+          <mc:Fallback>
+            <p:sp>
+              <p:nvSpPr>
+                <p:cNvPr id="32" name="文本框 31"/>
+                <p:cNvSpPr txBox="1">
+                  <a:spLocks noRot="1" noChangeAspect="1" noMove="1" noResize="1" noEditPoints="1" noAdjustHandles="1" noChangeArrowheads="1" noChangeShapeType="1" noTextEdit="1"/>
+                </p:cNvSpPr>
+                <p:nvPr/>
+              </p:nvSpPr>
+              <p:spPr>
+                <a:xfrm>
+                  <a:off x="3012541" y="3426698"/>
+                  <a:ext cx="1090491" cy="307777"/>
+                </a:xfrm>
+                <a:prstGeom prst="rect">
+                  <a:avLst/>
+                </a:prstGeom>
+                <a:blipFill rotWithShape="0">
+                  <a:blip r:embed="rId6"/>
+                  <a:stretch>
+                    <a:fillRect l="-2793" r="-5028" b="-5882"/>
+                  </a:stretch>
+                </a:blipFill>
+              </p:spPr>
+              <p:txBody>
+                <a:bodyPr/>
+                <a:lstStyle/>
+                <a:p>
+                  <a:r>
+                    <a:rPr lang="zh-CN" altLang="en-US">
+                      <a:noFill/>
+                    </a:rPr>
+                    <a:t> </a:t>
+                  </a:r>
+                </a:p>
+              </p:txBody>
+            </p:sp>
+          </mc:Fallback>
+        </mc:AlternateContent>
+      </p:grpSp>
+      <p:grpSp>
+        <p:nvGrpSpPr>
+          <p:cNvPr id="5" name="组合 4"/>
+          <p:cNvGrpSpPr/>
+          <p:nvPr/>
+        </p:nvGrpSpPr>
+        <p:grpSpPr>
+          <a:xfrm>
+            <a:off x="841063" y="4914935"/>
+            <a:ext cx="5622180" cy="1023254"/>
+            <a:chOff x="841063" y="4914935"/>
+            <a:chExt cx="5622180" cy="1023254"/>
+          </a:xfrm>
+        </p:grpSpPr>
+        <mc:AlternateContent xmlns:mc="http://schemas.openxmlformats.org/markup-compatibility/2006">
+          <mc:Choice xmlns:a14="http://schemas.microsoft.com/office/drawing/2010/main" Requires="a14">
+            <p:sp>
+              <p:nvSpPr>
+                <p:cNvPr id="33" name="文本框 32"/>
+                <p:cNvSpPr txBox="1"/>
+                <p:nvPr/>
+              </p:nvSpPr>
+              <p:spPr>
+                <a:xfrm>
+                  <a:off x="841063" y="4914935"/>
+                  <a:ext cx="5622180" cy="307777"/>
+                </a:xfrm>
+                <a:prstGeom prst="rect">
+                  <a:avLst/>
+                </a:prstGeom>
+                <a:noFill/>
+              </p:spPr>
+              <p:txBody>
+                <a:bodyPr wrap="none" lIns="0" tIns="0" rIns="0" bIns="0" rtlCol="0">
+                  <a:spAutoFit/>
+                </a:bodyPr>
+                <a:lstStyle/>
+                <a:p>
+                  <a14:m>
+                    <m:oMath xmlns:m="http://schemas.openxmlformats.org/officeDocument/2006/math">
+                      <m:r>
+                        <a:rPr lang="zh-CN" altLang="en-US" sz="2000" i="1" smtClean="0">
+                          <a:solidFill>
+                            <a:srgbClr val="FF0000"/>
+                          </a:solidFill>
+                          <a:latin typeface="Cambria Math" panose="02040503050406030204" pitchFamily="18" charset="0"/>
+                        </a:rPr>
+                        <m:t>𝜎</m:t>
+                      </m:r>
+                      <m:r>
+                        <a:rPr lang="en-US" altLang="zh-CN" sz="2000" i="1" baseline="30000">
+                          <a:solidFill>
+                            <a:srgbClr val="FF0000"/>
+                          </a:solidFill>
+                          <a:latin typeface="Cambria Math" panose="02040503050406030204" pitchFamily="18" charset="0"/>
+                        </a:rPr>
+                        <m:t>𝑜</m:t>
+                      </m:r>
+                      <m:d>
+                        <m:dPr>
+                          <m:ctrlPr>
+                            <a:rPr lang="en-US" altLang="zh-CN" sz="2000" i="1">
+                              <a:solidFill>
+                                <a:srgbClr val="FF0000"/>
+                              </a:solidFill>
+                              <a:latin typeface="Cambria Math" panose="02040503050406030204" pitchFamily="18" charset="0"/>
+                            </a:rPr>
+                          </m:ctrlPr>
+                        </m:dPr>
+                        <m:e>
+                          <m:r>
+                            <a:rPr lang="en-US" altLang="zh-CN" sz="2000" i="1">
+                              <a:solidFill>
+                                <a:srgbClr val="FF0000"/>
+                              </a:solidFill>
+                              <a:latin typeface="Cambria Math" panose="02040503050406030204" pitchFamily="18" charset="0"/>
+                            </a:rPr>
+                            <m:t>𝐴</m:t>
+                          </m:r>
+                        </m:e>
+                      </m:d>
+                    </m:oMath>
+                  </a14:m>
+                  <a:r>
+                    <a:rPr lang="en-US" altLang="zh-CN" sz="2000" dirty="0"/>
+                    <a:t>= p</a:t>
+                  </a:r>
+                  <a:r>
+                    <a:rPr lang="en-US" altLang="zh-CN" sz="2000" baseline="-25000" dirty="0"/>
+                    <a:t>AD</a:t>
+                  </a:r>
+                  <a:r>
+                    <a:rPr lang="en-US" altLang="zh-CN" sz="2000" b="1" dirty="0"/>
+                    <a:t>[</a:t>
+                  </a:r>
+                  <a14:m>
+                    <m:oMath xmlns:m="http://schemas.openxmlformats.org/officeDocument/2006/math">
+                      <m:r>
+                        <m:rPr>
+                          <m:sty m:val="p"/>
+                        </m:rPr>
+                        <a:rPr lang="el-GR" altLang="zh-CN" sz="2000" i="1">
+                          <a:solidFill>
+                            <a:srgbClr val="7030A0"/>
+                          </a:solidFill>
+                          <a:latin typeface="Cambria Math" panose="02040503050406030204" pitchFamily="18" charset="0"/>
+                        </a:rPr>
+                        <m:t>φ</m:t>
+                      </m:r>
+                      <m:r>
+                        <m:rPr>
+                          <m:sty m:val="p"/>
+                        </m:rPr>
+                        <a:rPr lang="en-US" altLang="zh-CN" sz="2000" i="1" baseline="-25000">
+                          <a:solidFill>
+                            <a:srgbClr val="7030A0"/>
+                          </a:solidFill>
+                          <a:latin typeface="Cambria Math" panose="02040503050406030204" pitchFamily="18" charset="0"/>
+                        </a:rPr>
+                        <m:t>AD</m:t>
+                      </m:r>
+                    </m:oMath>
+                  </a14:m>
+                  <a:r>
+                    <a:rPr lang="en-US" altLang="zh-CN" sz="2000" dirty="0"/>
+                    <a:t>(</a:t>
+                  </a:r>
+                  <a:r>
+                    <a:rPr lang="en-US" altLang="zh-CN" sz="2000" dirty="0">
+                      <a:solidFill>
+                        <a:srgbClr val="7030A0"/>
+                      </a:solidFill>
+                    </a:rPr>
+                    <a:t>O</a:t>
+                  </a:r>
+                  <a:r>
+                    <a:rPr lang="en-US" altLang="zh-CN" sz="2000" baseline="-25000" dirty="0">
+                      <a:solidFill>
+                        <a:srgbClr val="7030A0"/>
+                      </a:solidFill>
+                    </a:rPr>
+                    <a:t>A</a:t>
+                  </a:r>
+                  <a:r>
+                    <a:rPr lang="en-US" altLang="zh-CN" sz="2000" dirty="0">
+                      <a:solidFill>
+                        <a:srgbClr val="7030A0"/>
+                      </a:solidFill>
+                    </a:rPr>
+                    <a:t>+ O</a:t>
+                  </a:r>
+                  <a:r>
+                    <a:rPr lang="en-US" altLang="zh-CN" sz="2000" baseline="-25000" dirty="0">
+                      <a:solidFill>
+                        <a:srgbClr val="7030A0"/>
+                      </a:solidFill>
+                    </a:rPr>
+                    <a:t>D</a:t>
+                  </a:r>
+                  <a:r>
+                    <a:rPr lang="en-US" altLang="zh-CN" sz="2000" dirty="0"/>
+                    <a:t>)/2 +(1-</a:t>
+                  </a:r>
+                  <a14:m>
+                    <m:oMath xmlns:m="http://schemas.openxmlformats.org/officeDocument/2006/math">
+                      <m:r>
+                        <m:rPr>
+                          <m:sty m:val="p"/>
+                        </m:rPr>
+                        <a:rPr lang="el-GR" altLang="zh-CN" sz="2000" i="1">
+                          <a:solidFill>
+                            <a:srgbClr val="7030A0"/>
+                          </a:solidFill>
+                          <a:latin typeface="Cambria Math" panose="02040503050406030204" pitchFamily="18" charset="0"/>
+                        </a:rPr>
+                        <m:t>φ</m:t>
+                      </m:r>
+                      <m:r>
+                        <m:rPr>
+                          <m:sty m:val="p"/>
+                        </m:rPr>
+                        <a:rPr lang="en-US" altLang="zh-CN" sz="2000" i="1" baseline="-25000">
+                          <a:solidFill>
+                            <a:srgbClr val="7030A0"/>
+                          </a:solidFill>
+                          <a:latin typeface="Cambria Math" panose="02040503050406030204" pitchFamily="18" charset="0"/>
+                        </a:rPr>
+                        <m:t>AD</m:t>
+                      </m:r>
+                    </m:oMath>
+                  </a14:m>
+                  <a:r>
+                    <a:rPr lang="en-US" altLang="zh-CN" sz="2000" dirty="0"/>
+                    <a:t>)(</a:t>
+                  </a:r>
+                  <a:r>
+                    <a:rPr lang="en-US" altLang="zh-CN" sz="2000" dirty="0">
+                      <a:solidFill>
+                        <a:srgbClr val="7030A0"/>
+                      </a:solidFill>
+                    </a:rPr>
+                    <a:t>O</a:t>
+                  </a:r>
+                  <a:r>
+                    <a:rPr lang="en-US" altLang="zh-CN" sz="2000" baseline="-25000" dirty="0">
+                      <a:solidFill>
+                        <a:srgbClr val="7030A0"/>
+                      </a:solidFill>
+                    </a:rPr>
+                    <a:t>D</a:t>
+                  </a:r>
+                  <a:r>
+                    <a:rPr lang="en-US" altLang="zh-CN" sz="2000" dirty="0">
+                      <a:solidFill>
+                        <a:srgbClr val="7030A0"/>
+                      </a:solidFill>
+                    </a:rPr>
+                    <a:t>-O</a:t>
+                  </a:r>
+                  <a:r>
+                    <a:rPr lang="en-US" altLang="zh-CN" sz="2000" baseline="-25000" dirty="0">
+                      <a:solidFill>
+                        <a:srgbClr val="7030A0"/>
+                      </a:solidFill>
+                    </a:rPr>
+                    <a:t>A</a:t>
+                  </a:r>
+                  <a:r>
+                    <a:rPr lang="en-US" altLang="zh-CN" sz="2000" dirty="0"/>
+                    <a:t>)/2</a:t>
+                  </a:r>
+                  <a:r>
+                    <a:rPr lang="en-US" altLang="zh-CN" sz="2000" b="1" dirty="0" smtClean="0"/>
+                    <a:t>] </a:t>
+                  </a:r>
+                  <a:r>
+                    <a:rPr lang="en-US" altLang="zh-CN" sz="2000" dirty="0" smtClean="0"/>
+                    <a:t>= </a:t>
+                  </a:r>
+                  <a:r>
+                    <a:rPr lang="en-US" altLang="zh-CN" sz="2000" dirty="0" smtClean="0">
+                      <a:solidFill>
+                        <a:srgbClr val="FF0000"/>
+                      </a:solidFill>
+                    </a:rPr>
+                    <a:t>0.136</a:t>
+                  </a:r>
+                  <a:endParaRPr lang="en-US" altLang="zh-CN" sz="2000" dirty="0">
+                    <a:solidFill>
+                      <a:srgbClr val="FF0000"/>
+                    </a:solidFill>
+                  </a:endParaRPr>
+                </a:p>
+              </p:txBody>
+            </p:sp>
+          </mc:Choice>
+          <mc:Fallback>
+            <p:sp>
+              <p:nvSpPr>
+                <p:cNvPr id="33" name="文本框 32"/>
+                <p:cNvSpPr txBox="1">
+                  <a:spLocks noRot="1" noChangeAspect="1" noMove="1" noResize="1" noEditPoints="1" noAdjustHandles="1" noChangeArrowheads="1" noChangeShapeType="1" noTextEdit="1"/>
+                </p:cNvSpPr>
+                <p:nvPr/>
+              </p:nvSpPr>
+              <p:spPr>
+                <a:xfrm>
+                  <a:off x="841063" y="4914935"/>
+                  <a:ext cx="5622180" cy="307777"/>
+                </a:xfrm>
+                <a:prstGeom prst="rect">
+                  <a:avLst/>
+                </a:prstGeom>
+                <a:blipFill rotWithShape="0">
+                  <a:blip r:embed="rId7"/>
+                  <a:stretch>
+                    <a:fillRect l="-1193" t="-25490" r="-1735" b="-49020"/>
+                  </a:stretch>
+                </a:blipFill>
+              </p:spPr>
+              <p:txBody>
+                <a:bodyPr/>
+                <a:lstStyle/>
+                <a:p>
+                  <a:r>
+                    <a:rPr lang="zh-CN" altLang="en-US">
+                      <a:noFill/>
+                    </a:rPr>
+                    <a:t> </a:t>
+                  </a:r>
+                </a:p>
+              </p:txBody>
+            </p:sp>
+          </mc:Fallback>
+        </mc:AlternateContent>
+        <mc:AlternateContent xmlns:mc="http://schemas.openxmlformats.org/markup-compatibility/2006">
+          <mc:Choice xmlns:a14="http://schemas.microsoft.com/office/drawing/2010/main" Requires="a14">
+            <p:sp>
+              <p:nvSpPr>
+                <p:cNvPr id="34" name="文本框 33"/>
+                <p:cNvSpPr txBox="1"/>
+                <p:nvPr/>
+              </p:nvSpPr>
+              <p:spPr>
+                <a:xfrm>
+                  <a:off x="841063" y="5630412"/>
+                  <a:ext cx="1815562" cy="307777"/>
+                </a:xfrm>
+                <a:prstGeom prst="rect">
+                  <a:avLst/>
+                </a:prstGeom>
+                <a:noFill/>
+              </p:spPr>
+              <p:txBody>
+                <a:bodyPr wrap="none" lIns="0" tIns="0" rIns="0" bIns="0" rtlCol="0">
+                  <a:spAutoFit/>
+                </a:bodyPr>
+                <a:lstStyle/>
+                <a:p>
+                  <a14:m>
+                    <m:oMath xmlns:m="http://schemas.openxmlformats.org/officeDocument/2006/math">
+                      <m:r>
+                        <a:rPr lang="zh-CN" altLang="en-US" sz="2000" i="1">
+                          <a:latin typeface="Cambria Math" panose="02040503050406030204" pitchFamily="18" charset="0"/>
+                        </a:rPr>
+                        <m:t>𝜎</m:t>
+                      </m:r>
+                      <m:r>
+                        <a:rPr lang="en-US" altLang="zh-CN" sz="2000" i="1" baseline="30000">
+                          <a:latin typeface="Cambria Math" panose="02040503050406030204" pitchFamily="18" charset="0"/>
+                        </a:rPr>
+                        <m:t>𝑜</m:t>
+                      </m:r>
+                      <m:d>
+                        <m:dPr>
+                          <m:ctrlPr>
+                            <a:rPr lang="en-US" altLang="zh-CN" sz="2000" i="1">
+                              <a:latin typeface="Cambria Math" panose="02040503050406030204" pitchFamily="18" charset="0"/>
+                            </a:rPr>
+                          </m:ctrlPr>
+                        </m:dPr>
+                        <m:e>
+                          <m:r>
+                            <a:rPr lang="en-US" altLang="zh-CN" sz="2000" i="1">
+                              <a:latin typeface="Cambria Math" panose="02040503050406030204" pitchFamily="18" charset="0"/>
+                            </a:rPr>
+                            <m:t>𝐵</m:t>
+                          </m:r>
+                        </m:e>
+                      </m:d>
+                    </m:oMath>
+                  </a14:m>
+                  <a:r>
+                    <a:rPr lang="en-US" altLang="zh-CN" sz="2000" dirty="0"/>
+                    <a:t>=-0.022564</a:t>
+                  </a:r>
+                </a:p>
+              </p:txBody>
+            </p:sp>
+          </mc:Choice>
+          <mc:Fallback>
+            <p:sp>
+              <p:nvSpPr>
+                <p:cNvPr id="34" name="文本框 33"/>
+                <p:cNvSpPr txBox="1">
+                  <a:spLocks noRot="1" noChangeAspect="1" noMove="1" noResize="1" noEditPoints="1" noAdjustHandles="1" noChangeArrowheads="1" noChangeShapeType="1" noTextEdit="1"/>
+                </p:cNvSpPr>
+                <p:nvPr/>
+              </p:nvSpPr>
+              <p:spPr>
+                <a:xfrm>
+                  <a:off x="841063" y="5630412"/>
+                  <a:ext cx="1815562" cy="307777"/>
+                </a:xfrm>
+                <a:prstGeom prst="rect">
+                  <a:avLst/>
+                </a:prstGeom>
+                <a:blipFill rotWithShape="0">
+                  <a:blip r:embed="rId8"/>
+                  <a:stretch>
+                    <a:fillRect l="-3691" t="-26000" r="-7383" b="-50000"/>
+                  </a:stretch>
+                </a:blipFill>
+              </p:spPr>
+              <p:txBody>
+                <a:bodyPr/>
+                <a:lstStyle/>
+                <a:p>
+                  <a:r>
+                    <a:rPr lang="zh-CN" altLang="en-US">
+                      <a:noFill/>
+                    </a:rPr>
+                    <a:t> </a:t>
+                  </a:r>
+                </a:p>
+              </p:txBody>
+            </p:sp>
+          </mc:Fallback>
+        </mc:AlternateContent>
+        <mc:AlternateContent xmlns:mc="http://schemas.openxmlformats.org/markup-compatibility/2006">
+          <mc:Choice xmlns:a14="http://schemas.microsoft.com/office/drawing/2010/main" Requires="a14">
+            <p:sp>
+              <p:nvSpPr>
+                <p:cNvPr id="35" name="文本框 34"/>
+                <p:cNvSpPr txBox="1"/>
+                <p:nvPr/>
+              </p:nvSpPr>
+              <p:spPr>
+                <a:xfrm>
+                  <a:off x="3177052" y="5629972"/>
+                  <a:ext cx="1414426" cy="307777"/>
+                </a:xfrm>
+                <a:prstGeom prst="rect">
+                  <a:avLst/>
+                </a:prstGeom>
+                <a:noFill/>
+              </p:spPr>
+              <p:txBody>
+                <a:bodyPr wrap="none" lIns="0" tIns="0" rIns="0" bIns="0" rtlCol="0">
+                  <a:spAutoFit/>
+                </a:bodyPr>
+                <a:lstStyle/>
+                <a:p>
+                  <a14:m>
+                    <m:oMath xmlns:m="http://schemas.openxmlformats.org/officeDocument/2006/math">
+                      <m:r>
+                        <a:rPr lang="zh-CN" altLang="en-US" sz="2000" i="1">
+                          <a:latin typeface="Cambria Math" panose="02040503050406030204" pitchFamily="18" charset="0"/>
+                        </a:rPr>
+                        <m:t>𝜎</m:t>
+                      </m:r>
+                      <m:r>
+                        <a:rPr lang="en-US" altLang="zh-CN" sz="2000" i="1" baseline="30000">
+                          <a:latin typeface="Cambria Math" panose="02040503050406030204" pitchFamily="18" charset="0"/>
+                        </a:rPr>
+                        <m:t>𝑜</m:t>
+                      </m:r>
+                      <m:d>
+                        <m:dPr>
+                          <m:ctrlPr>
+                            <a:rPr lang="en-US" altLang="zh-CN" sz="2000" i="1">
+                              <a:latin typeface="Cambria Math" panose="02040503050406030204" pitchFamily="18" charset="0"/>
+                            </a:rPr>
+                          </m:ctrlPr>
+                        </m:dPr>
+                        <m:e>
+                          <m:r>
+                            <a:rPr lang="en-US" altLang="zh-CN" sz="2000" i="1">
+                              <a:latin typeface="Cambria Math" panose="02040503050406030204" pitchFamily="18" charset="0"/>
+                            </a:rPr>
+                            <m:t>𝐶</m:t>
+                          </m:r>
+                        </m:e>
+                      </m:d>
+                    </m:oMath>
+                  </a14:m>
+                  <a:r>
+                    <a:rPr lang="en-US" altLang="zh-CN" sz="2000" dirty="0"/>
+                    <a:t>=-0.351</a:t>
+                  </a:r>
+                </a:p>
+              </p:txBody>
+            </p:sp>
+          </mc:Choice>
+          <mc:Fallback>
+            <p:sp>
+              <p:nvSpPr>
+                <p:cNvPr id="35" name="文本框 34"/>
+                <p:cNvSpPr txBox="1">
+                  <a:spLocks noRot="1" noChangeAspect="1" noMove="1" noResize="1" noEditPoints="1" noAdjustHandles="1" noChangeArrowheads="1" noChangeShapeType="1" noTextEdit="1"/>
+                </p:cNvSpPr>
+                <p:nvPr/>
+              </p:nvSpPr>
+              <p:spPr>
+                <a:xfrm>
+                  <a:off x="3177052" y="5629972"/>
+                  <a:ext cx="1414426" cy="307777"/>
+                </a:xfrm>
+                <a:prstGeom prst="rect">
+                  <a:avLst/>
+                </a:prstGeom>
+                <a:blipFill rotWithShape="0">
+                  <a:blip r:embed="rId9"/>
+                  <a:stretch>
+                    <a:fillRect l="-4310" t="-26000" r="-10345" b="-50000"/>
+                  </a:stretch>
+                </a:blipFill>
+              </p:spPr>
+              <p:txBody>
+                <a:bodyPr/>
+                <a:lstStyle/>
+                <a:p>
+                  <a:r>
+                    <a:rPr lang="zh-CN" altLang="en-US">
+                      <a:noFill/>
+                    </a:rPr>
+                    <a:t> </a:t>
+                  </a:r>
+                </a:p>
+              </p:txBody>
+            </p:sp>
+          </mc:Fallback>
+        </mc:AlternateContent>
+        <mc:AlternateContent xmlns:mc="http://schemas.openxmlformats.org/markup-compatibility/2006">
+          <mc:Choice xmlns:a14="http://schemas.microsoft.com/office/drawing/2010/main" Requires="a14">
+            <p:sp>
+              <p:nvSpPr>
+                <p:cNvPr id="36" name="文本框 35"/>
+                <p:cNvSpPr txBox="1"/>
+                <p:nvPr/>
+              </p:nvSpPr>
+              <p:spPr>
+                <a:xfrm>
+                  <a:off x="5089133" y="5629973"/>
+                  <a:ext cx="904094" cy="307777"/>
+                </a:xfrm>
+                <a:prstGeom prst="rect">
+                  <a:avLst/>
+                </a:prstGeom>
+                <a:noFill/>
+              </p:spPr>
+              <p:txBody>
+                <a:bodyPr wrap="none" lIns="0" tIns="0" rIns="0" bIns="0" rtlCol="0">
+                  <a:spAutoFit/>
+                </a:bodyPr>
+                <a:lstStyle/>
+                <a:p>
+                  <a14:m>
+                    <m:oMath xmlns:m="http://schemas.openxmlformats.org/officeDocument/2006/math">
+                      <m:r>
+                        <a:rPr lang="zh-CN" altLang="en-US" sz="2000" i="1">
+                          <a:latin typeface="Cambria Math" panose="02040503050406030204" pitchFamily="18" charset="0"/>
+                        </a:rPr>
+                        <m:t>𝜎</m:t>
+                      </m:r>
+                      <m:r>
+                        <a:rPr lang="en-US" altLang="zh-CN" sz="2000" i="1" baseline="30000">
+                          <a:latin typeface="Cambria Math" panose="02040503050406030204" pitchFamily="18" charset="0"/>
+                        </a:rPr>
+                        <m:t>𝑜</m:t>
+                      </m:r>
+                      <m:d>
+                        <m:dPr>
+                          <m:ctrlPr>
+                            <a:rPr lang="en-US" altLang="zh-CN" sz="2000" i="1">
+                              <a:latin typeface="Cambria Math" panose="02040503050406030204" pitchFamily="18" charset="0"/>
+                            </a:rPr>
+                          </m:ctrlPr>
+                        </m:dPr>
+                        <m:e>
+                          <m:r>
+                            <a:rPr lang="en-US" altLang="zh-CN" sz="2000" i="1">
+                              <a:latin typeface="Cambria Math" panose="02040503050406030204" pitchFamily="18" charset="0"/>
+                            </a:rPr>
+                            <m:t>𝐷</m:t>
+                          </m:r>
+                        </m:e>
+                      </m:d>
+                    </m:oMath>
+                  </a14:m>
+                  <a:r>
+                    <a:rPr lang="en-US" altLang="zh-CN" sz="2000" dirty="0"/>
+                    <a:t>=0</a:t>
+                  </a:r>
+                </a:p>
+              </p:txBody>
+            </p:sp>
+          </mc:Choice>
+          <mc:Fallback>
+            <p:sp>
+              <p:nvSpPr>
+                <p:cNvPr id="36" name="文本框 35"/>
+                <p:cNvSpPr txBox="1">
+                  <a:spLocks noRot="1" noChangeAspect="1" noMove="1" noResize="1" noEditPoints="1" noAdjustHandles="1" noChangeArrowheads="1" noChangeShapeType="1" noTextEdit="1"/>
+                </p:cNvSpPr>
+                <p:nvPr/>
+              </p:nvSpPr>
+              <p:spPr>
+                <a:xfrm>
+                  <a:off x="5089133" y="5629973"/>
+                  <a:ext cx="904094" cy="307777"/>
+                </a:xfrm>
+                <a:prstGeom prst="rect">
+                  <a:avLst/>
+                </a:prstGeom>
+                <a:blipFill rotWithShape="0">
+                  <a:blip r:embed="rId10"/>
+                  <a:stretch>
+                    <a:fillRect l="-7432" t="-26000" r="-16216" b="-50000"/>
+                  </a:stretch>
+                </a:blipFill>
+              </p:spPr>
+              <p:txBody>
+                <a:bodyPr/>
+                <a:lstStyle/>
+                <a:p>
+                  <a:r>
+                    <a:rPr lang="zh-CN" altLang="en-US">
+                      <a:noFill/>
+                    </a:rPr>
+                    <a:t> </a:t>
+                  </a:r>
+                </a:p>
+              </p:txBody>
+            </p:sp>
+          </mc:Fallback>
+        </mc:AlternateContent>
+      </p:grpSp>
+      <p:grpSp>
+        <p:nvGrpSpPr>
+          <p:cNvPr id="60" name="组合 59"/>
+          <p:cNvGrpSpPr/>
+          <p:nvPr/>
+        </p:nvGrpSpPr>
+        <p:grpSpPr>
+          <a:xfrm>
+            <a:off x="4591478" y="566442"/>
+            <a:ext cx="4601272" cy="2154698"/>
+            <a:chOff x="4591478" y="566442"/>
+            <a:chExt cx="4601272" cy="2154698"/>
+          </a:xfrm>
+        </p:grpSpPr>
+        <p:grpSp>
+          <p:nvGrpSpPr>
+            <p:cNvPr id="37" name="组合 36"/>
+            <p:cNvGrpSpPr/>
+            <p:nvPr/>
+          </p:nvGrpSpPr>
+          <p:grpSpPr>
+            <a:xfrm>
+              <a:off x="4976784" y="859661"/>
+              <a:ext cx="3734822" cy="1458591"/>
+              <a:chOff x="6570714" y="2068980"/>
+              <a:chExt cx="4979762" cy="1944788"/>
+            </a:xfrm>
+          </p:grpSpPr>
+          <p:sp>
+            <p:nvSpPr>
+              <p:cNvPr id="38" name="椭圆 37"/>
+              <p:cNvSpPr/>
+              <p:nvPr/>
+            </p:nvSpPr>
+            <p:spPr>
+              <a:xfrm>
+                <a:off x="6570714" y="2985078"/>
+                <a:ext cx="407772" cy="407772"/>
+              </a:xfrm>
+              <a:prstGeom prst="ellipse">
+                <a:avLst/>
+              </a:prstGeom>
+            </p:spPr>
+            <p:style>
+              <a:lnRef idx="2">
+                <a:schemeClr val="accent1">
+                  <a:shade val="50000"/>
+                </a:schemeClr>
+              </a:lnRef>
+              <a:fillRef idx="1">
+                <a:schemeClr val="accent1"/>
+              </a:fillRef>
+              <a:effectRef idx="0">
+                <a:schemeClr val="accent1"/>
+              </a:effectRef>
+              <a:fontRef idx="minor">
+                <a:schemeClr val="lt1"/>
+              </a:fontRef>
+            </p:style>
+            <p:txBody>
+              <a:bodyPr rot="0" spcFirstLastPara="0" vertOverflow="overflow" horzOverflow="overflow" vert="horz" wrap="square" lIns="68580" tIns="34290" rIns="68580" bIns="34290" numCol="1" spcCol="0" rtlCol="0" fromWordArt="0" anchor="ctr" anchorCtr="0" forceAA="0" compatLnSpc="1">
+                <a:prstTxWarp prst="textNoShape">
+                  <a:avLst/>
+                </a:prstTxWarp>
+                <a:noAutofit/>
+              </a:bodyPr>
+              <a:lstStyle/>
+              <a:p>
+                <a:pPr algn="ctr"/>
+                <a:r>
+                  <a:rPr lang="en-US" altLang="zh-CN" sz="2000" dirty="0"/>
+                  <a:t>A</a:t>
+                </a:r>
+                <a:endParaRPr lang="zh-CN" altLang="en-US" sz="2000" dirty="0"/>
+              </a:p>
+            </p:txBody>
+          </p:sp>
+          <p:sp>
+            <p:nvSpPr>
+              <p:cNvPr id="39" name="椭圆 38"/>
+              <p:cNvSpPr/>
+              <p:nvPr/>
+            </p:nvSpPr>
+            <p:spPr>
+              <a:xfrm>
+                <a:off x="8754258" y="2131806"/>
+                <a:ext cx="407772" cy="407772"/>
+              </a:xfrm>
+              <a:prstGeom prst="ellipse">
+                <a:avLst/>
+              </a:prstGeom>
+            </p:spPr>
+            <p:style>
+              <a:lnRef idx="2">
+                <a:schemeClr val="accent1">
+                  <a:shade val="50000"/>
+                </a:schemeClr>
+              </a:lnRef>
+              <a:fillRef idx="1">
+                <a:schemeClr val="accent1"/>
+              </a:fillRef>
+              <a:effectRef idx="0">
+                <a:schemeClr val="accent1"/>
+              </a:effectRef>
+              <a:fontRef idx="minor">
+                <a:schemeClr val="lt1"/>
+              </a:fontRef>
+            </p:style>
+            <p:txBody>
+              <a:bodyPr rot="0" spcFirstLastPara="0" vertOverflow="overflow" horzOverflow="overflow" vert="horz" wrap="square" lIns="68580" tIns="34290" rIns="68580" bIns="34290" numCol="1" spcCol="0" rtlCol="0" fromWordArt="0" anchor="ctr" anchorCtr="0" forceAA="0" compatLnSpc="1">
+                <a:prstTxWarp prst="textNoShape">
+                  <a:avLst/>
+                </a:prstTxWarp>
+                <a:noAutofit/>
+              </a:bodyPr>
+              <a:lstStyle/>
+              <a:p>
+                <a:pPr algn="ctr"/>
+                <a:r>
+                  <a:rPr lang="en-US" altLang="zh-CN" sz="2000" dirty="0"/>
+                  <a:t>B</a:t>
+                </a:r>
+                <a:endParaRPr lang="zh-CN" altLang="en-US" sz="2000" dirty="0"/>
+              </a:p>
+            </p:txBody>
+          </p:sp>
+          <p:sp>
+            <p:nvSpPr>
+              <p:cNvPr id="40" name="椭圆 39"/>
+              <p:cNvSpPr/>
+              <p:nvPr/>
+            </p:nvSpPr>
+            <p:spPr>
+              <a:xfrm>
+                <a:off x="11142704" y="2979584"/>
+                <a:ext cx="407772" cy="407772"/>
+              </a:xfrm>
+              <a:prstGeom prst="ellipse">
+                <a:avLst/>
+              </a:prstGeom>
+            </p:spPr>
+            <p:style>
+              <a:lnRef idx="2">
+                <a:schemeClr val="accent1">
+                  <a:shade val="50000"/>
+                </a:schemeClr>
+              </a:lnRef>
+              <a:fillRef idx="1">
+                <a:schemeClr val="accent1"/>
+              </a:fillRef>
+              <a:effectRef idx="0">
+                <a:schemeClr val="accent1"/>
+              </a:effectRef>
+              <a:fontRef idx="minor">
+                <a:schemeClr val="lt1"/>
+              </a:fontRef>
+            </p:style>
+            <p:txBody>
+              <a:bodyPr rot="0" spcFirstLastPara="0" vertOverflow="overflow" horzOverflow="overflow" vert="horz" wrap="square" lIns="68580" tIns="34290" rIns="68580" bIns="34290" numCol="1" spcCol="0" rtlCol="0" fromWordArt="0" anchor="ctr" anchorCtr="0" forceAA="0" compatLnSpc="1">
+                <a:prstTxWarp prst="textNoShape">
+                  <a:avLst/>
+                </a:prstTxWarp>
+                <a:noAutofit/>
+              </a:bodyPr>
+              <a:lstStyle/>
+              <a:p>
+                <a:pPr algn="ctr"/>
+                <a:r>
+                  <a:rPr lang="en-US" altLang="zh-CN" sz="2000" dirty="0"/>
+                  <a:t>C</a:t>
+                </a:r>
+                <a:endParaRPr lang="zh-CN" altLang="en-US" sz="2000" dirty="0"/>
+              </a:p>
+            </p:txBody>
+          </p:sp>
+          <p:sp>
+            <p:nvSpPr>
+              <p:cNvPr id="41" name="椭圆 40"/>
+              <p:cNvSpPr/>
+              <p:nvPr/>
+            </p:nvSpPr>
+            <p:spPr>
+              <a:xfrm>
+                <a:off x="8766615" y="3605996"/>
+                <a:ext cx="407772" cy="407772"/>
+              </a:xfrm>
+              <a:prstGeom prst="ellipse">
+                <a:avLst/>
+              </a:prstGeom>
+            </p:spPr>
+            <p:style>
+              <a:lnRef idx="2">
+                <a:schemeClr val="accent1">
+                  <a:shade val="50000"/>
+                </a:schemeClr>
+              </a:lnRef>
+              <a:fillRef idx="1">
+                <a:schemeClr val="accent1"/>
+              </a:fillRef>
+              <a:effectRef idx="0">
+                <a:schemeClr val="accent1"/>
+              </a:effectRef>
+              <a:fontRef idx="minor">
+                <a:schemeClr val="lt1"/>
+              </a:fontRef>
+            </p:style>
+            <p:txBody>
+              <a:bodyPr rot="0" spcFirstLastPara="0" vertOverflow="overflow" horzOverflow="overflow" vert="horz" wrap="square" lIns="68580" tIns="34290" rIns="68580" bIns="34290" numCol="1" spcCol="0" rtlCol="0" fromWordArt="0" anchor="ctr" anchorCtr="0" forceAA="0" compatLnSpc="1">
+                <a:prstTxWarp prst="textNoShape">
+                  <a:avLst/>
+                </a:prstTxWarp>
+                <a:noAutofit/>
+              </a:bodyPr>
+              <a:lstStyle/>
+              <a:p>
+                <a:pPr algn="ctr"/>
+                <a:r>
+                  <a:rPr lang="en-US" altLang="zh-CN" sz="2000" dirty="0"/>
+                  <a:t>D</a:t>
+                </a:r>
+                <a:endParaRPr lang="zh-CN" altLang="en-US" sz="2000" dirty="0"/>
+              </a:p>
+            </p:txBody>
+          </p:sp>
+          <p:cxnSp>
+            <p:nvCxnSpPr>
+              <p:cNvPr id="42" name="直接箭头连接符 41"/>
+              <p:cNvCxnSpPr>
+                <a:stCxn id="39" idx="2"/>
+                <a:endCxn id="38" idx="7"/>
+              </p:cNvCxnSpPr>
+              <p:nvPr/>
+            </p:nvCxnSpPr>
+            <p:spPr>
+              <a:xfrm flipH="1">
+                <a:off x="6918770" y="2335693"/>
+                <a:ext cx="1835489" cy="709103"/>
+              </a:xfrm>
+              <a:prstGeom prst="straightConnector1">
+                <a:avLst/>
+              </a:prstGeom>
+              <a:ln w="34925">
+                <a:solidFill>
+                  <a:schemeClr val="tx1"/>
+                </a:solidFill>
+                <a:tailEnd type="arrow"/>
+              </a:ln>
+            </p:spPr>
+            <p:style>
+              <a:lnRef idx="1">
+                <a:schemeClr val="accent1"/>
+              </a:lnRef>
+              <a:fillRef idx="0">
+                <a:schemeClr val="accent1"/>
+              </a:fillRef>
+              <a:effectRef idx="0">
+                <a:schemeClr val="accent1"/>
+              </a:effectRef>
+              <a:fontRef idx="minor">
+                <a:schemeClr val="tx1"/>
+              </a:fontRef>
+            </p:style>
+          </p:cxnSp>
+          <p:cxnSp>
+            <p:nvCxnSpPr>
+              <p:cNvPr id="43" name="直接箭头连接符 42"/>
+              <p:cNvCxnSpPr>
+                <a:stCxn id="39" idx="6"/>
+                <a:endCxn id="40" idx="1"/>
+              </p:cNvCxnSpPr>
+              <p:nvPr/>
+            </p:nvCxnSpPr>
+            <p:spPr>
+              <a:xfrm>
+                <a:off x="9162031" y="2335693"/>
+                <a:ext cx="2040391" cy="703609"/>
+              </a:xfrm>
+              <a:prstGeom prst="straightConnector1">
+                <a:avLst/>
+              </a:prstGeom>
+              <a:ln w="34925">
+                <a:solidFill>
+                  <a:schemeClr val="tx1"/>
+                </a:solidFill>
+                <a:tailEnd type="arrow"/>
+              </a:ln>
+            </p:spPr>
+            <p:style>
+              <a:lnRef idx="1">
+                <a:schemeClr val="accent1"/>
+              </a:lnRef>
+              <a:fillRef idx="0">
+                <a:schemeClr val="accent1"/>
+              </a:fillRef>
+              <a:effectRef idx="0">
+                <a:schemeClr val="accent1"/>
+              </a:effectRef>
+              <a:fontRef idx="minor">
+                <a:schemeClr val="tx1"/>
+              </a:fontRef>
+            </p:style>
+          </p:cxnSp>
+          <p:cxnSp>
+            <p:nvCxnSpPr>
+              <p:cNvPr id="44" name="直接箭头连接符 43"/>
+              <p:cNvCxnSpPr>
+                <a:stCxn id="40" idx="3"/>
+                <a:endCxn id="41" idx="6"/>
+              </p:cNvCxnSpPr>
+              <p:nvPr/>
+            </p:nvCxnSpPr>
+            <p:spPr>
+              <a:xfrm flipH="1">
+                <a:off x="9174387" y="3327641"/>
+                <a:ext cx="2028034" cy="482243"/>
+              </a:xfrm>
+              <a:prstGeom prst="straightConnector1">
+                <a:avLst/>
+              </a:prstGeom>
+              <a:ln w="34925">
+                <a:solidFill>
+                  <a:schemeClr val="tx1"/>
+                </a:solidFill>
+                <a:tailEnd type="arrow"/>
+              </a:ln>
+            </p:spPr>
+            <p:style>
+              <a:lnRef idx="1">
+                <a:schemeClr val="accent1"/>
+              </a:lnRef>
+              <a:fillRef idx="0">
+                <a:schemeClr val="accent1"/>
+              </a:fillRef>
+              <a:effectRef idx="0">
+                <a:schemeClr val="accent1"/>
+              </a:effectRef>
+              <a:fontRef idx="minor">
+                <a:schemeClr val="tx1"/>
+              </a:fontRef>
+            </p:style>
+          </p:cxnSp>
+          <p:cxnSp>
+            <p:nvCxnSpPr>
+              <p:cNvPr id="45" name="直接箭头连接符 44"/>
+              <p:cNvCxnSpPr>
+                <a:stCxn id="38" idx="5"/>
+                <a:endCxn id="41" idx="2"/>
+              </p:cNvCxnSpPr>
+              <p:nvPr/>
+            </p:nvCxnSpPr>
+            <p:spPr>
+              <a:xfrm>
+                <a:off x="6918769" y="3333135"/>
+                <a:ext cx="1847846" cy="476749"/>
+              </a:xfrm>
+              <a:prstGeom prst="straightConnector1">
+                <a:avLst/>
+              </a:prstGeom>
+              <a:ln w="34925">
+                <a:solidFill>
+                  <a:schemeClr val="tx1"/>
+                </a:solidFill>
+                <a:tailEnd type="arrow"/>
+              </a:ln>
+            </p:spPr>
+            <p:style>
+              <a:lnRef idx="1">
+                <a:schemeClr val="accent1"/>
+              </a:lnRef>
+              <a:fillRef idx="0">
+                <a:schemeClr val="accent1"/>
+              </a:fillRef>
+              <a:effectRef idx="0">
+                <a:schemeClr val="accent1"/>
+              </a:effectRef>
+              <a:fontRef idx="minor">
+                <a:schemeClr val="tx1"/>
+              </a:fontRef>
+            </p:style>
+          </p:cxnSp>
+          <p:sp>
+            <p:nvSpPr>
+              <p:cNvPr id="46" name="文本框 45"/>
+              <p:cNvSpPr txBox="1"/>
+              <p:nvPr/>
+            </p:nvSpPr>
+            <p:spPr>
+              <a:xfrm>
+                <a:off x="7220587" y="2172292"/>
+                <a:ext cx="1425366" cy="451405"/>
+              </a:xfrm>
+              <a:prstGeom prst="rect">
+                <a:avLst/>
+              </a:prstGeom>
+              <a:noFill/>
+            </p:spPr>
+            <p:txBody>
+              <a:bodyPr wrap="square" rtlCol="0">
+                <a:spAutoFit/>
+              </a:bodyPr>
+              <a:lstStyle/>
+              <a:p>
+                <a:r>
+                  <a:rPr lang="en-US" altLang="zh-CN" sz="1600" dirty="0"/>
+                  <a:t>p</a:t>
+                </a:r>
+                <a:r>
+                  <a:rPr lang="en-US" altLang="zh-CN" sz="1600" baseline="-25000" dirty="0"/>
+                  <a:t>BA </a:t>
+                </a:r>
+                <a:r>
+                  <a:rPr lang="en-US" altLang="zh-CN" sz="1600" dirty="0"/>
+                  <a:t>= 0.1</a:t>
+                </a:r>
+                <a:endParaRPr lang="zh-CN" altLang="en-US" sz="1600" baseline="-25000" dirty="0"/>
+              </a:p>
+            </p:txBody>
+          </p:sp>
+          <p:sp>
+            <p:nvSpPr>
+              <p:cNvPr id="47" name="文本框 46"/>
+              <p:cNvSpPr txBox="1"/>
+              <p:nvPr/>
+            </p:nvSpPr>
+            <p:spPr>
+              <a:xfrm>
+                <a:off x="9435124" y="2068980"/>
+                <a:ext cx="1382690" cy="451405"/>
+              </a:xfrm>
+              <a:prstGeom prst="rect">
+                <a:avLst/>
+              </a:prstGeom>
+              <a:noFill/>
+            </p:spPr>
+            <p:txBody>
+              <a:bodyPr wrap="square" rtlCol="0">
+                <a:spAutoFit/>
+              </a:bodyPr>
+              <a:lstStyle/>
+              <a:p>
+                <a:r>
+                  <a:rPr lang="en-US" altLang="zh-CN" sz="1600" dirty="0"/>
+                  <a:t>p</a:t>
+                </a:r>
+                <a:r>
+                  <a:rPr lang="en-US" altLang="zh-CN" sz="1600" baseline="-25000" dirty="0"/>
+                  <a:t>BC </a:t>
+                </a:r>
+                <a:r>
+                  <a:rPr lang="en-US" altLang="zh-CN" sz="1600" dirty="0"/>
+                  <a:t>= 0.1</a:t>
+                </a:r>
+                <a:endParaRPr lang="zh-CN" altLang="en-US" sz="1600" baseline="-25000" dirty="0"/>
+              </a:p>
+            </p:txBody>
+          </p:sp>
+          <p:sp>
+            <p:nvSpPr>
+              <p:cNvPr id="48" name="文本框 47"/>
+              <p:cNvSpPr txBox="1"/>
+              <p:nvPr/>
+            </p:nvSpPr>
+            <p:spPr>
+              <a:xfrm>
+                <a:off x="7566257" y="3126605"/>
+                <a:ext cx="1478364" cy="451405"/>
+              </a:xfrm>
+              <a:prstGeom prst="rect">
+                <a:avLst/>
+              </a:prstGeom>
+              <a:noFill/>
+            </p:spPr>
+            <p:txBody>
+              <a:bodyPr wrap="square" rtlCol="0">
+                <a:spAutoFit/>
+              </a:bodyPr>
+              <a:lstStyle/>
+              <a:p>
+                <a:r>
+                  <a:rPr lang="en-US" altLang="zh-CN" sz="1600" dirty="0"/>
+                  <a:t>p</a:t>
+                </a:r>
+                <a:r>
+                  <a:rPr lang="en-US" altLang="zh-CN" sz="1600" baseline="-25000" dirty="0"/>
+                  <a:t>AD </a:t>
+                </a:r>
+                <a:r>
+                  <a:rPr lang="en-US" altLang="zh-CN" sz="1600" dirty="0"/>
+                  <a:t>= 0.8</a:t>
+                </a:r>
+                <a:endParaRPr lang="zh-CN" altLang="en-US" sz="1600" baseline="-25000" dirty="0"/>
+              </a:p>
+            </p:txBody>
+          </p:sp>
+          <p:sp>
+            <p:nvSpPr>
+              <p:cNvPr id="49" name="文本框 48"/>
+              <p:cNvSpPr txBox="1"/>
+              <p:nvPr/>
+            </p:nvSpPr>
+            <p:spPr>
+              <a:xfrm>
+                <a:off x="9587182" y="3113277"/>
+                <a:ext cx="1442157" cy="451405"/>
+              </a:xfrm>
+              <a:prstGeom prst="rect">
+                <a:avLst/>
+              </a:prstGeom>
+              <a:noFill/>
+            </p:spPr>
+            <p:txBody>
+              <a:bodyPr wrap="square" rtlCol="0">
+                <a:spAutoFit/>
+              </a:bodyPr>
+              <a:lstStyle/>
+              <a:p>
+                <a:r>
+                  <a:rPr lang="en-US" altLang="zh-CN" sz="1600" dirty="0"/>
+                  <a:t>p</a:t>
+                </a:r>
+                <a:r>
+                  <a:rPr lang="en-US" altLang="zh-CN" sz="1600" baseline="-25000" dirty="0"/>
+                  <a:t>CD </a:t>
+                </a:r>
+                <a:r>
+                  <a:rPr lang="en-US" altLang="zh-CN" sz="1600" dirty="0"/>
+                  <a:t>= 0.9</a:t>
+                </a:r>
+                <a:endParaRPr lang="zh-CN" altLang="en-US" sz="1600" baseline="-25000" dirty="0"/>
+              </a:p>
+            </p:txBody>
+          </p:sp>
+        </p:grpSp>
+        <p:grpSp>
+          <p:nvGrpSpPr>
+            <p:cNvPr id="50" name="组合 49"/>
+            <p:cNvGrpSpPr/>
+            <p:nvPr/>
+          </p:nvGrpSpPr>
+          <p:grpSpPr>
+            <a:xfrm>
+              <a:off x="4591478" y="566442"/>
+              <a:ext cx="4601272" cy="2154698"/>
+              <a:chOff x="6056971" y="1678022"/>
+              <a:chExt cx="6135029" cy="2872928"/>
+            </a:xfrm>
+          </p:grpSpPr>
+          <p:sp>
+            <p:nvSpPr>
+              <p:cNvPr id="51" name="文本框 50"/>
+              <p:cNvSpPr txBox="1"/>
+              <p:nvPr/>
+            </p:nvSpPr>
+            <p:spPr>
+              <a:xfrm>
+                <a:off x="6056971" y="3459770"/>
+                <a:ext cx="1163615" cy="451405"/>
+              </a:xfrm>
+              <a:prstGeom prst="rect">
+                <a:avLst/>
+              </a:prstGeom>
+              <a:noFill/>
+            </p:spPr>
+            <p:txBody>
+              <a:bodyPr wrap="square" rtlCol="0">
+                <a:spAutoFit/>
+              </a:bodyPr>
+              <a:lstStyle/>
+              <a:p>
+                <a:pPr algn="ctr"/>
+                <a:r>
+                  <a:rPr lang="en-US" altLang="zh-CN" sz="1600" dirty="0">
+                    <a:solidFill>
+                      <a:srgbClr val="7030A0"/>
+                    </a:solidFill>
+                  </a:rPr>
+                  <a:t>O</a:t>
+                </a:r>
+                <a:r>
+                  <a:rPr lang="en-US" altLang="zh-CN" sz="1600" baseline="-25000" dirty="0">
+                    <a:solidFill>
+                      <a:srgbClr val="7030A0"/>
+                    </a:solidFill>
+                  </a:rPr>
+                  <a:t>A </a:t>
+                </a:r>
+                <a:r>
+                  <a:rPr lang="en-US" altLang="zh-CN" sz="1600" dirty="0">
+                    <a:solidFill>
+                      <a:srgbClr val="7030A0"/>
+                    </a:solidFill>
+                  </a:rPr>
+                  <a:t>= 0.8</a:t>
+                </a:r>
+                <a:endParaRPr lang="zh-CN" altLang="en-US" sz="1600" baseline="-25000" dirty="0">
+                  <a:solidFill>
+                    <a:srgbClr val="7030A0"/>
+                  </a:solidFill>
+                </a:endParaRPr>
+              </a:p>
+            </p:txBody>
+          </p:sp>
+          <p:sp>
+            <p:nvSpPr>
+              <p:cNvPr id="52" name="文本框 51"/>
+              <p:cNvSpPr txBox="1"/>
+              <p:nvPr/>
+            </p:nvSpPr>
+            <p:spPr>
+              <a:xfrm>
+                <a:off x="8388694" y="1678022"/>
+                <a:ext cx="1163615" cy="451405"/>
+              </a:xfrm>
+              <a:prstGeom prst="rect">
+                <a:avLst/>
+              </a:prstGeom>
+              <a:noFill/>
+            </p:spPr>
+            <p:txBody>
+              <a:bodyPr wrap="square" rtlCol="0">
+                <a:spAutoFit/>
+              </a:bodyPr>
+              <a:lstStyle/>
+              <a:p>
+                <a:pPr algn="ctr"/>
+                <a:r>
+                  <a:rPr lang="en-US" altLang="zh-CN" sz="1600" dirty="0">
+                    <a:solidFill>
+                      <a:srgbClr val="7030A0"/>
+                    </a:solidFill>
+                  </a:rPr>
+                  <a:t>O</a:t>
+                </a:r>
+                <a:r>
+                  <a:rPr lang="en-US" altLang="zh-CN" sz="1600" baseline="-25000" dirty="0">
+                    <a:solidFill>
+                      <a:srgbClr val="7030A0"/>
+                    </a:solidFill>
+                  </a:rPr>
+                  <a:t>B </a:t>
+                </a:r>
+                <a:r>
+                  <a:rPr lang="en-US" altLang="zh-CN" sz="1600" dirty="0">
+                    <a:solidFill>
+                      <a:srgbClr val="7030A0"/>
+                    </a:solidFill>
+                  </a:rPr>
+                  <a:t>= 0</a:t>
+                </a:r>
+                <a:endParaRPr lang="zh-CN" altLang="en-US" sz="1600" baseline="-25000" dirty="0">
+                  <a:solidFill>
+                    <a:srgbClr val="7030A0"/>
+                  </a:solidFill>
+                </a:endParaRPr>
+              </a:p>
+            </p:txBody>
+          </p:sp>
+          <p:sp>
+            <p:nvSpPr>
+              <p:cNvPr id="53" name="文本框 52"/>
+              <p:cNvSpPr txBox="1"/>
+              <p:nvPr/>
+            </p:nvSpPr>
+            <p:spPr>
+              <a:xfrm>
+                <a:off x="11028385" y="3391180"/>
+                <a:ext cx="1163615" cy="451405"/>
+              </a:xfrm>
+              <a:prstGeom prst="rect">
+                <a:avLst/>
+              </a:prstGeom>
+              <a:noFill/>
+            </p:spPr>
+            <p:txBody>
+              <a:bodyPr wrap="square" rtlCol="0">
+                <a:spAutoFit/>
+              </a:bodyPr>
+              <a:lstStyle/>
+              <a:p>
+                <a:pPr algn="ctr"/>
+                <a:r>
+                  <a:rPr lang="en-US" altLang="zh-CN" sz="1600" dirty="0">
+                    <a:solidFill>
+                      <a:srgbClr val="7030A0"/>
+                    </a:solidFill>
+                  </a:rPr>
+                  <a:t>O</a:t>
+                </a:r>
+                <a:r>
+                  <a:rPr lang="en-US" altLang="zh-CN" sz="1600" baseline="-25000" dirty="0">
+                    <a:solidFill>
+                      <a:srgbClr val="7030A0"/>
+                    </a:solidFill>
+                  </a:rPr>
+                  <a:t>C </a:t>
+                </a:r>
+                <a:r>
+                  <a:rPr lang="en-US" altLang="zh-CN" sz="1600" dirty="0">
+                    <a:solidFill>
+                      <a:srgbClr val="7030A0"/>
+                    </a:solidFill>
+                  </a:rPr>
+                  <a:t>= 0.6</a:t>
+                </a:r>
+                <a:endParaRPr lang="zh-CN" altLang="en-US" sz="1600" baseline="-25000" dirty="0">
+                  <a:solidFill>
+                    <a:srgbClr val="7030A0"/>
+                  </a:solidFill>
+                </a:endParaRPr>
+              </a:p>
+            </p:txBody>
+          </p:sp>
+          <p:sp>
+            <p:nvSpPr>
+              <p:cNvPr id="54" name="文本框 53"/>
+              <p:cNvSpPr txBox="1"/>
+              <p:nvPr/>
+            </p:nvSpPr>
+            <p:spPr>
+              <a:xfrm>
+                <a:off x="8388694" y="4099545"/>
+                <a:ext cx="1311852" cy="451405"/>
+              </a:xfrm>
+              <a:prstGeom prst="rect">
+                <a:avLst/>
+              </a:prstGeom>
+              <a:noFill/>
+            </p:spPr>
+            <p:txBody>
+              <a:bodyPr wrap="square" rtlCol="0">
+                <a:spAutoFit/>
+              </a:bodyPr>
+              <a:lstStyle/>
+              <a:p>
+                <a:pPr algn="ctr"/>
+                <a:r>
+                  <a:rPr lang="en-US" altLang="zh-CN" sz="1600" dirty="0">
+                    <a:solidFill>
+                      <a:srgbClr val="7030A0"/>
+                    </a:solidFill>
+                  </a:rPr>
+                  <a:t>O</a:t>
+                </a:r>
+                <a:r>
+                  <a:rPr lang="en-US" altLang="zh-CN" sz="1600" baseline="-25000" dirty="0">
+                    <a:solidFill>
+                      <a:srgbClr val="7030A0"/>
+                    </a:solidFill>
+                  </a:rPr>
+                  <a:t>D </a:t>
+                </a:r>
+                <a:r>
+                  <a:rPr lang="en-US" altLang="zh-CN" sz="1600" dirty="0">
+                    <a:solidFill>
+                      <a:srgbClr val="7030A0"/>
+                    </a:solidFill>
+                  </a:rPr>
+                  <a:t>= -0.3</a:t>
+                </a:r>
+                <a:endParaRPr lang="zh-CN" altLang="en-US" sz="1600" baseline="-25000" dirty="0">
+                  <a:solidFill>
+                    <a:srgbClr val="7030A0"/>
+                  </a:solidFill>
+                </a:endParaRPr>
+              </a:p>
+            </p:txBody>
+          </p:sp>
+          <mc:AlternateContent xmlns:mc="http://schemas.openxmlformats.org/markup-compatibility/2006">
+            <mc:Choice xmlns:a14="http://schemas.microsoft.com/office/drawing/2010/main" Requires="a14">
+              <p:sp>
+                <p:nvSpPr>
+                  <p:cNvPr id="55" name="文本框 54"/>
+                  <p:cNvSpPr txBox="1"/>
+                  <p:nvPr/>
+                </p:nvSpPr>
+                <p:spPr>
+                  <a:xfrm>
+                    <a:off x="7380459" y="3705990"/>
+                    <a:ext cx="972489" cy="328294"/>
+                  </a:xfrm>
+                  <a:prstGeom prst="rect">
+                    <a:avLst/>
+                  </a:prstGeom>
+                  <a:noFill/>
+                </p:spPr>
+                <p:txBody>
+                  <a:bodyPr wrap="none" lIns="0" tIns="0" rIns="0" bIns="0" rtlCol="0">
+                    <a:spAutoFit/>
+                  </a:bodyPr>
+                  <a:lstStyle/>
+                  <a:p>
+                    <a14:m>
+                      <m:oMath xmlns:m="http://schemas.openxmlformats.org/officeDocument/2006/math">
+                        <m:r>
+                          <m:rPr>
+                            <m:sty m:val="p"/>
+                          </m:rPr>
+                          <a:rPr lang="el-GR" altLang="zh-CN" sz="1600" i="1">
+                            <a:solidFill>
+                              <a:srgbClr val="7030A0"/>
+                            </a:solidFill>
+                            <a:latin typeface="Cambria Math" panose="02040503050406030204" pitchFamily="18" charset="0"/>
+                          </a:rPr>
+                          <m:t>φ</m:t>
+                        </m:r>
+                        <m:r>
+                          <m:rPr>
+                            <m:sty m:val="p"/>
+                          </m:rPr>
+                          <a:rPr lang="en-US" altLang="zh-CN" sz="1600" i="1" baseline="-25000">
+                            <a:solidFill>
+                              <a:srgbClr val="7030A0"/>
+                            </a:solidFill>
+                            <a:latin typeface="Cambria Math" panose="02040503050406030204" pitchFamily="18" charset="0"/>
+                          </a:rPr>
+                          <m:t>AD</m:t>
+                        </m:r>
+                      </m:oMath>
+                    </a14:m>
+                    <a:r>
+                      <a:rPr lang="en-US" altLang="zh-CN" sz="1600" dirty="0">
+                        <a:solidFill>
+                          <a:srgbClr val="7030A0"/>
+                        </a:solidFill>
+                      </a:rPr>
+                      <a:t>= 0.9</a:t>
+                    </a:r>
+                    <a:endParaRPr lang="zh-CN" altLang="en-US" sz="1600" baseline="-25000" dirty="0">
+                      <a:solidFill>
+                        <a:srgbClr val="7030A0"/>
+                      </a:solidFill>
+                    </a:endParaRPr>
+                  </a:p>
+                </p:txBody>
+              </p:sp>
+            </mc:Choice>
+            <mc:Fallback>
+              <p:sp>
+                <p:nvSpPr>
+                  <p:cNvPr id="55" name="文本框 54"/>
+                  <p:cNvSpPr txBox="1">
+                    <a:spLocks noRot="1" noChangeAspect="1" noMove="1" noResize="1" noEditPoints="1" noAdjustHandles="1" noChangeArrowheads="1" noChangeShapeType="1" noTextEdit="1"/>
+                  </p:cNvSpPr>
+                  <p:nvPr/>
+                </p:nvSpPr>
+                <p:spPr>
+                  <a:xfrm>
+                    <a:off x="7380459" y="3705990"/>
+                    <a:ext cx="972489" cy="328294"/>
+                  </a:xfrm>
+                  <a:prstGeom prst="rect">
+                    <a:avLst/>
+                  </a:prstGeom>
+                  <a:blipFill rotWithShape="0">
+                    <a:blip r:embed="rId11"/>
+                    <a:stretch>
+                      <a:fillRect l="-10000" t="-24390" r="-15833" b="-48780"/>
+                    </a:stretch>
+                  </a:blipFill>
+                </p:spPr>
+                <p:txBody>
+                  <a:bodyPr/>
+                  <a:lstStyle/>
+                  <a:p>
+                    <a:r>
+                      <a:rPr lang="zh-CN" altLang="en-US">
+                        <a:noFill/>
+                      </a:rPr>
+                      <a:t> </a:t>
+                    </a:r>
+                  </a:p>
+                </p:txBody>
+              </p:sp>
+            </mc:Fallback>
+          </mc:AlternateContent>
+          <mc:AlternateContent xmlns:mc="http://schemas.openxmlformats.org/markup-compatibility/2006">
+            <mc:Choice xmlns:a14="http://schemas.microsoft.com/office/drawing/2010/main" Requires="a14">
+              <p:sp>
+                <p:nvSpPr>
+                  <p:cNvPr id="56" name="文本框 55"/>
+                  <p:cNvSpPr txBox="1"/>
+                  <p:nvPr/>
+                </p:nvSpPr>
+                <p:spPr>
+                  <a:xfrm>
+                    <a:off x="9984345" y="3671383"/>
+                    <a:ext cx="1023785" cy="328294"/>
+                  </a:xfrm>
+                  <a:prstGeom prst="rect">
+                    <a:avLst/>
+                  </a:prstGeom>
+                  <a:noFill/>
+                </p:spPr>
+                <p:txBody>
+                  <a:bodyPr wrap="none" lIns="0" tIns="0" rIns="0" bIns="0" rtlCol="0">
+                    <a:spAutoFit/>
+                  </a:bodyPr>
+                  <a:lstStyle/>
+                  <a:p>
+                    <a14:m>
+                      <m:oMath xmlns:m="http://schemas.openxmlformats.org/officeDocument/2006/math">
+                        <m:r>
+                          <m:rPr>
+                            <m:sty m:val="p"/>
+                          </m:rPr>
+                          <a:rPr lang="el-GR" altLang="zh-CN" sz="1600" i="1">
+                            <a:solidFill>
+                              <a:srgbClr val="7030A0"/>
+                            </a:solidFill>
+                            <a:latin typeface="Cambria Math" panose="02040503050406030204" pitchFamily="18" charset="0"/>
+                          </a:rPr>
+                          <m:t>φ</m:t>
+                        </m:r>
+                        <m:r>
+                          <m:rPr>
+                            <m:sty m:val="p"/>
+                          </m:rPr>
+                          <a:rPr lang="en-US" altLang="zh-CN" sz="1600" i="1" baseline="-25000">
+                            <a:solidFill>
+                              <a:srgbClr val="7030A0"/>
+                            </a:solidFill>
+                            <a:latin typeface="Cambria Math" panose="02040503050406030204" pitchFamily="18" charset="0"/>
+                          </a:rPr>
+                          <m:t>CD</m:t>
+                        </m:r>
+                      </m:oMath>
+                    </a14:m>
+                    <a:r>
+                      <a:rPr lang="en-US" altLang="zh-CN" sz="1600" dirty="0">
+                        <a:solidFill>
+                          <a:srgbClr val="7030A0"/>
+                        </a:solidFill>
+                      </a:rPr>
+                      <a:t> = 0.1</a:t>
+                    </a:r>
+                    <a:endParaRPr lang="zh-CN" altLang="en-US" sz="1600" baseline="-25000" dirty="0">
+                      <a:solidFill>
+                        <a:srgbClr val="7030A0"/>
+                      </a:solidFill>
+                    </a:endParaRPr>
+                  </a:p>
+                </p:txBody>
+              </p:sp>
+            </mc:Choice>
+            <mc:Fallback>
+              <p:sp>
+                <p:nvSpPr>
+                  <p:cNvPr id="56" name="文本框 55"/>
+                  <p:cNvSpPr txBox="1">
+                    <a:spLocks noRot="1" noChangeAspect="1" noMove="1" noResize="1" noEditPoints="1" noAdjustHandles="1" noChangeArrowheads="1" noChangeShapeType="1" noTextEdit="1"/>
+                  </p:cNvSpPr>
+                  <p:nvPr/>
+                </p:nvSpPr>
+                <p:spPr>
+                  <a:xfrm>
+                    <a:off x="9984345" y="3671383"/>
+                    <a:ext cx="1023785" cy="328294"/>
+                  </a:xfrm>
+                  <a:prstGeom prst="rect">
+                    <a:avLst/>
+                  </a:prstGeom>
+                  <a:blipFill rotWithShape="0">
+                    <a:blip r:embed="rId12"/>
+                    <a:stretch>
+                      <a:fillRect l="-9524" t="-24390" r="-15873" b="-48780"/>
+                    </a:stretch>
+                  </a:blipFill>
+                </p:spPr>
+                <p:txBody>
+                  <a:bodyPr/>
+                  <a:lstStyle/>
+                  <a:p>
+                    <a:r>
+                      <a:rPr lang="zh-CN" altLang="en-US">
+                        <a:noFill/>
+                      </a:rPr>
+                      <a:t> </a:t>
+                    </a:r>
+                  </a:p>
+                </p:txBody>
+              </p:sp>
+            </mc:Fallback>
+          </mc:AlternateContent>
+          <mc:AlternateContent xmlns:mc="http://schemas.openxmlformats.org/markup-compatibility/2006">
+            <mc:Choice xmlns:a14="http://schemas.microsoft.com/office/drawing/2010/main" Requires="a14">
+              <p:sp>
+                <p:nvSpPr>
+                  <p:cNvPr id="57" name="文本框 56"/>
+                  <p:cNvSpPr txBox="1"/>
+                  <p:nvPr/>
+                </p:nvSpPr>
+                <p:spPr>
+                  <a:xfrm>
+                    <a:off x="7700010" y="2701888"/>
+                    <a:ext cx="1025921" cy="328294"/>
+                  </a:xfrm>
+                  <a:prstGeom prst="rect">
+                    <a:avLst/>
+                  </a:prstGeom>
+                  <a:noFill/>
+                </p:spPr>
+                <p:txBody>
+                  <a:bodyPr wrap="none" lIns="0" tIns="0" rIns="0" bIns="0" rtlCol="0">
+                    <a:spAutoFit/>
+                  </a:bodyPr>
+                  <a:lstStyle/>
+                  <a:p>
+                    <a14:m>
+                      <m:oMath xmlns:m="http://schemas.openxmlformats.org/officeDocument/2006/math">
+                        <m:r>
+                          <m:rPr>
+                            <m:sty m:val="p"/>
+                          </m:rPr>
+                          <a:rPr lang="el-GR" altLang="zh-CN" sz="1600" i="1">
+                            <a:solidFill>
+                              <a:srgbClr val="7030A0"/>
+                            </a:solidFill>
+                            <a:latin typeface="Cambria Math" panose="02040503050406030204" pitchFamily="18" charset="0"/>
+                          </a:rPr>
+                          <m:t>φ</m:t>
+                        </m:r>
+                        <m:r>
+                          <m:rPr>
+                            <m:sty m:val="p"/>
+                          </m:rPr>
+                          <a:rPr lang="en-US" altLang="zh-CN" sz="1600" i="1" baseline="-25000">
+                            <a:solidFill>
+                              <a:srgbClr val="7030A0"/>
+                            </a:solidFill>
+                            <a:latin typeface="Cambria Math" panose="02040503050406030204" pitchFamily="18" charset="0"/>
+                          </a:rPr>
+                          <m:t>BA</m:t>
+                        </m:r>
+                      </m:oMath>
+                    </a14:m>
+                    <a:r>
+                      <a:rPr lang="en-US" altLang="zh-CN" sz="1600" dirty="0">
+                        <a:solidFill>
+                          <a:srgbClr val="7030A0"/>
+                        </a:solidFill>
+                      </a:rPr>
+                      <a:t> = 0.7</a:t>
+                    </a:r>
+                    <a:endParaRPr lang="zh-CN" altLang="en-US" sz="1600" baseline="-25000" dirty="0">
+                      <a:solidFill>
+                        <a:srgbClr val="7030A0"/>
+                      </a:solidFill>
+                    </a:endParaRPr>
+                  </a:p>
+                </p:txBody>
+              </p:sp>
+            </mc:Choice>
+            <mc:Fallback>
+              <p:sp>
+                <p:nvSpPr>
+                  <p:cNvPr id="57" name="文本框 56"/>
+                  <p:cNvSpPr txBox="1">
+                    <a:spLocks noRot="1" noChangeAspect="1" noMove="1" noResize="1" noEditPoints="1" noAdjustHandles="1" noChangeArrowheads="1" noChangeShapeType="1" noTextEdit="1"/>
+                  </p:cNvSpPr>
+                  <p:nvPr/>
+                </p:nvSpPr>
+                <p:spPr>
+                  <a:xfrm>
+                    <a:off x="7700010" y="2701888"/>
+                    <a:ext cx="1025921" cy="328294"/>
+                  </a:xfrm>
+                  <a:prstGeom prst="rect">
+                    <a:avLst/>
+                  </a:prstGeom>
+                  <a:blipFill rotWithShape="0">
+                    <a:blip r:embed="rId13"/>
+                    <a:stretch>
+                      <a:fillRect l="-9449" t="-27500" r="-14961" b="-50000"/>
+                    </a:stretch>
+                  </a:blipFill>
+                </p:spPr>
+                <p:txBody>
+                  <a:bodyPr/>
+                  <a:lstStyle/>
+                  <a:p>
+                    <a:r>
+                      <a:rPr lang="zh-CN" altLang="en-US">
+                        <a:noFill/>
+                      </a:rPr>
+                      <a:t> </a:t>
+                    </a:r>
+                  </a:p>
+                </p:txBody>
+              </p:sp>
+            </mc:Fallback>
+          </mc:AlternateContent>
+          <mc:AlternateContent xmlns:mc="http://schemas.openxmlformats.org/markup-compatibility/2006">
+            <mc:Choice xmlns:a14="http://schemas.microsoft.com/office/drawing/2010/main" Requires="a14">
+              <p:sp>
+                <p:nvSpPr>
+                  <p:cNvPr id="58" name="文本框 57"/>
+                  <p:cNvSpPr txBox="1"/>
+                  <p:nvPr/>
+                </p:nvSpPr>
+                <p:spPr>
+                  <a:xfrm>
+                    <a:off x="9308076" y="2699204"/>
+                    <a:ext cx="1033703" cy="328294"/>
+                  </a:xfrm>
+                  <a:prstGeom prst="rect">
+                    <a:avLst/>
+                  </a:prstGeom>
+                  <a:noFill/>
+                </p:spPr>
+                <p:txBody>
+                  <a:bodyPr wrap="none" lIns="0" tIns="0" rIns="0" bIns="0" rtlCol="0">
+                    <a:spAutoFit/>
+                  </a:bodyPr>
+                  <a:lstStyle/>
+                  <a:p>
+                    <a14:m>
+                      <m:oMath xmlns:m="http://schemas.openxmlformats.org/officeDocument/2006/math">
+                        <m:r>
+                          <m:rPr>
+                            <m:sty m:val="p"/>
+                          </m:rPr>
+                          <a:rPr lang="el-GR" altLang="zh-CN" sz="1600" i="1">
+                            <a:solidFill>
+                              <a:srgbClr val="7030A0"/>
+                            </a:solidFill>
+                            <a:latin typeface="Cambria Math" panose="02040503050406030204" pitchFamily="18" charset="0"/>
+                          </a:rPr>
+                          <m:t>φ</m:t>
+                        </m:r>
+                        <m:r>
+                          <m:rPr>
+                            <m:sty m:val="p"/>
+                          </m:rPr>
+                          <a:rPr lang="en-US" altLang="zh-CN" sz="1600" i="1" baseline="-25000">
+                            <a:solidFill>
+                              <a:srgbClr val="7030A0"/>
+                            </a:solidFill>
+                            <a:latin typeface="Cambria Math" panose="02040503050406030204" pitchFamily="18" charset="0"/>
+                          </a:rPr>
+                          <m:t>B</m:t>
+                        </m:r>
+                        <m:r>
+                          <a:rPr lang="en-US" altLang="zh-CN" sz="1600" i="1" baseline="-25000">
+                            <a:solidFill>
+                              <a:srgbClr val="7030A0"/>
+                            </a:solidFill>
+                            <a:latin typeface="Cambria Math" panose="02040503050406030204" pitchFamily="18" charset="0"/>
+                          </a:rPr>
+                          <m:t>𝐶</m:t>
+                        </m:r>
+                      </m:oMath>
+                    </a14:m>
+                    <a:r>
+                      <a:rPr lang="en-US" altLang="zh-CN" sz="1600" dirty="0">
+                        <a:solidFill>
+                          <a:srgbClr val="7030A0"/>
+                        </a:solidFill>
+                      </a:rPr>
+                      <a:t> = 0.8</a:t>
+                    </a:r>
+                    <a:endParaRPr lang="zh-CN" altLang="en-US" sz="1600" baseline="-25000" dirty="0">
+                      <a:solidFill>
+                        <a:srgbClr val="7030A0"/>
+                      </a:solidFill>
+                    </a:endParaRPr>
+                  </a:p>
+                </p:txBody>
+              </p:sp>
+            </mc:Choice>
+            <mc:Fallback>
+              <p:sp>
+                <p:nvSpPr>
+                  <p:cNvPr id="58" name="文本框 57"/>
+                  <p:cNvSpPr txBox="1">
+                    <a:spLocks noRot="1" noChangeAspect="1" noMove="1" noResize="1" noEditPoints="1" noAdjustHandles="1" noChangeArrowheads="1" noChangeShapeType="1" noTextEdit="1"/>
+                  </p:cNvSpPr>
+                  <p:nvPr/>
+                </p:nvSpPr>
+                <p:spPr>
+                  <a:xfrm>
+                    <a:off x="9308076" y="2699204"/>
+                    <a:ext cx="1033703" cy="328294"/>
+                  </a:xfrm>
+                  <a:prstGeom prst="rect">
+                    <a:avLst/>
+                  </a:prstGeom>
+                  <a:blipFill rotWithShape="0">
+                    <a:blip r:embed="rId14"/>
+                    <a:stretch>
+                      <a:fillRect l="-9449" t="-27500" r="-15748" b="-50000"/>
+                    </a:stretch>
+                  </a:blipFill>
+                </p:spPr>
+                <p:txBody>
+                  <a:bodyPr/>
+                  <a:lstStyle/>
+                  <a:p>
+                    <a:r>
+                      <a:rPr lang="zh-CN" altLang="en-US">
+                        <a:noFill/>
+                      </a:rPr>
+                      <a:t> </a:t>
+                    </a:r>
+                  </a:p>
+                </p:txBody>
+              </p:sp>
+            </mc:Fallback>
+          </mc:AlternateContent>
+        </p:grpSp>
+      </p:grpSp>
+      <p:sp>
+        <p:nvSpPr>
+          <p:cNvPr id="59" name="矩形 58"/>
+          <p:cNvSpPr/>
+          <p:nvPr/>
+        </p:nvSpPr>
+        <p:spPr>
+          <a:xfrm>
+            <a:off x="379372" y="4202500"/>
+            <a:ext cx="1802096" cy="400110"/>
+          </a:xfrm>
+          <a:prstGeom prst="rect">
+            <a:avLst/>
+          </a:prstGeom>
+        </p:spPr>
+        <p:txBody>
+          <a:bodyPr wrap="none">
+            <a:spAutoFit/>
+          </a:bodyPr>
+          <a:lstStyle/>
+          <a:p>
+            <a:r>
+              <a:rPr lang="zh-CN" altLang="en-US" sz="2000" dirty="0">
+                <a:latin typeface="微软雅黑" panose="020B0503020204020204" pitchFamily="34" charset="-122"/>
+                <a:ea typeface="微软雅黑" panose="020B0503020204020204" pitchFamily="34" charset="-122"/>
+              </a:rPr>
+              <a:t>the </a:t>
+            </a:r>
+            <a:r>
+              <a:rPr lang="en-US" altLang="zh-CN" sz="2000" dirty="0" smtClean="0">
+                <a:latin typeface="微软雅黑" panose="020B0503020204020204" pitchFamily="34" charset="-122"/>
+                <a:ea typeface="微软雅黑" panose="020B0503020204020204" pitchFamily="34" charset="-122"/>
+              </a:rPr>
+              <a:t>O</a:t>
+            </a:r>
+            <a:r>
+              <a:rPr lang="zh-CN" altLang="en-US" sz="2000" dirty="0" smtClean="0">
+                <a:latin typeface="微软雅黑" panose="020B0503020204020204" pitchFamily="34" charset="-122"/>
+                <a:ea typeface="微软雅黑" panose="020B0503020204020204" pitchFamily="34" charset="-122"/>
+              </a:rPr>
+              <a:t>I </a:t>
+            </a:r>
+            <a:r>
+              <a:rPr lang="zh-CN" altLang="en-US" sz="2000" dirty="0">
+                <a:latin typeface="微软雅黑" panose="020B0503020204020204" pitchFamily="34" charset="-122"/>
+                <a:ea typeface="微软雅黑" panose="020B0503020204020204" pitchFamily="34" charset="-122"/>
+              </a:rPr>
+              <a:t>model</a:t>
+            </a:r>
+          </a:p>
+        </p:txBody>
+      </p:sp>
+    </p:spTree>
+    <p:extLst>
+      <p:ext uri="{BB962C8B-B14F-4D97-AF65-F5344CB8AC3E}">
+        <p14:creationId xmlns:p14="http://schemas.microsoft.com/office/powerpoint/2010/main" val="555259085"/>
+      </p:ext>
+    </p:extLst>
+  </p:cSld>
+  <p:clrMapOvr>
+    <a:masterClrMapping/>
+  </p:clrMapOvr>
+  <mc:AlternateContent xmlns:mc="http://schemas.openxmlformats.org/markup-compatibility/2006">
+    <mc:Choice xmlns:p14="http://schemas.microsoft.com/office/powerpoint/2010/main" Requires="p14">
+      <p:transition spd="med" p14:dur="700">
+        <p:fade/>
+      </p:transition>
+    </mc:Choice>
+    <mc:Fallback>
+      <p:transition spd="med">
+        <p:fade/>
+      </p:transition>
+    </mc:Fallback>
+  </mc:AlternateContent>
+  <p:timing>
+    <p:tnLst>
+      <p:par>
+        <p:cTn id="1" dur="indefinite" restart="never" nodeType="tmRoot">
+          <p:childTnLst>
+            <p:seq concurrent="1" nextAc="seek">
+              <p:cTn id="2" dur="indefinite" nodeType="mainSeq">
+                <p:childTnLst>
+                  <p:par>
+                    <p:cTn id="3" fill="hold">
+                      <p:stCondLst>
+                        <p:cond delay="indefinite"/>
+                      </p:stCondLst>
+                      <p:childTnLst>
+                        <p:par>
+                          <p:cTn id="4" fill="hold">
+                            <p:stCondLst>
+                              <p:cond delay="0"/>
+                            </p:stCondLst>
+                            <p:childTnLst>
+                              <p:par>
+                                <p:cTn id="5" presetID="10" presetClass="entr" presetSubtype="0" fill="hold" nodeType="clickEffect">
+                                  <p:stCondLst>
+                                    <p:cond delay="0"/>
+                                  </p:stCondLst>
+                                  <p:childTnLst>
+                                    <p:set>
+                                      <p:cBhvr>
+                                        <p:cTn id="6" dur="1" fill="hold">
+                                          <p:stCondLst>
+                                            <p:cond delay="0"/>
+                                          </p:stCondLst>
+                                        </p:cTn>
+                                        <p:tgtEl>
+                                          <p:spTgt spid="2"/>
+                                        </p:tgtEl>
+                                        <p:attrNameLst>
+                                          <p:attrName>style.visibility</p:attrName>
+                                        </p:attrNameLst>
+                                      </p:cBhvr>
+                                      <p:to>
+                                        <p:strVal val="visible"/>
+                                      </p:to>
+                                    </p:set>
+                                    <p:animEffect transition="in" filter="fade">
+                                      <p:cBhvr>
+                                        <p:cTn id="7" dur="500"/>
+                                        <p:tgtEl>
+                                          <p:spTgt spid="2"/>
+                                        </p:tgtEl>
+                                      </p:cBhvr>
+                                    </p:animEffect>
+                                  </p:childTnLst>
+                                </p:cTn>
+                              </p:par>
+                            </p:childTnLst>
+                          </p:cTn>
+                        </p:par>
+                      </p:childTnLst>
+                    </p:cTn>
+                  </p:par>
+                  <p:par>
+                    <p:cTn id="8" fill="hold">
+                      <p:stCondLst>
+                        <p:cond delay="indefinite"/>
+                      </p:stCondLst>
+                      <p:childTnLst>
+                        <p:par>
+                          <p:cTn id="9" fill="hold">
+                            <p:stCondLst>
+                              <p:cond delay="0"/>
+                            </p:stCondLst>
+                            <p:childTnLst>
+                              <p:par>
+                                <p:cTn id="10" presetID="10" presetClass="entr" presetSubtype="0" fill="hold" nodeType="clickEffect">
+                                  <p:stCondLst>
+                                    <p:cond delay="0"/>
+                                  </p:stCondLst>
+                                  <p:childTnLst>
+                                    <p:set>
+                                      <p:cBhvr>
+                                        <p:cTn id="11" dur="1" fill="hold">
+                                          <p:stCondLst>
+                                            <p:cond delay="0"/>
+                                          </p:stCondLst>
+                                        </p:cTn>
+                                        <p:tgtEl>
+                                          <p:spTgt spid="5"/>
+                                        </p:tgtEl>
+                                        <p:attrNameLst>
+                                          <p:attrName>style.visibility</p:attrName>
+                                        </p:attrNameLst>
+                                      </p:cBhvr>
+                                      <p:to>
+                                        <p:strVal val="visible"/>
+                                      </p:to>
+                                    </p:set>
+                                    <p:animEffect transition="in" filter="fade">
+                                      <p:cBhvr>
+                                        <p:cTn id="12" dur="500"/>
+                                        <p:tgtEl>
+                                          <p:spTgt spid="5"/>
+                                        </p:tgtEl>
+                                      </p:cBhvr>
+                                    </p:animEffect>
+                                  </p:childTnLst>
+                                </p:cTn>
+                              </p:par>
+                            </p:childTnLst>
+                          </p:cTn>
+                        </p:par>
+                      </p:childTnLst>
+                    </p:cTn>
+                  </p:par>
+                </p:childTnLst>
+              </p:cTn>
+              <p:prevCondLst>
+                <p:cond evt="onPrev" delay="0">
+                  <p:tgtEl>
+                    <p:sldTgt/>
+                  </p:tgtEl>
+                </p:cond>
+              </p:prevCondLst>
+              <p:nextCondLst>
+                <p:cond evt="onNext" delay="0">
+                  <p:tgtEl>
+                    <p:sldTgt/>
+                  </p:tgtEl>
+                </p:cond>
+              </p:nextCondLst>
+            </p:seq>
+          </p:childTnLst>
+        </p:cTn>
       </p:par>
     </p:tnLst>
   </p:timing>
@@ -12766,7 +15575,7 @@
         </p:nvSpPr>
         <p:spPr>
           <a:xfrm>
-            <a:off x="3613150" y="3661612"/>
+            <a:off x="3613150" y="3695479"/>
             <a:ext cx="2514582" cy="610480"/>
           </a:xfrm>
           <a:prstGeom prst="roundRect">
@@ -14269,9 +17078,9 @@
         <p:grpSpPr>
           <a:xfrm>
             <a:off x="971259" y="1255245"/>
-            <a:ext cx="1694695" cy="1362130"/>
+            <a:ext cx="1694695" cy="880398"/>
             <a:chOff x="542963" y="1533101"/>
-            <a:chExt cx="1694695" cy="1362130"/>
+            <a:chExt cx="1694695" cy="880398"/>
           </a:xfrm>
         </p:grpSpPr>
         <p:sp>
@@ -14343,41 +17152,6 @@
                   <a:ea typeface="微软雅黑" panose="020B0503020204020204" pitchFamily="34" charset="-122"/>
                 </a:rPr>
                 <a:t>Active Node</a:t>
-              </a:r>
-              <a:endParaRPr lang="zh-CN" altLang="en-US" sz="2000" dirty="0">
-                <a:latin typeface="微软雅黑" panose="020B0503020204020204" pitchFamily="34" charset="-122"/>
-                <a:ea typeface="微软雅黑" panose="020B0503020204020204" pitchFamily="34" charset="-122"/>
-              </a:endParaRPr>
-            </a:p>
-          </p:txBody>
-        </p:sp>
-        <p:sp>
-          <p:nvSpPr>
-            <p:cNvPr id="41" name="矩形 40"/>
-            <p:cNvSpPr/>
-            <p:nvPr/>
-          </p:nvSpPr>
-          <p:spPr>
-            <a:xfrm>
-              <a:off x="542963" y="2495121"/>
-              <a:ext cx="1040221" cy="400110"/>
-            </a:xfrm>
-            <a:prstGeom prst="rect">
-              <a:avLst/>
-            </a:prstGeom>
-          </p:spPr>
-          <p:txBody>
-            <a:bodyPr wrap="none">
-              <a:spAutoFit/>
-            </a:bodyPr>
-            <a:lstStyle/>
-            <a:p>
-              <a:r>
-                <a:rPr lang="en-US" altLang="zh-CN" sz="2000" dirty="0" smtClean="0">
-                  <a:latin typeface="微软雅黑" panose="020B0503020204020204" pitchFamily="34" charset="-122"/>
-                  <a:ea typeface="微软雅黑" panose="020B0503020204020204" pitchFamily="34" charset="-122"/>
-                </a:rPr>
-                <a:t>Spread</a:t>
               </a:r>
               <a:endParaRPr lang="zh-CN" altLang="en-US" sz="2000" dirty="0">
                 <a:latin typeface="微软雅黑" panose="020B0503020204020204" pitchFamily="34" charset="-122"/>
@@ -16688,7 +19462,7 @@
         </p:nvSpPr>
         <p:spPr>
           <a:xfrm>
-            <a:off x="479463" y="3423968"/>
+            <a:off x="479463" y="4115949"/>
             <a:ext cx="8135042" cy="707886"/>
           </a:xfrm>
           <a:prstGeom prst="rect">
@@ -16727,7 +19501,7 @@
         </p:nvSpPr>
         <p:spPr>
           <a:xfrm>
-            <a:off x="479463" y="4351838"/>
+            <a:off x="479463" y="5043819"/>
             <a:ext cx="7158317" cy="1015663"/>
           </a:xfrm>
           <a:prstGeom prst="rect">
@@ -17205,6 +19979,286 @@
           </a:p>
         </p:txBody>
       </p:sp>
+      <p:sp>
+        <p:nvSpPr>
+          <p:cNvPr id="20" name="矩形 19"/>
+          <p:cNvSpPr/>
+          <p:nvPr/>
+        </p:nvSpPr>
+        <p:spPr>
+          <a:xfrm>
+            <a:off x="479463" y="3415562"/>
+            <a:ext cx="5760680" cy="400110"/>
+          </a:xfrm>
+          <a:prstGeom prst="rect">
+            <a:avLst/>
+          </a:prstGeom>
+        </p:spPr>
+        <p:txBody>
+          <a:bodyPr wrap="none">
+            <a:spAutoFit/>
+          </a:bodyPr>
+          <a:lstStyle/>
+          <a:p>
+            <a:r>
+              <a:rPr lang="en-US" altLang="zh-CN" sz="2000" dirty="0" smtClean="0">
+                <a:latin typeface="微软雅黑" panose="020B0503020204020204" pitchFamily="34" charset="-122"/>
+                <a:ea typeface="微软雅黑" panose="020B0503020204020204" pitchFamily="34" charset="-122"/>
+              </a:rPr>
+              <a:t>Limitation of the notion of </a:t>
+            </a:r>
+            <a:r>
+              <a:rPr lang="en-US" altLang="zh-CN" sz="2000" dirty="0" smtClean="0">
+                <a:solidFill>
+                  <a:srgbClr val="FF0000"/>
+                </a:solidFill>
+                <a:latin typeface="微软雅黑" panose="020B0503020204020204" pitchFamily="34" charset="-122"/>
+                <a:ea typeface="微软雅黑" panose="020B0503020204020204" pitchFamily="34" charset="-122"/>
+              </a:rPr>
+              <a:t>Spread </a:t>
+            </a:r>
+            <a:r>
+              <a:rPr lang="en-US" altLang="zh-CN" sz="2000" dirty="0" smtClean="0">
+                <a:latin typeface="微软雅黑" panose="020B0503020204020204" pitchFamily="34" charset="-122"/>
+                <a:ea typeface="微软雅黑" panose="020B0503020204020204" pitchFamily="34" charset="-122"/>
+              </a:rPr>
+              <a:t>and</a:t>
+            </a:r>
+            <a:r>
+              <a:rPr lang="en-US" altLang="zh-CN" sz="2000" dirty="0" smtClean="0">
+                <a:solidFill>
+                  <a:srgbClr val="FF0000"/>
+                </a:solidFill>
+                <a:latin typeface="微软雅黑" panose="020B0503020204020204" pitchFamily="34" charset="-122"/>
+                <a:ea typeface="微软雅黑" panose="020B0503020204020204" pitchFamily="34" charset="-122"/>
+              </a:rPr>
+              <a:t> Model</a:t>
+            </a:r>
+            <a:endParaRPr lang="zh-CN" altLang="en-US" sz="2000" dirty="0">
+              <a:solidFill>
+                <a:srgbClr val="FF0000"/>
+              </a:solidFill>
+              <a:latin typeface="微软雅黑" panose="020B0503020204020204" pitchFamily="34" charset="-122"/>
+              <a:ea typeface="微软雅黑" panose="020B0503020204020204" pitchFamily="34" charset="-122"/>
+            </a:endParaRPr>
+          </a:p>
+        </p:txBody>
+      </p:sp>
+      <p:sp>
+        <p:nvSpPr>
+          <p:cNvPr id="21" name="矩形 20"/>
+          <p:cNvSpPr/>
+          <p:nvPr/>
+        </p:nvSpPr>
+        <p:spPr>
+          <a:xfrm>
+            <a:off x="479463" y="2080341"/>
+            <a:ext cx="1040221" cy="400110"/>
+          </a:xfrm>
+          <a:prstGeom prst="rect">
+            <a:avLst/>
+          </a:prstGeom>
+        </p:spPr>
+        <p:txBody>
+          <a:bodyPr wrap="none">
+            <a:spAutoFit/>
+          </a:bodyPr>
+          <a:lstStyle/>
+          <a:p>
+            <a:r>
+              <a:rPr lang="en-US" altLang="zh-CN" sz="2000" dirty="0" smtClean="0">
+                <a:latin typeface="微软雅黑" panose="020B0503020204020204" pitchFamily="34" charset="-122"/>
+                <a:ea typeface="微软雅黑" panose="020B0503020204020204" pitchFamily="34" charset="-122"/>
+              </a:rPr>
+              <a:t>Spread</a:t>
+            </a:r>
+            <a:endParaRPr lang="zh-CN" altLang="en-US" sz="2000" dirty="0">
+              <a:latin typeface="微软雅黑" panose="020B0503020204020204" pitchFamily="34" charset="-122"/>
+              <a:ea typeface="微软雅黑" panose="020B0503020204020204" pitchFamily="34" charset="-122"/>
+            </a:endParaRPr>
+          </a:p>
+        </p:txBody>
+      </p:sp>
+      <mc:AlternateContent xmlns:mc="http://schemas.openxmlformats.org/markup-compatibility/2006">
+        <mc:Choice xmlns:a14="http://schemas.microsoft.com/office/drawing/2010/main" Requires="a14">
+          <p:sp>
+            <p:nvSpPr>
+              <p:cNvPr id="22" name="文本框 21"/>
+              <p:cNvSpPr txBox="1"/>
+              <p:nvPr/>
+            </p:nvSpPr>
+            <p:spPr>
+              <a:xfrm>
+                <a:off x="615499" y="2717198"/>
+                <a:ext cx="1906419" cy="337336"/>
+              </a:xfrm>
+              <a:prstGeom prst="rect">
+                <a:avLst/>
+              </a:prstGeom>
+              <a:noFill/>
+            </p:spPr>
+            <p:txBody>
+              <a:bodyPr wrap="none" lIns="0" tIns="0" rIns="0" bIns="0" rtlCol="0">
+                <a:spAutoFit/>
+              </a:bodyPr>
+              <a:lstStyle/>
+              <a:p>
+                <a:pPr/>
+                <a14:m>
+                  <m:oMathPara xmlns:m="http://schemas.openxmlformats.org/officeDocument/2006/math">
+                    <m:oMathParaPr>
+                      <m:jc m:val="centerGroup"/>
+                    </m:oMathParaPr>
+                    <m:oMath xmlns:m="http://schemas.openxmlformats.org/officeDocument/2006/math">
+                      <m:r>
+                        <m:rPr>
+                          <m:sty m:val="p"/>
+                        </m:rPr>
+                        <a:rPr lang="el-GR" altLang="zh-CN" sz="2000" i="1">
+                          <a:latin typeface="Cambria Math" panose="02040503050406030204" pitchFamily="18" charset="0"/>
+                          <a:ea typeface="Cambria Math" panose="02040503050406030204" pitchFamily="18" charset="0"/>
+                        </a:rPr>
+                        <m:t>Γ</m:t>
+                      </m:r>
+                      <m:d>
+                        <m:dPr>
+                          <m:ctrlPr>
+                            <a:rPr lang="en-US" altLang="zh-CN" sz="2000" i="1">
+                              <a:latin typeface="Cambria Math" panose="02040503050406030204" pitchFamily="18" charset="0"/>
+                              <a:ea typeface="Cambria Math" panose="02040503050406030204" pitchFamily="18" charset="0"/>
+                            </a:rPr>
+                          </m:ctrlPr>
+                        </m:dPr>
+                        <m:e>
+                          <m:r>
+                            <a:rPr lang="en-US" altLang="zh-CN" sz="2000" i="1">
+                              <a:latin typeface="Cambria Math" panose="02040503050406030204" pitchFamily="18" charset="0"/>
+                              <a:ea typeface="Cambria Math" panose="02040503050406030204" pitchFamily="18" charset="0"/>
+                            </a:rPr>
+                            <m:t>𝑆</m:t>
+                          </m:r>
+                        </m:e>
+                      </m:d>
+                      <m:r>
+                        <a:rPr lang="en-US" altLang="zh-CN" sz="2000" i="1">
+                          <a:latin typeface="Cambria Math" panose="02040503050406030204" pitchFamily="18" charset="0"/>
+                          <a:ea typeface="Cambria Math" panose="02040503050406030204" pitchFamily="18" charset="0"/>
+                        </a:rPr>
+                        <m:t>=</m:t>
+                      </m:r>
+                      <m:sSub>
+                        <m:sSubPr>
+                          <m:ctrlPr>
+                            <a:rPr lang="en-US" altLang="zh-CN" sz="2000" i="1">
+                              <a:latin typeface="Cambria Math" panose="02040503050406030204" pitchFamily="18" charset="0"/>
+                              <a:ea typeface="Cambria Math" panose="02040503050406030204" pitchFamily="18" charset="0"/>
+                            </a:rPr>
+                          </m:ctrlPr>
+                        </m:sSubPr>
+                        <m:e>
+                          <m:r>
+                            <a:rPr lang="en-US" altLang="zh-CN" sz="2000" i="1">
+                              <a:latin typeface="Cambria Math" panose="02040503050406030204" pitchFamily="18" charset="0"/>
+                              <a:ea typeface="Cambria Math" panose="02040503050406030204" pitchFamily="18" charset="0"/>
+                            </a:rPr>
+                            <m:t>𝑉</m:t>
+                          </m:r>
+                        </m:e>
+                        <m:sub>
+                          <m:r>
+                            <a:rPr lang="en-US" altLang="zh-CN" sz="2000" i="1">
+                              <a:latin typeface="Cambria Math" panose="02040503050406030204" pitchFamily="18" charset="0"/>
+                              <a:ea typeface="Cambria Math" panose="02040503050406030204" pitchFamily="18" charset="0"/>
+                            </a:rPr>
+                            <m:t>(</m:t>
+                          </m:r>
+                          <m:r>
+                            <a:rPr lang="en-US" altLang="zh-CN" sz="2000" i="1">
+                              <a:latin typeface="Cambria Math" panose="02040503050406030204" pitchFamily="18" charset="0"/>
+                              <a:ea typeface="Cambria Math" panose="02040503050406030204" pitchFamily="18" charset="0"/>
+                            </a:rPr>
+                            <m:t>𝑎</m:t>
+                          </m:r>
+                          <m:r>
+                            <a:rPr lang="en-US" altLang="zh-CN" sz="2000" i="1">
+                              <a:latin typeface="Cambria Math" panose="02040503050406030204" pitchFamily="18" charset="0"/>
+                              <a:ea typeface="Cambria Math" panose="02040503050406030204" pitchFamily="18" charset="0"/>
+                            </a:rPr>
+                            <m:t>)</m:t>
+                          </m:r>
+                        </m:sub>
+                      </m:sSub>
+                      <m:r>
+                        <a:rPr lang="en-US" altLang="zh-CN" sz="2000" i="1">
+                          <a:latin typeface="Cambria Math" panose="02040503050406030204" pitchFamily="18" charset="0"/>
+                          <a:ea typeface="Cambria Math" panose="02040503050406030204" pitchFamily="18" charset="0"/>
+                        </a:rPr>
+                        <m:t>−|</m:t>
+                      </m:r>
+                      <m:r>
+                        <a:rPr lang="en-US" altLang="zh-CN" sz="2000" i="1">
+                          <a:latin typeface="Cambria Math" panose="02040503050406030204" pitchFamily="18" charset="0"/>
+                          <a:ea typeface="Cambria Math" panose="02040503050406030204" pitchFamily="18" charset="0"/>
+                        </a:rPr>
+                        <m:t>𝑆</m:t>
+                      </m:r>
+                      <m:r>
+                        <a:rPr lang="en-US" altLang="zh-CN" sz="2000" i="1">
+                          <a:latin typeface="Cambria Math" panose="02040503050406030204" pitchFamily="18" charset="0"/>
+                          <a:ea typeface="Cambria Math" panose="02040503050406030204" pitchFamily="18" charset="0"/>
+                        </a:rPr>
+                        <m:t>|</m:t>
+                      </m:r>
+                    </m:oMath>
+                  </m:oMathPara>
+                </a14:m>
+                <a:endParaRPr lang="en-US" altLang="zh-CN" sz="2000" i="1" dirty="0">
+                  <a:latin typeface="Cambria Math" panose="02040503050406030204" pitchFamily="18" charset="0"/>
+                  <a:ea typeface="Cambria Math" panose="02040503050406030204" pitchFamily="18" charset="0"/>
+                </a:endParaRPr>
+              </a:p>
+            </p:txBody>
+          </p:sp>
+        </mc:Choice>
+        <mc:Fallback>
+          <p:sp>
+            <p:nvSpPr>
+              <p:cNvPr id="22" name="文本框 21"/>
+              <p:cNvSpPr txBox="1">
+                <a:spLocks noRot="1" noChangeAspect="1" noMove="1" noResize="1" noEditPoints="1" noAdjustHandles="1" noChangeArrowheads="1" noChangeShapeType="1" noTextEdit="1"/>
+              </p:cNvSpPr>
+              <p:nvPr/>
+            </p:nvSpPr>
+            <p:spPr>
+              <a:xfrm>
+                <a:off x="615499" y="2717198"/>
+                <a:ext cx="1906419" cy="337336"/>
+              </a:xfrm>
+              <a:prstGeom prst="rect">
+                <a:avLst/>
+              </a:prstGeom>
+              <a:blipFill rotWithShape="0">
+                <a:blip r:embed="rId7"/>
+                <a:stretch>
+                  <a:fillRect l="-2875" r="-3834" b="-29091"/>
+                </a:stretch>
+              </a:blipFill>
+            </p:spPr>
+            <p:txBody>
+              <a:bodyPr/>
+              <a:lstStyle/>
+              <a:p>
+                <a:r>
+                  <a:rPr lang="zh-CN" altLang="en-US">
+                    <a:noFill/>
+                  </a:rPr>
+                  <a:t> </a:t>
+                </a:r>
+              </a:p>
+            </p:txBody>
+          </p:sp>
+        </mc:Fallback>
+      </mc:AlternateContent>
     </p:spTree>
     <p:extLst>
       <p:ext uri="{BB962C8B-B14F-4D97-AF65-F5344CB8AC3E}">
@@ -17301,7 +20355,7 @@
                             </p:stCondLst>
                             <p:childTnLst>
                               <p:par>
-                                <p:cTn id="10" presetID="42" presetClass="entr" presetSubtype="0" fill="hold" grpId="0" nodeType="clickEffect">
+                                <p:cTn id="10" presetID="10" presetClass="entr" presetSubtype="0" fill="hold" grpId="0" nodeType="clickEffect">
                                   <p:stCondLst>
                                     <p:cond delay="0"/>
                                   </p:stCondLst>
@@ -17309,6 +20363,165 @@
                                     <p:set>
                                       <p:cBhvr>
                                         <p:cTn id="11" dur="1" fill="hold">
+                                          <p:stCondLst>
+                                            <p:cond delay="0"/>
+                                          </p:stCondLst>
+                                        </p:cTn>
+                                        <p:tgtEl>
+                                          <p:spTgt spid="21"/>
+                                        </p:tgtEl>
+                                        <p:attrNameLst>
+                                          <p:attrName>style.visibility</p:attrName>
+                                        </p:attrNameLst>
+                                      </p:cBhvr>
+                                      <p:to>
+                                        <p:strVal val="visible"/>
+                                      </p:to>
+                                    </p:set>
+                                    <p:animEffect transition="in" filter="fade">
+                                      <p:cBhvr>
+                                        <p:cTn id="12" dur="500"/>
+                                        <p:tgtEl>
+                                          <p:spTgt spid="21"/>
+                                        </p:tgtEl>
+                                      </p:cBhvr>
+                                    </p:animEffect>
+                                  </p:childTnLst>
+                                </p:cTn>
+                              </p:par>
+                            </p:childTnLst>
+                          </p:cTn>
+                        </p:par>
+                      </p:childTnLst>
+                    </p:cTn>
+                  </p:par>
+                  <p:par>
+                    <p:cTn id="13" fill="hold">
+                      <p:stCondLst>
+                        <p:cond delay="indefinite"/>
+                      </p:stCondLst>
+                      <p:childTnLst>
+                        <p:par>
+                          <p:cTn id="14" fill="hold">
+                            <p:stCondLst>
+                              <p:cond delay="0"/>
+                            </p:stCondLst>
+                            <p:childTnLst>
+                              <p:par>
+                                <p:cTn id="15" presetID="10" presetClass="entr" presetSubtype="0" fill="hold" grpId="0" nodeType="clickEffect">
+                                  <p:stCondLst>
+                                    <p:cond delay="0"/>
+                                  </p:stCondLst>
+                                  <p:childTnLst>
+                                    <p:set>
+                                      <p:cBhvr>
+                                        <p:cTn id="16" dur="1" fill="hold">
+                                          <p:stCondLst>
+                                            <p:cond delay="0"/>
+                                          </p:stCondLst>
+                                        </p:cTn>
+                                        <p:tgtEl>
+                                          <p:spTgt spid="22"/>
+                                        </p:tgtEl>
+                                        <p:attrNameLst>
+                                          <p:attrName>style.visibility</p:attrName>
+                                        </p:attrNameLst>
+                                      </p:cBhvr>
+                                      <p:to>
+                                        <p:strVal val="visible"/>
+                                      </p:to>
+                                    </p:set>
+                                    <p:animEffect transition="in" filter="fade">
+                                      <p:cBhvr>
+                                        <p:cTn id="17" dur="500"/>
+                                        <p:tgtEl>
+                                          <p:spTgt spid="22"/>
+                                        </p:tgtEl>
+                                      </p:cBhvr>
+                                    </p:animEffect>
+                                  </p:childTnLst>
+                                </p:cTn>
+                              </p:par>
+                            </p:childTnLst>
+                          </p:cTn>
+                        </p:par>
+                      </p:childTnLst>
+                    </p:cTn>
+                  </p:par>
+                  <p:par>
+                    <p:cTn id="18" fill="hold">
+                      <p:stCondLst>
+                        <p:cond delay="indefinite"/>
+                      </p:stCondLst>
+                      <p:childTnLst>
+                        <p:par>
+                          <p:cTn id="19" fill="hold">
+                            <p:stCondLst>
+                              <p:cond delay="0"/>
+                            </p:stCondLst>
+                            <p:childTnLst>
+                              <p:par>
+                                <p:cTn id="20" presetID="10" presetClass="entr" presetSubtype="0" fill="hold" grpId="0" nodeType="clickEffect">
+                                  <p:stCondLst>
+                                    <p:cond delay="0"/>
+                                  </p:stCondLst>
+                                  <p:childTnLst>
+                                    <p:set>
+                                      <p:cBhvr>
+                                        <p:cTn id="21" dur="1" fill="hold">
+                                          <p:stCondLst>
+                                            <p:cond delay="0"/>
+                                          </p:stCondLst>
+                                        </p:cTn>
+                                        <p:tgtEl>
+                                          <p:spTgt spid="20"/>
+                                        </p:tgtEl>
+                                        <p:attrNameLst>
+                                          <p:attrName>style.visibility</p:attrName>
+                                        </p:attrNameLst>
+                                      </p:cBhvr>
+                                      <p:to>
+                                        <p:strVal val="visible"/>
+                                      </p:to>
+                                    </p:set>
+                                    <p:animEffect transition="in" filter="fade">
+                                      <p:cBhvr>
+                                        <p:cTn id="22" dur="500"/>
+                                        <p:tgtEl>
+                                          <p:spTgt spid="20"/>
+                                        </p:tgtEl>
+                                      </p:cBhvr>
+                                    </p:animEffect>
+                                  </p:childTnLst>
+                                </p:cTn>
+                              </p:par>
+                            </p:childTnLst>
+                          </p:cTn>
+                        </p:par>
+                      </p:childTnLst>
+                    </p:cTn>
+                  </p:par>
+                  <p:par>
+                    <p:cTn id="23" fill="hold">
+                      <p:stCondLst>
+                        <p:cond delay="indefinite"/>
+                      </p:stCondLst>
+                      <p:childTnLst>
+                        <p:par>
+                          <p:cTn id="24" fill="hold">
+                            <p:stCondLst>
+                              <p:cond delay="0"/>
+                            </p:stCondLst>
+                            <p:childTnLst>
+                              <p:par>
+                                <p:cTn id="25" presetID="42" presetClass="entr" presetSubtype="0" fill="hold" grpId="0" nodeType="clickEffect">
+                                  <p:stCondLst>
+                                    <p:cond delay="0"/>
+                                  </p:stCondLst>
+                                  <p:childTnLst>
+                                    <p:set>
+                                      <p:cBhvr>
+                                        <p:cTn id="26" dur="1" fill="hold">
                                           <p:stCondLst>
                                             <p:cond delay="0"/>
                                           </p:stCondLst>
@@ -17326,7 +20539,7 @@
                                     </p:set>
                                     <p:animEffect transition="in" filter="fade">
                                       <p:cBhvr>
-                                        <p:cTn id="12" dur="1000"/>
+                                        <p:cTn id="27" dur="1000"/>
                                         <p:tgtEl>
                                           <p:spTgt spid="9"/>
                                         </p:tgtEl>
@@ -17334,7 +20547,7 @@
                                     </p:animEffect>
                                     <p:anim calcmode="lin" valueType="num">
                                       <p:cBhvr>
-                                        <p:cTn id="13" dur="1000" fill="hold"/>
+                                        <p:cTn id="28" dur="1000" fill="hold"/>
                                         <p:tgtEl>
                                           <p:spTgt spid="9"/>
                                         </p:tgtEl>
@@ -17357,7 +20570,7 @@
                                     </p:anim>
                                     <p:anim calcmode="lin" valueType="num">
                                       <p:cBhvr>
-                                        <p:cTn id="14" dur="1000" fill="hold"/>
+                                        <p:cTn id="29" dur="1000" fill="hold"/>
                                         <p:tgtEl>
                                           <p:spTgt spid="9"/>
                                         </p:tgtEl>
@@ -17384,21 +20597,30 @@
                             </p:childTnLst>
                           </p:cTn>
                         </p:par>
+                      </p:childTnLst>
+                    </p:cTn>
+                  </p:par>
+                  <p:par>
+                    <p:cTn id="30" fill="hold">
+                      <p:stCondLst>
+                        <p:cond delay="indefinite"/>
+                      </p:stCondLst>
+                      <p:childTnLst>
                         <p:par>
-                          <p:cTn id="15" fill="hold">
+                          <p:cTn id="31" fill="hold">
                             <p:stCondLst>
-                              <p:cond delay="1000"/>
+                              <p:cond delay="0"/>
                             </p:stCondLst>
                             <p:childTnLst>
                               <p:par>
-                                <p:cTn id="16" presetID="42" presetClass="entr" presetSubtype="0" fill="hold" grpId="0" nodeType="afterEffect">
+                                <p:cTn id="32" presetID="42" presetClass="entr" presetSubtype="0" fill="hold" grpId="0" nodeType="clickEffect">
                                   <p:stCondLst>
                                     <p:cond delay="0"/>
                                   </p:stCondLst>
                                   <p:childTnLst>
                                     <p:set>
                                       <p:cBhvr>
-                                        <p:cTn id="17" dur="1" fill="hold">
+                                        <p:cTn id="33" dur="1" fill="hold">
                                           <p:stCondLst>
                                             <p:cond delay="0"/>
                                           </p:stCondLst>
@@ -17416,7 +20638,7 @@
                                     </p:set>
                                     <p:animEffect transition="in" filter="fade">
                                       <p:cBhvr>
-                                        <p:cTn id="18" dur="1000"/>
+                                        <p:cTn id="34" dur="1000"/>
                                         <p:tgtEl>
                                           <p:spTgt spid="10"/>
                                         </p:tgtEl>
@@ -17424,7 +20646,7 @@
                                     </p:animEffect>
                                     <p:anim calcmode="lin" valueType="num">
                                       <p:cBhvr>
-                                        <p:cTn id="19" dur="1000" fill="hold"/>
+                                        <p:cTn id="35" dur="1000" fill="hold"/>
                                         <p:tgtEl>
                                           <p:spTgt spid="10"/>
                                         </p:tgtEl>
@@ -17447,7 +20669,7 @@
                                     </p:anim>
                                     <p:anim calcmode="lin" valueType="num">
                                       <p:cBhvr>
-                                        <p:cTn id="20" dur="1000" fill="hold"/>
+                                        <p:cTn id="36" dur="1000" fill="hold"/>
                                         <p:tgtEl>
                                           <p:spTgt spid="10"/>
                                         </p:tgtEl>
@@ -17501,6 +20723,9 @@
     <p:bldLst>
       <p:bldP spid="9" grpId="0"/>
       <p:bldP spid="10" grpId="0"/>
+      <p:bldP spid="20" grpId="0"/>
+      <p:bldP spid="21" grpId="0"/>
+      <p:bldP spid="22" grpId="0"/>
     </p:bldLst>
   </p:timing>
 </p:sld>
@@ -22149,7 +25374,7 @@
             </p:nvSpPr>
             <p:spPr>
               <a:xfrm>
-                <a:off x="941085" y="2846312"/>
+                <a:off x="941085" y="2969879"/>
                 <a:ext cx="6837064" cy="814903"/>
               </a:xfrm>
               <a:prstGeom prst="rect">
@@ -22663,7 +25888,7 @@
             </p:nvSpPr>
             <p:spPr>
               <a:xfrm>
-                <a:off x="941085" y="2846312"/>
+                <a:off x="941085" y="2969879"/>
                 <a:ext cx="6837064" cy="814903"/>
               </a:xfrm>
               <a:prstGeom prst="rect">
@@ -25138,7 +28363,7 @@
         </p:nvSpPr>
         <p:spPr>
           <a:xfrm>
-            <a:off x="392343" y="2970961"/>
+            <a:off x="392343" y="2898255"/>
             <a:ext cx="5805257" cy="707886"/>
           </a:xfrm>
           <a:prstGeom prst="rect">
@@ -25171,8 +28396,8 @@
           </a:p>
         </p:txBody>
       </p:sp>
-      <mc:AlternateContent xmlns:mc="http://schemas.openxmlformats.org/markup-compatibility/2006" xmlns:a14="http://schemas.microsoft.com/office/drawing/2010/main">
-        <mc:Choice Requires="a14">
+      <mc:AlternateContent xmlns:mc="http://schemas.openxmlformats.org/markup-compatibility/2006">
+        <mc:Choice xmlns:a14="http://schemas.microsoft.com/office/drawing/2010/main" Requires="a14">
           <p:sp>
             <p:nvSpPr>
               <p:cNvPr id="2" name="文本框 1"/>
@@ -25181,7 +28406,7 @@
             </p:nvSpPr>
             <p:spPr>
               <a:xfrm>
-                <a:off x="2908718" y="4225131"/>
+                <a:off x="584729" y="4225131"/>
                 <a:ext cx="2666051" cy="307777"/>
               </a:xfrm>
               <a:prstGeom prst="rect">
@@ -25353,7 +28578,7 @@
             </p:txBody>
           </p:sp>
         </mc:Choice>
-        <mc:Fallback xmlns="">
+        <mc:Fallback>
           <p:sp>
             <p:nvSpPr>
               <p:cNvPr id="2" name="文本框 1"/>
@@ -25364,7 +28589,7 @@
             </p:nvSpPr>
             <p:spPr>
               <a:xfrm>
-                <a:off x="2908718" y="4225131"/>
+                <a:off x="584729" y="4225131"/>
                 <a:ext cx="2666051" cy="307777"/>
               </a:xfrm>
               <a:prstGeom prst="rect">
@@ -25373,7 +28598,7 @@
               <a:blipFill rotWithShape="0">
                 <a:blip r:embed="rId3"/>
                 <a:stretch>
-                  <a:fillRect l="-1602" t="-1961" r="-2975" b="-33333"/>
+                  <a:fillRect l="-1831" t="-1961" r="-2975" b="-33333"/>
                 </a:stretch>
               </a:blipFill>
             </p:spPr>
@@ -25392,8 +28617,8 @@
           </p:sp>
         </mc:Fallback>
       </mc:AlternateContent>
-      <mc:AlternateContent xmlns:mc="http://schemas.openxmlformats.org/markup-compatibility/2006" xmlns:a14="http://schemas.microsoft.com/office/drawing/2010/main">
-        <mc:Choice Requires="a14">
+      <mc:AlternateContent xmlns:mc="http://schemas.openxmlformats.org/markup-compatibility/2006">
+        <mc:Choice xmlns:a14="http://schemas.microsoft.com/office/drawing/2010/main" Requires="a14">
           <p:sp>
             <p:nvSpPr>
               <p:cNvPr id="15" name="文本框 14"/>
@@ -25402,7 +28627,7 @@
             </p:nvSpPr>
             <p:spPr>
               <a:xfrm>
-                <a:off x="2658228" y="5079192"/>
+                <a:off x="584729" y="4977592"/>
                 <a:ext cx="4394473" cy="932243"/>
               </a:xfrm>
               <a:prstGeom prst="rect">
@@ -25666,7 +28891,7 @@
             </p:txBody>
           </p:sp>
         </mc:Choice>
-        <mc:Fallback xmlns="">
+        <mc:Fallback>
           <p:sp>
             <p:nvSpPr>
               <p:cNvPr id="15" name="文本框 14"/>
@@ -25677,7 +28902,7 @@
             </p:nvSpPr>
             <p:spPr>
               <a:xfrm>
-                <a:off x="2658228" y="5079192"/>
+                <a:off x="584729" y="4977592"/>
                 <a:ext cx="4394473" cy="932243"/>
               </a:xfrm>
               <a:prstGeom prst="rect">

--- a/4-魏天柱-Holistic Influence Maximization_ Combining Scalability and Efficiency with Opinion-Aware Models..pptx
+++ b/4-魏天柱-Holistic Influence Maximization_ Combining Scalability and Efficiency with Opinion-Aware Models..pptx
@@ -228,7 +228,7 @@
           <a:p>
             <a:fld id="{75B6E363-E6B3-49EC-99B9-D71939BAE8EA}" type="datetimeFigureOut">
               <a:rPr lang="zh-CN" altLang="en-US" smtClean="0"/>
-              <a:t>2016/11/11</a:t>
+              <a:t>2016/11/12</a:t>
             </a:fld>
             <a:endParaRPr lang="zh-CN" altLang="en-US"/>
           </a:p>
@@ -394,7 +394,7 @@
           <a:p>
             <a:fld id="{390D7B70-739F-46B8-8786-37DA01C23847}" type="datetimeFigureOut">
               <a:rPr lang="zh-CN" altLang="en-US" smtClean="0"/>
-              <a:t>2016/11/11</a:t>
+              <a:t>2016/11/12</a:t>
             </a:fld>
             <a:endParaRPr lang="zh-CN" altLang="en-US"/>
           </a:p>
@@ -922,15 +922,7 @@
           <a:p>
             <a:r>
               <a:rPr lang="zh-CN" altLang="en-US" dirty="0" smtClean="0"/>
-              <a:t>使</a:t>
-            </a:r>
-            <a:r>
-              <a:rPr lang="zh-CN" altLang="en-US" dirty="0" smtClean="0"/>
-              <a:t>用相同的种子集</a:t>
-            </a:r>
-            <a:r>
-              <a:rPr lang="zh-CN" altLang="en-US" dirty="0" smtClean="0"/>
-              <a:t>合进行 </a:t>
+              <a:t>使用相同的种子集合进行 </a:t>
             </a:r>
             <a:r>
               <a:rPr lang="en-US" altLang="zh-CN" dirty="0" smtClean="0"/>
@@ -3454,7 +3446,7 @@
           <a:p>
             <a:fld id="{D468E895-2BED-4B89-8737-C13053ED3775}" type="datetime1">
               <a:rPr lang="zh-CN" altLang="en-US" smtClean="0"/>
-              <a:t>2016/11/11</a:t>
+              <a:t>2016/11/12</a:t>
             </a:fld>
             <a:endParaRPr lang="zh-CN" altLang="en-US"/>
           </a:p>
@@ -3632,7 +3624,7 @@
           <a:p>
             <a:fld id="{104D3C72-1350-4498-B7F7-C0D06391B969}" type="datetime1">
               <a:rPr lang="zh-CN" altLang="en-US" smtClean="0"/>
-              <a:t>2016/11/11</a:t>
+              <a:t>2016/11/12</a:t>
             </a:fld>
             <a:endParaRPr lang="zh-CN" altLang="en-US"/>
           </a:p>
@@ -3819,7 +3811,7 @@
           <a:p>
             <a:fld id="{7EE734A3-1FC5-4C4F-951E-90CBADCF8226}" type="datetime1">
               <a:rPr lang="zh-CN" altLang="en-US" smtClean="0"/>
-              <a:t>2016/11/11</a:t>
+              <a:t>2016/11/12</a:t>
             </a:fld>
             <a:endParaRPr lang="zh-CN" altLang="en-US"/>
           </a:p>
@@ -4003,7 +3995,7 @@
           <a:p>
             <a:fld id="{434D24B4-69D0-4189-8037-D7083A6CF5B3}" type="datetime1">
               <a:rPr lang="zh-CN" altLang="en-US" smtClean="0"/>
-              <a:t>2016/11/11</a:t>
+              <a:t>2016/11/12</a:t>
             </a:fld>
             <a:endParaRPr lang="zh-CN" altLang="en-US"/>
           </a:p>
@@ -4195,7 +4187,7 @@
           <a:p>
             <a:fld id="{E076972C-4993-4C9C-80E8-5D6204C04177}" type="datetime1">
               <a:rPr lang="zh-CN" altLang="en-US" smtClean="0"/>
-              <a:t>2016/11/11</a:t>
+              <a:t>2016/11/12</a:t>
             </a:fld>
             <a:endParaRPr lang="zh-CN" altLang="en-US"/>
           </a:p>
@@ -4387,7 +4379,7 @@
           <a:p>
             <a:fld id="{82F6CDB0-C4D4-4F59-A493-F56C87211419}" type="datetime1">
               <a:rPr lang="zh-CN" altLang="en-US" smtClean="0"/>
-              <a:t>2016/11/11</a:t>
+              <a:t>2016/11/12</a:t>
             </a:fld>
             <a:endParaRPr lang="zh-CN" altLang="en-US"/>
           </a:p>
@@ -4579,7 +4571,7 @@
           <a:p>
             <a:fld id="{B0C60F26-20FD-4E1B-AB65-52B807B75D6D}" type="datetime1">
               <a:rPr lang="zh-CN" altLang="en-US" smtClean="0"/>
-              <a:t>2016/11/11</a:t>
+              <a:t>2016/11/12</a:t>
             </a:fld>
             <a:endParaRPr lang="zh-CN" altLang="en-US"/>
           </a:p>
@@ -4764,7 +4756,7 @@
           <a:p>
             <a:fld id="{B2494A39-0159-4B2E-AD47-D0BB181F4B03}" type="datetime1">
               <a:rPr lang="zh-CN" altLang="en-US" smtClean="0"/>
-              <a:t>2016/11/11</a:t>
+              <a:t>2016/11/12</a:t>
             </a:fld>
             <a:endParaRPr lang="zh-CN" altLang="en-US"/>
           </a:p>
@@ -5015,7 +5007,7 @@
           <a:p>
             <a:fld id="{3260B8DA-CAB1-4F56-BC79-34B04FD3BCA3}" type="datetime1">
               <a:rPr lang="zh-CN" altLang="en-US" smtClean="0"/>
-              <a:t>2016/11/11</a:t>
+              <a:t>2016/11/12</a:t>
             </a:fld>
             <a:endParaRPr lang="zh-CN" altLang="en-US"/>
           </a:p>
@@ -5259,7 +5251,7 @@
           <a:p>
             <a:fld id="{A472A3E3-8796-4C5C-B6C1-801B24CB5A20}" type="datetime1">
               <a:rPr lang="zh-CN" altLang="en-US" smtClean="0"/>
-              <a:t>2016/11/11</a:t>
+              <a:t>2016/11/12</a:t>
             </a:fld>
             <a:endParaRPr lang="zh-CN" altLang="en-US"/>
           </a:p>
@@ -5633,7 +5625,7 @@
           <a:p>
             <a:fld id="{8EBDF594-6A12-459D-9D99-D5E5F495E2EC}" type="datetime1">
               <a:rPr lang="zh-CN" altLang="en-US" smtClean="0"/>
-              <a:t>2016/11/11</a:t>
+              <a:t>2016/11/12</a:t>
             </a:fld>
             <a:endParaRPr lang="zh-CN" altLang="en-US"/>
           </a:p>
@@ -5758,7 +5750,7 @@
           <a:p>
             <a:fld id="{09644570-F52D-43DC-B2E6-EC798EE8C159}" type="datetime1">
               <a:rPr lang="zh-CN" altLang="en-US" smtClean="0"/>
-              <a:t>2016/11/11</a:t>
+              <a:t>2016/11/12</a:t>
             </a:fld>
             <a:endParaRPr lang="zh-CN" altLang="en-US"/>
           </a:p>
@@ -5860,7 +5852,7 @@
           <a:p>
             <a:fld id="{59732DD0-5A2B-44DF-AC88-A7E8B48D56E8}" type="datetime1">
               <a:rPr lang="zh-CN" altLang="en-US" smtClean="0"/>
-              <a:t>2016/11/11</a:t>
+              <a:t>2016/11/12</a:t>
             </a:fld>
             <a:endParaRPr lang="zh-CN" altLang="en-US"/>
           </a:p>
@@ -6144,7 +6136,7 @@
           <a:p>
             <a:fld id="{6CD513BD-3DF7-47AD-9746-A85138DD326A}" type="datetime1">
               <a:rPr lang="zh-CN" altLang="en-US" smtClean="0"/>
-              <a:t>2016/11/11</a:t>
+              <a:t>2016/11/12</a:t>
             </a:fld>
             <a:endParaRPr lang="zh-CN" altLang="en-US"/>
           </a:p>
@@ -6409,7 +6401,7 @@
           <a:p>
             <a:fld id="{B7F52A3E-3393-4BA4-BA57-78D5CF5B1F15}" type="datetime1">
               <a:rPr lang="zh-CN" altLang="en-US" smtClean="0"/>
-              <a:t>2016/11/11</a:t>
+              <a:t>2016/11/12</a:t>
             </a:fld>
             <a:endParaRPr lang="zh-CN" altLang="en-US"/>
           </a:p>
@@ -6634,7 +6626,7 @@
           <a:p>
             <a:fld id="{5D6C920D-D6CE-4AE5-BA50-0577D0EAB39A}" type="datetime1">
               <a:rPr lang="zh-CN" altLang="en-US" smtClean="0"/>
-              <a:t>2016/11/11</a:t>
+              <a:t>2016/11/12</a:t>
             </a:fld>
             <a:endParaRPr lang="zh-CN" altLang="en-US"/>
           </a:p>
@@ -10209,8 +10201,8 @@
           </p:sp>
         </mc:Fallback>
       </mc:AlternateContent>
-      <mc:AlternateContent xmlns:mc="http://schemas.openxmlformats.org/markup-compatibility/2006">
-        <mc:Choice xmlns:a14="http://schemas.microsoft.com/office/drawing/2010/main" Requires="a14">
+      <mc:AlternateContent xmlns:mc="http://schemas.openxmlformats.org/markup-compatibility/2006" xmlns:a14="http://schemas.microsoft.com/office/drawing/2010/main">
+        <mc:Choice Requires="a14">
           <p:sp>
             <p:nvSpPr>
               <p:cNvPr id="76" name="矩形 75"/>
@@ -10551,7 +10543,7 @@
             </p:txBody>
           </p:sp>
         </mc:Choice>
-        <mc:Fallback>
+        <mc:Fallback xmlns="">
           <p:sp>
             <p:nvSpPr>
               <p:cNvPr id="76" name="矩形 75"/>
@@ -10613,8 +10605,8 @@
           </a:p>
         </p:txBody>
       </p:sp>
-      <mc:AlternateContent xmlns:mc="http://schemas.openxmlformats.org/markup-compatibility/2006">
-        <mc:Choice xmlns:a14="http://schemas.microsoft.com/office/drawing/2010/main" Requires="a14">
+      <mc:AlternateContent xmlns:mc="http://schemas.openxmlformats.org/markup-compatibility/2006" xmlns:a14="http://schemas.microsoft.com/office/drawing/2010/main">
+        <mc:Choice Requires="a14">
           <p:sp>
             <p:nvSpPr>
               <p:cNvPr id="39" name="文本框 38"/>
@@ -10816,7 +10808,7 @@
             </p:txBody>
           </p:sp>
         </mc:Choice>
-        <mc:Fallback>
+        <mc:Fallback xmlns="">
           <p:sp>
             <p:nvSpPr>
               <p:cNvPr id="39" name="文本框 38"/>
@@ -12919,8 +12911,8 @@
             <a:chExt cx="4105932" cy="1613979"/>
           </a:xfrm>
         </p:grpSpPr>
-        <mc:AlternateContent xmlns:mc="http://schemas.openxmlformats.org/markup-compatibility/2006">
-          <mc:Choice xmlns:a14="http://schemas.microsoft.com/office/drawing/2010/main" Requires="a14">
+        <mc:AlternateContent xmlns:mc="http://schemas.openxmlformats.org/markup-compatibility/2006" xmlns:a14="http://schemas.microsoft.com/office/drawing/2010/main">
+          <mc:Choice Requires="a14">
             <p:sp>
               <p:nvSpPr>
                 <p:cNvPr id="29" name="文本框 28"/>
@@ -12987,7 +12979,7 @@
               </p:txBody>
             </p:sp>
           </mc:Choice>
-          <mc:Fallback>
+          <mc:Fallback xmlns="">
             <p:sp>
               <p:nvSpPr>
                 <p:cNvPr id="29" name="文本框 28"/>
@@ -13026,8 +13018,8 @@
             </p:sp>
           </mc:Fallback>
         </mc:AlternateContent>
-        <mc:AlternateContent xmlns:mc="http://schemas.openxmlformats.org/markup-compatibility/2006">
-          <mc:Choice xmlns:a14="http://schemas.microsoft.com/office/drawing/2010/main" Requires="a14">
+        <mc:AlternateContent xmlns:mc="http://schemas.openxmlformats.org/markup-compatibility/2006" xmlns:a14="http://schemas.microsoft.com/office/drawing/2010/main">
+          <mc:Choice Requires="a14">
             <p:sp>
               <p:nvSpPr>
                 <p:cNvPr id="30" name="文本框 29"/>
@@ -13091,7 +13083,7 @@
               </p:txBody>
             </p:sp>
           </mc:Choice>
-          <mc:Fallback>
+          <mc:Fallback xmlns="">
             <p:sp>
               <p:nvSpPr>
                 <p:cNvPr id="30" name="文本框 29"/>
@@ -13130,8 +13122,8 @@
             </p:sp>
           </mc:Fallback>
         </mc:AlternateContent>
-        <mc:AlternateContent xmlns:mc="http://schemas.openxmlformats.org/markup-compatibility/2006">
-          <mc:Choice xmlns:a14="http://schemas.microsoft.com/office/drawing/2010/main" Requires="a14">
+        <mc:AlternateContent xmlns:mc="http://schemas.openxmlformats.org/markup-compatibility/2006" xmlns:a14="http://schemas.microsoft.com/office/drawing/2010/main">
+          <mc:Choice Requires="a14">
             <p:sp>
               <p:nvSpPr>
                 <p:cNvPr id="31" name="文本框 30"/>
@@ -13214,7 +13206,7 @@
               </p:txBody>
             </p:sp>
           </mc:Choice>
-          <mc:Fallback>
+          <mc:Fallback xmlns="">
             <p:sp>
               <p:nvSpPr>
                 <p:cNvPr id="31" name="文本框 30"/>
@@ -13253,8 +13245,8 @@
             </p:sp>
           </mc:Fallback>
         </mc:AlternateContent>
-        <mc:AlternateContent xmlns:mc="http://schemas.openxmlformats.org/markup-compatibility/2006">
-          <mc:Choice xmlns:a14="http://schemas.microsoft.com/office/drawing/2010/main" Requires="a14">
+        <mc:AlternateContent xmlns:mc="http://schemas.openxmlformats.org/markup-compatibility/2006" xmlns:a14="http://schemas.microsoft.com/office/drawing/2010/main">
+          <mc:Choice Requires="a14">
             <p:sp>
               <p:nvSpPr>
                 <p:cNvPr id="32" name="文本框 31"/>
@@ -13321,7 +13313,7 @@
               </p:txBody>
             </p:sp>
           </mc:Choice>
-          <mc:Fallback>
+          <mc:Fallback xmlns="">
             <p:sp>
               <p:nvSpPr>
                 <p:cNvPr id="32" name="文本框 31"/>
@@ -13375,8 +13367,8 @@
             <a:chExt cx="5622180" cy="1023254"/>
           </a:xfrm>
         </p:grpSpPr>
-        <mc:AlternateContent xmlns:mc="http://schemas.openxmlformats.org/markup-compatibility/2006">
-          <mc:Choice xmlns:a14="http://schemas.microsoft.com/office/drawing/2010/main" Requires="a14">
+        <mc:AlternateContent xmlns:mc="http://schemas.openxmlformats.org/markup-compatibility/2006" xmlns:a14="http://schemas.microsoft.com/office/drawing/2010/main">
+          <mc:Choice Requires="a14">
             <p:sp>
               <p:nvSpPr>
                 <p:cNvPr id="33" name="文本框 32"/>
@@ -13617,7 +13609,7 @@
               </p:txBody>
             </p:sp>
           </mc:Choice>
-          <mc:Fallback>
+          <mc:Fallback xmlns="">
             <p:sp>
               <p:nvSpPr>
                 <p:cNvPr id="33" name="文本框 32"/>
@@ -13656,8 +13648,8 @@
             </p:sp>
           </mc:Fallback>
         </mc:AlternateContent>
-        <mc:AlternateContent xmlns:mc="http://schemas.openxmlformats.org/markup-compatibility/2006">
-          <mc:Choice xmlns:a14="http://schemas.microsoft.com/office/drawing/2010/main" Requires="a14">
+        <mc:AlternateContent xmlns:mc="http://schemas.openxmlformats.org/markup-compatibility/2006" xmlns:a14="http://schemas.microsoft.com/office/drawing/2010/main">
+          <mc:Choice Requires="a14">
             <p:sp>
               <p:nvSpPr>
                 <p:cNvPr id="34" name="文本框 33"/>
@@ -13721,7 +13713,7 @@
               </p:txBody>
             </p:sp>
           </mc:Choice>
-          <mc:Fallback>
+          <mc:Fallback xmlns="">
             <p:sp>
               <p:nvSpPr>
                 <p:cNvPr id="34" name="文本框 33"/>
@@ -13760,8 +13752,8 @@
             </p:sp>
           </mc:Fallback>
         </mc:AlternateContent>
-        <mc:AlternateContent xmlns:mc="http://schemas.openxmlformats.org/markup-compatibility/2006">
-          <mc:Choice xmlns:a14="http://schemas.microsoft.com/office/drawing/2010/main" Requires="a14">
+        <mc:AlternateContent xmlns:mc="http://schemas.openxmlformats.org/markup-compatibility/2006" xmlns:a14="http://schemas.microsoft.com/office/drawing/2010/main">
+          <mc:Choice Requires="a14">
             <p:sp>
               <p:nvSpPr>
                 <p:cNvPr id="35" name="文本框 34"/>
@@ -13825,7 +13817,7 @@
               </p:txBody>
             </p:sp>
           </mc:Choice>
-          <mc:Fallback>
+          <mc:Fallback xmlns="">
             <p:sp>
               <p:nvSpPr>
                 <p:cNvPr id="35" name="文本框 34"/>
@@ -13864,8 +13856,8 @@
             </p:sp>
           </mc:Fallback>
         </mc:AlternateContent>
-        <mc:AlternateContent xmlns:mc="http://schemas.openxmlformats.org/markup-compatibility/2006">
-          <mc:Choice xmlns:a14="http://schemas.microsoft.com/office/drawing/2010/main" Requires="a14">
+        <mc:AlternateContent xmlns:mc="http://schemas.openxmlformats.org/markup-compatibility/2006" xmlns:a14="http://schemas.microsoft.com/office/drawing/2010/main">
+          <mc:Choice Requires="a14">
             <p:sp>
               <p:nvSpPr>
                 <p:cNvPr id="36" name="文本框 35"/>
@@ -13929,7 +13921,7 @@
               </p:txBody>
             </p:sp>
           </mc:Choice>
-          <mc:Fallback>
+          <mc:Fallback xmlns="">
             <p:sp>
               <p:nvSpPr>
                 <p:cNvPr id="36" name="文本框 35"/>
@@ -14736,8 +14728,8 @@
               </a:p>
             </p:txBody>
           </p:sp>
-          <mc:AlternateContent xmlns:mc="http://schemas.openxmlformats.org/markup-compatibility/2006">
-            <mc:Choice xmlns:a14="http://schemas.microsoft.com/office/drawing/2010/main" Requires="a14">
+          <mc:AlternateContent xmlns:mc="http://schemas.openxmlformats.org/markup-compatibility/2006" xmlns:a14="http://schemas.microsoft.com/office/drawing/2010/main">
+            <mc:Choice Requires="a14">
               <p:sp>
                 <p:nvSpPr>
                   <p:cNvPr id="55" name="文本框 54"/>
@@ -14805,7 +14797,7 @@
                 </p:txBody>
               </p:sp>
             </mc:Choice>
-            <mc:Fallback>
+            <mc:Fallback xmlns="">
               <p:sp>
                 <p:nvSpPr>
                   <p:cNvPr id="55" name="文本框 54"/>
@@ -14844,8 +14836,8 @@
               </p:sp>
             </mc:Fallback>
           </mc:AlternateContent>
-          <mc:AlternateContent xmlns:mc="http://schemas.openxmlformats.org/markup-compatibility/2006">
-            <mc:Choice xmlns:a14="http://schemas.microsoft.com/office/drawing/2010/main" Requires="a14">
+          <mc:AlternateContent xmlns:mc="http://schemas.openxmlformats.org/markup-compatibility/2006" xmlns:a14="http://schemas.microsoft.com/office/drawing/2010/main">
+            <mc:Choice Requires="a14">
               <p:sp>
                 <p:nvSpPr>
                   <p:cNvPr id="56" name="文本框 55"/>
@@ -14913,7 +14905,7 @@
                 </p:txBody>
               </p:sp>
             </mc:Choice>
-            <mc:Fallback>
+            <mc:Fallback xmlns="">
               <p:sp>
                 <p:nvSpPr>
                   <p:cNvPr id="56" name="文本框 55"/>
@@ -14952,8 +14944,8 @@
               </p:sp>
             </mc:Fallback>
           </mc:AlternateContent>
-          <mc:AlternateContent xmlns:mc="http://schemas.openxmlformats.org/markup-compatibility/2006">
-            <mc:Choice xmlns:a14="http://schemas.microsoft.com/office/drawing/2010/main" Requires="a14">
+          <mc:AlternateContent xmlns:mc="http://schemas.openxmlformats.org/markup-compatibility/2006" xmlns:a14="http://schemas.microsoft.com/office/drawing/2010/main">
+            <mc:Choice Requires="a14">
               <p:sp>
                 <p:nvSpPr>
                   <p:cNvPr id="57" name="文本框 56"/>
@@ -15021,7 +15013,7 @@
                 </p:txBody>
               </p:sp>
             </mc:Choice>
-            <mc:Fallback>
+            <mc:Fallback xmlns="">
               <p:sp>
                 <p:nvSpPr>
                   <p:cNvPr id="57" name="文本框 56"/>
@@ -15060,8 +15052,8 @@
               </p:sp>
             </mc:Fallback>
           </mc:AlternateContent>
-          <mc:AlternateContent xmlns:mc="http://schemas.openxmlformats.org/markup-compatibility/2006">
-            <mc:Choice xmlns:a14="http://schemas.microsoft.com/office/drawing/2010/main" Requires="a14">
+          <mc:AlternateContent xmlns:mc="http://schemas.openxmlformats.org/markup-compatibility/2006" xmlns:a14="http://schemas.microsoft.com/office/drawing/2010/main">
+            <mc:Choice Requires="a14">
               <p:sp>
                 <p:nvSpPr>
                   <p:cNvPr id="58" name="文本框 57"/>
@@ -15138,7 +15130,7 @@
                 </p:txBody>
               </p:sp>
             </mc:Choice>
-            <mc:Fallback>
+            <mc:Fallback xmlns="">
               <p:sp>
                 <p:nvSpPr>
                   <p:cNvPr id="58" name="文本框 57"/>
@@ -15241,13 +15233,13 @@
   <p:clrMapOvr>
     <a:masterClrMapping/>
   </p:clrMapOvr>
-  <mc:AlternateContent xmlns:mc="http://schemas.openxmlformats.org/markup-compatibility/2006">
-    <mc:Choice xmlns:p14="http://schemas.microsoft.com/office/powerpoint/2010/main" Requires="p14">
+  <mc:AlternateContent xmlns:mc="http://schemas.openxmlformats.org/markup-compatibility/2006" xmlns:p14="http://schemas.microsoft.com/office/powerpoint/2010/main">
+    <mc:Choice Requires="p14">
       <p:transition spd="med" p14:dur="700">
         <p:fade/>
       </p:transition>
     </mc:Choice>
-    <mc:Fallback>
+    <mc:Fallback xmlns="">
       <p:transition spd="med">
         <p:fade/>
       </p:transition>
@@ -20079,8 +20071,8 @@
           </a:p>
         </p:txBody>
       </p:sp>
-      <mc:AlternateContent xmlns:mc="http://schemas.openxmlformats.org/markup-compatibility/2006">
-        <mc:Choice xmlns:a14="http://schemas.microsoft.com/office/drawing/2010/main" Requires="a14">
+      <mc:AlternateContent xmlns:mc="http://schemas.openxmlformats.org/markup-compatibility/2006" xmlns:a14="http://schemas.microsoft.com/office/drawing/2010/main">
+        <mc:Choice Requires="a14">
           <p:sp>
             <p:nvSpPr>
               <p:cNvPr id="22" name="文本框 21"/>
@@ -20220,7 +20212,7 @@
             </p:txBody>
           </p:sp>
         </mc:Choice>
-        <mc:Fallback>
+        <mc:Fallback xmlns="">
           <p:sp>
             <p:nvSpPr>
               <p:cNvPr id="22" name="文本框 21"/>
@@ -28396,8 +28388,8 @@
           </a:p>
         </p:txBody>
       </p:sp>
-      <mc:AlternateContent xmlns:mc="http://schemas.openxmlformats.org/markup-compatibility/2006">
-        <mc:Choice xmlns:a14="http://schemas.microsoft.com/office/drawing/2010/main" Requires="a14">
+      <mc:AlternateContent xmlns:mc="http://schemas.openxmlformats.org/markup-compatibility/2006" xmlns:a14="http://schemas.microsoft.com/office/drawing/2010/main">
+        <mc:Choice Requires="a14">
           <p:sp>
             <p:nvSpPr>
               <p:cNvPr id="2" name="文本框 1"/>
@@ -28578,7 +28570,7 @@
             </p:txBody>
           </p:sp>
         </mc:Choice>
-        <mc:Fallback>
+        <mc:Fallback xmlns="">
           <p:sp>
             <p:nvSpPr>
               <p:cNvPr id="2" name="文本框 1"/>
@@ -28617,8 +28609,8 @@
           </p:sp>
         </mc:Fallback>
       </mc:AlternateContent>
-      <mc:AlternateContent xmlns:mc="http://schemas.openxmlformats.org/markup-compatibility/2006">
-        <mc:Choice xmlns:a14="http://schemas.microsoft.com/office/drawing/2010/main" Requires="a14">
+      <mc:AlternateContent xmlns:mc="http://schemas.openxmlformats.org/markup-compatibility/2006" xmlns:a14="http://schemas.microsoft.com/office/drawing/2010/main">
+        <mc:Choice Requires="a14">
           <p:sp>
             <p:nvSpPr>
               <p:cNvPr id="15" name="文本框 14"/>
@@ -28891,7 +28883,7 @@
             </p:txBody>
           </p:sp>
         </mc:Choice>
-        <mc:Fallback>
+        <mc:Fallback xmlns="">
           <p:sp>
             <p:nvSpPr>
               <p:cNvPr id="15" name="文本框 14"/>

--- a/4-魏天柱-Holistic Influence Maximization_ Combining Scalability and Efficiency with Opinion-Aware Models..pptx
+++ b/4-魏天柱-Holistic Influence Maximization_ Combining Scalability and Efficiency with Opinion-Aware Models..pptx
@@ -228,7 +228,7 @@
           <a:p>
             <a:fld id="{75B6E363-E6B3-49EC-99B9-D71939BAE8EA}" type="datetimeFigureOut">
               <a:rPr lang="zh-CN" altLang="en-US" smtClean="0"/>
-              <a:t>2016/11/12</a:t>
+              <a:t>2016/12/16</a:t>
             </a:fld>
             <a:endParaRPr lang="zh-CN" altLang="en-US"/>
           </a:p>
@@ -394,7 +394,7 @@
           <a:p>
             <a:fld id="{390D7B70-739F-46B8-8786-37DA01C23847}" type="datetimeFigureOut">
               <a:rPr lang="zh-CN" altLang="en-US" smtClean="0"/>
-              <a:t>2016/11/12</a:t>
+              <a:t>2016/12/16</a:t>
             </a:fld>
             <a:endParaRPr lang="zh-CN" altLang="en-US"/>
           </a:p>
@@ -2688,9 +2688,6 @@
           <a:bodyPr/>
           <a:lstStyle/>
           <a:p>
-            <a:endParaRPr lang="en-US" altLang="zh-CN" dirty="0" smtClean="0"/>
-          </a:p>
-          <a:p>
             <a:r>
               <a:rPr lang="zh-CN" altLang="en-US" b="1" dirty="0" smtClean="0"/>
               <a:t>评判影响力延展度大小的依据</a:t>
@@ -3446,7 +3443,7 @@
           <a:p>
             <a:fld id="{D468E895-2BED-4B89-8737-C13053ED3775}" type="datetime1">
               <a:rPr lang="zh-CN" altLang="en-US" smtClean="0"/>
-              <a:t>2016/11/12</a:t>
+              <a:t>2016/12/16</a:t>
             </a:fld>
             <a:endParaRPr lang="zh-CN" altLang="en-US"/>
           </a:p>
@@ -3624,7 +3621,7 @@
           <a:p>
             <a:fld id="{104D3C72-1350-4498-B7F7-C0D06391B969}" type="datetime1">
               <a:rPr lang="zh-CN" altLang="en-US" smtClean="0"/>
-              <a:t>2016/11/12</a:t>
+              <a:t>2016/12/16</a:t>
             </a:fld>
             <a:endParaRPr lang="zh-CN" altLang="en-US"/>
           </a:p>
@@ -3811,7 +3808,7 @@
           <a:p>
             <a:fld id="{7EE734A3-1FC5-4C4F-951E-90CBADCF8226}" type="datetime1">
               <a:rPr lang="zh-CN" altLang="en-US" smtClean="0"/>
-              <a:t>2016/11/12</a:t>
+              <a:t>2016/12/16</a:t>
             </a:fld>
             <a:endParaRPr lang="zh-CN" altLang="en-US"/>
           </a:p>
@@ -3995,7 +3992,7 @@
           <a:p>
             <a:fld id="{434D24B4-69D0-4189-8037-D7083A6CF5B3}" type="datetime1">
               <a:rPr lang="zh-CN" altLang="en-US" smtClean="0"/>
-              <a:t>2016/11/12</a:t>
+              <a:t>2016/12/16</a:t>
             </a:fld>
             <a:endParaRPr lang="zh-CN" altLang="en-US"/>
           </a:p>
@@ -4187,7 +4184,7 @@
           <a:p>
             <a:fld id="{E076972C-4993-4C9C-80E8-5D6204C04177}" type="datetime1">
               <a:rPr lang="zh-CN" altLang="en-US" smtClean="0"/>
-              <a:t>2016/11/12</a:t>
+              <a:t>2016/12/16</a:t>
             </a:fld>
             <a:endParaRPr lang="zh-CN" altLang="en-US"/>
           </a:p>
@@ -4379,7 +4376,7 @@
           <a:p>
             <a:fld id="{82F6CDB0-C4D4-4F59-A493-F56C87211419}" type="datetime1">
               <a:rPr lang="zh-CN" altLang="en-US" smtClean="0"/>
-              <a:t>2016/11/12</a:t>
+              <a:t>2016/12/16</a:t>
             </a:fld>
             <a:endParaRPr lang="zh-CN" altLang="en-US"/>
           </a:p>
@@ -4571,7 +4568,7 @@
           <a:p>
             <a:fld id="{B0C60F26-20FD-4E1B-AB65-52B807B75D6D}" type="datetime1">
               <a:rPr lang="zh-CN" altLang="en-US" smtClean="0"/>
-              <a:t>2016/11/12</a:t>
+              <a:t>2016/12/16</a:t>
             </a:fld>
             <a:endParaRPr lang="zh-CN" altLang="en-US"/>
           </a:p>
@@ -4756,7 +4753,7 @@
           <a:p>
             <a:fld id="{B2494A39-0159-4B2E-AD47-D0BB181F4B03}" type="datetime1">
               <a:rPr lang="zh-CN" altLang="en-US" smtClean="0"/>
-              <a:t>2016/11/12</a:t>
+              <a:t>2016/12/16</a:t>
             </a:fld>
             <a:endParaRPr lang="zh-CN" altLang="en-US"/>
           </a:p>
@@ -5007,7 +5004,7 @@
           <a:p>
             <a:fld id="{3260B8DA-CAB1-4F56-BC79-34B04FD3BCA3}" type="datetime1">
               <a:rPr lang="zh-CN" altLang="en-US" smtClean="0"/>
-              <a:t>2016/11/12</a:t>
+              <a:t>2016/12/16</a:t>
             </a:fld>
             <a:endParaRPr lang="zh-CN" altLang="en-US"/>
           </a:p>
@@ -5251,7 +5248,7 @@
           <a:p>
             <a:fld id="{A472A3E3-8796-4C5C-B6C1-801B24CB5A20}" type="datetime1">
               <a:rPr lang="zh-CN" altLang="en-US" smtClean="0"/>
-              <a:t>2016/11/12</a:t>
+              <a:t>2016/12/16</a:t>
             </a:fld>
             <a:endParaRPr lang="zh-CN" altLang="en-US"/>
           </a:p>
@@ -5625,7 +5622,7 @@
           <a:p>
             <a:fld id="{8EBDF594-6A12-459D-9D99-D5E5F495E2EC}" type="datetime1">
               <a:rPr lang="zh-CN" altLang="en-US" smtClean="0"/>
-              <a:t>2016/11/12</a:t>
+              <a:t>2016/12/16</a:t>
             </a:fld>
             <a:endParaRPr lang="zh-CN" altLang="en-US"/>
           </a:p>
@@ -5750,7 +5747,7 @@
           <a:p>
             <a:fld id="{09644570-F52D-43DC-B2E6-EC798EE8C159}" type="datetime1">
               <a:rPr lang="zh-CN" altLang="en-US" smtClean="0"/>
-              <a:t>2016/11/12</a:t>
+              <a:t>2016/12/16</a:t>
             </a:fld>
             <a:endParaRPr lang="zh-CN" altLang="en-US"/>
           </a:p>
@@ -5852,7 +5849,7 @@
           <a:p>
             <a:fld id="{59732DD0-5A2B-44DF-AC88-A7E8B48D56E8}" type="datetime1">
               <a:rPr lang="zh-CN" altLang="en-US" smtClean="0"/>
-              <a:t>2016/11/12</a:t>
+              <a:t>2016/12/16</a:t>
             </a:fld>
             <a:endParaRPr lang="zh-CN" altLang="en-US"/>
           </a:p>
@@ -6136,7 +6133,7 @@
           <a:p>
             <a:fld id="{6CD513BD-3DF7-47AD-9746-A85138DD326A}" type="datetime1">
               <a:rPr lang="zh-CN" altLang="en-US" smtClean="0"/>
-              <a:t>2016/11/12</a:t>
+              <a:t>2016/12/16</a:t>
             </a:fld>
             <a:endParaRPr lang="zh-CN" altLang="en-US"/>
           </a:p>
@@ -6401,7 +6398,7 @@
           <a:p>
             <a:fld id="{B7F52A3E-3393-4BA4-BA57-78D5CF5B1F15}" type="datetime1">
               <a:rPr lang="zh-CN" altLang="en-US" smtClean="0"/>
-              <a:t>2016/11/12</a:t>
+              <a:t>2016/12/16</a:t>
             </a:fld>
             <a:endParaRPr lang="zh-CN" altLang="en-US"/>
           </a:p>
@@ -6626,7 +6623,7 @@
           <a:p>
             <a:fld id="{5D6C920D-D6CE-4AE5-BA50-0577D0EAB39A}" type="datetime1">
               <a:rPr lang="zh-CN" altLang="en-US" smtClean="0"/>
-              <a:t>2016/11/12</a:t>
+              <a:t>2016/12/16</a:t>
             </a:fld>
             <a:endParaRPr lang="zh-CN" altLang="en-US"/>
           </a:p>
